--- a/Final PPT presentation.pptx
+++ b/Final PPT presentation.pptx
@@ -5,7 +5,7 @@
     <p:sldMasterId id="2147483648" r:id="rId1"/>
   </p:sldMasterIdLst>
   <p:notesMasterIdLst>
-    <p:notesMasterId r:id="rId31"/>
+    <p:notesMasterId r:id="rId25"/>
   </p:notesMasterIdLst>
   <p:sldIdLst>
     <p:sldId id="258" r:id="rId2"/>
@@ -23,20 +23,14 @@
     <p:sldId id="295" r:id="rId14"/>
     <p:sldId id="308" r:id="rId15"/>
     <p:sldId id="296" r:id="rId16"/>
-    <p:sldId id="297" r:id="rId17"/>
-    <p:sldId id="309" r:id="rId18"/>
-    <p:sldId id="317" r:id="rId19"/>
-    <p:sldId id="298" r:id="rId20"/>
-    <p:sldId id="314" r:id="rId21"/>
-    <p:sldId id="299" r:id="rId22"/>
-    <p:sldId id="312" r:id="rId23"/>
-    <p:sldId id="301" r:id="rId24"/>
-    <p:sldId id="315" r:id="rId25"/>
-    <p:sldId id="302" r:id="rId26"/>
-    <p:sldId id="313" r:id="rId27"/>
-    <p:sldId id="293" r:id="rId28"/>
-    <p:sldId id="280" r:id="rId29"/>
-    <p:sldId id="318" r:id="rId30"/>
+    <p:sldId id="319" r:id="rId17"/>
+    <p:sldId id="320" r:id="rId18"/>
+    <p:sldId id="321" r:id="rId19"/>
+    <p:sldId id="322" r:id="rId20"/>
+    <p:sldId id="323" r:id="rId21"/>
+    <p:sldId id="293" r:id="rId22"/>
+    <p:sldId id="280" r:id="rId23"/>
+    <p:sldId id="318" r:id="rId24"/>
   </p:sldIdLst>
   <p:sldSz cx="18288000" cy="10287000"/>
   <p:notesSz cx="18288000" cy="10287000"/>
@@ -236,7 +230,7 @@
           <a:p>
             <a:fld id="{1E1C856F-118E-4DAC-AF8B-BD168E7EC128}" type="datetimeFigureOut">
               <a:rPr lang="en-PH" smtClean="0"/>
-              <a:t>06/06/2022</a:t>
+              <a:t>09/06/2022</a:t>
             </a:fld>
             <a:endParaRPr lang="en-PH"/>
           </a:p>
@@ -780,7 +774,7 @@
           <a:bodyPr/>
           <a:lstStyle/>
           <a:p>
-            <a:endParaRPr lang="en-US" dirty="0"/>
+            <a:endParaRPr lang="en-PH" dirty="0"/>
           </a:p>
         </p:txBody>
       </p:sp>
@@ -801,7 +795,91 @@
           <a:p>
             <a:fld id="{1E741714-2B22-41F9-AAC3-71E3E135EC64}" type="slidenum">
               <a:rPr lang="en-PH" smtClean="0"/>
-              <a:t>29</a:t>
+              <a:t>17</a:t>
+            </a:fld>
+            <a:endParaRPr lang="en-PH"/>
+          </a:p>
+        </p:txBody>
+      </p:sp>
+    </p:spTree>
+    <p:extLst>
+      <p:ext uri="{BB962C8B-B14F-4D97-AF65-F5344CB8AC3E}">
+        <p14:creationId xmlns:p14="http://schemas.microsoft.com/office/powerpoint/2010/main" val="346594625"/>
+      </p:ext>
+    </p:extLst>
+  </p:cSld>
+  <p:clrMapOvr>
+    <a:masterClrMapping/>
+  </p:clrMapOvr>
+</p:notes>
+</file>
+
+<file path=ppt/notesSlides/notesSlide5.xml><?xml version="1.0" encoding="utf-8"?>
+<p:notes xmlns:a="http://schemas.openxmlformats.org/drawingml/2006/main" xmlns:r="http://schemas.openxmlformats.org/officeDocument/2006/relationships" xmlns:p="http://schemas.openxmlformats.org/presentationml/2006/main">
+  <p:cSld>
+    <p:spTree>
+      <p:nvGrpSpPr>
+        <p:cNvPr id="1" name=""/>
+        <p:cNvGrpSpPr/>
+        <p:nvPr/>
+      </p:nvGrpSpPr>
+      <p:grpSpPr>
+        <a:xfrm>
+          <a:off x="0" y="0"/>
+          <a:ext cx="0" cy="0"/>
+          <a:chOff x="0" y="0"/>
+          <a:chExt cx="0" cy="0"/>
+        </a:xfrm>
+      </p:grpSpPr>
+      <p:sp>
+        <p:nvSpPr>
+          <p:cNvPr id="2" name="Slide Image Placeholder 1"/>
+          <p:cNvSpPr>
+            <a:spLocks noGrp="1" noRot="1" noChangeAspect="1"/>
+          </p:cNvSpPr>
+          <p:nvPr>
+            <p:ph type="sldImg"/>
+          </p:nvPr>
+        </p:nvSpPr>
+        <p:spPr/>
+      </p:sp>
+      <p:sp>
+        <p:nvSpPr>
+          <p:cNvPr id="3" name="Notes Placeholder 2"/>
+          <p:cNvSpPr>
+            <a:spLocks noGrp="1"/>
+          </p:cNvSpPr>
+          <p:nvPr>
+            <p:ph type="body" idx="1"/>
+          </p:nvPr>
+        </p:nvSpPr>
+        <p:spPr/>
+        <p:txBody>
+          <a:bodyPr/>
+          <a:lstStyle/>
+          <a:p>
+            <a:endParaRPr lang="en-US" dirty="0"/>
+          </a:p>
+        </p:txBody>
+      </p:sp>
+      <p:sp>
+        <p:nvSpPr>
+          <p:cNvPr id="4" name="Slide Number Placeholder 3"/>
+          <p:cNvSpPr>
+            <a:spLocks noGrp="1"/>
+          </p:cNvSpPr>
+          <p:nvPr>
+            <p:ph type="sldNum" sz="quarter" idx="5"/>
+          </p:nvPr>
+        </p:nvSpPr>
+        <p:spPr/>
+        <p:txBody>
+          <a:bodyPr/>
+          <a:lstStyle/>
+          <a:p>
+            <a:fld id="{1E741714-2B22-41F9-AAC3-71E3E135EC64}" type="slidenum">
+              <a:rPr lang="en-PH" smtClean="0"/>
+              <a:t>23</a:t>
             </a:fld>
             <a:endParaRPr lang="en-PH"/>
           </a:p>
@@ -959,7 +1037,7 @@
           <a:p>
             <a:fld id="{1D8BD707-D9CF-40AE-B4C6-C98DA3205C09}" type="datetimeFigureOut">
               <a:rPr lang="en-US"/>
-              <a:t>6/6/2022</a:t>
+              <a:t>6/9/2022</a:t>
             </a:fld>
             <a:endParaRPr lang="en-US"/>
           </a:p>
@@ -1137,7 +1215,7 @@
           <a:p>
             <a:fld id="{1D8BD707-D9CF-40AE-B4C6-C98DA3205C09}" type="datetimeFigureOut">
               <a:rPr lang="en-US"/>
-              <a:t>6/6/2022</a:t>
+              <a:t>6/9/2022</a:t>
             </a:fld>
             <a:endParaRPr lang="en-US"/>
           </a:p>
@@ -1352,7 +1430,7 @@
           <a:p>
             <a:fld id="{1D8BD707-D9CF-40AE-B4C6-C98DA3205C09}" type="datetimeFigureOut">
               <a:rPr lang="en-US"/>
-              <a:t>6/6/2022</a:t>
+              <a:t>6/9/2022</a:t>
             </a:fld>
             <a:endParaRPr lang="en-US"/>
           </a:p>
@@ -1501,7 +1579,7 @@
           <a:p>
             <a:fld id="{1D8BD707-D9CF-40AE-B4C6-C98DA3205C09}" type="datetimeFigureOut">
               <a:rPr lang="en-US"/>
-              <a:t>6/6/2022</a:t>
+              <a:t>6/9/2022</a:t>
             </a:fld>
             <a:endParaRPr lang="en-US"/>
           </a:p>
@@ -1621,7 +1699,7 @@
           <a:p>
             <a:fld id="{1D8BD707-D9CF-40AE-B4C6-C98DA3205C09}" type="datetimeFigureOut">
               <a:rPr lang="en-US"/>
-              <a:t>6/6/2022</a:t>
+              <a:t>6/9/2022</a:t>
             </a:fld>
             <a:endParaRPr lang="en-US"/>
           </a:p>
@@ -1847,7 +1925,7 @@
           <a:p>
             <a:fld id="{1D8BD707-D9CF-40AE-B4C6-C98DA3205C09}" type="datetimeFigureOut">
               <a:rPr lang="en-US"/>
-              <a:t>6/6/2022</a:t>
+              <a:t>6/9/2022</a:t>
             </a:fld>
             <a:endParaRPr lang="en-US"/>
           </a:p>
@@ -8848,7 +8926,7 @@
 </file>
 
 <file path=ppt/slides/slide16.xml><?xml version="1.0" encoding="utf-8"?>
-<p:sld xmlns:a="http://schemas.openxmlformats.org/drawingml/2006/main" xmlns:r="http://schemas.openxmlformats.org/officeDocument/2006/relationships" xmlns:p="http://schemas.openxmlformats.org/presentationml/2006/main" showMasterSp="0">
+<p:sld xmlns:a="http://schemas.openxmlformats.org/drawingml/2006/main" xmlns:r="http://schemas.openxmlformats.org/officeDocument/2006/relationships" xmlns:p="http://schemas.openxmlformats.org/presentationml/2006/main">
   <p:cSld>
     <p:spTree>
       <p:nvGrpSpPr>
@@ -8961,75 +9039,6 @@
           <a:lstStyle/>
           <a:p>
             <a:endParaRPr/>
-          </a:p>
-        </p:txBody>
-      </p:sp>
-      <p:sp>
-        <p:nvSpPr>
-          <p:cNvPr id="7" name="object 7"/>
-          <p:cNvSpPr txBox="1">
-            <a:spLocks noGrp="1"/>
-          </p:cNvSpPr>
-          <p:nvPr>
-            <p:ph type="title"/>
-          </p:nvPr>
-        </p:nvSpPr>
-        <p:spPr>
-          <a:xfrm>
-            <a:off x="6705600" y="1453240"/>
-            <a:ext cx="1091136" cy="689932"/>
-          </a:xfrm>
-          <a:prstGeom prst="rect">
-            <a:avLst/>
-          </a:prstGeom>
-        </p:spPr>
-        <p:txBody>
-          <a:bodyPr vert="horz" wrap="square" lIns="0" tIns="12700" rIns="0" bIns="0" rtlCol="0">
-            <a:spAutoFit/>
-          </a:bodyPr>
-          <a:lstStyle/>
-          <a:p>
-            <a:pPr marL="12700">
-              <a:lnSpc>
-                <a:spcPct val="100000"/>
-              </a:lnSpc>
-              <a:spcBef>
-                <a:spcPts val="100"/>
-              </a:spcBef>
-            </a:pPr>
-            <a:r>
-              <a:rPr lang="en-US" sz="4400" spc="-70" dirty="0">
-                <a:solidFill>
-                  <a:schemeClr val="accent5">
-                    <a:lumMod val="50000"/>
-                  </a:schemeClr>
-                </a:solidFill>
-                <a:latin typeface="Cambria" panose="02040503050406030204"/>
-                <a:cs typeface="Cambria" panose="02040503050406030204"/>
-              </a:rPr>
-              <a:t>0</a:t>
-            </a:r>
-            <a:r>
-              <a:rPr lang="en-US" sz="4400" spc="35" dirty="0">
-                <a:solidFill>
-                  <a:schemeClr val="accent5">
-                    <a:lumMod val="50000"/>
-                  </a:schemeClr>
-                </a:solidFill>
-                <a:latin typeface="Cambria" panose="02040503050406030204"/>
-                <a:cs typeface="Cambria" panose="02040503050406030204"/>
-              </a:rPr>
-              <a:t>1.</a:t>
-            </a:r>
-            <a:endParaRPr lang="en-US" sz="4400" dirty="0">
-              <a:solidFill>
-                <a:schemeClr val="accent5">
-                  <a:lumMod val="50000"/>
-                </a:schemeClr>
-              </a:solidFill>
-              <a:latin typeface="Cambria" panose="02040503050406030204"/>
-              <a:cs typeface="Cambria" panose="02040503050406030204"/>
-            </a:endParaRPr>
           </a:p>
         </p:txBody>
       </p:sp>
@@ -9878,6 +9887,208 @@
           </a:p>
         </p:txBody>
       </p:sp>
+      <p:sp>
+        <p:nvSpPr>
+          <p:cNvPr id="34" name="Rectangle 33"/>
+          <p:cNvSpPr/>
+          <p:nvPr/>
+        </p:nvSpPr>
+        <p:spPr>
+          <a:xfrm>
+            <a:off x="6096000" y="7505699"/>
+            <a:ext cx="5671748" cy="2590801"/>
+          </a:xfrm>
+          <a:prstGeom prst="rect">
+            <a:avLst/>
+          </a:prstGeom>
+          <a:ln w="38100"/>
+        </p:spPr>
+        <p:style>
+          <a:lnRef idx="2">
+            <a:schemeClr val="dk1"/>
+          </a:lnRef>
+          <a:fillRef idx="1">
+            <a:schemeClr val="lt1"/>
+          </a:fillRef>
+          <a:effectRef idx="0">
+            <a:schemeClr val="dk1"/>
+          </a:effectRef>
+          <a:fontRef idx="minor">
+            <a:schemeClr val="dk1"/>
+          </a:fontRef>
+        </p:style>
+        <p:txBody>
+          <a:bodyPr rtlCol="0" anchor="ctr"/>
+          <a:lstStyle/>
+          <a:p>
+            <a:pPr algn="ctr"/>
+            <a:endParaRPr lang="en-PH" dirty="0"/>
+          </a:p>
+        </p:txBody>
+      </p:sp>
+      <p:pic>
+        <p:nvPicPr>
+          <p:cNvPr id="6" name="Picture 5"/>
+          <p:cNvPicPr>
+            <a:picLocks noChangeAspect="1"/>
+          </p:cNvPicPr>
+          <p:nvPr/>
+        </p:nvPicPr>
+        <p:blipFill>
+          <a:blip r:embed="rId2" cstate="print">
+            <a:extLst>
+              <a:ext uri="{28A0092B-C50C-407E-A947-70E740481C1C}">
+                <a14:useLocalDpi xmlns:a14="http://schemas.microsoft.com/office/drawing/2010/main" val="0"/>
+              </a:ext>
+            </a:extLst>
+          </a:blip>
+          <a:stretch>
+            <a:fillRect/>
+          </a:stretch>
+        </p:blipFill>
+        <p:spPr>
+          <a:xfrm>
+            <a:off x="10001256" y="8144128"/>
+            <a:ext cx="1336164" cy="1336164"/>
+          </a:xfrm>
+          <a:prstGeom prst="rect">
+            <a:avLst/>
+          </a:prstGeom>
+        </p:spPr>
+      </p:pic>
+      <p:sp>
+        <p:nvSpPr>
+          <p:cNvPr id="37" name="TextBox 36"/>
+          <p:cNvSpPr txBox="1"/>
+          <p:nvPr/>
+        </p:nvSpPr>
+        <p:spPr>
+          <a:xfrm>
+            <a:off x="6096000" y="8191500"/>
+            <a:ext cx="3909240" cy="1200329"/>
+          </a:xfrm>
+          <a:prstGeom prst="rect">
+            <a:avLst/>
+          </a:prstGeom>
+          <a:noFill/>
+        </p:spPr>
+        <p:txBody>
+          <a:bodyPr wrap="square" rtlCol="0">
+            <a:spAutoFit/>
+          </a:bodyPr>
+          <a:lstStyle/>
+          <a:p>
+            <a:pPr algn="r"/>
+            <a:r>
+              <a:rPr lang="en-US" sz="3600" b="1" dirty="0">
+                <a:latin typeface="Tahoma" panose="020B0604030504040204" pitchFamily="34" charset="0"/>
+                <a:ea typeface="Tahoma" panose="020B0604030504040204" pitchFamily="34" charset="0"/>
+                <a:cs typeface="Tahoma" panose="020B0604030504040204" pitchFamily="34" charset="0"/>
+              </a:rPr>
+              <a:t>HURRICANE</a:t>
+            </a:r>
+          </a:p>
+          <a:p>
+            <a:pPr algn="r"/>
+            <a:r>
+              <a:rPr lang="en-US" sz="3600" b="1" dirty="0">
+                <a:latin typeface="Tahoma" panose="020B0604030504040204" pitchFamily="34" charset="0"/>
+                <a:ea typeface="Tahoma" panose="020B0604030504040204" pitchFamily="34" charset="0"/>
+                <a:cs typeface="Tahoma" panose="020B0604030504040204" pitchFamily="34" charset="0"/>
+              </a:rPr>
+              <a:t>IRMA</a:t>
+            </a:r>
+            <a:endParaRPr lang="en-PH" sz="3600" b="1" dirty="0">
+              <a:latin typeface="Tahoma" panose="020B0604030504040204" pitchFamily="34" charset="0"/>
+              <a:ea typeface="Tahoma" panose="020B0604030504040204" pitchFamily="34" charset="0"/>
+              <a:cs typeface="Tahoma" panose="020B0604030504040204" pitchFamily="34" charset="0"/>
+            </a:endParaRPr>
+          </a:p>
+        </p:txBody>
+      </p:sp>
+      <p:pic>
+        <p:nvPicPr>
+          <p:cNvPr id="32" name="Picture 31">
+            <a:extLst>
+              <a:ext uri="{FF2B5EF4-FFF2-40B4-BE49-F238E27FC236}">
+                <a16:creationId xmlns:a16="http://schemas.microsoft.com/office/drawing/2014/main" id="{5C16CAF7-7623-38EB-36E6-CEE8A67EEF99}"/>
+              </a:ext>
+            </a:extLst>
+          </p:cNvPr>
+          <p:cNvPicPr>
+            <a:picLocks noChangeAspect="1"/>
+          </p:cNvPicPr>
+          <p:nvPr/>
+        </p:nvPicPr>
+        <p:blipFill>
+          <a:blip r:embed="rId3">
+            <a:extLst>
+              <a:ext uri="{28A0092B-C50C-407E-A947-70E740481C1C}">
+                <a14:useLocalDpi xmlns:a14="http://schemas.microsoft.com/office/drawing/2010/main" val="0"/>
+              </a:ext>
+            </a:extLst>
+          </a:blip>
+          <a:srcRect/>
+          <a:stretch/>
+        </p:blipFill>
+        <p:spPr>
+          <a:xfrm>
+            <a:off x="6115205" y="495301"/>
+            <a:ext cx="11653391" cy="6660752"/>
+          </a:xfrm>
+          <a:prstGeom prst="rect">
+            <a:avLst/>
+          </a:prstGeom>
+          <a:ln w="38100">
+            <a:solidFill>
+              <a:schemeClr val="tx1"/>
+            </a:solidFill>
+          </a:ln>
+        </p:spPr>
+      </p:pic>
+      <p:pic>
+        <p:nvPicPr>
+          <p:cNvPr id="7" name="Picture 6">
+            <a:extLst>
+              <a:ext uri="{FF2B5EF4-FFF2-40B4-BE49-F238E27FC236}">
+                <a16:creationId xmlns:a16="http://schemas.microsoft.com/office/drawing/2014/main" id="{8C5DBC32-8450-FA6C-A596-F1460513B3FB}"/>
+              </a:ext>
+            </a:extLst>
+          </p:cNvPr>
+          <p:cNvPicPr>
+            <a:picLocks noChangeAspect="1"/>
+          </p:cNvPicPr>
+          <p:nvPr/>
+        </p:nvPicPr>
+        <p:blipFill rotWithShape="1">
+          <a:blip r:embed="rId4"/>
+          <a:srcRect l="8662" t="38148" r="71444" b="33689"/>
+          <a:stretch/>
+        </p:blipFill>
+        <p:spPr>
+          <a:xfrm>
+            <a:off x="12096848" y="7505699"/>
+            <a:ext cx="5671748" cy="2590801"/>
+          </a:xfrm>
+          <a:prstGeom prst="rect">
+            <a:avLst/>
+          </a:prstGeom>
+          <a:ln w="38100" cap="sq">
+            <a:solidFill>
+              <a:srgbClr val="000000"/>
+            </a:solidFill>
+            <a:prstDash val="solid"/>
+            <a:miter lim="800000"/>
+          </a:ln>
+          <a:effectLst>
+            <a:outerShdw blurRad="50800" dist="38100" dir="2700000" algn="tl" rotWithShape="0">
+              <a:srgbClr val="000000">
+                <a:alpha val="43000"/>
+              </a:srgbClr>
+            </a:outerShdw>
+          </a:effectLst>
+        </p:spPr>
+      </p:pic>
     </p:spTree>
   </p:cSld>
   <p:clrMapOvr>
@@ -9887,7 +10098,7 @@
 </file>
 
 <file path=ppt/slides/slide17.xml><?xml version="1.0" encoding="utf-8"?>
-<p:sld xmlns:a="http://schemas.openxmlformats.org/drawingml/2006/main" xmlns:r="http://schemas.openxmlformats.org/officeDocument/2006/relationships" xmlns:p="http://schemas.openxmlformats.org/presentationml/2006/main" showMasterSp="0">
+<p:sld xmlns:a="http://schemas.openxmlformats.org/drawingml/2006/main" xmlns:r="http://schemas.openxmlformats.org/officeDocument/2006/relationships" xmlns:p="http://schemas.openxmlformats.org/presentationml/2006/main">
   <p:cSld>
     <p:spTree>
       <p:nvGrpSpPr>
@@ -10441,7 +10652,7 @@
           <a:prstGeom prst="rect">
             <a:avLst/>
           </a:prstGeom>
-          <a:ln w="57150"/>
+          <a:ln w="28575"/>
         </p:spPr>
         <p:style>
           <a:lnRef idx="2">
@@ -10483,7 +10694,6 @@
           <a:prstGeom prst="chevron">
             <a:avLst/>
           </a:prstGeom>
-          <a:ln w="57150"/>
         </p:spPr>
         <p:style>
           <a:lnRef idx="2">
@@ -10526,7 +10736,7 @@
           <a:prstGeom prst="rect">
             <a:avLst/>
           </a:prstGeom>
-          <a:ln w="28575"/>
+          <a:ln w="57150"/>
         </p:spPr>
         <p:style>
           <a:lnRef idx="2">
@@ -10610,6 +10820,7 @@
           <a:prstGeom prst="chevron">
             <a:avLst/>
           </a:prstGeom>
+          <a:ln w="57150"/>
         </p:spPr>
         <p:style>
           <a:lnRef idx="2">
@@ -10848,168 +11059,86 @@
           </a:p>
         </p:txBody>
       </p:sp>
-      <p:sp>
-        <p:nvSpPr>
-          <p:cNvPr id="34" name="Rectangle 33"/>
-          <p:cNvSpPr/>
-          <p:nvPr/>
-        </p:nvSpPr>
-        <p:spPr>
-          <a:xfrm>
-            <a:off x="6096000" y="8343900"/>
-            <a:ext cx="5671748" cy="1752600"/>
-          </a:xfrm>
-          <a:prstGeom prst="rect">
-            <a:avLst/>
-          </a:prstGeom>
-          <a:ln w="38100"/>
-        </p:spPr>
-        <p:style>
-          <a:lnRef idx="2">
-            <a:schemeClr val="dk1"/>
-          </a:lnRef>
-          <a:fillRef idx="1">
-            <a:schemeClr val="lt1"/>
-          </a:fillRef>
-          <a:effectRef idx="0">
-            <a:schemeClr val="dk1"/>
-          </a:effectRef>
-          <a:fontRef idx="minor">
-            <a:schemeClr val="dk1"/>
-          </a:fontRef>
-        </p:style>
-        <p:txBody>
-          <a:bodyPr rtlCol="0" anchor="ctr"/>
-          <a:lstStyle/>
-          <a:p>
-            <a:pPr algn="ctr"/>
-            <a:endParaRPr lang="en-PH" dirty="0"/>
-          </a:p>
-        </p:txBody>
-      </p:sp>
-      <p:sp>
-        <p:nvSpPr>
-          <p:cNvPr id="35" name="Rectangle 34"/>
-          <p:cNvSpPr/>
-          <p:nvPr/>
-        </p:nvSpPr>
-        <p:spPr>
-          <a:xfrm>
-            <a:off x="12096848" y="8343900"/>
-            <a:ext cx="5671748" cy="1752600"/>
-          </a:xfrm>
-          <a:prstGeom prst="rect">
-            <a:avLst/>
-          </a:prstGeom>
-          <a:ln w="38100"/>
-        </p:spPr>
-        <p:style>
-          <a:lnRef idx="2">
-            <a:schemeClr val="dk1"/>
-          </a:lnRef>
-          <a:fillRef idx="1">
-            <a:schemeClr val="lt1"/>
-          </a:fillRef>
-          <a:effectRef idx="0">
-            <a:schemeClr val="dk1"/>
-          </a:effectRef>
-          <a:fontRef idx="minor">
-            <a:schemeClr val="dk1"/>
-          </a:fontRef>
-        </p:style>
-        <p:txBody>
-          <a:bodyPr rtlCol="0" anchor="ctr"/>
-          <a:lstStyle/>
-          <a:p>
-            <a:pPr algn="ctr"/>
-            <a:endParaRPr lang="en-PH" dirty="0"/>
-          </a:p>
-        </p:txBody>
-      </p:sp>
       <p:pic>
         <p:nvPicPr>
-          <p:cNvPr id="6" name="Picture 5"/>
+          <p:cNvPr id="26" name="Picture 25">
+            <a:extLst>
+              <a:ext uri="{FF2B5EF4-FFF2-40B4-BE49-F238E27FC236}">
+                <a16:creationId xmlns:a16="http://schemas.microsoft.com/office/drawing/2014/main" id="{7FA1EC15-E3E0-7A65-CDCE-74BD6FBB06B5}"/>
+              </a:ext>
+            </a:extLst>
+          </p:cNvPr>
           <p:cNvPicPr>
             <a:picLocks noChangeAspect="1"/>
           </p:cNvPicPr>
           <p:nvPr/>
         </p:nvPicPr>
         <p:blipFill>
-          <a:blip r:embed="rId2" cstate="print">
+          <a:blip r:embed="rId3">
             <a:extLst>
               <a:ext uri="{28A0092B-C50C-407E-A947-70E740481C1C}">
                 <a14:useLocalDpi xmlns:a14="http://schemas.microsoft.com/office/drawing/2010/main" val="0"/>
               </a:ext>
             </a:extLst>
           </a:blip>
-          <a:stretch>
-            <a:fillRect/>
-          </a:stretch>
+          <a:srcRect/>
+          <a:stretch/>
         </p:blipFill>
         <p:spPr>
           <a:xfrm>
-            <a:off x="9906000" y="8648700"/>
-            <a:ext cx="1143000" cy="1143000"/>
+            <a:off x="6019800" y="278305"/>
+            <a:ext cx="11928142" cy="7455995"/>
           </a:xfrm>
           <a:prstGeom prst="rect">
             <a:avLst/>
           </a:prstGeom>
+          <a:ln w="38100">
+            <a:solidFill>
+              <a:schemeClr val="tx1"/>
+            </a:solidFill>
+          </a:ln>
         </p:spPr>
       </p:pic>
-      <p:sp>
-        <p:nvSpPr>
-          <p:cNvPr id="37" name="TextBox 36"/>
-          <p:cNvSpPr txBox="1"/>
-          <p:nvPr/>
-        </p:nvSpPr>
-        <p:spPr>
-          <a:xfrm>
-            <a:off x="7086600" y="8714482"/>
-            <a:ext cx="2901252" cy="1077218"/>
-          </a:xfrm>
-          <a:prstGeom prst="rect">
-            <a:avLst/>
-          </a:prstGeom>
-          <a:noFill/>
-        </p:spPr>
-        <p:txBody>
-          <a:bodyPr wrap="square" rtlCol="0">
-            <a:spAutoFit/>
-          </a:bodyPr>
-          <a:lstStyle/>
-          <a:p>
-            <a:r>
-              <a:rPr lang="en-US" sz="3200" b="1" dirty="0">
-                <a:latin typeface="Tahoma" panose="020B0604030504040204" pitchFamily="34" charset="0"/>
-                <a:ea typeface="Tahoma" panose="020B0604030504040204" pitchFamily="34" charset="0"/>
-                <a:cs typeface="Tahoma" panose="020B0604030504040204" pitchFamily="34" charset="0"/>
-              </a:rPr>
-              <a:t>HURRICANE</a:t>
-            </a:r>
-          </a:p>
-          <a:p>
-            <a:r>
-              <a:rPr lang="en-US" sz="3200" b="1" dirty="0">
-                <a:latin typeface="Tahoma" panose="020B0604030504040204" pitchFamily="34" charset="0"/>
-                <a:ea typeface="Tahoma" panose="020B0604030504040204" pitchFamily="34" charset="0"/>
-                <a:cs typeface="Tahoma" panose="020B0604030504040204" pitchFamily="34" charset="0"/>
-              </a:rPr>
-              <a:t>IRMA</a:t>
-            </a:r>
-            <a:endParaRPr lang="en-PH" sz="3200" b="1" dirty="0">
-              <a:latin typeface="Tahoma" panose="020B0604030504040204" pitchFamily="34" charset="0"/>
-              <a:ea typeface="Tahoma" panose="020B0604030504040204" pitchFamily="34" charset="0"/>
-              <a:cs typeface="Tahoma" panose="020B0604030504040204" pitchFamily="34" charset="0"/>
-            </a:endParaRPr>
-          </a:p>
-        </p:txBody>
-      </p:sp>
-      <p:sp>
-        <p:nvSpPr>
-          <p:cNvPr id="26" name="Rectangle 25">
+      <p:pic>
+        <p:nvPicPr>
+          <p:cNvPr id="8" name="Picture 7">
             <a:extLst>
               <a:ext uri="{FF2B5EF4-FFF2-40B4-BE49-F238E27FC236}">
-                <a16:creationId xmlns:a16="http://schemas.microsoft.com/office/drawing/2014/main" id="{44253FCC-8F6D-A366-A963-09C50E0BA196}"/>
+                <a16:creationId xmlns:a16="http://schemas.microsoft.com/office/drawing/2014/main" id="{0B65E4D3-73E9-1FCF-5731-1053B6B6DC40}"/>
+              </a:ext>
+            </a:extLst>
+          </p:cNvPr>
+          <p:cNvPicPr>
+            <a:picLocks noChangeAspect="1"/>
+          </p:cNvPicPr>
+          <p:nvPr/>
+        </p:nvPicPr>
+        <p:blipFill rotWithShape="1">
+          <a:blip r:embed="rId4"/>
+          <a:srcRect l="10299" t="35926" r="67348" b="36726"/>
+          <a:stretch/>
+        </p:blipFill>
+        <p:spPr>
+          <a:xfrm>
+            <a:off x="11684758" y="7905749"/>
+            <a:ext cx="6289342" cy="2149808"/>
+          </a:xfrm>
+          <a:prstGeom prst="rect">
+            <a:avLst/>
+          </a:prstGeom>
+          <a:ln w="38100">
+            <a:solidFill>
+              <a:schemeClr val="tx1"/>
+            </a:solidFill>
+          </a:ln>
+        </p:spPr>
+      </p:pic>
+      <p:sp>
+        <p:nvSpPr>
+          <p:cNvPr id="37" name="Rectangle 36">
+            <a:extLst>
+              <a:ext uri="{FF2B5EF4-FFF2-40B4-BE49-F238E27FC236}">
+                <a16:creationId xmlns:a16="http://schemas.microsoft.com/office/drawing/2014/main" id="{8C7F6BEA-4426-BA91-BE6C-7E47071F3825}"/>
               </a:ext>
             </a:extLst>
           </p:cNvPr>
@@ -11018,12 +11147,13 @@
         </p:nvSpPr>
         <p:spPr>
           <a:xfrm>
-            <a:off x="6096000" y="1160910"/>
-            <a:ext cx="11626852" cy="6905872"/>
+            <a:off x="5999329" y="7905749"/>
+            <a:ext cx="5430671" cy="2157201"/>
           </a:xfrm>
           <a:prstGeom prst="rect">
             <a:avLst/>
           </a:prstGeom>
+          <a:ln w="38100"/>
         </p:spPr>
         <p:style>
           <a:lnRef idx="2">
@@ -11044,10 +11174,139 @@
           <a:lstStyle/>
           <a:p>
             <a:pPr algn="ctr"/>
+            <a:endParaRPr lang="en-PH" dirty="0"/>
+          </a:p>
+        </p:txBody>
+      </p:sp>
+      <p:sp>
+        <p:nvSpPr>
+          <p:cNvPr id="38" name="TextBox 37">
+            <a:extLst>
+              <a:ext uri="{FF2B5EF4-FFF2-40B4-BE49-F238E27FC236}">
+                <a16:creationId xmlns:a16="http://schemas.microsoft.com/office/drawing/2014/main" id="{DB797916-154F-53DA-25A8-66EA0B92C0E8}"/>
+              </a:ext>
+            </a:extLst>
+          </p:cNvPr>
+          <p:cNvSpPr txBox="1"/>
+          <p:nvPr/>
+        </p:nvSpPr>
+        <p:spPr>
+          <a:xfrm>
+            <a:off x="6148821" y="7960015"/>
+            <a:ext cx="1174729" cy="461665"/>
+          </a:xfrm>
+          <a:prstGeom prst="rect">
+            <a:avLst/>
+          </a:prstGeom>
+          <a:noFill/>
+        </p:spPr>
+        <p:txBody>
+          <a:bodyPr wrap="square" rtlCol="0">
+            <a:spAutoFit/>
+          </a:bodyPr>
+          <a:lstStyle/>
+          <a:p>
             <a:r>
-              <a:rPr lang="en-US" dirty="0"/>
-              <a:t>GRAPH</a:t>
+              <a:rPr lang="en-US" sz="2400" dirty="0">
+                <a:latin typeface="Tahoma" panose="020B0604030504040204" pitchFamily="34" charset="0"/>
+                <a:ea typeface="Tahoma" panose="020B0604030504040204" pitchFamily="34" charset="0"/>
+                <a:cs typeface="Tahoma" panose="020B0604030504040204" pitchFamily="34" charset="0"/>
+              </a:rPr>
+              <a:t>HAITI</a:t>
             </a:r>
+            <a:endParaRPr lang="en-PH" sz="2400" dirty="0">
+              <a:latin typeface="Tahoma" panose="020B0604030504040204" pitchFamily="34" charset="0"/>
+              <a:ea typeface="Tahoma" panose="020B0604030504040204" pitchFamily="34" charset="0"/>
+              <a:cs typeface="Tahoma" panose="020B0604030504040204" pitchFamily="34" charset="0"/>
+            </a:endParaRPr>
+          </a:p>
+        </p:txBody>
+      </p:sp>
+      <p:sp>
+        <p:nvSpPr>
+          <p:cNvPr id="39" name="TextBox 38">
+            <a:extLst>
+              <a:ext uri="{FF2B5EF4-FFF2-40B4-BE49-F238E27FC236}">
+                <a16:creationId xmlns:a16="http://schemas.microsoft.com/office/drawing/2014/main" id="{41F627D3-DDC4-957C-D5FB-4476979C8848}"/>
+              </a:ext>
+            </a:extLst>
+          </p:cNvPr>
+          <p:cNvSpPr txBox="1"/>
+          <p:nvPr/>
+        </p:nvSpPr>
+        <p:spPr>
+          <a:xfrm>
+            <a:off x="7810892" y="8370418"/>
+            <a:ext cx="2209539" cy="1015663"/>
+          </a:xfrm>
+          <a:prstGeom prst="rect">
+            <a:avLst/>
+          </a:prstGeom>
+          <a:noFill/>
+        </p:spPr>
+        <p:txBody>
+          <a:bodyPr wrap="square" rtlCol="0">
+            <a:spAutoFit/>
+          </a:bodyPr>
+          <a:lstStyle/>
+          <a:p>
+            <a:r>
+              <a:rPr lang="en-US" sz="6000" b="1" dirty="0">
+                <a:latin typeface="Tahoma" panose="020B0604030504040204" pitchFamily="34" charset="0"/>
+                <a:ea typeface="Tahoma" panose="020B0604030504040204" pitchFamily="34" charset="0"/>
+                <a:cs typeface="Tahoma" panose="020B0604030504040204" pitchFamily="34" charset="0"/>
+              </a:rPr>
+              <a:t>4343</a:t>
+            </a:r>
+            <a:endParaRPr lang="en-PH" sz="6000" b="1" dirty="0">
+              <a:latin typeface="Tahoma" panose="020B0604030504040204" pitchFamily="34" charset="0"/>
+              <a:ea typeface="Tahoma" panose="020B0604030504040204" pitchFamily="34" charset="0"/>
+              <a:cs typeface="Tahoma" panose="020B0604030504040204" pitchFamily="34" charset="0"/>
+            </a:endParaRPr>
+          </a:p>
+        </p:txBody>
+      </p:sp>
+      <p:sp>
+        <p:nvSpPr>
+          <p:cNvPr id="40" name="TextBox 39">
+            <a:extLst>
+              <a:ext uri="{FF2B5EF4-FFF2-40B4-BE49-F238E27FC236}">
+                <a16:creationId xmlns:a16="http://schemas.microsoft.com/office/drawing/2014/main" id="{B3B13814-EE3F-73F3-030D-DC4F19D1D43B}"/>
+              </a:ext>
+            </a:extLst>
+          </p:cNvPr>
+          <p:cNvSpPr txBox="1"/>
+          <p:nvPr/>
+        </p:nvSpPr>
+        <p:spPr>
+          <a:xfrm>
+            <a:off x="7575101" y="9267196"/>
+            <a:ext cx="2552831" cy="461665"/>
+          </a:xfrm>
+          <a:prstGeom prst="rect">
+            <a:avLst/>
+          </a:prstGeom>
+          <a:noFill/>
+        </p:spPr>
+        <p:txBody>
+          <a:bodyPr wrap="square" rtlCol="0">
+            <a:spAutoFit/>
+          </a:bodyPr>
+          <a:lstStyle/>
+          <a:p>
+            <a:r>
+              <a:rPr lang="en-US" sz="2400" b="1" dirty="0">
+                <a:latin typeface="Tahoma" panose="020B0604030504040204" pitchFamily="34" charset="0"/>
+                <a:ea typeface="Tahoma" panose="020B0604030504040204" pitchFamily="34" charset="0"/>
+                <a:cs typeface="Tahoma" panose="020B0604030504040204" pitchFamily="34" charset="0"/>
+              </a:rPr>
+              <a:t>TOTAL DEATHS </a:t>
+            </a:r>
+            <a:endParaRPr lang="en-PH" sz="2400" b="1" dirty="0">
+              <a:latin typeface="Tahoma" panose="020B0604030504040204" pitchFamily="34" charset="0"/>
+              <a:ea typeface="Tahoma" panose="020B0604030504040204" pitchFamily="34" charset="0"/>
+              <a:cs typeface="Tahoma" panose="020B0604030504040204" pitchFamily="34" charset="0"/>
+            </a:endParaRPr>
           </a:p>
         </p:txBody>
       </p:sp>
@@ -11060,7 +11319,7 @@
 </file>
 
 <file path=ppt/slides/slide18.xml><?xml version="1.0" encoding="utf-8"?>
-<p:sld xmlns:a="http://schemas.openxmlformats.org/drawingml/2006/main" xmlns:r="http://schemas.openxmlformats.org/officeDocument/2006/relationships" xmlns:p="http://schemas.openxmlformats.org/presentationml/2006/main" showMasterSp="0">
+<p:sld xmlns:a="http://schemas.openxmlformats.org/drawingml/2006/main" xmlns:r="http://schemas.openxmlformats.org/officeDocument/2006/relationships" xmlns:p="http://schemas.openxmlformats.org/presentationml/2006/main">
   <p:cSld>
     <p:spTree>
       <p:nvGrpSpPr>
@@ -11614,7 +11873,7 @@
           <a:prstGeom prst="rect">
             <a:avLst/>
           </a:prstGeom>
-          <a:ln w="57150"/>
+          <a:ln w="28575"/>
         </p:spPr>
         <p:style>
           <a:lnRef idx="2">
@@ -11656,7 +11915,6 @@
           <a:prstGeom prst="chevron">
             <a:avLst/>
           </a:prstGeom>
-          <a:ln w="57150"/>
         </p:spPr>
         <p:style>
           <a:lnRef idx="2">
@@ -11741,7 +11999,7 @@
           <a:prstGeom prst="rect">
             <a:avLst/>
           </a:prstGeom>
-          <a:ln w="28575"/>
+          <a:ln w="57150"/>
         </p:spPr>
         <p:style>
           <a:lnRef idx="2">
@@ -11825,6 +12083,7 @@
           <a:prstGeom prst="chevron">
             <a:avLst/>
           </a:prstGeom>
+          <a:ln w="57150"/>
         </p:spPr>
         <p:style>
           <a:lnRef idx="2">
@@ -12021,16 +12280,96 @@
           </a:p>
         </p:txBody>
       </p:sp>
-      <p:sp>
-        <p:nvSpPr>
-          <p:cNvPr id="35" name="Rectangle 34"/>
+      <p:pic>
+        <p:nvPicPr>
+          <p:cNvPr id="34" name="Picture 33">
+            <a:extLst>
+              <a:ext uri="{FF2B5EF4-FFF2-40B4-BE49-F238E27FC236}">
+                <a16:creationId xmlns:a16="http://schemas.microsoft.com/office/drawing/2014/main" id="{EEA025B3-3E6D-E7C8-1579-CE27CDAA23CA}"/>
+              </a:ext>
+            </a:extLst>
+          </p:cNvPr>
+          <p:cNvPicPr>
+            <a:picLocks noChangeAspect="1"/>
+          </p:cNvPicPr>
+          <p:nvPr/>
+        </p:nvPicPr>
+        <p:blipFill>
+          <a:blip r:embed="rId2">
+            <a:extLst>
+              <a:ext uri="{28A0092B-C50C-407E-A947-70E740481C1C}">
+                <a14:useLocalDpi xmlns:a14="http://schemas.microsoft.com/office/drawing/2010/main" val="0"/>
+              </a:ext>
+            </a:extLst>
+          </a:blip>
+          <a:srcRect/>
+          <a:stretch/>
+        </p:blipFill>
+        <p:spPr>
+          <a:xfrm>
+            <a:off x="5817465" y="265646"/>
+            <a:ext cx="8355735" cy="9593603"/>
+          </a:xfrm>
+          <a:prstGeom prst="rect">
+            <a:avLst/>
+          </a:prstGeom>
+          <a:ln w="38100">
+            <a:solidFill>
+              <a:schemeClr val="tx1"/>
+            </a:solidFill>
+          </a:ln>
+        </p:spPr>
+      </p:pic>
+      <p:pic>
+        <p:nvPicPr>
+          <p:cNvPr id="6" name="Picture 5">
+            <a:extLst>
+              <a:ext uri="{FF2B5EF4-FFF2-40B4-BE49-F238E27FC236}">
+                <a16:creationId xmlns:a16="http://schemas.microsoft.com/office/drawing/2014/main" id="{0BAFD56F-4425-8381-3D46-926839AADEE4}"/>
+              </a:ext>
+            </a:extLst>
+          </p:cNvPr>
+          <p:cNvPicPr>
+            <a:picLocks noChangeAspect="1"/>
+          </p:cNvPicPr>
+          <p:nvPr/>
+        </p:nvPicPr>
+        <p:blipFill rotWithShape="1">
+          <a:blip r:embed="rId3"/>
+          <a:srcRect l="10404" t="15926" r="67348" b="32881"/>
+          <a:stretch/>
+        </p:blipFill>
+        <p:spPr>
+          <a:xfrm>
+            <a:off x="14401800" y="265645"/>
+            <a:ext cx="3655325" cy="6243353"/>
+          </a:xfrm>
+          <a:prstGeom prst="rect">
+            <a:avLst/>
+          </a:prstGeom>
+          <a:ln w="38100">
+            <a:solidFill>
+              <a:schemeClr val="tx1"/>
+            </a:solidFill>
+          </a:ln>
+        </p:spPr>
+      </p:pic>
+      <p:sp>
+        <p:nvSpPr>
+          <p:cNvPr id="38" name="Rectangle 37">
+            <a:extLst>
+              <a:ext uri="{FF2B5EF4-FFF2-40B4-BE49-F238E27FC236}">
+                <a16:creationId xmlns:a16="http://schemas.microsoft.com/office/drawing/2014/main" id="{C980918D-4C19-DF2A-5F15-38F9D50847AA}"/>
+              </a:ext>
+            </a:extLst>
+          </p:cNvPr>
           <p:cNvSpPr/>
           <p:nvPr/>
         </p:nvSpPr>
         <p:spPr>
           <a:xfrm>
-            <a:off x="12173778" y="7581900"/>
-            <a:ext cx="5638800" cy="2561206"/>
+            <a:off x="14390427" y="6699807"/>
+            <a:ext cx="3666698" cy="3159441"/>
           </a:xfrm>
           <a:prstGeom prst="rect">
             <a:avLst/>
@@ -12062,93 +12401,89 @@
       </p:sp>
       <p:sp>
         <p:nvSpPr>
-          <p:cNvPr id="34" name="Rectangle 33">
+          <p:cNvPr id="39" name="TextBox 38">
             <a:extLst>
               <a:ext uri="{FF2B5EF4-FFF2-40B4-BE49-F238E27FC236}">
-                <a16:creationId xmlns:a16="http://schemas.microsoft.com/office/drawing/2014/main" id="{3C00B2B0-93A8-DB6D-4081-D3C1E97C502F}"/>
+                <a16:creationId xmlns:a16="http://schemas.microsoft.com/office/drawing/2014/main" id="{55BACF06-B3B8-99B6-A975-2304FF5E3C35}"/>
               </a:ext>
             </a:extLst>
           </p:cNvPr>
-          <p:cNvSpPr/>
-          <p:nvPr/>
-        </p:nvSpPr>
-        <p:spPr>
-          <a:xfrm>
-            <a:off x="6096000" y="494340"/>
-            <a:ext cx="11626852" cy="6905872"/>
+          <p:cNvSpPr txBox="1"/>
+          <p:nvPr/>
+        </p:nvSpPr>
+        <p:spPr>
+          <a:xfrm>
+            <a:off x="14548512" y="7319793"/>
+            <a:ext cx="3350525" cy="1446550"/>
           </a:xfrm>
           <a:prstGeom prst="rect">
             <a:avLst/>
           </a:prstGeom>
-        </p:spPr>
-        <p:style>
-          <a:lnRef idx="2">
-            <a:schemeClr val="dk1"/>
-          </a:lnRef>
-          <a:fillRef idx="1">
-            <a:schemeClr val="lt1"/>
-          </a:fillRef>
-          <a:effectRef idx="0">
-            <a:schemeClr val="dk1"/>
-          </a:effectRef>
-          <a:fontRef idx="minor">
-            <a:schemeClr val="dk1"/>
-          </a:fontRef>
-        </p:style>
-        <p:txBody>
-          <a:bodyPr rtlCol="0" anchor="ctr"/>
+          <a:noFill/>
+        </p:spPr>
+        <p:txBody>
+          <a:bodyPr wrap="square" rtlCol="0">
+            <a:spAutoFit/>
+          </a:bodyPr>
           <a:lstStyle/>
           <a:p>
             <a:pPr algn="ctr"/>
             <a:r>
-              <a:rPr lang="en-US" dirty="0"/>
-              <a:t>GRAPH</a:t>
+              <a:rPr lang="en-US" sz="4400" b="1" dirty="0">
+                <a:latin typeface="Tahoma" panose="020B0604030504040204" pitchFamily="34" charset="0"/>
+                <a:ea typeface="Tahoma" panose="020B0604030504040204" pitchFamily="34" charset="0"/>
+                <a:cs typeface="Tahoma" panose="020B0604030504040204" pitchFamily="34" charset="0"/>
+              </a:rPr>
+              <a:t>Saint Kitts and Nevis</a:t>
             </a:r>
-          </a:p>
-        </p:txBody>
-      </p:sp>
-      <p:sp>
-        <p:nvSpPr>
-          <p:cNvPr id="36" name="Rectangle 35">
+            <a:endParaRPr lang="en-PH" sz="4400" b="1" dirty="0">
+              <a:latin typeface="Tahoma" panose="020B0604030504040204" pitchFamily="34" charset="0"/>
+              <a:ea typeface="Tahoma" panose="020B0604030504040204" pitchFamily="34" charset="0"/>
+              <a:cs typeface="Tahoma" panose="020B0604030504040204" pitchFamily="34" charset="0"/>
+            </a:endParaRPr>
+          </a:p>
+        </p:txBody>
+      </p:sp>
+      <p:sp>
+        <p:nvSpPr>
+          <p:cNvPr id="40" name="TextBox 39">
             <a:extLst>
               <a:ext uri="{FF2B5EF4-FFF2-40B4-BE49-F238E27FC236}">
-                <a16:creationId xmlns:a16="http://schemas.microsoft.com/office/drawing/2014/main" id="{93AEFC43-FE1E-6C19-A436-847BD8F5E0C4}"/>
+                <a16:creationId xmlns:a16="http://schemas.microsoft.com/office/drawing/2014/main" id="{EFC25E18-769C-7104-C484-9CCAA50785A2}"/>
               </a:ext>
             </a:extLst>
           </p:cNvPr>
-          <p:cNvSpPr/>
-          <p:nvPr/>
-        </p:nvSpPr>
-        <p:spPr>
-          <a:xfrm>
-            <a:off x="6148821" y="7585364"/>
-            <a:ext cx="5638800" cy="2561206"/>
+          <p:cNvSpPr txBox="1"/>
+          <p:nvPr/>
+        </p:nvSpPr>
+        <p:spPr>
+          <a:xfrm>
+            <a:off x="14848299" y="8730831"/>
+            <a:ext cx="2750950" cy="646331"/>
           </a:xfrm>
           <a:prstGeom prst="rect">
             <a:avLst/>
           </a:prstGeom>
-          <a:ln w="38100"/>
-        </p:spPr>
-        <p:style>
-          <a:lnRef idx="2">
-            <a:schemeClr val="dk1"/>
-          </a:lnRef>
-          <a:fillRef idx="1">
-            <a:schemeClr val="lt1"/>
-          </a:fillRef>
-          <a:effectRef idx="0">
-            <a:schemeClr val="dk1"/>
-          </a:effectRef>
-          <a:fontRef idx="minor">
-            <a:schemeClr val="dk1"/>
-          </a:fontRef>
-        </p:style>
-        <p:txBody>
-          <a:bodyPr rtlCol="0" anchor="ctr"/>
+          <a:noFill/>
+        </p:spPr>
+        <p:txBody>
+          <a:bodyPr wrap="square" rtlCol="0">
+            <a:spAutoFit/>
+          </a:bodyPr>
           <a:lstStyle/>
           <a:p>
             <a:pPr algn="ctr"/>
-            <a:endParaRPr lang="en-PH" dirty="0"/>
+            <a:r>
+              <a:rPr lang="en-US" b="1" dirty="0">
+                <a:latin typeface="Century Gothic" panose="020B0502020202020204" pitchFamily="34" charset="0"/>
+                <a:cs typeface="Times New Roman" panose="02020603050405020304" pitchFamily="18" charset="0"/>
+              </a:rPr>
+              <a:t>Lowest Number of Total Deaths </a:t>
+            </a:r>
+            <a:endParaRPr lang="en-PH" b="1" dirty="0">
+              <a:latin typeface="Century Gothic" panose="020B0502020202020204" pitchFamily="34" charset="0"/>
+              <a:cs typeface="Times New Roman" panose="02020603050405020304" pitchFamily="18" charset="0"/>
+            </a:endParaRPr>
           </a:p>
         </p:txBody>
       </p:sp>
@@ -12161,7 +12496,7 @@
 </file>
 
 <file path=ppt/slides/slide19.xml><?xml version="1.0" encoding="utf-8"?>
-<p:sld xmlns:a="http://schemas.openxmlformats.org/drawingml/2006/main" xmlns:r="http://schemas.openxmlformats.org/officeDocument/2006/relationships" xmlns:p="http://schemas.openxmlformats.org/presentationml/2006/main" showMasterSp="0">
+<p:sld xmlns:a="http://schemas.openxmlformats.org/drawingml/2006/main" xmlns:r="http://schemas.openxmlformats.org/officeDocument/2006/relationships" xmlns:p="http://schemas.openxmlformats.org/presentationml/2006/main">
   <p:cSld>
     <p:spTree>
       <p:nvGrpSpPr>
@@ -12274,75 +12609,6 @@
           <a:lstStyle/>
           <a:p>
             <a:endParaRPr/>
-          </a:p>
-        </p:txBody>
-      </p:sp>
-      <p:sp>
-        <p:nvSpPr>
-          <p:cNvPr id="7" name="object 7"/>
-          <p:cNvSpPr txBox="1">
-            <a:spLocks noGrp="1"/>
-          </p:cNvSpPr>
-          <p:nvPr>
-            <p:ph type="title"/>
-          </p:nvPr>
-        </p:nvSpPr>
-        <p:spPr>
-          <a:xfrm>
-            <a:off x="6705600" y="1485900"/>
-            <a:ext cx="1091136" cy="689932"/>
-          </a:xfrm>
-          <a:prstGeom prst="rect">
-            <a:avLst/>
-          </a:prstGeom>
-        </p:spPr>
-        <p:txBody>
-          <a:bodyPr vert="horz" wrap="square" lIns="0" tIns="12700" rIns="0" bIns="0" rtlCol="0">
-            <a:spAutoFit/>
-          </a:bodyPr>
-          <a:lstStyle/>
-          <a:p>
-            <a:pPr marL="12700">
-              <a:lnSpc>
-                <a:spcPct val="100000"/>
-              </a:lnSpc>
-              <a:spcBef>
-                <a:spcPts val="100"/>
-              </a:spcBef>
-            </a:pPr>
-            <a:r>
-              <a:rPr lang="en-US" sz="4400" spc="-70" dirty="0">
-                <a:solidFill>
-                  <a:schemeClr val="accent5">
-                    <a:lumMod val="50000"/>
-                  </a:schemeClr>
-                </a:solidFill>
-                <a:latin typeface="Cambria" panose="02040503050406030204"/>
-                <a:cs typeface="Cambria" panose="02040503050406030204"/>
-              </a:rPr>
-              <a:t>0</a:t>
-            </a:r>
-            <a:r>
-              <a:rPr lang="en-US" sz="4400" spc="35" dirty="0">
-                <a:solidFill>
-                  <a:schemeClr val="accent5">
-                    <a:lumMod val="50000"/>
-                  </a:schemeClr>
-                </a:solidFill>
-                <a:latin typeface="Cambria" panose="02040503050406030204"/>
-                <a:cs typeface="Cambria" panose="02040503050406030204"/>
-              </a:rPr>
-              <a:t>2.</a:t>
-            </a:r>
-            <a:endParaRPr lang="en-US" sz="4400" dirty="0">
-              <a:solidFill>
-                <a:schemeClr val="accent5">
-                  <a:lumMod val="50000"/>
-                </a:schemeClr>
-              </a:solidFill>
-              <a:latin typeface="Cambria" panose="02040503050406030204"/>
-              <a:cs typeface="Cambria" panose="02040503050406030204"/>
-            </a:endParaRPr>
           </a:p>
         </p:txBody>
       </p:sp>
@@ -12868,7 +13134,7 @@
           <a:prstGeom prst="rect">
             <a:avLst/>
           </a:prstGeom>
-          <a:ln w="57150"/>
+          <a:ln w="28575"/>
         </p:spPr>
         <p:style>
           <a:lnRef idx="2">
@@ -12952,7 +13218,6 @@
           <a:prstGeom prst="chevron">
             <a:avLst/>
           </a:prstGeom>
-          <a:ln w="57150"/>
         </p:spPr>
         <p:style>
           <a:lnRef idx="2">
@@ -13037,7 +13302,7 @@
           <a:prstGeom prst="rect">
             <a:avLst/>
           </a:prstGeom>
-          <a:ln w="28575"/>
+          <a:ln w="57150"/>
         </p:spPr>
         <p:style>
           <a:lnRef idx="2">
@@ -13079,6 +13344,7 @@
           <a:prstGeom prst="chevron">
             <a:avLst/>
           </a:prstGeom>
+          <a:ln w="57150"/>
         </p:spPr>
         <p:style>
           <a:lnRef idx="2">
@@ -13187,6 +13453,225 @@
               <a:solidFill>
                 <a:schemeClr val="tx1"/>
               </a:solidFill>
+            </a:endParaRPr>
+          </a:p>
+        </p:txBody>
+      </p:sp>
+      <p:pic>
+        <p:nvPicPr>
+          <p:cNvPr id="32" name="Picture 31">
+            <a:extLst>
+              <a:ext uri="{FF2B5EF4-FFF2-40B4-BE49-F238E27FC236}">
+                <a16:creationId xmlns:a16="http://schemas.microsoft.com/office/drawing/2014/main" id="{88F2CB68-B34B-AB87-9668-0087475C77D3}"/>
+              </a:ext>
+            </a:extLst>
+          </p:cNvPr>
+          <p:cNvPicPr>
+            <a:picLocks noChangeAspect="1"/>
+          </p:cNvPicPr>
+          <p:nvPr/>
+        </p:nvPicPr>
+        <p:blipFill>
+          <a:blip r:embed="rId2">
+            <a:extLst>
+              <a:ext uri="{28A0092B-C50C-407E-A947-70E740481C1C}">
+                <a14:useLocalDpi xmlns:a14="http://schemas.microsoft.com/office/drawing/2010/main" val="0"/>
+              </a:ext>
+            </a:extLst>
+          </a:blip>
+          <a:srcRect/>
+          <a:stretch/>
+        </p:blipFill>
+        <p:spPr>
+          <a:xfrm>
+            <a:off x="6148821" y="312157"/>
+            <a:ext cx="11605779" cy="7193543"/>
+          </a:xfrm>
+          <a:prstGeom prst="rect">
+            <a:avLst/>
+          </a:prstGeom>
+          <a:ln w="38100">
+            <a:solidFill>
+              <a:schemeClr val="tx1"/>
+            </a:solidFill>
+          </a:ln>
+        </p:spPr>
+      </p:pic>
+      <p:pic>
+        <p:nvPicPr>
+          <p:cNvPr id="6" name="Picture 5">
+            <a:extLst>
+              <a:ext uri="{FF2B5EF4-FFF2-40B4-BE49-F238E27FC236}">
+                <a16:creationId xmlns:a16="http://schemas.microsoft.com/office/drawing/2014/main" id="{CE8A3D1B-DC85-93FE-639D-40CECAC02A50}"/>
+              </a:ext>
+            </a:extLst>
+          </p:cNvPr>
+          <p:cNvPicPr>
+            <a:picLocks noChangeAspect="1"/>
+          </p:cNvPicPr>
+          <p:nvPr/>
+        </p:nvPicPr>
+        <p:blipFill rotWithShape="1">
+          <a:blip r:embed="rId3"/>
+          <a:srcRect l="17083" t="28518" r="56250" b="47568"/>
+          <a:stretch/>
+        </p:blipFill>
+        <p:spPr>
+          <a:xfrm>
+            <a:off x="6136311" y="7664355"/>
+            <a:ext cx="5966979" cy="2459975"/>
+          </a:xfrm>
+          <a:prstGeom prst="rect">
+            <a:avLst/>
+          </a:prstGeom>
+          <a:ln w="38100">
+            <a:solidFill>
+              <a:schemeClr val="tx1"/>
+            </a:solidFill>
+          </a:ln>
+        </p:spPr>
+      </p:pic>
+      <p:sp>
+        <p:nvSpPr>
+          <p:cNvPr id="33" name="Rectangle 32">
+            <a:extLst>
+              <a:ext uri="{FF2B5EF4-FFF2-40B4-BE49-F238E27FC236}">
+                <a16:creationId xmlns:a16="http://schemas.microsoft.com/office/drawing/2014/main" id="{2B4D5518-08CB-63BC-AE91-A9583B54F410}"/>
+              </a:ext>
+            </a:extLst>
+          </p:cNvPr>
+          <p:cNvSpPr/>
+          <p:nvPr/>
+        </p:nvSpPr>
+        <p:spPr>
+          <a:xfrm>
+            <a:off x="12344400" y="7658100"/>
+            <a:ext cx="5410200" cy="2459975"/>
+          </a:xfrm>
+          <a:prstGeom prst="rect">
+            <a:avLst/>
+          </a:prstGeom>
+          <a:ln w="38100"/>
+        </p:spPr>
+        <p:style>
+          <a:lnRef idx="2">
+            <a:schemeClr val="dk1"/>
+          </a:lnRef>
+          <a:fillRef idx="1">
+            <a:schemeClr val="lt1"/>
+          </a:fillRef>
+          <a:effectRef idx="0">
+            <a:schemeClr val="dk1"/>
+          </a:effectRef>
+          <a:fontRef idx="minor">
+            <a:schemeClr val="dk1"/>
+          </a:fontRef>
+        </p:style>
+        <p:txBody>
+          <a:bodyPr rtlCol="0" anchor="ctr"/>
+          <a:lstStyle/>
+          <a:p>
+            <a:pPr algn="ctr"/>
+            <a:endParaRPr lang="en-PH" dirty="0"/>
+          </a:p>
+        </p:txBody>
+      </p:sp>
+      <p:sp>
+        <p:nvSpPr>
+          <p:cNvPr id="35" name="TextBox 34">
+            <a:extLst>
+              <a:ext uri="{FF2B5EF4-FFF2-40B4-BE49-F238E27FC236}">
+                <a16:creationId xmlns:a16="http://schemas.microsoft.com/office/drawing/2014/main" id="{EE0D71FF-F4D2-3E90-898A-DF9DA27E12EC}"/>
+              </a:ext>
+            </a:extLst>
+          </p:cNvPr>
+          <p:cNvSpPr txBox="1"/>
+          <p:nvPr/>
+        </p:nvSpPr>
+        <p:spPr>
+          <a:xfrm>
+            <a:off x="13674025" y="7886700"/>
+            <a:ext cx="2750950" cy="1015663"/>
+          </a:xfrm>
+          <a:prstGeom prst="rect">
+            <a:avLst/>
+          </a:prstGeom>
+          <a:noFill/>
+        </p:spPr>
+        <p:txBody>
+          <a:bodyPr wrap="square" rtlCol="0">
+            <a:spAutoFit/>
+          </a:bodyPr>
+          <a:lstStyle/>
+          <a:p>
+            <a:pPr algn="ctr"/>
+            <a:r>
+              <a:rPr lang="en-US" sz="6000" b="1" dirty="0">
+                <a:latin typeface="Century Gothic" panose="020B0502020202020204" pitchFamily="34" charset="0"/>
+                <a:cs typeface="Times New Roman" panose="02020603050405020304" pitchFamily="18" charset="0"/>
+              </a:rPr>
+              <a:t>USA</a:t>
+            </a:r>
+            <a:endParaRPr lang="en-PH" sz="6000" b="1" dirty="0">
+              <a:latin typeface="Century Gothic" panose="020B0502020202020204" pitchFamily="34" charset="0"/>
+              <a:cs typeface="Times New Roman" panose="02020603050405020304" pitchFamily="18" charset="0"/>
+            </a:endParaRPr>
+          </a:p>
+        </p:txBody>
+      </p:sp>
+      <p:sp>
+        <p:nvSpPr>
+          <p:cNvPr id="36" name="TextBox 35">
+            <a:extLst>
+              <a:ext uri="{FF2B5EF4-FFF2-40B4-BE49-F238E27FC236}">
+                <a16:creationId xmlns:a16="http://schemas.microsoft.com/office/drawing/2014/main" id="{E11E5A28-E7B5-4835-3BAA-2C3EAD89726A}"/>
+              </a:ext>
+            </a:extLst>
+          </p:cNvPr>
+          <p:cNvSpPr txBox="1"/>
+          <p:nvPr/>
+        </p:nvSpPr>
+        <p:spPr>
+          <a:xfrm>
+            <a:off x="12839700" y="8845600"/>
+            <a:ext cx="4419600" cy="1138773"/>
+          </a:xfrm>
+          <a:prstGeom prst="rect">
+            <a:avLst/>
+          </a:prstGeom>
+          <a:noFill/>
+        </p:spPr>
+        <p:txBody>
+          <a:bodyPr wrap="square" rtlCol="0">
+            <a:spAutoFit/>
+          </a:bodyPr>
+          <a:lstStyle/>
+          <a:p>
+            <a:pPr algn="ctr"/>
+            <a:r>
+              <a:rPr lang="en-US" sz="2000" b="1" dirty="0">
+                <a:latin typeface="Century Gothic" panose="020B0502020202020204" pitchFamily="34" charset="0"/>
+                <a:cs typeface="Times New Roman" panose="02020603050405020304" pitchFamily="18" charset="0"/>
+              </a:rPr>
+              <a:t>MOST AFFECTED COUNTRY HAVING MORE THAN </a:t>
+            </a:r>
+            <a:r>
+              <a:rPr lang="en-US" sz="2800" b="1" dirty="0">
+                <a:latin typeface="Century Gothic" panose="020B0502020202020204" pitchFamily="34" charset="0"/>
+                <a:cs typeface="Times New Roman" panose="02020603050405020304" pitchFamily="18" charset="0"/>
+              </a:rPr>
+              <a:t>700</a:t>
+            </a:r>
+            <a:r>
+              <a:rPr lang="en-US" sz="2000" b="1" dirty="0">
+                <a:latin typeface="Century Gothic" panose="020B0502020202020204" pitchFamily="34" charset="0"/>
+                <a:cs typeface="Times New Roman" panose="02020603050405020304" pitchFamily="18" charset="0"/>
+              </a:rPr>
+              <a:t> BILLION TOTAL COST OF DAMAGES</a:t>
+            </a:r>
+            <a:endParaRPr lang="en-PH" sz="2000" b="1" dirty="0">
+              <a:latin typeface="Century Gothic" panose="020B0502020202020204" pitchFamily="34" charset="0"/>
+              <a:cs typeface="Times New Roman" panose="02020603050405020304" pitchFamily="18" charset="0"/>
             </a:endParaRPr>
           </a:p>
         </p:txBody>
@@ -13216,58 +13701,6 @@
           <a:chExt cx="0" cy="0"/>
         </a:xfrm>
       </p:grpSpPr>
-      <p:sp>
-        <p:nvSpPr>
-          <p:cNvPr id="2" name="object 2"/>
-          <p:cNvSpPr/>
-          <p:nvPr/>
-        </p:nvSpPr>
-        <p:spPr>
-          <a:xfrm>
-            <a:off x="4238624" y="0"/>
-            <a:ext cx="14049375" cy="10287000"/>
-          </a:xfrm>
-          <a:custGeom>
-            <a:avLst/>
-            <a:gdLst/>
-            <a:ahLst/>
-            <a:cxnLst/>
-            <a:rect l="l" t="t" r="r" b="b"/>
-            <a:pathLst>
-              <a:path w="14049375" h="10287000">
-                <a:moveTo>
-                  <a:pt x="0" y="10286999"/>
-                </a:moveTo>
-                <a:lnTo>
-                  <a:pt x="14049373" y="10286999"/>
-                </a:lnTo>
-                <a:lnTo>
-                  <a:pt x="14049373" y="0"/>
-                </a:lnTo>
-                <a:lnTo>
-                  <a:pt x="0" y="0"/>
-                </a:lnTo>
-                <a:lnTo>
-                  <a:pt x="0" y="10286999"/>
-                </a:lnTo>
-                <a:close/>
-              </a:path>
-            </a:pathLst>
-          </a:custGeom>
-          <a:solidFill>
-            <a:schemeClr val="bg1">
-              <a:lumMod val="95000"/>
-            </a:schemeClr>
-          </a:solidFill>
-        </p:spPr>
-        <p:txBody>
-          <a:bodyPr wrap="square" lIns="0" tIns="0" rIns="0" bIns="0" rtlCol="0"/>
-          <a:lstStyle/>
-          <a:p>
-            <a:endParaRPr dirty="0"/>
-          </a:p>
-        </p:txBody>
-      </p:sp>
       <p:sp>
         <p:nvSpPr>
           <p:cNvPr id="3" name="object 3"/>
@@ -13955,7 +14388,7 @@
 </file>
 
 <file path=ppt/slides/slide20.xml><?xml version="1.0" encoding="utf-8"?>
-<p:sld xmlns:a="http://schemas.openxmlformats.org/drawingml/2006/main" xmlns:r="http://schemas.openxmlformats.org/officeDocument/2006/relationships" xmlns:p="http://schemas.openxmlformats.org/presentationml/2006/main" showMasterSp="0">
+<p:sld xmlns:a="http://schemas.openxmlformats.org/drawingml/2006/main" xmlns:r="http://schemas.openxmlformats.org/officeDocument/2006/relationships" xmlns:p="http://schemas.openxmlformats.org/presentationml/2006/main">
   <p:cSld>
     <p:spTree>
       <p:nvGrpSpPr>
@@ -13979,7 +14412,7 @@
         </p:nvSpPr>
         <p:spPr>
           <a:xfrm>
-            <a:off x="0" y="-22178"/>
+            <a:off x="0" y="0"/>
             <a:ext cx="5638800" cy="10287000"/>
           </a:xfrm>
           <a:custGeom>
@@ -14593,7 +15026,7 @@
           <a:prstGeom prst="rect">
             <a:avLst/>
           </a:prstGeom>
-          <a:ln w="57150"/>
+          <a:ln w="28575"/>
         </p:spPr>
         <p:style>
           <a:lnRef idx="2">
@@ -14677,7 +15110,6 @@
           <a:prstGeom prst="chevron">
             <a:avLst/>
           </a:prstGeom>
-          <a:ln w="57150"/>
         </p:spPr>
         <p:style>
           <a:lnRef idx="2">
@@ -14846,7 +15278,7 @@
           <a:prstGeom prst="rect">
             <a:avLst/>
           </a:prstGeom>
-          <a:ln w="28575"/>
+          <a:ln w="57150"/>
         </p:spPr>
         <p:style>
           <a:lnRef idx="2">
@@ -14888,6 +15320,7 @@
           <a:prstGeom prst="chevron">
             <a:avLst/>
           </a:prstGeom>
+          <a:ln w="57150"/>
         </p:spPr>
         <p:style>
           <a:lnRef idx="2">
@@ -14916,127 +15349,45 @@
           </a:p>
         </p:txBody>
       </p:sp>
-      <p:sp>
-        <p:nvSpPr>
-          <p:cNvPr id="35" name="Rectangle 34"/>
-          <p:cNvSpPr/>
-          <p:nvPr/>
-        </p:nvSpPr>
-        <p:spPr>
-          <a:xfrm>
-            <a:off x="6123710" y="7353300"/>
-            <a:ext cx="4087090" cy="2819400"/>
-          </a:xfrm>
-          <a:prstGeom prst="rect">
-            <a:avLst/>
-          </a:prstGeom>
-          <a:ln w="38100"/>
-        </p:spPr>
-        <p:style>
-          <a:lnRef idx="2">
-            <a:schemeClr val="dk1"/>
-          </a:lnRef>
-          <a:fillRef idx="1">
-            <a:schemeClr val="lt1"/>
-          </a:fillRef>
-          <a:effectRef idx="0">
-            <a:schemeClr val="dk1"/>
-          </a:effectRef>
-          <a:fontRef idx="minor">
-            <a:schemeClr val="dk1"/>
-          </a:fontRef>
-        </p:style>
-        <p:txBody>
-          <a:bodyPr rtlCol="0" anchor="ctr"/>
-          <a:lstStyle/>
-          <a:p>
-            <a:pPr algn="ctr"/>
-            <a:endParaRPr lang="en-PH" dirty="0"/>
-          </a:p>
-        </p:txBody>
-      </p:sp>
       <p:pic>
         <p:nvPicPr>
-          <p:cNvPr id="36" name="Picture 35"/>
+          <p:cNvPr id="6" name="Picture 5">
+            <a:extLst>
+              <a:ext uri="{FF2B5EF4-FFF2-40B4-BE49-F238E27FC236}">
+                <a16:creationId xmlns:a16="http://schemas.microsoft.com/office/drawing/2014/main" id="{E90F114E-C32D-5FC3-CE4D-2D4980047ACA}"/>
+              </a:ext>
+            </a:extLst>
+          </p:cNvPr>
           <p:cNvPicPr>
             <a:picLocks noChangeAspect="1"/>
           </p:cNvPicPr>
           <p:nvPr/>
         </p:nvPicPr>
-        <p:blipFill>
-          <a:blip r:embed="rId2">
-            <a:extLst>
-              <a:ext uri="{28A0092B-C50C-407E-A947-70E740481C1C}">
-                <a14:useLocalDpi xmlns:a14="http://schemas.microsoft.com/office/drawing/2010/main" val="0"/>
-              </a:ext>
-            </a:extLst>
-          </a:blip>
-          <a:stretch>
-            <a:fillRect/>
-          </a:stretch>
+        <p:blipFill rotWithShape="1">
+          <a:blip r:embed="rId2"/>
+          <a:srcRect l="15417" t="35926" r="47083" b="22592"/>
+          <a:stretch/>
         </p:blipFill>
         <p:spPr>
           <a:xfrm>
-            <a:off x="10363201" y="7353300"/>
-            <a:ext cx="7398864" cy="2819400"/>
+            <a:off x="7239000" y="2133791"/>
+            <a:ext cx="9434306" cy="5870235"/>
           </a:xfrm>
           <a:prstGeom prst="rect">
             <a:avLst/>
           </a:prstGeom>
-          <a:ln w="38100">
-            <a:solidFill>
-              <a:schemeClr val="tx1"/>
-            </a:solidFill>
+          <a:ln>
+            <a:noFill/>
           </a:ln>
+          <a:effectLst>
+            <a:outerShdw blurRad="292100" dist="139700" dir="2700000" algn="tl" rotWithShape="0">
+              <a:srgbClr val="333333">
+                <a:alpha val="65000"/>
+              </a:srgbClr>
+            </a:outerShdw>
+          </a:effectLst>
         </p:spPr>
       </p:pic>
-      <p:sp>
-        <p:nvSpPr>
-          <p:cNvPr id="32" name="Rectangle 31">
-            <a:extLst>
-              <a:ext uri="{FF2B5EF4-FFF2-40B4-BE49-F238E27FC236}">
-                <a16:creationId xmlns:a16="http://schemas.microsoft.com/office/drawing/2014/main" id="{772C005A-6FCA-6BA9-90FD-35445DADCAD9}"/>
-              </a:ext>
-            </a:extLst>
-          </p:cNvPr>
-          <p:cNvSpPr/>
-          <p:nvPr/>
-        </p:nvSpPr>
-        <p:spPr>
-          <a:xfrm>
-            <a:off x="6096000" y="494340"/>
-            <a:ext cx="11626852" cy="6661713"/>
-          </a:xfrm>
-          <a:prstGeom prst="rect">
-            <a:avLst/>
-          </a:prstGeom>
-        </p:spPr>
-        <p:style>
-          <a:lnRef idx="2">
-            <a:schemeClr val="dk1"/>
-          </a:lnRef>
-          <a:fillRef idx="1">
-            <a:schemeClr val="lt1"/>
-          </a:fillRef>
-          <a:effectRef idx="0">
-            <a:schemeClr val="dk1"/>
-          </a:effectRef>
-          <a:fontRef idx="minor">
-            <a:schemeClr val="dk1"/>
-          </a:fontRef>
-        </p:style>
-        <p:txBody>
-          <a:bodyPr rtlCol="0" anchor="ctr"/>
-          <a:lstStyle/>
-          <a:p>
-            <a:pPr algn="ctr"/>
-            <a:r>
-              <a:rPr lang="en-US" dirty="0"/>
-              <a:t>GRAPH</a:t>
-            </a:r>
-          </a:p>
-        </p:txBody>
-      </p:sp>
     </p:spTree>
   </p:cSld>
   <p:clrMapOvr>
@@ -15046,6283 +15397,6 @@
 </file>
 
 <file path=ppt/slides/slide21.xml><?xml version="1.0" encoding="utf-8"?>
-<p:sld xmlns:a="http://schemas.openxmlformats.org/drawingml/2006/main" xmlns:r="http://schemas.openxmlformats.org/officeDocument/2006/relationships" xmlns:p="http://schemas.openxmlformats.org/presentationml/2006/main" showMasterSp="0">
-  <p:cSld>
-    <p:spTree>
-      <p:nvGrpSpPr>
-        <p:cNvPr id="1" name=""/>
-        <p:cNvGrpSpPr/>
-        <p:nvPr/>
-      </p:nvGrpSpPr>
-      <p:grpSpPr>
-        <a:xfrm>
-          <a:off x="0" y="0"/>
-          <a:ext cx="0" cy="0"/>
-          <a:chOff x="0" y="0"/>
-          <a:chExt cx="0" cy="0"/>
-        </a:xfrm>
-      </p:grpSpPr>
-      <p:sp>
-        <p:nvSpPr>
-          <p:cNvPr id="2" name="object 2"/>
-          <p:cNvSpPr/>
-          <p:nvPr/>
-        </p:nvSpPr>
-        <p:spPr>
-          <a:xfrm>
-            <a:off x="0" y="-22178"/>
-            <a:ext cx="5638800" cy="10287000"/>
-          </a:xfrm>
-          <a:custGeom>
-            <a:avLst/>
-            <a:gdLst/>
-            <a:ahLst/>
-            <a:cxnLst/>
-            <a:rect l="l" t="t" r="r" b="b"/>
-            <a:pathLst>
-              <a:path w="4810125" h="10287000">
-                <a:moveTo>
-                  <a:pt x="4810124" y="10286999"/>
-                </a:moveTo>
-                <a:lnTo>
-                  <a:pt x="0" y="10286999"/>
-                </a:lnTo>
-                <a:lnTo>
-                  <a:pt x="0" y="0"/>
-                </a:lnTo>
-                <a:lnTo>
-                  <a:pt x="4810124" y="0"/>
-                </a:lnTo>
-                <a:lnTo>
-                  <a:pt x="4810124" y="10286999"/>
-                </a:lnTo>
-                <a:close/>
-              </a:path>
-            </a:pathLst>
-          </a:custGeom>
-          <a:solidFill>
-            <a:srgbClr val="D5D5D5"/>
-          </a:solidFill>
-        </p:spPr>
-        <p:txBody>
-          <a:bodyPr wrap="square" lIns="0" tIns="0" rIns="0" bIns="0" rtlCol="0"/>
-          <a:lstStyle/>
-          <a:p>
-            <a:endParaRPr dirty="0"/>
-          </a:p>
-        </p:txBody>
-      </p:sp>
-      <p:sp>
-        <p:nvSpPr>
-          <p:cNvPr id="4" name="object 4"/>
-          <p:cNvSpPr/>
-          <p:nvPr/>
-        </p:nvSpPr>
-        <p:spPr>
-          <a:xfrm>
-            <a:off x="6148821" y="9639300"/>
-            <a:ext cx="1485900" cy="57150"/>
-          </a:xfrm>
-          <a:custGeom>
-            <a:avLst/>
-            <a:gdLst/>
-            <a:ahLst/>
-            <a:cxnLst/>
-            <a:rect l="l" t="t" r="r" b="b"/>
-            <a:pathLst>
-              <a:path w="1485900" h="57150">
-                <a:moveTo>
-                  <a:pt x="1485899" y="57149"/>
-                </a:moveTo>
-                <a:lnTo>
-                  <a:pt x="0" y="57149"/>
-                </a:lnTo>
-                <a:lnTo>
-                  <a:pt x="0" y="0"/>
-                </a:lnTo>
-                <a:lnTo>
-                  <a:pt x="1485899" y="0"/>
-                </a:lnTo>
-                <a:lnTo>
-                  <a:pt x="1485899" y="57149"/>
-                </a:lnTo>
-                <a:close/>
-              </a:path>
-            </a:pathLst>
-          </a:custGeom>
-          <a:solidFill>
-            <a:srgbClr val="D5D5D5"/>
-          </a:solidFill>
-        </p:spPr>
-        <p:txBody>
-          <a:bodyPr wrap="square" lIns="0" tIns="0" rIns="0" bIns="0" rtlCol="0"/>
-          <a:lstStyle/>
-          <a:p>
-            <a:endParaRPr/>
-          </a:p>
-        </p:txBody>
-      </p:sp>
-      <p:sp>
-        <p:nvSpPr>
-          <p:cNvPr id="7" name="object 7"/>
-          <p:cNvSpPr txBox="1">
-            <a:spLocks noGrp="1"/>
-          </p:cNvSpPr>
-          <p:nvPr>
-            <p:ph type="title"/>
-          </p:nvPr>
-        </p:nvSpPr>
-        <p:spPr>
-          <a:xfrm>
-            <a:off x="6757464" y="1481768"/>
-            <a:ext cx="1091136" cy="689932"/>
-          </a:xfrm>
-          <a:prstGeom prst="rect">
-            <a:avLst/>
-          </a:prstGeom>
-        </p:spPr>
-        <p:txBody>
-          <a:bodyPr vert="horz" wrap="square" lIns="0" tIns="12700" rIns="0" bIns="0" rtlCol="0">
-            <a:spAutoFit/>
-          </a:bodyPr>
-          <a:lstStyle/>
-          <a:p>
-            <a:pPr marL="12700">
-              <a:lnSpc>
-                <a:spcPct val="100000"/>
-              </a:lnSpc>
-              <a:spcBef>
-                <a:spcPts val="100"/>
-              </a:spcBef>
-            </a:pPr>
-            <a:r>
-              <a:rPr lang="en-US" sz="4400" spc="-70" dirty="0">
-                <a:solidFill>
-                  <a:schemeClr val="accent5">
-                    <a:lumMod val="50000"/>
-                  </a:schemeClr>
-                </a:solidFill>
-                <a:latin typeface="Cambria" panose="02040503050406030204"/>
-                <a:cs typeface="Cambria" panose="02040503050406030204"/>
-              </a:rPr>
-              <a:t>0</a:t>
-            </a:r>
-            <a:r>
-              <a:rPr lang="en-US" sz="4400" spc="35" dirty="0">
-                <a:solidFill>
-                  <a:schemeClr val="accent5">
-                    <a:lumMod val="50000"/>
-                  </a:schemeClr>
-                </a:solidFill>
-                <a:latin typeface="Cambria" panose="02040503050406030204"/>
-                <a:cs typeface="Cambria" panose="02040503050406030204"/>
-              </a:rPr>
-              <a:t>3.</a:t>
-            </a:r>
-            <a:endParaRPr lang="en-US" sz="4400" dirty="0">
-              <a:solidFill>
-                <a:schemeClr val="accent5">
-                  <a:lumMod val="50000"/>
-                </a:schemeClr>
-              </a:solidFill>
-              <a:latin typeface="Cambria" panose="02040503050406030204"/>
-              <a:cs typeface="Cambria" panose="02040503050406030204"/>
-            </a:endParaRPr>
-          </a:p>
-        </p:txBody>
-      </p:sp>
-      <p:grpSp>
-        <p:nvGrpSpPr>
-          <p:cNvPr id="17" name="object 17"/>
-          <p:cNvGrpSpPr/>
-          <p:nvPr/>
-        </p:nvGrpSpPr>
-        <p:grpSpPr>
-          <a:xfrm>
-            <a:off x="951690" y="1028700"/>
-            <a:ext cx="4175760" cy="9258300"/>
-            <a:chOff x="951690" y="1028700"/>
-            <a:chExt cx="4175760" cy="9258300"/>
-          </a:xfrm>
-          <a:solidFill>
-            <a:schemeClr val="bg1"/>
-          </a:solidFill>
-        </p:grpSpPr>
-        <p:sp>
-          <p:nvSpPr>
-            <p:cNvPr id="18" name="object 18"/>
-            <p:cNvSpPr/>
-            <p:nvPr/>
-          </p:nvSpPr>
-          <p:spPr>
-            <a:xfrm>
-              <a:off x="4489132" y="8144128"/>
-              <a:ext cx="638175" cy="2143125"/>
-            </a:xfrm>
-            <a:custGeom>
-              <a:avLst/>
-              <a:gdLst/>
-              <a:ahLst/>
-              <a:cxnLst/>
-              <a:rect l="l" t="t" r="r" b="b"/>
-              <a:pathLst>
-                <a:path w="638175" h="2143125">
-                  <a:moveTo>
-                    <a:pt x="627545" y="2142871"/>
-                  </a:moveTo>
-                  <a:lnTo>
-                    <a:pt x="469595" y="1984133"/>
-                  </a:lnTo>
-                  <a:lnTo>
-                    <a:pt x="319087" y="1832864"/>
-                  </a:lnTo>
-                  <a:lnTo>
-                    <a:pt x="10642" y="2142871"/>
-                  </a:lnTo>
-                  <a:lnTo>
-                    <a:pt x="161137" y="2142871"/>
-                  </a:lnTo>
-                  <a:lnTo>
-                    <a:pt x="319087" y="1984133"/>
-                  </a:lnTo>
-                  <a:lnTo>
-                    <a:pt x="477037" y="2142871"/>
-                  </a:lnTo>
-                  <a:lnTo>
-                    <a:pt x="627545" y="2142871"/>
-                  </a:lnTo>
-                  <a:close/>
-                </a:path>
-                <a:path w="638175" h="2143125">
-                  <a:moveTo>
-                    <a:pt x="638175" y="1695348"/>
-                  </a:moveTo>
-                  <a:lnTo>
-                    <a:pt x="319087" y="1374648"/>
-                  </a:lnTo>
-                  <a:lnTo>
-                    <a:pt x="0" y="1695348"/>
-                  </a:lnTo>
-                  <a:lnTo>
-                    <a:pt x="75260" y="1770976"/>
-                  </a:lnTo>
-                  <a:lnTo>
-                    <a:pt x="319087" y="1525917"/>
-                  </a:lnTo>
-                  <a:lnTo>
-                    <a:pt x="562927" y="1770976"/>
-                  </a:lnTo>
-                  <a:lnTo>
-                    <a:pt x="638175" y="1695348"/>
-                  </a:lnTo>
-                  <a:close/>
-                </a:path>
-                <a:path w="638175" h="2143125">
-                  <a:moveTo>
-                    <a:pt x="638175" y="1237132"/>
-                  </a:moveTo>
-                  <a:lnTo>
-                    <a:pt x="319087" y="916432"/>
-                  </a:lnTo>
-                  <a:lnTo>
-                    <a:pt x="0" y="1237132"/>
-                  </a:lnTo>
-                  <a:lnTo>
-                    <a:pt x="75260" y="1312760"/>
-                  </a:lnTo>
-                  <a:lnTo>
-                    <a:pt x="319087" y="1067689"/>
-                  </a:lnTo>
-                  <a:lnTo>
-                    <a:pt x="562927" y="1312760"/>
-                  </a:lnTo>
-                  <a:lnTo>
-                    <a:pt x="638175" y="1237132"/>
-                  </a:lnTo>
-                  <a:close/>
-                </a:path>
-                <a:path w="638175" h="2143125">
-                  <a:moveTo>
-                    <a:pt x="638175" y="778916"/>
-                  </a:moveTo>
-                  <a:lnTo>
-                    <a:pt x="319087" y="458216"/>
-                  </a:lnTo>
-                  <a:lnTo>
-                    <a:pt x="0" y="778916"/>
-                  </a:lnTo>
-                  <a:lnTo>
-                    <a:pt x="75260" y="854544"/>
-                  </a:lnTo>
-                  <a:lnTo>
-                    <a:pt x="319087" y="609485"/>
-                  </a:lnTo>
-                  <a:lnTo>
-                    <a:pt x="562927" y="854544"/>
-                  </a:lnTo>
-                  <a:lnTo>
-                    <a:pt x="638175" y="778916"/>
-                  </a:lnTo>
-                  <a:close/>
-                </a:path>
-                <a:path w="638175" h="2143125">
-                  <a:moveTo>
-                    <a:pt x="638175" y="320700"/>
-                  </a:moveTo>
-                  <a:lnTo>
-                    <a:pt x="319087" y="0"/>
-                  </a:lnTo>
-                  <a:lnTo>
-                    <a:pt x="0" y="320700"/>
-                  </a:lnTo>
-                  <a:lnTo>
-                    <a:pt x="75260" y="396328"/>
-                  </a:lnTo>
-                  <a:lnTo>
-                    <a:pt x="319087" y="151269"/>
-                  </a:lnTo>
-                  <a:lnTo>
-                    <a:pt x="562927" y="396328"/>
-                  </a:lnTo>
-                  <a:lnTo>
-                    <a:pt x="638175" y="320700"/>
-                  </a:lnTo>
-                  <a:close/>
-                </a:path>
-              </a:pathLst>
-            </a:custGeom>
-            <a:grpFill/>
-          </p:spPr>
-          <p:txBody>
-            <a:bodyPr wrap="square" lIns="0" tIns="0" rIns="0" bIns="0" rtlCol="0"/>
-            <a:lstStyle/>
-            <a:p>
-              <a:endParaRPr dirty="0"/>
-            </a:p>
-          </p:txBody>
-        </p:sp>
-        <p:sp>
-          <p:nvSpPr>
-            <p:cNvPr id="19" name="object 19"/>
-            <p:cNvSpPr/>
-            <p:nvPr/>
-          </p:nvSpPr>
-          <p:spPr>
-            <a:xfrm>
-              <a:off x="951687" y="1028712"/>
-              <a:ext cx="466090" cy="304800"/>
-            </a:xfrm>
-            <a:custGeom>
-              <a:avLst/>
-              <a:gdLst/>
-              <a:ahLst/>
-              <a:cxnLst/>
-              <a:rect l="l" t="t" r="r" b="b"/>
-              <a:pathLst>
-                <a:path w="466090" h="304800">
-                  <a:moveTo>
-                    <a:pt x="465823" y="254000"/>
-                  </a:moveTo>
-                  <a:lnTo>
-                    <a:pt x="0" y="254000"/>
-                  </a:lnTo>
-                  <a:lnTo>
-                    <a:pt x="0" y="304800"/>
-                  </a:lnTo>
-                  <a:lnTo>
-                    <a:pt x="465823" y="304800"/>
-                  </a:lnTo>
-                  <a:lnTo>
-                    <a:pt x="465823" y="254000"/>
-                  </a:lnTo>
-                  <a:close/>
-                </a:path>
-                <a:path w="466090" h="304800">
-                  <a:moveTo>
-                    <a:pt x="465823" y="127000"/>
-                  </a:moveTo>
-                  <a:lnTo>
-                    <a:pt x="0" y="127000"/>
-                  </a:lnTo>
-                  <a:lnTo>
-                    <a:pt x="0" y="177800"/>
-                  </a:lnTo>
-                  <a:lnTo>
-                    <a:pt x="465823" y="177800"/>
-                  </a:lnTo>
-                  <a:lnTo>
-                    <a:pt x="465823" y="127000"/>
-                  </a:lnTo>
-                  <a:close/>
-                </a:path>
-                <a:path w="466090" h="304800">
-                  <a:moveTo>
-                    <a:pt x="465823" y="0"/>
-                  </a:moveTo>
-                  <a:lnTo>
-                    <a:pt x="0" y="0"/>
-                  </a:lnTo>
-                  <a:lnTo>
-                    <a:pt x="0" y="50800"/>
-                  </a:lnTo>
-                  <a:lnTo>
-                    <a:pt x="465823" y="50800"/>
-                  </a:lnTo>
-                  <a:lnTo>
-                    <a:pt x="465823" y="0"/>
-                  </a:lnTo>
-                  <a:close/>
-                </a:path>
-              </a:pathLst>
-            </a:custGeom>
-            <a:grpFill/>
-          </p:spPr>
-          <p:txBody>
-            <a:bodyPr wrap="square" lIns="0" tIns="0" rIns="0" bIns="0" rtlCol="0"/>
-            <a:lstStyle/>
-            <a:p>
-              <a:endParaRPr/>
-            </a:p>
-          </p:txBody>
-        </p:sp>
-      </p:grpSp>
-      <p:sp>
-        <p:nvSpPr>
-          <p:cNvPr id="23" name="object 17"/>
-          <p:cNvSpPr txBox="1"/>
-          <p:nvPr/>
-        </p:nvSpPr>
-        <p:spPr>
-          <a:xfrm rot="5400000">
-            <a:off x="2537575" y="-314474"/>
-            <a:ext cx="923330" cy="5279120"/>
-          </a:xfrm>
-          <a:prstGeom prst="rect">
-            <a:avLst/>
-          </a:prstGeom>
-        </p:spPr>
-        <p:txBody>
-          <a:bodyPr vert="vert270" wrap="square" lIns="0" tIns="16510" rIns="0" bIns="0" rtlCol="0">
-            <a:spAutoFit/>
-          </a:bodyPr>
-          <a:lstStyle/>
-          <a:p>
-            <a:pPr marL="12700">
-              <a:lnSpc>
-                <a:spcPct val="100000"/>
-              </a:lnSpc>
-              <a:spcBef>
-                <a:spcPts val="130"/>
-              </a:spcBef>
-            </a:pPr>
-            <a:r>
-              <a:rPr lang="en-PH" sz="6000" b="1" spc="-70" dirty="0">
-                <a:solidFill>
-                  <a:schemeClr val="accent4">
-                    <a:lumMod val="50000"/>
-                  </a:schemeClr>
-                </a:solidFill>
-                <a:latin typeface="Tahoma" panose="020B0604030504040204"/>
-                <a:cs typeface="Tahoma" panose="020B0604030504040204"/>
-              </a:rPr>
-              <a:t>OBJECTIVES</a:t>
-            </a:r>
-            <a:endParaRPr sz="6000" dirty="0">
-              <a:solidFill>
-                <a:schemeClr val="accent4">
-                  <a:lumMod val="50000"/>
-                </a:schemeClr>
-              </a:solidFill>
-              <a:latin typeface="Tahoma" panose="020B0604030504040204"/>
-              <a:cs typeface="Tahoma" panose="020B0604030504040204"/>
-            </a:endParaRPr>
-          </a:p>
-        </p:txBody>
-      </p:sp>
-      <p:sp>
-        <p:nvSpPr>
-          <p:cNvPr id="24" name="Rectangle 23"/>
-          <p:cNvSpPr/>
-          <p:nvPr/>
-        </p:nvSpPr>
-        <p:spPr>
-          <a:xfrm>
-            <a:off x="228600" y="3196933"/>
-            <a:ext cx="5029200" cy="727368"/>
-          </a:xfrm>
-          <a:prstGeom prst="rect">
-            <a:avLst/>
-          </a:prstGeom>
-          <a:ln w="28575"/>
-        </p:spPr>
-        <p:style>
-          <a:lnRef idx="2">
-            <a:schemeClr val="dk1"/>
-          </a:lnRef>
-          <a:fillRef idx="1">
-            <a:schemeClr val="lt1"/>
-          </a:fillRef>
-          <a:effectRef idx="0">
-            <a:schemeClr val="dk1"/>
-          </a:effectRef>
-          <a:fontRef idx="minor">
-            <a:schemeClr val="dk1"/>
-          </a:fontRef>
-        </p:style>
-        <p:txBody>
-          <a:bodyPr rtlCol="0" anchor="ctr"/>
-          <a:lstStyle/>
-          <a:p>
-            <a:pPr marL="0" marR="0" algn="ctr">
-              <a:spcBef>
-                <a:spcPts val="0"/>
-              </a:spcBef>
-              <a:spcAft>
-                <a:spcPts val="0"/>
-              </a:spcAft>
-            </a:pPr>
-            <a:r>
-              <a:rPr lang="en-US" sz="2000" u="sng" dirty="0">
-                <a:effectLst/>
-                <a:latin typeface="Times New Roman" panose="02020603050405020304" pitchFamily="18" charset="0"/>
-                <a:ea typeface="Times New Roman" panose="02020603050405020304" pitchFamily="18" charset="0"/>
-              </a:rPr>
-              <a:t>Humanitarian Data Exchange Data set about Philippines (2019)</a:t>
-            </a:r>
-            <a:endParaRPr lang="en-US" sz="2000" dirty="0">
-              <a:effectLst/>
-              <a:latin typeface="Calibri" panose="020F0502020204030204" pitchFamily="34" charset="0"/>
-              <a:ea typeface="Calibri" panose="020F0502020204030204" pitchFamily="34" charset="0"/>
-            </a:endParaRPr>
-          </a:p>
-        </p:txBody>
-      </p:sp>
-      <p:sp>
-        <p:nvSpPr>
-          <p:cNvPr id="25" name="Rectangle 24"/>
-          <p:cNvSpPr/>
-          <p:nvPr/>
-        </p:nvSpPr>
-        <p:spPr>
-          <a:xfrm>
-            <a:off x="264000" y="4076700"/>
-            <a:ext cx="4993800" cy="992209"/>
-          </a:xfrm>
-          <a:prstGeom prst="rect">
-            <a:avLst/>
-          </a:prstGeom>
-          <a:ln w="57150"/>
-        </p:spPr>
-        <p:style>
-          <a:lnRef idx="2">
-            <a:schemeClr val="dk1"/>
-          </a:lnRef>
-          <a:fillRef idx="1">
-            <a:schemeClr val="lt1"/>
-          </a:fillRef>
-          <a:effectRef idx="0">
-            <a:schemeClr val="dk1"/>
-          </a:effectRef>
-          <a:fontRef idx="minor">
-            <a:schemeClr val="dk1"/>
-          </a:fontRef>
-        </p:style>
-        <p:txBody>
-          <a:bodyPr rtlCol="0" anchor="ctr"/>
-          <a:lstStyle/>
-          <a:p>
-            <a:pPr marL="0" marR="0" algn="ctr">
-              <a:spcBef>
-                <a:spcPts val="0"/>
-              </a:spcBef>
-              <a:spcAft>
-                <a:spcPts val="0"/>
-              </a:spcAft>
-            </a:pPr>
-            <a:r>
-              <a:rPr lang="en-US" sz="1800" u="sng" dirty="0">
-                <a:effectLst/>
-                <a:latin typeface="Times New Roman" panose="02020603050405020304" pitchFamily="18" charset="0"/>
-                <a:ea typeface="Times New Roman" panose="02020603050405020304" pitchFamily="18" charset="0"/>
-              </a:rPr>
-              <a:t>The Centre for Research on the Epidemiology of Disasters' Data set about the American Typhoons (2000-2022)</a:t>
-            </a:r>
-            <a:endParaRPr lang="en-US" sz="1800" u="sng" dirty="0">
-              <a:effectLst/>
-              <a:latin typeface="Calibri" panose="020F0502020204030204" pitchFamily="34" charset="0"/>
-              <a:ea typeface="Calibri" panose="020F0502020204030204" pitchFamily="34" charset="0"/>
-            </a:endParaRPr>
-          </a:p>
-        </p:txBody>
-      </p:sp>
-      <p:sp>
-        <p:nvSpPr>
-          <p:cNvPr id="16" name="Rectangle 15"/>
-          <p:cNvSpPr/>
-          <p:nvPr/>
-        </p:nvSpPr>
-        <p:spPr>
-          <a:xfrm>
-            <a:off x="951687" y="5219700"/>
-            <a:ext cx="4270713" cy="312196"/>
-          </a:xfrm>
-          <a:prstGeom prst="rect">
-            <a:avLst/>
-          </a:prstGeom>
-          <a:ln w="28575"/>
-        </p:spPr>
-        <p:style>
-          <a:lnRef idx="2">
-            <a:schemeClr val="dk1"/>
-          </a:lnRef>
-          <a:fillRef idx="1">
-            <a:schemeClr val="lt1"/>
-          </a:fillRef>
-          <a:effectRef idx="0">
-            <a:schemeClr val="dk1"/>
-          </a:effectRef>
-          <a:fontRef idx="minor">
-            <a:schemeClr val="dk1"/>
-          </a:fontRef>
-        </p:style>
-        <p:txBody>
-          <a:bodyPr rtlCol="0" anchor="ctr"/>
-          <a:lstStyle/>
-          <a:p>
-            <a:pPr algn="ctr"/>
-            <a:r>
-              <a:rPr lang="en-US" dirty="0"/>
-              <a:t>Objective 1</a:t>
-            </a:r>
-          </a:p>
-        </p:txBody>
-      </p:sp>
-      <p:sp>
-        <p:nvSpPr>
-          <p:cNvPr id="3" name="Arrow: Chevron 2"/>
-          <p:cNvSpPr/>
-          <p:nvPr/>
-        </p:nvSpPr>
-        <p:spPr>
-          <a:xfrm>
-            <a:off x="712065" y="5289798"/>
-            <a:ext cx="160088" cy="190810"/>
-          </a:xfrm>
-          <a:prstGeom prst="chevron">
-            <a:avLst/>
-          </a:prstGeom>
-        </p:spPr>
-        <p:style>
-          <a:lnRef idx="2">
-            <a:schemeClr val="dk1"/>
-          </a:lnRef>
-          <a:fillRef idx="1">
-            <a:schemeClr val="lt1"/>
-          </a:fillRef>
-          <a:effectRef idx="0">
-            <a:schemeClr val="dk1"/>
-          </a:effectRef>
-          <a:fontRef idx="minor">
-            <a:schemeClr val="dk1"/>
-          </a:fontRef>
-        </p:style>
-        <p:txBody>
-          <a:bodyPr rtlCol="0" anchor="ctr"/>
-          <a:lstStyle/>
-          <a:p>
-            <a:pPr algn="ctr"/>
-            <a:endParaRPr lang="en-US">
-              <a:solidFill>
-                <a:schemeClr val="tx1"/>
-              </a:solidFill>
-            </a:endParaRPr>
-          </a:p>
-        </p:txBody>
-      </p:sp>
-      <p:sp>
-        <p:nvSpPr>
-          <p:cNvPr id="28" name="Rectangle 27"/>
-          <p:cNvSpPr/>
-          <p:nvPr/>
-        </p:nvSpPr>
-        <p:spPr>
-          <a:xfrm>
-            <a:off x="951687" y="5624657"/>
-            <a:ext cx="4270713" cy="312196"/>
-          </a:xfrm>
-          <a:prstGeom prst="rect">
-            <a:avLst/>
-          </a:prstGeom>
-          <a:ln w="28575"/>
-        </p:spPr>
-        <p:style>
-          <a:lnRef idx="2">
-            <a:schemeClr val="dk1"/>
-          </a:lnRef>
-          <a:fillRef idx="1">
-            <a:schemeClr val="lt1"/>
-          </a:fillRef>
-          <a:effectRef idx="0">
-            <a:schemeClr val="dk1"/>
-          </a:effectRef>
-          <a:fontRef idx="minor">
-            <a:schemeClr val="dk1"/>
-          </a:fontRef>
-        </p:style>
-        <p:txBody>
-          <a:bodyPr rtlCol="0" anchor="ctr"/>
-          <a:lstStyle/>
-          <a:p>
-            <a:pPr algn="ctr"/>
-            <a:r>
-              <a:rPr lang="en-US" dirty="0"/>
-              <a:t>Objective 2</a:t>
-            </a:r>
-          </a:p>
-        </p:txBody>
-      </p:sp>
-      <p:sp>
-        <p:nvSpPr>
-          <p:cNvPr id="29" name="Rectangle 28"/>
-          <p:cNvSpPr/>
-          <p:nvPr/>
-        </p:nvSpPr>
-        <p:spPr>
-          <a:xfrm>
-            <a:off x="961189" y="6023908"/>
-            <a:ext cx="4270713" cy="312196"/>
-          </a:xfrm>
-          <a:prstGeom prst="rect">
-            <a:avLst/>
-          </a:prstGeom>
-          <a:ln w="57150"/>
-        </p:spPr>
-        <p:style>
-          <a:lnRef idx="2">
-            <a:schemeClr val="dk1"/>
-          </a:lnRef>
-          <a:fillRef idx="1">
-            <a:schemeClr val="lt1"/>
-          </a:fillRef>
-          <a:effectRef idx="0">
-            <a:schemeClr val="dk1"/>
-          </a:effectRef>
-          <a:fontRef idx="minor">
-            <a:schemeClr val="dk1"/>
-          </a:fontRef>
-        </p:style>
-        <p:txBody>
-          <a:bodyPr rtlCol="0" anchor="ctr"/>
-          <a:lstStyle/>
-          <a:p>
-            <a:pPr algn="ctr"/>
-            <a:r>
-              <a:rPr lang="en-US" dirty="0"/>
-              <a:t>Objective 3</a:t>
-            </a:r>
-          </a:p>
-        </p:txBody>
-      </p:sp>
-      <p:sp>
-        <p:nvSpPr>
-          <p:cNvPr id="30" name="Arrow: Chevron 29"/>
-          <p:cNvSpPr/>
-          <p:nvPr/>
-        </p:nvSpPr>
-        <p:spPr>
-          <a:xfrm>
-            <a:off x="712065" y="5685350"/>
-            <a:ext cx="160088" cy="190810"/>
-          </a:xfrm>
-          <a:prstGeom prst="chevron">
-            <a:avLst/>
-          </a:prstGeom>
-        </p:spPr>
-        <p:style>
-          <a:lnRef idx="2">
-            <a:schemeClr val="dk1"/>
-          </a:lnRef>
-          <a:fillRef idx="1">
-            <a:schemeClr val="lt1"/>
-          </a:fillRef>
-          <a:effectRef idx="0">
-            <a:schemeClr val="dk1"/>
-          </a:effectRef>
-          <a:fontRef idx="minor">
-            <a:schemeClr val="dk1"/>
-          </a:fontRef>
-        </p:style>
-        <p:txBody>
-          <a:bodyPr rtlCol="0" anchor="ctr"/>
-          <a:lstStyle/>
-          <a:p>
-            <a:pPr algn="ctr"/>
-            <a:endParaRPr lang="en-US">
-              <a:solidFill>
-                <a:schemeClr val="tx1"/>
-              </a:solidFill>
-            </a:endParaRPr>
-          </a:p>
-        </p:txBody>
-      </p:sp>
-      <p:sp>
-        <p:nvSpPr>
-          <p:cNvPr id="31" name="Arrow: Chevron 30"/>
-          <p:cNvSpPr/>
-          <p:nvPr/>
-        </p:nvSpPr>
-        <p:spPr>
-          <a:xfrm>
-            <a:off x="712065" y="6069533"/>
-            <a:ext cx="160088" cy="190810"/>
-          </a:xfrm>
-          <a:prstGeom prst="chevron">
-            <a:avLst/>
-          </a:prstGeom>
-          <a:ln w="57150"/>
-        </p:spPr>
-        <p:style>
-          <a:lnRef idx="2">
-            <a:schemeClr val="dk1"/>
-          </a:lnRef>
-          <a:fillRef idx="1">
-            <a:schemeClr val="lt1"/>
-          </a:fillRef>
-          <a:effectRef idx="0">
-            <a:schemeClr val="dk1"/>
-          </a:effectRef>
-          <a:fontRef idx="minor">
-            <a:schemeClr val="dk1"/>
-          </a:fontRef>
-        </p:style>
-        <p:txBody>
-          <a:bodyPr rtlCol="0" anchor="ctr"/>
-          <a:lstStyle/>
-          <a:p>
-            <a:pPr algn="ctr"/>
-            <a:endParaRPr lang="en-US">
-              <a:solidFill>
-                <a:schemeClr val="tx1"/>
-              </a:solidFill>
-            </a:endParaRPr>
-          </a:p>
-        </p:txBody>
-      </p:sp>
-      <p:sp>
-        <p:nvSpPr>
-          <p:cNvPr id="20" name="Rectangle 19"/>
-          <p:cNvSpPr/>
-          <p:nvPr/>
-        </p:nvSpPr>
-        <p:spPr>
-          <a:xfrm>
-            <a:off x="961189" y="6438900"/>
-            <a:ext cx="4270713" cy="312196"/>
-          </a:xfrm>
-          <a:prstGeom prst="rect">
-            <a:avLst/>
-          </a:prstGeom>
-          <a:ln w="28575"/>
-        </p:spPr>
-        <p:style>
-          <a:lnRef idx="2">
-            <a:schemeClr val="dk1"/>
-          </a:lnRef>
-          <a:fillRef idx="1">
-            <a:schemeClr val="lt1"/>
-          </a:fillRef>
-          <a:effectRef idx="0">
-            <a:schemeClr val="dk1"/>
-          </a:effectRef>
-          <a:fontRef idx="minor">
-            <a:schemeClr val="dk1"/>
-          </a:fontRef>
-        </p:style>
-        <p:txBody>
-          <a:bodyPr rtlCol="0" anchor="ctr"/>
-          <a:lstStyle/>
-          <a:p>
-            <a:pPr algn="ctr"/>
-            <a:r>
-              <a:rPr lang="en-US" dirty="0"/>
-              <a:t>Objective 4</a:t>
-            </a:r>
-          </a:p>
-        </p:txBody>
-      </p:sp>
-      <p:sp>
-        <p:nvSpPr>
-          <p:cNvPr id="21" name="Arrow: Chevron 20"/>
-          <p:cNvSpPr/>
-          <p:nvPr/>
-        </p:nvSpPr>
-        <p:spPr>
-          <a:xfrm>
-            <a:off x="721567" y="6508998"/>
-            <a:ext cx="160088" cy="190810"/>
-          </a:xfrm>
-          <a:prstGeom prst="chevron">
-            <a:avLst/>
-          </a:prstGeom>
-        </p:spPr>
-        <p:style>
-          <a:lnRef idx="2">
-            <a:schemeClr val="dk1"/>
-          </a:lnRef>
-          <a:fillRef idx="1">
-            <a:schemeClr val="lt1"/>
-          </a:fillRef>
-          <a:effectRef idx="0">
-            <a:schemeClr val="dk1"/>
-          </a:effectRef>
-          <a:fontRef idx="minor">
-            <a:schemeClr val="dk1"/>
-          </a:fontRef>
-        </p:style>
-        <p:txBody>
-          <a:bodyPr rtlCol="0" anchor="ctr"/>
-          <a:lstStyle/>
-          <a:p>
-            <a:pPr algn="ctr"/>
-            <a:endParaRPr lang="en-US">
-              <a:solidFill>
-                <a:schemeClr val="tx1"/>
-              </a:solidFill>
-            </a:endParaRPr>
-          </a:p>
-        </p:txBody>
-      </p:sp>
-      <p:sp>
-        <p:nvSpPr>
-          <p:cNvPr id="22" name="Rectangle 21"/>
-          <p:cNvSpPr/>
-          <p:nvPr/>
-        </p:nvSpPr>
-        <p:spPr>
-          <a:xfrm>
-            <a:off x="961189" y="6843857"/>
-            <a:ext cx="4270713" cy="312196"/>
-          </a:xfrm>
-          <a:prstGeom prst="rect">
-            <a:avLst/>
-          </a:prstGeom>
-          <a:ln w="28575"/>
-        </p:spPr>
-        <p:style>
-          <a:lnRef idx="2">
-            <a:schemeClr val="dk1"/>
-          </a:lnRef>
-          <a:fillRef idx="1">
-            <a:schemeClr val="lt1"/>
-          </a:fillRef>
-          <a:effectRef idx="0">
-            <a:schemeClr val="dk1"/>
-          </a:effectRef>
-          <a:fontRef idx="minor">
-            <a:schemeClr val="dk1"/>
-          </a:fontRef>
-        </p:style>
-        <p:txBody>
-          <a:bodyPr rtlCol="0" anchor="ctr"/>
-          <a:lstStyle/>
-          <a:p>
-            <a:pPr algn="ctr"/>
-            <a:r>
-              <a:rPr lang="en-US" dirty="0"/>
-              <a:t>Objective 5</a:t>
-            </a:r>
-          </a:p>
-        </p:txBody>
-      </p:sp>
-      <p:sp>
-        <p:nvSpPr>
-          <p:cNvPr id="27" name="Arrow: Chevron 26"/>
-          <p:cNvSpPr/>
-          <p:nvPr/>
-        </p:nvSpPr>
-        <p:spPr>
-          <a:xfrm>
-            <a:off x="721567" y="6904550"/>
-            <a:ext cx="160088" cy="190810"/>
-          </a:xfrm>
-          <a:prstGeom prst="chevron">
-            <a:avLst/>
-          </a:prstGeom>
-        </p:spPr>
-        <p:style>
-          <a:lnRef idx="2">
-            <a:schemeClr val="dk1"/>
-          </a:lnRef>
-          <a:fillRef idx="1">
-            <a:schemeClr val="lt1"/>
-          </a:fillRef>
-          <a:effectRef idx="0">
-            <a:schemeClr val="dk1"/>
-          </a:effectRef>
-          <a:fontRef idx="minor">
-            <a:schemeClr val="dk1"/>
-          </a:fontRef>
-        </p:style>
-        <p:txBody>
-          <a:bodyPr rtlCol="0" anchor="ctr"/>
-          <a:lstStyle/>
-          <a:p>
-            <a:pPr algn="ctr"/>
-            <a:endParaRPr lang="en-US">
-              <a:solidFill>
-                <a:schemeClr val="tx1"/>
-              </a:solidFill>
-            </a:endParaRPr>
-          </a:p>
-        </p:txBody>
-      </p:sp>
-    </p:spTree>
-  </p:cSld>
-  <p:clrMapOvr>
-    <a:masterClrMapping/>
-  </p:clrMapOvr>
-</p:sld>
-</file>
-
-<file path=ppt/slides/slide22.xml><?xml version="1.0" encoding="utf-8"?>
-<p:sld xmlns:a="http://schemas.openxmlformats.org/drawingml/2006/main" xmlns:r="http://schemas.openxmlformats.org/officeDocument/2006/relationships" xmlns:p="http://schemas.openxmlformats.org/presentationml/2006/main" showMasterSp="0">
-  <p:cSld>
-    <p:spTree>
-      <p:nvGrpSpPr>
-        <p:cNvPr id="1" name=""/>
-        <p:cNvGrpSpPr/>
-        <p:nvPr/>
-      </p:nvGrpSpPr>
-      <p:grpSpPr>
-        <a:xfrm>
-          <a:off x="0" y="0"/>
-          <a:ext cx="0" cy="0"/>
-          <a:chOff x="0" y="0"/>
-          <a:chExt cx="0" cy="0"/>
-        </a:xfrm>
-      </p:grpSpPr>
-      <p:sp>
-        <p:nvSpPr>
-          <p:cNvPr id="2" name="object 2"/>
-          <p:cNvSpPr/>
-          <p:nvPr/>
-        </p:nvSpPr>
-        <p:spPr>
-          <a:xfrm>
-            <a:off x="0" y="-22178"/>
-            <a:ext cx="5638800" cy="10287000"/>
-          </a:xfrm>
-          <a:custGeom>
-            <a:avLst/>
-            <a:gdLst/>
-            <a:ahLst/>
-            <a:cxnLst/>
-            <a:rect l="l" t="t" r="r" b="b"/>
-            <a:pathLst>
-              <a:path w="4810125" h="10287000">
-                <a:moveTo>
-                  <a:pt x="4810124" y="10286999"/>
-                </a:moveTo>
-                <a:lnTo>
-                  <a:pt x="0" y="10286999"/>
-                </a:lnTo>
-                <a:lnTo>
-                  <a:pt x="0" y="0"/>
-                </a:lnTo>
-                <a:lnTo>
-                  <a:pt x="4810124" y="0"/>
-                </a:lnTo>
-                <a:lnTo>
-                  <a:pt x="4810124" y="10286999"/>
-                </a:lnTo>
-                <a:close/>
-              </a:path>
-            </a:pathLst>
-          </a:custGeom>
-          <a:solidFill>
-            <a:srgbClr val="D5D5D5"/>
-          </a:solidFill>
-        </p:spPr>
-        <p:txBody>
-          <a:bodyPr wrap="square" lIns="0" tIns="0" rIns="0" bIns="0" rtlCol="0"/>
-          <a:lstStyle/>
-          <a:p>
-            <a:endParaRPr dirty="0"/>
-          </a:p>
-        </p:txBody>
-      </p:sp>
-      <p:sp>
-        <p:nvSpPr>
-          <p:cNvPr id="4" name="object 4"/>
-          <p:cNvSpPr/>
-          <p:nvPr/>
-        </p:nvSpPr>
-        <p:spPr>
-          <a:xfrm>
-            <a:off x="6148821" y="9639300"/>
-            <a:ext cx="1485900" cy="57150"/>
-          </a:xfrm>
-          <a:custGeom>
-            <a:avLst/>
-            <a:gdLst/>
-            <a:ahLst/>
-            <a:cxnLst/>
-            <a:rect l="l" t="t" r="r" b="b"/>
-            <a:pathLst>
-              <a:path w="1485900" h="57150">
-                <a:moveTo>
-                  <a:pt x="1485899" y="57149"/>
-                </a:moveTo>
-                <a:lnTo>
-                  <a:pt x="0" y="57149"/>
-                </a:lnTo>
-                <a:lnTo>
-                  <a:pt x="0" y="0"/>
-                </a:lnTo>
-                <a:lnTo>
-                  <a:pt x="1485899" y="0"/>
-                </a:lnTo>
-                <a:lnTo>
-                  <a:pt x="1485899" y="57149"/>
-                </a:lnTo>
-                <a:close/>
-              </a:path>
-            </a:pathLst>
-          </a:custGeom>
-          <a:solidFill>
-            <a:srgbClr val="D5D5D5"/>
-          </a:solidFill>
-        </p:spPr>
-        <p:txBody>
-          <a:bodyPr wrap="square" lIns="0" tIns="0" rIns="0" bIns="0" rtlCol="0"/>
-          <a:lstStyle/>
-          <a:p>
-            <a:endParaRPr/>
-          </a:p>
-        </p:txBody>
-      </p:sp>
-      <p:grpSp>
-        <p:nvGrpSpPr>
-          <p:cNvPr id="17" name="object 17"/>
-          <p:cNvGrpSpPr/>
-          <p:nvPr/>
-        </p:nvGrpSpPr>
-        <p:grpSpPr>
-          <a:xfrm>
-            <a:off x="951690" y="1028700"/>
-            <a:ext cx="4175760" cy="9258300"/>
-            <a:chOff x="951690" y="1028700"/>
-            <a:chExt cx="4175760" cy="9258300"/>
-          </a:xfrm>
-          <a:solidFill>
-            <a:schemeClr val="bg1"/>
-          </a:solidFill>
-        </p:grpSpPr>
-        <p:sp>
-          <p:nvSpPr>
-            <p:cNvPr id="18" name="object 18"/>
-            <p:cNvSpPr/>
-            <p:nvPr/>
-          </p:nvSpPr>
-          <p:spPr>
-            <a:xfrm>
-              <a:off x="4489132" y="8144128"/>
-              <a:ext cx="638175" cy="2143125"/>
-            </a:xfrm>
-            <a:custGeom>
-              <a:avLst/>
-              <a:gdLst/>
-              <a:ahLst/>
-              <a:cxnLst/>
-              <a:rect l="l" t="t" r="r" b="b"/>
-              <a:pathLst>
-                <a:path w="638175" h="2143125">
-                  <a:moveTo>
-                    <a:pt x="627545" y="2142871"/>
-                  </a:moveTo>
-                  <a:lnTo>
-                    <a:pt x="469595" y="1984133"/>
-                  </a:lnTo>
-                  <a:lnTo>
-                    <a:pt x="319087" y="1832864"/>
-                  </a:lnTo>
-                  <a:lnTo>
-                    <a:pt x="10642" y="2142871"/>
-                  </a:lnTo>
-                  <a:lnTo>
-                    <a:pt x="161137" y="2142871"/>
-                  </a:lnTo>
-                  <a:lnTo>
-                    <a:pt x="319087" y="1984133"/>
-                  </a:lnTo>
-                  <a:lnTo>
-                    <a:pt x="477037" y="2142871"/>
-                  </a:lnTo>
-                  <a:lnTo>
-                    <a:pt x="627545" y="2142871"/>
-                  </a:lnTo>
-                  <a:close/>
-                </a:path>
-                <a:path w="638175" h="2143125">
-                  <a:moveTo>
-                    <a:pt x="638175" y="1695348"/>
-                  </a:moveTo>
-                  <a:lnTo>
-                    <a:pt x="319087" y="1374648"/>
-                  </a:lnTo>
-                  <a:lnTo>
-                    <a:pt x="0" y="1695348"/>
-                  </a:lnTo>
-                  <a:lnTo>
-                    <a:pt x="75260" y="1770976"/>
-                  </a:lnTo>
-                  <a:lnTo>
-                    <a:pt x="319087" y="1525917"/>
-                  </a:lnTo>
-                  <a:lnTo>
-                    <a:pt x="562927" y="1770976"/>
-                  </a:lnTo>
-                  <a:lnTo>
-                    <a:pt x="638175" y="1695348"/>
-                  </a:lnTo>
-                  <a:close/>
-                </a:path>
-                <a:path w="638175" h="2143125">
-                  <a:moveTo>
-                    <a:pt x="638175" y="1237132"/>
-                  </a:moveTo>
-                  <a:lnTo>
-                    <a:pt x="319087" y="916432"/>
-                  </a:lnTo>
-                  <a:lnTo>
-                    <a:pt x="0" y="1237132"/>
-                  </a:lnTo>
-                  <a:lnTo>
-                    <a:pt x="75260" y="1312760"/>
-                  </a:lnTo>
-                  <a:lnTo>
-                    <a:pt x="319087" y="1067689"/>
-                  </a:lnTo>
-                  <a:lnTo>
-                    <a:pt x="562927" y="1312760"/>
-                  </a:lnTo>
-                  <a:lnTo>
-                    <a:pt x="638175" y="1237132"/>
-                  </a:lnTo>
-                  <a:close/>
-                </a:path>
-                <a:path w="638175" h="2143125">
-                  <a:moveTo>
-                    <a:pt x="638175" y="778916"/>
-                  </a:moveTo>
-                  <a:lnTo>
-                    <a:pt x="319087" y="458216"/>
-                  </a:lnTo>
-                  <a:lnTo>
-                    <a:pt x="0" y="778916"/>
-                  </a:lnTo>
-                  <a:lnTo>
-                    <a:pt x="75260" y="854544"/>
-                  </a:lnTo>
-                  <a:lnTo>
-                    <a:pt x="319087" y="609485"/>
-                  </a:lnTo>
-                  <a:lnTo>
-                    <a:pt x="562927" y="854544"/>
-                  </a:lnTo>
-                  <a:lnTo>
-                    <a:pt x="638175" y="778916"/>
-                  </a:lnTo>
-                  <a:close/>
-                </a:path>
-                <a:path w="638175" h="2143125">
-                  <a:moveTo>
-                    <a:pt x="638175" y="320700"/>
-                  </a:moveTo>
-                  <a:lnTo>
-                    <a:pt x="319087" y="0"/>
-                  </a:lnTo>
-                  <a:lnTo>
-                    <a:pt x="0" y="320700"/>
-                  </a:lnTo>
-                  <a:lnTo>
-                    <a:pt x="75260" y="396328"/>
-                  </a:lnTo>
-                  <a:lnTo>
-                    <a:pt x="319087" y="151269"/>
-                  </a:lnTo>
-                  <a:lnTo>
-                    <a:pt x="562927" y="396328"/>
-                  </a:lnTo>
-                  <a:lnTo>
-                    <a:pt x="638175" y="320700"/>
-                  </a:lnTo>
-                  <a:close/>
-                </a:path>
-              </a:pathLst>
-            </a:custGeom>
-            <a:grpFill/>
-          </p:spPr>
-          <p:txBody>
-            <a:bodyPr wrap="square" lIns="0" tIns="0" rIns="0" bIns="0" rtlCol="0"/>
-            <a:lstStyle/>
-            <a:p>
-              <a:endParaRPr dirty="0"/>
-            </a:p>
-          </p:txBody>
-        </p:sp>
-        <p:sp>
-          <p:nvSpPr>
-            <p:cNvPr id="19" name="object 19"/>
-            <p:cNvSpPr/>
-            <p:nvPr/>
-          </p:nvSpPr>
-          <p:spPr>
-            <a:xfrm>
-              <a:off x="951687" y="1028712"/>
-              <a:ext cx="466090" cy="304800"/>
-            </a:xfrm>
-            <a:custGeom>
-              <a:avLst/>
-              <a:gdLst/>
-              <a:ahLst/>
-              <a:cxnLst/>
-              <a:rect l="l" t="t" r="r" b="b"/>
-              <a:pathLst>
-                <a:path w="466090" h="304800">
-                  <a:moveTo>
-                    <a:pt x="465823" y="254000"/>
-                  </a:moveTo>
-                  <a:lnTo>
-                    <a:pt x="0" y="254000"/>
-                  </a:lnTo>
-                  <a:lnTo>
-                    <a:pt x="0" y="304800"/>
-                  </a:lnTo>
-                  <a:lnTo>
-                    <a:pt x="465823" y="304800"/>
-                  </a:lnTo>
-                  <a:lnTo>
-                    <a:pt x="465823" y="254000"/>
-                  </a:lnTo>
-                  <a:close/>
-                </a:path>
-                <a:path w="466090" h="304800">
-                  <a:moveTo>
-                    <a:pt x="465823" y="127000"/>
-                  </a:moveTo>
-                  <a:lnTo>
-                    <a:pt x="0" y="127000"/>
-                  </a:lnTo>
-                  <a:lnTo>
-                    <a:pt x="0" y="177800"/>
-                  </a:lnTo>
-                  <a:lnTo>
-                    <a:pt x="465823" y="177800"/>
-                  </a:lnTo>
-                  <a:lnTo>
-                    <a:pt x="465823" y="127000"/>
-                  </a:lnTo>
-                  <a:close/>
-                </a:path>
-                <a:path w="466090" h="304800">
-                  <a:moveTo>
-                    <a:pt x="465823" y="0"/>
-                  </a:moveTo>
-                  <a:lnTo>
-                    <a:pt x="0" y="0"/>
-                  </a:lnTo>
-                  <a:lnTo>
-                    <a:pt x="0" y="50800"/>
-                  </a:lnTo>
-                  <a:lnTo>
-                    <a:pt x="465823" y="50800"/>
-                  </a:lnTo>
-                  <a:lnTo>
-                    <a:pt x="465823" y="0"/>
-                  </a:lnTo>
-                  <a:close/>
-                </a:path>
-              </a:pathLst>
-            </a:custGeom>
-            <a:grpFill/>
-          </p:spPr>
-          <p:txBody>
-            <a:bodyPr wrap="square" lIns="0" tIns="0" rIns="0" bIns="0" rtlCol="0"/>
-            <a:lstStyle/>
-            <a:p>
-              <a:endParaRPr/>
-            </a:p>
-          </p:txBody>
-        </p:sp>
-      </p:grpSp>
-      <p:sp>
-        <p:nvSpPr>
-          <p:cNvPr id="23" name="object 17"/>
-          <p:cNvSpPr txBox="1"/>
-          <p:nvPr/>
-        </p:nvSpPr>
-        <p:spPr>
-          <a:xfrm rot="5400000">
-            <a:off x="2537575" y="-314474"/>
-            <a:ext cx="923330" cy="5279120"/>
-          </a:xfrm>
-          <a:prstGeom prst="rect">
-            <a:avLst/>
-          </a:prstGeom>
-        </p:spPr>
-        <p:txBody>
-          <a:bodyPr vert="vert270" wrap="square" lIns="0" tIns="16510" rIns="0" bIns="0" rtlCol="0">
-            <a:spAutoFit/>
-          </a:bodyPr>
-          <a:lstStyle/>
-          <a:p>
-            <a:pPr marL="12700">
-              <a:lnSpc>
-                <a:spcPct val="100000"/>
-              </a:lnSpc>
-              <a:spcBef>
-                <a:spcPts val="130"/>
-              </a:spcBef>
-            </a:pPr>
-            <a:r>
-              <a:rPr lang="en-PH" sz="6000" b="1" spc="-70" dirty="0">
-                <a:solidFill>
-                  <a:schemeClr val="accent4">
-                    <a:lumMod val="50000"/>
-                  </a:schemeClr>
-                </a:solidFill>
-                <a:latin typeface="Tahoma" panose="020B0604030504040204"/>
-                <a:cs typeface="Tahoma" panose="020B0604030504040204"/>
-              </a:rPr>
-              <a:t>OBJECTIVES</a:t>
-            </a:r>
-            <a:endParaRPr sz="6000" dirty="0">
-              <a:solidFill>
-                <a:schemeClr val="accent4">
-                  <a:lumMod val="50000"/>
-                </a:schemeClr>
-              </a:solidFill>
-              <a:latin typeface="Tahoma" panose="020B0604030504040204"/>
-              <a:cs typeface="Tahoma" panose="020B0604030504040204"/>
-            </a:endParaRPr>
-          </a:p>
-        </p:txBody>
-      </p:sp>
-      <p:sp>
-        <p:nvSpPr>
-          <p:cNvPr id="24" name="Rectangle 23"/>
-          <p:cNvSpPr/>
-          <p:nvPr/>
-        </p:nvSpPr>
-        <p:spPr>
-          <a:xfrm>
-            <a:off x="228600" y="3196933"/>
-            <a:ext cx="5029200" cy="727368"/>
-          </a:xfrm>
-          <a:prstGeom prst="rect">
-            <a:avLst/>
-          </a:prstGeom>
-          <a:ln w="28575"/>
-        </p:spPr>
-        <p:style>
-          <a:lnRef idx="2">
-            <a:schemeClr val="dk1"/>
-          </a:lnRef>
-          <a:fillRef idx="1">
-            <a:schemeClr val="lt1"/>
-          </a:fillRef>
-          <a:effectRef idx="0">
-            <a:schemeClr val="dk1"/>
-          </a:effectRef>
-          <a:fontRef idx="minor">
-            <a:schemeClr val="dk1"/>
-          </a:fontRef>
-        </p:style>
-        <p:txBody>
-          <a:bodyPr rtlCol="0" anchor="ctr"/>
-          <a:lstStyle/>
-          <a:p>
-            <a:pPr marL="0" marR="0" algn="ctr">
-              <a:spcBef>
-                <a:spcPts val="0"/>
-              </a:spcBef>
-              <a:spcAft>
-                <a:spcPts val="0"/>
-              </a:spcAft>
-            </a:pPr>
-            <a:r>
-              <a:rPr lang="en-US" sz="2000" u="sng" dirty="0">
-                <a:effectLst/>
-                <a:latin typeface="Times New Roman" panose="02020603050405020304" pitchFamily="18" charset="0"/>
-                <a:ea typeface="Times New Roman" panose="02020603050405020304" pitchFamily="18" charset="0"/>
-              </a:rPr>
-              <a:t>Humanitarian Data Exchange Data set about Philippines (2019)</a:t>
-            </a:r>
-            <a:endParaRPr lang="en-US" sz="2000" dirty="0">
-              <a:effectLst/>
-              <a:latin typeface="Calibri" panose="020F0502020204030204" pitchFamily="34" charset="0"/>
-              <a:ea typeface="Calibri" panose="020F0502020204030204" pitchFamily="34" charset="0"/>
-            </a:endParaRPr>
-          </a:p>
-        </p:txBody>
-      </p:sp>
-      <p:sp>
-        <p:nvSpPr>
-          <p:cNvPr id="25" name="Rectangle 24"/>
-          <p:cNvSpPr/>
-          <p:nvPr/>
-        </p:nvSpPr>
-        <p:spPr>
-          <a:xfrm>
-            <a:off x="264000" y="4076700"/>
-            <a:ext cx="4993800" cy="992209"/>
-          </a:xfrm>
-          <a:prstGeom prst="rect">
-            <a:avLst/>
-          </a:prstGeom>
-          <a:ln w="57150"/>
-        </p:spPr>
-        <p:style>
-          <a:lnRef idx="2">
-            <a:schemeClr val="dk1"/>
-          </a:lnRef>
-          <a:fillRef idx="1">
-            <a:schemeClr val="lt1"/>
-          </a:fillRef>
-          <a:effectRef idx="0">
-            <a:schemeClr val="dk1"/>
-          </a:effectRef>
-          <a:fontRef idx="minor">
-            <a:schemeClr val="dk1"/>
-          </a:fontRef>
-        </p:style>
-        <p:txBody>
-          <a:bodyPr rtlCol="0" anchor="ctr"/>
-          <a:lstStyle/>
-          <a:p>
-            <a:pPr marL="0" marR="0" algn="ctr">
-              <a:spcBef>
-                <a:spcPts val="0"/>
-              </a:spcBef>
-              <a:spcAft>
-                <a:spcPts val="0"/>
-              </a:spcAft>
-            </a:pPr>
-            <a:r>
-              <a:rPr lang="en-US" sz="1800" u="sng" dirty="0">
-                <a:effectLst/>
-                <a:latin typeface="Times New Roman" panose="02020603050405020304" pitchFamily="18" charset="0"/>
-                <a:ea typeface="Times New Roman" panose="02020603050405020304" pitchFamily="18" charset="0"/>
-              </a:rPr>
-              <a:t>The Centre for Research on the Epidemiology of Disasters' Data set about the American Typhoons (2000-2022)</a:t>
-            </a:r>
-            <a:endParaRPr lang="en-US" sz="1800" u="sng" dirty="0">
-              <a:effectLst/>
-              <a:latin typeface="Calibri" panose="020F0502020204030204" pitchFamily="34" charset="0"/>
-              <a:ea typeface="Calibri" panose="020F0502020204030204" pitchFamily="34" charset="0"/>
-            </a:endParaRPr>
-          </a:p>
-        </p:txBody>
-      </p:sp>
-      <p:sp>
-        <p:nvSpPr>
-          <p:cNvPr id="16" name="Rectangle 15"/>
-          <p:cNvSpPr/>
-          <p:nvPr/>
-        </p:nvSpPr>
-        <p:spPr>
-          <a:xfrm>
-            <a:off x="951687" y="5219700"/>
-            <a:ext cx="4270713" cy="312196"/>
-          </a:xfrm>
-          <a:prstGeom prst="rect">
-            <a:avLst/>
-          </a:prstGeom>
-          <a:ln w="28575"/>
-        </p:spPr>
-        <p:style>
-          <a:lnRef idx="2">
-            <a:schemeClr val="dk1"/>
-          </a:lnRef>
-          <a:fillRef idx="1">
-            <a:schemeClr val="lt1"/>
-          </a:fillRef>
-          <a:effectRef idx="0">
-            <a:schemeClr val="dk1"/>
-          </a:effectRef>
-          <a:fontRef idx="minor">
-            <a:schemeClr val="dk1"/>
-          </a:fontRef>
-        </p:style>
-        <p:txBody>
-          <a:bodyPr rtlCol="0" anchor="ctr"/>
-          <a:lstStyle/>
-          <a:p>
-            <a:pPr algn="ctr"/>
-            <a:r>
-              <a:rPr lang="en-US" dirty="0"/>
-              <a:t>Objective 1</a:t>
-            </a:r>
-          </a:p>
-        </p:txBody>
-      </p:sp>
-      <p:sp>
-        <p:nvSpPr>
-          <p:cNvPr id="3" name="Arrow: Chevron 2"/>
-          <p:cNvSpPr/>
-          <p:nvPr/>
-        </p:nvSpPr>
-        <p:spPr>
-          <a:xfrm>
-            <a:off x="712065" y="5289798"/>
-            <a:ext cx="160088" cy="190810"/>
-          </a:xfrm>
-          <a:prstGeom prst="chevron">
-            <a:avLst/>
-          </a:prstGeom>
-        </p:spPr>
-        <p:style>
-          <a:lnRef idx="2">
-            <a:schemeClr val="dk1"/>
-          </a:lnRef>
-          <a:fillRef idx="1">
-            <a:schemeClr val="lt1"/>
-          </a:fillRef>
-          <a:effectRef idx="0">
-            <a:schemeClr val="dk1"/>
-          </a:effectRef>
-          <a:fontRef idx="minor">
-            <a:schemeClr val="dk1"/>
-          </a:fontRef>
-        </p:style>
-        <p:txBody>
-          <a:bodyPr rtlCol="0" anchor="ctr"/>
-          <a:lstStyle/>
-          <a:p>
-            <a:pPr algn="ctr"/>
-            <a:endParaRPr lang="en-US">
-              <a:solidFill>
-                <a:schemeClr val="tx1"/>
-              </a:solidFill>
-            </a:endParaRPr>
-          </a:p>
-        </p:txBody>
-      </p:sp>
-      <p:sp>
-        <p:nvSpPr>
-          <p:cNvPr id="28" name="Rectangle 27"/>
-          <p:cNvSpPr/>
-          <p:nvPr/>
-        </p:nvSpPr>
-        <p:spPr>
-          <a:xfrm>
-            <a:off x="951687" y="5624657"/>
-            <a:ext cx="4270713" cy="312196"/>
-          </a:xfrm>
-          <a:prstGeom prst="rect">
-            <a:avLst/>
-          </a:prstGeom>
-          <a:ln w="28575"/>
-        </p:spPr>
-        <p:style>
-          <a:lnRef idx="2">
-            <a:schemeClr val="dk1"/>
-          </a:lnRef>
-          <a:fillRef idx="1">
-            <a:schemeClr val="lt1"/>
-          </a:fillRef>
-          <a:effectRef idx="0">
-            <a:schemeClr val="dk1"/>
-          </a:effectRef>
-          <a:fontRef idx="minor">
-            <a:schemeClr val="dk1"/>
-          </a:fontRef>
-        </p:style>
-        <p:txBody>
-          <a:bodyPr rtlCol="0" anchor="ctr"/>
-          <a:lstStyle/>
-          <a:p>
-            <a:pPr algn="ctr"/>
-            <a:r>
-              <a:rPr lang="en-US" dirty="0"/>
-              <a:t>Objective 2</a:t>
-            </a:r>
-          </a:p>
-        </p:txBody>
-      </p:sp>
-      <p:sp>
-        <p:nvSpPr>
-          <p:cNvPr id="29" name="Rectangle 28"/>
-          <p:cNvSpPr/>
-          <p:nvPr/>
-        </p:nvSpPr>
-        <p:spPr>
-          <a:xfrm>
-            <a:off x="961189" y="6023908"/>
-            <a:ext cx="4270713" cy="312196"/>
-          </a:xfrm>
-          <a:prstGeom prst="rect">
-            <a:avLst/>
-          </a:prstGeom>
-          <a:ln w="57150"/>
-        </p:spPr>
-        <p:style>
-          <a:lnRef idx="2">
-            <a:schemeClr val="dk1"/>
-          </a:lnRef>
-          <a:fillRef idx="1">
-            <a:schemeClr val="lt1"/>
-          </a:fillRef>
-          <a:effectRef idx="0">
-            <a:schemeClr val="dk1"/>
-          </a:effectRef>
-          <a:fontRef idx="minor">
-            <a:schemeClr val="dk1"/>
-          </a:fontRef>
-        </p:style>
-        <p:txBody>
-          <a:bodyPr rtlCol="0" anchor="ctr"/>
-          <a:lstStyle/>
-          <a:p>
-            <a:pPr algn="ctr"/>
-            <a:r>
-              <a:rPr lang="en-US" dirty="0"/>
-              <a:t>Objective 3</a:t>
-            </a:r>
-          </a:p>
-        </p:txBody>
-      </p:sp>
-      <p:sp>
-        <p:nvSpPr>
-          <p:cNvPr id="30" name="Arrow: Chevron 29"/>
-          <p:cNvSpPr/>
-          <p:nvPr/>
-        </p:nvSpPr>
-        <p:spPr>
-          <a:xfrm>
-            <a:off x="712065" y="5685350"/>
-            <a:ext cx="160088" cy="190810"/>
-          </a:xfrm>
-          <a:prstGeom prst="chevron">
-            <a:avLst/>
-          </a:prstGeom>
-        </p:spPr>
-        <p:style>
-          <a:lnRef idx="2">
-            <a:schemeClr val="dk1"/>
-          </a:lnRef>
-          <a:fillRef idx="1">
-            <a:schemeClr val="lt1"/>
-          </a:fillRef>
-          <a:effectRef idx="0">
-            <a:schemeClr val="dk1"/>
-          </a:effectRef>
-          <a:fontRef idx="minor">
-            <a:schemeClr val="dk1"/>
-          </a:fontRef>
-        </p:style>
-        <p:txBody>
-          <a:bodyPr rtlCol="0" anchor="ctr"/>
-          <a:lstStyle/>
-          <a:p>
-            <a:pPr algn="ctr"/>
-            <a:endParaRPr lang="en-US">
-              <a:solidFill>
-                <a:schemeClr val="tx1"/>
-              </a:solidFill>
-            </a:endParaRPr>
-          </a:p>
-        </p:txBody>
-      </p:sp>
-      <p:sp>
-        <p:nvSpPr>
-          <p:cNvPr id="31" name="Arrow: Chevron 30"/>
-          <p:cNvSpPr/>
-          <p:nvPr/>
-        </p:nvSpPr>
-        <p:spPr>
-          <a:xfrm>
-            <a:off x="712065" y="6069533"/>
-            <a:ext cx="160088" cy="190810"/>
-          </a:xfrm>
-          <a:prstGeom prst="chevron">
-            <a:avLst/>
-          </a:prstGeom>
-          <a:ln w="57150"/>
-        </p:spPr>
-        <p:style>
-          <a:lnRef idx="2">
-            <a:schemeClr val="dk1"/>
-          </a:lnRef>
-          <a:fillRef idx="1">
-            <a:schemeClr val="lt1"/>
-          </a:fillRef>
-          <a:effectRef idx="0">
-            <a:schemeClr val="dk1"/>
-          </a:effectRef>
-          <a:fontRef idx="minor">
-            <a:schemeClr val="dk1"/>
-          </a:fontRef>
-        </p:style>
-        <p:txBody>
-          <a:bodyPr rtlCol="0" anchor="ctr"/>
-          <a:lstStyle/>
-          <a:p>
-            <a:pPr algn="ctr"/>
-            <a:endParaRPr lang="en-US">
-              <a:solidFill>
-                <a:schemeClr val="tx1"/>
-              </a:solidFill>
-            </a:endParaRPr>
-          </a:p>
-        </p:txBody>
-      </p:sp>
-      <p:sp>
-        <p:nvSpPr>
-          <p:cNvPr id="20" name="Rectangle 19"/>
-          <p:cNvSpPr/>
-          <p:nvPr/>
-        </p:nvSpPr>
-        <p:spPr>
-          <a:xfrm>
-            <a:off x="961189" y="6438900"/>
-            <a:ext cx="4270713" cy="312196"/>
-          </a:xfrm>
-          <a:prstGeom prst="rect">
-            <a:avLst/>
-          </a:prstGeom>
-          <a:ln w="28575"/>
-        </p:spPr>
-        <p:style>
-          <a:lnRef idx="2">
-            <a:schemeClr val="dk1"/>
-          </a:lnRef>
-          <a:fillRef idx="1">
-            <a:schemeClr val="lt1"/>
-          </a:fillRef>
-          <a:effectRef idx="0">
-            <a:schemeClr val="dk1"/>
-          </a:effectRef>
-          <a:fontRef idx="minor">
-            <a:schemeClr val="dk1"/>
-          </a:fontRef>
-        </p:style>
-        <p:txBody>
-          <a:bodyPr rtlCol="0" anchor="ctr"/>
-          <a:lstStyle/>
-          <a:p>
-            <a:pPr algn="ctr"/>
-            <a:r>
-              <a:rPr lang="en-US" dirty="0"/>
-              <a:t>Objective 4</a:t>
-            </a:r>
-          </a:p>
-        </p:txBody>
-      </p:sp>
-      <p:sp>
-        <p:nvSpPr>
-          <p:cNvPr id="21" name="Arrow: Chevron 20"/>
-          <p:cNvSpPr/>
-          <p:nvPr/>
-        </p:nvSpPr>
-        <p:spPr>
-          <a:xfrm>
-            <a:off x="721567" y="6508998"/>
-            <a:ext cx="160088" cy="190810"/>
-          </a:xfrm>
-          <a:prstGeom prst="chevron">
-            <a:avLst/>
-          </a:prstGeom>
-        </p:spPr>
-        <p:style>
-          <a:lnRef idx="2">
-            <a:schemeClr val="dk1"/>
-          </a:lnRef>
-          <a:fillRef idx="1">
-            <a:schemeClr val="lt1"/>
-          </a:fillRef>
-          <a:effectRef idx="0">
-            <a:schemeClr val="dk1"/>
-          </a:effectRef>
-          <a:fontRef idx="minor">
-            <a:schemeClr val="dk1"/>
-          </a:fontRef>
-        </p:style>
-        <p:txBody>
-          <a:bodyPr rtlCol="0" anchor="ctr"/>
-          <a:lstStyle/>
-          <a:p>
-            <a:pPr algn="ctr"/>
-            <a:endParaRPr lang="en-US">
-              <a:solidFill>
-                <a:schemeClr val="tx1"/>
-              </a:solidFill>
-            </a:endParaRPr>
-          </a:p>
-        </p:txBody>
-      </p:sp>
-      <p:sp>
-        <p:nvSpPr>
-          <p:cNvPr id="22" name="Rectangle 21"/>
-          <p:cNvSpPr/>
-          <p:nvPr/>
-        </p:nvSpPr>
-        <p:spPr>
-          <a:xfrm>
-            <a:off x="961189" y="6843857"/>
-            <a:ext cx="4270713" cy="312196"/>
-          </a:xfrm>
-          <a:prstGeom prst="rect">
-            <a:avLst/>
-          </a:prstGeom>
-          <a:ln w="28575"/>
-        </p:spPr>
-        <p:style>
-          <a:lnRef idx="2">
-            <a:schemeClr val="dk1"/>
-          </a:lnRef>
-          <a:fillRef idx="1">
-            <a:schemeClr val="lt1"/>
-          </a:fillRef>
-          <a:effectRef idx="0">
-            <a:schemeClr val="dk1"/>
-          </a:effectRef>
-          <a:fontRef idx="minor">
-            <a:schemeClr val="dk1"/>
-          </a:fontRef>
-        </p:style>
-        <p:txBody>
-          <a:bodyPr rtlCol="0" anchor="ctr"/>
-          <a:lstStyle/>
-          <a:p>
-            <a:pPr algn="ctr"/>
-            <a:r>
-              <a:rPr lang="en-US" dirty="0"/>
-              <a:t>Objective 5</a:t>
-            </a:r>
-          </a:p>
-        </p:txBody>
-      </p:sp>
-      <p:sp>
-        <p:nvSpPr>
-          <p:cNvPr id="27" name="Arrow: Chevron 26"/>
-          <p:cNvSpPr/>
-          <p:nvPr/>
-        </p:nvSpPr>
-        <p:spPr>
-          <a:xfrm>
-            <a:off x="721567" y="6904550"/>
-            <a:ext cx="160088" cy="190810"/>
-          </a:xfrm>
-          <a:prstGeom prst="chevron">
-            <a:avLst/>
-          </a:prstGeom>
-        </p:spPr>
-        <p:style>
-          <a:lnRef idx="2">
-            <a:schemeClr val="dk1"/>
-          </a:lnRef>
-          <a:fillRef idx="1">
-            <a:schemeClr val="lt1"/>
-          </a:fillRef>
-          <a:effectRef idx="0">
-            <a:schemeClr val="dk1"/>
-          </a:effectRef>
-          <a:fontRef idx="minor">
-            <a:schemeClr val="dk1"/>
-          </a:fontRef>
-        </p:style>
-        <p:txBody>
-          <a:bodyPr rtlCol="0" anchor="ctr"/>
-          <a:lstStyle/>
-          <a:p>
-            <a:pPr algn="ctr"/>
-            <a:endParaRPr lang="en-US">
-              <a:solidFill>
-                <a:schemeClr val="tx1"/>
-              </a:solidFill>
-            </a:endParaRPr>
-          </a:p>
-        </p:txBody>
-      </p:sp>
-      <p:sp>
-        <p:nvSpPr>
-          <p:cNvPr id="35" name="Rectangle 34"/>
-          <p:cNvSpPr/>
-          <p:nvPr/>
-        </p:nvSpPr>
-        <p:spPr>
-          <a:xfrm>
-            <a:off x="6123710" y="7353300"/>
-            <a:ext cx="4087090" cy="2819400"/>
-          </a:xfrm>
-          <a:prstGeom prst="rect">
-            <a:avLst/>
-          </a:prstGeom>
-          <a:ln w="38100"/>
-        </p:spPr>
-        <p:style>
-          <a:lnRef idx="2">
-            <a:schemeClr val="dk1"/>
-          </a:lnRef>
-          <a:fillRef idx="1">
-            <a:schemeClr val="lt1"/>
-          </a:fillRef>
-          <a:effectRef idx="0">
-            <a:schemeClr val="dk1"/>
-          </a:effectRef>
-          <a:fontRef idx="minor">
-            <a:schemeClr val="dk1"/>
-          </a:fontRef>
-        </p:style>
-        <p:txBody>
-          <a:bodyPr rtlCol="0" anchor="ctr"/>
-          <a:lstStyle/>
-          <a:p>
-            <a:pPr algn="ctr"/>
-            <a:endParaRPr lang="en-PH"/>
-          </a:p>
-        </p:txBody>
-      </p:sp>
-      <p:sp>
-        <p:nvSpPr>
-          <p:cNvPr id="26" name="Rectangle 25">
-            <a:extLst>
-              <a:ext uri="{FF2B5EF4-FFF2-40B4-BE49-F238E27FC236}">
-                <a16:creationId xmlns:a16="http://schemas.microsoft.com/office/drawing/2014/main" id="{A63CD0C2-DF80-CFA8-4089-D9DE3DEBDE39}"/>
-              </a:ext>
-            </a:extLst>
-          </p:cNvPr>
-          <p:cNvSpPr/>
-          <p:nvPr/>
-        </p:nvSpPr>
-        <p:spPr>
-          <a:xfrm>
-            <a:off x="6102928" y="250181"/>
-            <a:ext cx="11626852" cy="6905872"/>
-          </a:xfrm>
-          <a:prstGeom prst="rect">
-            <a:avLst/>
-          </a:prstGeom>
-        </p:spPr>
-        <p:style>
-          <a:lnRef idx="2">
-            <a:schemeClr val="dk1"/>
-          </a:lnRef>
-          <a:fillRef idx="1">
-            <a:schemeClr val="lt1"/>
-          </a:fillRef>
-          <a:effectRef idx="0">
-            <a:schemeClr val="dk1"/>
-          </a:effectRef>
-          <a:fontRef idx="minor">
-            <a:schemeClr val="dk1"/>
-          </a:fontRef>
-        </p:style>
-        <p:txBody>
-          <a:bodyPr rtlCol="0" anchor="ctr"/>
-          <a:lstStyle/>
-          <a:p>
-            <a:pPr algn="ctr"/>
-            <a:r>
-              <a:rPr lang="en-US" dirty="0"/>
-              <a:t>GRAPH</a:t>
-            </a:r>
-          </a:p>
-        </p:txBody>
-      </p:sp>
-    </p:spTree>
-  </p:cSld>
-  <p:clrMapOvr>
-    <a:masterClrMapping/>
-  </p:clrMapOvr>
-</p:sld>
-</file>
-
-<file path=ppt/slides/slide23.xml><?xml version="1.0" encoding="utf-8"?>
-<p:sld xmlns:a="http://schemas.openxmlformats.org/drawingml/2006/main" xmlns:r="http://schemas.openxmlformats.org/officeDocument/2006/relationships" xmlns:p="http://schemas.openxmlformats.org/presentationml/2006/main" showMasterSp="0">
-  <p:cSld>
-    <p:spTree>
-      <p:nvGrpSpPr>
-        <p:cNvPr id="1" name=""/>
-        <p:cNvGrpSpPr/>
-        <p:nvPr/>
-      </p:nvGrpSpPr>
-      <p:grpSpPr>
-        <a:xfrm>
-          <a:off x="0" y="0"/>
-          <a:ext cx="0" cy="0"/>
-          <a:chOff x="0" y="0"/>
-          <a:chExt cx="0" cy="0"/>
-        </a:xfrm>
-      </p:grpSpPr>
-      <p:sp>
-        <p:nvSpPr>
-          <p:cNvPr id="2" name="object 2"/>
-          <p:cNvSpPr/>
-          <p:nvPr/>
-        </p:nvSpPr>
-        <p:spPr>
-          <a:xfrm>
-            <a:off x="0" y="-22178"/>
-            <a:ext cx="5638800" cy="10287000"/>
-          </a:xfrm>
-          <a:custGeom>
-            <a:avLst/>
-            <a:gdLst/>
-            <a:ahLst/>
-            <a:cxnLst/>
-            <a:rect l="l" t="t" r="r" b="b"/>
-            <a:pathLst>
-              <a:path w="4810125" h="10287000">
-                <a:moveTo>
-                  <a:pt x="4810124" y="10286999"/>
-                </a:moveTo>
-                <a:lnTo>
-                  <a:pt x="0" y="10286999"/>
-                </a:lnTo>
-                <a:lnTo>
-                  <a:pt x="0" y="0"/>
-                </a:lnTo>
-                <a:lnTo>
-                  <a:pt x="4810124" y="0"/>
-                </a:lnTo>
-                <a:lnTo>
-                  <a:pt x="4810124" y="10286999"/>
-                </a:lnTo>
-                <a:close/>
-              </a:path>
-            </a:pathLst>
-          </a:custGeom>
-          <a:solidFill>
-            <a:srgbClr val="D5D5D5"/>
-          </a:solidFill>
-        </p:spPr>
-        <p:txBody>
-          <a:bodyPr wrap="square" lIns="0" tIns="0" rIns="0" bIns="0" rtlCol="0"/>
-          <a:lstStyle/>
-          <a:p>
-            <a:endParaRPr dirty="0"/>
-          </a:p>
-        </p:txBody>
-      </p:sp>
-      <p:sp>
-        <p:nvSpPr>
-          <p:cNvPr id="4" name="object 4"/>
-          <p:cNvSpPr/>
-          <p:nvPr/>
-        </p:nvSpPr>
-        <p:spPr>
-          <a:xfrm>
-            <a:off x="6148821" y="9639300"/>
-            <a:ext cx="1485900" cy="57150"/>
-          </a:xfrm>
-          <a:custGeom>
-            <a:avLst/>
-            <a:gdLst/>
-            <a:ahLst/>
-            <a:cxnLst/>
-            <a:rect l="l" t="t" r="r" b="b"/>
-            <a:pathLst>
-              <a:path w="1485900" h="57150">
-                <a:moveTo>
-                  <a:pt x="1485899" y="57149"/>
-                </a:moveTo>
-                <a:lnTo>
-                  <a:pt x="0" y="57149"/>
-                </a:lnTo>
-                <a:lnTo>
-                  <a:pt x="0" y="0"/>
-                </a:lnTo>
-                <a:lnTo>
-                  <a:pt x="1485899" y="0"/>
-                </a:lnTo>
-                <a:lnTo>
-                  <a:pt x="1485899" y="57149"/>
-                </a:lnTo>
-                <a:close/>
-              </a:path>
-            </a:pathLst>
-          </a:custGeom>
-          <a:solidFill>
-            <a:srgbClr val="D5D5D5"/>
-          </a:solidFill>
-        </p:spPr>
-        <p:txBody>
-          <a:bodyPr wrap="square" lIns="0" tIns="0" rIns="0" bIns="0" rtlCol="0"/>
-          <a:lstStyle/>
-          <a:p>
-            <a:endParaRPr/>
-          </a:p>
-        </p:txBody>
-      </p:sp>
-      <p:sp>
-        <p:nvSpPr>
-          <p:cNvPr id="7" name="object 7"/>
-          <p:cNvSpPr txBox="1">
-            <a:spLocks noGrp="1"/>
-          </p:cNvSpPr>
-          <p:nvPr>
-            <p:ph type="title"/>
-          </p:nvPr>
-        </p:nvSpPr>
-        <p:spPr>
-          <a:xfrm>
-            <a:off x="6757464" y="1481768"/>
-            <a:ext cx="1091136" cy="689932"/>
-          </a:xfrm>
-          <a:prstGeom prst="rect">
-            <a:avLst/>
-          </a:prstGeom>
-        </p:spPr>
-        <p:txBody>
-          <a:bodyPr vert="horz" wrap="square" lIns="0" tIns="12700" rIns="0" bIns="0" rtlCol="0">
-            <a:spAutoFit/>
-          </a:bodyPr>
-          <a:lstStyle/>
-          <a:p>
-            <a:pPr marL="12700">
-              <a:lnSpc>
-                <a:spcPct val="100000"/>
-              </a:lnSpc>
-              <a:spcBef>
-                <a:spcPts val="100"/>
-              </a:spcBef>
-            </a:pPr>
-            <a:r>
-              <a:rPr lang="en-US" sz="4400" spc="-70" dirty="0">
-                <a:solidFill>
-                  <a:schemeClr val="accent5">
-                    <a:lumMod val="50000"/>
-                  </a:schemeClr>
-                </a:solidFill>
-                <a:latin typeface="Cambria" panose="02040503050406030204"/>
-                <a:cs typeface="Cambria" panose="02040503050406030204"/>
-              </a:rPr>
-              <a:t>0</a:t>
-            </a:r>
-            <a:r>
-              <a:rPr lang="en-US" sz="4400" spc="35" dirty="0">
-                <a:solidFill>
-                  <a:schemeClr val="accent5">
-                    <a:lumMod val="50000"/>
-                  </a:schemeClr>
-                </a:solidFill>
-                <a:latin typeface="Cambria" panose="02040503050406030204"/>
-                <a:cs typeface="Cambria" panose="02040503050406030204"/>
-              </a:rPr>
-              <a:t>4.</a:t>
-            </a:r>
-            <a:endParaRPr lang="en-US" sz="4400" dirty="0">
-              <a:solidFill>
-                <a:schemeClr val="accent5">
-                  <a:lumMod val="50000"/>
-                </a:schemeClr>
-              </a:solidFill>
-              <a:latin typeface="Cambria" panose="02040503050406030204"/>
-              <a:cs typeface="Cambria" panose="02040503050406030204"/>
-            </a:endParaRPr>
-          </a:p>
-        </p:txBody>
-      </p:sp>
-      <p:grpSp>
-        <p:nvGrpSpPr>
-          <p:cNvPr id="17" name="object 17"/>
-          <p:cNvGrpSpPr/>
-          <p:nvPr/>
-        </p:nvGrpSpPr>
-        <p:grpSpPr>
-          <a:xfrm>
-            <a:off x="951690" y="1028700"/>
-            <a:ext cx="4175760" cy="9258300"/>
-            <a:chOff x="951690" y="1028700"/>
-            <a:chExt cx="4175760" cy="9258300"/>
-          </a:xfrm>
-          <a:solidFill>
-            <a:schemeClr val="bg1"/>
-          </a:solidFill>
-        </p:grpSpPr>
-        <p:sp>
-          <p:nvSpPr>
-            <p:cNvPr id="18" name="object 18"/>
-            <p:cNvSpPr/>
-            <p:nvPr/>
-          </p:nvSpPr>
-          <p:spPr>
-            <a:xfrm>
-              <a:off x="4489132" y="8144128"/>
-              <a:ext cx="638175" cy="2143125"/>
-            </a:xfrm>
-            <a:custGeom>
-              <a:avLst/>
-              <a:gdLst/>
-              <a:ahLst/>
-              <a:cxnLst/>
-              <a:rect l="l" t="t" r="r" b="b"/>
-              <a:pathLst>
-                <a:path w="638175" h="2143125">
-                  <a:moveTo>
-                    <a:pt x="627545" y="2142871"/>
-                  </a:moveTo>
-                  <a:lnTo>
-                    <a:pt x="469595" y="1984133"/>
-                  </a:lnTo>
-                  <a:lnTo>
-                    <a:pt x="319087" y="1832864"/>
-                  </a:lnTo>
-                  <a:lnTo>
-                    <a:pt x="10642" y="2142871"/>
-                  </a:lnTo>
-                  <a:lnTo>
-                    <a:pt x="161137" y="2142871"/>
-                  </a:lnTo>
-                  <a:lnTo>
-                    <a:pt x="319087" y="1984133"/>
-                  </a:lnTo>
-                  <a:lnTo>
-                    <a:pt x="477037" y="2142871"/>
-                  </a:lnTo>
-                  <a:lnTo>
-                    <a:pt x="627545" y="2142871"/>
-                  </a:lnTo>
-                  <a:close/>
-                </a:path>
-                <a:path w="638175" h="2143125">
-                  <a:moveTo>
-                    <a:pt x="638175" y="1695348"/>
-                  </a:moveTo>
-                  <a:lnTo>
-                    <a:pt x="319087" y="1374648"/>
-                  </a:lnTo>
-                  <a:lnTo>
-                    <a:pt x="0" y="1695348"/>
-                  </a:lnTo>
-                  <a:lnTo>
-                    <a:pt x="75260" y="1770976"/>
-                  </a:lnTo>
-                  <a:lnTo>
-                    <a:pt x="319087" y="1525917"/>
-                  </a:lnTo>
-                  <a:lnTo>
-                    <a:pt x="562927" y="1770976"/>
-                  </a:lnTo>
-                  <a:lnTo>
-                    <a:pt x="638175" y="1695348"/>
-                  </a:lnTo>
-                  <a:close/>
-                </a:path>
-                <a:path w="638175" h="2143125">
-                  <a:moveTo>
-                    <a:pt x="638175" y="1237132"/>
-                  </a:moveTo>
-                  <a:lnTo>
-                    <a:pt x="319087" y="916432"/>
-                  </a:lnTo>
-                  <a:lnTo>
-                    <a:pt x="0" y="1237132"/>
-                  </a:lnTo>
-                  <a:lnTo>
-                    <a:pt x="75260" y="1312760"/>
-                  </a:lnTo>
-                  <a:lnTo>
-                    <a:pt x="319087" y="1067689"/>
-                  </a:lnTo>
-                  <a:lnTo>
-                    <a:pt x="562927" y="1312760"/>
-                  </a:lnTo>
-                  <a:lnTo>
-                    <a:pt x="638175" y="1237132"/>
-                  </a:lnTo>
-                  <a:close/>
-                </a:path>
-                <a:path w="638175" h="2143125">
-                  <a:moveTo>
-                    <a:pt x="638175" y="778916"/>
-                  </a:moveTo>
-                  <a:lnTo>
-                    <a:pt x="319087" y="458216"/>
-                  </a:lnTo>
-                  <a:lnTo>
-                    <a:pt x="0" y="778916"/>
-                  </a:lnTo>
-                  <a:lnTo>
-                    <a:pt x="75260" y="854544"/>
-                  </a:lnTo>
-                  <a:lnTo>
-                    <a:pt x="319087" y="609485"/>
-                  </a:lnTo>
-                  <a:lnTo>
-                    <a:pt x="562927" y="854544"/>
-                  </a:lnTo>
-                  <a:lnTo>
-                    <a:pt x="638175" y="778916"/>
-                  </a:lnTo>
-                  <a:close/>
-                </a:path>
-                <a:path w="638175" h="2143125">
-                  <a:moveTo>
-                    <a:pt x="638175" y="320700"/>
-                  </a:moveTo>
-                  <a:lnTo>
-                    <a:pt x="319087" y="0"/>
-                  </a:lnTo>
-                  <a:lnTo>
-                    <a:pt x="0" y="320700"/>
-                  </a:lnTo>
-                  <a:lnTo>
-                    <a:pt x="75260" y="396328"/>
-                  </a:lnTo>
-                  <a:lnTo>
-                    <a:pt x="319087" y="151269"/>
-                  </a:lnTo>
-                  <a:lnTo>
-                    <a:pt x="562927" y="396328"/>
-                  </a:lnTo>
-                  <a:lnTo>
-                    <a:pt x="638175" y="320700"/>
-                  </a:lnTo>
-                  <a:close/>
-                </a:path>
-              </a:pathLst>
-            </a:custGeom>
-            <a:grpFill/>
-          </p:spPr>
-          <p:txBody>
-            <a:bodyPr wrap="square" lIns="0" tIns="0" rIns="0" bIns="0" rtlCol="0"/>
-            <a:lstStyle/>
-            <a:p>
-              <a:endParaRPr dirty="0"/>
-            </a:p>
-          </p:txBody>
-        </p:sp>
-        <p:sp>
-          <p:nvSpPr>
-            <p:cNvPr id="19" name="object 19"/>
-            <p:cNvSpPr/>
-            <p:nvPr/>
-          </p:nvSpPr>
-          <p:spPr>
-            <a:xfrm>
-              <a:off x="951687" y="1028712"/>
-              <a:ext cx="466090" cy="304800"/>
-            </a:xfrm>
-            <a:custGeom>
-              <a:avLst/>
-              <a:gdLst/>
-              <a:ahLst/>
-              <a:cxnLst/>
-              <a:rect l="l" t="t" r="r" b="b"/>
-              <a:pathLst>
-                <a:path w="466090" h="304800">
-                  <a:moveTo>
-                    <a:pt x="465823" y="254000"/>
-                  </a:moveTo>
-                  <a:lnTo>
-                    <a:pt x="0" y="254000"/>
-                  </a:lnTo>
-                  <a:lnTo>
-                    <a:pt x="0" y="304800"/>
-                  </a:lnTo>
-                  <a:lnTo>
-                    <a:pt x="465823" y="304800"/>
-                  </a:lnTo>
-                  <a:lnTo>
-                    <a:pt x="465823" y="254000"/>
-                  </a:lnTo>
-                  <a:close/>
-                </a:path>
-                <a:path w="466090" h="304800">
-                  <a:moveTo>
-                    <a:pt x="465823" y="127000"/>
-                  </a:moveTo>
-                  <a:lnTo>
-                    <a:pt x="0" y="127000"/>
-                  </a:lnTo>
-                  <a:lnTo>
-                    <a:pt x="0" y="177800"/>
-                  </a:lnTo>
-                  <a:lnTo>
-                    <a:pt x="465823" y="177800"/>
-                  </a:lnTo>
-                  <a:lnTo>
-                    <a:pt x="465823" y="127000"/>
-                  </a:lnTo>
-                  <a:close/>
-                </a:path>
-                <a:path w="466090" h="304800">
-                  <a:moveTo>
-                    <a:pt x="465823" y="0"/>
-                  </a:moveTo>
-                  <a:lnTo>
-                    <a:pt x="0" y="0"/>
-                  </a:lnTo>
-                  <a:lnTo>
-                    <a:pt x="0" y="50800"/>
-                  </a:lnTo>
-                  <a:lnTo>
-                    <a:pt x="465823" y="50800"/>
-                  </a:lnTo>
-                  <a:lnTo>
-                    <a:pt x="465823" y="0"/>
-                  </a:lnTo>
-                  <a:close/>
-                </a:path>
-              </a:pathLst>
-            </a:custGeom>
-            <a:grpFill/>
-          </p:spPr>
-          <p:txBody>
-            <a:bodyPr wrap="square" lIns="0" tIns="0" rIns="0" bIns="0" rtlCol="0"/>
-            <a:lstStyle/>
-            <a:p>
-              <a:endParaRPr/>
-            </a:p>
-          </p:txBody>
-        </p:sp>
-      </p:grpSp>
-      <p:sp>
-        <p:nvSpPr>
-          <p:cNvPr id="23" name="object 17"/>
-          <p:cNvSpPr txBox="1"/>
-          <p:nvPr/>
-        </p:nvSpPr>
-        <p:spPr>
-          <a:xfrm rot="5400000">
-            <a:off x="2537575" y="-314474"/>
-            <a:ext cx="923330" cy="5279120"/>
-          </a:xfrm>
-          <a:prstGeom prst="rect">
-            <a:avLst/>
-          </a:prstGeom>
-        </p:spPr>
-        <p:txBody>
-          <a:bodyPr vert="vert270" wrap="square" lIns="0" tIns="16510" rIns="0" bIns="0" rtlCol="0">
-            <a:spAutoFit/>
-          </a:bodyPr>
-          <a:lstStyle/>
-          <a:p>
-            <a:pPr marL="12700">
-              <a:lnSpc>
-                <a:spcPct val="100000"/>
-              </a:lnSpc>
-              <a:spcBef>
-                <a:spcPts val="130"/>
-              </a:spcBef>
-            </a:pPr>
-            <a:r>
-              <a:rPr lang="en-PH" sz="6000" b="1" spc="-70" dirty="0">
-                <a:solidFill>
-                  <a:schemeClr val="accent4">
-                    <a:lumMod val="50000"/>
-                  </a:schemeClr>
-                </a:solidFill>
-                <a:latin typeface="Tahoma" panose="020B0604030504040204"/>
-                <a:cs typeface="Tahoma" panose="020B0604030504040204"/>
-              </a:rPr>
-              <a:t>OBJECTIVES</a:t>
-            </a:r>
-            <a:endParaRPr sz="6000" dirty="0">
-              <a:solidFill>
-                <a:schemeClr val="accent4">
-                  <a:lumMod val="50000"/>
-                </a:schemeClr>
-              </a:solidFill>
-              <a:latin typeface="Tahoma" panose="020B0604030504040204"/>
-              <a:cs typeface="Tahoma" panose="020B0604030504040204"/>
-            </a:endParaRPr>
-          </a:p>
-        </p:txBody>
-      </p:sp>
-      <p:sp>
-        <p:nvSpPr>
-          <p:cNvPr id="24" name="Rectangle 23"/>
-          <p:cNvSpPr/>
-          <p:nvPr/>
-        </p:nvSpPr>
-        <p:spPr>
-          <a:xfrm>
-            <a:off x="228600" y="3196933"/>
-            <a:ext cx="5029200" cy="727368"/>
-          </a:xfrm>
-          <a:prstGeom prst="rect">
-            <a:avLst/>
-          </a:prstGeom>
-          <a:ln w="28575"/>
-        </p:spPr>
-        <p:style>
-          <a:lnRef idx="2">
-            <a:schemeClr val="dk1"/>
-          </a:lnRef>
-          <a:fillRef idx="1">
-            <a:schemeClr val="lt1"/>
-          </a:fillRef>
-          <a:effectRef idx="0">
-            <a:schemeClr val="dk1"/>
-          </a:effectRef>
-          <a:fontRef idx="minor">
-            <a:schemeClr val="dk1"/>
-          </a:fontRef>
-        </p:style>
-        <p:txBody>
-          <a:bodyPr rtlCol="0" anchor="ctr"/>
-          <a:lstStyle/>
-          <a:p>
-            <a:pPr marL="0" marR="0" algn="ctr">
-              <a:spcBef>
-                <a:spcPts val="0"/>
-              </a:spcBef>
-              <a:spcAft>
-                <a:spcPts val="0"/>
-              </a:spcAft>
-            </a:pPr>
-            <a:r>
-              <a:rPr lang="en-US" sz="2000" u="sng" dirty="0">
-                <a:effectLst/>
-                <a:latin typeface="Times New Roman" panose="02020603050405020304" pitchFamily="18" charset="0"/>
-                <a:ea typeface="Times New Roman" panose="02020603050405020304" pitchFamily="18" charset="0"/>
-              </a:rPr>
-              <a:t>Humanitarian Data Exchange Data set about Philippines (2019)</a:t>
-            </a:r>
-            <a:endParaRPr lang="en-US" sz="2000" dirty="0">
-              <a:effectLst/>
-              <a:latin typeface="Calibri" panose="020F0502020204030204" pitchFamily="34" charset="0"/>
-              <a:ea typeface="Calibri" panose="020F0502020204030204" pitchFamily="34" charset="0"/>
-            </a:endParaRPr>
-          </a:p>
-        </p:txBody>
-      </p:sp>
-      <p:sp>
-        <p:nvSpPr>
-          <p:cNvPr id="25" name="Rectangle 24"/>
-          <p:cNvSpPr/>
-          <p:nvPr/>
-        </p:nvSpPr>
-        <p:spPr>
-          <a:xfrm>
-            <a:off x="264000" y="4076700"/>
-            <a:ext cx="4993800" cy="992209"/>
-          </a:xfrm>
-          <a:prstGeom prst="rect">
-            <a:avLst/>
-          </a:prstGeom>
-          <a:ln w="57150"/>
-        </p:spPr>
-        <p:style>
-          <a:lnRef idx="2">
-            <a:schemeClr val="dk1"/>
-          </a:lnRef>
-          <a:fillRef idx="1">
-            <a:schemeClr val="lt1"/>
-          </a:fillRef>
-          <a:effectRef idx="0">
-            <a:schemeClr val="dk1"/>
-          </a:effectRef>
-          <a:fontRef idx="minor">
-            <a:schemeClr val="dk1"/>
-          </a:fontRef>
-        </p:style>
-        <p:txBody>
-          <a:bodyPr rtlCol="0" anchor="ctr"/>
-          <a:lstStyle/>
-          <a:p>
-            <a:pPr marL="0" marR="0" algn="ctr">
-              <a:spcBef>
-                <a:spcPts val="0"/>
-              </a:spcBef>
-              <a:spcAft>
-                <a:spcPts val="0"/>
-              </a:spcAft>
-            </a:pPr>
-            <a:r>
-              <a:rPr lang="en-US" sz="1800" u="sng" dirty="0">
-                <a:effectLst/>
-                <a:latin typeface="Times New Roman" panose="02020603050405020304" pitchFamily="18" charset="0"/>
-                <a:ea typeface="Times New Roman" panose="02020603050405020304" pitchFamily="18" charset="0"/>
-              </a:rPr>
-              <a:t>The Centre for Research on the Epidemiology of Disasters' Data set about the American Typhoons (2000-2022)</a:t>
-            </a:r>
-            <a:endParaRPr lang="en-US" sz="1800" u="sng" dirty="0">
-              <a:effectLst/>
-              <a:latin typeface="Calibri" panose="020F0502020204030204" pitchFamily="34" charset="0"/>
-              <a:ea typeface="Calibri" panose="020F0502020204030204" pitchFamily="34" charset="0"/>
-            </a:endParaRPr>
-          </a:p>
-        </p:txBody>
-      </p:sp>
-      <p:sp>
-        <p:nvSpPr>
-          <p:cNvPr id="16" name="Rectangle 15"/>
-          <p:cNvSpPr/>
-          <p:nvPr/>
-        </p:nvSpPr>
-        <p:spPr>
-          <a:xfrm>
-            <a:off x="951687" y="5219700"/>
-            <a:ext cx="4270713" cy="312196"/>
-          </a:xfrm>
-          <a:prstGeom prst="rect">
-            <a:avLst/>
-          </a:prstGeom>
-          <a:ln w="28575"/>
-        </p:spPr>
-        <p:style>
-          <a:lnRef idx="2">
-            <a:schemeClr val="dk1"/>
-          </a:lnRef>
-          <a:fillRef idx="1">
-            <a:schemeClr val="lt1"/>
-          </a:fillRef>
-          <a:effectRef idx="0">
-            <a:schemeClr val="dk1"/>
-          </a:effectRef>
-          <a:fontRef idx="minor">
-            <a:schemeClr val="dk1"/>
-          </a:fontRef>
-        </p:style>
-        <p:txBody>
-          <a:bodyPr rtlCol="0" anchor="ctr"/>
-          <a:lstStyle/>
-          <a:p>
-            <a:pPr algn="ctr"/>
-            <a:r>
-              <a:rPr lang="en-US" dirty="0"/>
-              <a:t>Objective 1</a:t>
-            </a:r>
-          </a:p>
-        </p:txBody>
-      </p:sp>
-      <p:sp>
-        <p:nvSpPr>
-          <p:cNvPr id="3" name="Arrow: Chevron 2"/>
-          <p:cNvSpPr/>
-          <p:nvPr/>
-        </p:nvSpPr>
-        <p:spPr>
-          <a:xfrm>
-            <a:off x="712065" y="5289798"/>
-            <a:ext cx="160088" cy="190810"/>
-          </a:xfrm>
-          <a:prstGeom prst="chevron">
-            <a:avLst/>
-          </a:prstGeom>
-        </p:spPr>
-        <p:style>
-          <a:lnRef idx="2">
-            <a:schemeClr val="dk1"/>
-          </a:lnRef>
-          <a:fillRef idx="1">
-            <a:schemeClr val="lt1"/>
-          </a:fillRef>
-          <a:effectRef idx="0">
-            <a:schemeClr val="dk1"/>
-          </a:effectRef>
-          <a:fontRef idx="minor">
-            <a:schemeClr val="dk1"/>
-          </a:fontRef>
-        </p:style>
-        <p:txBody>
-          <a:bodyPr rtlCol="0" anchor="ctr"/>
-          <a:lstStyle/>
-          <a:p>
-            <a:pPr algn="ctr"/>
-            <a:endParaRPr lang="en-US">
-              <a:solidFill>
-                <a:schemeClr val="tx1"/>
-              </a:solidFill>
-            </a:endParaRPr>
-          </a:p>
-        </p:txBody>
-      </p:sp>
-      <p:sp>
-        <p:nvSpPr>
-          <p:cNvPr id="28" name="Rectangle 27"/>
-          <p:cNvSpPr/>
-          <p:nvPr/>
-        </p:nvSpPr>
-        <p:spPr>
-          <a:xfrm>
-            <a:off x="951687" y="5624657"/>
-            <a:ext cx="4270713" cy="312196"/>
-          </a:xfrm>
-          <a:prstGeom prst="rect">
-            <a:avLst/>
-          </a:prstGeom>
-          <a:ln w="28575"/>
-        </p:spPr>
-        <p:style>
-          <a:lnRef idx="2">
-            <a:schemeClr val="dk1"/>
-          </a:lnRef>
-          <a:fillRef idx="1">
-            <a:schemeClr val="lt1"/>
-          </a:fillRef>
-          <a:effectRef idx="0">
-            <a:schemeClr val="dk1"/>
-          </a:effectRef>
-          <a:fontRef idx="minor">
-            <a:schemeClr val="dk1"/>
-          </a:fontRef>
-        </p:style>
-        <p:txBody>
-          <a:bodyPr rtlCol="0" anchor="ctr"/>
-          <a:lstStyle/>
-          <a:p>
-            <a:pPr algn="ctr"/>
-            <a:r>
-              <a:rPr lang="en-US" dirty="0"/>
-              <a:t>Objective 2</a:t>
-            </a:r>
-          </a:p>
-        </p:txBody>
-      </p:sp>
-      <p:sp>
-        <p:nvSpPr>
-          <p:cNvPr id="29" name="Rectangle 28"/>
-          <p:cNvSpPr/>
-          <p:nvPr/>
-        </p:nvSpPr>
-        <p:spPr>
-          <a:xfrm>
-            <a:off x="961189" y="6023908"/>
-            <a:ext cx="4270713" cy="312196"/>
-          </a:xfrm>
-          <a:prstGeom prst="rect">
-            <a:avLst/>
-          </a:prstGeom>
-          <a:ln w="28575"/>
-        </p:spPr>
-        <p:style>
-          <a:lnRef idx="2">
-            <a:schemeClr val="dk1"/>
-          </a:lnRef>
-          <a:fillRef idx="1">
-            <a:schemeClr val="lt1"/>
-          </a:fillRef>
-          <a:effectRef idx="0">
-            <a:schemeClr val="dk1"/>
-          </a:effectRef>
-          <a:fontRef idx="minor">
-            <a:schemeClr val="dk1"/>
-          </a:fontRef>
-        </p:style>
-        <p:txBody>
-          <a:bodyPr rtlCol="0" anchor="ctr"/>
-          <a:lstStyle/>
-          <a:p>
-            <a:pPr algn="ctr"/>
-            <a:r>
-              <a:rPr lang="en-US" dirty="0"/>
-              <a:t>Objective 3</a:t>
-            </a:r>
-          </a:p>
-        </p:txBody>
-      </p:sp>
-      <p:sp>
-        <p:nvSpPr>
-          <p:cNvPr id="30" name="Arrow: Chevron 29"/>
-          <p:cNvSpPr/>
-          <p:nvPr/>
-        </p:nvSpPr>
-        <p:spPr>
-          <a:xfrm>
-            <a:off x="712065" y="5685350"/>
-            <a:ext cx="160088" cy="190810"/>
-          </a:xfrm>
-          <a:prstGeom prst="chevron">
-            <a:avLst/>
-          </a:prstGeom>
-        </p:spPr>
-        <p:style>
-          <a:lnRef idx="2">
-            <a:schemeClr val="dk1"/>
-          </a:lnRef>
-          <a:fillRef idx="1">
-            <a:schemeClr val="lt1"/>
-          </a:fillRef>
-          <a:effectRef idx="0">
-            <a:schemeClr val="dk1"/>
-          </a:effectRef>
-          <a:fontRef idx="minor">
-            <a:schemeClr val="dk1"/>
-          </a:fontRef>
-        </p:style>
-        <p:txBody>
-          <a:bodyPr rtlCol="0" anchor="ctr"/>
-          <a:lstStyle/>
-          <a:p>
-            <a:pPr algn="ctr"/>
-            <a:endParaRPr lang="en-US">
-              <a:solidFill>
-                <a:schemeClr val="tx1"/>
-              </a:solidFill>
-            </a:endParaRPr>
-          </a:p>
-        </p:txBody>
-      </p:sp>
-      <p:sp>
-        <p:nvSpPr>
-          <p:cNvPr id="31" name="Arrow: Chevron 30"/>
-          <p:cNvSpPr/>
-          <p:nvPr/>
-        </p:nvSpPr>
-        <p:spPr>
-          <a:xfrm>
-            <a:off x="712065" y="6069533"/>
-            <a:ext cx="160088" cy="190810"/>
-          </a:xfrm>
-          <a:prstGeom prst="chevron">
-            <a:avLst/>
-          </a:prstGeom>
-        </p:spPr>
-        <p:style>
-          <a:lnRef idx="2">
-            <a:schemeClr val="dk1"/>
-          </a:lnRef>
-          <a:fillRef idx="1">
-            <a:schemeClr val="lt1"/>
-          </a:fillRef>
-          <a:effectRef idx="0">
-            <a:schemeClr val="dk1"/>
-          </a:effectRef>
-          <a:fontRef idx="minor">
-            <a:schemeClr val="dk1"/>
-          </a:fontRef>
-        </p:style>
-        <p:txBody>
-          <a:bodyPr rtlCol="0" anchor="ctr"/>
-          <a:lstStyle/>
-          <a:p>
-            <a:pPr algn="ctr"/>
-            <a:endParaRPr lang="en-US">
-              <a:solidFill>
-                <a:schemeClr val="tx1"/>
-              </a:solidFill>
-            </a:endParaRPr>
-          </a:p>
-        </p:txBody>
-      </p:sp>
-      <p:sp>
-        <p:nvSpPr>
-          <p:cNvPr id="20" name="Rectangle 19"/>
-          <p:cNvSpPr/>
-          <p:nvPr/>
-        </p:nvSpPr>
-        <p:spPr>
-          <a:xfrm>
-            <a:off x="961189" y="6438900"/>
-            <a:ext cx="4270713" cy="312196"/>
-          </a:xfrm>
-          <a:prstGeom prst="rect">
-            <a:avLst/>
-          </a:prstGeom>
-          <a:ln w="57150"/>
-        </p:spPr>
-        <p:style>
-          <a:lnRef idx="2">
-            <a:schemeClr val="dk1"/>
-          </a:lnRef>
-          <a:fillRef idx="1">
-            <a:schemeClr val="lt1"/>
-          </a:fillRef>
-          <a:effectRef idx="0">
-            <a:schemeClr val="dk1"/>
-          </a:effectRef>
-          <a:fontRef idx="minor">
-            <a:schemeClr val="dk1"/>
-          </a:fontRef>
-        </p:style>
-        <p:txBody>
-          <a:bodyPr rtlCol="0" anchor="ctr"/>
-          <a:lstStyle/>
-          <a:p>
-            <a:pPr algn="ctr"/>
-            <a:r>
-              <a:rPr lang="en-US" dirty="0"/>
-              <a:t>Objective 4</a:t>
-            </a:r>
-          </a:p>
-        </p:txBody>
-      </p:sp>
-      <p:sp>
-        <p:nvSpPr>
-          <p:cNvPr id="21" name="Arrow: Chevron 20"/>
-          <p:cNvSpPr/>
-          <p:nvPr/>
-        </p:nvSpPr>
-        <p:spPr>
-          <a:xfrm>
-            <a:off x="721567" y="6508998"/>
-            <a:ext cx="160088" cy="190810"/>
-          </a:xfrm>
-          <a:prstGeom prst="chevron">
-            <a:avLst/>
-          </a:prstGeom>
-          <a:ln w="57150"/>
-        </p:spPr>
-        <p:style>
-          <a:lnRef idx="2">
-            <a:schemeClr val="dk1"/>
-          </a:lnRef>
-          <a:fillRef idx="1">
-            <a:schemeClr val="lt1"/>
-          </a:fillRef>
-          <a:effectRef idx="0">
-            <a:schemeClr val="dk1"/>
-          </a:effectRef>
-          <a:fontRef idx="minor">
-            <a:schemeClr val="dk1"/>
-          </a:fontRef>
-        </p:style>
-        <p:txBody>
-          <a:bodyPr rtlCol="0" anchor="ctr"/>
-          <a:lstStyle/>
-          <a:p>
-            <a:pPr algn="ctr"/>
-            <a:endParaRPr lang="en-US">
-              <a:solidFill>
-                <a:schemeClr val="tx1"/>
-              </a:solidFill>
-            </a:endParaRPr>
-          </a:p>
-        </p:txBody>
-      </p:sp>
-      <p:sp>
-        <p:nvSpPr>
-          <p:cNvPr id="22" name="Rectangle 21"/>
-          <p:cNvSpPr/>
-          <p:nvPr/>
-        </p:nvSpPr>
-        <p:spPr>
-          <a:xfrm>
-            <a:off x="961189" y="6843857"/>
-            <a:ext cx="4270713" cy="312196"/>
-          </a:xfrm>
-          <a:prstGeom prst="rect">
-            <a:avLst/>
-          </a:prstGeom>
-          <a:ln w="28575"/>
-        </p:spPr>
-        <p:style>
-          <a:lnRef idx="2">
-            <a:schemeClr val="dk1"/>
-          </a:lnRef>
-          <a:fillRef idx="1">
-            <a:schemeClr val="lt1"/>
-          </a:fillRef>
-          <a:effectRef idx="0">
-            <a:schemeClr val="dk1"/>
-          </a:effectRef>
-          <a:fontRef idx="minor">
-            <a:schemeClr val="dk1"/>
-          </a:fontRef>
-        </p:style>
-        <p:txBody>
-          <a:bodyPr rtlCol="0" anchor="ctr"/>
-          <a:lstStyle/>
-          <a:p>
-            <a:pPr algn="ctr"/>
-            <a:r>
-              <a:rPr lang="en-US" dirty="0"/>
-              <a:t>Objective 5</a:t>
-            </a:r>
-          </a:p>
-        </p:txBody>
-      </p:sp>
-      <p:sp>
-        <p:nvSpPr>
-          <p:cNvPr id="27" name="Arrow: Chevron 26"/>
-          <p:cNvSpPr/>
-          <p:nvPr/>
-        </p:nvSpPr>
-        <p:spPr>
-          <a:xfrm>
-            <a:off x="721567" y="6904550"/>
-            <a:ext cx="160088" cy="190810"/>
-          </a:xfrm>
-          <a:prstGeom prst="chevron">
-            <a:avLst/>
-          </a:prstGeom>
-        </p:spPr>
-        <p:style>
-          <a:lnRef idx="2">
-            <a:schemeClr val="dk1"/>
-          </a:lnRef>
-          <a:fillRef idx="1">
-            <a:schemeClr val="lt1"/>
-          </a:fillRef>
-          <a:effectRef idx="0">
-            <a:schemeClr val="dk1"/>
-          </a:effectRef>
-          <a:fontRef idx="minor">
-            <a:schemeClr val="dk1"/>
-          </a:fontRef>
-        </p:style>
-        <p:txBody>
-          <a:bodyPr rtlCol="0" anchor="ctr"/>
-          <a:lstStyle/>
-          <a:p>
-            <a:pPr algn="ctr"/>
-            <a:endParaRPr lang="en-US">
-              <a:solidFill>
-                <a:schemeClr val="tx1"/>
-              </a:solidFill>
-            </a:endParaRPr>
-          </a:p>
-        </p:txBody>
-      </p:sp>
-    </p:spTree>
-  </p:cSld>
-  <p:clrMapOvr>
-    <a:masterClrMapping/>
-  </p:clrMapOvr>
-</p:sld>
-</file>
-
-<file path=ppt/slides/slide24.xml><?xml version="1.0" encoding="utf-8"?>
-<p:sld xmlns:a="http://schemas.openxmlformats.org/drawingml/2006/main" xmlns:r="http://schemas.openxmlformats.org/officeDocument/2006/relationships" xmlns:p="http://schemas.openxmlformats.org/presentationml/2006/main" showMasterSp="0">
-  <p:cSld>
-    <p:spTree>
-      <p:nvGrpSpPr>
-        <p:cNvPr id="1" name=""/>
-        <p:cNvGrpSpPr/>
-        <p:nvPr/>
-      </p:nvGrpSpPr>
-      <p:grpSpPr>
-        <a:xfrm>
-          <a:off x="0" y="0"/>
-          <a:ext cx="0" cy="0"/>
-          <a:chOff x="0" y="0"/>
-          <a:chExt cx="0" cy="0"/>
-        </a:xfrm>
-      </p:grpSpPr>
-      <p:sp>
-        <p:nvSpPr>
-          <p:cNvPr id="2" name="object 2"/>
-          <p:cNvSpPr/>
-          <p:nvPr/>
-        </p:nvSpPr>
-        <p:spPr>
-          <a:xfrm>
-            <a:off x="0" y="-22178"/>
-            <a:ext cx="5638800" cy="10287000"/>
-          </a:xfrm>
-          <a:custGeom>
-            <a:avLst/>
-            <a:gdLst/>
-            <a:ahLst/>
-            <a:cxnLst/>
-            <a:rect l="l" t="t" r="r" b="b"/>
-            <a:pathLst>
-              <a:path w="4810125" h="10287000">
-                <a:moveTo>
-                  <a:pt x="4810124" y="10286999"/>
-                </a:moveTo>
-                <a:lnTo>
-                  <a:pt x="0" y="10286999"/>
-                </a:lnTo>
-                <a:lnTo>
-                  <a:pt x="0" y="0"/>
-                </a:lnTo>
-                <a:lnTo>
-                  <a:pt x="4810124" y="0"/>
-                </a:lnTo>
-                <a:lnTo>
-                  <a:pt x="4810124" y="10286999"/>
-                </a:lnTo>
-                <a:close/>
-              </a:path>
-            </a:pathLst>
-          </a:custGeom>
-          <a:solidFill>
-            <a:srgbClr val="D5D5D5"/>
-          </a:solidFill>
-        </p:spPr>
-        <p:txBody>
-          <a:bodyPr wrap="square" lIns="0" tIns="0" rIns="0" bIns="0" rtlCol="0"/>
-          <a:lstStyle/>
-          <a:p>
-            <a:endParaRPr dirty="0"/>
-          </a:p>
-        </p:txBody>
-      </p:sp>
-      <p:sp>
-        <p:nvSpPr>
-          <p:cNvPr id="4" name="object 4"/>
-          <p:cNvSpPr/>
-          <p:nvPr/>
-        </p:nvSpPr>
-        <p:spPr>
-          <a:xfrm>
-            <a:off x="6148821" y="9639300"/>
-            <a:ext cx="1485900" cy="57150"/>
-          </a:xfrm>
-          <a:custGeom>
-            <a:avLst/>
-            <a:gdLst/>
-            <a:ahLst/>
-            <a:cxnLst/>
-            <a:rect l="l" t="t" r="r" b="b"/>
-            <a:pathLst>
-              <a:path w="1485900" h="57150">
-                <a:moveTo>
-                  <a:pt x="1485899" y="57149"/>
-                </a:moveTo>
-                <a:lnTo>
-                  <a:pt x="0" y="57149"/>
-                </a:lnTo>
-                <a:lnTo>
-                  <a:pt x="0" y="0"/>
-                </a:lnTo>
-                <a:lnTo>
-                  <a:pt x="1485899" y="0"/>
-                </a:lnTo>
-                <a:lnTo>
-                  <a:pt x="1485899" y="57149"/>
-                </a:lnTo>
-                <a:close/>
-              </a:path>
-            </a:pathLst>
-          </a:custGeom>
-          <a:solidFill>
-            <a:srgbClr val="D5D5D5"/>
-          </a:solidFill>
-        </p:spPr>
-        <p:txBody>
-          <a:bodyPr wrap="square" lIns="0" tIns="0" rIns="0" bIns="0" rtlCol="0"/>
-          <a:lstStyle/>
-          <a:p>
-            <a:endParaRPr/>
-          </a:p>
-        </p:txBody>
-      </p:sp>
-      <p:grpSp>
-        <p:nvGrpSpPr>
-          <p:cNvPr id="17" name="object 17"/>
-          <p:cNvGrpSpPr/>
-          <p:nvPr/>
-        </p:nvGrpSpPr>
-        <p:grpSpPr>
-          <a:xfrm>
-            <a:off x="951690" y="1028700"/>
-            <a:ext cx="4175760" cy="9258300"/>
-            <a:chOff x="951690" y="1028700"/>
-            <a:chExt cx="4175760" cy="9258300"/>
-          </a:xfrm>
-          <a:solidFill>
-            <a:schemeClr val="bg1"/>
-          </a:solidFill>
-        </p:grpSpPr>
-        <p:sp>
-          <p:nvSpPr>
-            <p:cNvPr id="18" name="object 18"/>
-            <p:cNvSpPr/>
-            <p:nvPr/>
-          </p:nvSpPr>
-          <p:spPr>
-            <a:xfrm>
-              <a:off x="4489132" y="8144128"/>
-              <a:ext cx="638175" cy="2143125"/>
-            </a:xfrm>
-            <a:custGeom>
-              <a:avLst/>
-              <a:gdLst/>
-              <a:ahLst/>
-              <a:cxnLst/>
-              <a:rect l="l" t="t" r="r" b="b"/>
-              <a:pathLst>
-                <a:path w="638175" h="2143125">
-                  <a:moveTo>
-                    <a:pt x="627545" y="2142871"/>
-                  </a:moveTo>
-                  <a:lnTo>
-                    <a:pt x="469595" y="1984133"/>
-                  </a:lnTo>
-                  <a:lnTo>
-                    <a:pt x="319087" y="1832864"/>
-                  </a:lnTo>
-                  <a:lnTo>
-                    <a:pt x="10642" y="2142871"/>
-                  </a:lnTo>
-                  <a:lnTo>
-                    <a:pt x="161137" y="2142871"/>
-                  </a:lnTo>
-                  <a:lnTo>
-                    <a:pt x="319087" y="1984133"/>
-                  </a:lnTo>
-                  <a:lnTo>
-                    <a:pt x="477037" y="2142871"/>
-                  </a:lnTo>
-                  <a:lnTo>
-                    <a:pt x="627545" y="2142871"/>
-                  </a:lnTo>
-                  <a:close/>
-                </a:path>
-                <a:path w="638175" h="2143125">
-                  <a:moveTo>
-                    <a:pt x="638175" y="1695348"/>
-                  </a:moveTo>
-                  <a:lnTo>
-                    <a:pt x="319087" y="1374648"/>
-                  </a:lnTo>
-                  <a:lnTo>
-                    <a:pt x="0" y="1695348"/>
-                  </a:lnTo>
-                  <a:lnTo>
-                    <a:pt x="75260" y="1770976"/>
-                  </a:lnTo>
-                  <a:lnTo>
-                    <a:pt x="319087" y="1525917"/>
-                  </a:lnTo>
-                  <a:lnTo>
-                    <a:pt x="562927" y="1770976"/>
-                  </a:lnTo>
-                  <a:lnTo>
-                    <a:pt x="638175" y="1695348"/>
-                  </a:lnTo>
-                  <a:close/>
-                </a:path>
-                <a:path w="638175" h="2143125">
-                  <a:moveTo>
-                    <a:pt x="638175" y="1237132"/>
-                  </a:moveTo>
-                  <a:lnTo>
-                    <a:pt x="319087" y="916432"/>
-                  </a:lnTo>
-                  <a:lnTo>
-                    <a:pt x="0" y="1237132"/>
-                  </a:lnTo>
-                  <a:lnTo>
-                    <a:pt x="75260" y="1312760"/>
-                  </a:lnTo>
-                  <a:lnTo>
-                    <a:pt x="319087" y="1067689"/>
-                  </a:lnTo>
-                  <a:lnTo>
-                    <a:pt x="562927" y="1312760"/>
-                  </a:lnTo>
-                  <a:lnTo>
-                    <a:pt x="638175" y="1237132"/>
-                  </a:lnTo>
-                  <a:close/>
-                </a:path>
-                <a:path w="638175" h="2143125">
-                  <a:moveTo>
-                    <a:pt x="638175" y="778916"/>
-                  </a:moveTo>
-                  <a:lnTo>
-                    <a:pt x="319087" y="458216"/>
-                  </a:lnTo>
-                  <a:lnTo>
-                    <a:pt x="0" y="778916"/>
-                  </a:lnTo>
-                  <a:lnTo>
-                    <a:pt x="75260" y="854544"/>
-                  </a:lnTo>
-                  <a:lnTo>
-                    <a:pt x="319087" y="609485"/>
-                  </a:lnTo>
-                  <a:lnTo>
-                    <a:pt x="562927" y="854544"/>
-                  </a:lnTo>
-                  <a:lnTo>
-                    <a:pt x="638175" y="778916"/>
-                  </a:lnTo>
-                  <a:close/>
-                </a:path>
-                <a:path w="638175" h="2143125">
-                  <a:moveTo>
-                    <a:pt x="638175" y="320700"/>
-                  </a:moveTo>
-                  <a:lnTo>
-                    <a:pt x="319087" y="0"/>
-                  </a:lnTo>
-                  <a:lnTo>
-                    <a:pt x="0" y="320700"/>
-                  </a:lnTo>
-                  <a:lnTo>
-                    <a:pt x="75260" y="396328"/>
-                  </a:lnTo>
-                  <a:lnTo>
-                    <a:pt x="319087" y="151269"/>
-                  </a:lnTo>
-                  <a:lnTo>
-                    <a:pt x="562927" y="396328"/>
-                  </a:lnTo>
-                  <a:lnTo>
-                    <a:pt x="638175" y="320700"/>
-                  </a:lnTo>
-                  <a:close/>
-                </a:path>
-              </a:pathLst>
-            </a:custGeom>
-            <a:grpFill/>
-          </p:spPr>
-          <p:txBody>
-            <a:bodyPr wrap="square" lIns="0" tIns="0" rIns="0" bIns="0" rtlCol="0"/>
-            <a:lstStyle/>
-            <a:p>
-              <a:endParaRPr dirty="0"/>
-            </a:p>
-          </p:txBody>
-        </p:sp>
-        <p:sp>
-          <p:nvSpPr>
-            <p:cNvPr id="19" name="object 19"/>
-            <p:cNvSpPr/>
-            <p:nvPr/>
-          </p:nvSpPr>
-          <p:spPr>
-            <a:xfrm>
-              <a:off x="951687" y="1028712"/>
-              <a:ext cx="466090" cy="304800"/>
-            </a:xfrm>
-            <a:custGeom>
-              <a:avLst/>
-              <a:gdLst/>
-              <a:ahLst/>
-              <a:cxnLst/>
-              <a:rect l="l" t="t" r="r" b="b"/>
-              <a:pathLst>
-                <a:path w="466090" h="304800">
-                  <a:moveTo>
-                    <a:pt x="465823" y="254000"/>
-                  </a:moveTo>
-                  <a:lnTo>
-                    <a:pt x="0" y="254000"/>
-                  </a:lnTo>
-                  <a:lnTo>
-                    <a:pt x="0" y="304800"/>
-                  </a:lnTo>
-                  <a:lnTo>
-                    <a:pt x="465823" y="304800"/>
-                  </a:lnTo>
-                  <a:lnTo>
-                    <a:pt x="465823" y="254000"/>
-                  </a:lnTo>
-                  <a:close/>
-                </a:path>
-                <a:path w="466090" h="304800">
-                  <a:moveTo>
-                    <a:pt x="465823" y="127000"/>
-                  </a:moveTo>
-                  <a:lnTo>
-                    <a:pt x="0" y="127000"/>
-                  </a:lnTo>
-                  <a:lnTo>
-                    <a:pt x="0" y="177800"/>
-                  </a:lnTo>
-                  <a:lnTo>
-                    <a:pt x="465823" y="177800"/>
-                  </a:lnTo>
-                  <a:lnTo>
-                    <a:pt x="465823" y="127000"/>
-                  </a:lnTo>
-                  <a:close/>
-                </a:path>
-                <a:path w="466090" h="304800">
-                  <a:moveTo>
-                    <a:pt x="465823" y="0"/>
-                  </a:moveTo>
-                  <a:lnTo>
-                    <a:pt x="0" y="0"/>
-                  </a:lnTo>
-                  <a:lnTo>
-                    <a:pt x="0" y="50800"/>
-                  </a:lnTo>
-                  <a:lnTo>
-                    <a:pt x="465823" y="50800"/>
-                  </a:lnTo>
-                  <a:lnTo>
-                    <a:pt x="465823" y="0"/>
-                  </a:lnTo>
-                  <a:close/>
-                </a:path>
-              </a:pathLst>
-            </a:custGeom>
-            <a:grpFill/>
-          </p:spPr>
-          <p:txBody>
-            <a:bodyPr wrap="square" lIns="0" tIns="0" rIns="0" bIns="0" rtlCol="0"/>
-            <a:lstStyle/>
-            <a:p>
-              <a:endParaRPr/>
-            </a:p>
-          </p:txBody>
-        </p:sp>
-      </p:grpSp>
-      <p:sp>
-        <p:nvSpPr>
-          <p:cNvPr id="23" name="object 17"/>
-          <p:cNvSpPr txBox="1"/>
-          <p:nvPr/>
-        </p:nvSpPr>
-        <p:spPr>
-          <a:xfrm rot="5400000">
-            <a:off x="2537575" y="-314474"/>
-            <a:ext cx="923330" cy="5279120"/>
-          </a:xfrm>
-          <a:prstGeom prst="rect">
-            <a:avLst/>
-          </a:prstGeom>
-        </p:spPr>
-        <p:txBody>
-          <a:bodyPr vert="vert270" wrap="square" lIns="0" tIns="16510" rIns="0" bIns="0" rtlCol="0">
-            <a:spAutoFit/>
-          </a:bodyPr>
-          <a:lstStyle/>
-          <a:p>
-            <a:pPr marL="12700">
-              <a:lnSpc>
-                <a:spcPct val="100000"/>
-              </a:lnSpc>
-              <a:spcBef>
-                <a:spcPts val="130"/>
-              </a:spcBef>
-            </a:pPr>
-            <a:r>
-              <a:rPr lang="en-PH" sz="6000" b="1" spc="-70" dirty="0">
-                <a:solidFill>
-                  <a:schemeClr val="accent4">
-                    <a:lumMod val="50000"/>
-                  </a:schemeClr>
-                </a:solidFill>
-                <a:latin typeface="Tahoma" panose="020B0604030504040204"/>
-                <a:cs typeface="Tahoma" panose="020B0604030504040204"/>
-              </a:rPr>
-              <a:t>OBJECTIVES</a:t>
-            </a:r>
-            <a:endParaRPr sz="6000" dirty="0">
-              <a:solidFill>
-                <a:schemeClr val="accent4">
-                  <a:lumMod val="50000"/>
-                </a:schemeClr>
-              </a:solidFill>
-              <a:latin typeface="Tahoma" panose="020B0604030504040204"/>
-              <a:cs typeface="Tahoma" panose="020B0604030504040204"/>
-            </a:endParaRPr>
-          </a:p>
-        </p:txBody>
-      </p:sp>
-      <p:sp>
-        <p:nvSpPr>
-          <p:cNvPr id="24" name="Rectangle 23"/>
-          <p:cNvSpPr/>
-          <p:nvPr/>
-        </p:nvSpPr>
-        <p:spPr>
-          <a:xfrm>
-            <a:off x="228600" y="3196933"/>
-            <a:ext cx="5029200" cy="727368"/>
-          </a:xfrm>
-          <a:prstGeom prst="rect">
-            <a:avLst/>
-          </a:prstGeom>
-          <a:ln w="28575"/>
-        </p:spPr>
-        <p:style>
-          <a:lnRef idx="2">
-            <a:schemeClr val="dk1"/>
-          </a:lnRef>
-          <a:fillRef idx="1">
-            <a:schemeClr val="lt1"/>
-          </a:fillRef>
-          <a:effectRef idx="0">
-            <a:schemeClr val="dk1"/>
-          </a:effectRef>
-          <a:fontRef idx="minor">
-            <a:schemeClr val="dk1"/>
-          </a:fontRef>
-        </p:style>
-        <p:txBody>
-          <a:bodyPr rtlCol="0" anchor="ctr"/>
-          <a:lstStyle/>
-          <a:p>
-            <a:pPr marL="0" marR="0" algn="ctr">
-              <a:spcBef>
-                <a:spcPts val="0"/>
-              </a:spcBef>
-              <a:spcAft>
-                <a:spcPts val="0"/>
-              </a:spcAft>
-            </a:pPr>
-            <a:r>
-              <a:rPr lang="en-US" sz="2000" u="sng" dirty="0">
-                <a:effectLst/>
-                <a:latin typeface="Times New Roman" panose="02020603050405020304" pitchFamily="18" charset="0"/>
-                <a:ea typeface="Times New Roman" panose="02020603050405020304" pitchFamily="18" charset="0"/>
-              </a:rPr>
-              <a:t>Humanitarian Data Exchange Data set about Philippines (2019)</a:t>
-            </a:r>
-            <a:endParaRPr lang="en-US" sz="2000" dirty="0">
-              <a:effectLst/>
-              <a:latin typeface="Calibri" panose="020F0502020204030204" pitchFamily="34" charset="0"/>
-              <a:ea typeface="Calibri" panose="020F0502020204030204" pitchFamily="34" charset="0"/>
-            </a:endParaRPr>
-          </a:p>
-        </p:txBody>
-      </p:sp>
-      <p:sp>
-        <p:nvSpPr>
-          <p:cNvPr id="25" name="Rectangle 24"/>
-          <p:cNvSpPr/>
-          <p:nvPr/>
-        </p:nvSpPr>
-        <p:spPr>
-          <a:xfrm>
-            <a:off x="264000" y="4076700"/>
-            <a:ext cx="4993800" cy="992209"/>
-          </a:xfrm>
-          <a:prstGeom prst="rect">
-            <a:avLst/>
-          </a:prstGeom>
-          <a:ln w="57150"/>
-        </p:spPr>
-        <p:style>
-          <a:lnRef idx="2">
-            <a:schemeClr val="dk1"/>
-          </a:lnRef>
-          <a:fillRef idx="1">
-            <a:schemeClr val="lt1"/>
-          </a:fillRef>
-          <a:effectRef idx="0">
-            <a:schemeClr val="dk1"/>
-          </a:effectRef>
-          <a:fontRef idx="minor">
-            <a:schemeClr val="dk1"/>
-          </a:fontRef>
-        </p:style>
-        <p:txBody>
-          <a:bodyPr rtlCol="0" anchor="ctr"/>
-          <a:lstStyle/>
-          <a:p>
-            <a:pPr marL="0" marR="0" algn="ctr">
-              <a:spcBef>
-                <a:spcPts val="0"/>
-              </a:spcBef>
-              <a:spcAft>
-                <a:spcPts val="0"/>
-              </a:spcAft>
-            </a:pPr>
-            <a:r>
-              <a:rPr lang="en-US" sz="1800" u="sng" dirty="0">
-                <a:effectLst/>
-                <a:latin typeface="Times New Roman" panose="02020603050405020304" pitchFamily="18" charset="0"/>
-                <a:ea typeface="Times New Roman" panose="02020603050405020304" pitchFamily="18" charset="0"/>
-              </a:rPr>
-              <a:t>The Centre for Research on the Epidemiology of Disasters' Data set about the American Typhoons (2000-2022)</a:t>
-            </a:r>
-            <a:endParaRPr lang="en-US" sz="1800" u="sng" dirty="0">
-              <a:effectLst/>
-              <a:latin typeface="Calibri" panose="020F0502020204030204" pitchFamily="34" charset="0"/>
-              <a:ea typeface="Calibri" panose="020F0502020204030204" pitchFamily="34" charset="0"/>
-            </a:endParaRPr>
-          </a:p>
-        </p:txBody>
-      </p:sp>
-      <p:sp>
-        <p:nvSpPr>
-          <p:cNvPr id="16" name="Rectangle 15"/>
-          <p:cNvSpPr/>
-          <p:nvPr/>
-        </p:nvSpPr>
-        <p:spPr>
-          <a:xfrm>
-            <a:off x="951687" y="5219700"/>
-            <a:ext cx="4270713" cy="312196"/>
-          </a:xfrm>
-          <a:prstGeom prst="rect">
-            <a:avLst/>
-          </a:prstGeom>
-          <a:ln w="28575"/>
-        </p:spPr>
-        <p:style>
-          <a:lnRef idx="2">
-            <a:schemeClr val="dk1"/>
-          </a:lnRef>
-          <a:fillRef idx="1">
-            <a:schemeClr val="lt1"/>
-          </a:fillRef>
-          <a:effectRef idx="0">
-            <a:schemeClr val="dk1"/>
-          </a:effectRef>
-          <a:fontRef idx="minor">
-            <a:schemeClr val="dk1"/>
-          </a:fontRef>
-        </p:style>
-        <p:txBody>
-          <a:bodyPr rtlCol="0" anchor="ctr"/>
-          <a:lstStyle/>
-          <a:p>
-            <a:pPr algn="ctr"/>
-            <a:r>
-              <a:rPr lang="en-US" dirty="0"/>
-              <a:t>Objective 1</a:t>
-            </a:r>
-          </a:p>
-        </p:txBody>
-      </p:sp>
-      <p:sp>
-        <p:nvSpPr>
-          <p:cNvPr id="3" name="Arrow: Chevron 2"/>
-          <p:cNvSpPr/>
-          <p:nvPr/>
-        </p:nvSpPr>
-        <p:spPr>
-          <a:xfrm>
-            <a:off x="712065" y="5289798"/>
-            <a:ext cx="160088" cy="190810"/>
-          </a:xfrm>
-          <a:prstGeom prst="chevron">
-            <a:avLst/>
-          </a:prstGeom>
-        </p:spPr>
-        <p:style>
-          <a:lnRef idx="2">
-            <a:schemeClr val="dk1"/>
-          </a:lnRef>
-          <a:fillRef idx="1">
-            <a:schemeClr val="lt1"/>
-          </a:fillRef>
-          <a:effectRef idx="0">
-            <a:schemeClr val="dk1"/>
-          </a:effectRef>
-          <a:fontRef idx="minor">
-            <a:schemeClr val="dk1"/>
-          </a:fontRef>
-        </p:style>
-        <p:txBody>
-          <a:bodyPr rtlCol="0" anchor="ctr"/>
-          <a:lstStyle/>
-          <a:p>
-            <a:pPr algn="ctr"/>
-            <a:endParaRPr lang="en-US">
-              <a:solidFill>
-                <a:schemeClr val="tx1"/>
-              </a:solidFill>
-            </a:endParaRPr>
-          </a:p>
-        </p:txBody>
-      </p:sp>
-      <p:sp>
-        <p:nvSpPr>
-          <p:cNvPr id="28" name="Rectangle 27"/>
-          <p:cNvSpPr/>
-          <p:nvPr/>
-        </p:nvSpPr>
-        <p:spPr>
-          <a:xfrm>
-            <a:off x="951687" y="5624657"/>
-            <a:ext cx="4270713" cy="312196"/>
-          </a:xfrm>
-          <a:prstGeom prst="rect">
-            <a:avLst/>
-          </a:prstGeom>
-          <a:ln w="28575"/>
-        </p:spPr>
-        <p:style>
-          <a:lnRef idx="2">
-            <a:schemeClr val="dk1"/>
-          </a:lnRef>
-          <a:fillRef idx="1">
-            <a:schemeClr val="lt1"/>
-          </a:fillRef>
-          <a:effectRef idx="0">
-            <a:schemeClr val="dk1"/>
-          </a:effectRef>
-          <a:fontRef idx="minor">
-            <a:schemeClr val="dk1"/>
-          </a:fontRef>
-        </p:style>
-        <p:txBody>
-          <a:bodyPr rtlCol="0" anchor="ctr"/>
-          <a:lstStyle/>
-          <a:p>
-            <a:pPr algn="ctr"/>
-            <a:r>
-              <a:rPr lang="en-US" dirty="0"/>
-              <a:t>Objective 2</a:t>
-            </a:r>
-          </a:p>
-        </p:txBody>
-      </p:sp>
-      <p:sp>
-        <p:nvSpPr>
-          <p:cNvPr id="29" name="Rectangle 28"/>
-          <p:cNvSpPr/>
-          <p:nvPr/>
-        </p:nvSpPr>
-        <p:spPr>
-          <a:xfrm>
-            <a:off x="961189" y="6023908"/>
-            <a:ext cx="4270713" cy="312196"/>
-          </a:xfrm>
-          <a:prstGeom prst="rect">
-            <a:avLst/>
-          </a:prstGeom>
-          <a:ln w="28575"/>
-        </p:spPr>
-        <p:style>
-          <a:lnRef idx="2">
-            <a:schemeClr val="dk1"/>
-          </a:lnRef>
-          <a:fillRef idx="1">
-            <a:schemeClr val="lt1"/>
-          </a:fillRef>
-          <a:effectRef idx="0">
-            <a:schemeClr val="dk1"/>
-          </a:effectRef>
-          <a:fontRef idx="minor">
-            <a:schemeClr val="dk1"/>
-          </a:fontRef>
-        </p:style>
-        <p:txBody>
-          <a:bodyPr rtlCol="0" anchor="ctr"/>
-          <a:lstStyle/>
-          <a:p>
-            <a:pPr algn="ctr"/>
-            <a:r>
-              <a:rPr lang="en-US" dirty="0"/>
-              <a:t>Objective 3</a:t>
-            </a:r>
-          </a:p>
-        </p:txBody>
-      </p:sp>
-      <p:sp>
-        <p:nvSpPr>
-          <p:cNvPr id="30" name="Arrow: Chevron 29"/>
-          <p:cNvSpPr/>
-          <p:nvPr/>
-        </p:nvSpPr>
-        <p:spPr>
-          <a:xfrm>
-            <a:off x="712065" y="5685350"/>
-            <a:ext cx="160088" cy="190810"/>
-          </a:xfrm>
-          <a:prstGeom prst="chevron">
-            <a:avLst/>
-          </a:prstGeom>
-        </p:spPr>
-        <p:style>
-          <a:lnRef idx="2">
-            <a:schemeClr val="dk1"/>
-          </a:lnRef>
-          <a:fillRef idx="1">
-            <a:schemeClr val="lt1"/>
-          </a:fillRef>
-          <a:effectRef idx="0">
-            <a:schemeClr val="dk1"/>
-          </a:effectRef>
-          <a:fontRef idx="minor">
-            <a:schemeClr val="dk1"/>
-          </a:fontRef>
-        </p:style>
-        <p:txBody>
-          <a:bodyPr rtlCol="0" anchor="ctr"/>
-          <a:lstStyle/>
-          <a:p>
-            <a:pPr algn="ctr"/>
-            <a:endParaRPr lang="en-US">
-              <a:solidFill>
-                <a:schemeClr val="tx1"/>
-              </a:solidFill>
-            </a:endParaRPr>
-          </a:p>
-        </p:txBody>
-      </p:sp>
-      <p:sp>
-        <p:nvSpPr>
-          <p:cNvPr id="31" name="Arrow: Chevron 30"/>
-          <p:cNvSpPr/>
-          <p:nvPr/>
-        </p:nvSpPr>
-        <p:spPr>
-          <a:xfrm>
-            <a:off x="712065" y="6069533"/>
-            <a:ext cx="160088" cy="190810"/>
-          </a:xfrm>
-          <a:prstGeom prst="chevron">
-            <a:avLst/>
-          </a:prstGeom>
-        </p:spPr>
-        <p:style>
-          <a:lnRef idx="2">
-            <a:schemeClr val="dk1"/>
-          </a:lnRef>
-          <a:fillRef idx="1">
-            <a:schemeClr val="lt1"/>
-          </a:fillRef>
-          <a:effectRef idx="0">
-            <a:schemeClr val="dk1"/>
-          </a:effectRef>
-          <a:fontRef idx="minor">
-            <a:schemeClr val="dk1"/>
-          </a:fontRef>
-        </p:style>
-        <p:txBody>
-          <a:bodyPr rtlCol="0" anchor="ctr"/>
-          <a:lstStyle/>
-          <a:p>
-            <a:pPr algn="ctr"/>
-            <a:endParaRPr lang="en-US">
-              <a:solidFill>
-                <a:schemeClr val="tx1"/>
-              </a:solidFill>
-            </a:endParaRPr>
-          </a:p>
-        </p:txBody>
-      </p:sp>
-      <p:sp>
-        <p:nvSpPr>
-          <p:cNvPr id="20" name="Rectangle 19"/>
-          <p:cNvSpPr/>
-          <p:nvPr/>
-        </p:nvSpPr>
-        <p:spPr>
-          <a:xfrm>
-            <a:off x="961189" y="6438900"/>
-            <a:ext cx="4270713" cy="312196"/>
-          </a:xfrm>
-          <a:prstGeom prst="rect">
-            <a:avLst/>
-          </a:prstGeom>
-          <a:ln w="57150"/>
-        </p:spPr>
-        <p:style>
-          <a:lnRef idx="2">
-            <a:schemeClr val="dk1"/>
-          </a:lnRef>
-          <a:fillRef idx="1">
-            <a:schemeClr val="lt1"/>
-          </a:fillRef>
-          <a:effectRef idx="0">
-            <a:schemeClr val="dk1"/>
-          </a:effectRef>
-          <a:fontRef idx="minor">
-            <a:schemeClr val="dk1"/>
-          </a:fontRef>
-        </p:style>
-        <p:txBody>
-          <a:bodyPr rtlCol="0" anchor="ctr"/>
-          <a:lstStyle/>
-          <a:p>
-            <a:pPr algn="ctr"/>
-            <a:r>
-              <a:rPr lang="en-US" dirty="0"/>
-              <a:t>Objective 4</a:t>
-            </a:r>
-          </a:p>
-        </p:txBody>
-      </p:sp>
-      <p:sp>
-        <p:nvSpPr>
-          <p:cNvPr id="21" name="Arrow: Chevron 20"/>
-          <p:cNvSpPr/>
-          <p:nvPr/>
-        </p:nvSpPr>
-        <p:spPr>
-          <a:xfrm>
-            <a:off x="721567" y="6508998"/>
-            <a:ext cx="160088" cy="190810"/>
-          </a:xfrm>
-          <a:prstGeom prst="chevron">
-            <a:avLst/>
-          </a:prstGeom>
-          <a:ln w="57150"/>
-        </p:spPr>
-        <p:style>
-          <a:lnRef idx="2">
-            <a:schemeClr val="dk1"/>
-          </a:lnRef>
-          <a:fillRef idx="1">
-            <a:schemeClr val="lt1"/>
-          </a:fillRef>
-          <a:effectRef idx="0">
-            <a:schemeClr val="dk1"/>
-          </a:effectRef>
-          <a:fontRef idx="minor">
-            <a:schemeClr val="dk1"/>
-          </a:fontRef>
-        </p:style>
-        <p:txBody>
-          <a:bodyPr rtlCol="0" anchor="ctr"/>
-          <a:lstStyle/>
-          <a:p>
-            <a:pPr algn="ctr"/>
-            <a:endParaRPr lang="en-US">
-              <a:solidFill>
-                <a:schemeClr val="tx1"/>
-              </a:solidFill>
-            </a:endParaRPr>
-          </a:p>
-        </p:txBody>
-      </p:sp>
-      <p:sp>
-        <p:nvSpPr>
-          <p:cNvPr id="22" name="Rectangle 21"/>
-          <p:cNvSpPr/>
-          <p:nvPr/>
-        </p:nvSpPr>
-        <p:spPr>
-          <a:xfrm>
-            <a:off x="961189" y="6843857"/>
-            <a:ext cx="4270713" cy="312196"/>
-          </a:xfrm>
-          <a:prstGeom prst="rect">
-            <a:avLst/>
-          </a:prstGeom>
-          <a:ln w="28575"/>
-        </p:spPr>
-        <p:style>
-          <a:lnRef idx="2">
-            <a:schemeClr val="dk1"/>
-          </a:lnRef>
-          <a:fillRef idx="1">
-            <a:schemeClr val="lt1"/>
-          </a:fillRef>
-          <a:effectRef idx="0">
-            <a:schemeClr val="dk1"/>
-          </a:effectRef>
-          <a:fontRef idx="minor">
-            <a:schemeClr val="dk1"/>
-          </a:fontRef>
-        </p:style>
-        <p:txBody>
-          <a:bodyPr rtlCol="0" anchor="ctr"/>
-          <a:lstStyle/>
-          <a:p>
-            <a:pPr algn="ctr"/>
-            <a:r>
-              <a:rPr lang="en-US" dirty="0"/>
-              <a:t>Objective 5</a:t>
-            </a:r>
-          </a:p>
-        </p:txBody>
-      </p:sp>
-      <p:sp>
-        <p:nvSpPr>
-          <p:cNvPr id="27" name="Arrow: Chevron 26"/>
-          <p:cNvSpPr/>
-          <p:nvPr/>
-        </p:nvSpPr>
-        <p:spPr>
-          <a:xfrm>
-            <a:off x="721567" y="6904550"/>
-            <a:ext cx="160088" cy="190810"/>
-          </a:xfrm>
-          <a:prstGeom prst="chevron">
-            <a:avLst/>
-          </a:prstGeom>
-        </p:spPr>
-        <p:style>
-          <a:lnRef idx="2">
-            <a:schemeClr val="dk1"/>
-          </a:lnRef>
-          <a:fillRef idx="1">
-            <a:schemeClr val="lt1"/>
-          </a:fillRef>
-          <a:effectRef idx="0">
-            <a:schemeClr val="dk1"/>
-          </a:effectRef>
-          <a:fontRef idx="minor">
-            <a:schemeClr val="dk1"/>
-          </a:fontRef>
-        </p:style>
-        <p:txBody>
-          <a:bodyPr rtlCol="0" anchor="ctr"/>
-          <a:lstStyle/>
-          <a:p>
-            <a:pPr algn="ctr"/>
-            <a:endParaRPr lang="en-US">
-              <a:solidFill>
-                <a:schemeClr val="tx1"/>
-              </a:solidFill>
-            </a:endParaRPr>
-          </a:p>
-        </p:txBody>
-      </p:sp>
-      <p:sp>
-        <p:nvSpPr>
-          <p:cNvPr id="34" name="Rectangle 33"/>
-          <p:cNvSpPr/>
-          <p:nvPr/>
-        </p:nvSpPr>
-        <p:spPr>
-          <a:xfrm>
-            <a:off x="15598253" y="370550"/>
-            <a:ext cx="2514600" cy="2416202"/>
-          </a:xfrm>
-          <a:prstGeom prst="rect">
-            <a:avLst/>
-          </a:prstGeom>
-          <a:ln w="38100"/>
-        </p:spPr>
-        <p:style>
-          <a:lnRef idx="2">
-            <a:schemeClr val="dk1"/>
-          </a:lnRef>
-          <a:fillRef idx="1">
-            <a:schemeClr val="lt1"/>
-          </a:fillRef>
-          <a:effectRef idx="0">
-            <a:schemeClr val="dk1"/>
-          </a:effectRef>
-          <a:fontRef idx="minor">
-            <a:schemeClr val="dk1"/>
-          </a:fontRef>
-        </p:style>
-        <p:txBody>
-          <a:bodyPr rtlCol="0" anchor="ctr"/>
-          <a:lstStyle/>
-          <a:p>
-            <a:pPr algn="ctr"/>
-            <a:endParaRPr lang="en-PH"/>
-          </a:p>
-        </p:txBody>
-      </p:sp>
-      <p:sp>
-        <p:nvSpPr>
-          <p:cNvPr id="39" name="Rectangle 38"/>
-          <p:cNvSpPr/>
-          <p:nvPr/>
-        </p:nvSpPr>
-        <p:spPr>
-          <a:xfrm>
-            <a:off x="15598253" y="5531896"/>
-            <a:ext cx="2514600" cy="4377160"/>
-          </a:xfrm>
-          <a:prstGeom prst="rect">
-            <a:avLst/>
-          </a:prstGeom>
-          <a:ln w="38100"/>
-        </p:spPr>
-        <p:style>
-          <a:lnRef idx="2">
-            <a:schemeClr val="dk1"/>
-          </a:lnRef>
-          <a:fillRef idx="1">
-            <a:schemeClr val="lt1"/>
-          </a:fillRef>
-          <a:effectRef idx="0">
-            <a:schemeClr val="dk1"/>
-          </a:effectRef>
-          <a:fontRef idx="minor">
-            <a:schemeClr val="dk1"/>
-          </a:fontRef>
-        </p:style>
-        <p:txBody>
-          <a:bodyPr rtlCol="0" anchor="ctr"/>
-          <a:lstStyle/>
-          <a:p>
-            <a:pPr algn="ctr"/>
-            <a:endParaRPr lang="en-PH"/>
-          </a:p>
-        </p:txBody>
-      </p:sp>
-      <p:sp>
-        <p:nvSpPr>
-          <p:cNvPr id="41" name="Rectangle 40"/>
-          <p:cNvSpPr/>
-          <p:nvPr/>
-        </p:nvSpPr>
-        <p:spPr>
-          <a:xfrm>
-            <a:off x="15600528" y="2930595"/>
-            <a:ext cx="2514600" cy="2416202"/>
-          </a:xfrm>
-          <a:prstGeom prst="rect">
-            <a:avLst/>
-          </a:prstGeom>
-          <a:ln w="38100"/>
-        </p:spPr>
-        <p:style>
-          <a:lnRef idx="2">
-            <a:schemeClr val="dk1"/>
-          </a:lnRef>
-          <a:fillRef idx="1">
-            <a:schemeClr val="lt1"/>
-          </a:fillRef>
-          <a:effectRef idx="0">
-            <a:schemeClr val="dk1"/>
-          </a:effectRef>
-          <a:fontRef idx="minor">
-            <a:schemeClr val="dk1"/>
-          </a:fontRef>
-        </p:style>
-        <p:txBody>
-          <a:bodyPr rtlCol="0" anchor="ctr"/>
-          <a:lstStyle/>
-          <a:p>
-            <a:pPr algn="ctr"/>
-            <a:endParaRPr lang="en-PH"/>
-          </a:p>
-        </p:txBody>
-      </p:sp>
-      <p:sp>
-        <p:nvSpPr>
-          <p:cNvPr id="26" name="Rectangle 25">
-            <a:extLst>
-              <a:ext uri="{FF2B5EF4-FFF2-40B4-BE49-F238E27FC236}">
-                <a16:creationId xmlns:a16="http://schemas.microsoft.com/office/drawing/2014/main" id="{5ABD37AD-5D8C-E867-E71B-CCD7002830FF}"/>
-              </a:ext>
-            </a:extLst>
-          </p:cNvPr>
-          <p:cNvSpPr/>
-          <p:nvPr/>
-        </p:nvSpPr>
-        <p:spPr>
-          <a:xfrm>
-            <a:off x="6096000" y="370550"/>
-            <a:ext cx="9296400" cy="9538506"/>
-          </a:xfrm>
-          <a:prstGeom prst="rect">
-            <a:avLst/>
-          </a:prstGeom>
-        </p:spPr>
-        <p:style>
-          <a:lnRef idx="2">
-            <a:schemeClr val="dk1"/>
-          </a:lnRef>
-          <a:fillRef idx="1">
-            <a:schemeClr val="lt1"/>
-          </a:fillRef>
-          <a:effectRef idx="0">
-            <a:schemeClr val="dk1"/>
-          </a:effectRef>
-          <a:fontRef idx="minor">
-            <a:schemeClr val="dk1"/>
-          </a:fontRef>
-        </p:style>
-        <p:txBody>
-          <a:bodyPr rtlCol="0" anchor="ctr"/>
-          <a:lstStyle/>
-          <a:p>
-            <a:pPr algn="ctr"/>
-            <a:r>
-              <a:rPr lang="en-US" dirty="0"/>
-              <a:t>GRAPH</a:t>
-            </a:r>
-          </a:p>
-        </p:txBody>
-      </p:sp>
-    </p:spTree>
-  </p:cSld>
-  <p:clrMapOvr>
-    <a:masterClrMapping/>
-  </p:clrMapOvr>
-</p:sld>
-</file>
-
-<file path=ppt/slides/slide25.xml><?xml version="1.0" encoding="utf-8"?>
-<p:sld xmlns:a="http://schemas.openxmlformats.org/drawingml/2006/main" xmlns:r="http://schemas.openxmlformats.org/officeDocument/2006/relationships" xmlns:p="http://schemas.openxmlformats.org/presentationml/2006/main" showMasterSp="0">
-  <p:cSld>
-    <p:spTree>
-      <p:nvGrpSpPr>
-        <p:cNvPr id="1" name=""/>
-        <p:cNvGrpSpPr/>
-        <p:nvPr/>
-      </p:nvGrpSpPr>
-      <p:grpSpPr>
-        <a:xfrm>
-          <a:off x="0" y="0"/>
-          <a:ext cx="0" cy="0"/>
-          <a:chOff x="0" y="0"/>
-          <a:chExt cx="0" cy="0"/>
-        </a:xfrm>
-      </p:grpSpPr>
-      <p:sp>
-        <p:nvSpPr>
-          <p:cNvPr id="2" name="object 2"/>
-          <p:cNvSpPr/>
-          <p:nvPr/>
-        </p:nvSpPr>
-        <p:spPr>
-          <a:xfrm>
-            <a:off x="0" y="0"/>
-            <a:ext cx="5638800" cy="10287000"/>
-          </a:xfrm>
-          <a:custGeom>
-            <a:avLst/>
-            <a:gdLst/>
-            <a:ahLst/>
-            <a:cxnLst/>
-            <a:rect l="l" t="t" r="r" b="b"/>
-            <a:pathLst>
-              <a:path w="4810125" h="10287000">
-                <a:moveTo>
-                  <a:pt x="4810124" y="10286999"/>
-                </a:moveTo>
-                <a:lnTo>
-                  <a:pt x="0" y="10286999"/>
-                </a:lnTo>
-                <a:lnTo>
-                  <a:pt x="0" y="0"/>
-                </a:lnTo>
-                <a:lnTo>
-                  <a:pt x="4810124" y="0"/>
-                </a:lnTo>
-                <a:lnTo>
-                  <a:pt x="4810124" y="10286999"/>
-                </a:lnTo>
-                <a:close/>
-              </a:path>
-            </a:pathLst>
-          </a:custGeom>
-          <a:solidFill>
-            <a:srgbClr val="D5D5D5"/>
-          </a:solidFill>
-        </p:spPr>
-        <p:txBody>
-          <a:bodyPr wrap="square" lIns="0" tIns="0" rIns="0" bIns="0" rtlCol="0"/>
-          <a:lstStyle/>
-          <a:p>
-            <a:endParaRPr dirty="0"/>
-          </a:p>
-        </p:txBody>
-      </p:sp>
-      <p:sp>
-        <p:nvSpPr>
-          <p:cNvPr id="4" name="object 4"/>
-          <p:cNvSpPr/>
-          <p:nvPr/>
-        </p:nvSpPr>
-        <p:spPr>
-          <a:xfrm>
-            <a:off x="6148821" y="9639300"/>
-            <a:ext cx="1485900" cy="57150"/>
-          </a:xfrm>
-          <a:custGeom>
-            <a:avLst/>
-            <a:gdLst/>
-            <a:ahLst/>
-            <a:cxnLst/>
-            <a:rect l="l" t="t" r="r" b="b"/>
-            <a:pathLst>
-              <a:path w="1485900" h="57150">
-                <a:moveTo>
-                  <a:pt x="1485899" y="57149"/>
-                </a:moveTo>
-                <a:lnTo>
-                  <a:pt x="0" y="57149"/>
-                </a:lnTo>
-                <a:lnTo>
-                  <a:pt x="0" y="0"/>
-                </a:lnTo>
-                <a:lnTo>
-                  <a:pt x="1485899" y="0"/>
-                </a:lnTo>
-                <a:lnTo>
-                  <a:pt x="1485899" y="57149"/>
-                </a:lnTo>
-                <a:close/>
-              </a:path>
-            </a:pathLst>
-          </a:custGeom>
-          <a:solidFill>
-            <a:srgbClr val="D5D5D5"/>
-          </a:solidFill>
-        </p:spPr>
-        <p:txBody>
-          <a:bodyPr wrap="square" lIns="0" tIns="0" rIns="0" bIns="0" rtlCol="0"/>
-          <a:lstStyle/>
-          <a:p>
-            <a:endParaRPr/>
-          </a:p>
-        </p:txBody>
-      </p:sp>
-      <p:sp>
-        <p:nvSpPr>
-          <p:cNvPr id="7" name="object 7"/>
-          <p:cNvSpPr txBox="1">
-            <a:spLocks noGrp="1"/>
-          </p:cNvSpPr>
-          <p:nvPr>
-            <p:ph type="title"/>
-          </p:nvPr>
-        </p:nvSpPr>
-        <p:spPr>
-          <a:xfrm>
-            <a:off x="6757464" y="1481768"/>
-            <a:ext cx="1091136" cy="689932"/>
-          </a:xfrm>
-          <a:prstGeom prst="rect">
-            <a:avLst/>
-          </a:prstGeom>
-        </p:spPr>
-        <p:txBody>
-          <a:bodyPr vert="horz" wrap="square" lIns="0" tIns="12700" rIns="0" bIns="0" rtlCol="0">
-            <a:spAutoFit/>
-          </a:bodyPr>
-          <a:lstStyle/>
-          <a:p>
-            <a:pPr marL="12700">
-              <a:lnSpc>
-                <a:spcPct val="100000"/>
-              </a:lnSpc>
-              <a:spcBef>
-                <a:spcPts val="100"/>
-              </a:spcBef>
-            </a:pPr>
-            <a:r>
-              <a:rPr lang="en-US" sz="4400" spc="-70" dirty="0">
-                <a:solidFill>
-                  <a:schemeClr val="accent5">
-                    <a:lumMod val="50000"/>
-                  </a:schemeClr>
-                </a:solidFill>
-                <a:latin typeface="Cambria" panose="02040503050406030204"/>
-                <a:cs typeface="Cambria" panose="02040503050406030204"/>
-              </a:rPr>
-              <a:t>0</a:t>
-            </a:r>
-            <a:r>
-              <a:rPr lang="en-US" sz="4400" spc="35" dirty="0">
-                <a:solidFill>
-                  <a:schemeClr val="accent5">
-                    <a:lumMod val="50000"/>
-                  </a:schemeClr>
-                </a:solidFill>
-                <a:latin typeface="Cambria" panose="02040503050406030204"/>
-                <a:cs typeface="Cambria" panose="02040503050406030204"/>
-              </a:rPr>
-              <a:t>5.</a:t>
-            </a:r>
-            <a:endParaRPr lang="en-US" sz="4400" dirty="0">
-              <a:solidFill>
-                <a:schemeClr val="accent5">
-                  <a:lumMod val="50000"/>
-                </a:schemeClr>
-              </a:solidFill>
-              <a:latin typeface="Cambria" panose="02040503050406030204"/>
-              <a:cs typeface="Cambria" panose="02040503050406030204"/>
-            </a:endParaRPr>
-          </a:p>
-        </p:txBody>
-      </p:sp>
-      <p:grpSp>
-        <p:nvGrpSpPr>
-          <p:cNvPr id="17" name="object 17"/>
-          <p:cNvGrpSpPr/>
-          <p:nvPr/>
-        </p:nvGrpSpPr>
-        <p:grpSpPr>
-          <a:xfrm>
-            <a:off x="951690" y="1028700"/>
-            <a:ext cx="4175760" cy="9258300"/>
-            <a:chOff x="951690" y="1028700"/>
-            <a:chExt cx="4175760" cy="9258300"/>
-          </a:xfrm>
-          <a:solidFill>
-            <a:schemeClr val="bg1"/>
-          </a:solidFill>
-        </p:grpSpPr>
-        <p:sp>
-          <p:nvSpPr>
-            <p:cNvPr id="18" name="object 18"/>
-            <p:cNvSpPr/>
-            <p:nvPr/>
-          </p:nvSpPr>
-          <p:spPr>
-            <a:xfrm>
-              <a:off x="4489132" y="8144128"/>
-              <a:ext cx="638175" cy="2143125"/>
-            </a:xfrm>
-            <a:custGeom>
-              <a:avLst/>
-              <a:gdLst/>
-              <a:ahLst/>
-              <a:cxnLst/>
-              <a:rect l="l" t="t" r="r" b="b"/>
-              <a:pathLst>
-                <a:path w="638175" h="2143125">
-                  <a:moveTo>
-                    <a:pt x="627545" y="2142871"/>
-                  </a:moveTo>
-                  <a:lnTo>
-                    <a:pt x="469595" y="1984133"/>
-                  </a:lnTo>
-                  <a:lnTo>
-                    <a:pt x="319087" y="1832864"/>
-                  </a:lnTo>
-                  <a:lnTo>
-                    <a:pt x="10642" y="2142871"/>
-                  </a:lnTo>
-                  <a:lnTo>
-                    <a:pt x="161137" y="2142871"/>
-                  </a:lnTo>
-                  <a:lnTo>
-                    <a:pt x="319087" y="1984133"/>
-                  </a:lnTo>
-                  <a:lnTo>
-                    <a:pt x="477037" y="2142871"/>
-                  </a:lnTo>
-                  <a:lnTo>
-                    <a:pt x="627545" y="2142871"/>
-                  </a:lnTo>
-                  <a:close/>
-                </a:path>
-                <a:path w="638175" h="2143125">
-                  <a:moveTo>
-                    <a:pt x="638175" y="1695348"/>
-                  </a:moveTo>
-                  <a:lnTo>
-                    <a:pt x="319087" y="1374648"/>
-                  </a:lnTo>
-                  <a:lnTo>
-                    <a:pt x="0" y="1695348"/>
-                  </a:lnTo>
-                  <a:lnTo>
-                    <a:pt x="75260" y="1770976"/>
-                  </a:lnTo>
-                  <a:lnTo>
-                    <a:pt x="319087" y="1525917"/>
-                  </a:lnTo>
-                  <a:lnTo>
-                    <a:pt x="562927" y="1770976"/>
-                  </a:lnTo>
-                  <a:lnTo>
-                    <a:pt x="638175" y="1695348"/>
-                  </a:lnTo>
-                  <a:close/>
-                </a:path>
-                <a:path w="638175" h="2143125">
-                  <a:moveTo>
-                    <a:pt x="638175" y="1237132"/>
-                  </a:moveTo>
-                  <a:lnTo>
-                    <a:pt x="319087" y="916432"/>
-                  </a:lnTo>
-                  <a:lnTo>
-                    <a:pt x="0" y="1237132"/>
-                  </a:lnTo>
-                  <a:lnTo>
-                    <a:pt x="75260" y="1312760"/>
-                  </a:lnTo>
-                  <a:lnTo>
-                    <a:pt x="319087" y="1067689"/>
-                  </a:lnTo>
-                  <a:lnTo>
-                    <a:pt x="562927" y="1312760"/>
-                  </a:lnTo>
-                  <a:lnTo>
-                    <a:pt x="638175" y="1237132"/>
-                  </a:lnTo>
-                  <a:close/>
-                </a:path>
-                <a:path w="638175" h="2143125">
-                  <a:moveTo>
-                    <a:pt x="638175" y="778916"/>
-                  </a:moveTo>
-                  <a:lnTo>
-                    <a:pt x="319087" y="458216"/>
-                  </a:lnTo>
-                  <a:lnTo>
-                    <a:pt x="0" y="778916"/>
-                  </a:lnTo>
-                  <a:lnTo>
-                    <a:pt x="75260" y="854544"/>
-                  </a:lnTo>
-                  <a:lnTo>
-                    <a:pt x="319087" y="609485"/>
-                  </a:lnTo>
-                  <a:lnTo>
-                    <a:pt x="562927" y="854544"/>
-                  </a:lnTo>
-                  <a:lnTo>
-                    <a:pt x="638175" y="778916"/>
-                  </a:lnTo>
-                  <a:close/>
-                </a:path>
-                <a:path w="638175" h="2143125">
-                  <a:moveTo>
-                    <a:pt x="638175" y="320700"/>
-                  </a:moveTo>
-                  <a:lnTo>
-                    <a:pt x="319087" y="0"/>
-                  </a:lnTo>
-                  <a:lnTo>
-                    <a:pt x="0" y="320700"/>
-                  </a:lnTo>
-                  <a:lnTo>
-                    <a:pt x="75260" y="396328"/>
-                  </a:lnTo>
-                  <a:lnTo>
-                    <a:pt x="319087" y="151269"/>
-                  </a:lnTo>
-                  <a:lnTo>
-                    <a:pt x="562927" y="396328"/>
-                  </a:lnTo>
-                  <a:lnTo>
-                    <a:pt x="638175" y="320700"/>
-                  </a:lnTo>
-                  <a:close/>
-                </a:path>
-              </a:pathLst>
-            </a:custGeom>
-            <a:grpFill/>
-          </p:spPr>
-          <p:txBody>
-            <a:bodyPr wrap="square" lIns="0" tIns="0" rIns="0" bIns="0" rtlCol="0"/>
-            <a:lstStyle/>
-            <a:p>
-              <a:endParaRPr dirty="0"/>
-            </a:p>
-          </p:txBody>
-        </p:sp>
-        <p:sp>
-          <p:nvSpPr>
-            <p:cNvPr id="19" name="object 19"/>
-            <p:cNvSpPr/>
-            <p:nvPr/>
-          </p:nvSpPr>
-          <p:spPr>
-            <a:xfrm>
-              <a:off x="951687" y="1028712"/>
-              <a:ext cx="466090" cy="304800"/>
-            </a:xfrm>
-            <a:custGeom>
-              <a:avLst/>
-              <a:gdLst/>
-              <a:ahLst/>
-              <a:cxnLst/>
-              <a:rect l="l" t="t" r="r" b="b"/>
-              <a:pathLst>
-                <a:path w="466090" h="304800">
-                  <a:moveTo>
-                    <a:pt x="465823" y="254000"/>
-                  </a:moveTo>
-                  <a:lnTo>
-                    <a:pt x="0" y="254000"/>
-                  </a:lnTo>
-                  <a:lnTo>
-                    <a:pt x="0" y="304800"/>
-                  </a:lnTo>
-                  <a:lnTo>
-                    <a:pt x="465823" y="304800"/>
-                  </a:lnTo>
-                  <a:lnTo>
-                    <a:pt x="465823" y="254000"/>
-                  </a:lnTo>
-                  <a:close/>
-                </a:path>
-                <a:path w="466090" h="304800">
-                  <a:moveTo>
-                    <a:pt x="465823" y="127000"/>
-                  </a:moveTo>
-                  <a:lnTo>
-                    <a:pt x="0" y="127000"/>
-                  </a:lnTo>
-                  <a:lnTo>
-                    <a:pt x="0" y="177800"/>
-                  </a:lnTo>
-                  <a:lnTo>
-                    <a:pt x="465823" y="177800"/>
-                  </a:lnTo>
-                  <a:lnTo>
-                    <a:pt x="465823" y="127000"/>
-                  </a:lnTo>
-                  <a:close/>
-                </a:path>
-                <a:path w="466090" h="304800">
-                  <a:moveTo>
-                    <a:pt x="465823" y="0"/>
-                  </a:moveTo>
-                  <a:lnTo>
-                    <a:pt x="0" y="0"/>
-                  </a:lnTo>
-                  <a:lnTo>
-                    <a:pt x="0" y="50800"/>
-                  </a:lnTo>
-                  <a:lnTo>
-                    <a:pt x="465823" y="50800"/>
-                  </a:lnTo>
-                  <a:lnTo>
-                    <a:pt x="465823" y="0"/>
-                  </a:lnTo>
-                  <a:close/>
-                </a:path>
-              </a:pathLst>
-            </a:custGeom>
-            <a:grpFill/>
-          </p:spPr>
-          <p:txBody>
-            <a:bodyPr wrap="square" lIns="0" tIns="0" rIns="0" bIns="0" rtlCol="0"/>
-            <a:lstStyle/>
-            <a:p>
-              <a:endParaRPr/>
-            </a:p>
-          </p:txBody>
-        </p:sp>
-      </p:grpSp>
-      <p:sp>
-        <p:nvSpPr>
-          <p:cNvPr id="23" name="object 17"/>
-          <p:cNvSpPr txBox="1"/>
-          <p:nvPr/>
-        </p:nvSpPr>
-        <p:spPr>
-          <a:xfrm rot="5400000">
-            <a:off x="2537575" y="-314474"/>
-            <a:ext cx="923330" cy="5279120"/>
-          </a:xfrm>
-          <a:prstGeom prst="rect">
-            <a:avLst/>
-          </a:prstGeom>
-        </p:spPr>
-        <p:txBody>
-          <a:bodyPr vert="vert270" wrap="square" lIns="0" tIns="16510" rIns="0" bIns="0" rtlCol="0">
-            <a:spAutoFit/>
-          </a:bodyPr>
-          <a:lstStyle/>
-          <a:p>
-            <a:pPr marL="12700">
-              <a:lnSpc>
-                <a:spcPct val="100000"/>
-              </a:lnSpc>
-              <a:spcBef>
-                <a:spcPts val="130"/>
-              </a:spcBef>
-            </a:pPr>
-            <a:r>
-              <a:rPr lang="en-PH" sz="6000" b="1" spc="-70" dirty="0">
-                <a:solidFill>
-                  <a:schemeClr val="accent4">
-                    <a:lumMod val="50000"/>
-                  </a:schemeClr>
-                </a:solidFill>
-                <a:latin typeface="Tahoma" panose="020B0604030504040204"/>
-                <a:cs typeface="Tahoma" panose="020B0604030504040204"/>
-              </a:rPr>
-              <a:t>OBJECTIVES</a:t>
-            </a:r>
-            <a:endParaRPr sz="6000" dirty="0">
-              <a:solidFill>
-                <a:schemeClr val="accent4">
-                  <a:lumMod val="50000"/>
-                </a:schemeClr>
-              </a:solidFill>
-              <a:latin typeface="Tahoma" panose="020B0604030504040204"/>
-              <a:cs typeface="Tahoma" panose="020B0604030504040204"/>
-            </a:endParaRPr>
-          </a:p>
-        </p:txBody>
-      </p:sp>
-      <p:sp>
-        <p:nvSpPr>
-          <p:cNvPr id="24" name="Rectangle 23"/>
-          <p:cNvSpPr/>
-          <p:nvPr/>
-        </p:nvSpPr>
-        <p:spPr>
-          <a:xfrm>
-            <a:off x="228600" y="3196933"/>
-            <a:ext cx="5029200" cy="727368"/>
-          </a:xfrm>
-          <a:prstGeom prst="rect">
-            <a:avLst/>
-          </a:prstGeom>
-          <a:ln w="28575"/>
-        </p:spPr>
-        <p:style>
-          <a:lnRef idx="2">
-            <a:schemeClr val="dk1"/>
-          </a:lnRef>
-          <a:fillRef idx="1">
-            <a:schemeClr val="lt1"/>
-          </a:fillRef>
-          <a:effectRef idx="0">
-            <a:schemeClr val="dk1"/>
-          </a:effectRef>
-          <a:fontRef idx="minor">
-            <a:schemeClr val="dk1"/>
-          </a:fontRef>
-        </p:style>
-        <p:txBody>
-          <a:bodyPr rtlCol="0" anchor="ctr"/>
-          <a:lstStyle/>
-          <a:p>
-            <a:pPr marL="0" marR="0" algn="ctr">
-              <a:spcBef>
-                <a:spcPts val="0"/>
-              </a:spcBef>
-              <a:spcAft>
-                <a:spcPts val="0"/>
-              </a:spcAft>
-            </a:pPr>
-            <a:r>
-              <a:rPr lang="en-US" sz="2000" u="sng" dirty="0">
-                <a:effectLst/>
-                <a:latin typeface="Times New Roman" panose="02020603050405020304" pitchFamily="18" charset="0"/>
-                <a:ea typeface="Times New Roman" panose="02020603050405020304" pitchFamily="18" charset="0"/>
-              </a:rPr>
-              <a:t>Humanitarian Data Exchange Data set about Philippines (2019)</a:t>
-            </a:r>
-            <a:endParaRPr lang="en-US" sz="2000" dirty="0">
-              <a:effectLst/>
-              <a:latin typeface="Calibri" panose="020F0502020204030204" pitchFamily="34" charset="0"/>
-              <a:ea typeface="Calibri" panose="020F0502020204030204" pitchFamily="34" charset="0"/>
-            </a:endParaRPr>
-          </a:p>
-        </p:txBody>
-      </p:sp>
-      <p:sp>
-        <p:nvSpPr>
-          <p:cNvPr id="25" name="Rectangle 24"/>
-          <p:cNvSpPr/>
-          <p:nvPr/>
-        </p:nvSpPr>
-        <p:spPr>
-          <a:xfrm>
-            <a:off x="264000" y="4076700"/>
-            <a:ext cx="4993800" cy="992209"/>
-          </a:xfrm>
-          <a:prstGeom prst="rect">
-            <a:avLst/>
-          </a:prstGeom>
-          <a:ln w="57150"/>
-        </p:spPr>
-        <p:style>
-          <a:lnRef idx="2">
-            <a:schemeClr val="dk1"/>
-          </a:lnRef>
-          <a:fillRef idx="1">
-            <a:schemeClr val="lt1"/>
-          </a:fillRef>
-          <a:effectRef idx="0">
-            <a:schemeClr val="dk1"/>
-          </a:effectRef>
-          <a:fontRef idx="minor">
-            <a:schemeClr val="dk1"/>
-          </a:fontRef>
-        </p:style>
-        <p:txBody>
-          <a:bodyPr rtlCol="0" anchor="ctr"/>
-          <a:lstStyle/>
-          <a:p>
-            <a:pPr marL="0" marR="0" algn="ctr">
-              <a:spcBef>
-                <a:spcPts val="0"/>
-              </a:spcBef>
-              <a:spcAft>
-                <a:spcPts val="0"/>
-              </a:spcAft>
-            </a:pPr>
-            <a:r>
-              <a:rPr lang="en-US" sz="1800" u="sng" dirty="0">
-                <a:effectLst/>
-                <a:latin typeface="Times New Roman" panose="02020603050405020304" pitchFamily="18" charset="0"/>
-                <a:ea typeface="Times New Roman" panose="02020603050405020304" pitchFamily="18" charset="0"/>
-              </a:rPr>
-              <a:t>The Centre for Research on the Epidemiology of Disasters' Data set about the American Typhoons (2000-2022)</a:t>
-            </a:r>
-            <a:endParaRPr lang="en-US" sz="1800" u="sng" dirty="0">
-              <a:effectLst/>
-              <a:latin typeface="Calibri" panose="020F0502020204030204" pitchFamily="34" charset="0"/>
-              <a:ea typeface="Calibri" panose="020F0502020204030204" pitchFamily="34" charset="0"/>
-            </a:endParaRPr>
-          </a:p>
-        </p:txBody>
-      </p:sp>
-      <p:sp>
-        <p:nvSpPr>
-          <p:cNvPr id="16" name="Rectangle 15"/>
-          <p:cNvSpPr/>
-          <p:nvPr/>
-        </p:nvSpPr>
-        <p:spPr>
-          <a:xfrm>
-            <a:off x="951687" y="5219700"/>
-            <a:ext cx="4270713" cy="312196"/>
-          </a:xfrm>
-          <a:prstGeom prst="rect">
-            <a:avLst/>
-          </a:prstGeom>
-          <a:ln w="28575"/>
-        </p:spPr>
-        <p:style>
-          <a:lnRef idx="2">
-            <a:schemeClr val="dk1"/>
-          </a:lnRef>
-          <a:fillRef idx="1">
-            <a:schemeClr val="lt1"/>
-          </a:fillRef>
-          <a:effectRef idx="0">
-            <a:schemeClr val="dk1"/>
-          </a:effectRef>
-          <a:fontRef idx="minor">
-            <a:schemeClr val="dk1"/>
-          </a:fontRef>
-        </p:style>
-        <p:txBody>
-          <a:bodyPr rtlCol="0" anchor="ctr"/>
-          <a:lstStyle/>
-          <a:p>
-            <a:pPr algn="ctr"/>
-            <a:r>
-              <a:rPr lang="en-US" dirty="0"/>
-              <a:t>Objective 1</a:t>
-            </a:r>
-          </a:p>
-        </p:txBody>
-      </p:sp>
-      <p:sp>
-        <p:nvSpPr>
-          <p:cNvPr id="3" name="Arrow: Chevron 2"/>
-          <p:cNvSpPr/>
-          <p:nvPr/>
-        </p:nvSpPr>
-        <p:spPr>
-          <a:xfrm>
-            <a:off x="712065" y="5289798"/>
-            <a:ext cx="160088" cy="190810"/>
-          </a:xfrm>
-          <a:prstGeom prst="chevron">
-            <a:avLst/>
-          </a:prstGeom>
-        </p:spPr>
-        <p:style>
-          <a:lnRef idx="2">
-            <a:schemeClr val="dk1"/>
-          </a:lnRef>
-          <a:fillRef idx="1">
-            <a:schemeClr val="lt1"/>
-          </a:fillRef>
-          <a:effectRef idx="0">
-            <a:schemeClr val="dk1"/>
-          </a:effectRef>
-          <a:fontRef idx="minor">
-            <a:schemeClr val="dk1"/>
-          </a:fontRef>
-        </p:style>
-        <p:txBody>
-          <a:bodyPr rtlCol="0" anchor="ctr"/>
-          <a:lstStyle/>
-          <a:p>
-            <a:pPr algn="ctr"/>
-            <a:endParaRPr lang="en-US">
-              <a:solidFill>
-                <a:schemeClr val="tx1"/>
-              </a:solidFill>
-            </a:endParaRPr>
-          </a:p>
-        </p:txBody>
-      </p:sp>
-      <p:sp>
-        <p:nvSpPr>
-          <p:cNvPr id="28" name="Rectangle 27"/>
-          <p:cNvSpPr/>
-          <p:nvPr/>
-        </p:nvSpPr>
-        <p:spPr>
-          <a:xfrm>
-            <a:off x="951687" y="5624657"/>
-            <a:ext cx="4270713" cy="312196"/>
-          </a:xfrm>
-          <a:prstGeom prst="rect">
-            <a:avLst/>
-          </a:prstGeom>
-          <a:ln w="28575"/>
-        </p:spPr>
-        <p:style>
-          <a:lnRef idx="2">
-            <a:schemeClr val="dk1"/>
-          </a:lnRef>
-          <a:fillRef idx="1">
-            <a:schemeClr val="lt1"/>
-          </a:fillRef>
-          <a:effectRef idx="0">
-            <a:schemeClr val="dk1"/>
-          </a:effectRef>
-          <a:fontRef idx="minor">
-            <a:schemeClr val="dk1"/>
-          </a:fontRef>
-        </p:style>
-        <p:txBody>
-          <a:bodyPr rtlCol="0" anchor="ctr"/>
-          <a:lstStyle/>
-          <a:p>
-            <a:pPr algn="ctr"/>
-            <a:r>
-              <a:rPr lang="en-US" dirty="0"/>
-              <a:t>Objective 2</a:t>
-            </a:r>
-          </a:p>
-        </p:txBody>
-      </p:sp>
-      <p:sp>
-        <p:nvSpPr>
-          <p:cNvPr id="29" name="Rectangle 28"/>
-          <p:cNvSpPr/>
-          <p:nvPr/>
-        </p:nvSpPr>
-        <p:spPr>
-          <a:xfrm>
-            <a:off x="961189" y="6023908"/>
-            <a:ext cx="4270713" cy="312196"/>
-          </a:xfrm>
-          <a:prstGeom prst="rect">
-            <a:avLst/>
-          </a:prstGeom>
-          <a:ln w="28575"/>
-        </p:spPr>
-        <p:style>
-          <a:lnRef idx="2">
-            <a:schemeClr val="dk1"/>
-          </a:lnRef>
-          <a:fillRef idx="1">
-            <a:schemeClr val="lt1"/>
-          </a:fillRef>
-          <a:effectRef idx="0">
-            <a:schemeClr val="dk1"/>
-          </a:effectRef>
-          <a:fontRef idx="minor">
-            <a:schemeClr val="dk1"/>
-          </a:fontRef>
-        </p:style>
-        <p:txBody>
-          <a:bodyPr rtlCol="0" anchor="ctr"/>
-          <a:lstStyle/>
-          <a:p>
-            <a:pPr algn="ctr"/>
-            <a:r>
-              <a:rPr lang="en-US" dirty="0"/>
-              <a:t>Objective 3</a:t>
-            </a:r>
-          </a:p>
-        </p:txBody>
-      </p:sp>
-      <p:sp>
-        <p:nvSpPr>
-          <p:cNvPr id="30" name="Arrow: Chevron 29"/>
-          <p:cNvSpPr/>
-          <p:nvPr/>
-        </p:nvSpPr>
-        <p:spPr>
-          <a:xfrm>
-            <a:off x="712065" y="5685350"/>
-            <a:ext cx="160088" cy="190810"/>
-          </a:xfrm>
-          <a:prstGeom prst="chevron">
-            <a:avLst/>
-          </a:prstGeom>
-        </p:spPr>
-        <p:style>
-          <a:lnRef idx="2">
-            <a:schemeClr val="dk1"/>
-          </a:lnRef>
-          <a:fillRef idx="1">
-            <a:schemeClr val="lt1"/>
-          </a:fillRef>
-          <a:effectRef idx="0">
-            <a:schemeClr val="dk1"/>
-          </a:effectRef>
-          <a:fontRef idx="minor">
-            <a:schemeClr val="dk1"/>
-          </a:fontRef>
-        </p:style>
-        <p:txBody>
-          <a:bodyPr rtlCol="0" anchor="ctr"/>
-          <a:lstStyle/>
-          <a:p>
-            <a:pPr algn="ctr"/>
-            <a:endParaRPr lang="en-US">
-              <a:solidFill>
-                <a:schemeClr val="tx1"/>
-              </a:solidFill>
-            </a:endParaRPr>
-          </a:p>
-        </p:txBody>
-      </p:sp>
-      <p:sp>
-        <p:nvSpPr>
-          <p:cNvPr id="31" name="Arrow: Chevron 30"/>
-          <p:cNvSpPr/>
-          <p:nvPr/>
-        </p:nvSpPr>
-        <p:spPr>
-          <a:xfrm>
-            <a:off x="712065" y="6069533"/>
-            <a:ext cx="160088" cy="190810"/>
-          </a:xfrm>
-          <a:prstGeom prst="chevron">
-            <a:avLst/>
-          </a:prstGeom>
-        </p:spPr>
-        <p:style>
-          <a:lnRef idx="2">
-            <a:schemeClr val="dk1"/>
-          </a:lnRef>
-          <a:fillRef idx="1">
-            <a:schemeClr val="lt1"/>
-          </a:fillRef>
-          <a:effectRef idx="0">
-            <a:schemeClr val="dk1"/>
-          </a:effectRef>
-          <a:fontRef idx="minor">
-            <a:schemeClr val="dk1"/>
-          </a:fontRef>
-        </p:style>
-        <p:txBody>
-          <a:bodyPr rtlCol="0" anchor="ctr"/>
-          <a:lstStyle/>
-          <a:p>
-            <a:pPr algn="ctr"/>
-            <a:endParaRPr lang="en-US">
-              <a:solidFill>
-                <a:schemeClr val="tx1"/>
-              </a:solidFill>
-            </a:endParaRPr>
-          </a:p>
-        </p:txBody>
-      </p:sp>
-      <p:sp>
-        <p:nvSpPr>
-          <p:cNvPr id="20" name="Rectangle 19"/>
-          <p:cNvSpPr/>
-          <p:nvPr/>
-        </p:nvSpPr>
-        <p:spPr>
-          <a:xfrm>
-            <a:off x="961189" y="6438900"/>
-            <a:ext cx="4270713" cy="312196"/>
-          </a:xfrm>
-          <a:prstGeom prst="rect">
-            <a:avLst/>
-          </a:prstGeom>
-          <a:ln w="28575"/>
-        </p:spPr>
-        <p:style>
-          <a:lnRef idx="2">
-            <a:schemeClr val="dk1"/>
-          </a:lnRef>
-          <a:fillRef idx="1">
-            <a:schemeClr val="lt1"/>
-          </a:fillRef>
-          <a:effectRef idx="0">
-            <a:schemeClr val="dk1"/>
-          </a:effectRef>
-          <a:fontRef idx="minor">
-            <a:schemeClr val="dk1"/>
-          </a:fontRef>
-        </p:style>
-        <p:txBody>
-          <a:bodyPr rtlCol="0" anchor="ctr"/>
-          <a:lstStyle/>
-          <a:p>
-            <a:pPr algn="ctr"/>
-            <a:r>
-              <a:rPr lang="en-US" dirty="0"/>
-              <a:t>Objective 4</a:t>
-            </a:r>
-          </a:p>
-        </p:txBody>
-      </p:sp>
-      <p:sp>
-        <p:nvSpPr>
-          <p:cNvPr id="21" name="Arrow: Chevron 20"/>
-          <p:cNvSpPr/>
-          <p:nvPr/>
-        </p:nvSpPr>
-        <p:spPr>
-          <a:xfrm>
-            <a:off x="721567" y="6508998"/>
-            <a:ext cx="160088" cy="190810"/>
-          </a:xfrm>
-          <a:prstGeom prst="chevron">
-            <a:avLst/>
-          </a:prstGeom>
-        </p:spPr>
-        <p:style>
-          <a:lnRef idx="2">
-            <a:schemeClr val="dk1"/>
-          </a:lnRef>
-          <a:fillRef idx="1">
-            <a:schemeClr val="lt1"/>
-          </a:fillRef>
-          <a:effectRef idx="0">
-            <a:schemeClr val="dk1"/>
-          </a:effectRef>
-          <a:fontRef idx="minor">
-            <a:schemeClr val="dk1"/>
-          </a:fontRef>
-        </p:style>
-        <p:txBody>
-          <a:bodyPr rtlCol="0" anchor="ctr"/>
-          <a:lstStyle/>
-          <a:p>
-            <a:pPr algn="ctr"/>
-            <a:endParaRPr lang="en-US">
-              <a:solidFill>
-                <a:schemeClr val="tx1"/>
-              </a:solidFill>
-            </a:endParaRPr>
-          </a:p>
-        </p:txBody>
-      </p:sp>
-      <p:sp>
-        <p:nvSpPr>
-          <p:cNvPr id="22" name="Rectangle 21"/>
-          <p:cNvSpPr/>
-          <p:nvPr/>
-        </p:nvSpPr>
-        <p:spPr>
-          <a:xfrm>
-            <a:off x="961189" y="6843857"/>
-            <a:ext cx="4270713" cy="312196"/>
-          </a:xfrm>
-          <a:prstGeom prst="rect">
-            <a:avLst/>
-          </a:prstGeom>
-          <a:ln w="57150"/>
-        </p:spPr>
-        <p:style>
-          <a:lnRef idx="2">
-            <a:schemeClr val="dk1"/>
-          </a:lnRef>
-          <a:fillRef idx="1">
-            <a:schemeClr val="lt1"/>
-          </a:fillRef>
-          <a:effectRef idx="0">
-            <a:schemeClr val="dk1"/>
-          </a:effectRef>
-          <a:fontRef idx="minor">
-            <a:schemeClr val="dk1"/>
-          </a:fontRef>
-        </p:style>
-        <p:txBody>
-          <a:bodyPr rtlCol="0" anchor="ctr"/>
-          <a:lstStyle/>
-          <a:p>
-            <a:pPr algn="ctr"/>
-            <a:r>
-              <a:rPr lang="en-US" dirty="0"/>
-              <a:t>Objective 5</a:t>
-            </a:r>
-          </a:p>
-        </p:txBody>
-      </p:sp>
-      <p:sp>
-        <p:nvSpPr>
-          <p:cNvPr id="27" name="Arrow: Chevron 26"/>
-          <p:cNvSpPr/>
-          <p:nvPr/>
-        </p:nvSpPr>
-        <p:spPr>
-          <a:xfrm>
-            <a:off x="721567" y="6904550"/>
-            <a:ext cx="160088" cy="190810"/>
-          </a:xfrm>
-          <a:prstGeom prst="chevron">
-            <a:avLst/>
-          </a:prstGeom>
-          <a:ln w="57150"/>
-        </p:spPr>
-        <p:style>
-          <a:lnRef idx="2">
-            <a:schemeClr val="dk1"/>
-          </a:lnRef>
-          <a:fillRef idx="1">
-            <a:schemeClr val="lt1"/>
-          </a:fillRef>
-          <a:effectRef idx="0">
-            <a:schemeClr val="dk1"/>
-          </a:effectRef>
-          <a:fontRef idx="minor">
-            <a:schemeClr val="dk1"/>
-          </a:fontRef>
-        </p:style>
-        <p:txBody>
-          <a:bodyPr rtlCol="0" anchor="ctr"/>
-          <a:lstStyle/>
-          <a:p>
-            <a:pPr algn="ctr"/>
-            <a:endParaRPr lang="en-US">
-              <a:solidFill>
-                <a:schemeClr val="tx1"/>
-              </a:solidFill>
-            </a:endParaRPr>
-          </a:p>
-        </p:txBody>
-      </p:sp>
-    </p:spTree>
-  </p:cSld>
-  <p:clrMapOvr>
-    <a:masterClrMapping/>
-  </p:clrMapOvr>
-</p:sld>
-</file>
-
-<file path=ppt/slides/slide26.xml><?xml version="1.0" encoding="utf-8"?>
-<p:sld xmlns:a="http://schemas.openxmlformats.org/drawingml/2006/main" xmlns:r="http://schemas.openxmlformats.org/officeDocument/2006/relationships" xmlns:p="http://schemas.openxmlformats.org/presentationml/2006/main" showMasterSp="0">
-  <p:cSld>
-    <p:spTree>
-      <p:nvGrpSpPr>
-        <p:cNvPr id="1" name=""/>
-        <p:cNvGrpSpPr/>
-        <p:nvPr/>
-      </p:nvGrpSpPr>
-      <p:grpSpPr>
-        <a:xfrm>
-          <a:off x="0" y="0"/>
-          <a:ext cx="0" cy="0"/>
-          <a:chOff x="0" y="0"/>
-          <a:chExt cx="0" cy="0"/>
-        </a:xfrm>
-      </p:grpSpPr>
-      <p:sp>
-        <p:nvSpPr>
-          <p:cNvPr id="2" name="object 2"/>
-          <p:cNvSpPr/>
-          <p:nvPr/>
-        </p:nvSpPr>
-        <p:spPr>
-          <a:xfrm>
-            <a:off x="0" y="0"/>
-            <a:ext cx="5638800" cy="10287000"/>
-          </a:xfrm>
-          <a:custGeom>
-            <a:avLst/>
-            <a:gdLst/>
-            <a:ahLst/>
-            <a:cxnLst/>
-            <a:rect l="l" t="t" r="r" b="b"/>
-            <a:pathLst>
-              <a:path w="4810125" h="10287000">
-                <a:moveTo>
-                  <a:pt x="4810124" y="10286999"/>
-                </a:moveTo>
-                <a:lnTo>
-                  <a:pt x="0" y="10286999"/>
-                </a:lnTo>
-                <a:lnTo>
-                  <a:pt x="0" y="0"/>
-                </a:lnTo>
-                <a:lnTo>
-                  <a:pt x="4810124" y="0"/>
-                </a:lnTo>
-                <a:lnTo>
-                  <a:pt x="4810124" y="10286999"/>
-                </a:lnTo>
-                <a:close/>
-              </a:path>
-            </a:pathLst>
-          </a:custGeom>
-          <a:solidFill>
-            <a:srgbClr val="D5D5D5"/>
-          </a:solidFill>
-        </p:spPr>
-        <p:txBody>
-          <a:bodyPr wrap="square" lIns="0" tIns="0" rIns="0" bIns="0" rtlCol="0"/>
-          <a:lstStyle/>
-          <a:p>
-            <a:endParaRPr dirty="0"/>
-          </a:p>
-        </p:txBody>
-      </p:sp>
-      <p:sp>
-        <p:nvSpPr>
-          <p:cNvPr id="4" name="object 4"/>
-          <p:cNvSpPr/>
-          <p:nvPr/>
-        </p:nvSpPr>
-        <p:spPr>
-          <a:xfrm>
-            <a:off x="6148821" y="9639300"/>
-            <a:ext cx="1485900" cy="57150"/>
-          </a:xfrm>
-          <a:custGeom>
-            <a:avLst/>
-            <a:gdLst/>
-            <a:ahLst/>
-            <a:cxnLst/>
-            <a:rect l="l" t="t" r="r" b="b"/>
-            <a:pathLst>
-              <a:path w="1485900" h="57150">
-                <a:moveTo>
-                  <a:pt x="1485899" y="57149"/>
-                </a:moveTo>
-                <a:lnTo>
-                  <a:pt x="0" y="57149"/>
-                </a:lnTo>
-                <a:lnTo>
-                  <a:pt x="0" y="0"/>
-                </a:lnTo>
-                <a:lnTo>
-                  <a:pt x="1485899" y="0"/>
-                </a:lnTo>
-                <a:lnTo>
-                  <a:pt x="1485899" y="57149"/>
-                </a:lnTo>
-                <a:close/>
-              </a:path>
-            </a:pathLst>
-          </a:custGeom>
-          <a:solidFill>
-            <a:srgbClr val="D5D5D5"/>
-          </a:solidFill>
-        </p:spPr>
-        <p:txBody>
-          <a:bodyPr wrap="square" lIns="0" tIns="0" rIns="0" bIns="0" rtlCol="0"/>
-          <a:lstStyle/>
-          <a:p>
-            <a:endParaRPr/>
-          </a:p>
-        </p:txBody>
-      </p:sp>
-      <p:grpSp>
-        <p:nvGrpSpPr>
-          <p:cNvPr id="17" name="object 17"/>
-          <p:cNvGrpSpPr/>
-          <p:nvPr/>
-        </p:nvGrpSpPr>
-        <p:grpSpPr>
-          <a:xfrm>
-            <a:off x="951690" y="1028700"/>
-            <a:ext cx="4175760" cy="9258300"/>
-            <a:chOff x="951690" y="1028700"/>
-            <a:chExt cx="4175760" cy="9258300"/>
-          </a:xfrm>
-          <a:solidFill>
-            <a:schemeClr val="bg1"/>
-          </a:solidFill>
-        </p:grpSpPr>
-        <p:sp>
-          <p:nvSpPr>
-            <p:cNvPr id="18" name="object 18"/>
-            <p:cNvSpPr/>
-            <p:nvPr/>
-          </p:nvSpPr>
-          <p:spPr>
-            <a:xfrm>
-              <a:off x="4489132" y="8144128"/>
-              <a:ext cx="638175" cy="2143125"/>
-            </a:xfrm>
-            <a:custGeom>
-              <a:avLst/>
-              <a:gdLst/>
-              <a:ahLst/>
-              <a:cxnLst/>
-              <a:rect l="l" t="t" r="r" b="b"/>
-              <a:pathLst>
-                <a:path w="638175" h="2143125">
-                  <a:moveTo>
-                    <a:pt x="627545" y="2142871"/>
-                  </a:moveTo>
-                  <a:lnTo>
-                    <a:pt x="469595" y="1984133"/>
-                  </a:lnTo>
-                  <a:lnTo>
-                    <a:pt x="319087" y="1832864"/>
-                  </a:lnTo>
-                  <a:lnTo>
-                    <a:pt x="10642" y="2142871"/>
-                  </a:lnTo>
-                  <a:lnTo>
-                    <a:pt x="161137" y="2142871"/>
-                  </a:lnTo>
-                  <a:lnTo>
-                    <a:pt x="319087" y="1984133"/>
-                  </a:lnTo>
-                  <a:lnTo>
-                    <a:pt x="477037" y="2142871"/>
-                  </a:lnTo>
-                  <a:lnTo>
-                    <a:pt x="627545" y="2142871"/>
-                  </a:lnTo>
-                  <a:close/>
-                </a:path>
-                <a:path w="638175" h="2143125">
-                  <a:moveTo>
-                    <a:pt x="638175" y="1695348"/>
-                  </a:moveTo>
-                  <a:lnTo>
-                    <a:pt x="319087" y="1374648"/>
-                  </a:lnTo>
-                  <a:lnTo>
-                    <a:pt x="0" y="1695348"/>
-                  </a:lnTo>
-                  <a:lnTo>
-                    <a:pt x="75260" y="1770976"/>
-                  </a:lnTo>
-                  <a:lnTo>
-                    <a:pt x="319087" y="1525917"/>
-                  </a:lnTo>
-                  <a:lnTo>
-                    <a:pt x="562927" y="1770976"/>
-                  </a:lnTo>
-                  <a:lnTo>
-                    <a:pt x="638175" y="1695348"/>
-                  </a:lnTo>
-                  <a:close/>
-                </a:path>
-                <a:path w="638175" h="2143125">
-                  <a:moveTo>
-                    <a:pt x="638175" y="1237132"/>
-                  </a:moveTo>
-                  <a:lnTo>
-                    <a:pt x="319087" y="916432"/>
-                  </a:lnTo>
-                  <a:lnTo>
-                    <a:pt x="0" y="1237132"/>
-                  </a:lnTo>
-                  <a:lnTo>
-                    <a:pt x="75260" y="1312760"/>
-                  </a:lnTo>
-                  <a:lnTo>
-                    <a:pt x="319087" y="1067689"/>
-                  </a:lnTo>
-                  <a:lnTo>
-                    <a:pt x="562927" y="1312760"/>
-                  </a:lnTo>
-                  <a:lnTo>
-                    <a:pt x="638175" y="1237132"/>
-                  </a:lnTo>
-                  <a:close/>
-                </a:path>
-                <a:path w="638175" h="2143125">
-                  <a:moveTo>
-                    <a:pt x="638175" y="778916"/>
-                  </a:moveTo>
-                  <a:lnTo>
-                    <a:pt x="319087" y="458216"/>
-                  </a:lnTo>
-                  <a:lnTo>
-                    <a:pt x="0" y="778916"/>
-                  </a:lnTo>
-                  <a:lnTo>
-                    <a:pt x="75260" y="854544"/>
-                  </a:lnTo>
-                  <a:lnTo>
-                    <a:pt x="319087" y="609485"/>
-                  </a:lnTo>
-                  <a:lnTo>
-                    <a:pt x="562927" y="854544"/>
-                  </a:lnTo>
-                  <a:lnTo>
-                    <a:pt x="638175" y="778916"/>
-                  </a:lnTo>
-                  <a:close/>
-                </a:path>
-                <a:path w="638175" h="2143125">
-                  <a:moveTo>
-                    <a:pt x="638175" y="320700"/>
-                  </a:moveTo>
-                  <a:lnTo>
-                    <a:pt x="319087" y="0"/>
-                  </a:lnTo>
-                  <a:lnTo>
-                    <a:pt x="0" y="320700"/>
-                  </a:lnTo>
-                  <a:lnTo>
-                    <a:pt x="75260" y="396328"/>
-                  </a:lnTo>
-                  <a:lnTo>
-                    <a:pt x="319087" y="151269"/>
-                  </a:lnTo>
-                  <a:lnTo>
-                    <a:pt x="562927" y="396328"/>
-                  </a:lnTo>
-                  <a:lnTo>
-                    <a:pt x="638175" y="320700"/>
-                  </a:lnTo>
-                  <a:close/>
-                </a:path>
-              </a:pathLst>
-            </a:custGeom>
-            <a:grpFill/>
-          </p:spPr>
-          <p:txBody>
-            <a:bodyPr wrap="square" lIns="0" tIns="0" rIns="0" bIns="0" rtlCol="0"/>
-            <a:lstStyle/>
-            <a:p>
-              <a:endParaRPr dirty="0"/>
-            </a:p>
-          </p:txBody>
-        </p:sp>
-        <p:sp>
-          <p:nvSpPr>
-            <p:cNvPr id="19" name="object 19"/>
-            <p:cNvSpPr/>
-            <p:nvPr/>
-          </p:nvSpPr>
-          <p:spPr>
-            <a:xfrm>
-              <a:off x="951687" y="1028712"/>
-              <a:ext cx="466090" cy="304800"/>
-            </a:xfrm>
-            <a:custGeom>
-              <a:avLst/>
-              <a:gdLst/>
-              <a:ahLst/>
-              <a:cxnLst/>
-              <a:rect l="l" t="t" r="r" b="b"/>
-              <a:pathLst>
-                <a:path w="466090" h="304800">
-                  <a:moveTo>
-                    <a:pt x="465823" y="254000"/>
-                  </a:moveTo>
-                  <a:lnTo>
-                    <a:pt x="0" y="254000"/>
-                  </a:lnTo>
-                  <a:lnTo>
-                    <a:pt x="0" y="304800"/>
-                  </a:lnTo>
-                  <a:lnTo>
-                    <a:pt x="465823" y="304800"/>
-                  </a:lnTo>
-                  <a:lnTo>
-                    <a:pt x="465823" y="254000"/>
-                  </a:lnTo>
-                  <a:close/>
-                </a:path>
-                <a:path w="466090" h="304800">
-                  <a:moveTo>
-                    <a:pt x="465823" y="127000"/>
-                  </a:moveTo>
-                  <a:lnTo>
-                    <a:pt x="0" y="127000"/>
-                  </a:lnTo>
-                  <a:lnTo>
-                    <a:pt x="0" y="177800"/>
-                  </a:lnTo>
-                  <a:lnTo>
-                    <a:pt x="465823" y="177800"/>
-                  </a:lnTo>
-                  <a:lnTo>
-                    <a:pt x="465823" y="127000"/>
-                  </a:lnTo>
-                  <a:close/>
-                </a:path>
-                <a:path w="466090" h="304800">
-                  <a:moveTo>
-                    <a:pt x="465823" y="0"/>
-                  </a:moveTo>
-                  <a:lnTo>
-                    <a:pt x="0" y="0"/>
-                  </a:lnTo>
-                  <a:lnTo>
-                    <a:pt x="0" y="50800"/>
-                  </a:lnTo>
-                  <a:lnTo>
-                    <a:pt x="465823" y="50800"/>
-                  </a:lnTo>
-                  <a:lnTo>
-                    <a:pt x="465823" y="0"/>
-                  </a:lnTo>
-                  <a:close/>
-                </a:path>
-              </a:pathLst>
-            </a:custGeom>
-            <a:grpFill/>
-          </p:spPr>
-          <p:txBody>
-            <a:bodyPr wrap="square" lIns="0" tIns="0" rIns="0" bIns="0" rtlCol="0"/>
-            <a:lstStyle/>
-            <a:p>
-              <a:endParaRPr/>
-            </a:p>
-          </p:txBody>
-        </p:sp>
-      </p:grpSp>
-      <p:sp>
-        <p:nvSpPr>
-          <p:cNvPr id="23" name="object 17"/>
-          <p:cNvSpPr txBox="1"/>
-          <p:nvPr/>
-        </p:nvSpPr>
-        <p:spPr>
-          <a:xfrm rot="5400000">
-            <a:off x="2537575" y="-314474"/>
-            <a:ext cx="923330" cy="5279120"/>
-          </a:xfrm>
-          <a:prstGeom prst="rect">
-            <a:avLst/>
-          </a:prstGeom>
-        </p:spPr>
-        <p:txBody>
-          <a:bodyPr vert="vert270" wrap="square" lIns="0" tIns="16510" rIns="0" bIns="0" rtlCol="0">
-            <a:spAutoFit/>
-          </a:bodyPr>
-          <a:lstStyle/>
-          <a:p>
-            <a:pPr marL="12700">
-              <a:lnSpc>
-                <a:spcPct val="100000"/>
-              </a:lnSpc>
-              <a:spcBef>
-                <a:spcPts val="130"/>
-              </a:spcBef>
-            </a:pPr>
-            <a:r>
-              <a:rPr lang="en-PH" sz="6000" b="1" spc="-70" dirty="0">
-                <a:solidFill>
-                  <a:schemeClr val="accent4">
-                    <a:lumMod val="50000"/>
-                  </a:schemeClr>
-                </a:solidFill>
-                <a:latin typeface="Tahoma" panose="020B0604030504040204"/>
-                <a:cs typeface="Tahoma" panose="020B0604030504040204"/>
-              </a:rPr>
-              <a:t>OBJECTIVES</a:t>
-            </a:r>
-            <a:endParaRPr sz="6000" dirty="0">
-              <a:solidFill>
-                <a:schemeClr val="accent4">
-                  <a:lumMod val="50000"/>
-                </a:schemeClr>
-              </a:solidFill>
-              <a:latin typeface="Tahoma" panose="020B0604030504040204"/>
-              <a:cs typeface="Tahoma" panose="020B0604030504040204"/>
-            </a:endParaRPr>
-          </a:p>
-        </p:txBody>
-      </p:sp>
-      <p:sp>
-        <p:nvSpPr>
-          <p:cNvPr id="24" name="Rectangle 23"/>
-          <p:cNvSpPr/>
-          <p:nvPr/>
-        </p:nvSpPr>
-        <p:spPr>
-          <a:xfrm>
-            <a:off x="228600" y="3196933"/>
-            <a:ext cx="5029200" cy="727368"/>
-          </a:xfrm>
-          <a:prstGeom prst="rect">
-            <a:avLst/>
-          </a:prstGeom>
-          <a:ln w="28575"/>
-        </p:spPr>
-        <p:style>
-          <a:lnRef idx="2">
-            <a:schemeClr val="dk1"/>
-          </a:lnRef>
-          <a:fillRef idx="1">
-            <a:schemeClr val="lt1"/>
-          </a:fillRef>
-          <a:effectRef idx="0">
-            <a:schemeClr val="dk1"/>
-          </a:effectRef>
-          <a:fontRef idx="minor">
-            <a:schemeClr val="dk1"/>
-          </a:fontRef>
-        </p:style>
-        <p:txBody>
-          <a:bodyPr rtlCol="0" anchor="ctr"/>
-          <a:lstStyle/>
-          <a:p>
-            <a:pPr marL="0" marR="0" algn="ctr">
-              <a:spcBef>
-                <a:spcPts val="0"/>
-              </a:spcBef>
-              <a:spcAft>
-                <a:spcPts val="0"/>
-              </a:spcAft>
-            </a:pPr>
-            <a:r>
-              <a:rPr lang="en-US" sz="2000" u="sng" dirty="0">
-                <a:effectLst/>
-                <a:latin typeface="Times New Roman" panose="02020603050405020304" pitchFamily="18" charset="0"/>
-                <a:ea typeface="Times New Roman" panose="02020603050405020304" pitchFamily="18" charset="0"/>
-              </a:rPr>
-              <a:t>Humanitarian Data Exchange Data set about Philippines (2019)</a:t>
-            </a:r>
-            <a:endParaRPr lang="en-US" sz="2000" dirty="0">
-              <a:effectLst/>
-              <a:latin typeface="Calibri" panose="020F0502020204030204" pitchFamily="34" charset="0"/>
-              <a:ea typeface="Calibri" panose="020F0502020204030204" pitchFamily="34" charset="0"/>
-            </a:endParaRPr>
-          </a:p>
-        </p:txBody>
-      </p:sp>
-      <p:sp>
-        <p:nvSpPr>
-          <p:cNvPr id="25" name="Rectangle 24"/>
-          <p:cNvSpPr/>
-          <p:nvPr/>
-        </p:nvSpPr>
-        <p:spPr>
-          <a:xfrm>
-            <a:off x="264000" y="4076700"/>
-            <a:ext cx="4993800" cy="992209"/>
-          </a:xfrm>
-          <a:prstGeom prst="rect">
-            <a:avLst/>
-          </a:prstGeom>
-          <a:ln w="57150"/>
-        </p:spPr>
-        <p:style>
-          <a:lnRef idx="2">
-            <a:schemeClr val="dk1"/>
-          </a:lnRef>
-          <a:fillRef idx="1">
-            <a:schemeClr val="lt1"/>
-          </a:fillRef>
-          <a:effectRef idx="0">
-            <a:schemeClr val="dk1"/>
-          </a:effectRef>
-          <a:fontRef idx="minor">
-            <a:schemeClr val="dk1"/>
-          </a:fontRef>
-        </p:style>
-        <p:txBody>
-          <a:bodyPr rtlCol="0" anchor="ctr"/>
-          <a:lstStyle/>
-          <a:p>
-            <a:pPr marL="0" marR="0" algn="ctr">
-              <a:spcBef>
-                <a:spcPts val="0"/>
-              </a:spcBef>
-              <a:spcAft>
-                <a:spcPts val="0"/>
-              </a:spcAft>
-            </a:pPr>
-            <a:r>
-              <a:rPr lang="en-US" sz="1800" u="sng" dirty="0">
-                <a:effectLst/>
-                <a:latin typeface="Times New Roman" panose="02020603050405020304" pitchFamily="18" charset="0"/>
-                <a:ea typeface="Times New Roman" panose="02020603050405020304" pitchFamily="18" charset="0"/>
-              </a:rPr>
-              <a:t>The Centre for Research on the Epidemiology of Disasters' Data set about the American Typhoons (2000-2022)</a:t>
-            </a:r>
-            <a:endParaRPr lang="en-US" sz="1800" u="sng" dirty="0">
-              <a:effectLst/>
-              <a:latin typeface="Calibri" panose="020F0502020204030204" pitchFamily="34" charset="0"/>
-              <a:ea typeface="Calibri" panose="020F0502020204030204" pitchFamily="34" charset="0"/>
-            </a:endParaRPr>
-          </a:p>
-        </p:txBody>
-      </p:sp>
-      <p:sp>
-        <p:nvSpPr>
-          <p:cNvPr id="16" name="Rectangle 15"/>
-          <p:cNvSpPr/>
-          <p:nvPr/>
-        </p:nvSpPr>
-        <p:spPr>
-          <a:xfrm>
-            <a:off x="951687" y="5219700"/>
-            <a:ext cx="4270713" cy="312196"/>
-          </a:xfrm>
-          <a:prstGeom prst="rect">
-            <a:avLst/>
-          </a:prstGeom>
-          <a:ln w="28575"/>
-        </p:spPr>
-        <p:style>
-          <a:lnRef idx="2">
-            <a:schemeClr val="dk1"/>
-          </a:lnRef>
-          <a:fillRef idx="1">
-            <a:schemeClr val="lt1"/>
-          </a:fillRef>
-          <a:effectRef idx="0">
-            <a:schemeClr val="dk1"/>
-          </a:effectRef>
-          <a:fontRef idx="minor">
-            <a:schemeClr val="dk1"/>
-          </a:fontRef>
-        </p:style>
-        <p:txBody>
-          <a:bodyPr rtlCol="0" anchor="ctr"/>
-          <a:lstStyle/>
-          <a:p>
-            <a:pPr algn="ctr"/>
-            <a:r>
-              <a:rPr lang="en-US" dirty="0"/>
-              <a:t>Objective 1</a:t>
-            </a:r>
-          </a:p>
-        </p:txBody>
-      </p:sp>
-      <p:sp>
-        <p:nvSpPr>
-          <p:cNvPr id="3" name="Arrow: Chevron 2"/>
-          <p:cNvSpPr/>
-          <p:nvPr/>
-        </p:nvSpPr>
-        <p:spPr>
-          <a:xfrm>
-            <a:off x="712065" y="5289798"/>
-            <a:ext cx="160088" cy="190810"/>
-          </a:xfrm>
-          <a:prstGeom prst="chevron">
-            <a:avLst/>
-          </a:prstGeom>
-        </p:spPr>
-        <p:style>
-          <a:lnRef idx="2">
-            <a:schemeClr val="dk1"/>
-          </a:lnRef>
-          <a:fillRef idx="1">
-            <a:schemeClr val="lt1"/>
-          </a:fillRef>
-          <a:effectRef idx="0">
-            <a:schemeClr val="dk1"/>
-          </a:effectRef>
-          <a:fontRef idx="minor">
-            <a:schemeClr val="dk1"/>
-          </a:fontRef>
-        </p:style>
-        <p:txBody>
-          <a:bodyPr rtlCol="0" anchor="ctr"/>
-          <a:lstStyle/>
-          <a:p>
-            <a:pPr algn="ctr"/>
-            <a:endParaRPr lang="en-US">
-              <a:solidFill>
-                <a:schemeClr val="tx1"/>
-              </a:solidFill>
-            </a:endParaRPr>
-          </a:p>
-        </p:txBody>
-      </p:sp>
-      <p:sp>
-        <p:nvSpPr>
-          <p:cNvPr id="28" name="Rectangle 27"/>
-          <p:cNvSpPr/>
-          <p:nvPr/>
-        </p:nvSpPr>
-        <p:spPr>
-          <a:xfrm>
-            <a:off x="951687" y="5624657"/>
-            <a:ext cx="4270713" cy="312196"/>
-          </a:xfrm>
-          <a:prstGeom prst="rect">
-            <a:avLst/>
-          </a:prstGeom>
-          <a:ln w="28575"/>
-        </p:spPr>
-        <p:style>
-          <a:lnRef idx="2">
-            <a:schemeClr val="dk1"/>
-          </a:lnRef>
-          <a:fillRef idx="1">
-            <a:schemeClr val="lt1"/>
-          </a:fillRef>
-          <a:effectRef idx="0">
-            <a:schemeClr val="dk1"/>
-          </a:effectRef>
-          <a:fontRef idx="minor">
-            <a:schemeClr val="dk1"/>
-          </a:fontRef>
-        </p:style>
-        <p:txBody>
-          <a:bodyPr rtlCol="0" anchor="ctr"/>
-          <a:lstStyle/>
-          <a:p>
-            <a:pPr algn="ctr"/>
-            <a:r>
-              <a:rPr lang="en-US" dirty="0"/>
-              <a:t>Objective 2</a:t>
-            </a:r>
-          </a:p>
-        </p:txBody>
-      </p:sp>
-      <p:sp>
-        <p:nvSpPr>
-          <p:cNvPr id="29" name="Rectangle 28"/>
-          <p:cNvSpPr/>
-          <p:nvPr/>
-        </p:nvSpPr>
-        <p:spPr>
-          <a:xfrm>
-            <a:off x="961189" y="6023908"/>
-            <a:ext cx="4270713" cy="312196"/>
-          </a:xfrm>
-          <a:prstGeom prst="rect">
-            <a:avLst/>
-          </a:prstGeom>
-          <a:ln w="28575"/>
-        </p:spPr>
-        <p:style>
-          <a:lnRef idx="2">
-            <a:schemeClr val="dk1"/>
-          </a:lnRef>
-          <a:fillRef idx="1">
-            <a:schemeClr val="lt1"/>
-          </a:fillRef>
-          <a:effectRef idx="0">
-            <a:schemeClr val="dk1"/>
-          </a:effectRef>
-          <a:fontRef idx="minor">
-            <a:schemeClr val="dk1"/>
-          </a:fontRef>
-        </p:style>
-        <p:txBody>
-          <a:bodyPr rtlCol="0" anchor="ctr"/>
-          <a:lstStyle/>
-          <a:p>
-            <a:pPr algn="ctr"/>
-            <a:r>
-              <a:rPr lang="en-US" dirty="0"/>
-              <a:t>Objective 3</a:t>
-            </a:r>
-          </a:p>
-        </p:txBody>
-      </p:sp>
-      <p:sp>
-        <p:nvSpPr>
-          <p:cNvPr id="30" name="Arrow: Chevron 29"/>
-          <p:cNvSpPr/>
-          <p:nvPr/>
-        </p:nvSpPr>
-        <p:spPr>
-          <a:xfrm>
-            <a:off x="712065" y="5685350"/>
-            <a:ext cx="160088" cy="190810"/>
-          </a:xfrm>
-          <a:prstGeom prst="chevron">
-            <a:avLst/>
-          </a:prstGeom>
-        </p:spPr>
-        <p:style>
-          <a:lnRef idx="2">
-            <a:schemeClr val="dk1"/>
-          </a:lnRef>
-          <a:fillRef idx="1">
-            <a:schemeClr val="lt1"/>
-          </a:fillRef>
-          <a:effectRef idx="0">
-            <a:schemeClr val="dk1"/>
-          </a:effectRef>
-          <a:fontRef idx="minor">
-            <a:schemeClr val="dk1"/>
-          </a:fontRef>
-        </p:style>
-        <p:txBody>
-          <a:bodyPr rtlCol="0" anchor="ctr"/>
-          <a:lstStyle/>
-          <a:p>
-            <a:pPr algn="ctr"/>
-            <a:endParaRPr lang="en-US">
-              <a:solidFill>
-                <a:schemeClr val="tx1"/>
-              </a:solidFill>
-            </a:endParaRPr>
-          </a:p>
-        </p:txBody>
-      </p:sp>
-      <p:sp>
-        <p:nvSpPr>
-          <p:cNvPr id="31" name="Arrow: Chevron 30"/>
-          <p:cNvSpPr/>
-          <p:nvPr/>
-        </p:nvSpPr>
-        <p:spPr>
-          <a:xfrm>
-            <a:off x="712065" y="6069533"/>
-            <a:ext cx="160088" cy="190810"/>
-          </a:xfrm>
-          <a:prstGeom prst="chevron">
-            <a:avLst/>
-          </a:prstGeom>
-        </p:spPr>
-        <p:style>
-          <a:lnRef idx="2">
-            <a:schemeClr val="dk1"/>
-          </a:lnRef>
-          <a:fillRef idx="1">
-            <a:schemeClr val="lt1"/>
-          </a:fillRef>
-          <a:effectRef idx="0">
-            <a:schemeClr val="dk1"/>
-          </a:effectRef>
-          <a:fontRef idx="minor">
-            <a:schemeClr val="dk1"/>
-          </a:fontRef>
-        </p:style>
-        <p:txBody>
-          <a:bodyPr rtlCol="0" anchor="ctr"/>
-          <a:lstStyle/>
-          <a:p>
-            <a:pPr algn="ctr"/>
-            <a:endParaRPr lang="en-US">
-              <a:solidFill>
-                <a:schemeClr val="tx1"/>
-              </a:solidFill>
-            </a:endParaRPr>
-          </a:p>
-        </p:txBody>
-      </p:sp>
-      <p:sp>
-        <p:nvSpPr>
-          <p:cNvPr id="20" name="Rectangle 19"/>
-          <p:cNvSpPr/>
-          <p:nvPr/>
-        </p:nvSpPr>
-        <p:spPr>
-          <a:xfrm>
-            <a:off x="961189" y="6438900"/>
-            <a:ext cx="4270713" cy="312196"/>
-          </a:xfrm>
-          <a:prstGeom prst="rect">
-            <a:avLst/>
-          </a:prstGeom>
-          <a:ln w="28575"/>
-        </p:spPr>
-        <p:style>
-          <a:lnRef idx="2">
-            <a:schemeClr val="dk1"/>
-          </a:lnRef>
-          <a:fillRef idx="1">
-            <a:schemeClr val="lt1"/>
-          </a:fillRef>
-          <a:effectRef idx="0">
-            <a:schemeClr val="dk1"/>
-          </a:effectRef>
-          <a:fontRef idx="minor">
-            <a:schemeClr val="dk1"/>
-          </a:fontRef>
-        </p:style>
-        <p:txBody>
-          <a:bodyPr rtlCol="0" anchor="ctr"/>
-          <a:lstStyle/>
-          <a:p>
-            <a:pPr algn="ctr"/>
-            <a:r>
-              <a:rPr lang="en-US" dirty="0"/>
-              <a:t>Objective 4</a:t>
-            </a:r>
-          </a:p>
-        </p:txBody>
-      </p:sp>
-      <p:sp>
-        <p:nvSpPr>
-          <p:cNvPr id="21" name="Arrow: Chevron 20"/>
-          <p:cNvSpPr/>
-          <p:nvPr/>
-        </p:nvSpPr>
-        <p:spPr>
-          <a:xfrm>
-            <a:off x="721567" y="6508998"/>
-            <a:ext cx="160088" cy="190810"/>
-          </a:xfrm>
-          <a:prstGeom prst="chevron">
-            <a:avLst/>
-          </a:prstGeom>
-        </p:spPr>
-        <p:style>
-          <a:lnRef idx="2">
-            <a:schemeClr val="dk1"/>
-          </a:lnRef>
-          <a:fillRef idx="1">
-            <a:schemeClr val="lt1"/>
-          </a:fillRef>
-          <a:effectRef idx="0">
-            <a:schemeClr val="dk1"/>
-          </a:effectRef>
-          <a:fontRef idx="minor">
-            <a:schemeClr val="dk1"/>
-          </a:fontRef>
-        </p:style>
-        <p:txBody>
-          <a:bodyPr rtlCol="0" anchor="ctr"/>
-          <a:lstStyle/>
-          <a:p>
-            <a:pPr algn="ctr"/>
-            <a:endParaRPr lang="en-US">
-              <a:solidFill>
-                <a:schemeClr val="tx1"/>
-              </a:solidFill>
-            </a:endParaRPr>
-          </a:p>
-        </p:txBody>
-      </p:sp>
-      <p:sp>
-        <p:nvSpPr>
-          <p:cNvPr id="22" name="Rectangle 21"/>
-          <p:cNvSpPr/>
-          <p:nvPr/>
-        </p:nvSpPr>
-        <p:spPr>
-          <a:xfrm>
-            <a:off x="961189" y="6843857"/>
-            <a:ext cx="4270713" cy="312196"/>
-          </a:xfrm>
-          <a:prstGeom prst="rect">
-            <a:avLst/>
-          </a:prstGeom>
-          <a:ln w="57150"/>
-        </p:spPr>
-        <p:style>
-          <a:lnRef idx="2">
-            <a:schemeClr val="dk1"/>
-          </a:lnRef>
-          <a:fillRef idx="1">
-            <a:schemeClr val="lt1"/>
-          </a:fillRef>
-          <a:effectRef idx="0">
-            <a:schemeClr val="dk1"/>
-          </a:effectRef>
-          <a:fontRef idx="minor">
-            <a:schemeClr val="dk1"/>
-          </a:fontRef>
-        </p:style>
-        <p:txBody>
-          <a:bodyPr rtlCol="0" anchor="ctr"/>
-          <a:lstStyle/>
-          <a:p>
-            <a:pPr algn="ctr"/>
-            <a:r>
-              <a:rPr lang="en-US" dirty="0"/>
-              <a:t>Objective 5</a:t>
-            </a:r>
-          </a:p>
-        </p:txBody>
-      </p:sp>
-      <p:sp>
-        <p:nvSpPr>
-          <p:cNvPr id="27" name="Arrow: Chevron 26"/>
-          <p:cNvSpPr/>
-          <p:nvPr/>
-        </p:nvSpPr>
-        <p:spPr>
-          <a:xfrm>
-            <a:off x="721567" y="6904550"/>
-            <a:ext cx="160088" cy="190810"/>
-          </a:xfrm>
-          <a:prstGeom prst="chevron">
-            <a:avLst/>
-          </a:prstGeom>
-          <a:ln w="57150"/>
-        </p:spPr>
-        <p:style>
-          <a:lnRef idx="2">
-            <a:schemeClr val="dk1"/>
-          </a:lnRef>
-          <a:fillRef idx="1">
-            <a:schemeClr val="lt1"/>
-          </a:fillRef>
-          <a:effectRef idx="0">
-            <a:schemeClr val="dk1"/>
-          </a:effectRef>
-          <a:fontRef idx="minor">
-            <a:schemeClr val="dk1"/>
-          </a:fontRef>
-        </p:style>
-        <p:txBody>
-          <a:bodyPr rtlCol="0" anchor="ctr"/>
-          <a:lstStyle/>
-          <a:p>
-            <a:pPr algn="ctr"/>
-            <a:endParaRPr lang="en-US">
-              <a:solidFill>
-                <a:schemeClr val="tx1"/>
-              </a:solidFill>
-            </a:endParaRPr>
-          </a:p>
-        </p:txBody>
-      </p:sp>
-    </p:spTree>
-  </p:cSld>
-  <p:clrMapOvr>
-    <a:masterClrMapping/>
-  </p:clrMapOvr>
-</p:sld>
-</file>
-
-<file path=ppt/slides/slide27.xml><?xml version="1.0" encoding="utf-8"?>
 <p:sld xmlns:a="http://schemas.openxmlformats.org/drawingml/2006/main" xmlns:r="http://schemas.openxmlformats.org/officeDocument/2006/relationships" xmlns:p="http://schemas.openxmlformats.org/presentationml/2006/main" showMasterSp="0">
   <p:cSld>
     <p:spTree>
@@ -22152,7 +16226,7 @@
 </p:sld>
 </file>
 
-<file path=ppt/slides/slide28.xml><?xml version="1.0" encoding="utf-8"?>
+<file path=ppt/slides/slide22.xml><?xml version="1.0" encoding="utf-8"?>
 <p:sld xmlns:a="http://schemas.openxmlformats.org/drawingml/2006/main" xmlns:r="http://schemas.openxmlformats.org/officeDocument/2006/relationships" xmlns:p="http://schemas.openxmlformats.org/presentationml/2006/main" showMasterSp="0">
   <p:cSld>
     <p:spTree>
@@ -23237,7 +17311,7 @@
 </p:sld>
 </file>
 
-<file path=ppt/slides/slide29.xml><?xml version="1.0" encoding="utf-8"?>
+<file path=ppt/slides/slide23.xml><?xml version="1.0" encoding="utf-8"?>
 <p:sld xmlns:a="http://schemas.openxmlformats.org/drawingml/2006/main" xmlns:r="http://schemas.openxmlformats.org/officeDocument/2006/relationships" xmlns:p="http://schemas.openxmlformats.org/presentationml/2006/main" showMasterSp="0">
   <p:cSld>
     <p:spTree>
@@ -23591,34 +17665,6 @@
       </p:pic>
       <p:pic>
         <p:nvPicPr>
-          <p:cNvPr id="13" name="object 10">
-            <a:extLst>
-              <a:ext uri="{FF2B5EF4-FFF2-40B4-BE49-F238E27FC236}">
-                <a16:creationId xmlns:a16="http://schemas.microsoft.com/office/drawing/2014/main" id="{6544387D-A0B9-7022-D2C1-A27AEC2E48F3}"/>
-              </a:ext>
-            </a:extLst>
-          </p:cNvPr>
-          <p:cNvPicPr/>
-          <p:nvPr/>
-        </p:nvPicPr>
-        <p:blipFill>
-          <a:blip r:embed="rId4" cstate="print"/>
-          <a:stretch>
-            <a:fillRect/>
-          </a:stretch>
-        </p:blipFill>
-        <p:spPr>
-          <a:xfrm>
-            <a:off x="5486381" y="4407259"/>
-            <a:ext cx="3143218" cy="3481387"/>
-          </a:xfrm>
-          <a:prstGeom prst="rect">
-            <a:avLst/>
-          </a:prstGeom>
-        </p:spPr>
-      </p:pic>
-      <p:pic>
-        <p:nvPicPr>
           <p:cNvPr id="15" name="object 10">
             <a:extLst>
               <a:ext uri="{FF2B5EF4-FFF2-40B4-BE49-F238E27FC236}">
@@ -24141,6 +18187,41 @@
           </a:p>
         </p:txBody>
       </p:sp>
+      <p:pic>
+        <p:nvPicPr>
+          <p:cNvPr id="14" name="Picture 13">
+            <a:extLst>
+              <a:ext uri="{FF2B5EF4-FFF2-40B4-BE49-F238E27FC236}">
+                <a16:creationId xmlns:a16="http://schemas.microsoft.com/office/drawing/2014/main" id="{6F697C34-9CBA-2B8B-2BD3-A3C337687351}"/>
+              </a:ext>
+            </a:extLst>
+          </p:cNvPr>
+          <p:cNvPicPr>
+            <a:picLocks noChangeAspect="1"/>
+          </p:cNvPicPr>
+          <p:nvPr/>
+        </p:nvPicPr>
+        <p:blipFill rotWithShape="1">
+          <a:blip r:embed="rId5">
+            <a:extLst>
+              <a:ext uri="{28A0092B-C50C-407E-A947-70E740481C1C}">
+                <a14:useLocalDpi xmlns:a14="http://schemas.microsoft.com/office/drawing/2010/main" val="0"/>
+              </a:ext>
+            </a:extLst>
+          </a:blip>
+          <a:srcRect l="43810" t="35629" r="38272" b="40618"/>
+          <a:stretch/>
+        </p:blipFill>
+        <p:spPr>
+          <a:xfrm>
+            <a:off x="5486380" y="4407259"/>
+            <a:ext cx="3143217" cy="3481387"/>
+          </a:xfrm>
+          <a:prstGeom prst="rect">
+            <a:avLst/>
+          </a:prstGeom>
+        </p:spPr>
+      </p:pic>
     </p:spTree>
     <p:extLst>
       <p:ext uri="{BB962C8B-B14F-4D97-AF65-F5344CB8AC3E}">

--- a/Final PPT presentation.pptx
+++ b/Final PPT presentation.pptx
@@ -5,7 +5,7 @@
     <p:sldMasterId id="2147483648" r:id="rId1"/>
   </p:sldMasterIdLst>
   <p:notesMasterIdLst>
-    <p:notesMasterId r:id="rId25"/>
+    <p:notesMasterId r:id="rId21"/>
   </p:notesMasterIdLst>
   <p:sldIdLst>
     <p:sldId id="258" r:id="rId2"/>
@@ -15,22 +15,18 @@
     <p:sldId id="269" r:id="rId6"/>
     <p:sldId id="287" r:id="rId7"/>
     <p:sldId id="289" r:id="rId8"/>
-    <p:sldId id="290" r:id="rId9"/>
-    <p:sldId id="304" r:id="rId10"/>
-    <p:sldId id="316" r:id="rId11"/>
-    <p:sldId id="294" r:id="rId12"/>
-    <p:sldId id="307" r:id="rId13"/>
-    <p:sldId id="295" r:id="rId14"/>
-    <p:sldId id="308" r:id="rId15"/>
-    <p:sldId id="296" r:id="rId16"/>
-    <p:sldId id="319" r:id="rId17"/>
-    <p:sldId id="320" r:id="rId18"/>
-    <p:sldId id="321" r:id="rId19"/>
-    <p:sldId id="322" r:id="rId20"/>
-    <p:sldId id="323" r:id="rId21"/>
-    <p:sldId id="293" r:id="rId22"/>
-    <p:sldId id="280" r:id="rId23"/>
-    <p:sldId id="318" r:id="rId24"/>
+    <p:sldId id="304" r:id="rId9"/>
+    <p:sldId id="307" r:id="rId10"/>
+    <p:sldId id="308" r:id="rId11"/>
+    <p:sldId id="296" r:id="rId12"/>
+    <p:sldId id="319" r:id="rId13"/>
+    <p:sldId id="320" r:id="rId14"/>
+    <p:sldId id="321" r:id="rId15"/>
+    <p:sldId id="322" r:id="rId16"/>
+    <p:sldId id="323" r:id="rId17"/>
+    <p:sldId id="293" r:id="rId18"/>
+    <p:sldId id="280" r:id="rId19"/>
+    <p:sldId id="318" r:id="rId20"/>
   </p:sldIdLst>
   <p:sldSz cx="18288000" cy="10287000"/>
   <p:notesSz cx="18288000" cy="10287000"/>
@@ -795,7 +791,7 @@
           <a:p>
             <a:fld id="{1E741714-2B22-41F9-AAC3-71E3E135EC64}" type="slidenum">
               <a:rPr lang="en-PH" smtClean="0"/>
-              <a:t>17</a:t>
+              <a:t>13</a:t>
             </a:fld>
             <a:endParaRPr lang="en-PH"/>
           </a:p>
@@ -879,7 +875,7 @@
           <a:p>
             <a:fld id="{1E741714-2B22-41F9-AAC3-71E3E135EC64}" type="slidenum">
               <a:rPr lang="en-PH" smtClean="0"/>
-              <a:t>23</a:t>
+              <a:t>19</a:t>
             </a:fld>
             <a:endParaRPr lang="en-PH"/>
           </a:p>
@@ -2720,7 +2716,7 @@
 </file>
 
 <file path=ppt/slides/slide10.xml><?xml version="1.0" encoding="utf-8"?>
-<p:sld xmlns:a="http://schemas.openxmlformats.org/drawingml/2006/main" xmlns:r="http://schemas.openxmlformats.org/officeDocument/2006/relationships" xmlns:p="http://schemas.openxmlformats.org/presentationml/2006/main" showMasterSp="0">
+<p:sld xmlns:a="http://schemas.openxmlformats.org/drawingml/2006/main" xmlns:r="http://schemas.openxmlformats.org/officeDocument/2006/relationships" xmlns:p="http://schemas.openxmlformats.org/presentationml/2006/main">
   <p:cSld>
     <p:spTree>
       <p:nvGrpSpPr>
@@ -3224,7 +3220,7 @@
           <a:prstGeom prst="rect">
             <a:avLst/>
           </a:prstGeom>
-          <a:ln w="57150"/>
+          <a:ln w="28575"/>
         </p:spPr>
         <p:style>
           <a:lnRef idx="2">
@@ -3266,7 +3262,7 @@
           <a:prstGeom prst="chevron">
             <a:avLst/>
           </a:prstGeom>
-          <a:ln w="57150"/>
+          <a:ln w="28575"/>
         </p:spPr>
         <p:style>
           <a:lnRef idx="2">
@@ -3350,6 +3346,7 @@
           <a:prstGeom prst="rect">
             <a:avLst/>
           </a:prstGeom>
+          <a:ln w="57150"/>
         </p:spPr>
         <p:style>
           <a:lnRef idx="2">
@@ -3433,6 +3430,7 @@
           <a:prstGeom prst="chevron">
             <a:avLst/>
           </a:prstGeom>
+          <a:ln w="57150"/>
         </p:spPr>
         <p:style>
           <a:lnRef idx="2">
@@ -3461,207 +3459,16 @@
           </a:p>
         </p:txBody>
       </p:sp>
-      <p:sp>
-        <p:nvSpPr>
-          <p:cNvPr id="6" name="Rectangle 5"/>
-          <p:cNvSpPr/>
-          <p:nvPr/>
-        </p:nvSpPr>
-        <p:spPr>
-          <a:xfrm>
-            <a:off x="6123710" y="371228"/>
-            <a:ext cx="5652972" cy="2415524"/>
-          </a:xfrm>
-          <a:prstGeom prst="rect">
-            <a:avLst/>
-          </a:prstGeom>
-          <a:ln w="38100"/>
-        </p:spPr>
-        <p:style>
-          <a:lnRef idx="2">
-            <a:schemeClr val="dk1"/>
-          </a:lnRef>
-          <a:fillRef idx="1">
-            <a:schemeClr val="lt1"/>
-          </a:fillRef>
-          <a:effectRef idx="0">
-            <a:schemeClr val="dk1"/>
-          </a:effectRef>
-          <a:fontRef idx="minor">
-            <a:schemeClr val="dk1"/>
-          </a:fontRef>
-        </p:style>
-        <p:txBody>
-          <a:bodyPr rtlCol="0" anchor="ctr"/>
-          <a:lstStyle/>
-          <a:p>
-            <a:pPr algn="ctr"/>
-            <a:endParaRPr lang="en-PH" dirty="0"/>
-          </a:p>
-        </p:txBody>
-      </p:sp>
-      <p:sp>
-        <p:nvSpPr>
-          <p:cNvPr id="27" name="Rectangle 26"/>
-          <p:cNvSpPr/>
-          <p:nvPr/>
-        </p:nvSpPr>
-        <p:spPr>
-          <a:xfrm>
-            <a:off x="12097590" y="371228"/>
-            <a:ext cx="5652972" cy="2415524"/>
-          </a:xfrm>
-          <a:prstGeom prst="rect">
-            <a:avLst/>
-          </a:prstGeom>
-          <a:ln w="38100"/>
-        </p:spPr>
-        <p:style>
-          <a:lnRef idx="2">
-            <a:schemeClr val="dk1"/>
-          </a:lnRef>
-          <a:fillRef idx="1">
-            <a:schemeClr val="lt1"/>
-          </a:fillRef>
-          <a:effectRef idx="0">
-            <a:schemeClr val="dk1"/>
-          </a:effectRef>
-          <a:fontRef idx="minor">
-            <a:schemeClr val="dk1"/>
-          </a:fontRef>
-        </p:style>
-        <p:txBody>
-          <a:bodyPr rtlCol="0" anchor="ctr"/>
-          <a:lstStyle/>
-          <a:p>
-            <a:pPr algn="ctr"/>
-            <a:endParaRPr lang="en-PH" dirty="0"/>
-          </a:p>
-        </p:txBody>
-      </p:sp>
-      <p:sp>
-        <p:nvSpPr>
-          <p:cNvPr id="20" name="TextBox 19">
-            <a:extLst>
-              <a:ext uri="{FF2B5EF4-FFF2-40B4-BE49-F238E27FC236}">
-                <a16:creationId xmlns:a16="http://schemas.microsoft.com/office/drawing/2014/main" id="{F732BF55-0D76-C88B-C0A1-CB9A10A14C3C}"/>
-              </a:ext>
-            </a:extLst>
-          </p:cNvPr>
-          <p:cNvSpPr txBox="1"/>
-          <p:nvPr/>
-        </p:nvSpPr>
-        <p:spPr>
-          <a:xfrm>
-            <a:off x="7082997" y="1047571"/>
-            <a:ext cx="3280203" cy="1200329"/>
-          </a:xfrm>
-          <a:prstGeom prst="rect">
-            <a:avLst/>
-          </a:prstGeom>
-          <a:noFill/>
-        </p:spPr>
-        <p:txBody>
-          <a:bodyPr wrap="square" rtlCol="0">
-            <a:spAutoFit/>
-          </a:bodyPr>
-          <a:lstStyle/>
-          <a:p>
-            <a:r>
-              <a:rPr lang="en-PH" sz="7200" b="1" i="0" dirty="0">
-                <a:solidFill>
-                  <a:srgbClr val="202124"/>
-                </a:solidFill>
-                <a:effectLst/>
-                <a:latin typeface="Century Gothic" panose="020B0502020202020204" pitchFamily="34" charset="0"/>
-              </a:rPr>
-              <a:t>68,104</a:t>
-            </a:r>
-            <a:endParaRPr lang="en-PH" sz="7200" b="1" dirty="0">
-              <a:latin typeface="Century Gothic" panose="020B0502020202020204" pitchFamily="34" charset="0"/>
-            </a:endParaRPr>
-          </a:p>
-        </p:txBody>
-      </p:sp>
-      <p:sp>
-        <p:nvSpPr>
-          <p:cNvPr id="21" name="TextBox 20">
-            <a:extLst>
-              <a:ext uri="{FF2B5EF4-FFF2-40B4-BE49-F238E27FC236}">
-                <a16:creationId xmlns:a16="http://schemas.microsoft.com/office/drawing/2014/main" id="{9C7ECC60-61A1-82FA-D9CD-3470D9789CFF}"/>
-              </a:ext>
-            </a:extLst>
-          </p:cNvPr>
-          <p:cNvSpPr txBox="1"/>
-          <p:nvPr/>
-        </p:nvSpPr>
-        <p:spPr>
-          <a:xfrm>
-            <a:off x="6858000" y="2076390"/>
-            <a:ext cx="3624469" cy="400110"/>
-          </a:xfrm>
-          <a:prstGeom prst="rect">
-            <a:avLst/>
-          </a:prstGeom>
-          <a:noFill/>
-        </p:spPr>
-        <p:txBody>
-          <a:bodyPr wrap="square" rtlCol="0">
-            <a:spAutoFit/>
-          </a:bodyPr>
-          <a:lstStyle/>
-          <a:p>
-            <a:r>
-              <a:rPr lang="en-US" sz="2000" b="1" i="0" dirty="0">
-                <a:solidFill>
-                  <a:srgbClr val="202124"/>
-                </a:solidFill>
-                <a:effectLst/>
-                <a:latin typeface="Century Gothic" panose="020B0502020202020204" pitchFamily="34" charset="0"/>
-              </a:rPr>
-              <a:t>Totally Damaged</a:t>
-            </a:r>
-            <a:r>
-              <a:rPr lang="en-US" sz="2000" b="1" dirty="0">
-                <a:solidFill>
-                  <a:srgbClr val="202124"/>
-                </a:solidFill>
-                <a:latin typeface="Century Gothic" panose="020B0502020202020204" pitchFamily="34" charset="0"/>
-              </a:rPr>
-              <a:t> </a:t>
-            </a:r>
-            <a:r>
-              <a:rPr lang="en-US" sz="2000" b="1" i="0" dirty="0">
-                <a:solidFill>
-                  <a:srgbClr val="202124"/>
-                </a:solidFill>
-                <a:effectLst/>
-                <a:latin typeface="Century Gothic" panose="020B0502020202020204" pitchFamily="34" charset="0"/>
-              </a:rPr>
-              <a:t>Houses</a:t>
-            </a:r>
-            <a:endParaRPr lang="en-PH" sz="2000" b="1" dirty="0">
-              <a:latin typeface="Century Gothic" panose="020B0502020202020204" pitchFamily="34" charset="0"/>
-            </a:endParaRPr>
-          </a:p>
-        </p:txBody>
-      </p:sp>
       <p:pic>
         <p:nvPicPr>
-          <p:cNvPr id="22" name="Picture 21">
-            <a:extLst>
-              <a:ext uri="{FF2B5EF4-FFF2-40B4-BE49-F238E27FC236}">
-                <a16:creationId xmlns:a16="http://schemas.microsoft.com/office/drawing/2014/main" id="{DA27BEC3-461D-2FC1-1916-372DCBCFABA2}"/>
-              </a:ext>
-            </a:extLst>
-          </p:cNvPr>
+          <p:cNvPr id="20" name="Picture 19"/>
           <p:cNvPicPr>
             <a:picLocks noChangeAspect="1"/>
           </p:cNvPicPr>
           <p:nvPr/>
         </p:nvPicPr>
         <p:blipFill>
-          <a:blip r:embed="rId2" cstate="print">
+          <a:blip r:embed="rId2">
             <a:extLst>
               <a:ext uri="{28A0092B-C50C-407E-A947-70E740481C1C}">
                 <a14:useLocalDpi xmlns:a14="http://schemas.microsoft.com/office/drawing/2010/main" val="0"/>
@@ -3674,20 +3481,64 @@
         </p:blipFill>
         <p:spPr>
           <a:xfrm>
-            <a:off x="10114257" y="1008357"/>
-            <a:ext cx="1315743" cy="1315743"/>
+            <a:off x="10363201" y="7353300"/>
+            <a:ext cx="7398864" cy="2819400"/>
           </a:xfrm>
           <a:prstGeom prst="rect">
             <a:avLst/>
           </a:prstGeom>
+          <a:ln w="38100">
+            <a:solidFill>
+              <a:schemeClr val="tx1"/>
+            </a:solidFill>
+          </a:ln>
         </p:spPr>
       </p:pic>
+      <p:sp>
+        <p:nvSpPr>
+          <p:cNvPr id="5" name="Rectangle 4"/>
+          <p:cNvSpPr/>
+          <p:nvPr/>
+        </p:nvSpPr>
+        <p:spPr>
+          <a:xfrm>
+            <a:off x="6123710" y="7353300"/>
+            <a:ext cx="4087090" cy="2819400"/>
+          </a:xfrm>
+          <a:prstGeom prst="rect">
+            <a:avLst/>
+          </a:prstGeom>
+          <a:ln w="38100"/>
+        </p:spPr>
+        <p:style>
+          <a:lnRef idx="2">
+            <a:schemeClr val="dk1"/>
+          </a:lnRef>
+          <a:fillRef idx="1">
+            <a:schemeClr val="lt1"/>
+          </a:fillRef>
+          <a:effectRef idx="0">
+            <a:schemeClr val="dk1"/>
+          </a:effectRef>
+          <a:fontRef idx="minor">
+            <a:schemeClr val="dk1"/>
+          </a:fontRef>
+        </p:style>
+        <p:txBody>
+          <a:bodyPr rtlCol="0" anchor="ctr"/>
+          <a:lstStyle/>
+          <a:p>
+            <a:pPr algn="ctr"/>
+            <a:endParaRPr lang="en-PH"/>
+          </a:p>
+        </p:txBody>
+      </p:sp>
       <p:sp>
         <p:nvSpPr>
           <p:cNvPr id="26" name="TextBox 25">
             <a:extLst>
               <a:ext uri="{FF2B5EF4-FFF2-40B4-BE49-F238E27FC236}">
-                <a16:creationId xmlns:a16="http://schemas.microsoft.com/office/drawing/2014/main" id="{D144AB0E-A685-30A7-E417-01241792E812}"/>
+                <a16:creationId xmlns:a16="http://schemas.microsoft.com/office/drawing/2014/main" id="{90C2F186-8609-2A96-92AF-6193B246510B}"/>
               </a:ext>
             </a:extLst>
           </p:cNvPr>
@@ -3696,8 +3547,8 @@
         </p:nvSpPr>
         <p:spPr>
           <a:xfrm>
-            <a:off x="10027760" y="571500"/>
-            <a:ext cx="1783240" cy="707886"/>
+            <a:off x="6477000" y="7657862"/>
+            <a:ext cx="3429000" cy="1600438"/>
           </a:xfrm>
           <a:prstGeom prst="rect">
             <a:avLst/>
@@ -3710,29 +3561,77 @@
           </a:bodyPr>
           <a:lstStyle/>
           <a:p>
-            <a:pPr algn="r"/>
+            <a:pPr algn="ctr"/>
             <a:r>
-              <a:rPr lang="en-US" sz="2000" b="1" i="0" dirty="0">
-                <a:solidFill>
-                  <a:srgbClr val="202124"/>
-                </a:solidFill>
-                <a:effectLst/>
+              <a:rPr lang="en-US" sz="6600" b="1" dirty="0">
                 <a:latin typeface="Century Gothic" panose="020B0502020202020204" pitchFamily="34" charset="0"/>
               </a:rPr>
-              <a:t>TYPHOON TISOY</a:t>
+              <a:t>TOP 5</a:t>
             </a:r>
-            <a:endParaRPr lang="en-PH" sz="2000" b="1" dirty="0">
+          </a:p>
+          <a:p>
+            <a:pPr algn="ctr"/>
+            <a:r>
+              <a:rPr lang="en-US" sz="3200" b="1" dirty="0">
+                <a:latin typeface="Century Gothic" panose="020B0502020202020204" pitchFamily="34" charset="0"/>
+              </a:rPr>
+              <a:t>MUNICIPALITIES</a:t>
+            </a:r>
+            <a:endParaRPr lang="en-PH" sz="3200" b="1" dirty="0">
               <a:latin typeface="Century Gothic" panose="020B0502020202020204" pitchFamily="34" charset="0"/>
             </a:endParaRPr>
           </a:p>
         </p:txBody>
       </p:sp>
+      <p:sp>
+        <p:nvSpPr>
+          <p:cNvPr id="27" name="TextBox 26">
+            <a:extLst>
+              <a:ext uri="{FF2B5EF4-FFF2-40B4-BE49-F238E27FC236}">
+                <a16:creationId xmlns:a16="http://schemas.microsoft.com/office/drawing/2014/main" id="{EFA79765-4572-6D9A-F307-38543AF2B78F}"/>
+              </a:ext>
+            </a:extLst>
+          </p:cNvPr>
+          <p:cNvSpPr txBox="1"/>
+          <p:nvPr/>
+        </p:nvSpPr>
+        <p:spPr>
+          <a:xfrm>
+            <a:off x="6553200" y="9186327"/>
+            <a:ext cx="3276600" cy="646331"/>
+          </a:xfrm>
+          <a:prstGeom prst="rect">
+            <a:avLst/>
+          </a:prstGeom>
+          <a:noFill/>
+        </p:spPr>
+        <p:txBody>
+          <a:bodyPr wrap="square" rtlCol="0">
+            <a:spAutoFit/>
+          </a:bodyPr>
+          <a:lstStyle/>
+          <a:p>
+            <a:pPr algn="ctr"/>
+            <a:r>
+              <a:rPr lang="en-US" b="1" dirty="0">
+                <a:latin typeface="Times New Roman" panose="02020603050405020304" pitchFamily="18" charset="0"/>
+                <a:cs typeface="Times New Roman" panose="02020603050405020304" pitchFamily="18" charset="0"/>
+              </a:rPr>
+              <a:t>Who had the most affected individuals in the year 2019</a:t>
+            </a:r>
+            <a:endParaRPr lang="en-PH" sz="3200" b="1" dirty="0">
+              <a:latin typeface="Times New Roman" panose="02020603050405020304" pitchFamily="18" charset="0"/>
+              <a:cs typeface="Times New Roman" panose="02020603050405020304" pitchFamily="18" charset="0"/>
+            </a:endParaRPr>
+          </a:p>
+        </p:txBody>
+      </p:sp>
       <p:pic>
         <p:nvPicPr>
-          <p:cNvPr id="33" name="Picture 32">
+          <p:cNvPr id="21" name="Picture 20">
             <a:extLst>
               <a:ext uri="{FF2B5EF4-FFF2-40B4-BE49-F238E27FC236}">
-                <a16:creationId xmlns:a16="http://schemas.microsoft.com/office/drawing/2014/main" id="{AD15C8E0-F843-88DB-FBBA-AC7BD9BD65F0}"/>
+                <a16:creationId xmlns:a16="http://schemas.microsoft.com/office/drawing/2014/main" id="{9943BB84-C8A3-57DC-730F-808B7AFC2661}"/>
               </a:ext>
             </a:extLst>
           </p:cNvPr>
@@ -3742,137 +3641,20 @@
           <p:nvPr/>
         </p:nvPicPr>
         <p:blipFill>
-          <a:blip r:embed="rId3" cstate="print">
+          <a:blip r:embed="rId3">
             <a:extLst>
               <a:ext uri="{28A0092B-C50C-407E-A947-70E740481C1C}">
                 <a14:useLocalDpi xmlns:a14="http://schemas.microsoft.com/office/drawing/2010/main" val="0"/>
               </a:ext>
             </a:extLst>
           </a:blip>
-          <a:stretch>
-            <a:fillRect/>
-          </a:stretch>
+          <a:srcRect/>
+          <a:stretch/>
         </p:blipFill>
         <p:spPr>
           <a:xfrm>
-            <a:off x="12877800" y="876300"/>
-            <a:ext cx="1544186" cy="1544186"/>
-          </a:xfrm>
-          <a:prstGeom prst="rect">
-            <a:avLst/>
-          </a:prstGeom>
-        </p:spPr>
-      </p:pic>
-      <p:sp>
-        <p:nvSpPr>
-          <p:cNvPr id="34" name="TextBox 33">
-            <a:extLst>
-              <a:ext uri="{FF2B5EF4-FFF2-40B4-BE49-F238E27FC236}">
-                <a16:creationId xmlns:a16="http://schemas.microsoft.com/office/drawing/2014/main" id="{2023C745-0CC6-F938-7BB2-2D6474F41D80}"/>
-              </a:ext>
-            </a:extLst>
-          </p:cNvPr>
-          <p:cNvSpPr txBox="1"/>
-          <p:nvPr/>
-        </p:nvSpPr>
-        <p:spPr>
-          <a:xfrm>
-            <a:off x="14613223" y="800100"/>
-            <a:ext cx="3307949" cy="1631216"/>
-          </a:xfrm>
-          <a:prstGeom prst="rect">
-            <a:avLst/>
-          </a:prstGeom>
-          <a:noFill/>
-        </p:spPr>
-        <p:txBody>
-          <a:bodyPr wrap="square" rtlCol="0">
-            <a:spAutoFit/>
-          </a:bodyPr>
-          <a:lstStyle/>
-          <a:p>
-            <a:r>
-              <a:rPr lang="en-US" sz="2000" b="1" i="0" dirty="0">
-                <a:solidFill>
-                  <a:srgbClr val="202124"/>
-                </a:solidFill>
-                <a:effectLst/>
-                <a:latin typeface="Century Gothic" panose="020B0502020202020204" pitchFamily="34" charset="0"/>
-              </a:rPr>
-              <a:t>TYPHOON TISOY  TYPHOON URSULA</a:t>
-            </a:r>
-          </a:p>
-          <a:p>
-            <a:r>
-              <a:rPr lang="en-US" sz="2000" b="1" i="0" dirty="0">
-                <a:solidFill>
-                  <a:srgbClr val="202124"/>
-                </a:solidFill>
-                <a:effectLst/>
-                <a:latin typeface="Century Gothic" panose="020B0502020202020204" pitchFamily="34" charset="0"/>
-              </a:rPr>
-              <a:t>TYPHOON QUIEL</a:t>
-            </a:r>
-          </a:p>
-          <a:p>
-            <a:r>
-              <a:rPr lang="en-US" sz="2000" b="1" i="0" dirty="0">
-                <a:solidFill>
-                  <a:srgbClr val="202124"/>
-                </a:solidFill>
-                <a:effectLst/>
-                <a:latin typeface="Century Gothic" panose="020B0502020202020204" pitchFamily="34" charset="0"/>
-              </a:rPr>
-              <a:t>TYPHOON HANNA</a:t>
-            </a:r>
-          </a:p>
-          <a:p>
-            <a:r>
-              <a:rPr lang="en-US" sz="2000" b="1" i="0" dirty="0">
-                <a:solidFill>
-                  <a:srgbClr val="202124"/>
-                </a:solidFill>
-                <a:effectLst/>
-                <a:latin typeface="Century Gothic" panose="020B0502020202020204" pitchFamily="34" charset="0"/>
-              </a:rPr>
-              <a:t>TYPHOON MARILYN</a:t>
-            </a:r>
-            <a:endParaRPr lang="en-PH" sz="2000" b="1" dirty="0">
-              <a:latin typeface="Century Gothic" panose="020B0502020202020204" pitchFamily="34" charset="0"/>
-            </a:endParaRPr>
-          </a:p>
-        </p:txBody>
-      </p:sp>
-      <p:pic>
-        <p:nvPicPr>
-          <p:cNvPr id="35" name="Picture 34">
-            <a:extLst>
-              <a:ext uri="{FF2B5EF4-FFF2-40B4-BE49-F238E27FC236}">
-                <a16:creationId xmlns:a16="http://schemas.microsoft.com/office/drawing/2014/main" id="{16E40E4E-C846-17DF-5606-37AE7201CCA3}"/>
-              </a:ext>
-            </a:extLst>
-          </p:cNvPr>
-          <p:cNvPicPr>
-            <a:picLocks noChangeAspect="1"/>
-          </p:cNvPicPr>
-          <p:nvPr/>
-        </p:nvPicPr>
-        <p:blipFill>
-          <a:blip r:embed="rId4">
-            <a:extLst>
-              <a:ext uri="{28A0092B-C50C-407E-A947-70E740481C1C}">
-                <a14:useLocalDpi xmlns:a14="http://schemas.microsoft.com/office/drawing/2010/main" val="0"/>
-              </a:ext>
-            </a:extLst>
-          </a:blip>
-          <a:stretch>
-            <a:fillRect/>
-          </a:stretch>
-        </p:blipFill>
-        <p:spPr>
-          <a:xfrm>
-            <a:off x="6123710" y="3054346"/>
-            <a:ext cx="11626852" cy="6861426"/>
+            <a:off x="6123709" y="206636"/>
+            <a:ext cx="11638355" cy="6994263"/>
           </a:xfrm>
           <a:prstGeom prst="rect">
             <a:avLst/>
@@ -3917,7 +3699,7 @@
         </p:nvSpPr>
         <p:spPr>
           <a:xfrm>
-            <a:off x="0" y="0"/>
+            <a:off x="0" y="-22178"/>
             <a:ext cx="5638800" cy="10287000"/>
           </a:xfrm>
           <a:custGeom>
@@ -4006,75 +3788,6 @@
           <a:lstStyle/>
           <a:p>
             <a:endParaRPr/>
-          </a:p>
-        </p:txBody>
-      </p:sp>
-      <p:sp>
-        <p:nvSpPr>
-          <p:cNvPr id="7" name="object 7"/>
-          <p:cNvSpPr txBox="1">
-            <a:spLocks noGrp="1"/>
-          </p:cNvSpPr>
-          <p:nvPr>
-            <p:ph type="title"/>
-          </p:nvPr>
-        </p:nvSpPr>
-        <p:spPr>
-          <a:xfrm>
-            <a:off x="6833664" y="1485900"/>
-            <a:ext cx="1091136" cy="689932"/>
-          </a:xfrm>
-          <a:prstGeom prst="rect">
-            <a:avLst/>
-          </a:prstGeom>
-        </p:spPr>
-        <p:txBody>
-          <a:bodyPr vert="horz" wrap="square" lIns="0" tIns="12700" rIns="0" bIns="0" rtlCol="0">
-            <a:spAutoFit/>
-          </a:bodyPr>
-          <a:lstStyle/>
-          <a:p>
-            <a:pPr marL="12700">
-              <a:lnSpc>
-                <a:spcPct val="100000"/>
-              </a:lnSpc>
-              <a:spcBef>
-                <a:spcPts val="100"/>
-              </a:spcBef>
-            </a:pPr>
-            <a:r>
-              <a:rPr lang="en-US" sz="4400" spc="-70" dirty="0">
-                <a:solidFill>
-                  <a:schemeClr val="accent5">
-                    <a:lumMod val="50000"/>
-                  </a:schemeClr>
-                </a:solidFill>
-                <a:latin typeface="Cambria" panose="02040503050406030204"/>
-                <a:cs typeface="Cambria" panose="02040503050406030204"/>
-              </a:rPr>
-              <a:t>0</a:t>
-            </a:r>
-            <a:r>
-              <a:rPr lang="en-US" sz="4400" spc="35" dirty="0">
-                <a:solidFill>
-                  <a:schemeClr val="accent5">
-                    <a:lumMod val="50000"/>
-                  </a:schemeClr>
-                </a:solidFill>
-                <a:latin typeface="Cambria" panose="02040503050406030204"/>
-                <a:cs typeface="Cambria" panose="02040503050406030204"/>
-              </a:rPr>
-              <a:t>2.</a:t>
-            </a:r>
-            <a:endParaRPr lang="en-US" sz="4400" dirty="0">
-              <a:solidFill>
-                <a:schemeClr val="accent5">
-                  <a:lumMod val="50000"/>
-                </a:schemeClr>
-              </a:solidFill>
-              <a:latin typeface="Cambria" panose="02040503050406030204"/>
-              <a:cs typeface="Cambria" panose="02040503050406030204"/>
-            </a:endParaRPr>
           </a:p>
         </p:txBody>
       </p:sp>
@@ -4400,7 +4113,7 @@
           <a:prstGeom prst="rect">
             <a:avLst/>
           </a:prstGeom>
-          <a:ln w="57150"/>
+          <a:ln w="28575"/>
         </p:spPr>
         <p:style>
           <a:lnRef idx="2">
@@ -4452,12 +4165,13 @@
         </p:nvSpPr>
         <p:spPr>
           <a:xfrm>
-            <a:off x="264000" y="5581246"/>
+            <a:off x="264000" y="4076700"/>
             <a:ext cx="4993800" cy="992209"/>
           </a:xfrm>
           <a:prstGeom prst="rect">
             <a:avLst/>
           </a:prstGeom>
+          <a:ln w="57150"/>
         </p:spPr>
         <p:style>
           <a:lnRef idx="2">
@@ -4509,7 +4223,7 @@
         </p:nvSpPr>
         <p:spPr>
           <a:xfrm>
-            <a:off x="951687" y="4156615"/>
+            <a:off x="951687" y="5219700"/>
             <a:ext cx="4270713" cy="312196"/>
           </a:xfrm>
           <a:prstGeom prst="rect">
@@ -4551,7 +4265,7 @@
         </p:nvSpPr>
         <p:spPr>
           <a:xfrm>
-            <a:off x="712065" y="4226713"/>
+            <a:off x="712065" y="5289798"/>
             <a:ext cx="160088" cy="190810"/>
           </a:xfrm>
           <a:prstGeom prst="chevron">
@@ -4593,13 +4307,13 @@
         </p:nvSpPr>
         <p:spPr>
           <a:xfrm>
-            <a:off x="951687" y="4561572"/>
+            <a:off x="951687" y="5624657"/>
             <a:ext cx="4270713" cy="312196"/>
           </a:xfrm>
           <a:prstGeom prst="rect">
             <a:avLst/>
           </a:prstGeom>
-          <a:ln w="57150"/>
+          <a:ln w="28575"/>
         </p:spPr>
         <p:style>
           <a:lnRef idx="2">
@@ -4635,12 +4349,13 @@
         </p:nvSpPr>
         <p:spPr>
           <a:xfrm>
-            <a:off x="961189" y="4960823"/>
+            <a:off x="961189" y="6023908"/>
             <a:ext cx="4270713" cy="312196"/>
           </a:xfrm>
           <a:prstGeom prst="rect">
             <a:avLst/>
           </a:prstGeom>
+          <a:ln w="28575"/>
         </p:spPr>
         <p:style>
           <a:lnRef idx="2">
@@ -4676,13 +4391,12 @@
         </p:nvSpPr>
         <p:spPr>
           <a:xfrm>
-            <a:off x="712065" y="4622265"/>
+            <a:off x="712065" y="5685350"/>
             <a:ext cx="160088" cy="190810"/>
           </a:xfrm>
           <a:prstGeom prst="chevron">
             <a:avLst/>
           </a:prstGeom>
-          <a:ln w="57150"/>
         </p:spPr>
         <p:style>
           <a:lnRef idx="2">
@@ -4719,7 +4433,7 @@
         </p:nvSpPr>
         <p:spPr>
           <a:xfrm>
-            <a:off x="712065" y="5006448"/>
+            <a:off x="712065" y="6069533"/>
             <a:ext cx="160088" cy="190810"/>
           </a:xfrm>
           <a:prstGeom prst="chevron">
@@ -4755,71 +4469,168 @@
       </p:sp>
       <p:sp>
         <p:nvSpPr>
-          <p:cNvPr id="20" name="object 5">
-            <a:extLst>
-              <a:ext uri="{FF2B5EF4-FFF2-40B4-BE49-F238E27FC236}">
-                <a16:creationId xmlns:a16="http://schemas.microsoft.com/office/drawing/2014/main" id="{72F22382-F02A-DEBE-1E87-409FC6A1B9B6}"/>
-              </a:ext>
-            </a:extLst>
-          </p:cNvPr>
-          <p:cNvSpPr txBox="1"/>
-          <p:nvPr/>
-        </p:nvSpPr>
-        <p:spPr>
-          <a:xfrm>
-            <a:off x="6833664" y="2105677"/>
-            <a:ext cx="10235136" cy="3167342"/>
+          <p:cNvPr id="20" name="Rectangle 19"/>
+          <p:cNvSpPr/>
+          <p:nvPr/>
+        </p:nvSpPr>
+        <p:spPr>
+          <a:xfrm>
+            <a:off x="961189" y="6438900"/>
+            <a:ext cx="4270713" cy="312196"/>
           </a:xfrm>
           <a:prstGeom prst="rect">
             <a:avLst/>
           </a:prstGeom>
-        </p:spPr>
-        <p:txBody>
-          <a:bodyPr vert="horz" wrap="square" lIns="0" tIns="12065" rIns="0" bIns="0" rtlCol="0">
-            <a:spAutoFit/>
-          </a:bodyPr>
-          <a:lstStyle/>
-          <a:p>
-            <a:pPr algn="just">
-              <a:lnSpc>
-                <a:spcPct val="200000"/>
-              </a:lnSpc>
-              <a:spcAft>
-                <a:spcPts val="800"/>
-              </a:spcAft>
-            </a:pPr>
+          <a:ln w="28575"/>
+        </p:spPr>
+        <p:style>
+          <a:lnRef idx="2">
+            <a:schemeClr val="dk1"/>
+          </a:lnRef>
+          <a:fillRef idx="1">
+            <a:schemeClr val="lt1"/>
+          </a:fillRef>
+          <a:effectRef idx="0">
+            <a:schemeClr val="dk1"/>
+          </a:effectRef>
+          <a:fontRef idx="minor">
+            <a:schemeClr val="dk1"/>
+          </a:fontRef>
+        </p:style>
+        <p:txBody>
+          <a:bodyPr rtlCol="0" anchor="ctr"/>
+          <a:lstStyle/>
+          <a:p>
+            <a:pPr algn="ctr"/>
             <a:r>
-              <a:rPr lang="en-US" sz="3600" dirty="0">
-                <a:effectLst/>
-                <a:latin typeface="Times New Roman" panose="02020603050405020304" pitchFamily="18" charset="0"/>
-                <a:ea typeface="Times New Roman" panose="02020603050405020304" pitchFamily="18" charset="0"/>
-                <a:cs typeface="Times New Roman" panose="02020603050405020304" pitchFamily="18" charset="0"/>
-              </a:rPr>
-              <a:t>Acquire the data about the Provinces who had the greatest and least number of affected individuals per typhoon (</a:t>
+              <a:rPr lang="en-US" dirty="0"/>
+              <a:t>Objective 4</a:t>
             </a:r>
+          </a:p>
+        </p:txBody>
+      </p:sp>
+      <p:sp>
+        <p:nvSpPr>
+          <p:cNvPr id="21" name="Arrow: Chevron 20"/>
+          <p:cNvSpPr/>
+          <p:nvPr/>
+        </p:nvSpPr>
+        <p:spPr>
+          <a:xfrm>
+            <a:off x="721567" y="6508998"/>
+            <a:ext cx="160088" cy="190810"/>
+          </a:xfrm>
+          <a:prstGeom prst="chevron">
+            <a:avLst/>
+          </a:prstGeom>
+        </p:spPr>
+        <p:style>
+          <a:lnRef idx="2">
+            <a:schemeClr val="dk1"/>
+          </a:lnRef>
+          <a:fillRef idx="1">
+            <a:schemeClr val="lt1"/>
+          </a:fillRef>
+          <a:effectRef idx="0">
+            <a:schemeClr val="dk1"/>
+          </a:effectRef>
+          <a:fontRef idx="minor">
+            <a:schemeClr val="dk1"/>
+          </a:fontRef>
+        </p:style>
+        <p:txBody>
+          <a:bodyPr rtlCol="0" anchor="ctr"/>
+          <a:lstStyle/>
+          <a:p>
+            <a:pPr algn="ctr"/>
+            <a:endParaRPr lang="en-US">
+              <a:solidFill>
+                <a:schemeClr val="tx1"/>
+              </a:solidFill>
+            </a:endParaRPr>
+          </a:p>
+        </p:txBody>
+      </p:sp>
+      <p:sp>
+        <p:nvSpPr>
+          <p:cNvPr id="22" name="Rectangle 21"/>
+          <p:cNvSpPr/>
+          <p:nvPr/>
+        </p:nvSpPr>
+        <p:spPr>
+          <a:xfrm>
+            <a:off x="961189" y="6843857"/>
+            <a:ext cx="4270713" cy="312196"/>
+          </a:xfrm>
+          <a:prstGeom prst="rect">
+            <a:avLst/>
+          </a:prstGeom>
+          <a:ln w="28575"/>
+        </p:spPr>
+        <p:style>
+          <a:lnRef idx="2">
+            <a:schemeClr val="dk1"/>
+          </a:lnRef>
+          <a:fillRef idx="1">
+            <a:schemeClr val="lt1"/>
+          </a:fillRef>
+          <a:effectRef idx="0">
+            <a:schemeClr val="dk1"/>
+          </a:effectRef>
+          <a:fontRef idx="minor">
+            <a:schemeClr val="dk1"/>
+          </a:fontRef>
+        </p:style>
+        <p:txBody>
+          <a:bodyPr rtlCol="0" anchor="ctr"/>
+          <a:lstStyle/>
+          <a:p>
+            <a:pPr algn="ctr"/>
             <a:r>
-              <a:rPr lang="en-US" sz="3600" dirty="0" err="1">
-                <a:effectLst/>
-                <a:latin typeface="Times New Roman" panose="02020603050405020304" pitchFamily="18" charset="0"/>
-                <a:ea typeface="Times New Roman" panose="02020603050405020304" pitchFamily="18" charset="0"/>
-                <a:cs typeface="Times New Roman" panose="02020603050405020304" pitchFamily="18" charset="0"/>
-              </a:rPr>
-              <a:t>Affected_Pers</a:t>
+              <a:rPr lang="en-US" dirty="0"/>
+              <a:t>Objective 5</a:t>
             </a:r>
-            <a:r>
-              <a:rPr lang="en-US" sz="3600" dirty="0">
-                <a:effectLst/>
-                <a:latin typeface="Times New Roman" panose="02020603050405020304" pitchFamily="18" charset="0"/>
-                <a:ea typeface="Times New Roman" panose="02020603050405020304" pitchFamily="18" charset="0"/>
-                <a:cs typeface="Times New Roman" panose="02020603050405020304" pitchFamily="18" charset="0"/>
-              </a:rPr>
-              <a:t>).</a:t>
-            </a:r>
-            <a:endParaRPr lang="en-US" sz="4800" dirty="0">
-              <a:effectLst/>
-              <a:latin typeface="Times New Roman" panose="02020603050405020304" pitchFamily="18" charset="0"/>
-              <a:ea typeface="Calibri" panose="020F0502020204030204" pitchFamily="34" charset="0"/>
-              <a:cs typeface="Times New Roman" panose="02020603050405020304" pitchFamily="18" charset="0"/>
+          </a:p>
+        </p:txBody>
+      </p:sp>
+      <p:sp>
+        <p:nvSpPr>
+          <p:cNvPr id="27" name="Arrow: Chevron 26"/>
+          <p:cNvSpPr/>
+          <p:nvPr/>
+        </p:nvSpPr>
+        <p:spPr>
+          <a:xfrm>
+            <a:off x="721567" y="6904550"/>
+            <a:ext cx="160088" cy="190810"/>
+          </a:xfrm>
+          <a:prstGeom prst="chevron">
+            <a:avLst/>
+          </a:prstGeom>
+        </p:spPr>
+        <p:style>
+          <a:lnRef idx="2">
+            <a:schemeClr val="dk1"/>
+          </a:lnRef>
+          <a:fillRef idx="1">
+            <a:schemeClr val="lt1"/>
+          </a:fillRef>
+          <a:effectRef idx="0">
+            <a:schemeClr val="dk1"/>
+          </a:effectRef>
+          <a:fontRef idx="minor">
+            <a:schemeClr val="dk1"/>
+          </a:fontRef>
+        </p:style>
+        <p:txBody>
+          <a:bodyPr rtlCol="0" anchor="ctr"/>
+          <a:lstStyle/>
+          <a:p>
+            <a:pPr algn="ctr"/>
+            <a:endParaRPr lang="en-US">
+              <a:solidFill>
+                <a:schemeClr val="tx1"/>
+              </a:solidFill>
             </a:endParaRPr>
           </a:p>
         </p:txBody>
@@ -4833,7 +4644,7 @@
 </file>
 
 <file path=ppt/slides/slide12.xml><?xml version="1.0" encoding="utf-8"?>
-<p:sld xmlns:a="http://schemas.openxmlformats.org/drawingml/2006/main" xmlns:r="http://schemas.openxmlformats.org/officeDocument/2006/relationships" xmlns:p="http://schemas.openxmlformats.org/presentationml/2006/main" showMasterSp="0">
+<p:sld xmlns:a="http://schemas.openxmlformats.org/drawingml/2006/main" xmlns:r="http://schemas.openxmlformats.org/officeDocument/2006/relationships" xmlns:p="http://schemas.openxmlformats.org/presentationml/2006/main">
   <p:cSld>
     <p:spTree>
       <p:nvGrpSpPr>
@@ -4851,91 +4662,13 @@
       </p:grpSpPr>
       <p:sp>
         <p:nvSpPr>
-          <p:cNvPr id="32" name="Rectangle 31"/>
-          <p:cNvSpPr/>
-          <p:nvPr/>
-        </p:nvSpPr>
-        <p:spPr>
-          <a:xfrm>
-            <a:off x="12096848" y="8343900"/>
-            <a:ext cx="5671748" cy="1752600"/>
-          </a:xfrm>
-          <a:prstGeom prst="rect">
-            <a:avLst/>
-          </a:prstGeom>
-          <a:ln w="38100"/>
-        </p:spPr>
-        <p:style>
-          <a:lnRef idx="2">
-            <a:schemeClr val="dk1"/>
-          </a:lnRef>
-          <a:fillRef idx="1">
-            <a:schemeClr val="lt1"/>
-          </a:fillRef>
-          <a:effectRef idx="0">
-            <a:schemeClr val="dk1"/>
-          </a:effectRef>
-          <a:fontRef idx="minor">
-            <a:schemeClr val="dk1"/>
-          </a:fontRef>
-        </p:style>
-        <p:txBody>
-          <a:bodyPr rtlCol="0" anchor="ctr"/>
-          <a:lstStyle/>
-          <a:p>
-            <a:pPr algn="ctr"/>
-            <a:endParaRPr lang="en-PH" dirty="0"/>
-          </a:p>
-        </p:txBody>
-      </p:sp>
-      <p:sp>
-        <p:nvSpPr>
-          <p:cNvPr id="4" name="Rectangle 3"/>
-          <p:cNvSpPr/>
-          <p:nvPr/>
-        </p:nvSpPr>
-        <p:spPr>
-          <a:xfrm>
-            <a:off x="6096000" y="8343900"/>
-            <a:ext cx="5671748" cy="1752600"/>
-          </a:xfrm>
-          <a:prstGeom prst="rect">
-            <a:avLst/>
-          </a:prstGeom>
-          <a:ln w="38100"/>
-        </p:spPr>
-        <p:style>
-          <a:lnRef idx="2">
-            <a:schemeClr val="dk1"/>
-          </a:lnRef>
-          <a:fillRef idx="1">
-            <a:schemeClr val="lt1"/>
-          </a:fillRef>
-          <a:effectRef idx="0">
-            <a:schemeClr val="dk1"/>
-          </a:effectRef>
-          <a:fontRef idx="minor">
-            <a:schemeClr val="dk1"/>
-          </a:fontRef>
-        </p:style>
-        <p:txBody>
-          <a:bodyPr rtlCol="0" anchor="ctr"/>
-          <a:lstStyle/>
-          <a:p>
-            <a:pPr algn="ctr"/>
-            <a:endParaRPr lang="en-PH" dirty="0"/>
-          </a:p>
-        </p:txBody>
-      </p:sp>
-      <p:sp>
-        <p:nvSpPr>
           <p:cNvPr id="2" name="object 2"/>
           <p:cNvSpPr/>
           <p:nvPr/>
         </p:nvSpPr>
         <p:spPr>
           <a:xfrm>
-            <a:off x="0" y="0"/>
+            <a:off x="0" y="-22178"/>
             <a:ext cx="5638800" cy="10287000"/>
           </a:xfrm>
           <a:custGeom>
@@ -4977,1131 +4710,6 @@
           </a:p>
         </p:txBody>
       </p:sp>
-      <p:grpSp>
-        <p:nvGrpSpPr>
-          <p:cNvPr id="17" name="object 17"/>
-          <p:cNvGrpSpPr/>
-          <p:nvPr/>
-        </p:nvGrpSpPr>
-        <p:grpSpPr>
-          <a:xfrm>
-            <a:off x="951690" y="1028700"/>
-            <a:ext cx="4175760" cy="9258300"/>
-            <a:chOff x="951690" y="1028700"/>
-            <a:chExt cx="4175760" cy="9258300"/>
-          </a:xfrm>
-        </p:grpSpPr>
-        <p:sp>
-          <p:nvSpPr>
-            <p:cNvPr id="18" name="object 18"/>
-            <p:cNvSpPr/>
-            <p:nvPr/>
-          </p:nvSpPr>
-          <p:spPr>
-            <a:xfrm>
-              <a:off x="4489132" y="8144128"/>
-              <a:ext cx="638175" cy="2143125"/>
-            </a:xfrm>
-            <a:custGeom>
-              <a:avLst/>
-              <a:gdLst/>
-              <a:ahLst/>
-              <a:cxnLst/>
-              <a:rect l="l" t="t" r="r" b="b"/>
-              <a:pathLst>
-                <a:path w="638175" h="2143125">
-                  <a:moveTo>
-                    <a:pt x="627545" y="2142871"/>
-                  </a:moveTo>
-                  <a:lnTo>
-                    <a:pt x="469595" y="1984133"/>
-                  </a:lnTo>
-                  <a:lnTo>
-                    <a:pt x="319087" y="1832864"/>
-                  </a:lnTo>
-                  <a:lnTo>
-                    <a:pt x="10642" y="2142871"/>
-                  </a:lnTo>
-                  <a:lnTo>
-                    <a:pt x="161137" y="2142871"/>
-                  </a:lnTo>
-                  <a:lnTo>
-                    <a:pt x="319087" y="1984133"/>
-                  </a:lnTo>
-                  <a:lnTo>
-                    <a:pt x="477037" y="2142871"/>
-                  </a:lnTo>
-                  <a:lnTo>
-                    <a:pt x="627545" y="2142871"/>
-                  </a:lnTo>
-                  <a:close/>
-                </a:path>
-                <a:path w="638175" h="2143125">
-                  <a:moveTo>
-                    <a:pt x="638175" y="1695348"/>
-                  </a:moveTo>
-                  <a:lnTo>
-                    <a:pt x="319087" y="1374648"/>
-                  </a:lnTo>
-                  <a:lnTo>
-                    <a:pt x="0" y="1695348"/>
-                  </a:lnTo>
-                  <a:lnTo>
-                    <a:pt x="75260" y="1770976"/>
-                  </a:lnTo>
-                  <a:lnTo>
-                    <a:pt x="319087" y="1525917"/>
-                  </a:lnTo>
-                  <a:lnTo>
-                    <a:pt x="562927" y="1770976"/>
-                  </a:lnTo>
-                  <a:lnTo>
-                    <a:pt x="638175" y="1695348"/>
-                  </a:lnTo>
-                  <a:close/>
-                </a:path>
-                <a:path w="638175" h="2143125">
-                  <a:moveTo>
-                    <a:pt x="638175" y="1237132"/>
-                  </a:moveTo>
-                  <a:lnTo>
-                    <a:pt x="319087" y="916432"/>
-                  </a:lnTo>
-                  <a:lnTo>
-                    <a:pt x="0" y="1237132"/>
-                  </a:lnTo>
-                  <a:lnTo>
-                    <a:pt x="75260" y="1312760"/>
-                  </a:lnTo>
-                  <a:lnTo>
-                    <a:pt x="319087" y="1067689"/>
-                  </a:lnTo>
-                  <a:lnTo>
-                    <a:pt x="562927" y="1312760"/>
-                  </a:lnTo>
-                  <a:lnTo>
-                    <a:pt x="638175" y="1237132"/>
-                  </a:lnTo>
-                  <a:close/>
-                </a:path>
-                <a:path w="638175" h="2143125">
-                  <a:moveTo>
-                    <a:pt x="638175" y="778916"/>
-                  </a:moveTo>
-                  <a:lnTo>
-                    <a:pt x="319087" y="458216"/>
-                  </a:lnTo>
-                  <a:lnTo>
-                    <a:pt x="0" y="778916"/>
-                  </a:lnTo>
-                  <a:lnTo>
-                    <a:pt x="75260" y="854544"/>
-                  </a:lnTo>
-                  <a:lnTo>
-                    <a:pt x="319087" y="609485"/>
-                  </a:lnTo>
-                  <a:lnTo>
-                    <a:pt x="562927" y="854544"/>
-                  </a:lnTo>
-                  <a:lnTo>
-                    <a:pt x="638175" y="778916"/>
-                  </a:lnTo>
-                  <a:close/>
-                </a:path>
-                <a:path w="638175" h="2143125">
-                  <a:moveTo>
-                    <a:pt x="638175" y="320700"/>
-                  </a:moveTo>
-                  <a:lnTo>
-                    <a:pt x="319087" y="0"/>
-                  </a:lnTo>
-                  <a:lnTo>
-                    <a:pt x="0" y="320700"/>
-                  </a:lnTo>
-                  <a:lnTo>
-                    <a:pt x="75260" y="396328"/>
-                  </a:lnTo>
-                  <a:lnTo>
-                    <a:pt x="319087" y="151269"/>
-                  </a:lnTo>
-                  <a:lnTo>
-                    <a:pt x="562927" y="396328"/>
-                  </a:lnTo>
-                  <a:lnTo>
-                    <a:pt x="638175" y="320700"/>
-                  </a:lnTo>
-                  <a:close/>
-                </a:path>
-              </a:pathLst>
-            </a:custGeom>
-            <a:solidFill>
-              <a:schemeClr val="bg1"/>
-            </a:solidFill>
-          </p:spPr>
-          <p:txBody>
-            <a:bodyPr wrap="square" lIns="0" tIns="0" rIns="0" bIns="0" rtlCol="0"/>
-            <a:lstStyle/>
-            <a:p>
-              <a:endParaRPr dirty="0"/>
-            </a:p>
-          </p:txBody>
-        </p:sp>
-        <p:sp>
-          <p:nvSpPr>
-            <p:cNvPr id="19" name="object 19"/>
-            <p:cNvSpPr/>
-            <p:nvPr/>
-          </p:nvSpPr>
-          <p:spPr>
-            <a:xfrm>
-              <a:off x="951687" y="1028712"/>
-              <a:ext cx="466090" cy="304800"/>
-            </a:xfrm>
-            <a:custGeom>
-              <a:avLst/>
-              <a:gdLst/>
-              <a:ahLst/>
-              <a:cxnLst/>
-              <a:rect l="l" t="t" r="r" b="b"/>
-              <a:pathLst>
-                <a:path w="466090" h="304800">
-                  <a:moveTo>
-                    <a:pt x="465823" y="254000"/>
-                  </a:moveTo>
-                  <a:lnTo>
-                    <a:pt x="0" y="254000"/>
-                  </a:lnTo>
-                  <a:lnTo>
-                    <a:pt x="0" y="304800"/>
-                  </a:lnTo>
-                  <a:lnTo>
-                    <a:pt x="465823" y="304800"/>
-                  </a:lnTo>
-                  <a:lnTo>
-                    <a:pt x="465823" y="254000"/>
-                  </a:lnTo>
-                  <a:close/>
-                </a:path>
-                <a:path w="466090" h="304800">
-                  <a:moveTo>
-                    <a:pt x="465823" y="127000"/>
-                  </a:moveTo>
-                  <a:lnTo>
-                    <a:pt x="0" y="127000"/>
-                  </a:lnTo>
-                  <a:lnTo>
-                    <a:pt x="0" y="177800"/>
-                  </a:lnTo>
-                  <a:lnTo>
-                    <a:pt x="465823" y="177800"/>
-                  </a:lnTo>
-                  <a:lnTo>
-                    <a:pt x="465823" y="127000"/>
-                  </a:lnTo>
-                  <a:close/>
-                </a:path>
-                <a:path w="466090" h="304800">
-                  <a:moveTo>
-                    <a:pt x="465823" y="0"/>
-                  </a:moveTo>
-                  <a:lnTo>
-                    <a:pt x="0" y="0"/>
-                  </a:lnTo>
-                  <a:lnTo>
-                    <a:pt x="0" y="50800"/>
-                  </a:lnTo>
-                  <a:lnTo>
-                    <a:pt x="465823" y="50800"/>
-                  </a:lnTo>
-                  <a:lnTo>
-                    <a:pt x="465823" y="0"/>
-                  </a:lnTo>
-                  <a:close/>
-                </a:path>
-              </a:pathLst>
-            </a:custGeom>
-            <a:solidFill>
-              <a:srgbClr val="FFFFFF"/>
-            </a:solidFill>
-          </p:spPr>
-          <p:txBody>
-            <a:bodyPr wrap="square" lIns="0" tIns="0" rIns="0" bIns="0" rtlCol="0"/>
-            <a:lstStyle/>
-            <a:p>
-              <a:endParaRPr/>
-            </a:p>
-          </p:txBody>
-        </p:sp>
-      </p:grpSp>
-      <p:sp>
-        <p:nvSpPr>
-          <p:cNvPr id="23" name="object 17"/>
-          <p:cNvSpPr txBox="1"/>
-          <p:nvPr/>
-        </p:nvSpPr>
-        <p:spPr>
-          <a:xfrm rot="5400000">
-            <a:off x="2537575" y="-314474"/>
-            <a:ext cx="923330" cy="5279120"/>
-          </a:xfrm>
-          <a:prstGeom prst="rect">
-            <a:avLst/>
-          </a:prstGeom>
-        </p:spPr>
-        <p:txBody>
-          <a:bodyPr vert="vert270" wrap="square" lIns="0" tIns="16510" rIns="0" bIns="0" rtlCol="0">
-            <a:spAutoFit/>
-          </a:bodyPr>
-          <a:lstStyle/>
-          <a:p>
-            <a:pPr marL="12700">
-              <a:lnSpc>
-                <a:spcPct val="100000"/>
-              </a:lnSpc>
-              <a:spcBef>
-                <a:spcPts val="130"/>
-              </a:spcBef>
-            </a:pPr>
-            <a:r>
-              <a:rPr lang="en-PH" sz="6000" b="1" spc="-70" dirty="0">
-                <a:solidFill>
-                  <a:schemeClr val="accent4">
-                    <a:lumMod val="50000"/>
-                  </a:schemeClr>
-                </a:solidFill>
-                <a:latin typeface="Tahoma" panose="020B0604030504040204"/>
-                <a:cs typeface="Tahoma" panose="020B0604030504040204"/>
-              </a:rPr>
-              <a:t>OBJECTIVES</a:t>
-            </a:r>
-            <a:endParaRPr sz="6000" dirty="0">
-              <a:solidFill>
-                <a:schemeClr val="accent4">
-                  <a:lumMod val="50000"/>
-                </a:schemeClr>
-              </a:solidFill>
-              <a:latin typeface="Tahoma" panose="020B0604030504040204"/>
-              <a:cs typeface="Tahoma" panose="020B0604030504040204"/>
-            </a:endParaRPr>
-          </a:p>
-        </p:txBody>
-      </p:sp>
-      <p:sp>
-        <p:nvSpPr>
-          <p:cNvPr id="24" name="Rectangle 23"/>
-          <p:cNvSpPr/>
-          <p:nvPr/>
-        </p:nvSpPr>
-        <p:spPr>
-          <a:xfrm>
-            <a:off x="228600" y="3196933"/>
-            <a:ext cx="5029200" cy="727368"/>
-          </a:xfrm>
-          <a:prstGeom prst="rect">
-            <a:avLst/>
-          </a:prstGeom>
-          <a:ln w="57150"/>
-        </p:spPr>
-        <p:style>
-          <a:lnRef idx="2">
-            <a:schemeClr val="dk1"/>
-          </a:lnRef>
-          <a:fillRef idx="1">
-            <a:schemeClr val="lt1"/>
-          </a:fillRef>
-          <a:effectRef idx="0">
-            <a:schemeClr val="dk1"/>
-          </a:effectRef>
-          <a:fontRef idx="minor">
-            <a:schemeClr val="dk1"/>
-          </a:fontRef>
-        </p:style>
-        <p:txBody>
-          <a:bodyPr rtlCol="0" anchor="ctr"/>
-          <a:lstStyle/>
-          <a:p>
-            <a:pPr marL="0" marR="0" algn="ctr">
-              <a:spcBef>
-                <a:spcPts val="0"/>
-              </a:spcBef>
-              <a:spcAft>
-                <a:spcPts val="0"/>
-              </a:spcAft>
-            </a:pPr>
-            <a:r>
-              <a:rPr lang="en-US" sz="2000" u="sng" dirty="0">
-                <a:effectLst/>
-                <a:latin typeface="Times New Roman" panose="02020603050405020304" pitchFamily="18" charset="0"/>
-                <a:ea typeface="Times New Roman" panose="02020603050405020304" pitchFamily="18" charset="0"/>
-              </a:rPr>
-              <a:t>Humanitarian Data Exchange Data set about Philippines (2019)</a:t>
-            </a:r>
-            <a:endParaRPr lang="en-US" sz="2000" dirty="0">
-              <a:effectLst/>
-              <a:latin typeface="Calibri" panose="020F0502020204030204" pitchFamily="34" charset="0"/>
-              <a:ea typeface="Calibri" panose="020F0502020204030204" pitchFamily="34" charset="0"/>
-            </a:endParaRPr>
-          </a:p>
-        </p:txBody>
-      </p:sp>
-      <p:sp>
-        <p:nvSpPr>
-          <p:cNvPr id="25" name="Rectangle 24"/>
-          <p:cNvSpPr/>
-          <p:nvPr/>
-        </p:nvSpPr>
-        <p:spPr>
-          <a:xfrm>
-            <a:off x="264000" y="5581246"/>
-            <a:ext cx="4993800" cy="992209"/>
-          </a:xfrm>
-          <a:prstGeom prst="rect">
-            <a:avLst/>
-          </a:prstGeom>
-        </p:spPr>
-        <p:style>
-          <a:lnRef idx="2">
-            <a:schemeClr val="dk1"/>
-          </a:lnRef>
-          <a:fillRef idx="1">
-            <a:schemeClr val="lt1"/>
-          </a:fillRef>
-          <a:effectRef idx="0">
-            <a:schemeClr val="dk1"/>
-          </a:effectRef>
-          <a:fontRef idx="minor">
-            <a:schemeClr val="dk1"/>
-          </a:fontRef>
-        </p:style>
-        <p:txBody>
-          <a:bodyPr rtlCol="0" anchor="ctr"/>
-          <a:lstStyle/>
-          <a:p>
-            <a:pPr marL="0" marR="0" algn="ctr">
-              <a:spcBef>
-                <a:spcPts val="0"/>
-              </a:spcBef>
-              <a:spcAft>
-                <a:spcPts val="0"/>
-              </a:spcAft>
-            </a:pPr>
-            <a:r>
-              <a:rPr lang="en-US" sz="1800" u="sng" dirty="0">
-                <a:effectLst/>
-                <a:latin typeface="Times New Roman" panose="02020603050405020304" pitchFamily="18" charset="0"/>
-                <a:ea typeface="Times New Roman" panose="02020603050405020304" pitchFamily="18" charset="0"/>
-              </a:rPr>
-              <a:t>The Centre for Research on the Epidemiology of Disasters' Data set about the American Typhoons (2000-2022)</a:t>
-            </a:r>
-            <a:endParaRPr lang="en-US" sz="1800" u="sng" dirty="0">
-              <a:effectLst/>
-              <a:latin typeface="Calibri" panose="020F0502020204030204" pitchFamily="34" charset="0"/>
-              <a:ea typeface="Calibri" panose="020F0502020204030204" pitchFamily="34" charset="0"/>
-            </a:endParaRPr>
-          </a:p>
-        </p:txBody>
-      </p:sp>
-      <p:sp>
-        <p:nvSpPr>
-          <p:cNvPr id="16" name="Rectangle 15"/>
-          <p:cNvSpPr/>
-          <p:nvPr/>
-        </p:nvSpPr>
-        <p:spPr>
-          <a:xfrm>
-            <a:off x="951687" y="4156615"/>
-            <a:ext cx="4270713" cy="312196"/>
-          </a:xfrm>
-          <a:prstGeom prst="rect">
-            <a:avLst/>
-          </a:prstGeom>
-          <a:ln w="28575"/>
-        </p:spPr>
-        <p:style>
-          <a:lnRef idx="2">
-            <a:schemeClr val="dk1"/>
-          </a:lnRef>
-          <a:fillRef idx="1">
-            <a:schemeClr val="lt1"/>
-          </a:fillRef>
-          <a:effectRef idx="0">
-            <a:schemeClr val="dk1"/>
-          </a:effectRef>
-          <a:fontRef idx="minor">
-            <a:schemeClr val="dk1"/>
-          </a:fontRef>
-        </p:style>
-        <p:txBody>
-          <a:bodyPr rtlCol="0" anchor="ctr"/>
-          <a:lstStyle/>
-          <a:p>
-            <a:pPr algn="ctr"/>
-            <a:r>
-              <a:rPr lang="en-US" dirty="0"/>
-              <a:t>Objective 1</a:t>
-            </a:r>
-          </a:p>
-        </p:txBody>
-      </p:sp>
-      <p:sp>
-        <p:nvSpPr>
-          <p:cNvPr id="3" name="Arrow: Chevron 2"/>
-          <p:cNvSpPr/>
-          <p:nvPr/>
-        </p:nvSpPr>
-        <p:spPr>
-          <a:xfrm>
-            <a:off x="712065" y="4226713"/>
-            <a:ext cx="160088" cy="190810"/>
-          </a:xfrm>
-          <a:prstGeom prst="chevron">
-            <a:avLst/>
-          </a:prstGeom>
-          <a:ln w="28575"/>
-        </p:spPr>
-        <p:style>
-          <a:lnRef idx="2">
-            <a:schemeClr val="dk1"/>
-          </a:lnRef>
-          <a:fillRef idx="1">
-            <a:schemeClr val="lt1"/>
-          </a:fillRef>
-          <a:effectRef idx="0">
-            <a:schemeClr val="dk1"/>
-          </a:effectRef>
-          <a:fontRef idx="minor">
-            <a:schemeClr val="dk1"/>
-          </a:fontRef>
-        </p:style>
-        <p:txBody>
-          <a:bodyPr rtlCol="0" anchor="ctr"/>
-          <a:lstStyle/>
-          <a:p>
-            <a:pPr algn="ctr"/>
-            <a:endParaRPr lang="en-US" b="1" dirty="0">
-              <a:solidFill>
-                <a:schemeClr val="tx1"/>
-              </a:solidFill>
-            </a:endParaRPr>
-          </a:p>
-        </p:txBody>
-      </p:sp>
-      <p:sp>
-        <p:nvSpPr>
-          <p:cNvPr id="28" name="Rectangle 27"/>
-          <p:cNvSpPr/>
-          <p:nvPr/>
-        </p:nvSpPr>
-        <p:spPr>
-          <a:xfrm>
-            <a:off x="951687" y="4561572"/>
-            <a:ext cx="4270713" cy="312196"/>
-          </a:xfrm>
-          <a:prstGeom prst="rect">
-            <a:avLst/>
-          </a:prstGeom>
-          <a:ln w="57150"/>
-        </p:spPr>
-        <p:style>
-          <a:lnRef idx="2">
-            <a:schemeClr val="dk1"/>
-          </a:lnRef>
-          <a:fillRef idx="1">
-            <a:schemeClr val="lt1"/>
-          </a:fillRef>
-          <a:effectRef idx="0">
-            <a:schemeClr val="dk1"/>
-          </a:effectRef>
-          <a:fontRef idx="minor">
-            <a:schemeClr val="dk1"/>
-          </a:fontRef>
-        </p:style>
-        <p:txBody>
-          <a:bodyPr rtlCol="0" anchor="ctr"/>
-          <a:lstStyle/>
-          <a:p>
-            <a:pPr algn="ctr"/>
-            <a:r>
-              <a:rPr lang="en-US" dirty="0"/>
-              <a:t>Objective 2</a:t>
-            </a:r>
-          </a:p>
-        </p:txBody>
-      </p:sp>
-      <p:sp>
-        <p:nvSpPr>
-          <p:cNvPr id="29" name="Rectangle 28"/>
-          <p:cNvSpPr/>
-          <p:nvPr/>
-        </p:nvSpPr>
-        <p:spPr>
-          <a:xfrm>
-            <a:off x="961189" y="4960823"/>
-            <a:ext cx="4270713" cy="312196"/>
-          </a:xfrm>
-          <a:prstGeom prst="rect">
-            <a:avLst/>
-          </a:prstGeom>
-        </p:spPr>
-        <p:style>
-          <a:lnRef idx="2">
-            <a:schemeClr val="dk1"/>
-          </a:lnRef>
-          <a:fillRef idx="1">
-            <a:schemeClr val="lt1"/>
-          </a:fillRef>
-          <a:effectRef idx="0">
-            <a:schemeClr val="dk1"/>
-          </a:effectRef>
-          <a:fontRef idx="minor">
-            <a:schemeClr val="dk1"/>
-          </a:fontRef>
-        </p:style>
-        <p:txBody>
-          <a:bodyPr rtlCol="0" anchor="ctr"/>
-          <a:lstStyle/>
-          <a:p>
-            <a:pPr algn="ctr"/>
-            <a:r>
-              <a:rPr lang="en-US" dirty="0"/>
-              <a:t>Objective 3</a:t>
-            </a:r>
-          </a:p>
-        </p:txBody>
-      </p:sp>
-      <p:sp>
-        <p:nvSpPr>
-          <p:cNvPr id="30" name="Arrow: Chevron 29"/>
-          <p:cNvSpPr/>
-          <p:nvPr/>
-        </p:nvSpPr>
-        <p:spPr>
-          <a:xfrm>
-            <a:off x="712065" y="4622265"/>
-            <a:ext cx="160088" cy="190810"/>
-          </a:xfrm>
-          <a:prstGeom prst="chevron">
-            <a:avLst/>
-          </a:prstGeom>
-          <a:ln w="57150"/>
-        </p:spPr>
-        <p:style>
-          <a:lnRef idx="2">
-            <a:schemeClr val="dk1"/>
-          </a:lnRef>
-          <a:fillRef idx="1">
-            <a:schemeClr val="lt1"/>
-          </a:fillRef>
-          <a:effectRef idx="0">
-            <a:schemeClr val="dk1"/>
-          </a:effectRef>
-          <a:fontRef idx="minor">
-            <a:schemeClr val="dk1"/>
-          </a:fontRef>
-        </p:style>
-        <p:txBody>
-          <a:bodyPr rtlCol="0" anchor="ctr"/>
-          <a:lstStyle/>
-          <a:p>
-            <a:pPr algn="ctr"/>
-            <a:endParaRPr lang="en-US">
-              <a:solidFill>
-                <a:schemeClr val="tx1"/>
-              </a:solidFill>
-            </a:endParaRPr>
-          </a:p>
-        </p:txBody>
-      </p:sp>
-      <p:sp>
-        <p:nvSpPr>
-          <p:cNvPr id="31" name="Arrow: Chevron 30"/>
-          <p:cNvSpPr/>
-          <p:nvPr/>
-        </p:nvSpPr>
-        <p:spPr>
-          <a:xfrm>
-            <a:off x="712065" y="5006448"/>
-            <a:ext cx="160088" cy="190810"/>
-          </a:xfrm>
-          <a:prstGeom prst="chevron">
-            <a:avLst/>
-          </a:prstGeom>
-        </p:spPr>
-        <p:style>
-          <a:lnRef idx="2">
-            <a:schemeClr val="dk1"/>
-          </a:lnRef>
-          <a:fillRef idx="1">
-            <a:schemeClr val="lt1"/>
-          </a:fillRef>
-          <a:effectRef idx="0">
-            <a:schemeClr val="dk1"/>
-          </a:effectRef>
-          <a:fontRef idx="minor">
-            <a:schemeClr val="dk1"/>
-          </a:fontRef>
-        </p:style>
-        <p:txBody>
-          <a:bodyPr rtlCol="0" anchor="ctr"/>
-          <a:lstStyle/>
-          <a:p>
-            <a:pPr algn="ctr"/>
-            <a:endParaRPr lang="en-US">
-              <a:solidFill>
-                <a:schemeClr val="tx1"/>
-              </a:solidFill>
-            </a:endParaRPr>
-          </a:p>
-        </p:txBody>
-      </p:sp>
-      <p:pic>
-        <p:nvPicPr>
-          <p:cNvPr id="21" name="Picture 20">
-            <a:extLst>
-              <a:ext uri="{FF2B5EF4-FFF2-40B4-BE49-F238E27FC236}">
-                <a16:creationId xmlns:a16="http://schemas.microsoft.com/office/drawing/2014/main" id="{B7B83661-2DA1-49B0-8DEF-C7FAC9A15938}"/>
-              </a:ext>
-            </a:extLst>
-          </p:cNvPr>
-          <p:cNvPicPr>
-            <a:picLocks noChangeAspect="1"/>
-          </p:cNvPicPr>
-          <p:nvPr/>
-        </p:nvPicPr>
-        <p:blipFill>
-          <a:blip r:embed="rId2">
-            <a:extLst>
-              <a:ext uri="{28A0092B-C50C-407E-A947-70E740481C1C}">
-                <a14:useLocalDpi xmlns:a14="http://schemas.microsoft.com/office/drawing/2010/main" val="0"/>
-              </a:ext>
-            </a:extLst>
-          </a:blip>
-          <a:stretch>
-            <a:fillRect/>
-          </a:stretch>
-        </p:blipFill>
-        <p:spPr>
-          <a:xfrm>
-            <a:off x="6139252" y="380370"/>
-            <a:ext cx="11622813" cy="7763758"/>
-          </a:xfrm>
-          <a:prstGeom prst="rect">
-            <a:avLst/>
-          </a:prstGeom>
-          <a:ln w="38100">
-            <a:solidFill>
-              <a:schemeClr val="tx1"/>
-            </a:solidFill>
-          </a:ln>
-        </p:spPr>
-      </p:pic>
-      <p:sp>
-        <p:nvSpPr>
-          <p:cNvPr id="22" name="TextBox 21">
-            <a:extLst>
-              <a:ext uri="{FF2B5EF4-FFF2-40B4-BE49-F238E27FC236}">
-                <a16:creationId xmlns:a16="http://schemas.microsoft.com/office/drawing/2014/main" id="{A7BF7A17-FD23-38D3-68C6-9AA878036510}"/>
-              </a:ext>
-            </a:extLst>
-          </p:cNvPr>
-          <p:cNvSpPr txBox="1"/>
-          <p:nvPr/>
-        </p:nvSpPr>
-        <p:spPr>
-          <a:xfrm>
-            <a:off x="6172200" y="8431768"/>
-            <a:ext cx="1129937" cy="369332"/>
-          </a:xfrm>
-          <a:prstGeom prst="rect">
-            <a:avLst/>
-          </a:prstGeom>
-          <a:noFill/>
-        </p:spPr>
-        <p:txBody>
-          <a:bodyPr wrap="square" rtlCol="0">
-            <a:spAutoFit/>
-          </a:bodyPr>
-          <a:lstStyle/>
-          <a:p>
-            <a:r>
-              <a:rPr lang="en-US" b="1" dirty="0">
-                <a:latin typeface="Century Gothic" panose="020B0502020202020204" pitchFamily="34" charset="0"/>
-                <a:cs typeface="Times New Roman" panose="02020603050405020304" pitchFamily="18" charset="0"/>
-              </a:rPr>
-              <a:t>LEYTE</a:t>
-            </a:r>
-            <a:endParaRPr lang="en-PH" b="1" dirty="0">
-              <a:latin typeface="Century Gothic" panose="020B0502020202020204" pitchFamily="34" charset="0"/>
-              <a:cs typeface="Times New Roman" panose="02020603050405020304" pitchFamily="18" charset="0"/>
-            </a:endParaRPr>
-          </a:p>
-        </p:txBody>
-      </p:sp>
-      <p:sp>
-        <p:nvSpPr>
-          <p:cNvPr id="27" name="TextBox 26">
-            <a:extLst>
-              <a:ext uri="{FF2B5EF4-FFF2-40B4-BE49-F238E27FC236}">
-                <a16:creationId xmlns:a16="http://schemas.microsoft.com/office/drawing/2014/main" id="{6433253D-0A9D-CD0F-A819-6B34060EB65D}"/>
-              </a:ext>
-            </a:extLst>
-          </p:cNvPr>
-          <p:cNvSpPr txBox="1"/>
-          <p:nvPr/>
-        </p:nvSpPr>
-        <p:spPr>
-          <a:xfrm>
-            <a:off x="6934200" y="8865632"/>
-            <a:ext cx="3879532" cy="830997"/>
-          </a:xfrm>
-          <a:prstGeom prst="rect">
-            <a:avLst/>
-          </a:prstGeom>
-          <a:noFill/>
-        </p:spPr>
-        <p:txBody>
-          <a:bodyPr wrap="square" rtlCol="0">
-            <a:spAutoFit/>
-          </a:bodyPr>
-          <a:lstStyle/>
-          <a:p>
-            <a:r>
-              <a:rPr lang="en-PH" sz="4800" b="1" i="0" dirty="0">
-                <a:solidFill>
-                  <a:srgbClr val="202124"/>
-                </a:solidFill>
-                <a:effectLst/>
-                <a:latin typeface="Century Gothic" panose="020B0502020202020204" pitchFamily="34" charset="0"/>
-              </a:rPr>
-              <a:t>772162.0</a:t>
-            </a:r>
-            <a:endParaRPr lang="en-PH" sz="4800" b="1" dirty="0">
-              <a:latin typeface="Century Gothic" panose="020B0502020202020204" pitchFamily="34" charset="0"/>
-              <a:cs typeface="Times New Roman" panose="02020603050405020304" pitchFamily="18" charset="0"/>
-            </a:endParaRPr>
-          </a:p>
-        </p:txBody>
-      </p:sp>
-      <p:sp>
-        <p:nvSpPr>
-          <p:cNvPr id="33" name="TextBox 32">
-            <a:extLst>
-              <a:ext uri="{FF2B5EF4-FFF2-40B4-BE49-F238E27FC236}">
-                <a16:creationId xmlns:a16="http://schemas.microsoft.com/office/drawing/2014/main" id="{57B9DDA5-A36B-2A50-11D1-9E39B85F54A2}"/>
-              </a:ext>
-            </a:extLst>
-          </p:cNvPr>
-          <p:cNvSpPr txBox="1"/>
-          <p:nvPr/>
-        </p:nvSpPr>
-        <p:spPr>
-          <a:xfrm>
-            <a:off x="6781800" y="9521328"/>
-            <a:ext cx="2884469" cy="323165"/>
-          </a:xfrm>
-          <a:prstGeom prst="rect">
-            <a:avLst/>
-          </a:prstGeom>
-          <a:noFill/>
-        </p:spPr>
-        <p:txBody>
-          <a:bodyPr wrap="square" rtlCol="0">
-            <a:spAutoFit/>
-          </a:bodyPr>
-          <a:lstStyle/>
-          <a:p>
-            <a:pPr algn="ctr"/>
-            <a:r>
-              <a:rPr lang="en-US" sz="1500" b="1" dirty="0">
-                <a:latin typeface="Century Gothic" panose="020B0502020202020204" pitchFamily="34" charset="0"/>
-                <a:cs typeface="Times New Roman" panose="02020603050405020304" pitchFamily="18" charset="0"/>
-              </a:rPr>
-              <a:t>AFFECTED INDIVIDUALS</a:t>
-            </a:r>
-            <a:endParaRPr lang="en-PH" sz="1500" b="1" dirty="0">
-              <a:latin typeface="Century Gothic" panose="020B0502020202020204" pitchFamily="34" charset="0"/>
-              <a:cs typeface="Times New Roman" panose="02020603050405020304" pitchFamily="18" charset="0"/>
-            </a:endParaRPr>
-          </a:p>
-        </p:txBody>
-      </p:sp>
-      <p:pic>
-        <p:nvPicPr>
-          <p:cNvPr id="34" name="Picture 33">
-            <a:extLst>
-              <a:ext uri="{FF2B5EF4-FFF2-40B4-BE49-F238E27FC236}">
-                <a16:creationId xmlns:a16="http://schemas.microsoft.com/office/drawing/2014/main" id="{B1976F6A-5BEA-7912-2852-8153E1C7EDF9}"/>
-              </a:ext>
-            </a:extLst>
-          </p:cNvPr>
-          <p:cNvPicPr>
-            <a:picLocks noChangeAspect="1"/>
-          </p:cNvPicPr>
-          <p:nvPr/>
-        </p:nvPicPr>
-        <p:blipFill>
-          <a:blip r:embed="rId3" cstate="print">
-            <a:extLst>
-              <a:ext uri="{28A0092B-C50C-407E-A947-70E740481C1C}">
-                <a14:useLocalDpi xmlns:a14="http://schemas.microsoft.com/office/drawing/2010/main" val="0"/>
-              </a:ext>
-            </a:extLst>
-          </a:blip>
-          <a:stretch>
-            <a:fillRect/>
-          </a:stretch>
-        </p:blipFill>
-        <p:spPr>
-          <a:xfrm>
-            <a:off x="10280799" y="8634683"/>
-            <a:ext cx="1129937" cy="1129937"/>
-          </a:xfrm>
-          <a:prstGeom prst="rect">
-            <a:avLst/>
-          </a:prstGeom>
-        </p:spPr>
-      </p:pic>
-      <p:sp>
-        <p:nvSpPr>
-          <p:cNvPr id="35" name="TextBox 34">
-            <a:extLst>
-              <a:ext uri="{FF2B5EF4-FFF2-40B4-BE49-F238E27FC236}">
-                <a16:creationId xmlns:a16="http://schemas.microsoft.com/office/drawing/2014/main" id="{0D376061-4026-AF73-E5EE-CE5A1ED92DA3}"/>
-              </a:ext>
-            </a:extLst>
-          </p:cNvPr>
-          <p:cNvSpPr txBox="1"/>
-          <p:nvPr/>
-        </p:nvSpPr>
-        <p:spPr>
-          <a:xfrm>
-            <a:off x="12192000" y="8420100"/>
-            <a:ext cx="2024452" cy="369332"/>
-          </a:xfrm>
-          <a:prstGeom prst="rect">
-            <a:avLst/>
-          </a:prstGeom>
-          <a:noFill/>
-        </p:spPr>
-        <p:txBody>
-          <a:bodyPr wrap="square" rtlCol="0">
-            <a:spAutoFit/>
-          </a:bodyPr>
-          <a:lstStyle/>
-          <a:p>
-            <a:r>
-              <a:rPr lang="en-US" b="1" dirty="0">
-                <a:latin typeface="Century Gothic" panose="020B0502020202020204" pitchFamily="34" charset="0"/>
-                <a:cs typeface="Times New Roman" panose="02020603050405020304" pitchFamily="18" charset="0"/>
-              </a:rPr>
-              <a:t>WESTERN SAMAR</a:t>
-            </a:r>
-            <a:endParaRPr lang="en-PH" b="1" dirty="0">
-              <a:latin typeface="Century Gothic" panose="020B0502020202020204" pitchFamily="34" charset="0"/>
-              <a:cs typeface="Times New Roman" panose="02020603050405020304" pitchFamily="18" charset="0"/>
-            </a:endParaRPr>
-          </a:p>
-        </p:txBody>
-      </p:sp>
-      <p:sp>
-        <p:nvSpPr>
-          <p:cNvPr id="36" name="TextBox 35">
-            <a:extLst>
-              <a:ext uri="{FF2B5EF4-FFF2-40B4-BE49-F238E27FC236}">
-                <a16:creationId xmlns:a16="http://schemas.microsoft.com/office/drawing/2014/main" id="{C9BF7799-AEF9-CAC6-63DA-34FCCB9B0C16}"/>
-              </a:ext>
-            </a:extLst>
-          </p:cNvPr>
-          <p:cNvSpPr txBox="1"/>
-          <p:nvPr/>
-        </p:nvSpPr>
-        <p:spPr>
-          <a:xfrm>
-            <a:off x="13079217" y="8877300"/>
-            <a:ext cx="3303783" cy="830997"/>
-          </a:xfrm>
-          <a:prstGeom prst="rect">
-            <a:avLst/>
-          </a:prstGeom>
-          <a:noFill/>
-        </p:spPr>
-        <p:txBody>
-          <a:bodyPr wrap="square" rtlCol="0">
-            <a:spAutoFit/>
-          </a:bodyPr>
-          <a:lstStyle/>
-          <a:p>
-            <a:r>
-              <a:rPr lang="en-PH" sz="4800" b="1" i="0" dirty="0">
-                <a:solidFill>
-                  <a:srgbClr val="202124"/>
-                </a:solidFill>
-                <a:effectLst/>
-                <a:latin typeface="Century Gothic" panose="020B0502020202020204" pitchFamily="34" charset="0"/>
-              </a:rPr>
-              <a:t>483308.0</a:t>
-            </a:r>
-            <a:endParaRPr lang="en-PH" sz="4800" b="1" dirty="0">
-              <a:latin typeface="Century Gothic" panose="020B0502020202020204" pitchFamily="34" charset="0"/>
-              <a:cs typeface="Times New Roman" panose="02020603050405020304" pitchFamily="18" charset="0"/>
-            </a:endParaRPr>
-          </a:p>
-        </p:txBody>
-      </p:sp>
-      <p:sp>
-        <p:nvSpPr>
-          <p:cNvPr id="37" name="TextBox 36">
-            <a:extLst>
-              <a:ext uri="{FF2B5EF4-FFF2-40B4-BE49-F238E27FC236}">
-                <a16:creationId xmlns:a16="http://schemas.microsoft.com/office/drawing/2014/main" id="{54E26ED4-C216-D436-B799-FA283B0ACAC3}"/>
-              </a:ext>
-            </a:extLst>
-          </p:cNvPr>
-          <p:cNvSpPr txBox="1"/>
-          <p:nvPr/>
-        </p:nvSpPr>
-        <p:spPr>
-          <a:xfrm>
-            <a:off x="13030200" y="9535046"/>
-            <a:ext cx="2884469" cy="323165"/>
-          </a:xfrm>
-          <a:prstGeom prst="rect">
-            <a:avLst/>
-          </a:prstGeom>
-          <a:noFill/>
-        </p:spPr>
-        <p:txBody>
-          <a:bodyPr wrap="square" rtlCol="0">
-            <a:spAutoFit/>
-          </a:bodyPr>
-          <a:lstStyle/>
-          <a:p>
-            <a:pPr algn="ctr"/>
-            <a:r>
-              <a:rPr lang="en-US" sz="1500" b="1" dirty="0">
-                <a:latin typeface="Century Gothic" panose="020B0502020202020204" pitchFamily="34" charset="0"/>
-                <a:cs typeface="Times New Roman" panose="02020603050405020304" pitchFamily="18" charset="0"/>
-              </a:rPr>
-              <a:t>AFFECTED INDIVIDUALS</a:t>
-            </a:r>
-            <a:endParaRPr lang="en-PH" sz="1500" b="1" dirty="0">
-              <a:latin typeface="Century Gothic" panose="020B0502020202020204" pitchFamily="34" charset="0"/>
-              <a:cs typeface="Times New Roman" panose="02020603050405020304" pitchFamily="18" charset="0"/>
-            </a:endParaRPr>
-          </a:p>
-        </p:txBody>
-      </p:sp>
-      <p:pic>
-        <p:nvPicPr>
-          <p:cNvPr id="38" name="Picture 37">
-            <a:extLst>
-              <a:ext uri="{FF2B5EF4-FFF2-40B4-BE49-F238E27FC236}">
-                <a16:creationId xmlns:a16="http://schemas.microsoft.com/office/drawing/2014/main" id="{047F70C1-BEB5-8A91-FC0E-3A1DB52B7617}"/>
-              </a:ext>
-            </a:extLst>
-          </p:cNvPr>
-          <p:cNvPicPr>
-            <a:picLocks noChangeAspect="1"/>
-          </p:cNvPicPr>
-          <p:nvPr/>
-        </p:nvPicPr>
-        <p:blipFill>
-          <a:blip r:embed="rId4" cstate="print">
-            <a:extLst>
-              <a:ext uri="{28A0092B-C50C-407E-A947-70E740481C1C}">
-                <a14:useLocalDpi xmlns:a14="http://schemas.microsoft.com/office/drawing/2010/main" val="0"/>
-              </a:ext>
-            </a:extLst>
-          </a:blip>
-          <a:stretch>
-            <a:fillRect/>
-          </a:stretch>
-        </p:blipFill>
-        <p:spPr>
-          <a:xfrm>
-            <a:off x="16078200" y="8543637"/>
-            <a:ext cx="1344105" cy="1344105"/>
-          </a:xfrm>
-          <a:prstGeom prst="rect">
-            <a:avLst/>
-          </a:prstGeom>
-        </p:spPr>
-      </p:pic>
-    </p:spTree>
-  </p:cSld>
-  <p:clrMapOvr>
-    <a:masterClrMapping/>
-  </p:clrMapOvr>
-</p:sld>
-</file>
-
-<file path=ppt/slides/slide13.xml><?xml version="1.0" encoding="utf-8"?>
-<p:sld xmlns:a="http://schemas.openxmlformats.org/drawingml/2006/main" xmlns:r="http://schemas.openxmlformats.org/officeDocument/2006/relationships" xmlns:p="http://schemas.openxmlformats.org/presentationml/2006/main" showMasterSp="0">
-  <p:cSld>
-    <p:spTree>
-      <p:nvGrpSpPr>
-        <p:cNvPr id="1" name=""/>
-        <p:cNvGrpSpPr/>
-        <p:nvPr/>
-      </p:nvGrpSpPr>
-      <p:grpSpPr>
-        <a:xfrm>
-          <a:off x="0" y="0"/>
-          <a:ext cx="0" cy="0"/>
-          <a:chOff x="0" y="0"/>
-          <a:chExt cx="0" cy="0"/>
-        </a:xfrm>
-      </p:grpSpPr>
-      <p:sp>
-        <p:nvSpPr>
-          <p:cNvPr id="2" name="object 2"/>
-          <p:cNvSpPr/>
-          <p:nvPr/>
-        </p:nvSpPr>
-        <p:spPr>
-          <a:xfrm>
-            <a:off x="0" y="0"/>
-            <a:ext cx="5638800" cy="10287000"/>
-          </a:xfrm>
-          <a:custGeom>
-            <a:avLst/>
-            <a:gdLst/>
-            <a:ahLst/>
-            <a:cxnLst/>
-            <a:rect l="l" t="t" r="r" b="b"/>
-            <a:pathLst>
-              <a:path w="4810125" h="10287000">
-                <a:moveTo>
-                  <a:pt x="4810124" y="10286999"/>
-                </a:moveTo>
-                <a:lnTo>
-                  <a:pt x="0" y="10286999"/>
-                </a:lnTo>
-                <a:lnTo>
-                  <a:pt x="0" y="0"/>
-                </a:lnTo>
-                <a:lnTo>
-                  <a:pt x="4810124" y="0"/>
-                </a:lnTo>
-                <a:lnTo>
-                  <a:pt x="4810124" y="10286999"/>
-                </a:lnTo>
-                <a:close/>
-              </a:path>
-            </a:pathLst>
-          </a:custGeom>
-          <a:solidFill>
-            <a:srgbClr val="D5D5D5"/>
-          </a:solidFill>
-        </p:spPr>
-        <p:txBody>
-          <a:bodyPr wrap="square" lIns="0" tIns="0" rIns="0" bIns="0" rtlCol="0"/>
-          <a:lstStyle/>
-          <a:p>
-            <a:endParaRPr dirty="0"/>
-          </a:p>
-        </p:txBody>
-      </p:sp>
       <p:sp>
         <p:nvSpPr>
           <p:cNvPr id="4" name="object 4"/>
@@ -6149,75 +4757,6 @@
           <a:lstStyle/>
           <a:p>
             <a:endParaRPr/>
-          </a:p>
-        </p:txBody>
-      </p:sp>
-      <p:sp>
-        <p:nvSpPr>
-          <p:cNvPr id="7" name="object 7"/>
-          <p:cNvSpPr txBox="1">
-            <a:spLocks noGrp="1"/>
-          </p:cNvSpPr>
-          <p:nvPr>
-            <p:ph type="title"/>
-          </p:nvPr>
-        </p:nvSpPr>
-        <p:spPr>
-          <a:xfrm>
-            <a:off x="6858000" y="1518455"/>
-            <a:ext cx="1091136" cy="689932"/>
-          </a:xfrm>
-          <a:prstGeom prst="rect">
-            <a:avLst/>
-          </a:prstGeom>
-        </p:spPr>
-        <p:txBody>
-          <a:bodyPr vert="horz" wrap="square" lIns="0" tIns="12700" rIns="0" bIns="0" rtlCol="0">
-            <a:spAutoFit/>
-          </a:bodyPr>
-          <a:lstStyle/>
-          <a:p>
-            <a:pPr marL="12700">
-              <a:lnSpc>
-                <a:spcPct val="100000"/>
-              </a:lnSpc>
-              <a:spcBef>
-                <a:spcPts val="100"/>
-              </a:spcBef>
-            </a:pPr>
-            <a:r>
-              <a:rPr lang="en-US" sz="4400" spc="-70" dirty="0">
-                <a:solidFill>
-                  <a:schemeClr val="accent5">
-                    <a:lumMod val="50000"/>
-                  </a:schemeClr>
-                </a:solidFill>
-                <a:latin typeface="Cambria" panose="02040503050406030204"/>
-                <a:cs typeface="Cambria" panose="02040503050406030204"/>
-              </a:rPr>
-              <a:t>0</a:t>
-            </a:r>
-            <a:r>
-              <a:rPr lang="en-US" sz="4400" spc="35" dirty="0">
-                <a:solidFill>
-                  <a:schemeClr val="accent5">
-                    <a:lumMod val="50000"/>
-                  </a:schemeClr>
-                </a:solidFill>
-                <a:latin typeface="Cambria" panose="02040503050406030204"/>
-                <a:cs typeface="Cambria" panose="02040503050406030204"/>
-              </a:rPr>
-              <a:t>3.</a:t>
-            </a:r>
-            <a:endParaRPr lang="en-US" sz="4400" dirty="0">
-              <a:solidFill>
-                <a:schemeClr val="accent5">
-                  <a:lumMod val="50000"/>
-                </a:schemeClr>
-              </a:solidFill>
-              <a:latin typeface="Cambria" panose="02040503050406030204"/>
-              <a:cs typeface="Cambria" panose="02040503050406030204"/>
-            </a:endParaRPr>
           </a:p>
         </p:txBody>
       </p:sp>
@@ -6543,7 +5082,7 @@
           <a:prstGeom prst="rect">
             <a:avLst/>
           </a:prstGeom>
-          <a:ln w="57150"/>
+          <a:ln w="28575"/>
         </p:spPr>
         <p:style>
           <a:lnRef idx="2">
@@ -6595,12 +5134,13 @@
         </p:nvSpPr>
         <p:spPr>
           <a:xfrm>
-            <a:off x="264000" y="5581246"/>
+            <a:off x="264000" y="4076700"/>
             <a:ext cx="4993800" cy="992209"/>
           </a:xfrm>
           <a:prstGeom prst="rect">
             <a:avLst/>
           </a:prstGeom>
+          <a:ln w="57150"/>
         </p:spPr>
         <p:style>
           <a:lnRef idx="2">
@@ -6652,13 +5192,13 @@
         </p:nvSpPr>
         <p:spPr>
           <a:xfrm>
-            <a:off x="951687" y="4156615"/>
+            <a:off x="951687" y="5219700"/>
             <a:ext cx="4270713" cy="312196"/>
           </a:xfrm>
           <a:prstGeom prst="rect">
             <a:avLst/>
           </a:prstGeom>
-          <a:ln w="28575"/>
+          <a:ln w="57150"/>
         </p:spPr>
         <p:style>
           <a:lnRef idx="2">
@@ -6694,12 +5234,13 @@
         </p:nvSpPr>
         <p:spPr>
           <a:xfrm>
-            <a:off x="712065" y="4226713"/>
+            <a:off x="712065" y="5289798"/>
             <a:ext cx="160088" cy="190810"/>
           </a:xfrm>
           <a:prstGeom prst="chevron">
             <a:avLst/>
           </a:prstGeom>
+          <a:ln w="57150"/>
         </p:spPr>
         <p:style>
           <a:lnRef idx="2">
@@ -6736,7 +5277,7 @@
         </p:nvSpPr>
         <p:spPr>
           <a:xfrm>
-            <a:off x="951687" y="4561572"/>
+            <a:off x="951687" y="5624657"/>
             <a:ext cx="4270713" cy="312196"/>
           </a:xfrm>
           <a:prstGeom prst="rect">
@@ -6778,13 +5319,13 @@
         </p:nvSpPr>
         <p:spPr>
           <a:xfrm>
-            <a:off x="961189" y="4960823"/>
+            <a:off x="961189" y="6023908"/>
             <a:ext cx="4270713" cy="312196"/>
           </a:xfrm>
           <a:prstGeom prst="rect">
             <a:avLst/>
           </a:prstGeom>
-          <a:ln w="57150"/>
+          <a:ln w="28575"/>
         </p:spPr>
         <p:style>
           <a:lnRef idx="2">
@@ -6820,7 +5361,7 @@
         </p:nvSpPr>
         <p:spPr>
           <a:xfrm>
-            <a:off x="712065" y="4622265"/>
+            <a:off x="712065" y="5685350"/>
             <a:ext cx="160088" cy="190810"/>
           </a:xfrm>
           <a:prstGeom prst="chevron">
@@ -6862,13 +5403,12 @@
         </p:nvSpPr>
         <p:spPr>
           <a:xfrm>
-            <a:off x="712065" y="5006448"/>
+            <a:off x="712065" y="6069533"/>
             <a:ext cx="160088" cy="190810"/>
           </a:xfrm>
           <a:prstGeom prst="chevron">
             <a:avLst/>
           </a:prstGeom>
-          <a:ln w="57150"/>
         </p:spPr>
         <p:style>
           <a:lnRef idx="2">
@@ -6899,474 +5439,19 @@
       </p:sp>
       <p:sp>
         <p:nvSpPr>
-          <p:cNvPr id="20" name="object 5">
-            <a:extLst>
-              <a:ext uri="{FF2B5EF4-FFF2-40B4-BE49-F238E27FC236}">
-                <a16:creationId xmlns:a16="http://schemas.microsoft.com/office/drawing/2014/main" id="{30F2BF26-D886-B0FE-289D-CA105C2F9884}"/>
-              </a:ext>
-            </a:extLst>
-          </p:cNvPr>
-          <p:cNvSpPr txBox="1"/>
-          <p:nvPr/>
-        </p:nvSpPr>
-        <p:spPr>
-          <a:xfrm>
-            <a:off x="6858000" y="2172338"/>
-            <a:ext cx="10235136" cy="3167342"/>
+          <p:cNvPr id="20" name="Rectangle 19"/>
+          <p:cNvSpPr/>
+          <p:nvPr/>
+        </p:nvSpPr>
+        <p:spPr>
+          <a:xfrm>
+            <a:off x="961189" y="6438900"/>
+            <a:ext cx="4270713" cy="312196"/>
           </a:xfrm>
           <a:prstGeom prst="rect">
             <a:avLst/>
           </a:prstGeom>
-        </p:spPr>
-        <p:txBody>
-          <a:bodyPr vert="horz" wrap="square" lIns="0" tIns="12065" rIns="0" bIns="0" rtlCol="0">
-            <a:spAutoFit/>
-          </a:bodyPr>
-          <a:lstStyle/>
-          <a:p>
-            <a:pPr algn="just">
-              <a:lnSpc>
-                <a:spcPct val="200000"/>
-              </a:lnSpc>
-              <a:spcAft>
-                <a:spcPts val="800"/>
-              </a:spcAft>
-            </a:pPr>
-            <a:r>
-              <a:rPr lang="en-US" sz="3600" dirty="0">
-                <a:effectLst/>
-                <a:latin typeface="Times New Roman" panose="02020603050405020304" pitchFamily="18" charset="0"/>
-                <a:ea typeface="Times New Roman" panose="02020603050405020304" pitchFamily="18" charset="0"/>
-                <a:cs typeface="Times New Roman" panose="02020603050405020304" pitchFamily="18" charset="0"/>
-              </a:rPr>
-              <a:t>Get the information that shows the top 5 municipalities who were most and least affected by typhoons from the year 2019 based from the </a:t>
-            </a:r>
-            <a:r>
-              <a:rPr lang="en-US" sz="3600" dirty="0" err="1">
-                <a:effectLst/>
-                <a:latin typeface="Times New Roman" panose="02020603050405020304" pitchFamily="18" charset="0"/>
-                <a:ea typeface="Times New Roman" panose="02020603050405020304" pitchFamily="18" charset="0"/>
-                <a:cs typeface="Times New Roman" panose="02020603050405020304" pitchFamily="18" charset="0"/>
-              </a:rPr>
-              <a:t>Affected_PERs</a:t>
-            </a:r>
-            <a:r>
-              <a:rPr lang="en-US" sz="3600" dirty="0">
-                <a:effectLst/>
-                <a:latin typeface="Times New Roman" panose="02020603050405020304" pitchFamily="18" charset="0"/>
-                <a:ea typeface="Times New Roman" panose="02020603050405020304" pitchFamily="18" charset="0"/>
-                <a:cs typeface="Times New Roman" panose="02020603050405020304" pitchFamily="18" charset="0"/>
-              </a:rPr>
-              <a:t> x variable. </a:t>
-            </a:r>
-            <a:endParaRPr lang="en-US" sz="4800" dirty="0">
-              <a:effectLst/>
-              <a:latin typeface="Times New Roman" panose="02020603050405020304" pitchFamily="18" charset="0"/>
-              <a:ea typeface="Calibri" panose="020F0502020204030204" pitchFamily="34" charset="0"/>
-              <a:cs typeface="Times New Roman" panose="02020603050405020304" pitchFamily="18" charset="0"/>
-            </a:endParaRPr>
-          </a:p>
-        </p:txBody>
-      </p:sp>
-    </p:spTree>
-  </p:cSld>
-  <p:clrMapOvr>
-    <a:masterClrMapping/>
-  </p:clrMapOvr>
-</p:sld>
-</file>
-
-<file path=ppt/slides/slide14.xml><?xml version="1.0" encoding="utf-8"?>
-<p:sld xmlns:a="http://schemas.openxmlformats.org/drawingml/2006/main" xmlns:r="http://schemas.openxmlformats.org/officeDocument/2006/relationships" xmlns:p="http://schemas.openxmlformats.org/presentationml/2006/main" showMasterSp="0">
-  <p:cSld>
-    <p:spTree>
-      <p:nvGrpSpPr>
-        <p:cNvPr id="1" name=""/>
-        <p:cNvGrpSpPr/>
-        <p:nvPr/>
-      </p:nvGrpSpPr>
-      <p:grpSpPr>
-        <a:xfrm>
-          <a:off x="0" y="0"/>
-          <a:ext cx="0" cy="0"/>
-          <a:chOff x="0" y="0"/>
-          <a:chExt cx="0" cy="0"/>
-        </a:xfrm>
-      </p:grpSpPr>
-      <p:sp>
-        <p:nvSpPr>
-          <p:cNvPr id="2" name="object 2"/>
-          <p:cNvSpPr/>
-          <p:nvPr/>
-        </p:nvSpPr>
-        <p:spPr>
-          <a:xfrm>
-            <a:off x="0" y="0"/>
-            <a:ext cx="5638800" cy="10287000"/>
-          </a:xfrm>
-          <a:custGeom>
-            <a:avLst/>
-            <a:gdLst/>
-            <a:ahLst/>
-            <a:cxnLst/>
-            <a:rect l="l" t="t" r="r" b="b"/>
-            <a:pathLst>
-              <a:path w="4810125" h="10287000">
-                <a:moveTo>
-                  <a:pt x="4810124" y="10286999"/>
-                </a:moveTo>
-                <a:lnTo>
-                  <a:pt x="0" y="10286999"/>
-                </a:lnTo>
-                <a:lnTo>
-                  <a:pt x="0" y="0"/>
-                </a:lnTo>
-                <a:lnTo>
-                  <a:pt x="4810124" y="0"/>
-                </a:lnTo>
-                <a:lnTo>
-                  <a:pt x="4810124" y="10286999"/>
-                </a:lnTo>
-                <a:close/>
-              </a:path>
-            </a:pathLst>
-          </a:custGeom>
-          <a:solidFill>
-            <a:srgbClr val="D5D5D5"/>
-          </a:solidFill>
-        </p:spPr>
-        <p:txBody>
-          <a:bodyPr wrap="square" lIns="0" tIns="0" rIns="0" bIns="0" rtlCol="0"/>
-          <a:lstStyle/>
-          <a:p>
-            <a:endParaRPr dirty="0"/>
-          </a:p>
-        </p:txBody>
-      </p:sp>
-      <p:grpSp>
-        <p:nvGrpSpPr>
-          <p:cNvPr id="17" name="object 17"/>
-          <p:cNvGrpSpPr/>
-          <p:nvPr/>
-        </p:nvGrpSpPr>
-        <p:grpSpPr>
-          <a:xfrm>
-            <a:off x="951690" y="1028700"/>
-            <a:ext cx="4175760" cy="9258300"/>
-            <a:chOff x="951690" y="1028700"/>
-            <a:chExt cx="4175760" cy="9258300"/>
-          </a:xfrm>
-        </p:grpSpPr>
-        <p:sp>
-          <p:nvSpPr>
-            <p:cNvPr id="18" name="object 18"/>
-            <p:cNvSpPr/>
-            <p:nvPr/>
-          </p:nvSpPr>
-          <p:spPr>
-            <a:xfrm>
-              <a:off x="4489132" y="8144128"/>
-              <a:ext cx="638175" cy="2143125"/>
-            </a:xfrm>
-            <a:custGeom>
-              <a:avLst/>
-              <a:gdLst/>
-              <a:ahLst/>
-              <a:cxnLst/>
-              <a:rect l="l" t="t" r="r" b="b"/>
-              <a:pathLst>
-                <a:path w="638175" h="2143125">
-                  <a:moveTo>
-                    <a:pt x="627545" y="2142871"/>
-                  </a:moveTo>
-                  <a:lnTo>
-                    <a:pt x="469595" y="1984133"/>
-                  </a:lnTo>
-                  <a:lnTo>
-                    <a:pt x="319087" y="1832864"/>
-                  </a:lnTo>
-                  <a:lnTo>
-                    <a:pt x="10642" y="2142871"/>
-                  </a:lnTo>
-                  <a:lnTo>
-                    <a:pt x="161137" y="2142871"/>
-                  </a:lnTo>
-                  <a:lnTo>
-                    <a:pt x="319087" y="1984133"/>
-                  </a:lnTo>
-                  <a:lnTo>
-                    <a:pt x="477037" y="2142871"/>
-                  </a:lnTo>
-                  <a:lnTo>
-                    <a:pt x="627545" y="2142871"/>
-                  </a:lnTo>
-                  <a:close/>
-                </a:path>
-                <a:path w="638175" h="2143125">
-                  <a:moveTo>
-                    <a:pt x="638175" y="1695348"/>
-                  </a:moveTo>
-                  <a:lnTo>
-                    <a:pt x="319087" y="1374648"/>
-                  </a:lnTo>
-                  <a:lnTo>
-                    <a:pt x="0" y="1695348"/>
-                  </a:lnTo>
-                  <a:lnTo>
-                    <a:pt x="75260" y="1770976"/>
-                  </a:lnTo>
-                  <a:lnTo>
-                    <a:pt x="319087" y="1525917"/>
-                  </a:lnTo>
-                  <a:lnTo>
-                    <a:pt x="562927" y="1770976"/>
-                  </a:lnTo>
-                  <a:lnTo>
-                    <a:pt x="638175" y="1695348"/>
-                  </a:lnTo>
-                  <a:close/>
-                </a:path>
-                <a:path w="638175" h="2143125">
-                  <a:moveTo>
-                    <a:pt x="638175" y="1237132"/>
-                  </a:moveTo>
-                  <a:lnTo>
-                    <a:pt x="319087" y="916432"/>
-                  </a:lnTo>
-                  <a:lnTo>
-                    <a:pt x="0" y="1237132"/>
-                  </a:lnTo>
-                  <a:lnTo>
-                    <a:pt x="75260" y="1312760"/>
-                  </a:lnTo>
-                  <a:lnTo>
-                    <a:pt x="319087" y="1067689"/>
-                  </a:lnTo>
-                  <a:lnTo>
-                    <a:pt x="562927" y="1312760"/>
-                  </a:lnTo>
-                  <a:lnTo>
-                    <a:pt x="638175" y="1237132"/>
-                  </a:lnTo>
-                  <a:close/>
-                </a:path>
-                <a:path w="638175" h="2143125">
-                  <a:moveTo>
-                    <a:pt x="638175" y="778916"/>
-                  </a:moveTo>
-                  <a:lnTo>
-                    <a:pt x="319087" y="458216"/>
-                  </a:lnTo>
-                  <a:lnTo>
-                    <a:pt x="0" y="778916"/>
-                  </a:lnTo>
-                  <a:lnTo>
-                    <a:pt x="75260" y="854544"/>
-                  </a:lnTo>
-                  <a:lnTo>
-                    <a:pt x="319087" y="609485"/>
-                  </a:lnTo>
-                  <a:lnTo>
-                    <a:pt x="562927" y="854544"/>
-                  </a:lnTo>
-                  <a:lnTo>
-                    <a:pt x="638175" y="778916"/>
-                  </a:lnTo>
-                  <a:close/>
-                </a:path>
-                <a:path w="638175" h="2143125">
-                  <a:moveTo>
-                    <a:pt x="638175" y="320700"/>
-                  </a:moveTo>
-                  <a:lnTo>
-                    <a:pt x="319087" y="0"/>
-                  </a:lnTo>
-                  <a:lnTo>
-                    <a:pt x="0" y="320700"/>
-                  </a:lnTo>
-                  <a:lnTo>
-                    <a:pt x="75260" y="396328"/>
-                  </a:lnTo>
-                  <a:lnTo>
-                    <a:pt x="319087" y="151269"/>
-                  </a:lnTo>
-                  <a:lnTo>
-                    <a:pt x="562927" y="396328"/>
-                  </a:lnTo>
-                  <a:lnTo>
-                    <a:pt x="638175" y="320700"/>
-                  </a:lnTo>
-                  <a:close/>
-                </a:path>
-              </a:pathLst>
-            </a:custGeom>
-            <a:solidFill>
-              <a:schemeClr val="bg1"/>
-            </a:solidFill>
-          </p:spPr>
-          <p:txBody>
-            <a:bodyPr wrap="square" lIns="0" tIns="0" rIns="0" bIns="0" rtlCol="0"/>
-            <a:lstStyle/>
-            <a:p>
-              <a:endParaRPr dirty="0"/>
-            </a:p>
-          </p:txBody>
-        </p:sp>
-        <p:sp>
-          <p:nvSpPr>
-            <p:cNvPr id="19" name="object 19"/>
-            <p:cNvSpPr/>
-            <p:nvPr/>
-          </p:nvSpPr>
-          <p:spPr>
-            <a:xfrm>
-              <a:off x="951687" y="1028712"/>
-              <a:ext cx="466090" cy="304800"/>
-            </a:xfrm>
-            <a:custGeom>
-              <a:avLst/>
-              <a:gdLst/>
-              <a:ahLst/>
-              <a:cxnLst/>
-              <a:rect l="l" t="t" r="r" b="b"/>
-              <a:pathLst>
-                <a:path w="466090" h="304800">
-                  <a:moveTo>
-                    <a:pt x="465823" y="254000"/>
-                  </a:moveTo>
-                  <a:lnTo>
-                    <a:pt x="0" y="254000"/>
-                  </a:lnTo>
-                  <a:lnTo>
-                    <a:pt x="0" y="304800"/>
-                  </a:lnTo>
-                  <a:lnTo>
-                    <a:pt x="465823" y="304800"/>
-                  </a:lnTo>
-                  <a:lnTo>
-                    <a:pt x="465823" y="254000"/>
-                  </a:lnTo>
-                  <a:close/>
-                </a:path>
-                <a:path w="466090" h="304800">
-                  <a:moveTo>
-                    <a:pt x="465823" y="127000"/>
-                  </a:moveTo>
-                  <a:lnTo>
-                    <a:pt x="0" y="127000"/>
-                  </a:lnTo>
-                  <a:lnTo>
-                    <a:pt x="0" y="177800"/>
-                  </a:lnTo>
-                  <a:lnTo>
-                    <a:pt x="465823" y="177800"/>
-                  </a:lnTo>
-                  <a:lnTo>
-                    <a:pt x="465823" y="127000"/>
-                  </a:lnTo>
-                  <a:close/>
-                </a:path>
-                <a:path w="466090" h="304800">
-                  <a:moveTo>
-                    <a:pt x="465823" y="0"/>
-                  </a:moveTo>
-                  <a:lnTo>
-                    <a:pt x="0" y="0"/>
-                  </a:lnTo>
-                  <a:lnTo>
-                    <a:pt x="0" y="50800"/>
-                  </a:lnTo>
-                  <a:lnTo>
-                    <a:pt x="465823" y="50800"/>
-                  </a:lnTo>
-                  <a:lnTo>
-                    <a:pt x="465823" y="0"/>
-                  </a:lnTo>
-                  <a:close/>
-                </a:path>
-              </a:pathLst>
-            </a:custGeom>
-            <a:solidFill>
-              <a:srgbClr val="FFFFFF"/>
-            </a:solidFill>
-          </p:spPr>
-          <p:txBody>
-            <a:bodyPr wrap="square" lIns="0" tIns="0" rIns="0" bIns="0" rtlCol="0"/>
-            <a:lstStyle/>
-            <a:p>
-              <a:endParaRPr/>
-            </a:p>
-          </p:txBody>
-        </p:sp>
-      </p:grpSp>
-      <p:sp>
-        <p:nvSpPr>
-          <p:cNvPr id="23" name="object 17"/>
-          <p:cNvSpPr txBox="1"/>
-          <p:nvPr/>
-        </p:nvSpPr>
-        <p:spPr>
-          <a:xfrm rot="5400000">
-            <a:off x="2537575" y="-314474"/>
-            <a:ext cx="923330" cy="5279120"/>
-          </a:xfrm>
-          <a:prstGeom prst="rect">
-            <a:avLst/>
-          </a:prstGeom>
-        </p:spPr>
-        <p:txBody>
-          <a:bodyPr vert="vert270" wrap="square" lIns="0" tIns="16510" rIns="0" bIns="0" rtlCol="0">
-            <a:spAutoFit/>
-          </a:bodyPr>
-          <a:lstStyle/>
-          <a:p>
-            <a:pPr marL="12700">
-              <a:lnSpc>
-                <a:spcPct val="100000"/>
-              </a:lnSpc>
-              <a:spcBef>
-                <a:spcPts val="130"/>
-              </a:spcBef>
-            </a:pPr>
-            <a:r>
-              <a:rPr lang="en-PH" sz="6000" b="1" spc="-70" dirty="0">
-                <a:solidFill>
-                  <a:schemeClr val="accent4">
-                    <a:lumMod val="50000"/>
-                  </a:schemeClr>
-                </a:solidFill>
-                <a:latin typeface="Tahoma" panose="020B0604030504040204"/>
-                <a:cs typeface="Tahoma" panose="020B0604030504040204"/>
-              </a:rPr>
-              <a:t>OBJECTIVES</a:t>
-            </a:r>
-            <a:endParaRPr sz="6000" dirty="0">
-              <a:solidFill>
-                <a:schemeClr val="accent4">
-                  <a:lumMod val="50000"/>
-                </a:schemeClr>
-              </a:solidFill>
-              <a:latin typeface="Tahoma" panose="020B0604030504040204"/>
-              <a:cs typeface="Tahoma" panose="020B0604030504040204"/>
-            </a:endParaRPr>
-          </a:p>
-        </p:txBody>
-      </p:sp>
-      <p:sp>
-        <p:nvSpPr>
-          <p:cNvPr id="24" name="Rectangle 23"/>
-          <p:cNvSpPr/>
-          <p:nvPr/>
-        </p:nvSpPr>
-        <p:spPr>
-          <a:xfrm>
-            <a:off x="228600" y="3196933"/>
-            <a:ext cx="5029200" cy="727368"/>
-          </a:xfrm>
-          <a:prstGeom prst="rect">
-            <a:avLst/>
-          </a:prstGeom>
-          <a:ln w="57150"/>
+          <a:ln w="28575"/>
         </p:spPr>
         <p:style>
           <a:lnRef idx="2">
@@ -7386,264 +5471,23 @@
           <a:bodyPr rtlCol="0" anchor="ctr"/>
           <a:lstStyle/>
           <a:p>
-            <a:pPr marL="0" marR="0" algn="ctr">
-              <a:spcBef>
-                <a:spcPts val="0"/>
-              </a:spcBef>
-              <a:spcAft>
-                <a:spcPts val="0"/>
-              </a:spcAft>
-            </a:pPr>
-            <a:r>
-              <a:rPr lang="en-US" sz="2000" u="sng" dirty="0">
-                <a:effectLst/>
-                <a:latin typeface="Times New Roman" panose="02020603050405020304" pitchFamily="18" charset="0"/>
-                <a:ea typeface="Times New Roman" panose="02020603050405020304" pitchFamily="18" charset="0"/>
-              </a:rPr>
-              <a:t>Humanitarian Data Exchange Data set about Philippines (2019)</a:t>
-            </a:r>
-            <a:endParaRPr lang="en-US" sz="2000" dirty="0">
-              <a:effectLst/>
-              <a:latin typeface="Calibri" panose="020F0502020204030204" pitchFamily="34" charset="0"/>
-              <a:ea typeface="Calibri" panose="020F0502020204030204" pitchFamily="34" charset="0"/>
-            </a:endParaRPr>
-          </a:p>
-        </p:txBody>
-      </p:sp>
-      <p:sp>
-        <p:nvSpPr>
-          <p:cNvPr id="25" name="Rectangle 24"/>
-          <p:cNvSpPr/>
-          <p:nvPr/>
-        </p:nvSpPr>
-        <p:spPr>
-          <a:xfrm>
-            <a:off x="264000" y="5581246"/>
-            <a:ext cx="4993800" cy="992209"/>
-          </a:xfrm>
-          <a:prstGeom prst="rect">
-            <a:avLst/>
-          </a:prstGeom>
-        </p:spPr>
-        <p:style>
-          <a:lnRef idx="2">
-            <a:schemeClr val="dk1"/>
-          </a:lnRef>
-          <a:fillRef idx="1">
-            <a:schemeClr val="lt1"/>
-          </a:fillRef>
-          <a:effectRef idx="0">
-            <a:schemeClr val="dk1"/>
-          </a:effectRef>
-          <a:fontRef idx="minor">
-            <a:schemeClr val="dk1"/>
-          </a:fontRef>
-        </p:style>
-        <p:txBody>
-          <a:bodyPr rtlCol="0" anchor="ctr"/>
-          <a:lstStyle/>
-          <a:p>
-            <a:pPr marL="0" marR="0" algn="ctr">
-              <a:spcBef>
-                <a:spcPts val="0"/>
-              </a:spcBef>
-              <a:spcAft>
-                <a:spcPts val="0"/>
-              </a:spcAft>
-            </a:pPr>
-            <a:r>
-              <a:rPr lang="en-US" sz="1800" u="sng" dirty="0">
-                <a:effectLst/>
-                <a:latin typeface="Times New Roman" panose="02020603050405020304" pitchFamily="18" charset="0"/>
-                <a:ea typeface="Times New Roman" panose="02020603050405020304" pitchFamily="18" charset="0"/>
-              </a:rPr>
-              <a:t>The Centre for Research on the Epidemiology of Disasters' Data set about the American Typhoons (2000-2022)</a:t>
-            </a:r>
-            <a:endParaRPr lang="en-US" sz="1800" u="sng" dirty="0">
-              <a:effectLst/>
-              <a:latin typeface="Calibri" panose="020F0502020204030204" pitchFamily="34" charset="0"/>
-              <a:ea typeface="Calibri" panose="020F0502020204030204" pitchFamily="34" charset="0"/>
-            </a:endParaRPr>
-          </a:p>
-        </p:txBody>
-      </p:sp>
-      <p:sp>
-        <p:nvSpPr>
-          <p:cNvPr id="16" name="Rectangle 15"/>
-          <p:cNvSpPr/>
-          <p:nvPr/>
-        </p:nvSpPr>
-        <p:spPr>
-          <a:xfrm>
-            <a:off x="951687" y="4156615"/>
-            <a:ext cx="4270713" cy="312196"/>
-          </a:xfrm>
-          <a:prstGeom prst="rect">
-            <a:avLst/>
-          </a:prstGeom>
-          <a:ln w="28575"/>
-        </p:spPr>
-        <p:style>
-          <a:lnRef idx="2">
-            <a:schemeClr val="dk1"/>
-          </a:lnRef>
-          <a:fillRef idx="1">
-            <a:schemeClr val="lt1"/>
-          </a:fillRef>
-          <a:effectRef idx="0">
-            <a:schemeClr val="dk1"/>
-          </a:effectRef>
-          <a:fontRef idx="minor">
-            <a:schemeClr val="dk1"/>
-          </a:fontRef>
-        </p:style>
-        <p:txBody>
-          <a:bodyPr rtlCol="0" anchor="ctr"/>
-          <a:lstStyle/>
-          <a:p>
             <a:pPr algn="ctr"/>
             <a:r>
               <a:rPr lang="en-US" dirty="0"/>
-              <a:t>Objective 1</a:t>
+              <a:t>Objective 4</a:t>
             </a:r>
           </a:p>
         </p:txBody>
       </p:sp>
       <p:sp>
         <p:nvSpPr>
-          <p:cNvPr id="3" name="Arrow: Chevron 2"/>
+          <p:cNvPr id="21" name="Arrow: Chevron 20"/>
           <p:cNvSpPr/>
           <p:nvPr/>
         </p:nvSpPr>
         <p:spPr>
           <a:xfrm>
-            <a:off x="712065" y="4226713"/>
-            <a:ext cx="160088" cy="190810"/>
-          </a:xfrm>
-          <a:prstGeom prst="chevron">
-            <a:avLst/>
-          </a:prstGeom>
-          <a:ln w="28575"/>
-        </p:spPr>
-        <p:style>
-          <a:lnRef idx="2">
-            <a:schemeClr val="dk1"/>
-          </a:lnRef>
-          <a:fillRef idx="1">
-            <a:schemeClr val="lt1"/>
-          </a:fillRef>
-          <a:effectRef idx="0">
-            <a:schemeClr val="dk1"/>
-          </a:effectRef>
-          <a:fontRef idx="minor">
-            <a:schemeClr val="dk1"/>
-          </a:fontRef>
-        </p:style>
-        <p:txBody>
-          <a:bodyPr rtlCol="0" anchor="ctr"/>
-          <a:lstStyle/>
-          <a:p>
-            <a:pPr algn="ctr"/>
-            <a:endParaRPr lang="en-US" b="1" dirty="0">
-              <a:solidFill>
-                <a:schemeClr val="tx1"/>
-              </a:solidFill>
-            </a:endParaRPr>
-          </a:p>
-        </p:txBody>
-      </p:sp>
-      <p:sp>
-        <p:nvSpPr>
-          <p:cNvPr id="28" name="Rectangle 27"/>
-          <p:cNvSpPr/>
-          <p:nvPr/>
-        </p:nvSpPr>
-        <p:spPr>
-          <a:xfrm>
-            <a:off x="951687" y="4561572"/>
-            <a:ext cx="4270713" cy="312196"/>
-          </a:xfrm>
-          <a:prstGeom prst="rect">
-            <a:avLst/>
-          </a:prstGeom>
-        </p:spPr>
-        <p:style>
-          <a:lnRef idx="2">
-            <a:schemeClr val="dk1"/>
-          </a:lnRef>
-          <a:fillRef idx="1">
-            <a:schemeClr val="lt1"/>
-          </a:fillRef>
-          <a:effectRef idx="0">
-            <a:schemeClr val="dk1"/>
-          </a:effectRef>
-          <a:fontRef idx="minor">
-            <a:schemeClr val="dk1"/>
-          </a:fontRef>
-        </p:style>
-        <p:txBody>
-          <a:bodyPr rtlCol="0" anchor="ctr"/>
-          <a:lstStyle/>
-          <a:p>
-            <a:pPr algn="ctr"/>
-            <a:r>
-              <a:rPr lang="en-US" dirty="0"/>
-              <a:t>Objective 2</a:t>
-            </a:r>
-          </a:p>
-        </p:txBody>
-      </p:sp>
-      <p:sp>
-        <p:nvSpPr>
-          <p:cNvPr id="29" name="Rectangle 28"/>
-          <p:cNvSpPr/>
-          <p:nvPr/>
-        </p:nvSpPr>
-        <p:spPr>
-          <a:xfrm>
-            <a:off x="961189" y="4960823"/>
-            <a:ext cx="4270713" cy="312196"/>
-          </a:xfrm>
-          <a:prstGeom prst="rect">
-            <a:avLst/>
-          </a:prstGeom>
-          <a:ln w="57150"/>
-        </p:spPr>
-        <p:style>
-          <a:lnRef idx="2">
-            <a:schemeClr val="dk1"/>
-          </a:lnRef>
-          <a:fillRef idx="1">
-            <a:schemeClr val="lt1"/>
-          </a:fillRef>
-          <a:effectRef idx="0">
-            <a:schemeClr val="dk1"/>
-          </a:effectRef>
-          <a:fontRef idx="minor">
-            <a:schemeClr val="dk1"/>
-          </a:fontRef>
-        </p:style>
-        <p:txBody>
-          <a:bodyPr rtlCol="0" anchor="ctr"/>
-          <a:lstStyle/>
-          <a:p>
-            <a:pPr algn="ctr"/>
-            <a:r>
-              <a:rPr lang="en-US" dirty="0"/>
-              <a:t>Objective 3</a:t>
-            </a:r>
-          </a:p>
-        </p:txBody>
-      </p:sp>
-      <p:sp>
-        <p:nvSpPr>
-          <p:cNvPr id="30" name="Arrow: Chevron 29"/>
-          <p:cNvSpPr/>
-          <p:nvPr/>
-        </p:nvSpPr>
-        <p:spPr>
-          <a:xfrm>
-            <a:off x="712065" y="4622265"/>
+            <a:off x="721567" y="6508998"/>
             <a:ext cx="160088" cy="190810"/>
           </a:xfrm>
           <a:prstGeom prst="chevron">
@@ -7679,19 +5523,60 @@
       </p:sp>
       <p:sp>
         <p:nvSpPr>
-          <p:cNvPr id="31" name="Arrow: Chevron 30"/>
+          <p:cNvPr id="22" name="Rectangle 21"/>
           <p:cNvSpPr/>
           <p:nvPr/>
         </p:nvSpPr>
         <p:spPr>
           <a:xfrm>
-            <a:off x="712065" y="5006448"/>
+            <a:off x="961189" y="6843857"/>
+            <a:ext cx="4270713" cy="312196"/>
+          </a:xfrm>
+          <a:prstGeom prst="rect">
+            <a:avLst/>
+          </a:prstGeom>
+          <a:ln w="28575"/>
+        </p:spPr>
+        <p:style>
+          <a:lnRef idx="2">
+            <a:schemeClr val="dk1"/>
+          </a:lnRef>
+          <a:fillRef idx="1">
+            <a:schemeClr val="lt1"/>
+          </a:fillRef>
+          <a:effectRef idx="0">
+            <a:schemeClr val="dk1"/>
+          </a:effectRef>
+          <a:fontRef idx="minor">
+            <a:schemeClr val="dk1"/>
+          </a:fontRef>
+        </p:style>
+        <p:txBody>
+          <a:bodyPr rtlCol="0" anchor="ctr"/>
+          <a:lstStyle/>
+          <a:p>
+            <a:pPr algn="ctr"/>
+            <a:r>
+              <a:rPr lang="en-US" dirty="0"/>
+              <a:t>Objective 5</a:t>
+            </a:r>
+          </a:p>
+        </p:txBody>
+      </p:sp>
+      <p:sp>
+        <p:nvSpPr>
+          <p:cNvPr id="27" name="Arrow: Chevron 26"/>
+          <p:cNvSpPr/>
+          <p:nvPr/>
+        </p:nvSpPr>
+        <p:spPr>
+          <a:xfrm>
+            <a:off x="721567" y="6904550"/>
             <a:ext cx="160088" cy="190810"/>
           </a:xfrm>
           <a:prstGeom prst="chevron">
             <a:avLst/>
           </a:prstGeom>
-          <a:ln w="57150"/>
         </p:spPr>
         <p:style>
           <a:lnRef idx="2">
@@ -7720,16 +5605,55 @@
           </a:p>
         </p:txBody>
       </p:sp>
+      <p:sp>
+        <p:nvSpPr>
+          <p:cNvPr id="34" name="Rectangle 33"/>
+          <p:cNvSpPr/>
+          <p:nvPr/>
+        </p:nvSpPr>
+        <p:spPr>
+          <a:xfrm>
+            <a:off x="6096000" y="7505699"/>
+            <a:ext cx="5671748" cy="2590801"/>
+          </a:xfrm>
+          <a:prstGeom prst="rect">
+            <a:avLst/>
+          </a:prstGeom>
+          <a:ln w="38100"/>
+        </p:spPr>
+        <p:style>
+          <a:lnRef idx="2">
+            <a:schemeClr val="dk1"/>
+          </a:lnRef>
+          <a:fillRef idx="1">
+            <a:schemeClr val="lt1"/>
+          </a:fillRef>
+          <a:effectRef idx="0">
+            <a:schemeClr val="dk1"/>
+          </a:effectRef>
+          <a:fontRef idx="minor">
+            <a:schemeClr val="dk1"/>
+          </a:fontRef>
+        </p:style>
+        <p:txBody>
+          <a:bodyPr rtlCol="0" anchor="ctr"/>
+          <a:lstStyle/>
+          <a:p>
+            <a:pPr algn="ctr"/>
+            <a:endParaRPr lang="en-PH" dirty="0"/>
+          </a:p>
+        </p:txBody>
+      </p:sp>
       <p:pic>
         <p:nvPicPr>
-          <p:cNvPr id="20" name="Picture 19"/>
+          <p:cNvPr id="6" name="Picture 5"/>
           <p:cNvPicPr>
             <a:picLocks noChangeAspect="1"/>
           </p:cNvPicPr>
           <p:nvPr/>
         </p:nvPicPr>
         <p:blipFill>
-          <a:blip r:embed="rId2">
+          <a:blip r:embed="rId2" cstate="print">
             <a:extLst>
               <a:ext uri="{28A0092B-C50C-407E-A947-70E740481C1C}">
                 <a14:useLocalDpi xmlns:a14="http://schemas.microsoft.com/office/drawing/2010/main" val="0"/>
@@ -7742,64 +5666,70 @@
         </p:blipFill>
         <p:spPr>
           <a:xfrm>
-            <a:off x="10363201" y="7353300"/>
-            <a:ext cx="7398864" cy="2819400"/>
+            <a:off x="10001256" y="8144128"/>
+            <a:ext cx="1336164" cy="1336164"/>
           </a:xfrm>
           <a:prstGeom prst="rect">
             <a:avLst/>
           </a:prstGeom>
-          <a:ln w="38100">
-            <a:solidFill>
-              <a:schemeClr val="tx1"/>
-            </a:solidFill>
-          </a:ln>
         </p:spPr>
       </p:pic>
       <p:sp>
         <p:nvSpPr>
-          <p:cNvPr id="5" name="Rectangle 4"/>
-          <p:cNvSpPr/>
-          <p:nvPr/>
-        </p:nvSpPr>
-        <p:spPr>
-          <a:xfrm>
-            <a:off x="6123710" y="7353300"/>
-            <a:ext cx="4087090" cy="2819400"/>
+          <p:cNvPr id="37" name="TextBox 36"/>
+          <p:cNvSpPr txBox="1"/>
+          <p:nvPr/>
+        </p:nvSpPr>
+        <p:spPr>
+          <a:xfrm>
+            <a:off x="6096000" y="8191500"/>
+            <a:ext cx="3909240" cy="1200329"/>
           </a:xfrm>
           <a:prstGeom prst="rect">
             <a:avLst/>
           </a:prstGeom>
-          <a:ln w="38100"/>
-        </p:spPr>
-        <p:style>
-          <a:lnRef idx="2">
-            <a:schemeClr val="dk1"/>
-          </a:lnRef>
-          <a:fillRef idx="1">
-            <a:schemeClr val="lt1"/>
-          </a:fillRef>
-          <a:effectRef idx="0">
-            <a:schemeClr val="dk1"/>
-          </a:effectRef>
-          <a:fontRef idx="minor">
-            <a:schemeClr val="dk1"/>
-          </a:fontRef>
-        </p:style>
-        <p:txBody>
-          <a:bodyPr rtlCol="0" anchor="ctr"/>
-          <a:lstStyle/>
-          <a:p>
-            <a:pPr algn="ctr"/>
-            <a:endParaRPr lang="en-PH"/>
+          <a:noFill/>
+        </p:spPr>
+        <p:txBody>
+          <a:bodyPr wrap="square" rtlCol="0">
+            <a:spAutoFit/>
+          </a:bodyPr>
+          <a:lstStyle/>
+          <a:p>
+            <a:pPr algn="r"/>
+            <a:r>
+              <a:rPr lang="en-US" sz="3600" b="1" dirty="0">
+                <a:latin typeface="Tahoma" panose="020B0604030504040204" pitchFamily="34" charset="0"/>
+                <a:ea typeface="Tahoma" panose="020B0604030504040204" pitchFamily="34" charset="0"/>
+                <a:cs typeface="Tahoma" panose="020B0604030504040204" pitchFamily="34" charset="0"/>
+              </a:rPr>
+              <a:t>HURRICANE</a:t>
+            </a:r>
+          </a:p>
+          <a:p>
+            <a:pPr algn="r"/>
+            <a:r>
+              <a:rPr lang="en-US" sz="3600" b="1" dirty="0">
+                <a:latin typeface="Tahoma" panose="020B0604030504040204" pitchFamily="34" charset="0"/>
+                <a:ea typeface="Tahoma" panose="020B0604030504040204" pitchFamily="34" charset="0"/>
+                <a:cs typeface="Tahoma" panose="020B0604030504040204" pitchFamily="34" charset="0"/>
+              </a:rPr>
+              <a:t>IRMA</a:t>
+            </a:r>
+            <a:endParaRPr lang="en-PH" sz="3600" b="1" dirty="0">
+              <a:latin typeface="Tahoma" panose="020B0604030504040204" pitchFamily="34" charset="0"/>
+              <a:ea typeface="Tahoma" panose="020B0604030504040204" pitchFamily="34" charset="0"/>
+              <a:cs typeface="Tahoma" panose="020B0604030504040204" pitchFamily="34" charset="0"/>
+            </a:endParaRPr>
           </a:p>
         </p:txBody>
       </p:sp>
       <p:pic>
         <p:nvPicPr>
-          <p:cNvPr id="22" name="Picture 21">
+          <p:cNvPr id="32" name="Picture 31">
             <a:extLst>
               <a:ext uri="{FF2B5EF4-FFF2-40B4-BE49-F238E27FC236}">
-                <a16:creationId xmlns:a16="http://schemas.microsoft.com/office/drawing/2014/main" id="{C5190582-7922-FEA3-AD6B-F3B480C44CE7}"/>
+                <a16:creationId xmlns:a16="http://schemas.microsoft.com/office/drawing/2014/main" id="{5C16CAF7-7623-38EB-36E6-CEE8A67EEF99}"/>
               </a:ext>
             </a:extLst>
           </p:cNvPr>
@@ -7816,14 +5746,13 @@
               </a:ext>
             </a:extLst>
           </a:blip>
-          <a:stretch>
-            <a:fillRect/>
-          </a:stretch>
+          <a:srcRect/>
+          <a:stretch/>
         </p:blipFill>
         <p:spPr>
           <a:xfrm>
-            <a:off x="6123710" y="190500"/>
-            <a:ext cx="11624182" cy="7020414"/>
+            <a:off x="6115205" y="495301"/>
+            <a:ext cx="11653391" cy="6660752"/>
           </a:xfrm>
           <a:prstGeom prst="rect">
             <a:avLst/>
@@ -7835,119 +5764,49 @@
           </a:ln>
         </p:spPr>
       </p:pic>
-      <p:sp>
-        <p:nvSpPr>
-          <p:cNvPr id="26" name="TextBox 25">
+      <p:pic>
+        <p:nvPicPr>
+          <p:cNvPr id="7" name="Picture 6">
             <a:extLst>
               <a:ext uri="{FF2B5EF4-FFF2-40B4-BE49-F238E27FC236}">
-                <a16:creationId xmlns:a16="http://schemas.microsoft.com/office/drawing/2014/main" id="{90C2F186-8609-2A96-92AF-6193B246510B}"/>
+                <a16:creationId xmlns:a16="http://schemas.microsoft.com/office/drawing/2014/main" id="{8C5DBC32-8450-FA6C-A596-F1460513B3FB}"/>
               </a:ext>
             </a:extLst>
           </p:cNvPr>
-          <p:cNvSpPr txBox="1"/>
-          <p:nvPr/>
-        </p:nvSpPr>
-        <p:spPr>
-          <a:xfrm>
-            <a:off x="6477000" y="7657862"/>
-            <a:ext cx="3429000" cy="1600438"/>
+          <p:cNvPicPr>
+            <a:picLocks noChangeAspect="1"/>
+          </p:cNvPicPr>
+          <p:nvPr/>
+        </p:nvPicPr>
+        <p:blipFill rotWithShape="1">
+          <a:blip r:embed="rId4"/>
+          <a:srcRect l="8662" t="38148" r="71444" b="33689"/>
+          <a:stretch/>
+        </p:blipFill>
+        <p:spPr>
+          <a:xfrm>
+            <a:off x="12096848" y="7505699"/>
+            <a:ext cx="5671748" cy="2590801"/>
           </a:xfrm>
           <a:prstGeom prst="rect">
             <a:avLst/>
           </a:prstGeom>
-          <a:noFill/>
-        </p:spPr>
-        <p:txBody>
-          <a:bodyPr wrap="square" rtlCol="0">
-            <a:spAutoFit/>
-          </a:bodyPr>
-          <a:lstStyle/>
-          <a:p>
-            <a:pPr algn="ctr"/>
-            <a:r>
-              <a:rPr lang="en-US" sz="6600" b="1" dirty="0">
-                <a:latin typeface="Century Gothic" panose="020B0502020202020204" pitchFamily="34" charset="0"/>
-              </a:rPr>
-              <a:t>TOP 5</a:t>
-            </a:r>
-          </a:p>
-          <a:p>
-            <a:pPr algn="ctr"/>
-            <a:r>
-              <a:rPr lang="en-US" sz="3200" b="1" dirty="0">
-                <a:latin typeface="Century Gothic" panose="020B0502020202020204" pitchFamily="34" charset="0"/>
-              </a:rPr>
-              <a:t>MUNICIPALITIES</a:t>
-            </a:r>
-            <a:endParaRPr lang="en-PH" sz="3200" b="1" dirty="0">
-              <a:latin typeface="Century Gothic" panose="020B0502020202020204" pitchFamily="34" charset="0"/>
-            </a:endParaRPr>
-          </a:p>
-        </p:txBody>
-      </p:sp>
-      <p:sp>
-        <p:nvSpPr>
-          <p:cNvPr id="27" name="TextBox 26">
-            <a:extLst>
-              <a:ext uri="{FF2B5EF4-FFF2-40B4-BE49-F238E27FC236}">
-                <a16:creationId xmlns:a16="http://schemas.microsoft.com/office/drawing/2014/main" id="{EFA79765-4572-6D9A-F307-38543AF2B78F}"/>
-              </a:ext>
-            </a:extLst>
-          </p:cNvPr>
-          <p:cNvSpPr txBox="1"/>
-          <p:nvPr/>
-        </p:nvSpPr>
-        <p:spPr>
-          <a:xfrm>
-            <a:off x="6477000" y="9186327"/>
-            <a:ext cx="3276600" cy="1138773"/>
-          </a:xfrm>
-          <a:prstGeom prst="rect">
-            <a:avLst/>
-          </a:prstGeom>
-          <a:noFill/>
-        </p:spPr>
-        <p:txBody>
-          <a:bodyPr wrap="square" rtlCol="0">
-            <a:spAutoFit/>
-          </a:bodyPr>
-          <a:lstStyle/>
-          <a:p>
-            <a:pPr algn="ctr"/>
-            <a:r>
-              <a:rPr lang="en-US" sz="1800" b="1" dirty="0">
-                <a:effectLst/>
-                <a:latin typeface="Times New Roman" panose="02020603050405020304" pitchFamily="18" charset="0"/>
-                <a:cs typeface="Times New Roman" panose="02020603050405020304" pitchFamily="18" charset="0"/>
-              </a:rPr>
-              <a:t> based from the </a:t>
-            </a:r>
-            <a:r>
-              <a:rPr lang="en-US" sz="1800" b="1" dirty="0" err="1">
-                <a:effectLst/>
-                <a:latin typeface="Times New Roman" panose="02020603050405020304" pitchFamily="18" charset="0"/>
-                <a:cs typeface="Times New Roman" panose="02020603050405020304" pitchFamily="18" charset="0"/>
-              </a:rPr>
-              <a:t>Affected_PERs</a:t>
-            </a:r>
-            <a:r>
-              <a:rPr lang="en-US" sz="1800" b="1" dirty="0">
-                <a:effectLst/>
-                <a:latin typeface="Times New Roman" panose="02020603050405020304" pitchFamily="18" charset="0"/>
-                <a:cs typeface="Times New Roman" panose="02020603050405020304" pitchFamily="18" charset="0"/>
-              </a:rPr>
-              <a:t> x variable.</a:t>
-            </a:r>
-          </a:p>
-          <a:p>
-            <a:pPr algn="ctr"/>
-            <a:endParaRPr lang="en-PH" sz="3200" b="1" dirty="0">
-              <a:latin typeface="Times New Roman" panose="02020603050405020304" pitchFamily="18" charset="0"/>
-              <a:cs typeface="Times New Roman" panose="02020603050405020304" pitchFamily="18" charset="0"/>
-            </a:endParaRPr>
-          </a:p>
-        </p:txBody>
-      </p:sp>
+          <a:ln w="38100" cap="sq">
+            <a:solidFill>
+              <a:srgbClr val="000000"/>
+            </a:solidFill>
+            <a:prstDash val="solid"/>
+            <a:miter lim="800000"/>
+          </a:ln>
+          <a:effectLst>
+            <a:outerShdw blurRad="50800" dist="38100" dir="2700000" algn="tl" rotWithShape="0">
+              <a:srgbClr val="000000">
+                <a:alpha val="43000"/>
+              </a:srgbClr>
+            </a:outerShdw>
+          </a:effectLst>
+        </p:spPr>
+      </p:pic>
     </p:spTree>
   </p:cSld>
   <p:clrMapOvr>
@@ -7956,8 +5815,8 @@
 </p:sld>
 </file>
 
-<file path=ppt/slides/slide15.xml><?xml version="1.0" encoding="utf-8"?>
-<p:sld xmlns:a="http://schemas.openxmlformats.org/drawingml/2006/main" xmlns:r="http://schemas.openxmlformats.org/officeDocument/2006/relationships" xmlns:p="http://schemas.openxmlformats.org/presentationml/2006/main" showMasterSp="0">
+<file path=ppt/slides/slide13.xml><?xml version="1.0" encoding="utf-8"?>
+<p:sld xmlns:a="http://schemas.openxmlformats.org/drawingml/2006/main" xmlns:r="http://schemas.openxmlformats.org/officeDocument/2006/relationships" xmlns:p="http://schemas.openxmlformats.org/presentationml/2006/main">
   <p:cSld>
     <p:spTree>
       <p:nvGrpSpPr>
@@ -8595,7 +6454,7 @@
           <a:prstGeom prst="rect">
             <a:avLst/>
           </a:prstGeom>
-          <a:ln w="28575"/>
+          <a:ln w="57150"/>
         </p:spPr>
         <p:style>
           <a:lnRef idx="2">
@@ -8679,6 +6538,7 @@
           <a:prstGeom prst="chevron">
             <a:avLst/>
           </a:prstGeom>
+          <a:ln w="57150"/>
         </p:spPr>
         <p:style>
           <a:lnRef idx="2">
@@ -8913,6 +6773,257 @@
               <a:solidFill>
                 <a:schemeClr val="tx1"/>
               </a:solidFill>
+            </a:endParaRPr>
+          </a:p>
+        </p:txBody>
+      </p:sp>
+      <p:pic>
+        <p:nvPicPr>
+          <p:cNvPr id="26" name="Picture 25">
+            <a:extLst>
+              <a:ext uri="{FF2B5EF4-FFF2-40B4-BE49-F238E27FC236}">
+                <a16:creationId xmlns:a16="http://schemas.microsoft.com/office/drawing/2014/main" id="{7FA1EC15-E3E0-7A65-CDCE-74BD6FBB06B5}"/>
+              </a:ext>
+            </a:extLst>
+          </p:cNvPr>
+          <p:cNvPicPr>
+            <a:picLocks noChangeAspect="1"/>
+          </p:cNvPicPr>
+          <p:nvPr/>
+        </p:nvPicPr>
+        <p:blipFill>
+          <a:blip r:embed="rId3">
+            <a:extLst>
+              <a:ext uri="{28A0092B-C50C-407E-A947-70E740481C1C}">
+                <a14:useLocalDpi xmlns:a14="http://schemas.microsoft.com/office/drawing/2010/main" val="0"/>
+              </a:ext>
+            </a:extLst>
+          </a:blip>
+          <a:srcRect/>
+          <a:stretch/>
+        </p:blipFill>
+        <p:spPr>
+          <a:xfrm>
+            <a:off x="6019800" y="278305"/>
+            <a:ext cx="11928142" cy="7455995"/>
+          </a:xfrm>
+          <a:prstGeom prst="rect">
+            <a:avLst/>
+          </a:prstGeom>
+          <a:ln w="38100">
+            <a:solidFill>
+              <a:schemeClr val="tx1"/>
+            </a:solidFill>
+          </a:ln>
+        </p:spPr>
+      </p:pic>
+      <p:pic>
+        <p:nvPicPr>
+          <p:cNvPr id="8" name="Picture 7">
+            <a:extLst>
+              <a:ext uri="{FF2B5EF4-FFF2-40B4-BE49-F238E27FC236}">
+                <a16:creationId xmlns:a16="http://schemas.microsoft.com/office/drawing/2014/main" id="{0B65E4D3-73E9-1FCF-5731-1053B6B6DC40}"/>
+              </a:ext>
+            </a:extLst>
+          </p:cNvPr>
+          <p:cNvPicPr>
+            <a:picLocks noChangeAspect="1"/>
+          </p:cNvPicPr>
+          <p:nvPr/>
+        </p:nvPicPr>
+        <p:blipFill rotWithShape="1">
+          <a:blip r:embed="rId4"/>
+          <a:srcRect l="10299" t="35926" r="67348" b="36726"/>
+          <a:stretch/>
+        </p:blipFill>
+        <p:spPr>
+          <a:xfrm>
+            <a:off x="11684758" y="7905749"/>
+            <a:ext cx="6289342" cy="2149808"/>
+          </a:xfrm>
+          <a:prstGeom prst="rect">
+            <a:avLst/>
+          </a:prstGeom>
+          <a:ln w="38100">
+            <a:solidFill>
+              <a:schemeClr val="tx1"/>
+            </a:solidFill>
+          </a:ln>
+        </p:spPr>
+      </p:pic>
+      <p:sp>
+        <p:nvSpPr>
+          <p:cNvPr id="37" name="Rectangle 36">
+            <a:extLst>
+              <a:ext uri="{FF2B5EF4-FFF2-40B4-BE49-F238E27FC236}">
+                <a16:creationId xmlns:a16="http://schemas.microsoft.com/office/drawing/2014/main" id="{8C7F6BEA-4426-BA91-BE6C-7E47071F3825}"/>
+              </a:ext>
+            </a:extLst>
+          </p:cNvPr>
+          <p:cNvSpPr/>
+          <p:nvPr/>
+        </p:nvSpPr>
+        <p:spPr>
+          <a:xfrm>
+            <a:off x="5999329" y="7905749"/>
+            <a:ext cx="5430671" cy="2157201"/>
+          </a:xfrm>
+          <a:prstGeom prst="rect">
+            <a:avLst/>
+          </a:prstGeom>
+          <a:ln w="38100"/>
+        </p:spPr>
+        <p:style>
+          <a:lnRef idx="2">
+            <a:schemeClr val="dk1"/>
+          </a:lnRef>
+          <a:fillRef idx="1">
+            <a:schemeClr val="lt1"/>
+          </a:fillRef>
+          <a:effectRef idx="0">
+            <a:schemeClr val="dk1"/>
+          </a:effectRef>
+          <a:fontRef idx="minor">
+            <a:schemeClr val="dk1"/>
+          </a:fontRef>
+        </p:style>
+        <p:txBody>
+          <a:bodyPr rtlCol="0" anchor="ctr"/>
+          <a:lstStyle/>
+          <a:p>
+            <a:pPr algn="ctr"/>
+            <a:endParaRPr lang="en-PH" dirty="0"/>
+          </a:p>
+        </p:txBody>
+      </p:sp>
+      <p:sp>
+        <p:nvSpPr>
+          <p:cNvPr id="38" name="TextBox 37">
+            <a:extLst>
+              <a:ext uri="{FF2B5EF4-FFF2-40B4-BE49-F238E27FC236}">
+                <a16:creationId xmlns:a16="http://schemas.microsoft.com/office/drawing/2014/main" id="{DB797916-154F-53DA-25A8-66EA0B92C0E8}"/>
+              </a:ext>
+            </a:extLst>
+          </p:cNvPr>
+          <p:cNvSpPr txBox="1"/>
+          <p:nvPr/>
+        </p:nvSpPr>
+        <p:spPr>
+          <a:xfrm>
+            <a:off x="6148821" y="7960015"/>
+            <a:ext cx="1174729" cy="461665"/>
+          </a:xfrm>
+          <a:prstGeom prst="rect">
+            <a:avLst/>
+          </a:prstGeom>
+          <a:noFill/>
+        </p:spPr>
+        <p:txBody>
+          <a:bodyPr wrap="square" rtlCol="0">
+            <a:spAutoFit/>
+          </a:bodyPr>
+          <a:lstStyle/>
+          <a:p>
+            <a:r>
+              <a:rPr lang="en-US" sz="2400" dirty="0">
+                <a:latin typeface="Tahoma" panose="020B0604030504040204" pitchFamily="34" charset="0"/>
+                <a:ea typeface="Tahoma" panose="020B0604030504040204" pitchFamily="34" charset="0"/>
+                <a:cs typeface="Tahoma" panose="020B0604030504040204" pitchFamily="34" charset="0"/>
+              </a:rPr>
+              <a:t>HAITI</a:t>
+            </a:r>
+            <a:endParaRPr lang="en-PH" sz="2400" dirty="0">
+              <a:latin typeface="Tahoma" panose="020B0604030504040204" pitchFamily="34" charset="0"/>
+              <a:ea typeface="Tahoma" panose="020B0604030504040204" pitchFamily="34" charset="0"/>
+              <a:cs typeface="Tahoma" panose="020B0604030504040204" pitchFamily="34" charset="0"/>
+            </a:endParaRPr>
+          </a:p>
+        </p:txBody>
+      </p:sp>
+      <p:sp>
+        <p:nvSpPr>
+          <p:cNvPr id="39" name="TextBox 38">
+            <a:extLst>
+              <a:ext uri="{FF2B5EF4-FFF2-40B4-BE49-F238E27FC236}">
+                <a16:creationId xmlns:a16="http://schemas.microsoft.com/office/drawing/2014/main" id="{41F627D3-DDC4-957C-D5FB-4476979C8848}"/>
+              </a:ext>
+            </a:extLst>
+          </p:cNvPr>
+          <p:cNvSpPr txBox="1"/>
+          <p:nvPr/>
+        </p:nvSpPr>
+        <p:spPr>
+          <a:xfrm>
+            <a:off x="7810892" y="8370418"/>
+            <a:ext cx="2209539" cy="1015663"/>
+          </a:xfrm>
+          <a:prstGeom prst="rect">
+            <a:avLst/>
+          </a:prstGeom>
+          <a:noFill/>
+        </p:spPr>
+        <p:txBody>
+          <a:bodyPr wrap="square" rtlCol="0">
+            <a:spAutoFit/>
+          </a:bodyPr>
+          <a:lstStyle/>
+          <a:p>
+            <a:r>
+              <a:rPr lang="en-US" sz="6000" b="1" dirty="0">
+                <a:latin typeface="Tahoma" panose="020B0604030504040204" pitchFamily="34" charset="0"/>
+                <a:ea typeface="Tahoma" panose="020B0604030504040204" pitchFamily="34" charset="0"/>
+                <a:cs typeface="Tahoma" panose="020B0604030504040204" pitchFamily="34" charset="0"/>
+              </a:rPr>
+              <a:t>4343</a:t>
+            </a:r>
+            <a:endParaRPr lang="en-PH" sz="6000" b="1" dirty="0">
+              <a:latin typeface="Tahoma" panose="020B0604030504040204" pitchFamily="34" charset="0"/>
+              <a:ea typeface="Tahoma" panose="020B0604030504040204" pitchFamily="34" charset="0"/>
+              <a:cs typeface="Tahoma" panose="020B0604030504040204" pitchFamily="34" charset="0"/>
+            </a:endParaRPr>
+          </a:p>
+        </p:txBody>
+      </p:sp>
+      <p:sp>
+        <p:nvSpPr>
+          <p:cNvPr id="40" name="TextBox 39">
+            <a:extLst>
+              <a:ext uri="{FF2B5EF4-FFF2-40B4-BE49-F238E27FC236}">
+                <a16:creationId xmlns:a16="http://schemas.microsoft.com/office/drawing/2014/main" id="{B3B13814-EE3F-73F3-030D-DC4F19D1D43B}"/>
+              </a:ext>
+            </a:extLst>
+          </p:cNvPr>
+          <p:cNvSpPr txBox="1"/>
+          <p:nvPr/>
+        </p:nvSpPr>
+        <p:spPr>
+          <a:xfrm>
+            <a:off x="7575101" y="9267196"/>
+            <a:ext cx="2552831" cy="461665"/>
+          </a:xfrm>
+          <a:prstGeom prst="rect">
+            <a:avLst/>
+          </a:prstGeom>
+          <a:noFill/>
+        </p:spPr>
+        <p:txBody>
+          <a:bodyPr wrap="square" rtlCol="0">
+            <a:spAutoFit/>
+          </a:bodyPr>
+          <a:lstStyle/>
+          <a:p>
+            <a:r>
+              <a:rPr lang="en-US" sz="2400" b="1" dirty="0">
+                <a:latin typeface="Tahoma" panose="020B0604030504040204" pitchFamily="34" charset="0"/>
+                <a:ea typeface="Tahoma" panose="020B0604030504040204" pitchFamily="34" charset="0"/>
+                <a:cs typeface="Tahoma" panose="020B0604030504040204" pitchFamily="34" charset="0"/>
+              </a:rPr>
+              <a:t>TOTAL DEATHS </a:t>
+            </a:r>
+            <a:endParaRPr lang="en-PH" sz="2400" b="1" dirty="0">
+              <a:latin typeface="Tahoma" panose="020B0604030504040204" pitchFamily="34" charset="0"/>
+              <a:ea typeface="Tahoma" panose="020B0604030504040204" pitchFamily="34" charset="0"/>
+              <a:cs typeface="Tahoma" panose="020B0604030504040204" pitchFamily="34" charset="0"/>
             </a:endParaRPr>
           </a:p>
         </p:txBody>
@@ -8925,7 +7036,7 @@
 </p:sld>
 </file>
 
-<file path=ppt/slides/slide16.xml><?xml version="1.0" encoding="utf-8"?>
+<file path=ppt/slides/slide14.xml><?xml version="1.0" encoding="utf-8"?>
 <p:sld xmlns:a="http://schemas.openxmlformats.org/drawingml/2006/main" xmlns:r="http://schemas.openxmlformats.org/officeDocument/2006/relationships" xmlns:p="http://schemas.openxmlformats.org/presentationml/2006/main">
   <p:cSld>
     <p:spTree>
@@ -9480,7 +7591,7 @@
           <a:prstGeom prst="rect">
             <a:avLst/>
           </a:prstGeom>
-          <a:ln w="57150"/>
+          <a:ln w="28575"/>
         </p:spPr>
         <p:style>
           <a:lnRef idx="2">
@@ -9522,7 +7633,6 @@
           <a:prstGeom prst="chevron">
             <a:avLst/>
           </a:prstGeom>
-          <a:ln w="57150"/>
         </p:spPr>
         <p:style>
           <a:lnRef idx="2">
@@ -9607,7 +7717,7 @@
           <a:prstGeom prst="rect">
             <a:avLst/>
           </a:prstGeom>
-          <a:ln w="28575"/>
+          <a:ln w="57150"/>
         </p:spPr>
         <p:style>
           <a:lnRef idx="2">
@@ -9691,6 +7801,7 @@
           <a:prstGeom prst="chevron">
             <a:avLst/>
           </a:prstGeom>
+          <a:ln w="57150"/>
         </p:spPr>
         <p:style>
           <a:lnRef idx="2">
@@ -9887,131 +7998,12 @@
           </a:p>
         </p:txBody>
       </p:sp>
-      <p:sp>
-        <p:nvSpPr>
-          <p:cNvPr id="34" name="Rectangle 33"/>
-          <p:cNvSpPr/>
-          <p:nvPr/>
-        </p:nvSpPr>
-        <p:spPr>
-          <a:xfrm>
-            <a:off x="6096000" y="7505699"/>
-            <a:ext cx="5671748" cy="2590801"/>
-          </a:xfrm>
-          <a:prstGeom prst="rect">
-            <a:avLst/>
-          </a:prstGeom>
-          <a:ln w="38100"/>
-        </p:spPr>
-        <p:style>
-          <a:lnRef idx="2">
-            <a:schemeClr val="dk1"/>
-          </a:lnRef>
-          <a:fillRef idx="1">
-            <a:schemeClr val="lt1"/>
-          </a:fillRef>
-          <a:effectRef idx="0">
-            <a:schemeClr val="dk1"/>
-          </a:effectRef>
-          <a:fontRef idx="minor">
-            <a:schemeClr val="dk1"/>
-          </a:fontRef>
-        </p:style>
-        <p:txBody>
-          <a:bodyPr rtlCol="0" anchor="ctr"/>
-          <a:lstStyle/>
-          <a:p>
-            <a:pPr algn="ctr"/>
-            <a:endParaRPr lang="en-PH" dirty="0"/>
-          </a:p>
-        </p:txBody>
-      </p:sp>
       <p:pic>
         <p:nvPicPr>
-          <p:cNvPr id="6" name="Picture 5"/>
-          <p:cNvPicPr>
-            <a:picLocks noChangeAspect="1"/>
-          </p:cNvPicPr>
-          <p:nvPr/>
-        </p:nvPicPr>
-        <p:blipFill>
-          <a:blip r:embed="rId2" cstate="print">
-            <a:extLst>
-              <a:ext uri="{28A0092B-C50C-407E-A947-70E740481C1C}">
-                <a14:useLocalDpi xmlns:a14="http://schemas.microsoft.com/office/drawing/2010/main" val="0"/>
-              </a:ext>
-            </a:extLst>
-          </a:blip>
-          <a:stretch>
-            <a:fillRect/>
-          </a:stretch>
-        </p:blipFill>
-        <p:spPr>
-          <a:xfrm>
-            <a:off x="10001256" y="8144128"/>
-            <a:ext cx="1336164" cy="1336164"/>
-          </a:xfrm>
-          <a:prstGeom prst="rect">
-            <a:avLst/>
-          </a:prstGeom>
-        </p:spPr>
-      </p:pic>
-      <p:sp>
-        <p:nvSpPr>
-          <p:cNvPr id="37" name="TextBox 36"/>
-          <p:cNvSpPr txBox="1"/>
-          <p:nvPr/>
-        </p:nvSpPr>
-        <p:spPr>
-          <a:xfrm>
-            <a:off x="6096000" y="8191500"/>
-            <a:ext cx="3909240" cy="1200329"/>
-          </a:xfrm>
-          <a:prstGeom prst="rect">
-            <a:avLst/>
-          </a:prstGeom>
-          <a:noFill/>
-        </p:spPr>
-        <p:txBody>
-          <a:bodyPr wrap="square" rtlCol="0">
-            <a:spAutoFit/>
-          </a:bodyPr>
-          <a:lstStyle/>
-          <a:p>
-            <a:pPr algn="r"/>
-            <a:r>
-              <a:rPr lang="en-US" sz="3600" b="1" dirty="0">
-                <a:latin typeface="Tahoma" panose="020B0604030504040204" pitchFamily="34" charset="0"/>
-                <a:ea typeface="Tahoma" panose="020B0604030504040204" pitchFamily="34" charset="0"/>
-                <a:cs typeface="Tahoma" panose="020B0604030504040204" pitchFamily="34" charset="0"/>
-              </a:rPr>
-              <a:t>HURRICANE</a:t>
-            </a:r>
-          </a:p>
-          <a:p>
-            <a:pPr algn="r"/>
-            <a:r>
-              <a:rPr lang="en-US" sz="3600" b="1" dirty="0">
-                <a:latin typeface="Tahoma" panose="020B0604030504040204" pitchFamily="34" charset="0"/>
-                <a:ea typeface="Tahoma" panose="020B0604030504040204" pitchFamily="34" charset="0"/>
-                <a:cs typeface="Tahoma" panose="020B0604030504040204" pitchFamily="34" charset="0"/>
-              </a:rPr>
-              <a:t>IRMA</a:t>
-            </a:r>
-            <a:endParaRPr lang="en-PH" sz="3600" b="1" dirty="0">
-              <a:latin typeface="Tahoma" panose="020B0604030504040204" pitchFamily="34" charset="0"/>
-              <a:ea typeface="Tahoma" panose="020B0604030504040204" pitchFamily="34" charset="0"/>
-              <a:cs typeface="Tahoma" panose="020B0604030504040204" pitchFamily="34" charset="0"/>
-            </a:endParaRPr>
-          </a:p>
-        </p:txBody>
-      </p:sp>
-      <p:pic>
-        <p:nvPicPr>
-          <p:cNvPr id="32" name="Picture 31">
+          <p:cNvPr id="34" name="Picture 33">
             <a:extLst>
               <a:ext uri="{FF2B5EF4-FFF2-40B4-BE49-F238E27FC236}">
-                <a16:creationId xmlns:a16="http://schemas.microsoft.com/office/drawing/2014/main" id="{5C16CAF7-7623-38EB-36E6-CEE8A67EEF99}"/>
+                <a16:creationId xmlns:a16="http://schemas.microsoft.com/office/drawing/2014/main" id="{EEA025B3-3E6D-E7C8-1579-CE27CDAA23CA}"/>
               </a:ext>
             </a:extLst>
           </p:cNvPr>
@@ -10021,7 +8013,7 @@
           <p:nvPr/>
         </p:nvPicPr>
         <p:blipFill>
-          <a:blip r:embed="rId3">
+          <a:blip r:embed="rId2">
             <a:extLst>
               <a:ext uri="{28A0092B-C50C-407E-A947-70E740481C1C}">
                 <a14:useLocalDpi xmlns:a14="http://schemas.microsoft.com/office/drawing/2010/main" val="0"/>
@@ -10033,8 +8025,8 @@
         </p:blipFill>
         <p:spPr>
           <a:xfrm>
-            <a:off x="6115205" y="495301"/>
-            <a:ext cx="11653391" cy="6660752"/>
+            <a:off x="5817465" y="265646"/>
+            <a:ext cx="8355735" cy="9593603"/>
           </a:xfrm>
           <a:prstGeom prst="rect">
             <a:avLst/>
@@ -10048,10 +8040,10 @@
       </p:pic>
       <p:pic>
         <p:nvPicPr>
-          <p:cNvPr id="7" name="Picture 6">
+          <p:cNvPr id="6" name="Picture 5">
             <a:extLst>
               <a:ext uri="{FF2B5EF4-FFF2-40B4-BE49-F238E27FC236}">
-                <a16:creationId xmlns:a16="http://schemas.microsoft.com/office/drawing/2014/main" id="{8C5DBC32-8450-FA6C-A596-F1460513B3FB}"/>
+                <a16:creationId xmlns:a16="http://schemas.microsoft.com/office/drawing/2014/main" id="{0BAFD56F-4425-8381-3D46-926839AADEE4}"/>
               </a:ext>
             </a:extLst>
           </p:cNvPr>
@@ -10061,34 +8053,158 @@
           <p:nvPr/>
         </p:nvPicPr>
         <p:blipFill rotWithShape="1">
-          <a:blip r:embed="rId4"/>
-          <a:srcRect l="8662" t="38148" r="71444" b="33689"/>
+          <a:blip r:embed="rId3"/>
+          <a:srcRect l="10404" t="15926" r="67348" b="32881"/>
           <a:stretch/>
         </p:blipFill>
         <p:spPr>
           <a:xfrm>
-            <a:off x="12096848" y="7505699"/>
-            <a:ext cx="5671748" cy="2590801"/>
+            <a:off x="14401800" y="265645"/>
+            <a:ext cx="3655325" cy="6243353"/>
           </a:xfrm>
           <a:prstGeom prst="rect">
             <a:avLst/>
           </a:prstGeom>
-          <a:ln w="38100" cap="sq">
+          <a:ln w="38100">
             <a:solidFill>
-              <a:srgbClr val="000000"/>
+              <a:schemeClr val="tx1"/>
             </a:solidFill>
-            <a:prstDash val="solid"/>
-            <a:miter lim="800000"/>
           </a:ln>
-          <a:effectLst>
-            <a:outerShdw blurRad="50800" dist="38100" dir="2700000" algn="tl" rotWithShape="0">
-              <a:srgbClr val="000000">
-                <a:alpha val="43000"/>
-              </a:srgbClr>
-            </a:outerShdw>
-          </a:effectLst>
         </p:spPr>
       </p:pic>
+      <p:sp>
+        <p:nvSpPr>
+          <p:cNvPr id="38" name="Rectangle 37">
+            <a:extLst>
+              <a:ext uri="{FF2B5EF4-FFF2-40B4-BE49-F238E27FC236}">
+                <a16:creationId xmlns:a16="http://schemas.microsoft.com/office/drawing/2014/main" id="{C980918D-4C19-DF2A-5F15-38F9D50847AA}"/>
+              </a:ext>
+            </a:extLst>
+          </p:cNvPr>
+          <p:cNvSpPr/>
+          <p:nvPr/>
+        </p:nvSpPr>
+        <p:spPr>
+          <a:xfrm>
+            <a:off x="14390427" y="6699807"/>
+            <a:ext cx="3666698" cy="3159441"/>
+          </a:xfrm>
+          <a:prstGeom prst="rect">
+            <a:avLst/>
+          </a:prstGeom>
+          <a:ln w="38100"/>
+        </p:spPr>
+        <p:style>
+          <a:lnRef idx="2">
+            <a:schemeClr val="dk1"/>
+          </a:lnRef>
+          <a:fillRef idx="1">
+            <a:schemeClr val="lt1"/>
+          </a:fillRef>
+          <a:effectRef idx="0">
+            <a:schemeClr val="dk1"/>
+          </a:effectRef>
+          <a:fontRef idx="minor">
+            <a:schemeClr val="dk1"/>
+          </a:fontRef>
+        </p:style>
+        <p:txBody>
+          <a:bodyPr rtlCol="0" anchor="ctr"/>
+          <a:lstStyle/>
+          <a:p>
+            <a:pPr algn="ctr"/>
+            <a:endParaRPr lang="en-PH" dirty="0"/>
+          </a:p>
+        </p:txBody>
+      </p:sp>
+      <p:sp>
+        <p:nvSpPr>
+          <p:cNvPr id="39" name="TextBox 38">
+            <a:extLst>
+              <a:ext uri="{FF2B5EF4-FFF2-40B4-BE49-F238E27FC236}">
+                <a16:creationId xmlns:a16="http://schemas.microsoft.com/office/drawing/2014/main" id="{55BACF06-B3B8-99B6-A975-2304FF5E3C35}"/>
+              </a:ext>
+            </a:extLst>
+          </p:cNvPr>
+          <p:cNvSpPr txBox="1"/>
+          <p:nvPr/>
+        </p:nvSpPr>
+        <p:spPr>
+          <a:xfrm>
+            <a:off x="14548512" y="7319793"/>
+            <a:ext cx="3350525" cy="1446550"/>
+          </a:xfrm>
+          <a:prstGeom prst="rect">
+            <a:avLst/>
+          </a:prstGeom>
+          <a:noFill/>
+        </p:spPr>
+        <p:txBody>
+          <a:bodyPr wrap="square" rtlCol="0">
+            <a:spAutoFit/>
+          </a:bodyPr>
+          <a:lstStyle/>
+          <a:p>
+            <a:pPr algn="ctr"/>
+            <a:r>
+              <a:rPr lang="en-US" sz="4400" b="1" dirty="0">
+                <a:latin typeface="Tahoma" panose="020B0604030504040204" pitchFamily="34" charset="0"/>
+                <a:ea typeface="Tahoma" panose="020B0604030504040204" pitchFamily="34" charset="0"/>
+                <a:cs typeface="Tahoma" panose="020B0604030504040204" pitchFamily="34" charset="0"/>
+              </a:rPr>
+              <a:t>Saint Kitts and Nevis</a:t>
+            </a:r>
+            <a:endParaRPr lang="en-PH" sz="4400" b="1" dirty="0">
+              <a:latin typeface="Tahoma" panose="020B0604030504040204" pitchFamily="34" charset="0"/>
+              <a:ea typeface="Tahoma" panose="020B0604030504040204" pitchFamily="34" charset="0"/>
+              <a:cs typeface="Tahoma" panose="020B0604030504040204" pitchFamily="34" charset="0"/>
+            </a:endParaRPr>
+          </a:p>
+        </p:txBody>
+      </p:sp>
+      <p:sp>
+        <p:nvSpPr>
+          <p:cNvPr id="40" name="TextBox 39">
+            <a:extLst>
+              <a:ext uri="{FF2B5EF4-FFF2-40B4-BE49-F238E27FC236}">
+                <a16:creationId xmlns:a16="http://schemas.microsoft.com/office/drawing/2014/main" id="{EFC25E18-769C-7104-C484-9CCAA50785A2}"/>
+              </a:ext>
+            </a:extLst>
+          </p:cNvPr>
+          <p:cNvSpPr txBox="1"/>
+          <p:nvPr/>
+        </p:nvSpPr>
+        <p:spPr>
+          <a:xfrm>
+            <a:off x="14848299" y="8730831"/>
+            <a:ext cx="2750950" cy="646331"/>
+          </a:xfrm>
+          <a:prstGeom prst="rect">
+            <a:avLst/>
+          </a:prstGeom>
+          <a:noFill/>
+        </p:spPr>
+        <p:txBody>
+          <a:bodyPr wrap="square" rtlCol="0">
+            <a:spAutoFit/>
+          </a:bodyPr>
+          <a:lstStyle/>
+          <a:p>
+            <a:pPr algn="ctr"/>
+            <a:r>
+              <a:rPr lang="en-US" b="1" dirty="0">
+                <a:latin typeface="Century Gothic" panose="020B0502020202020204" pitchFamily="34" charset="0"/>
+                <a:cs typeface="Times New Roman" panose="02020603050405020304" pitchFamily="18" charset="0"/>
+              </a:rPr>
+              <a:t>Lowest Number of Total Deaths </a:t>
+            </a:r>
+            <a:endParaRPr lang="en-PH" b="1" dirty="0">
+              <a:latin typeface="Century Gothic" panose="020B0502020202020204" pitchFamily="34" charset="0"/>
+              <a:cs typeface="Times New Roman" panose="02020603050405020304" pitchFamily="18" charset="0"/>
+            </a:endParaRPr>
+          </a:p>
+        </p:txBody>
+      </p:sp>
     </p:spTree>
   </p:cSld>
   <p:clrMapOvr>
@@ -10097,7 +8213,7 @@
 </p:sld>
 </file>
 
-<file path=ppt/slides/slide17.xml><?xml version="1.0" encoding="utf-8"?>
+<file path=ppt/slides/slide15.xml><?xml version="1.0" encoding="utf-8"?>
 <p:sld xmlns:a="http://schemas.openxmlformats.org/drawingml/2006/main" xmlns:r="http://schemas.openxmlformats.org/officeDocument/2006/relationships" xmlns:p="http://schemas.openxmlformats.org/presentationml/2006/main">
   <p:cSld>
     <p:spTree>
@@ -10736,7 +8852,7 @@
           <a:prstGeom prst="rect">
             <a:avLst/>
           </a:prstGeom>
-          <a:ln w="57150"/>
+          <a:ln w="28575"/>
         </p:spPr>
         <p:style>
           <a:lnRef idx="2">
@@ -10820,7 +8936,6 @@
           <a:prstGeom prst="chevron">
             <a:avLst/>
           </a:prstGeom>
-          <a:ln w="57150"/>
         </p:spPr>
         <p:style>
           <a:lnRef idx="2">
@@ -10905,7 +9020,7 @@
           <a:prstGeom prst="rect">
             <a:avLst/>
           </a:prstGeom>
-          <a:ln w="28575"/>
+          <a:ln w="57150"/>
         </p:spPr>
         <p:style>
           <a:lnRef idx="2">
@@ -10947,6 +9062,7 @@
           <a:prstGeom prst="chevron">
             <a:avLst/>
           </a:prstGeom>
+          <a:ln w="57150"/>
         </p:spPr>
         <p:style>
           <a:lnRef idx="2">
@@ -11061,10 +9177,10 @@
       </p:sp>
       <p:pic>
         <p:nvPicPr>
-          <p:cNvPr id="26" name="Picture 25">
+          <p:cNvPr id="32" name="Picture 31">
             <a:extLst>
               <a:ext uri="{FF2B5EF4-FFF2-40B4-BE49-F238E27FC236}">
-                <a16:creationId xmlns:a16="http://schemas.microsoft.com/office/drawing/2014/main" id="{7FA1EC15-E3E0-7A65-CDCE-74BD6FBB06B5}"/>
+                <a16:creationId xmlns:a16="http://schemas.microsoft.com/office/drawing/2014/main" id="{88F2CB68-B34B-AB87-9668-0087475C77D3}"/>
               </a:ext>
             </a:extLst>
           </p:cNvPr>
@@ -11074,7 +9190,7 @@
           <p:nvPr/>
         </p:nvPicPr>
         <p:blipFill>
-          <a:blip r:embed="rId3">
+          <a:blip r:embed="rId2">
             <a:extLst>
               <a:ext uri="{28A0092B-C50C-407E-A947-70E740481C1C}">
                 <a14:useLocalDpi xmlns:a14="http://schemas.microsoft.com/office/drawing/2010/main" val="0"/>
@@ -11086,8 +9202,8 @@
         </p:blipFill>
         <p:spPr>
           <a:xfrm>
-            <a:off x="6019800" y="278305"/>
-            <a:ext cx="11928142" cy="7455995"/>
+            <a:off x="6148821" y="312157"/>
+            <a:ext cx="11605779" cy="7193543"/>
           </a:xfrm>
           <a:prstGeom prst="rect">
             <a:avLst/>
@@ -11101,10 +9217,10 @@
       </p:pic>
       <p:pic>
         <p:nvPicPr>
-          <p:cNvPr id="8" name="Picture 7">
+          <p:cNvPr id="6" name="Picture 5">
             <a:extLst>
               <a:ext uri="{FF2B5EF4-FFF2-40B4-BE49-F238E27FC236}">
-                <a16:creationId xmlns:a16="http://schemas.microsoft.com/office/drawing/2014/main" id="{0B65E4D3-73E9-1FCF-5731-1053B6B6DC40}"/>
+                <a16:creationId xmlns:a16="http://schemas.microsoft.com/office/drawing/2014/main" id="{CE8A3D1B-DC85-93FE-639D-40CECAC02A50}"/>
               </a:ext>
             </a:extLst>
           </p:cNvPr>
@@ -11114,14 +9230,14 @@
           <p:nvPr/>
         </p:nvPicPr>
         <p:blipFill rotWithShape="1">
-          <a:blip r:embed="rId4"/>
-          <a:srcRect l="10299" t="35926" r="67348" b="36726"/>
+          <a:blip r:embed="rId3"/>
+          <a:srcRect l="17083" t="28518" r="56250" b="47568"/>
           <a:stretch/>
         </p:blipFill>
         <p:spPr>
           <a:xfrm>
-            <a:off x="11684758" y="7905749"/>
-            <a:ext cx="6289342" cy="2149808"/>
+            <a:off x="6136311" y="7664355"/>
+            <a:ext cx="5966979" cy="2459975"/>
           </a:xfrm>
           <a:prstGeom prst="rect">
             <a:avLst/>
@@ -11135,10 +9251,10 @@
       </p:pic>
       <p:sp>
         <p:nvSpPr>
-          <p:cNvPr id="37" name="Rectangle 36">
+          <p:cNvPr id="33" name="Rectangle 32">
             <a:extLst>
               <a:ext uri="{FF2B5EF4-FFF2-40B4-BE49-F238E27FC236}">
-                <a16:creationId xmlns:a16="http://schemas.microsoft.com/office/drawing/2014/main" id="{8C7F6BEA-4426-BA91-BE6C-7E47071F3825}"/>
+                <a16:creationId xmlns:a16="http://schemas.microsoft.com/office/drawing/2014/main" id="{2B4D5518-08CB-63BC-AE91-A9583B54F410}"/>
               </a:ext>
             </a:extLst>
           </p:cNvPr>
@@ -11147,8 +9263,8 @@
         </p:nvSpPr>
         <p:spPr>
           <a:xfrm>
-            <a:off x="5999329" y="7905749"/>
-            <a:ext cx="5430671" cy="2157201"/>
+            <a:off x="12344400" y="7658100"/>
+            <a:ext cx="5410200" cy="2459975"/>
           </a:xfrm>
           <a:prstGeom prst="rect">
             <a:avLst/>
@@ -11180,10 +9296,10 @@
       </p:sp>
       <p:sp>
         <p:nvSpPr>
-          <p:cNvPr id="38" name="TextBox 37">
+          <p:cNvPr id="35" name="TextBox 34">
             <a:extLst>
               <a:ext uri="{FF2B5EF4-FFF2-40B4-BE49-F238E27FC236}">
-                <a16:creationId xmlns:a16="http://schemas.microsoft.com/office/drawing/2014/main" id="{DB797916-154F-53DA-25A8-66EA0B92C0E8}"/>
+                <a16:creationId xmlns:a16="http://schemas.microsoft.com/office/drawing/2014/main" id="{EE0D71FF-F4D2-3E90-898A-DF9DA27E12EC}"/>
               </a:ext>
             </a:extLst>
           </p:cNvPr>
@@ -11192,8 +9308,8 @@
         </p:nvSpPr>
         <p:spPr>
           <a:xfrm>
-            <a:off x="6148821" y="7960015"/>
-            <a:ext cx="1174729" cy="461665"/>
+            <a:off x="13674025" y="7886700"/>
+            <a:ext cx="2750950" cy="1015663"/>
           </a:xfrm>
           <a:prstGeom prst="rect">
             <a:avLst/>
@@ -11206,28 +9322,27 @@
           </a:bodyPr>
           <a:lstStyle/>
           <a:p>
+            <a:pPr algn="ctr"/>
             <a:r>
-              <a:rPr lang="en-US" sz="2400" dirty="0">
-                <a:latin typeface="Tahoma" panose="020B0604030504040204" pitchFamily="34" charset="0"/>
-                <a:ea typeface="Tahoma" panose="020B0604030504040204" pitchFamily="34" charset="0"/>
-                <a:cs typeface="Tahoma" panose="020B0604030504040204" pitchFamily="34" charset="0"/>
+              <a:rPr lang="en-US" sz="6000" b="1" dirty="0">
+                <a:latin typeface="Century Gothic" panose="020B0502020202020204" pitchFamily="34" charset="0"/>
+                <a:cs typeface="Times New Roman" panose="02020603050405020304" pitchFamily="18" charset="0"/>
               </a:rPr>
-              <a:t>HAITI</a:t>
+              <a:t>USA</a:t>
             </a:r>
-            <a:endParaRPr lang="en-PH" sz="2400" dirty="0">
-              <a:latin typeface="Tahoma" panose="020B0604030504040204" pitchFamily="34" charset="0"/>
-              <a:ea typeface="Tahoma" panose="020B0604030504040204" pitchFamily="34" charset="0"/>
-              <a:cs typeface="Tahoma" panose="020B0604030504040204" pitchFamily="34" charset="0"/>
+            <a:endParaRPr lang="en-PH" sz="6000" b="1" dirty="0">
+              <a:latin typeface="Century Gothic" panose="020B0502020202020204" pitchFamily="34" charset="0"/>
+              <a:cs typeface="Times New Roman" panose="02020603050405020304" pitchFamily="18" charset="0"/>
             </a:endParaRPr>
           </a:p>
         </p:txBody>
       </p:sp>
       <p:sp>
         <p:nvSpPr>
-          <p:cNvPr id="39" name="TextBox 38">
+          <p:cNvPr id="36" name="TextBox 35">
             <a:extLst>
               <a:ext uri="{FF2B5EF4-FFF2-40B4-BE49-F238E27FC236}">
-                <a16:creationId xmlns:a16="http://schemas.microsoft.com/office/drawing/2014/main" id="{41F627D3-DDC4-957C-D5FB-4476979C8848}"/>
+                <a16:creationId xmlns:a16="http://schemas.microsoft.com/office/drawing/2014/main" id="{E11E5A28-E7B5-4835-3BAA-2C3EAD89726A}"/>
               </a:ext>
             </a:extLst>
           </p:cNvPr>
@@ -11236,8 +9351,8 @@
         </p:nvSpPr>
         <p:spPr>
           <a:xfrm>
-            <a:off x="7810892" y="8370418"/>
-            <a:ext cx="2209539" cy="1015663"/>
+            <a:off x="12839700" y="8845600"/>
+            <a:ext cx="4419600" cy="1138773"/>
           </a:xfrm>
           <a:prstGeom prst="rect">
             <a:avLst/>
@@ -11250,62 +9365,31 @@
           </a:bodyPr>
           <a:lstStyle/>
           <a:p>
+            <a:pPr algn="ctr"/>
             <a:r>
-              <a:rPr lang="en-US" sz="6000" b="1" dirty="0">
-                <a:latin typeface="Tahoma" panose="020B0604030504040204" pitchFamily="34" charset="0"/>
-                <a:ea typeface="Tahoma" panose="020B0604030504040204" pitchFamily="34" charset="0"/>
-                <a:cs typeface="Tahoma" panose="020B0604030504040204" pitchFamily="34" charset="0"/>
+              <a:rPr lang="en-US" sz="2000" b="1" dirty="0">
+                <a:latin typeface="Century Gothic" panose="020B0502020202020204" pitchFamily="34" charset="0"/>
+                <a:cs typeface="Times New Roman" panose="02020603050405020304" pitchFamily="18" charset="0"/>
               </a:rPr>
-              <a:t>4343</a:t>
+              <a:t>MOST AFFECTED COUNTRY HAVING MORE THAN </a:t>
             </a:r>
-            <a:endParaRPr lang="en-PH" sz="6000" b="1" dirty="0">
-              <a:latin typeface="Tahoma" panose="020B0604030504040204" pitchFamily="34" charset="0"/>
-              <a:ea typeface="Tahoma" panose="020B0604030504040204" pitchFamily="34" charset="0"/>
-              <a:cs typeface="Tahoma" panose="020B0604030504040204" pitchFamily="34" charset="0"/>
-            </a:endParaRPr>
-          </a:p>
-        </p:txBody>
-      </p:sp>
-      <p:sp>
-        <p:nvSpPr>
-          <p:cNvPr id="40" name="TextBox 39">
-            <a:extLst>
-              <a:ext uri="{FF2B5EF4-FFF2-40B4-BE49-F238E27FC236}">
-                <a16:creationId xmlns:a16="http://schemas.microsoft.com/office/drawing/2014/main" id="{B3B13814-EE3F-73F3-030D-DC4F19D1D43B}"/>
-              </a:ext>
-            </a:extLst>
-          </p:cNvPr>
-          <p:cNvSpPr txBox="1"/>
-          <p:nvPr/>
-        </p:nvSpPr>
-        <p:spPr>
-          <a:xfrm>
-            <a:off x="7575101" y="9267196"/>
-            <a:ext cx="2552831" cy="461665"/>
-          </a:xfrm>
-          <a:prstGeom prst="rect">
-            <a:avLst/>
-          </a:prstGeom>
-          <a:noFill/>
-        </p:spPr>
-        <p:txBody>
-          <a:bodyPr wrap="square" rtlCol="0">
-            <a:spAutoFit/>
-          </a:bodyPr>
-          <a:lstStyle/>
-          <a:p>
             <a:r>
-              <a:rPr lang="en-US" sz="2400" b="1" dirty="0">
-                <a:latin typeface="Tahoma" panose="020B0604030504040204" pitchFamily="34" charset="0"/>
-                <a:ea typeface="Tahoma" panose="020B0604030504040204" pitchFamily="34" charset="0"/>
-                <a:cs typeface="Tahoma" panose="020B0604030504040204" pitchFamily="34" charset="0"/>
+              <a:rPr lang="en-US" sz="2800" b="1" dirty="0">
+                <a:latin typeface="Century Gothic" panose="020B0502020202020204" pitchFamily="34" charset="0"/>
+                <a:cs typeface="Times New Roman" panose="02020603050405020304" pitchFamily="18" charset="0"/>
               </a:rPr>
-              <a:t>TOTAL DEATHS </a:t>
+              <a:t>700</a:t>
             </a:r>
-            <a:endParaRPr lang="en-PH" sz="2400" b="1" dirty="0">
-              <a:latin typeface="Tahoma" panose="020B0604030504040204" pitchFamily="34" charset="0"/>
-              <a:ea typeface="Tahoma" panose="020B0604030504040204" pitchFamily="34" charset="0"/>
-              <a:cs typeface="Tahoma" panose="020B0604030504040204" pitchFamily="34" charset="0"/>
+            <a:r>
+              <a:rPr lang="en-US" sz="2000" b="1" dirty="0">
+                <a:latin typeface="Century Gothic" panose="020B0502020202020204" pitchFamily="34" charset="0"/>
+                <a:cs typeface="Times New Roman" panose="02020603050405020304" pitchFamily="18" charset="0"/>
+              </a:rPr>
+              <a:t> BILLION TOTAL COST OF DAMAGES</a:t>
+            </a:r>
+            <a:endParaRPr lang="en-PH" sz="2000" b="1" dirty="0">
+              <a:latin typeface="Century Gothic" panose="020B0502020202020204" pitchFamily="34" charset="0"/>
+              <a:cs typeface="Times New Roman" panose="02020603050405020304" pitchFamily="18" charset="0"/>
             </a:endParaRPr>
           </a:p>
         </p:txBody>
@@ -11318,7 +9402,7 @@
 </p:sld>
 </file>
 
-<file path=ppt/slides/slide18.xml><?xml version="1.0" encoding="utf-8"?>
+<file path=ppt/slides/slide16.xml><?xml version="1.0" encoding="utf-8"?>
 <p:sld xmlns:a="http://schemas.openxmlformats.org/drawingml/2006/main" xmlns:r="http://schemas.openxmlformats.org/officeDocument/2006/relationships" xmlns:p="http://schemas.openxmlformats.org/presentationml/2006/main">
   <p:cSld>
     <p:spTree>
@@ -11343,7 +9427,7 @@
         </p:nvSpPr>
         <p:spPr>
           <a:xfrm>
-            <a:off x="0" y="-22178"/>
+            <a:off x="0" y="0"/>
             <a:ext cx="5638800" cy="10287000"/>
           </a:xfrm>
           <a:custGeom>
@@ -11999,3075 +10083,6 @@
           <a:prstGeom prst="rect">
             <a:avLst/>
           </a:prstGeom>
-          <a:ln w="57150"/>
-        </p:spPr>
-        <p:style>
-          <a:lnRef idx="2">
-            <a:schemeClr val="dk1"/>
-          </a:lnRef>
-          <a:fillRef idx="1">
-            <a:schemeClr val="lt1"/>
-          </a:fillRef>
-          <a:effectRef idx="0">
-            <a:schemeClr val="dk1"/>
-          </a:effectRef>
-          <a:fontRef idx="minor">
-            <a:schemeClr val="dk1"/>
-          </a:fontRef>
-        </p:style>
-        <p:txBody>
-          <a:bodyPr rtlCol="0" anchor="ctr"/>
-          <a:lstStyle/>
-          <a:p>
-            <a:pPr algn="ctr"/>
-            <a:r>
-              <a:rPr lang="en-US" dirty="0"/>
-              <a:t>Objective 3</a:t>
-            </a:r>
-          </a:p>
-        </p:txBody>
-      </p:sp>
-      <p:sp>
-        <p:nvSpPr>
-          <p:cNvPr id="30" name="Arrow: Chevron 29"/>
-          <p:cNvSpPr/>
-          <p:nvPr/>
-        </p:nvSpPr>
-        <p:spPr>
-          <a:xfrm>
-            <a:off x="712065" y="5685350"/>
-            <a:ext cx="160088" cy="190810"/>
-          </a:xfrm>
-          <a:prstGeom prst="chevron">
-            <a:avLst/>
-          </a:prstGeom>
-        </p:spPr>
-        <p:style>
-          <a:lnRef idx="2">
-            <a:schemeClr val="dk1"/>
-          </a:lnRef>
-          <a:fillRef idx="1">
-            <a:schemeClr val="lt1"/>
-          </a:fillRef>
-          <a:effectRef idx="0">
-            <a:schemeClr val="dk1"/>
-          </a:effectRef>
-          <a:fontRef idx="minor">
-            <a:schemeClr val="dk1"/>
-          </a:fontRef>
-        </p:style>
-        <p:txBody>
-          <a:bodyPr rtlCol="0" anchor="ctr"/>
-          <a:lstStyle/>
-          <a:p>
-            <a:pPr algn="ctr"/>
-            <a:endParaRPr lang="en-US">
-              <a:solidFill>
-                <a:schemeClr val="tx1"/>
-              </a:solidFill>
-            </a:endParaRPr>
-          </a:p>
-        </p:txBody>
-      </p:sp>
-      <p:sp>
-        <p:nvSpPr>
-          <p:cNvPr id="31" name="Arrow: Chevron 30"/>
-          <p:cNvSpPr/>
-          <p:nvPr/>
-        </p:nvSpPr>
-        <p:spPr>
-          <a:xfrm>
-            <a:off x="712065" y="6069533"/>
-            <a:ext cx="160088" cy="190810"/>
-          </a:xfrm>
-          <a:prstGeom prst="chevron">
-            <a:avLst/>
-          </a:prstGeom>
-          <a:ln w="57150"/>
-        </p:spPr>
-        <p:style>
-          <a:lnRef idx="2">
-            <a:schemeClr val="dk1"/>
-          </a:lnRef>
-          <a:fillRef idx="1">
-            <a:schemeClr val="lt1"/>
-          </a:fillRef>
-          <a:effectRef idx="0">
-            <a:schemeClr val="dk1"/>
-          </a:effectRef>
-          <a:fontRef idx="minor">
-            <a:schemeClr val="dk1"/>
-          </a:fontRef>
-        </p:style>
-        <p:txBody>
-          <a:bodyPr rtlCol="0" anchor="ctr"/>
-          <a:lstStyle/>
-          <a:p>
-            <a:pPr algn="ctr"/>
-            <a:endParaRPr lang="en-US">
-              <a:solidFill>
-                <a:schemeClr val="tx1"/>
-              </a:solidFill>
-            </a:endParaRPr>
-          </a:p>
-        </p:txBody>
-      </p:sp>
-      <p:sp>
-        <p:nvSpPr>
-          <p:cNvPr id="20" name="Rectangle 19"/>
-          <p:cNvSpPr/>
-          <p:nvPr/>
-        </p:nvSpPr>
-        <p:spPr>
-          <a:xfrm>
-            <a:off x="961189" y="6438900"/>
-            <a:ext cx="4270713" cy="312196"/>
-          </a:xfrm>
-          <a:prstGeom prst="rect">
-            <a:avLst/>
-          </a:prstGeom>
-          <a:ln w="28575"/>
-        </p:spPr>
-        <p:style>
-          <a:lnRef idx="2">
-            <a:schemeClr val="dk1"/>
-          </a:lnRef>
-          <a:fillRef idx="1">
-            <a:schemeClr val="lt1"/>
-          </a:fillRef>
-          <a:effectRef idx="0">
-            <a:schemeClr val="dk1"/>
-          </a:effectRef>
-          <a:fontRef idx="minor">
-            <a:schemeClr val="dk1"/>
-          </a:fontRef>
-        </p:style>
-        <p:txBody>
-          <a:bodyPr rtlCol="0" anchor="ctr"/>
-          <a:lstStyle/>
-          <a:p>
-            <a:pPr algn="ctr"/>
-            <a:r>
-              <a:rPr lang="en-US" dirty="0"/>
-              <a:t>Objective 4</a:t>
-            </a:r>
-          </a:p>
-        </p:txBody>
-      </p:sp>
-      <p:sp>
-        <p:nvSpPr>
-          <p:cNvPr id="21" name="Arrow: Chevron 20"/>
-          <p:cNvSpPr/>
-          <p:nvPr/>
-        </p:nvSpPr>
-        <p:spPr>
-          <a:xfrm>
-            <a:off x="721567" y="6508998"/>
-            <a:ext cx="160088" cy="190810"/>
-          </a:xfrm>
-          <a:prstGeom prst="chevron">
-            <a:avLst/>
-          </a:prstGeom>
-        </p:spPr>
-        <p:style>
-          <a:lnRef idx="2">
-            <a:schemeClr val="dk1"/>
-          </a:lnRef>
-          <a:fillRef idx="1">
-            <a:schemeClr val="lt1"/>
-          </a:fillRef>
-          <a:effectRef idx="0">
-            <a:schemeClr val="dk1"/>
-          </a:effectRef>
-          <a:fontRef idx="minor">
-            <a:schemeClr val="dk1"/>
-          </a:fontRef>
-        </p:style>
-        <p:txBody>
-          <a:bodyPr rtlCol="0" anchor="ctr"/>
-          <a:lstStyle/>
-          <a:p>
-            <a:pPr algn="ctr"/>
-            <a:endParaRPr lang="en-US">
-              <a:solidFill>
-                <a:schemeClr val="tx1"/>
-              </a:solidFill>
-            </a:endParaRPr>
-          </a:p>
-        </p:txBody>
-      </p:sp>
-      <p:sp>
-        <p:nvSpPr>
-          <p:cNvPr id="22" name="Rectangle 21"/>
-          <p:cNvSpPr/>
-          <p:nvPr/>
-        </p:nvSpPr>
-        <p:spPr>
-          <a:xfrm>
-            <a:off x="961189" y="6843857"/>
-            <a:ext cx="4270713" cy="312196"/>
-          </a:xfrm>
-          <a:prstGeom prst="rect">
-            <a:avLst/>
-          </a:prstGeom>
-          <a:ln w="28575"/>
-        </p:spPr>
-        <p:style>
-          <a:lnRef idx="2">
-            <a:schemeClr val="dk1"/>
-          </a:lnRef>
-          <a:fillRef idx="1">
-            <a:schemeClr val="lt1"/>
-          </a:fillRef>
-          <a:effectRef idx="0">
-            <a:schemeClr val="dk1"/>
-          </a:effectRef>
-          <a:fontRef idx="minor">
-            <a:schemeClr val="dk1"/>
-          </a:fontRef>
-        </p:style>
-        <p:txBody>
-          <a:bodyPr rtlCol="0" anchor="ctr"/>
-          <a:lstStyle/>
-          <a:p>
-            <a:pPr algn="ctr"/>
-            <a:r>
-              <a:rPr lang="en-US" dirty="0"/>
-              <a:t>Objective 5</a:t>
-            </a:r>
-          </a:p>
-        </p:txBody>
-      </p:sp>
-      <p:sp>
-        <p:nvSpPr>
-          <p:cNvPr id="27" name="Arrow: Chevron 26"/>
-          <p:cNvSpPr/>
-          <p:nvPr/>
-        </p:nvSpPr>
-        <p:spPr>
-          <a:xfrm>
-            <a:off x="721567" y="6904550"/>
-            <a:ext cx="160088" cy="190810"/>
-          </a:xfrm>
-          <a:prstGeom prst="chevron">
-            <a:avLst/>
-          </a:prstGeom>
-        </p:spPr>
-        <p:style>
-          <a:lnRef idx="2">
-            <a:schemeClr val="dk1"/>
-          </a:lnRef>
-          <a:fillRef idx="1">
-            <a:schemeClr val="lt1"/>
-          </a:fillRef>
-          <a:effectRef idx="0">
-            <a:schemeClr val="dk1"/>
-          </a:effectRef>
-          <a:fontRef idx="minor">
-            <a:schemeClr val="dk1"/>
-          </a:fontRef>
-        </p:style>
-        <p:txBody>
-          <a:bodyPr rtlCol="0" anchor="ctr"/>
-          <a:lstStyle/>
-          <a:p>
-            <a:pPr algn="ctr"/>
-            <a:endParaRPr lang="en-US">
-              <a:solidFill>
-                <a:schemeClr val="tx1"/>
-              </a:solidFill>
-            </a:endParaRPr>
-          </a:p>
-        </p:txBody>
-      </p:sp>
-      <p:pic>
-        <p:nvPicPr>
-          <p:cNvPr id="34" name="Picture 33">
-            <a:extLst>
-              <a:ext uri="{FF2B5EF4-FFF2-40B4-BE49-F238E27FC236}">
-                <a16:creationId xmlns:a16="http://schemas.microsoft.com/office/drawing/2014/main" id="{EEA025B3-3E6D-E7C8-1579-CE27CDAA23CA}"/>
-              </a:ext>
-            </a:extLst>
-          </p:cNvPr>
-          <p:cNvPicPr>
-            <a:picLocks noChangeAspect="1"/>
-          </p:cNvPicPr>
-          <p:nvPr/>
-        </p:nvPicPr>
-        <p:blipFill>
-          <a:blip r:embed="rId2">
-            <a:extLst>
-              <a:ext uri="{28A0092B-C50C-407E-A947-70E740481C1C}">
-                <a14:useLocalDpi xmlns:a14="http://schemas.microsoft.com/office/drawing/2010/main" val="0"/>
-              </a:ext>
-            </a:extLst>
-          </a:blip>
-          <a:srcRect/>
-          <a:stretch/>
-        </p:blipFill>
-        <p:spPr>
-          <a:xfrm>
-            <a:off x="5817465" y="265646"/>
-            <a:ext cx="8355735" cy="9593603"/>
-          </a:xfrm>
-          <a:prstGeom prst="rect">
-            <a:avLst/>
-          </a:prstGeom>
-          <a:ln w="38100">
-            <a:solidFill>
-              <a:schemeClr val="tx1"/>
-            </a:solidFill>
-          </a:ln>
-        </p:spPr>
-      </p:pic>
-      <p:pic>
-        <p:nvPicPr>
-          <p:cNvPr id="6" name="Picture 5">
-            <a:extLst>
-              <a:ext uri="{FF2B5EF4-FFF2-40B4-BE49-F238E27FC236}">
-                <a16:creationId xmlns:a16="http://schemas.microsoft.com/office/drawing/2014/main" id="{0BAFD56F-4425-8381-3D46-926839AADEE4}"/>
-              </a:ext>
-            </a:extLst>
-          </p:cNvPr>
-          <p:cNvPicPr>
-            <a:picLocks noChangeAspect="1"/>
-          </p:cNvPicPr>
-          <p:nvPr/>
-        </p:nvPicPr>
-        <p:blipFill rotWithShape="1">
-          <a:blip r:embed="rId3"/>
-          <a:srcRect l="10404" t="15926" r="67348" b="32881"/>
-          <a:stretch/>
-        </p:blipFill>
-        <p:spPr>
-          <a:xfrm>
-            <a:off x="14401800" y="265645"/>
-            <a:ext cx="3655325" cy="6243353"/>
-          </a:xfrm>
-          <a:prstGeom prst="rect">
-            <a:avLst/>
-          </a:prstGeom>
-          <a:ln w="38100">
-            <a:solidFill>
-              <a:schemeClr val="tx1"/>
-            </a:solidFill>
-          </a:ln>
-        </p:spPr>
-      </p:pic>
-      <p:sp>
-        <p:nvSpPr>
-          <p:cNvPr id="38" name="Rectangle 37">
-            <a:extLst>
-              <a:ext uri="{FF2B5EF4-FFF2-40B4-BE49-F238E27FC236}">
-                <a16:creationId xmlns:a16="http://schemas.microsoft.com/office/drawing/2014/main" id="{C980918D-4C19-DF2A-5F15-38F9D50847AA}"/>
-              </a:ext>
-            </a:extLst>
-          </p:cNvPr>
-          <p:cNvSpPr/>
-          <p:nvPr/>
-        </p:nvSpPr>
-        <p:spPr>
-          <a:xfrm>
-            <a:off x="14390427" y="6699807"/>
-            <a:ext cx="3666698" cy="3159441"/>
-          </a:xfrm>
-          <a:prstGeom prst="rect">
-            <a:avLst/>
-          </a:prstGeom>
-          <a:ln w="38100"/>
-        </p:spPr>
-        <p:style>
-          <a:lnRef idx="2">
-            <a:schemeClr val="dk1"/>
-          </a:lnRef>
-          <a:fillRef idx="1">
-            <a:schemeClr val="lt1"/>
-          </a:fillRef>
-          <a:effectRef idx="0">
-            <a:schemeClr val="dk1"/>
-          </a:effectRef>
-          <a:fontRef idx="minor">
-            <a:schemeClr val="dk1"/>
-          </a:fontRef>
-        </p:style>
-        <p:txBody>
-          <a:bodyPr rtlCol="0" anchor="ctr"/>
-          <a:lstStyle/>
-          <a:p>
-            <a:pPr algn="ctr"/>
-            <a:endParaRPr lang="en-PH" dirty="0"/>
-          </a:p>
-        </p:txBody>
-      </p:sp>
-      <p:sp>
-        <p:nvSpPr>
-          <p:cNvPr id="39" name="TextBox 38">
-            <a:extLst>
-              <a:ext uri="{FF2B5EF4-FFF2-40B4-BE49-F238E27FC236}">
-                <a16:creationId xmlns:a16="http://schemas.microsoft.com/office/drawing/2014/main" id="{55BACF06-B3B8-99B6-A975-2304FF5E3C35}"/>
-              </a:ext>
-            </a:extLst>
-          </p:cNvPr>
-          <p:cNvSpPr txBox="1"/>
-          <p:nvPr/>
-        </p:nvSpPr>
-        <p:spPr>
-          <a:xfrm>
-            <a:off x="14548512" y="7319793"/>
-            <a:ext cx="3350525" cy="1446550"/>
-          </a:xfrm>
-          <a:prstGeom prst="rect">
-            <a:avLst/>
-          </a:prstGeom>
-          <a:noFill/>
-        </p:spPr>
-        <p:txBody>
-          <a:bodyPr wrap="square" rtlCol="0">
-            <a:spAutoFit/>
-          </a:bodyPr>
-          <a:lstStyle/>
-          <a:p>
-            <a:pPr algn="ctr"/>
-            <a:r>
-              <a:rPr lang="en-US" sz="4400" b="1" dirty="0">
-                <a:latin typeface="Tahoma" panose="020B0604030504040204" pitchFamily="34" charset="0"/>
-                <a:ea typeface="Tahoma" panose="020B0604030504040204" pitchFamily="34" charset="0"/>
-                <a:cs typeface="Tahoma" panose="020B0604030504040204" pitchFamily="34" charset="0"/>
-              </a:rPr>
-              <a:t>Saint Kitts and Nevis</a:t>
-            </a:r>
-            <a:endParaRPr lang="en-PH" sz="4400" b="1" dirty="0">
-              <a:latin typeface="Tahoma" panose="020B0604030504040204" pitchFamily="34" charset="0"/>
-              <a:ea typeface="Tahoma" panose="020B0604030504040204" pitchFamily="34" charset="0"/>
-              <a:cs typeface="Tahoma" panose="020B0604030504040204" pitchFamily="34" charset="0"/>
-            </a:endParaRPr>
-          </a:p>
-        </p:txBody>
-      </p:sp>
-      <p:sp>
-        <p:nvSpPr>
-          <p:cNvPr id="40" name="TextBox 39">
-            <a:extLst>
-              <a:ext uri="{FF2B5EF4-FFF2-40B4-BE49-F238E27FC236}">
-                <a16:creationId xmlns:a16="http://schemas.microsoft.com/office/drawing/2014/main" id="{EFC25E18-769C-7104-C484-9CCAA50785A2}"/>
-              </a:ext>
-            </a:extLst>
-          </p:cNvPr>
-          <p:cNvSpPr txBox="1"/>
-          <p:nvPr/>
-        </p:nvSpPr>
-        <p:spPr>
-          <a:xfrm>
-            <a:off x="14848299" y="8730831"/>
-            <a:ext cx="2750950" cy="646331"/>
-          </a:xfrm>
-          <a:prstGeom prst="rect">
-            <a:avLst/>
-          </a:prstGeom>
-          <a:noFill/>
-        </p:spPr>
-        <p:txBody>
-          <a:bodyPr wrap="square" rtlCol="0">
-            <a:spAutoFit/>
-          </a:bodyPr>
-          <a:lstStyle/>
-          <a:p>
-            <a:pPr algn="ctr"/>
-            <a:r>
-              <a:rPr lang="en-US" b="1" dirty="0">
-                <a:latin typeface="Century Gothic" panose="020B0502020202020204" pitchFamily="34" charset="0"/>
-                <a:cs typeface="Times New Roman" panose="02020603050405020304" pitchFamily="18" charset="0"/>
-              </a:rPr>
-              <a:t>Lowest Number of Total Deaths </a:t>
-            </a:r>
-            <a:endParaRPr lang="en-PH" b="1" dirty="0">
-              <a:latin typeface="Century Gothic" panose="020B0502020202020204" pitchFamily="34" charset="0"/>
-              <a:cs typeface="Times New Roman" panose="02020603050405020304" pitchFamily="18" charset="0"/>
-            </a:endParaRPr>
-          </a:p>
-        </p:txBody>
-      </p:sp>
-    </p:spTree>
-  </p:cSld>
-  <p:clrMapOvr>
-    <a:masterClrMapping/>
-  </p:clrMapOvr>
-</p:sld>
-</file>
-
-<file path=ppt/slides/slide19.xml><?xml version="1.0" encoding="utf-8"?>
-<p:sld xmlns:a="http://schemas.openxmlformats.org/drawingml/2006/main" xmlns:r="http://schemas.openxmlformats.org/officeDocument/2006/relationships" xmlns:p="http://schemas.openxmlformats.org/presentationml/2006/main">
-  <p:cSld>
-    <p:spTree>
-      <p:nvGrpSpPr>
-        <p:cNvPr id="1" name=""/>
-        <p:cNvGrpSpPr/>
-        <p:nvPr/>
-      </p:nvGrpSpPr>
-      <p:grpSpPr>
-        <a:xfrm>
-          <a:off x="0" y="0"/>
-          <a:ext cx="0" cy="0"/>
-          <a:chOff x="0" y="0"/>
-          <a:chExt cx="0" cy="0"/>
-        </a:xfrm>
-      </p:grpSpPr>
-      <p:sp>
-        <p:nvSpPr>
-          <p:cNvPr id="2" name="object 2"/>
-          <p:cNvSpPr/>
-          <p:nvPr/>
-        </p:nvSpPr>
-        <p:spPr>
-          <a:xfrm>
-            <a:off x="0" y="-22178"/>
-            <a:ext cx="5638800" cy="10287000"/>
-          </a:xfrm>
-          <a:custGeom>
-            <a:avLst/>
-            <a:gdLst/>
-            <a:ahLst/>
-            <a:cxnLst/>
-            <a:rect l="l" t="t" r="r" b="b"/>
-            <a:pathLst>
-              <a:path w="4810125" h="10287000">
-                <a:moveTo>
-                  <a:pt x="4810124" y="10286999"/>
-                </a:moveTo>
-                <a:lnTo>
-                  <a:pt x="0" y="10286999"/>
-                </a:lnTo>
-                <a:lnTo>
-                  <a:pt x="0" y="0"/>
-                </a:lnTo>
-                <a:lnTo>
-                  <a:pt x="4810124" y="0"/>
-                </a:lnTo>
-                <a:lnTo>
-                  <a:pt x="4810124" y="10286999"/>
-                </a:lnTo>
-                <a:close/>
-              </a:path>
-            </a:pathLst>
-          </a:custGeom>
-          <a:solidFill>
-            <a:srgbClr val="D5D5D5"/>
-          </a:solidFill>
-        </p:spPr>
-        <p:txBody>
-          <a:bodyPr wrap="square" lIns="0" tIns="0" rIns="0" bIns="0" rtlCol="0"/>
-          <a:lstStyle/>
-          <a:p>
-            <a:endParaRPr dirty="0"/>
-          </a:p>
-        </p:txBody>
-      </p:sp>
-      <p:sp>
-        <p:nvSpPr>
-          <p:cNvPr id="4" name="object 4"/>
-          <p:cNvSpPr/>
-          <p:nvPr/>
-        </p:nvSpPr>
-        <p:spPr>
-          <a:xfrm>
-            <a:off x="6148821" y="9639300"/>
-            <a:ext cx="1485900" cy="57150"/>
-          </a:xfrm>
-          <a:custGeom>
-            <a:avLst/>
-            <a:gdLst/>
-            <a:ahLst/>
-            <a:cxnLst/>
-            <a:rect l="l" t="t" r="r" b="b"/>
-            <a:pathLst>
-              <a:path w="1485900" h="57150">
-                <a:moveTo>
-                  <a:pt x="1485899" y="57149"/>
-                </a:moveTo>
-                <a:lnTo>
-                  <a:pt x="0" y="57149"/>
-                </a:lnTo>
-                <a:lnTo>
-                  <a:pt x="0" y="0"/>
-                </a:lnTo>
-                <a:lnTo>
-                  <a:pt x="1485899" y="0"/>
-                </a:lnTo>
-                <a:lnTo>
-                  <a:pt x="1485899" y="57149"/>
-                </a:lnTo>
-                <a:close/>
-              </a:path>
-            </a:pathLst>
-          </a:custGeom>
-          <a:solidFill>
-            <a:srgbClr val="D5D5D5"/>
-          </a:solidFill>
-        </p:spPr>
-        <p:txBody>
-          <a:bodyPr wrap="square" lIns="0" tIns="0" rIns="0" bIns="0" rtlCol="0"/>
-          <a:lstStyle/>
-          <a:p>
-            <a:endParaRPr/>
-          </a:p>
-        </p:txBody>
-      </p:sp>
-      <p:grpSp>
-        <p:nvGrpSpPr>
-          <p:cNvPr id="17" name="object 17"/>
-          <p:cNvGrpSpPr/>
-          <p:nvPr/>
-        </p:nvGrpSpPr>
-        <p:grpSpPr>
-          <a:xfrm>
-            <a:off x="951690" y="1028700"/>
-            <a:ext cx="4175760" cy="9258300"/>
-            <a:chOff x="951690" y="1028700"/>
-            <a:chExt cx="4175760" cy="9258300"/>
-          </a:xfrm>
-          <a:solidFill>
-            <a:schemeClr val="bg1"/>
-          </a:solidFill>
-        </p:grpSpPr>
-        <p:sp>
-          <p:nvSpPr>
-            <p:cNvPr id="18" name="object 18"/>
-            <p:cNvSpPr/>
-            <p:nvPr/>
-          </p:nvSpPr>
-          <p:spPr>
-            <a:xfrm>
-              <a:off x="4489132" y="8144128"/>
-              <a:ext cx="638175" cy="2143125"/>
-            </a:xfrm>
-            <a:custGeom>
-              <a:avLst/>
-              <a:gdLst/>
-              <a:ahLst/>
-              <a:cxnLst/>
-              <a:rect l="l" t="t" r="r" b="b"/>
-              <a:pathLst>
-                <a:path w="638175" h="2143125">
-                  <a:moveTo>
-                    <a:pt x="627545" y="2142871"/>
-                  </a:moveTo>
-                  <a:lnTo>
-                    <a:pt x="469595" y="1984133"/>
-                  </a:lnTo>
-                  <a:lnTo>
-                    <a:pt x="319087" y="1832864"/>
-                  </a:lnTo>
-                  <a:lnTo>
-                    <a:pt x="10642" y="2142871"/>
-                  </a:lnTo>
-                  <a:lnTo>
-                    <a:pt x="161137" y="2142871"/>
-                  </a:lnTo>
-                  <a:lnTo>
-                    <a:pt x="319087" y="1984133"/>
-                  </a:lnTo>
-                  <a:lnTo>
-                    <a:pt x="477037" y="2142871"/>
-                  </a:lnTo>
-                  <a:lnTo>
-                    <a:pt x="627545" y="2142871"/>
-                  </a:lnTo>
-                  <a:close/>
-                </a:path>
-                <a:path w="638175" h="2143125">
-                  <a:moveTo>
-                    <a:pt x="638175" y="1695348"/>
-                  </a:moveTo>
-                  <a:lnTo>
-                    <a:pt x="319087" y="1374648"/>
-                  </a:lnTo>
-                  <a:lnTo>
-                    <a:pt x="0" y="1695348"/>
-                  </a:lnTo>
-                  <a:lnTo>
-                    <a:pt x="75260" y="1770976"/>
-                  </a:lnTo>
-                  <a:lnTo>
-                    <a:pt x="319087" y="1525917"/>
-                  </a:lnTo>
-                  <a:lnTo>
-                    <a:pt x="562927" y="1770976"/>
-                  </a:lnTo>
-                  <a:lnTo>
-                    <a:pt x="638175" y="1695348"/>
-                  </a:lnTo>
-                  <a:close/>
-                </a:path>
-                <a:path w="638175" h="2143125">
-                  <a:moveTo>
-                    <a:pt x="638175" y="1237132"/>
-                  </a:moveTo>
-                  <a:lnTo>
-                    <a:pt x="319087" y="916432"/>
-                  </a:lnTo>
-                  <a:lnTo>
-                    <a:pt x="0" y="1237132"/>
-                  </a:lnTo>
-                  <a:lnTo>
-                    <a:pt x="75260" y="1312760"/>
-                  </a:lnTo>
-                  <a:lnTo>
-                    <a:pt x="319087" y="1067689"/>
-                  </a:lnTo>
-                  <a:lnTo>
-                    <a:pt x="562927" y="1312760"/>
-                  </a:lnTo>
-                  <a:lnTo>
-                    <a:pt x="638175" y="1237132"/>
-                  </a:lnTo>
-                  <a:close/>
-                </a:path>
-                <a:path w="638175" h="2143125">
-                  <a:moveTo>
-                    <a:pt x="638175" y="778916"/>
-                  </a:moveTo>
-                  <a:lnTo>
-                    <a:pt x="319087" y="458216"/>
-                  </a:lnTo>
-                  <a:lnTo>
-                    <a:pt x="0" y="778916"/>
-                  </a:lnTo>
-                  <a:lnTo>
-                    <a:pt x="75260" y="854544"/>
-                  </a:lnTo>
-                  <a:lnTo>
-                    <a:pt x="319087" y="609485"/>
-                  </a:lnTo>
-                  <a:lnTo>
-                    <a:pt x="562927" y="854544"/>
-                  </a:lnTo>
-                  <a:lnTo>
-                    <a:pt x="638175" y="778916"/>
-                  </a:lnTo>
-                  <a:close/>
-                </a:path>
-                <a:path w="638175" h="2143125">
-                  <a:moveTo>
-                    <a:pt x="638175" y="320700"/>
-                  </a:moveTo>
-                  <a:lnTo>
-                    <a:pt x="319087" y="0"/>
-                  </a:lnTo>
-                  <a:lnTo>
-                    <a:pt x="0" y="320700"/>
-                  </a:lnTo>
-                  <a:lnTo>
-                    <a:pt x="75260" y="396328"/>
-                  </a:lnTo>
-                  <a:lnTo>
-                    <a:pt x="319087" y="151269"/>
-                  </a:lnTo>
-                  <a:lnTo>
-                    <a:pt x="562927" y="396328"/>
-                  </a:lnTo>
-                  <a:lnTo>
-                    <a:pt x="638175" y="320700"/>
-                  </a:lnTo>
-                  <a:close/>
-                </a:path>
-              </a:pathLst>
-            </a:custGeom>
-            <a:grpFill/>
-          </p:spPr>
-          <p:txBody>
-            <a:bodyPr wrap="square" lIns="0" tIns="0" rIns="0" bIns="0" rtlCol="0"/>
-            <a:lstStyle/>
-            <a:p>
-              <a:endParaRPr dirty="0"/>
-            </a:p>
-          </p:txBody>
-        </p:sp>
-        <p:sp>
-          <p:nvSpPr>
-            <p:cNvPr id="19" name="object 19"/>
-            <p:cNvSpPr/>
-            <p:nvPr/>
-          </p:nvSpPr>
-          <p:spPr>
-            <a:xfrm>
-              <a:off x="951687" y="1028712"/>
-              <a:ext cx="466090" cy="304800"/>
-            </a:xfrm>
-            <a:custGeom>
-              <a:avLst/>
-              <a:gdLst/>
-              <a:ahLst/>
-              <a:cxnLst/>
-              <a:rect l="l" t="t" r="r" b="b"/>
-              <a:pathLst>
-                <a:path w="466090" h="304800">
-                  <a:moveTo>
-                    <a:pt x="465823" y="254000"/>
-                  </a:moveTo>
-                  <a:lnTo>
-                    <a:pt x="0" y="254000"/>
-                  </a:lnTo>
-                  <a:lnTo>
-                    <a:pt x="0" y="304800"/>
-                  </a:lnTo>
-                  <a:lnTo>
-                    <a:pt x="465823" y="304800"/>
-                  </a:lnTo>
-                  <a:lnTo>
-                    <a:pt x="465823" y="254000"/>
-                  </a:lnTo>
-                  <a:close/>
-                </a:path>
-                <a:path w="466090" h="304800">
-                  <a:moveTo>
-                    <a:pt x="465823" y="127000"/>
-                  </a:moveTo>
-                  <a:lnTo>
-                    <a:pt x="0" y="127000"/>
-                  </a:lnTo>
-                  <a:lnTo>
-                    <a:pt x="0" y="177800"/>
-                  </a:lnTo>
-                  <a:lnTo>
-                    <a:pt x="465823" y="177800"/>
-                  </a:lnTo>
-                  <a:lnTo>
-                    <a:pt x="465823" y="127000"/>
-                  </a:lnTo>
-                  <a:close/>
-                </a:path>
-                <a:path w="466090" h="304800">
-                  <a:moveTo>
-                    <a:pt x="465823" y="0"/>
-                  </a:moveTo>
-                  <a:lnTo>
-                    <a:pt x="0" y="0"/>
-                  </a:lnTo>
-                  <a:lnTo>
-                    <a:pt x="0" y="50800"/>
-                  </a:lnTo>
-                  <a:lnTo>
-                    <a:pt x="465823" y="50800"/>
-                  </a:lnTo>
-                  <a:lnTo>
-                    <a:pt x="465823" y="0"/>
-                  </a:lnTo>
-                  <a:close/>
-                </a:path>
-              </a:pathLst>
-            </a:custGeom>
-            <a:grpFill/>
-          </p:spPr>
-          <p:txBody>
-            <a:bodyPr wrap="square" lIns="0" tIns="0" rIns="0" bIns="0" rtlCol="0"/>
-            <a:lstStyle/>
-            <a:p>
-              <a:endParaRPr/>
-            </a:p>
-          </p:txBody>
-        </p:sp>
-      </p:grpSp>
-      <p:sp>
-        <p:nvSpPr>
-          <p:cNvPr id="23" name="object 17"/>
-          <p:cNvSpPr txBox="1"/>
-          <p:nvPr/>
-        </p:nvSpPr>
-        <p:spPr>
-          <a:xfrm rot="5400000">
-            <a:off x="2537575" y="-314474"/>
-            <a:ext cx="923330" cy="5279120"/>
-          </a:xfrm>
-          <a:prstGeom prst="rect">
-            <a:avLst/>
-          </a:prstGeom>
-        </p:spPr>
-        <p:txBody>
-          <a:bodyPr vert="vert270" wrap="square" lIns="0" tIns="16510" rIns="0" bIns="0" rtlCol="0">
-            <a:spAutoFit/>
-          </a:bodyPr>
-          <a:lstStyle/>
-          <a:p>
-            <a:pPr marL="12700">
-              <a:lnSpc>
-                <a:spcPct val="100000"/>
-              </a:lnSpc>
-              <a:spcBef>
-                <a:spcPts val="130"/>
-              </a:spcBef>
-            </a:pPr>
-            <a:r>
-              <a:rPr lang="en-PH" sz="6000" b="1" spc="-70" dirty="0">
-                <a:solidFill>
-                  <a:schemeClr val="accent4">
-                    <a:lumMod val="50000"/>
-                  </a:schemeClr>
-                </a:solidFill>
-                <a:latin typeface="Tahoma" panose="020B0604030504040204"/>
-                <a:cs typeface="Tahoma" panose="020B0604030504040204"/>
-              </a:rPr>
-              <a:t>OBJECTIVES</a:t>
-            </a:r>
-            <a:endParaRPr sz="6000" dirty="0">
-              <a:solidFill>
-                <a:schemeClr val="accent4">
-                  <a:lumMod val="50000"/>
-                </a:schemeClr>
-              </a:solidFill>
-              <a:latin typeface="Tahoma" panose="020B0604030504040204"/>
-              <a:cs typeface="Tahoma" panose="020B0604030504040204"/>
-            </a:endParaRPr>
-          </a:p>
-        </p:txBody>
-      </p:sp>
-      <p:sp>
-        <p:nvSpPr>
-          <p:cNvPr id="24" name="Rectangle 23"/>
-          <p:cNvSpPr/>
-          <p:nvPr/>
-        </p:nvSpPr>
-        <p:spPr>
-          <a:xfrm>
-            <a:off x="228600" y="3196933"/>
-            <a:ext cx="5029200" cy="727368"/>
-          </a:xfrm>
-          <a:prstGeom prst="rect">
-            <a:avLst/>
-          </a:prstGeom>
-          <a:ln w="28575"/>
-        </p:spPr>
-        <p:style>
-          <a:lnRef idx="2">
-            <a:schemeClr val="dk1"/>
-          </a:lnRef>
-          <a:fillRef idx="1">
-            <a:schemeClr val="lt1"/>
-          </a:fillRef>
-          <a:effectRef idx="0">
-            <a:schemeClr val="dk1"/>
-          </a:effectRef>
-          <a:fontRef idx="minor">
-            <a:schemeClr val="dk1"/>
-          </a:fontRef>
-        </p:style>
-        <p:txBody>
-          <a:bodyPr rtlCol="0" anchor="ctr"/>
-          <a:lstStyle/>
-          <a:p>
-            <a:pPr marL="0" marR="0" algn="ctr">
-              <a:spcBef>
-                <a:spcPts val="0"/>
-              </a:spcBef>
-              <a:spcAft>
-                <a:spcPts val="0"/>
-              </a:spcAft>
-            </a:pPr>
-            <a:r>
-              <a:rPr lang="en-US" sz="2000" u="sng" dirty="0">
-                <a:effectLst/>
-                <a:latin typeface="Times New Roman" panose="02020603050405020304" pitchFamily="18" charset="0"/>
-                <a:ea typeface="Times New Roman" panose="02020603050405020304" pitchFamily="18" charset="0"/>
-              </a:rPr>
-              <a:t>Humanitarian Data Exchange Data set about Philippines (2019)</a:t>
-            </a:r>
-            <a:endParaRPr lang="en-US" sz="2000" dirty="0">
-              <a:effectLst/>
-              <a:latin typeface="Calibri" panose="020F0502020204030204" pitchFamily="34" charset="0"/>
-              <a:ea typeface="Calibri" panose="020F0502020204030204" pitchFamily="34" charset="0"/>
-            </a:endParaRPr>
-          </a:p>
-        </p:txBody>
-      </p:sp>
-      <p:sp>
-        <p:nvSpPr>
-          <p:cNvPr id="25" name="Rectangle 24"/>
-          <p:cNvSpPr/>
-          <p:nvPr/>
-        </p:nvSpPr>
-        <p:spPr>
-          <a:xfrm>
-            <a:off x="264000" y="4076700"/>
-            <a:ext cx="4993800" cy="992209"/>
-          </a:xfrm>
-          <a:prstGeom prst="rect">
-            <a:avLst/>
-          </a:prstGeom>
-          <a:ln w="57150"/>
-        </p:spPr>
-        <p:style>
-          <a:lnRef idx="2">
-            <a:schemeClr val="dk1"/>
-          </a:lnRef>
-          <a:fillRef idx="1">
-            <a:schemeClr val="lt1"/>
-          </a:fillRef>
-          <a:effectRef idx="0">
-            <a:schemeClr val="dk1"/>
-          </a:effectRef>
-          <a:fontRef idx="minor">
-            <a:schemeClr val="dk1"/>
-          </a:fontRef>
-        </p:style>
-        <p:txBody>
-          <a:bodyPr rtlCol="0" anchor="ctr"/>
-          <a:lstStyle/>
-          <a:p>
-            <a:pPr marL="0" marR="0" algn="ctr">
-              <a:spcBef>
-                <a:spcPts val="0"/>
-              </a:spcBef>
-              <a:spcAft>
-                <a:spcPts val="0"/>
-              </a:spcAft>
-            </a:pPr>
-            <a:r>
-              <a:rPr lang="en-US" sz="1800" u="sng" dirty="0">
-                <a:effectLst/>
-                <a:latin typeface="Times New Roman" panose="02020603050405020304" pitchFamily="18" charset="0"/>
-                <a:ea typeface="Times New Roman" panose="02020603050405020304" pitchFamily="18" charset="0"/>
-              </a:rPr>
-              <a:t>The Centre for Research on the Epidemiology of Disasters' Data set about the American Typhoons (2000-2022)</a:t>
-            </a:r>
-            <a:endParaRPr lang="en-US" sz="1800" u="sng" dirty="0">
-              <a:effectLst/>
-              <a:latin typeface="Calibri" panose="020F0502020204030204" pitchFamily="34" charset="0"/>
-              <a:ea typeface="Calibri" panose="020F0502020204030204" pitchFamily="34" charset="0"/>
-            </a:endParaRPr>
-          </a:p>
-        </p:txBody>
-      </p:sp>
-      <p:sp>
-        <p:nvSpPr>
-          <p:cNvPr id="16" name="Rectangle 15"/>
-          <p:cNvSpPr/>
-          <p:nvPr/>
-        </p:nvSpPr>
-        <p:spPr>
-          <a:xfrm>
-            <a:off x="951687" y="5219700"/>
-            <a:ext cx="4270713" cy="312196"/>
-          </a:xfrm>
-          <a:prstGeom prst="rect">
-            <a:avLst/>
-          </a:prstGeom>
-          <a:ln w="28575"/>
-        </p:spPr>
-        <p:style>
-          <a:lnRef idx="2">
-            <a:schemeClr val="dk1"/>
-          </a:lnRef>
-          <a:fillRef idx="1">
-            <a:schemeClr val="lt1"/>
-          </a:fillRef>
-          <a:effectRef idx="0">
-            <a:schemeClr val="dk1"/>
-          </a:effectRef>
-          <a:fontRef idx="minor">
-            <a:schemeClr val="dk1"/>
-          </a:fontRef>
-        </p:style>
-        <p:txBody>
-          <a:bodyPr rtlCol="0" anchor="ctr"/>
-          <a:lstStyle/>
-          <a:p>
-            <a:pPr algn="ctr"/>
-            <a:r>
-              <a:rPr lang="en-US" dirty="0"/>
-              <a:t>Objective 1</a:t>
-            </a:r>
-          </a:p>
-        </p:txBody>
-      </p:sp>
-      <p:sp>
-        <p:nvSpPr>
-          <p:cNvPr id="3" name="Arrow: Chevron 2"/>
-          <p:cNvSpPr/>
-          <p:nvPr/>
-        </p:nvSpPr>
-        <p:spPr>
-          <a:xfrm>
-            <a:off x="712065" y="5289798"/>
-            <a:ext cx="160088" cy="190810"/>
-          </a:xfrm>
-          <a:prstGeom prst="chevron">
-            <a:avLst/>
-          </a:prstGeom>
-        </p:spPr>
-        <p:style>
-          <a:lnRef idx="2">
-            <a:schemeClr val="dk1"/>
-          </a:lnRef>
-          <a:fillRef idx="1">
-            <a:schemeClr val="lt1"/>
-          </a:fillRef>
-          <a:effectRef idx="0">
-            <a:schemeClr val="dk1"/>
-          </a:effectRef>
-          <a:fontRef idx="minor">
-            <a:schemeClr val="dk1"/>
-          </a:fontRef>
-        </p:style>
-        <p:txBody>
-          <a:bodyPr rtlCol="0" anchor="ctr"/>
-          <a:lstStyle/>
-          <a:p>
-            <a:pPr algn="ctr"/>
-            <a:endParaRPr lang="en-US">
-              <a:solidFill>
-                <a:schemeClr val="tx1"/>
-              </a:solidFill>
-            </a:endParaRPr>
-          </a:p>
-        </p:txBody>
-      </p:sp>
-      <p:sp>
-        <p:nvSpPr>
-          <p:cNvPr id="28" name="Rectangle 27"/>
-          <p:cNvSpPr/>
-          <p:nvPr/>
-        </p:nvSpPr>
-        <p:spPr>
-          <a:xfrm>
-            <a:off x="951687" y="5624657"/>
-            <a:ext cx="4270713" cy="312196"/>
-          </a:xfrm>
-          <a:prstGeom prst="rect">
-            <a:avLst/>
-          </a:prstGeom>
-          <a:ln w="28575"/>
-        </p:spPr>
-        <p:style>
-          <a:lnRef idx="2">
-            <a:schemeClr val="dk1"/>
-          </a:lnRef>
-          <a:fillRef idx="1">
-            <a:schemeClr val="lt1"/>
-          </a:fillRef>
-          <a:effectRef idx="0">
-            <a:schemeClr val="dk1"/>
-          </a:effectRef>
-          <a:fontRef idx="minor">
-            <a:schemeClr val="dk1"/>
-          </a:fontRef>
-        </p:style>
-        <p:txBody>
-          <a:bodyPr rtlCol="0" anchor="ctr"/>
-          <a:lstStyle/>
-          <a:p>
-            <a:pPr algn="ctr"/>
-            <a:r>
-              <a:rPr lang="en-US" dirty="0"/>
-              <a:t>Objective 2</a:t>
-            </a:r>
-          </a:p>
-        </p:txBody>
-      </p:sp>
-      <p:sp>
-        <p:nvSpPr>
-          <p:cNvPr id="29" name="Rectangle 28"/>
-          <p:cNvSpPr/>
-          <p:nvPr/>
-        </p:nvSpPr>
-        <p:spPr>
-          <a:xfrm>
-            <a:off x="961189" y="6023908"/>
-            <a:ext cx="4270713" cy="312196"/>
-          </a:xfrm>
-          <a:prstGeom prst="rect">
-            <a:avLst/>
-          </a:prstGeom>
-          <a:ln w="28575"/>
-        </p:spPr>
-        <p:style>
-          <a:lnRef idx="2">
-            <a:schemeClr val="dk1"/>
-          </a:lnRef>
-          <a:fillRef idx="1">
-            <a:schemeClr val="lt1"/>
-          </a:fillRef>
-          <a:effectRef idx="0">
-            <a:schemeClr val="dk1"/>
-          </a:effectRef>
-          <a:fontRef idx="minor">
-            <a:schemeClr val="dk1"/>
-          </a:fontRef>
-        </p:style>
-        <p:txBody>
-          <a:bodyPr rtlCol="0" anchor="ctr"/>
-          <a:lstStyle/>
-          <a:p>
-            <a:pPr algn="ctr"/>
-            <a:r>
-              <a:rPr lang="en-US" dirty="0"/>
-              <a:t>Objective 3</a:t>
-            </a:r>
-          </a:p>
-        </p:txBody>
-      </p:sp>
-      <p:sp>
-        <p:nvSpPr>
-          <p:cNvPr id="30" name="Arrow: Chevron 29"/>
-          <p:cNvSpPr/>
-          <p:nvPr/>
-        </p:nvSpPr>
-        <p:spPr>
-          <a:xfrm>
-            <a:off x="712065" y="5685350"/>
-            <a:ext cx="160088" cy="190810"/>
-          </a:xfrm>
-          <a:prstGeom prst="chevron">
-            <a:avLst/>
-          </a:prstGeom>
-        </p:spPr>
-        <p:style>
-          <a:lnRef idx="2">
-            <a:schemeClr val="dk1"/>
-          </a:lnRef>
-          <a:fillRef idx="1">
-            <a:schemeClr val="lt1"/>
-          </a:fillRef>
-          <a:effectRef idx="0">
-            <a:schemeClr val="dk1"/>
-          </a:effectRef>
-          <a:fontRef idx="minor">
-            <a:schemeClr val="dk1"/>
-          </a:fontRef>
-        </p:style>
-        <p:txBody>
-          <a:bodyPr rtlCol="0" anchor="ctr"/>
-          <a:lstStyle/>
-          <a:p>
-            <a:pPr algn="ctr"/>
-            <a:endParaRPr lang="en-US">
-              <a:solidFill>
-                <a:schemeClr val="tx1"/>
-              </a:solidFill>
-            </a:endParaRPr>
-          </a:p>
-        </p:txBody>
-      </p:sp>
-      <p:sp>
-        <p:nvSpPr>
-          <p:cNvPr id="31" name="Arrow: Chevron 30"/>
-          <p:cNvSpPr/>
-          <p:nvPr/>
-        </p:nvSpPr>
-        <p:spPr>
-          <a:xfrm>
-            <a:off x="712065" y="6069533"/>
-            <a:ext cx="160088" cy="190810"/>
-          </a:xfrm>
-          <a:prstGeom prst="chevron">
-            <a:avLst/>
-          </a:prstGeom>
-        </p:spPr>
-        <p:style>
-          <a:lnRef idx="2">
-            <a:schemeClr val="dk1"/>
-          </a:lnRef>
-          <a:fillRef idx="1">
-            <a:schemeClr val="lt1"/>
-          </a:fillRef>
-          <a:effectRef idx="0">
-            <a:schemeClr val="dk1"/>
-          </a:effectRef>
-          <a:fontRef idx="minor">
-            <a:schemeClr val="dk1"/>
-          </a:fontRef>
-        </p:style>
-        <p:txBody>
-          <a:bodyPr rtlCol="0" anchor="ctr"/>
-          <a:lstStyle/>
-          <a:p>
-            <a:pPr algn="ctr"/>
-            <a:endParaRPr lang="en-US">
-              <a:solidFill>
-                <a:schemeClr val="tx1"/>
-              </a:solidFill>
-            </a:endParaRPr>
-          </a:p>
-        </p:txBody>
-      </p:sp>
-      <p:sp>
-        <p:nvSpPr>
-          <p:cNvPr id="20" name="Rectangle 19"/>
-          <p:cNvSpPr/>
-          <p:nvPr/>
-        </p:nvSpPr>
-        <p:spPr>
-          <a:xfrm>
-            <a:off x="961189" y="6438900"/>
-            <a:ext cx="4270713" cy="312196"/>
-          </a:xfrm>
-          <a:prstGeom prst="rect">
-            <a:avLst/>
-          </a:prstGeom>
-          <a:ln w="57150"/>
-        </p:spPr>
-        <p:style>
-          <a:lnRef idx="2">
-            <a:schemeClr val="dk1"/>
-          </a:lnRef>
-          <a:fillRef idx="1">
-            <a:schemeClr val="lt1"/>
-          </a:fillRef>
-          <a:effectRef idx="0">
-            <a:schemeClr val="dk1"/>
-          </a:effectRef>
-          <a:fontRef idx="minor">
-            <a:schemeClr val="dk1"/>
-          </a:fontRef>
-        </p:style>
-        <p:txBody>
-          <a:bodyPr rtlCol="0" anchor="ctr"/>
-          <a:lstStyle/>
-          <a:p>
-            <a:pPr algn="ctr"/>
-            <a:r>
-              <a:rPr lang="en-US" dirty="0"/>
-              <a:t>Objective 4</a:t>
-            </a:r>
-          </a:p>
-        </p:txBody>
-      </p:sp>
-      <p:sp>
-        <p:nvSpPr>
-          <p:cNvPr id="21" name="Arrow: Chevron 20"/>
-          <p:cNvSpPr/>
-          <p:nvPr/>
-        </p:nvSpPr>
-        <p:spPr>
-          <a:xfrm>
-            <a:off x="721567" y="6508998"/>
-            <a:ext cx="160088" cy="190810"/>
-          </a:xfrm>
-          <a:prstGeom prst="chevron">
-            <a:avLst/>
-          </a:prstGeom>
-          <a:ln w="57150"/>
-        </p:spPr>
-        <p:style>
-          <a:lnRef idx="2">
-            <a:schemeClr val="dk1"/>
-          </a:lnRef>
-          <a:fillRef idx="1">
-            <a:schemeClr val="lt1"/>
-          </a:fillRef>
-          <a:effectRef idx="0">
-            <a:schemeClr val="dk1"/>
-          </a:effectRef>
-          <a:fontRef idx="minor">
-            <a:schemeClr val="dk1"/>
-          </a:fontRef>
-        </p:style>
-        <p:txBody>
-          <a:bodyPr rtlCol="0" anchor="ctr"/>
-          <a:lstStyle/>
-          <a:p>
-            <a:pPr algn="ctr"/>
-            <a:endParaRPr lang="en-US">
-              <a:solidFill>
-                <a:schemeClr val="tx1"/>
-              </a:solidFill>
-            </a:endParaRPr>
-          </a:p>
-        </p:txBody>
-      </p:sp>
-      <p:sp>
-        <p:nvSpPr>
-          <p:cNvPr id="22" name="Rectangle 21"/>
-          <p:cNvSpPr/>
-          <p:nvPr/>
-        </p:nvSpPr>
-        <p:spPr>
-          <a:xfrm>
-            <a:off x="961189" y="6843857"/>
-            <a:ext cx="4270713" cy="312196"/>
-          </a:xfrm>
-          <a:prstGeom prst="rect">
-            <a:avLst/>
-          </a:prstGeom>
-          <a:ln w="28575"/>
-        </p:spPr>
-        <p:style>
-          <a:lnRef idx="2">
-            <a:schemeClr val="dk1"/>
-          </a:lnRef>
-          <a:fillRef idx="1">
-            <a:schemeClr val="lt1"/>
-          </a:fillRef>
-          <a:effectRef idx="0">
-            <a:schemeClr val="dk1"/>
-          </a:effectRef>
-          <a:fontRef idx="minor">
-            <a:schemeClr val="dk1"/>
-          </a:fontRef>
-        </p:style>
-        <p:txBody>
-          <a:bodyPr rtlCol="0" anchor="ctr"/>
-          <a:lstStyle/>
-          <a:p>
-            <a:pPr algn="ctr"/>
-            <a:r>
-              <a:rPr lang="en-US" dirty="0"/>
-              <a:t>Objective 5</a:t>
-            </a:r>
-          </a:p>
-        </p:txBody>
-      </p:sp>
-      <p:sp>
-        <p:nvSpPr>
-          <p:cNvPr id="27" name="Arrow: Chevron 26"/>
-          <p:cNvSpPr/>
-          <p:nvPr/>
-        </p:nvSpPr>
-        <p:spPr>
-          <a:xfrm>
-            <a:off x="721567" y="6904550"/>
-            <a:ext cx="160088" cy="190810"/>
-          </a:xfrm>
-          <a:prstGeom prst="chevron">
-            <a:avLst/>
-          </a:prstGeom>
-        </p:spPr>
-        <p:style>
-          <a:lnRef idx="2">
-            <a:schemeClr val="dk1"/>
-          </a:lnRef>
-          <a:fillRef idx="1">
-            <a:schemeClr val="lt1"/>
-          </a:fillRef>
-          <a:effectRef idx="0">
-            <a:schemeClr val="dk1"/>
-          </a:effectRef>
-          <a:fontRef idx="minor">
-            <a:schemeClr val="dk1"/>
-          </a:fontRef>
-        </p:style>
-        <p:txBody>
-          <a:bodyPr rtlCol="0" anchor="ctr"/>
-          <a:lstStyle/>
-          <a:p>
-            <a:pPr algn="ctr"/>
-            <a:endParaRPr lang="en-US">
-              <a:solidFill>
-                <a:schemeClr val="tx1"/>
-              </a:solidFill>
-            </a:endParaRPr>
-          </a:p>
-        </p:txBody>
-      </p:sp>
-      <p:pic>
-        <p:nvPicPr>
-          <p:cNvPr id="32" name="Picture 31">
-            <a:extLst>
-              <a:ext uri="{FF2B5EF4-FFF2-40B4-BE49-F238E27FC236}">
-                <a16:creationId xmlns:a16="http://schemas.microsoft.com/office/drawing/2014/main" id="{88F2CB68-B34B-AB87-9668-0087475C77D3}"/>
-              </a:ext>
-            </a:extLst>
-          </p:cNvPr>
-          <p:cNvPicPr>
-            <a:picLocks noChangeAspect="1"/>
-          </p:cNvPicPr>
-          <p:nvPr/>
-        </p:nvPicPr>
-        <p:blipFill>
-          <a:blip r:embed="rId2">
-            <a:extLst>
-              <a:ext uri="{28A0092B-C50C-407E-A947-70E740481C1C}">
-                <a14:useLocalDpi xmlns:a14="http://schemas.microsoft.com/office/drawing/2010/main" val="0"/>
-              </a:ext>
-            </a:extLst>
-          </a:blip>
-          <a:srcRect/>
-          <a:stretch/>
-        </p:blipFill>
-        <p:spPr>
-          <a:xfrm>
-            <a:off x="6148821" y="312157"/>
-            <a:ext cx="11605779" cy="7193543"/>
-          </a:xfrm>
-          <a:prstGeom prst="rect">
-            <a:avLst/>
-          </a:prstGeom>
-          <a:ln w="38100">
-            <a:solidFill>
-              <a:schemeClr val="tx1"/>
-            </a:solidFill>
-          </a:ln>
-        </p:spPr>
-      </p:pic>
-      <p:pic>
-        <p:nvPicPr>
-          <p:cNvPr id="6" name="Picture 5">
-            <a:extLst>
-              <a:ext uri="{FF2B5EF4-FFF2-40B4-BE49-F238E27FC236}">
-                <a16:creationId xmlns:a16="http://schemas.microsoft.com/office/drawing/2014/main" id="{CE8A3D1B-DC85-93FE-639D-40CECAC02A50}"/>
-              </a:ext>
-            </a:extLst>
-          </p:cNvPr>
-          <p:cNvPicPr>
-            <a:picLocks noChangeAspect="1"/>
-          </p:cNvPicPr>
-          <p:nvPr/>
-        </p:nvPicPr>
-        <p:blipFill rotWithShape="1">
-          <a:blip r:embed="rId3"/>
-          <a:srcRect l="17083" t="28518" r="56250" b="47568"/>
-          <a:stretch/>
-        </p:blipFill>
-        <p:spPr>
-          <a:xfrm>
-            <a:off x="6136311" y="7664355"/>
-            <a:ext cx="5966979" cy="2459975"/>
-          </a:xfrm>
-          <a:prstGeom prst="rect">
-            <a:avLst/>
-          </a:prstGeom>
-          <a:ln w="38100">
-            <a:solidFill>
-              <a:schemeClr val="tx1"/>
-            </a:solidFill>
-          </a:ln>
-        </p:spPr>
-      </p:pic>
-      <p:sp>
-        <p:nvSpPr>
-          <p:cNvPr id="33" name="Rectangle 32">
-            <a:extLst>
-              <a:ext uri="{FF2B5EF4-FFF2-40B4-BE49-F238E27FC236}">
-                <a16:creationId xmlns:a16="http://schemas.microsoft.com/office/drawing/2014/main" id="{2B4D5518-08CB-63BC-AE91-A9583B54F410}"/>
-              </a:ext>
-            </a:extLst>
-          </p:cNvPr>
-          <p:cNvSpPr/>
-          <p:nvPr/>
-        </p:nvSpPr>
-        <p:spPr>
-          <a:xfrm>
-            <a:off x="12344400" y="7658100"/>
-            <a:ext cx="5410200" cy="2459975"/>
-          </a:xfrm>
-          <a:prstGeom prst="rect">
-            <a:avLst/>
-          </a:prstGeom>
-          <a:ln w="38100"/>
-        </p:spPr>
-        <p:style>
-          <a:lnRef idx="2">
-            <a:schemeClr val="dk1"/>
-          </a:lnRef>
-          <a:fillRef idx="1">
-            <a:schemeClr val="lt1"/>
-          </a:fillRef>
-          <a:effectRef idx="0">
-            <a:schemeClr val="dk1"/>
-          </a:effectRef>
-          <a:fontRef idx="minor">
-            <a:schemeClr val="dk1"/>
-          </a:fontRef>
-        </p:style>
-        <p:txBody>
-          <a:bodyPr rtlCol="0" anchor="ctr"/>
-          <a:lstStyle/>
-          <a:p>
-            <a:pPr algn="ctr"/>
-            <a:endParaRPr lang="en-PH" dirty="0"/>
-          </a:p>
-        </p:txBody>
-      </p:sp>
-      <p:sp>
-        <p:nvSpPr>
-          <p:cNvPr id="35" name="TextBox 34">
-            <a:extLst>
-              <a:ext uri="{FF2B5EF4-FFF2-40B4-BE49-F238E27FC236}">
-                <a16:creationId xmlns:a16="http://schemas.microsoft.com/office/drawing/2014/main" id="{EE0D71FF-F4D2-3E90-898A-DF9DA27E12EC}"/>
-              </a:ext>
-            </a:extLst>
-          </p:cNvPr>
-          <p:cNvSpPr txBox="1"/>
-          <p:nvPr/>
-        </p:nvSpPr>
-        <p:spPr>
-          <a:xfrm>
-            <a:off x="13674025" y="7886700"/>
-            <a:ext cx="2750950" cy="1015663"/>
-          </a:xfrm>
-          <a:prstGeom prst="rect">
-            <a:avLst/>
-          </a:prstGeom>
-          <a:noFill/>
-        </p:spPr>
-        <p:txBody>
-          <a:bodyPr wrap="square" rtlCol="0">
-            <a:spAutoFit/>
-          </a:bodyPr>
-          <a:lstStyle/>
-          <a:p>
-            <a:pPr algn="ctr"/>
-            <a:r>
-              <a:rPr lang="en-US" sz="6000" b="1" dirty="0">
-                <a:latin typeface="Century Gothic" panose="020B0502020202020204" pitchFamily="34" charset="0"/>
-                <a:cs typeface="Times New Roman" panose="02020603050405020304" pitchFamily="18" charset="0"/>
-              </a:rPr>
-              <a:t>USA</a:t>
-            </a:r>
-            <a:endParaRPr lang="en-PH" sz="6000" b="1" dirty="0">
-              <a:latin typeface="Century Gothic" panose="020B0502020202020204" pitchFamily="34" charset="0"/>
-              <a:cs typeface="Times New Roman" panose="02020603050405020304" pitchFamily="18" charset="0"/>
-            </a:endParaRPr>
-          </a:p>
-        </p:txBody>
-      </p:sp>
-      <p:sp>
-        <p:nvSpPr>
-          <p:cNvPr id="36" name="TextBox 35">
-            <a:extLst>
-              <a:ext uri="{FF2B5EF4-FFF2-40B4-BE49-F238E27FC236}">
-                <a16:creationId xmlns:a16="http://schemas.microsoft.com/office/drawing/2014/main" id="{E11E5A28-E7B5-4835-3BAA-2C3EAD89726A}"/>
-              </a:ext>
-            </a:extLst>
-          </p:cNvPr>
-          <p:cNvSpPr txBox="1"/>
-          <p:nvPr/>
-        </p:nvSpPr>
-        <p:spPr>
-          <a:xfrm>
-            <a:off x="12839700" y="8845600"/>
-            <a:ext cx="4419600" cy="1138773"/>
-          </a:xfrm>
-          <a:prstGeom prst="rect">
-            <a:avLst/>
-          </a:prstGeom>
-          <a:noFill/>
-        </p:spPr>
-        <p:txBody>
-          <a:bodyPr wrap="square" rtlCol="0">
-            <a:spAutoFit/>
-          </a:bodyPr>
-          <a:lstStyle/>
-          <a:p>
-            <a:pPr algn="ctr"/>
-            <a:r>
-              <a:rPr lang="en-US" sz="2000" b="1" dirty="0">
-                <a:latin typeface="Century Gothic" panose="020B0502020202020204" pitchFamily="34" charset="0"/>
-                <a:cs typeface="Times New Roman" panose="02020603050405020304" pitchFamily="18" charset="0"/>
-              </a:rPr>
-              <a:t>MOST AFFECTED COUNTRY HAVING MORE THAN </a:t>
-            </a:r>
-            <a:r>
-              <a:rPr lang="en-US" sz="2800" b="1" dirty="0">
-                <a:latin typeface="Century Gothic" panose="020B0502020202020204" pitchFamily="34" charset="0"/>
-                <a:cs typeface="Times New Roman" panose="02020603050405020304" pitchFamily="18" charset="0"/>
-              </a:rPr>
-              <a:t>700</a:t>
-            </a:r>
-            <a:r>
-              <a:rPr lang="en-US" sz="2000" b="1" dirty="0">
-                <a:latin typeface="Century Gothic" panose="020B0502020202020204" pitchFamily="34" charset="0"/>
-                <a:cs typeface="Times New Roman" panose="02020603050405020304" pitchFamily="18" charset="0"/>
-              </a:rPr>
-              <a:t> BILLION TOTAL COST OF DAMAGES</a:t>
-            </a:r>
-            <a:endParaRPr lang="en-PH" sz="2000" b="1" dirty="0">
-              <a:latin typeface="Century Gothic" panose="020B0502020202020204" pitchFamily="34" charset="0"/>
-              <a:cs typeface="Times New Roman" panose="02020603050405020304" pitchFamily="18" charset="0"/>
-            </a:endParaRPr>
-          </a:p>
-        </p:txBody>
-      </p:sp>
-    </p:spTree>
-  </p:cSld>
-  <p:clrMapOvr>
-    <a:masterClrMapping/>
-  </p:clrMapOvr>
-</p:sld>
-</file>
-
-<file path=ppt/slides/slide2.xml><?xml version="1.0" encoding="utf-8"?>
-<p:sld xmlns:a="http://schemas.openxmlformats.org/drawingml/2006/main" xmlns:r="http://schemas.openxmlformats.org/officeDocument/2006/relationships" xmlns:p="http://schemas.openxmlformats.org/presentationml/2006/main" showMasterSp="0">
-  <p:cSld>
-    <p:spTree>
-      <p:nvGrpSpPr>
-        <p:cNvPr id="1" name=""/>
-        <p:cNvGrpSpPr/>
-        <p:nvPr/>
-      </p:nvGrpSpPr>
-      <p:grpSpPr>
-        <a:xfrm>
-          <a:off x="0" y="0"/>
-          <a:ext cx="0" cy="0"/>
-          <a:chOff x="0" y="0"/>
-          <a:chExt cx="0" cy="0"/>
-        </a:xfrm>
-      </p:grpSpPr>
-      <p:sp>
-        <p:nvSpPr>
-          <p:cNvPr id="3" name="object 3"/>
-          <p:cNvSpPr/>
-          <p:nvPr/>
-        </p:nvSpPr>
-        <p:spPr>
-          <a:xfrm>
-            <a:off x="0" y="0"/>
-            <a:ext cx="4238625" cy="10287000"/>
-          </a:xfrm>
-          <a:custGeom>
-            <a:avLst/>
-            <a:gdLst/>
-            <a:ahLst/>
-            <a:cxnLst/>
-            <a:rect l="l" t="t" r="r" b="b"/>
-            <a:pathLst>
-              <a:path w="4238625" h="10287000">
-                <a:moveTo>
-                  <a:pt x="4238624" y="10286999"/>
-                </a:moveTo>
-                <a:lnTo>
-                  <a:pt x="0" y="10286999"/>
-                </a:lnTo>
-                <a:lnTo>
-                  <a:pt x="0" y="0"/>
-                </a:lnTo>
-                <a:lnTo>
-                  <a:pt x="4238624" y="0"/>
-                </a:lnTo>
-                <a:lnTo>
-                  <a:pt x="4238624" y="10286999"/>
-                </a:lnTo>
-                <a:close/>
-              </a:path>
-            </a:pathLst>
-          </a:custGeom>
-          <a:solidFill>
-            <a:srgbClr val="D5D5D5"/>
-          </a:solidFill>
-        </p:spPr>
-        <p:txBody>
-          <a:bodyPr wrap="square" lIns="0" tIns="0" rIns="0" bIns="0" rtlCol="0"/>
-          <a:lstStyle/>
-          <a:p>
-            <a:endParaRPr dirty="0"/>
-          </a:p>
-        </p:txBody>
-      </p:sp>
-      <p:sp>
-        <p:nvSpPr>
-          <p:cNvPr id="4" name="object 4"/>
-          <p:cNvSpPr txBox="1"/>
-          <p:nvPr/>
-        </p:nvSpPr>
-        <p:spPr>
-          <a:xfrm>
-            <a:off x="1703813" y="1113246"/>
-            <a:ext cx="830997" cy="7071254"/>
-          </a:xfrm>
-          <a:prstGeom prst="rect">
-            <a:avLst/>
-          </a:prstGeom>
-        </p:spPr>
-        <p:txBody>
-          <a:bodyPr vert="vert270" wrap="square" lIns="0" tIns="13970" rIns="0" bIns="0" rtlCol="0">
-            <a:spAutoFit/>
-          </a:bodyPr>
-          <a:lstStyle/>
-          <a:p>
-            <a:pPr marL="12700">
-              <a:lnSpc>
-                <a:spcPct val="100000"/>
-              </a:lnSpc>
-              <a:spcBef>
-                <a:spcPts val="110"/>
-              </a:spcBef>
-            </a:pPr>
-            <a:r>
-              <a:rPr sz="5400" b="1" spc="-130" dirty="0">
-                <a:solidFill>
-                  <a:srgbClr val="FFFFFF"/>
-                </a:solidFill>
-                <a:latin typeface="Tahoma" panose="020B0604030504040204"/>
-                <a:cs typeface="Tahoma" panose="020B0604030504040204"/>
-              </a:rPr>
-              <a:t>DID</a:t>
-            </a:r>
-            <a:r>
-              <a:rPr sz="5400" b="1" spc="85" dirty="0">
-                <a:solidFill>
-                  <a:srgbClr val="FFFFFF"/>
-                </a:solidFill>
-                <a:latin typeface="Tahoma" panose="020B0604030504040204"/>
-                <a:cs typeface="Tahoma" panose="020B0604030504040204"/>
-              </a:rPr>
-              <a:t> </a:t>
-            </a:r>
-            <a:r>
-              <a:rPr sz="5400" b="1" spc="30" dirty="0">
-                <a:solidFill>
-                  <a:srgbClr val="FFFFFF"/>
-                </a:solidFill>
-                <a:latin typeface="Tahoma" panose="020B0604030504040204"/>
-                <a:cs typeface="Tahoma" panose="020B0604030504040204"/>
-              </a:rPr>
-              <a:t>YOU</a:t>
-            </a:r>
-            <a:r>
-              <a:rPr sz="5400" b="1" spc="85" dirty="0">
-                <a:solidFill>
-                  <a:srgbClr val="FFFFFF"/>
-                </a:solidFill>
-                <a:latin typeface="Tahoma" panose="020B0604030504040204"/>
-                <a:cs typeface="Tahoma" panose="020B0604030504040204"/>
-              </a:rPr>
-              <a:t> </a:t>
-            </a:r>
-            <a:r>
-              <a:rPr sz="5400" b="1" spc="40" dirty="0">
-                <a:solidFill>
-                  <a:srgbClr val="FFFFFF"/>
-                </a:solidFill>
-                <a:latin typeface="Tahoma" panose="020B0604030504040204"/>
-                <a:cs typeface="Tahoma" panose="020B0604030504040204"/>
-              </a:rPr>
-              <a:t>KNOW?</a:t>
-            </a:r>
-            <a:endParaRPr sz="5400" dirty="0">
-              <a:latin typeface="Tahoma" panose="020B0604030504040204"/>
-              <a:cs typeface="Tahoma" panose="020B0604030504040204"/>
-            </a:endParaRPr>
-          </a:p>
-        </p:txBody>
-      </p:sp>
-      <p:sp>
-        <p:nvSpPr>
-          <p:cNvPr id="5" name="object 5"/>
-          <p:cNvSpPr txBox="1"/>
-          <p:nvPr/>
-        </p:nvSpPr>
-        <p:spPr>
-          <a:xfrm>
-            <a:off x="11038205" y="3230213"/>
-            <a:ext cx="6259195" cy="4260141"/>
-          </a:xfrm>
-          <a:prstGeom prst="rect">
-            <a:avLst/>
-          </a:prstGeom>
-        </p:spPr>
-        <p:txBody>
-          <a:bodyPr vert="horz" wrap="square" lIns="0" tIns="12700" rIns="0" bIns="0" rtlCol="0">
-            <a:spAutoFit/>
-          </a:bodyPr>
-          <a:lstStyle/>
-          <a:p>
-            <a:pPr marL="12700" algn="r">
-              <a:lnSpc>
-                <a:spcPct val="100000"/>
-              </a:lnSpc>
-              <a:spcBef>
-                <a:spcPts val="100"/>
-              </a:spcBef>
-            </a:pPr>
-            <a:r>
-              <a:rPr lang="en-US" sz="27600" b="1" spc="-3015" dirty="0">
-                <a:solidFill>
-                  <a:schemeClr val="tx1">
-                    <a:lumMod val="95000"/>
-                    <a:lumOff val="5000"/>
-                  </a:schemeClr>
-                </a:solidFill>
-                <a:uFill>
-                  <a:solidFill>
-                    <a:srgbClr val="F41723"/>
-                  </a:solidFill>
-                </a:uFill>
-                <a:latin typeface="Verdana" panose="020B0604030504040204"/>
-                <a:cs typeface="Verdana" panose="020B0604030504040204"/>
-              </a:rPr>
-              <a:t>20</a:t>
-            </a:r>
-            <a:endParaRPr sz="27600" b="1" dirty="0">
-              <a:solidFill>
-                <a:schemeClr val="tx1">
-                  <a:lumMod val="95000"/>
-                  <a:lumOff val="5000"/>
-                </a:schemeClr>
-              </a:solidFill>
-              <a:latin typeface="Verdana" panose="020B0604030504040204"/>
-              <a:cs typeface="Verdana" panose="020B0604030504040204"/>
-            </a:endParaRPr>
-          </a:p>
-        </p:txBody>
-      </p:sp>
-      <p:sp>
-        <p:nvSpPr>
-          <p:cNvPr id="6" name="object 6"/>
-          <p:cNvSpPr txBox="1"/>
-          <p:nvPr/>
-        </p:nvSpPr>
-        <p:spPr>
-          <a:xfrm>
-            <a:off x="11353800" y="7723124"/>
-            <a:ext cx="6005830" cy="1306576"/>
-          </a:xfrm>
-          <a:prstGeom prst="rect">
-            <a:avLst/>
-          </a:prstGeom>
-        </p:spPr>
-        <p:txBody>
-          <a:bodyPr vert="horz" wrap="square" lIns="0" tIns="12700" rIns="0" bIns="0" rtlCol="0">
-            <a:spAutoFit/>
-          </a:bodyPr>
-          <a:lstStyle/>
-          <a:p>
-            <a:pPr marL="12700" marR="5080" indent="918210" algn="r">
-              <a:lnSpc>
-                <a:spcPct val="107000"/>
-              </a:lnSpc>
-              <a:spcBef>
-                <a:spcPts val="100"/>
-              </a:spcBef>
-            </a:pPr>
-            <a:r>
-              <a:rPr lang="en-US" sz="2700" b="1" dirty="0">
-                <a:solidFill>
-                  <a:schemeClr val="tx1">
-                    <a:lumMod val="95000"/>
-                    <a:lumOff val="5000"/>
-                  </a:schemeClr>
-                </a:solidFill>
-                <a:latin typeface="Tahoma" panose="020B0604030504040204"/>
-                <a:cs typeface="Tahoma" panose="020B0604030504040204"/>
-              </a:rPr>
-              <a:t>Twenty tropical cyclones pass through the Philippine Area of Responsibility per year</a:t>
-            </a:r>
-            <a:endParaRPr lang="en-US" sz="2700" dirty="0">
-              <a:solidFill>
-                <a:schemeClr val="tx1">
-                  <a:lumMod val="95000"/>
-                  <a:lumOff val="5000"/>
-                </a:schemeClr>
-              </a:solidFill>
-              <a:latin typeface="Tahoma" panose="020B0604030504040204"/>
-              <a:cs typeface="Tahoma" panose="020B0604030504040204"/>
-            </a:endParaRPr>
-          </a:p>
-        </p:txBody>
-      </p:sp>
-      <p:sp>
-        <p:nvSpPr>
-          <p:cNvPr id="7" name="object 7"/>
-          <p:cNvSpPr/>
-          <p:nvPr/>
-        </p:nvSpPr>
-        <p:spPr>
-          <a:xfrm>
-            <a:off x="16796703" y="1282700"/>
-            <a:ext cx="466090" cy="50800"/>
-          </a:xfrm>
-          <a:custGeom>
-            <a:avLst/>
-            <a:gdLst/>
-            <a:ahLst/>
-            <a:cxnLst/>
-            <a:rect l="l" t="t" r="r" b="b"/>
-            <a:pathLst>
-              <a:path w="466090" h="50800">
-                <a:moveTo>
-                  <a:pt x="465824" y="50799"/>
-                </a:moveTo>
-                <a:lnTo>
-                  <a:pt x="0" y="50799"/>
-                </a:lnTo>
-                <a:lnTo>
-                  <a:pt x="0" y="0"/>
-                </a:lnTo>
-                <a:lnTo>
-                  <a:pt x="465824" y="0"/>
-                </a:lnTo>
-                <a:lnTo>
-                  <a:pt x="465824" y="50799"/>
-                </a:lnTo>
-                <a:close/>
-              </a:path>
-            </a:pathLst>
-          </a:custGeom>
-          <a:solidFill>
-            <a:srgbClr val="FFFFFF"/>
-          </a:solidFill>
-        </p:spPr>
-        <p:txBody>
-          <a:bodyPr wrap="square" lIns="0" tIns="0" rIns="0" bIns="0" rtlCol="0"/>
-          <a:lstStyle/>
-          <a:p>
-            <a:endParaRPr/>
-          </a:p>
-        </p:txBody>
-      </p:sp>
-      <p:sp>
-        <p:nvSpPr>
-          <p:cNvPr id="8" name="object 8"/>
-          <p:cNvSpPr/>
-          <p:nvPr/>
-        </p:nvSpPr>
-        <p:spPr>
-          <a:xfrm>
-            <a:off x="16796703" y="1155700"/>
-            <a:ext cx="466090" cy="50800"/>
-          </a:xfrm>
-          <a:custGeom>
-            <a:avLst/>
-            <a:gdLst/>
-            <a:ahLst/>
-            <a:cxnLst/>
-            <a:rect l="l" t="t" r="r" b="b"/>
-            <a:pathLst>
-              <a:path w="466090" h="50800">
-                <a:moveTo>
-                  <a:pt x="465824" y="50799"/>
-                </a:moveTo>
-                <a:lnTo>
-                  <a:pt x="0" y="50799"/>
-                </a:lnTo>
-                <a:lnTo>
-                  <a:pt x="0" y="0"/>
-                </a:lnTo>
-                <a:lnTo>
-                  <a:pt x="465824" y="0"/>
-                </a:lnTo>
-                <a:lnTo>
-                  <a:pt x="465824" y="50799"/>
-                </a:lnTo>
-                <a:close/>
-              </a:path>
-            </a:pathLst>
-          </a:custGeom>
-          <a:solidFill>
-            <a:srgbClr val="FFFFFF"/>
-          </a:solidFill>
-        </p:spPr>
-        <p:txBody>
-          <a:bodyPr wrap="square" lIns="0" tIns="0" rIns="0" bIns="0" rtlCol="0"/>
-          <a:lstStyle/>
-          <a:p>
-            <a:endParaRPr/>
-          </a:p>
-        </p:txBody>
-      </p:sp>
-      <p:sp>
-        <p:nvSpPr>
-          <p:cNvPr id="9" name="object 9"/>
-          <p:cNvSpPr/>
-          <p:nvPr/>
-        </p:nvSpPr>
-        <p:spPr>
-          <a:xfrm>
-            <a:off x="16796703" y="1028700"/>
-            <a:ext cx="466090" cy="50800"/>
-          </a:xfrm>
-          <a:custGeom>
-            <a:avLst/>
-            <a:gdLst/>
-            <a:ahLst/>
-            <a:cxnLst/>
-            <a:rect l="l" t="t" r="r" b="b"/>
-            <a:pathLst>
-              <a:path w="466090" h="50800">
-                <a:moveTo>
-                  <a:pt x="465824" y="50799"/>
-                </a:moveTo>
-                <a:lnTo>
-                  <a:pt x="0" y="50799"/>
-                </a:lnTo>
-                <a:lnTo>
-                  <a:pt x="0" y="0"/>
-                </a:lnTo>
-                <a:lnTo>
-                  <a:pt x="465824" y="0"/>
-                </a:lnTo>
-                <a:lnTo>
-                  <a:pt x="465824" y="50799"/>
-                </a:lnTo>
-                <a:close/>
-              </a:path>
-            </a:pathLst>
-          </a:custGeom>
-          <a:solidFill>
-            <a:srgbClr val="FFFFFF"/>
-          </a:solidFill>
-        </p:spPr>
-        <p:txBody>
-          <a:bodyPr wrap="square" lIns="0" tIns="0" rIns="0" bIns="0" rtlCol="0"/>
-          <a:lstStyle/>
-          <a:p>
-            <a:endParaRPr/>
-          </a:p>
-        </p:txBody>
-      </p:sp>
-      <p:sp>
-        <p:nvSpPr>
-          <p:cNvPr id="10" name="object 10"/>
-          <p:cNvSpPr/>
-          <p:nvPr/>
-        </p:nvSpPr>
-        <p:spPr>
-          <a:xfrm>
-            <a:off x="928371" y="1"/>
-            <a:ext cx="3643630" cy="9461498"/>
-          </a:xfrm>
-          <a:custGeom>
-            <a:avLst/>
-            <a:gdLst/>
-            <a:ahLst/>
-            <a:cxnLst/>
-            <a:rect l="l" t="t" r="r" b="b"/>
-            <a:pathLst>
-              <a:path w="3526790" h="9419590">
-                <a:moveTo>
-                  <a:pt x="690168" y="9256509"/>
-                </a:moveTo>
-                <a:lnTo>
-                  <a:pt x="543585" y="9107081"/>
-                </a:lnTo>
-                <a:lnTo>
-                  <a:pt x="538530" y="9101925"/>
-                </a:lnTo>
-                <a:lnTo>
-                  <a:pt x="530606" y="9101925"/>
-                </a:lnTo>
-                <a:lnTo>
-                  <a:pt x="525856" y="9107081"/>
-                </a:lnTo>
-                <a:lnTo>
-                  <a:pt x="523328" y="9109672"/>
-                </a:lnTo>
-                <a:lnTo>
-                  <a:pt x="522058" y="9112898"/>
-                </a:lnTo>
-                <a:lnTo>
-                  <a:pt x="522058" y="9119349"/>
-                </a:lnTo>
-                <a:lnTo>
-                  <a:pt x="523328" y="9122575"/>
-                </a:lnTo>
-                <a:lnTo>
-                  <a:pt x="645528" y="9247467"/>
-                </a:lnTo>
-                <a:lnTo>
-                  <a:pt x="5702" y="9247467"/>
-                </a:lnTo>
-                <a:lnTo>
-                  <a:pt x="0" y="9253283"/>
-                </a:lnTo>
-                <a:lnTo>
-                  <a:pt x="0" y="9267482"/>
-                </a:lnTo>
-                <a:lnTo>
-                  <a:pt x="5702" y="9273286"/>
-                </a:lnTo>
-                <a:lnTo>
-                  <a:pt x="645528" y="9273286"/>
-                </a:lnTo>
-                <a:lnTo>
-                  <a:pt x="520484" y="9400756"/>
-                </a:lnTo>
-                <a:lnTo>
-                  <a:pt x="520484" y="9408820"/>
-                </a:lnTo>
-                <a:lnTo>
-                  <a:pt x="530606" y="9419158"/>
-                </a:lnTo>
-                <a:lnTo>
-                  <a:pt x="538530" y="9419158"/>
-                </a:lnTo>
-                <a:lnTo>
-                  <a:pt x="690168" y="9264574"/>
-                </a:lnTo>
-                <a:lnTo>
-                  <a:pt x="690168" y="9256509"/>
-                </a:lnTo>
-                <a:close/>
-              </a:path>
-              <a:path w="3526790" h="9419590">
-                <a:moveTo>
-                  <a:pt x="3515626" y="0"/>
-                </a:moveTo>
-                <a:lnTo>
-                  <a:pt x="3365119" y="0"/>
-                </a:lnTo>
-                <a:lnTo>
-                  <a:pt x="3207232" y="158686"/>
-                </a:lnTo>
-                <a:lnTo>
-                  <a:pt x="3049346" y="0"/>
-                </a:lnTo>
-                <a:lnTo>
-                  <a:pt x="2898838" y="0"/>
-                </a:lnTo>
-                <a:lnTo>
-                  <a:pt x="3056725" y="158686"/>
-                </a:lnTo>
-                <a:lnTo>
-                  <a:pt x="3207232" y="309943"/>
-                </a:lnTo>
-                <a:lnTo>
-                  <a:pt x="3515626" y="0"/>
-                </a:lnTo>
-                <a:close/>
-              </a:path>
-              <a:path w="3526790" h="9419590">
-                <a:moveTo>
-                  <a:pt x="3526320" y="1822107"/>
-                </a:moveTo>
-                <a:lnTo>
-                  <a:pt x="3451072" y="1746478"/>
-                </a:lnTo>
-                <a:lnTo>
-                  <a:pt x="3207232" y="1991550"/>
-                </a:lnTo>
-                <a:lnTo>
-                  <a:pt x="2963392" y="1746478"/>
-                </a:lnTo>
-                <a:lnTo>
-                  <a:pt x="2888145" y="1822107"/>
-                </a:lnTo>
-                <a:lnTo>
-                  <a:pt x="3207232" y="2142807"/>
-                </a:lnTo>
-                <a:lnTo>
-                  <a:pt x="3526320" y="1822107"/>
-                </a:lnTo>
-                <a:close/>
-              </a:path>
-              <a:path w="3526790" h="9419590">
-                <a:moveTo>
-                  <a:pt x="3526320" y="1363903"/>
-                </a:moveTo>
-                <a:lnTo>
-                  <a:pt x="3451072" y="1288275"/>
-                </a:lnTo>
-                <a:lnTo>
-                  <a:pt x="3207232" y="1533334"/>
-                </a:lnTo>
-                <a:lnTo>
-                  <a:pt x="2963392" y="1288275"/>
-                </a:lnTo>
-                <a:lnTo>
-                  <a:pt x="2888145" y="1363903"/>
-                </a:lnTo>
-                <a:lnTo>
-                  <a:pt x="3207232" y="1684591"/>
-                </a:lnTo>
-                <a:lnTo>
-                  <a:pt x="3526320" y="1363903"/>
-                </a:lnTo>
-                <a:close/>
-              </a:path>
-              <a:path w="3526790" h="9419590">
-                <a:moveTo>
-                  <a:pt x="3526320" y="905687"/>
-                </a:moveTo>
-                <a:lnTo>
-                  <a:pt x="3451072" y="830046"/>
-                </a:lnTo>
-                <a:lnTo>
-                  <a:pt x="3207232" y="1075118"/>
-                </a:lnTo>
-                <a:lnTo>
-                  <a:pt x="2963392" y="830046"/>
-                </a:lnTo>
-                <a:lnTo>
-                  <a:pt x="2888145" y="905687"/>
-                </a:lnTo>
-                <a:lnTo>
-                  <a:pt x="3207232" y="1226375"/>
-                </a:lnTo>
-                <a:lnTo>
-                  <a:pt x="3526320" y="905687"/>
-                </a:lnTo>
-                <a:close/>
-              </a:path>
-              <a:path w="3526790" h="9419590">
-                <a:moveTo>
-                  <a:pt x="3526320" y="447459"/>
-                </a:moveTo>
-                <a:lnTo>
-                  <a:pt x="3451072" y="371830"/>
-                </a:lnTo>
-                <a:lnTo>
-                  <a:pt x="3207232" y="616902"/>
-                </a:lnTo>
-                <a:lnTo>
-                  <a:pt x="2963392" y="371830"/>
-                </a:lnTo>
-                <a:lnTo>
-                  <a:pt x="2888145" y="447459"/>
-                </a:lnTo>
-                <a:lnTo>
-                  <a:pt x="3207232" y="768159"/>
-                </a:lnTo>
-                <a:lnTo>
-                  <a:pt x="3526320" y="447459"/>
-                </a:lnTo>
-                <a:close/>
-              </a:path>
-            </a:pathLst>
-          </a:custGeom>
-          <a:solidFill>
-            <a:schemeClr val="tx1">
-              <a:lumMod val="75000"/>
-              <a:lumOff val="25000"/>
-            </a:schemeClr>
-          </a:solidFill>
-        </p:spPr>
-        <p:txBody>
-          <a:bodyPr wrap="square" lIns="0" tIns="0" rIns="0" bIns="0" rtlCol="0"/>
-          <a:lstStyle/>
-          <a:p>
-            <a:endParaRPr dirty="0"/>
-          </a:p>
-        </p:txBody>
-      </p:sp>
-      <p:sp>
-        <p:nvSpPr>
-          <p:cNvPr id="11" name="object 6"/>
-          <p:cNvSpPr txBox="1"/>
-          <p:nvPr/>
-        </p:nvSpPr>
-        <p:spPr>
-          <a:xfrm>
-            <a:off x="13974127" y="6819900"/>
-            <a:ext cx="3385503" cy="437684"/>
-          </a:xfrm>
-          <a:prstGeom prst="rect">
-            <a:avLst/>
-          </a:prstGeom>
-        </p:spPr>
-        <p:txBody>
-          <a:bodyPr vert="horz" wrap="square" lIns="0" tIns="12700" rIns="0" bIns="0" rtlCol="0">
-            <a:spAutoFit/>
-          </a:bodyPr>
-          <a:lstStyle/>
-          <a:p>
-            <a:pPr marL="12700" marR="5080" indent="918210">
-              <a:lnSpc>
-                <a:spcPct val="107000"/>
-              </a:lnSpc>
-              <a:spcBef>
-                <a:spcPts val="100"/>
-              </a:spcBef>
-            </a:pPr>
-            <a:r>
-              <a:rPr lang="en-US" sz="2700" b="1" dirty="0">
-                <a:solidFill>
-                  <a:schemeClr val="tx1">
-                    <a:lumMod val="95000"/>
-                    <a:lumOff val="5000"/>
-                  </a:schemeClr>
-                </a:solidFill>
-                <a:cs typeface="Tahoma" panose="020B0604030504040204"/>
-              </a:rPr>
-              <a:t>APPROXIMATELY</a:t>
-            </a:r>
-            <a:endParaRPr sz="2700" dirty="0">
-              <a:solidFill>
-                <a:schemeClr val="tx1">
-                  <a:lumMod val="95000"/>
-                  <a:lumOff val="5000"/>
-                </a:schemeClr>
-              </a:solidFill>
-              <a:cs typeface="Tahoma" panose="020B0604030504040204"/>
-            </a:endParaRPr>
-          </a:p>
-        </p:txBody>
-      </p:sp>
-    </p:spTree>
-  </p:cSld>
-  <p:clrMapOvr>
-    <a:masterClrMapping/>
-  </p:clrMapOvr>
-</p:sld>
-</file>
-
-<file path=ppt/slides/slide20.xml><?xml version="1.0" encoding="utf-8"?>
-<p:sld xmlns:a="http://schemas.openxmlformats.org/drawingml/2006/main" xmlns:r="http://schemas.openxmlformats.org/officeDocument/2006/relationships" xmlns:p="http://schemas.openxmlformats.org/presentationml/2006/main">
-  <p:cSld>
-    <p:spTree>
-      <p:nvGrpSpPr>
-        <p:cNvPr id="1" name=""/>
-        <p:cNvGrpSpPr/>
-        <p:nvPr/>
-      </p:nvGrpSpPr>
-      <p:grpSpPr>
-        <a:xfrm>
-          <a:off x="0" y="0"/>
-          <a:ext cx="0" cy="0"/>
-          <a:chOff x="0" y="0"/>
-          <a:chExt cx="0" cy="0"/>
-        </a:xfrm>
-      </p:grpSpPr>
-      <p:sp>
-        <p:nvSpPr>
-          <p:cNvPr id="2" name="object 2"/>
-          <p:cNvSpPr/>
-          <p:nvPr/>
-        </p:nvSpPr>
-        <p:spPr>
-          <a:xfrm>
-            <a:off x="0" y="0"/>
-            <a:ext cx="5638800" cy="10287000"/>
-          </a:xfrm>
-          <a:custGeom>
-            <a:avLst/>
-            <a:gdLst/>
-            <a:ahLst/>
-            <a:cxnLst/>
-            <a:rect l="l" t="t" r="r" b="b"/>
-            <a:pathLst>
-              <a:path w="4810125" h="10287000">
-                <a:moveTo>
-                  <a:pt x="4810124" y="10286999"/>
-                </a:moveTo>
-                <a:lnTo>
-                  <a:pt x="0" y="10286999"/>
-                </a:lnTo>
-                <a:lnTo>
-                  <a:pt x="0" y="0"/>
-                </a:lnTo>
-                <a:lnTo>
-                  <a:pt x="4810124" y="0"/>
-                </a:lnTo>
-                <a:lnTo>
-                  <a:pt x="4810124" y="10286999"/>
-                </a:lnTo>
-                <a:close/>
-              </a:path>
-            </a:pathLst>
-          </a:custGeom>
-          <a:solidFill>
-            <a:srgbClr val="D5D5D5"/>
-          </a:solidFill>
-        </p:spPr>
-        <p:txBody>
-          <a:bodyPr wrap="square" lIns="0" tIns="0" rIns="0" bIns="0" rtlCol="0"/>
-          <a:lstStyle/>
-          <a:p>
-            <a:endParaRPr dirty="0"/>
-          </a:p>
-        </p:txBody>
-      </p:sp>
-      <p:sp>
-        <p:nvSpPr>
-          <p:cNvPr id="4" name="object 4"/>
-          <p:cNvSpPr/>
-          <p:nvPr/>
-        </p:nvSpPr>
-        <p:spPr>
-          <a:xfrm>
-            <a:off x="6148821" y="9639300"/>
-            <a:ext cx="1485900" cy="57150"/>
-          </a:xfrm>
-          <a:custGeom>
-            <a:avLst/>
-            <a:gdLst/>
-            <a:ahLst/>
-            <a:cxnLst/>
-            <a:rect l="l" t="t" r="r" b="b"/>
-            <a:pathLst>
-              <a:path w="1485900" h="57150">
-                <a:moveTo>
-                  <a:pt x="1485899" y="57149"/>
-                </a:moveTo>
-                <a:lnTo>
-                  <a:pt x="0" y="57149"/>
-                </a:lnTo>
-                <a:lnTo>
-                  <a:pt x="0" y="0"/>
-                </a:lnTo>
-                <a:lnTo>
-                  <a:pt x="1485899" y="0"/>
-                </a:lnTo>
-                <a:lnTo>
-                  <a:pt x="1485899" y="57149"/>
-                </a:lnTo>
-                <a:close/>
-              </a:path>
-            </a:pathLst>
-          </a:custGeom>
-          <a:solidFill>
-            <a:srgbClr val="D5D5D5"/>
-          </a:solidFill>
-        </p:spPr>
-        <p:txBody>
-          <a:bodyPr wrap="square" lIns="0" tIns="0" rIns="0" bIns="0" rtlCol="0"/>
-          <a:lstStyle/>
-          <a:p>
-            <a:endParaRPr/>
-          </a:p>
-        </p:txBody>
-      </p:sp>
-      <p:grpSp>
-        <p:nvGrpSpPr>
-          <p:cNvPr id="17" name="object 17"/>
-          <p:cNvGrpSpPr/>
-          <p:nvPr/>
-        </p:nvGrpSpPr>
-        <p:grpSpPr>
-          <a:xfrm>
-            <a:off x="951690" y="1028700"/>
-            <a:ext cx="4175760" cy="9258300"/>
-            <a:chOff x="951690" y="1028700"/>
-            <a:chExt cx="4175760" cy="9258300"/>
-          </a:xfrm>
-          <a:solidFill>
-            <a:schemeClr val="bg1"/>
-          </a:solidFill>
-        </p:grpSpPr>
-        <p:sp>
-          <p:nvSpPr>
-            <p:cNvPr id="18" name="object 18"/>
-            <p:cNvSpPr/>
-            <p:nvPr/>
-          </p:nvSpPr>
-          <p:spPr>
-            <a:xfrm>
-              <a:off x="4489132" y="8144128"/>
-              <a:ext cx="638175" cy="2143125"/>
-            </a:xfrm>
-            <a:custGeom>
-              <a:avLst/>
-              <a:gdLst/>
-              <a:ahLst/>
-              <a:cxnLst/>
-              <a:rect l="l" t="t" r="r" b="b"/>
-              <a:pathLst>
-                <a:path w="638175" h="2143125">
-                  <a:moveTo>
-                    <a:pt x="627545" y="2142871"/>
-                  </a:moveTo>
-                  <a:lnTo>
-                    <a:pt x="469595" y="1984133"/>
-                  </a:lnTo>
-                  <a:lnTo>
-                    <a:pt x="319087" y="1832864"/>
-                  </a:lnTo>
-                  <a:lnTo>
-                    <a:pt x="10642" y="2142871"/>
-                  </a:lnTo>
-                  <a:lnTo>
-                    <a:pt x="161137" y="2142871"/>
-                  </a:lnTo>
-                  <a:lnTo>
-                    <a:pt x="319087" y="1984133"/>
-                  </a:lnTo>
-                  <a:lnTo>
-                    <a:pt x="477037" y="2142871"/>
-                  </a:lnTo>
-                  <a:lnTo>
-                    <a:pt x="627545" y="2142871"/>
-                  </a:lnTo>
-                  <a:close/>
-                </a:path>
-                <a:path w="638175" h="2143125">
-                  <a:moveTo>
-                    <a:pt x="638175" y="1695348"/>
-                  </a:moveTo>
-                  <a:lnTo>
-                    <a:pt x="319087" y="1374648"/>
-                  </a:lnTo>
-                  <a:lnTo>
-                    <a:pt x="0" y="1695348"/>
-                  </a:lnTo>
-                  <a:lnTo>
-                    <a:pt x="75260" y="1770976"/>
-                  </a:lnTo>
-                  <a:lnTo>
-                    <a:pt x="319087" y="1525917"/>
-                  </a:lnTo>
-                  <a:lnTo>
-                    <a:pt x="562927" y="1770976"/>
-                  </a:lnTo>
-                  <a:lnTo>
-                    <a:pt x="638175" y="1695348"/>
-                  </a:lnTo>
-                  <a:close/>
-                </a:path>
-                <a:path w="638175" h="2143125">
-                  <a:moveTo>
-                    <a:pt x="638175" y="1237132"/>
-                  </a:moveTo>
-                  <a:lnTo>
-                    <a:pt x="319087" y="916432"/>
-                  </a:lnTo>
-                  <a:lnTo>
-                    <a:pt x="0" y="1237132"/>
-                  </a:lnTo>
-                  <a:lnTo>
-                    <a:pt x="75260" y="1312760"/>
-                  </a:lnTo>
-                  <a:lnTo>
-                    <a:pt x="319087" y="1067689"/>
-                  </a:lnTo>
-                  <a:lnTo>
-                    <a:pt x="562927" y="1312760"/>
-                  </a:lnTo>
-                  <a:lnTo>
-                    <a:pt x="638175" y="1237132"/>
-                  </a:lnTo>
-                  <a:close/>
-                </a:path>
-                <a:path w="638175" h="2143125">
-                  <a:moveTo>
-                    <a:pt x="638175" y="778916"/>
-                  </a:moveTo>
-                  <a:lnTo>
-                    <a:pt x="319087" y="458216"/>
-                  </a:lnTo>
-                  <a:lnTo>
-                    <a:pt x="0" y="778916"/>
-                  </a:lnTo>
-                  <a:lnTo>
-                    <a:pt x="75260" y="854544"/>
-                  </a:lnTo>
-                  <a:lnTo>
-                    <a:pt x="319087" y="609485"/>
-                  </a:lnTo>
-                  <a:lnTo>
-                    <a:pt x="562927" y="854544"/>
-                  </a:lnTo>
-                  <a:lnTo>
-                    <a:pt x="638175" y="778916"/>
-                  </a:lnTo>
-                  <a:close/>
-                </a:path>
-                <a:path w="638175" h="2143125">
-                  <a:moveTo>
-                    <a:pt x="638175" y="320700"/>
-                  </a:moveTo>
-                  <a:lnTo>
-                    <a:pt x="319087" y="0"/>
-                  </a:lnTo>
-                  <a:lnTo>
-                    <a:pt x="0" y="320700"/>
-                  </a:lnTo>
-                  <a:lnTo>
-                    <a:pt x="75260" y="396328"/>
-                  </a:lnTo>
-                  <a:lnTo>
-                    <a:pt x="319087" y="151269"/>
-                  </a:lnTo>
-                  <a:lnTo>
-                    <a:pt x="562927" y="396328"/>
-                  </a:lnTo>
-                  <a:lnTo>
-                    <a:pt x="638175" y="320700"/>
-                  </a:lnTo>
-                  <a:close/>
-                </a:path>
-              </a:pathLst>
-            </a:custGeom>
-            <a:grpFill/>
-          </p:spPr>
-          <p:txBody>
-            <a:bodyPr wrap="square" lIns="0" tIns="0" rIns="0" bIns="0" rtlCol="0"/>
-            <a:lstStyle/>
-            <a:p>
-              <a:endParaRPr dirty="0"/>
-            </a:p>
-          </p:txBody>
-        </p:sp>
-        <p:sp>
-          <p:nvSpPr>
-            <p:cNvPr id="19" name="object 19"/>
-            <p:cNvSpPr/>
-            <p:nvPr/>
-          </p:nvSpPr>
-          <p:spPr>
-            <a:xfrm>
-              <a:off x="951687" y="1028712"/>
-              <a:ext cx="466090" cy="304800"/>
-            </a:xfrm>
-            <a:custGeom>
-              <a:avLst/>
-              <a:gdLst/>
-              <a:ahLst/>
-              <a:cxnLst/>
-              <a:rect l="l" t="t" r="r" b="b"/>
-              <a:pathLst>
-                <a:path w="466090" h="304800">
-                  <a:moveTo>
-                    <a:pt x="465823" y="254000"/>
-                  </a:moveTo>
-                  <a:lnTo>
-                    <a:pt x="0" y="254000"/>
-                  </a:lnTo>
-                  <a:lnTo>
-                    <a:pt x="0" y="304800"/>
-                  </a:lnTo>
-                  <a:lnTo>
-                    <a:pt x="465823" y="304800"/>
-                  </a:lnTo>
-                  <a:lnTo>
-                    <a:pt x="465823" y="254000"/>
-                  </a:lnTo>
-                  <a:close/>
-                </a:path>
-                <a:path w="466090" h="304800">
-                  <a:moveTo>
-                    <a:pt x="465823" y="127000"/>
-                  </a:moveTo>
-                  <a:lnTo>
-                    <a:pt x="0" y="127000"/>
-                  </a:lnTo>
-                  <a:lnTo>
-                    <a:pt x="0" y="177800"/>
-                  </a:lnTo>
-                  <a:lnTo>
-                    <a:pt x="465823" y="177800"/>
-                  </a:lnTo>
-                  <a:lnTo>
-                    <a:pt x="465823" y="127000"/>
-                  </a:lnTo>
-                  <a:close/>
-                </a:path>
-                <a:path w="466090" h="304800">
-                  <a:moveTo>
-                    <a:pt x="465823" y="0"/>
-                  </a:moveTo>
-                  <a:lnTo>
-                    <a:pt x="0" y="0"/>
-                  </a:lnTo>
-                  <a:lnTo>
-                    <a:pt x="0" y="50800"/>
-                  </a:lnTo>
-                  <a:lnTo>
-                    <a:pt x="465823" y="50800"/>
-                  </a:lnTo>
-                  <a:lnTo>
-                    <a:pt x="465823" y="0"/>
-                  </a:lnTo>
-                  <a:close/>
-                </a:path>
-              </a:pathLst>
-            </a:custGeom>
-            <a:grpFill/>
-          </p:spPr>
-          <p:txBody>
-            <a:bodyPr wrap="square" lIns="0" tIns="0" rIns="0" bIns="0" rtlCol="0"/>
-            <a:lstStyle/>
-            <a:p>
-              <a:endParaRPr/>
-            </a:p>
-          </p:txBody>
-        </p:sp>
-      </p:grpSp>
-      <p:sp>
-        <p:nvSpPr>
-          <p:cNvPr id="23" name="object 17"/>
-          <p:cNvSpPr txBox="1"/>
-          <p:nvPr/>
-        </p:nvSpPr>
-        <p:spPr>
-          <a:xfrm rot="5400000">
-            <a:off x="2537575" y="-314474"/>
-            <a:ext cx="923330" cy="5279120"/>
-          </a:xfrm>
-          <a:prstGeom prst="rect">
-            <a:avLst/>
-          </a:prstGeom>
-        </p:spPr>
-        <p:txBody>
-          <a:bodyPr vert="vert270" wrap="square" lIns="0" tIns="16510" rIns="0" bIns="0" rtlCol="0">
-            <a:spAutoFit/>
-          </a:bodyPr>
-          <a:lstStyle/>
-          <a:p>
-            <a:pPr marL="12700">
-              <a:lnSpc>
-                <a:spcPct val="100000"/>
-              </a:lnSpc>
-              <a:spcBef>
-                <a:spcPts val="130"/>
-              </a:spcBef>
-            </a:pPr>
-            <a:r>
-              <a:rPr lang="en-PH" sz="6000" b="1" spc="-70" dirty="0">
-                <a:solidFill>
-                  <a:schemeClr val="accent4">
-                    <a:lumMod val="50000"/>
-                  </a:schemeClr>
-                </a:solidFill>
-                <a:latin typeface="Tahoma" panose="020B0604030504040204"/>
-                <a:cs typeface="Tahoma" panose="020B0604030504040204"/>
-              </a:rPr>
-              <a:t>OBJECTIVES</a:t>
-            </a:r>
-            <a:endParaRPr sz="6000" dirty="0">
-              <a:solidFill>
-                <a:schemeClr val="accent4">
-                  <a:lumMod val="50000"/>
-                </a:schemeClr>
-              </a:solidFill>
-              <a:latin typeface="Tahoma" panose="020B0604030504040204"/>
-              <a:cs typeface="Tahoma" panose="020B0604030504040204"/>
-            </a:endParaRPr>
-          </a:p>
-        </p:txBody>
-      </p:sp>
-      <p:sp>
-        <p:nvSpPr>
-          <p:cNvPr id="24" name="Rectangle 23"/>
-          <p:cNvSpPr/>
-          <p:nvPr/>
-        </p:nvSpPr>
-        <p:spPr>
-          <a:xfrm>
-            <a:off x="228600" y="3196933"/>
-            <a:ext cx="5029200" cy="727368"/>
-          </a:xfrm>
-          <a:prstGeom prst="rect">
-            <a:avLst/>
-          </a:prstGeom>
-          <a:ln w="28575"/>
-        </p:spPr>
-        <p:style>
-          <a:lnRef idx="2">
-            <a:schemeClr val="dk1"/>
-          </a:lnRef>
-          <a:fillRef idx="1">
-            <a:schemeClr val="lt1"/>
-          </a:fillRef>
-          <a:effectRef idx="0">
-            <a:schemeClr val="dk1"/>
-          </a:effectRef>
-          <a:fontRef idx="minor">
-            <a:schemeClr val="dk1"/>
-          </a:fontRef>
-        </p:style>
-        <p:txBody>
-          <a:bodyPr rtlCol="0" anchor="ctr"/>
-          <a:lstStyle/>
-          <a:p>
-            <a:pPr marL="0" marR="0" algn="ctr">
-              <a:spcBef>
-                <a:spcPts val="0"/>
-              </a:spcBef>
-              <a:spcAft>
-                <a:spcPts val="0"/>
-              </a:spcAft>
-            </a:pPr>
-            <a:r>
-              <a:rPr lang="en-US" sz="2000" u="sng" dirty="0">
-                <a:effectLst/>
-                <a:latin typeface="Times New Roman" panose="02020603050405020304" pitchFamily="18" charset="0"/>
-                <a:ea typeface="Times New Roman" panose="02020603050405020304" pitchFamily="18" charset="0"/>
-              </a:rPr>
-              <a:t>Humanitarian Data Exchange Data set about Philippines (2019)</a:t>
-            </a:r>
-            <a:endParaRPr lang="en-US" sz="2000" dirty="0">
-              <a:effectLst/>
-              <a:latin typeface="Calibri" panose="020F0502020204030204" pitchFamily="34" charset="0"/>
-              <a:ea typeface="Calibri" panose="020F0502020204030204" pitchFamily="34" charset="0"/>
-            </a:endParaRPr>
-          </a:p>
-        </p:txBody>
-      </p:sp>
-      <p:sp>
-        <p:nvSpPr>
-          <p:cNvPr id="25" name="Rectangle 24"/>
-          <p:cNvSpPr/>
-          <p:nvPr/>
-        </p:nvSpPr>
-        <p:spPr>
-          <a:xfrm>
-            <a:off x="264000" y="4076700"/>
-            <a:ext cx="4993800" cy="992209"/>
-          </a:xfrm>
-          <a:prstGeom prst="rect">
-            <a:avLst/>
-          </a:prstGeom>
-          <a:ln w="57150"/>
-        </p:spPr>
-        <p:style>
-          <a:lnRef idx="2">
-            <a:schemeClr val="dk1"/>
-          </a:lnRef>
-          <a:fillRef idx="1">
-            <a:schemeClr val="lt1"/>
-          </a:fillRef>
-          <a:effectRef idx="0">
-            <a:schemeClr val="dk1"/>
-          </a:effectRef>
-          <a:fontRef idx="minor">
-            <a:schemeClr val="dk1"/>
-          </a:fontRef>
-        </p:style>
-        <p:txBody>
-          <a:bodyPr rtlCol="0" anchor="ctr"/>
-          <a:lstStyle/>
-          <a:p>
-            <a:pPr marL="0" marR="0" algn="ctr">
-              <a:spcBef>
-                <a:spcPts val="0"/>
-              </a:spcBef>
-              <a:spcAft>
-                <a:spcPts val="0"/>
-              </a:spcAft>
-            </a:pPr>
-            <a:r>
-              <a:rPr lang="en-US" sz="1800" u="sng" dirty="0">
-                <a:effectLst/>
-                <a:latin typeface="Times New Roman" panose="02020603050405020304" pitchFamily="18" charset="0"/>
-                <a:ea typeface="Times New Roman" panose="02020603050405020304" pitchFamily="18" charset="0"/>
-              </a:rPr>
-              <a:t>The Centre for Research on the Epidemiology of Disasters' Data set about the American Typhoons (2000-2022)</a:t>
-            </a:r>
-            <a:endParaRPr lang="en-US" sz="1800" u="sng" dirty="0">
-              <a:effectLst/>
-              <a:latin typeface="Calibri" panose="020F0502020204030204" pitchFamily="34" charset="0"/>
-              <a:ea typeface="Calibri" panose="020F0502020204030204" pitchFamily="34" charset="0"/>
-            </a:endParaRPr>
-          </a:p>
-        </p:txBody>
-      </p:sp>
-      <p:sp>
-        <p:nvSpPr>
-          <p:cNvPr id="16" name="Rectangle 15"/>
-          <p:cNvSpPr/>
-          <p:nvPr/>
-        </p:nvSpPr>
-        <p:spPr>
-          <a:xfrm>
-            <a:off x="951687" y="5219700"/>
-            <a:ext cx="4270713" cy="312196"/>
-          </a:xfrm>
-          <a:prstGeom prst="rect">
-            <a:avLst/>
-          </a:prstGeom>
-          <a:ln w="28575"/>
-        </p:spPr>
-        <p:style>
-          <a:lnRef idx="2">
-            <a:schemeClr val="dk1"/>
-          </a:lnRef>
-          <a:fillRef idx="1">
-            <a:schemeClr val="lt1"/>
-          </a:fillRef>
-          <a:effectRef idx="0">
-            <a:schemeClr val="dk1"/>
-          </a:effectRef>
-          <a:fontRef idx="minor">
-            <a:schemeClr val="dk1"/>
-          </a:fontRef>
-        </p:style>
-        <p:txBody>
-          <a:bodyPr rtlCol="0" anchor="ctr"/>
-          <a:lstStyle/>
-          <a:p>
-            <a:pPr algn="ctr"/>
-            <a:r>
-              <a:rPr lang="en-US" dirty="0"/>
-              <a:t>Objective 1</a:t>
-            </a:r>
-          </a:p>
-        </p:txBody>
-      </p:sp>
-      <p:sp>
-        <p:nvSpPr>
-          <p:cNvPr id="3" name="Arrow: Chevron 2"/>
-          <p:cNvSpPr/>
-          <p:nvPr/>
-        </p:nvSpPr>
-        <p:spPr>
-          <a:xfrm>
-            <a:off x="712065" y="5289798"/>
-            <a:ext cx="160088" cy="190810"/>
-          </a:xfrm>
-          <a:prstGeom prst="chevron">
-            <a:avLst/>
-          </a:prstGeom>
-        </p:spPr>
-        <p:style>
-          <a:lnRef idx="2">
-            <a:schemeClr val="dk1"/>
-          </a:lnRef>
-          <a:fillRef idx="1">
-            <a:schemeClr val="lt1"/>
-          </a:fillRef>
-          <a:effectRef idx="0">
-            <a:schemeClr val="dk1"/>
-          </a:effectRef>
-          <a:fontRef idx="minor">
-            <a:schemeClr val="dk1"/>
-          </a:fontRef>
-        </p:style>
-        <p:txBody>
-          <a:bodyPr rtlCol="0" anchor="ctr"/>
-          <a:lstStyle/>
-          <a:p>
-            <a:pPr algn="ctr"/>
-            <a:endParaRPr lang="en-US">
-              <a:solidFill>
-                <a:schemeClr val="tx1"/>
-              </a:solidFill>
-            </a:endParaRPr>
-          </a:p>
-        </p:txBody>
-      </p:sp>
-      <p:sp>
-        <p:nvSpPr>
-          <p:cNvPr id="28" name="Rectangle 27"/>
-          <p:cNvSpPr/>
-          <p:nvPr/>
-        </p:nvSpPr>
-        <p:spPr>
-          <a:xfrm>
-            <a:off x="951687" y="5624657"/>
-            <a:ext cx="4270713" cy="312196"/>
-          </a:xfrm>
-          <a:prstGeom prst="rect">
-            <a:avLst/>
-          </a:prstGeom>
-          <a:ln w="28575"/>
-        </p:spPr>
-        <p:style>
-          <a:lnRef idx="2">
-            <a:schemeClr val="dk1"/>
-          </a:lnRef>
-          <a:fillRef idx="1">
-            <a:schemeClr val="lt1"/>
-          </a:fillRef>
-          <a:effectRef idx="0">
-            <a:schemeClr val="dk1"/>
-          </a:effectRef>
-          <a:fontRef idx="minor">
-            <a:schemeClr val="dk1"/>
-          </a:fontRef>
-        </p:style>
-        <p:txBody>
-          <a:bodyPr rtlCol="0" anchor="ctr"/>
-          <a:lstStyle/>
-          <a:p>
-            <a:pPr algn="ctr"/>
-            <a:r>
-              <a:rPr lang="en-US" dirty="0"/>
-              <a:t>Objective 2</a:t>
-            </a:r>
-          </a:p>
-        </p:txBody>
-      </p:sp>
-      <p:sp>
-        <p:nvSpPr>
-          <p:cNvPr id="29" name="Rectangle 28"/>
-          <p:cNvSpPr/>
-          <p:nvPr/>
-        </p:nvSpPr>
-        <p:spPr>
-          <a:xfrm>
-            <a:off x="961189" y="6023908"/>
-            <a:ext cx="4270713" cy="312196"/>
-          </a:xfrm>
-          <a:prstGeom prst="rect">
-            <a:avLst/>
-          </a:prstGeom>
           <a:ln w="28575"/>
         </p:spPr>
         <p:style>
@@ -15396,7 +10411,7 @@
 </p:sld>
 </file>
 
-<file path=ppt/slides/slide21.xml><?xml version="1.0" encoding="utf-8"?>
+<file path=ppt/slides/slide17.xml><?xml version="1.0" encoding="utf-8"?>
 <p:sld xmlns:a="http://schemas.openxmlformats.org/drawingml/2006/main" xmlns:r="http://schemas.openxmlformats.org/officeDocument/2006/relationships" xmlns:p="http://schemas.openxmlformats.org/presentationml/2006/main" showMasterSp="0">
   <p:cSld>
     <p:spTree>
@@ -16226,7 +11241,7 @@
 </p:sld>
 </file>
 
-<file path=ppt/slides/slide22.xml><?xml version="1.0" encoding="utf-8"?>
+<file path=ppt/slides/slide18.xml><?xml version="1.0" encoding="utf-8"?>
 <p:sld xmlns:a="http://schemas.openxmlformats.org/drawingml/2006/main" xmlns:r="http://schemas.openxmlformats.org/officeDocument/2006/relationships" xmlns:p="http://schemas.openxmlformats.org/presentationml/2006/main" showMasterSp="0">
   <p:cSld>
     <p:spTree>
@@ -17311,7 +12326,7 @@
 </p:sld>
 </file>
 
-<file path=ppt/slides/slide23.xml><?xml version="1.0" encoding="utf-8"?>
+<file path=ppt/slides/slide19.xml><?xml version="1.0" encoding="utf-8"?>
 <p:sld xmlns:a="http://schemas.openxmlformats.org/drawingml/2006/main" xmlns:r="http://schemas.openxmlformats.org/officeDocument/2006/relationships" xmlns:p="http://schemas.openxmlformats.org/presentationml/2006/main" showMasterSp="0">
   <p:cSld>
     <p:spTree>
@@ -18235,6 +13250,709 @@
 </p:sld>
 </file>
 
+<file path=ppt/slides/slide2.xml><?xml version="1.0" encoding="utf-8"?>
+<p:sld xmlns:a="http://schemas.openxmlformats.org/drawingml/2006/main" xmlns:r="http://schemas.openxmlformats.org/officeDocument/2006/relationships" xmlns:p="http://schemas.openxmlformats.org/presentationml/2006/main" showMasterSp="0">
+  <p:cSld>
+    <p:spTree>
+      <p:nvGrpSpPr>
+        <p:cNvPr id="1" name=""/>
+        <p:cNvGrpSpPr/>
+        <p:nvPr/>
+      </p:nvGrpSpPr>
+      <p:grpSpPr>
+        <a:xfrm>
+          <a:off x="0" y="0"/>
+          <a:ext cx="0" cy="0"/>
+          <a:chOff x="0" y="0"/>
+          <a:chExt cx="0" cy="0"/>
+        </a:xfrm>
+      </p:grpSpPr>
+      <p:sp>
+        <p:nvSpPr>
+          <p:cNvPr id="3" name="object 3"/>
+          <p:cNvSpPr/>
+          <p:nvPr/>
+        </p:nvSpPr>
+        <p:spPr>
+          <a:xfrm>
+            <a:off x="0" y="0"/>
+            <a:ext cx="4238625" cy="10287000"/>
+          </a:xfrm>
+          <a:custGeom>
+            <a:avLst/>
+            <a:gdLst/>
+            <a:ahLst/>
+            <a:cxnLst/>
+            <a:rect l="l" t="t" r="r" b="b"/>
+            <a:pathLst>
+              <a:path w="4238625" h="10287000">
+                <a:moveTo>
+                  <a:pt x="4238624" y="10286999"/>
+                </a:moveTo>
+                <a:lnTo>
+                  <a:pt x="0" y="10286999"/>
+                </a:lnTo>
+                <a:lnTo>
+                  <a:pt x="0" y="0"/>
+                </a:lnTo>
+                <a:lnTo>
+                  <a:pt x="4238624" y="0"/>
+                </a:lnTo>
+                <a:lnTo>
+                  <a:pt x="4238624" y="10286999"/>
+                </a:lnTo>
+                <a:close/>
+              </a:path>
+            </a:pathLst>
+          </a:custGeom>
+          <a:solidFill>
+            <a:srgbClr val="D5D5D5"/>
+          </a:solidFill>
+        </p:spPr>
+        <p:txBody>
+          <a:bodyPr wrap="square" lIns="0" tIns="0" rIns="0" bIns="0" rtlCol="0"/>
+          <a:lstStyle/>
+          <a:p>
+            <a:endParaRPr dirty="0"/>
+          </a:p>
+        </p:txBody>
+      </p:sp>
+      <p:sp>
+        <p:nvSpPr>
+          <p:cNvPr id="4" name="object 4"/>
+          <p:cNvSpPr txBox="1"/>
+          <p:nvPr/>
+        </p:nvSpPr>
+        <p:spPr>
+          <a:xfrm>
+            <a:off x="1703813" y="1113246"/>
+            <a:ext cx="830997" cy="7071254"/>
+          </a:xfrm>
+          <a:prstGeom prst="rect">
+            <a:avLst/>
+          </a:prstGeom>
+        </p:spPr>
+        <p:txBody>
+          <a:bodyPr vert="vert270" wrap="square" lIns="0" tIns="13970" rIns="0" bIns="0" rtlCol="0">
+            <a:spAutoFit/>
+          </a:bodyPr>
+          <a:lstStyle/>
+          <a:p>
+            <a:pPr marL="12700">
+              <a:lnSpc>
+                <a:spcPct val="100000"/>
+              </a:lnSpc>
+              <a:spcBef>
+                <a:spcPts val="110"/>
+              </a:spcBef>
+            </a:pPr>
+            <a:r>
+              <a:rPr sz="5400" b="1" spc="-130" dirty="0">
+                <a:solidFill>
+                  <a:srgbClr val="FFFFFF"/>
+                </a:solidFill>
+                <a:latin typeface="Tahoma" panose="020B0604030504040204"/>
+                <a:cs typeface="Tahoma" panose="020B0604030504040204"/>
+              </a:rPr>
+              <a:t>DID</a:t>
+            </a:r>
+            <a:r>
+              <a:rPr sz="5400" b="1" spc="85" dirty="0">
+                <a:solidFill>
+                  <a:srgbClr val="FFFFFF"/>
+                </a:solidFill>
+                <a:latin typeface="Tahoma" panose="020B0604030504040204"/>
+                <a:cs typeface="Tahoma" panose="020B0604030504040204"/>
+              </a:rPr>
+              <a:t> </a:t>
+            </a:r>
+            <a:r>
+              <a:rPr sz="5400" b="1" spc="30" dirty="0">
+                <a:solidFill>
+                  <a:srgbClr val="FFFFFF"/>
+                </a:solidFill>
+                <a:latin typeface="Tahoma" panose="020B0604030504040204"/>
+                <a:cs typeface="Tahoma" panose="020B0604030504040204"/>
+              </a:rPr>
+              <a:t>YOU</a:t>
+            </a:r>
+            <a:r>
+              <a:rPr sz="5400" b="1" spc="85" dirty="0">
+                <a:solidFill>
+                  <a:srgbClr val="FFFFFF"/>
+                </a:solidFill>
+                <a:latin typeface="Tahoma" panose="020B0604030504040204"/>
+                <a:cs typeface="Tahoma" panose="020B0604030504040204"/>
+              </a:rPr>
+              <a:t> </a:t>
+            </a:r>
+            <a:r>
+              <a:rPr sz="5400" b="1" spc="40" dirty="0">
+                <a:solidFill>
+                  <a:srgbClr val="FFFFFF"/>
+                </a:solidFill>
+                <a:latin typeface="Tahoma" panose="020B0604030504040204"/>
+                <a:cs typeface="Tahoma" panose="020B0604030504040204"/>
+              </a:rPr>
+              <a:t>KNOW?</a:t>
+            </a:r>
+            <a:endParaRPr sz="5400" dirty="0">
+              <a:latin typeface="Tahoma" panose="020B0604030504040204"/>
+              <a:cs typeface="Tahoma" panose="020B0604030504040204"/>
+            </a:endParaRPr>
+          </a:p>
+        </p:txBody>
+      </p:sp>
+      <p:sp>
+        <p:nvSpPr>
+          <p:cNvPr id="5" name="object 5"/>
+          <p:cNvSpPr txBox="1"/>
+          <p:nvPr/>
+        </p:nvSpPr>
+        <p:spPr>
+          <a:xfrm>
+            <a:off x="11038205" y="3230213"/>
+            <a:ext cx="6259195" cy="4260141"/>
+          </a:xfrm>
+          <a:prstGeom prst="rect">
+            <a:avLst/>
+          </a:prstGeom>
+        </p:spPr>
+        <p:txBody>
+          <a:bodyPr vert="horz" wrap="square" lIns="0" tIns="12700" rIns="0" bIns="0" rtlCol="0">
+            <a:spAutoFit/>
+          </a:bodyPr>
+          <a:lstStyle/>
+          <a:p>
+            <a:pPr marL="12700" algn="r">
+              <a:lnSpc>
+                <a:spcPct val="100000"/>
+              </a:lnSpc>
+              <a:spcBef>
+                <a:spcPts val="100"/>
+              </a:spcBef>
+            </a:pPr>
+            <a:r>
+              <a:rPr lang="en-US" sz="27600" b="1" spc="-3015" dirty="0">
+                <a:solidFill>
+                  <a:schemeClr val="tx1">
+                    <a:lumMod val="95000"/>
+                    <a:lumOff val="5000"/>
+                  </a:schemeClr>
+                </a:solidFill>
+                <a:uFill>
+                  <a:solidFill>
+                    <a:srgbClr val="F41723"/>
+                  </a:solidFill>
+                </a:uFill>
+                <a:latin typeface="Verdana" panose="020B0604030504040204"/>
+                <a:cs typeface="Verdana" panose="020B0604030504040204"/>
+              </a:rPr>
+              <a:t>20</a:t>
+            </a:r>
+            <a:endParaRPr sz="27600" b="1" dirty="0">
+              <a:solidFill>
+                <a:schemeClr val="tx1">
+                  <a:lumMod val="95000"/>
+                  <a:lumOff val="5000"/>
+                </a:schemeClr>
+              </a:solidFill>
+              <a:latin typeface="Verdana" panose="020B0604030504040204"/>
+              <a:cs typeface="Verdana" panose="020B0604030504040204"/>
+            </a:endParaRPr>
+          </a:p>
+        </p:txBody>
+      </p:sp>
+      <p:sp>
+        <p:nvSpPr>
+          <p:cNvPr id="6" name="object 6"/>
+          <p:cNvSpPr txBox="1"/>
+          <p:nvPr/>
+        </p:nvSpPr>
+        <p:spPr>
+          <a:xfrm>
+            <a:off x="11353800" y="7723124"/>
+            <a:ext cx="6005830" cy="1306576"/>
+          </a:xfrm>
+          <a:prstGeom prst="rect">
+            <a:avLst/>
+          </a:prstGeom>
+        </p:spPr>
+        <p:txBody>
+          <a:bodyPr vert="horz" wrap="square" lIns="0" tIns="12700" rIns="0" bIns="0" rtlCol="0">
+            <a:spAutoFit/>
+          </a:bodyPr>
+          <a:lstStyle/>
+          <a:p>
+            <a:pPr marL="12700" marR="5080" indent="918210" algn="r">
+              <a:lnSpc>
+                <a:spcPct val="107000"/>
+              </a:lnSpc>
+              <a:spcBef>
+                <a:spcPts val="100"/>
+              </a:spcBef>
+            </a:pPr>
+            <a:r>
+              <a:rPr lang="en-US" sz="2700" b="1" dirty="0">
+                <a:solidFill>
+                  <a:schemeClr val="tx1">
+                    <a:lumMod val="95000"/>
+                    <a:lumOff val="5000"/>
+                  </a:schemeClr>
+                </a:solidFill>
+                <a:latin typeface="Tahoma" panose="020B0604030504040204"/>
+                <a:cs typeface="Tahoma" panose="020B0604030504040204"/>
+              </a:rPr>
+              <a:t>Twenty tropical cyclones pass through the Philippine Area of Responsibility per year</a:t>
+            </a:r>
+            <a:endParaRPr lang="en-US" sz="2700" dirty="0">
+              <a:solidFill>
+                <a:schemeClr val="tx1">
+                  <a:lumMod val="95000"/>
+                  <a:lumOff val="5000"/>
+                </a:schemeClr>
+              </a:solidFill>
+              <a:latin typeface="Tahoma" panose="020B0604030504040204"/>
+              <a:cs typeface="Tahoma" panose="020B0604030504040204"/>
+            </a:endParaRPr>
+          </a:p>
+        </p:txBody>
+      </p:sp>
+      <p:sp>
+        <p:nvSpPr>
+          <p:cNvPr id="7" name="object 7"/>
+          <p:cNvSpPr/>
+          <p:nvPr/>
+        </p:nvSpPr>
+        <p:spPr>
+          <a:xfrm>
+            <a:off x="16796703" y="1282700"/>
+            <a:ext cx="466090" cy="50800"/>
+          </a:xfrm>
+          <a:custGeom>
+            <a:avLst/>
+            <a:gdLst/>
+            <a:ahLst/>
+            <a:cxnLst/>
+            <a:rect l="l" t="t" r="r" b="b"/>
+            <a:pathLst>
+              <a:path w="466090" h="50800">
+                <a:moveTo>
+                  <a:pt x="465824" y="50799"/>
+                </a:moveTo>
+                <a:lnTo>
+                  <a:pt x="0" y="50799"/>
+                </a:lnTo>
+                <a:lnTo>
+                  <a:pt x="0" y="0"/>
+                </a:lnTo>
+                <a:lnTo>
+                  <a:pt x="465824" y="0"/>
+                </a:lnTo>
+                <a:lnTo>
+                  <a:pt x="465824" y="50799"/>
+                </a:lnTo>
+                <a:close/>
+              </a:path>
+            </a:pathLst>
+          </a:custGeom>
+          <a:solidFill>
+            <a:srgbClr val="FFFFFF"/>
+          </a:solidFill>
+        </p:spPr>
+        <p:txBody>
+          <a:bodyPr wrap="square" lIns="0" tIns="0" rIns="0" bIns="0" rtlCol="0"/>
+          <a:lstStyle/>
+          <a:p>
+            <a:endParaRPr/>
+          </a:p>
+        </p:txBody>
+      </p:sp>
+      <p:sp>
+        <p:nvSpPr>
+          <p:cNvPr id="8" name="object 8"/>
+          <p:cNvSpPr/>
+          <p:nvPr/>
+        </p:nvSpPr>
+        <p:spPr>
+          <a:xfrm>
+            <a:off x="16796703" y="1155700"/>
+            <a:ext cx="466090" cy="50800"/>
+          </a:xfrm>
+          <a:custGeom>
+            <a:avLst/>
+            <a:gdLst/>
+            <a:ahLst/>
+            <a:cxnLst/>
+            <a:rect l="l" t="t" r="r" b="b"/>
+            <a:pathLst>
+              <a:path w="466090" h="50800">
+                <a:moveTo>
+                  <a:pt x="465824" y="50799"/>
+                </a:moveTo>
+                <a:lnTo>
+                  <a:pt x="0" y="50799"/>
+                </a:lnTo>
+                <a:lnTo>
+                  <a:pt x="0" y="0"/>
+                </a:lnTo>
+                <a:lnTo>
+                  <a:pt x="465824" y="0"/>
+                </a:lnTo>
+                <a:lnTo>
+                  <a:pt x="465824" y="50799"/>
+                </a:lnTo>
+                <a:close/>
+              </a:path>
+            </a:pathLst>
+          </a:custGeom>
+          <a:solidFill>
+            <a:srgbClr val="FFFFFF"/>
+          </a:solidFill>
+        </p:spPr>
+        <p:txBody>
+          <a:bodyPr wrap="square" lIns="0" tIns="0" rIns="0" bIns="0" rtlCol="0"/>
+          <a:lstStyle/>
+          <a:p>
+            <a:endParaRPr/>
+          </a:p>
+        </p:txBody>
+      </p:sp>
+      <p:sp>
+        <p:nvSpPr>
+          <p:cNvPr id="9" name="object 9"/>
+          <p:cNvSpPr/>
+          <p:nvPr/>
+        </p:nvSpPr>
+        <p:spPr>
+          <a:xfrm>
+            <a:off x="16796703" y="1028700"/>
+            <a:ext cx="466090" cy="50800"/>
+          </a:xfrm>
+          <a:custGeom>
+            <a:avLst/>
+            <a:gdLst/>
+            <a:ahLst/>
+            <a:cxnLst/>
+            <a:rect l="l" t="t" r="r" b="b"/>
+            <a:pathLst>
+              <a:path w="466090" h="50800">
+                <a:moveTo>
+                  <a:pt x="465824" y="50799"/>
+                </a:moveTo>
+                <a:lnTo>
+                  <a:pt x="0" y="50799"/>
+                </a:lnTo>
+                <a:lnTo>
+                  <a:pt x="0" y="0"/>
+                </a:lnTo>
+                <a:lnTo>
+                  <a:pt x="465824" y="0"/>
+                </a:lnTo>
+                <a:lnTo>
+                  <a:pt x="465824" y="50799"/>
+                </a:lnTo>
+                <a:close/>
+              </a:path>
+            </a:pathLst>
+          </a:custGeom>
+          <a:solidFill>
+            <a:srgbClr val="FFFFFF"/>
+          </a:solidFill>
+        </p:spPr>
+        <p:txBody>
+          <a:bodyPr wrap="square" lIns="0" tIns="0" rIns="0" bIns="0" rtlCol="0"/>
+          <a:lstStyle/>
+          <a:p>
+            <a:endParaRPr/>
+          </a:p>
+        </p:txBody>
+      </p:sp>
+      <p:sp>
+        <p:nvSpPr>
+          <p:cNvPr id="10" name="object 10"/>
+          <p:cNvSpPr/>
+          <p:nvPr/>
+        </p:nvSpPr>
+        <p:spPr>
+          <a:xfrm>
+            <a:off x="928371" y="1"/>
+            <a:ext cx="3643630" cy="9461498"/>
+          </a:xfrm>
+          <a:custGeom>
+            <a:avLst/>
+            <a:gdLst/>
+            <a:ahLst/>
+            <a:cxnLst/>
+            <a:rect l="l" t="t" r="r" b="b"/>
+            <a:pathLst>
+              <a:path w="3526790" h="9419590">
+                <a:moveTo>
+                  <a:pt x="690168" y="9256509"/>
+                </a:moveTo>
+                <a:lnTo>
+                  <a:pt x="543585" y="9107081"/>
+                </a:lnTo>
+                <a:lnTo>
+                  <a:pt x="538530" y="9101925"/>
+                </a:lnTo>
+                <a:lnTo>
+                  <a:pt x="530606" y="9101925"/>
+                </a:lnTo>
+                <a:lnTo>
+                  <a:pt x="525856" y="9107081"/>
+                </a:lnTo>
+                <a:lnTo>
+                  <a:pt x="523328" y="9109672"/>
+                </a:lnTo>
+                <a:lnTo>
+                  <a:pt x="522058" y="9112898"/>
+                </a:lnTo>
+                <a:lnTo>
+                  <a:pt x="522058" y="9119349"/>
+                </a:lnTo>
+                <a:lnTo>
+                  <a:pt x="523328" y="9122575"/>
+                </a:lnTo>
+                <a:lnTo>
+                  <a:pt x="645528" y="9247467"/>
+                </a:lnTo>
+                <a:lnTo>
+                  <a:pt x="5702" y="9247467"/>
+                </a:lnTo>
+                <a:lnTo>
+                  <a:pt x="0" y="9253283"/>
+                </a:lnTo>
+                <a:lnTo>
+                  <a:pt x="0" y="9267482"/>
+                </a:lnTo>
+                <a:lnTo>
+                  <a:pt x="5702" y="9273286"/>
+                </a:lnTo>
+                <a:lnTo>
+                  <a:pt x="645528" y="9273286"/>
+                </a:lnTo>
+                <a:lnTo>
+                  <a:pt x="520484" y="9400756"/>
+                </a:lnTo>
+                <a:lnTo>
+                  <a:pt x="520484" y="9408820"/>
+                </a:lnTo>
+                <a:lnTo>
+                  <a:pt x="530606" y="9419158"/>
+                </a:lnTo>
+                <a:lnTo>
+                  <a:pt x="538530" y="9419158"/>
+                </a:lnTo>
+                <a:lnTo>
+                  <a:pt x="690168" y="9264574"/>
+                </a:lnTo>
+                <a:lnTo>
+                  <a:pt x="690168" y="9256509"/>
+                </a:lnTo>
+                <a:close/>
+              </a:path>
+              <a:path w="3526790" h="9419590">
+                <a:moveTo>
+                  <a:pt x="3515626" y="0"/>
+                </a:moveTo>
+                <a:lnTo>
+                  <a:pt x="3365119" y="0"/>
+                </a:lnTo>
+                <a:lnTo>
+                  <a:pt x="3207232" y="158686"/>
+                </a:lnTo>
+                <a:lnTo>
+                  <a:pt x="3049346" y="0"/>
+                </a:lnTo>
+                <a:lnTo>
+                  <a:pt x="2898838" y="0"/>
+                </a:lnTo>
+                <a:lnTo>
+                  <a:pt x="3056725" y="158686"/>
+                </a:lnTo>
+                <a:lnTo>
+                  <a:pt x="3207232" y="309943"/>
+                </a:lnTo>
+                <a:lnTo>
+                  <a:pt x="3515626" y="0"/>
+                </a:lnTo>
+                <a:close/>
+              </a:path>
+              <a:path w="3526790" h="9419590">
+                <a:moveTo>
+                  <a:pt x="3526320" y="1822107"/>
+                </a:moveTo>
+                <a:lnTo>
+                  <a:pt x="3451072" y="1746478"/>
+                </a:lnTo>
+                <a:lnTo>
+                  <a:pt x="3207232" y="1991550"/>
+                </a:lnTo>
+                <a:lnTo>
+                  <a:pt x="2963392" y="1746478"/>
+                </a:lnTo>
+                <a:lnTo>
+                  <a:pt x="2888145" y="1822107"/>
+                </a:lnTo>
+                <a:lnTo>
+                  <a:pt x="3207232" y="2142807"/>
+                </a:lnTo>
+                <a:lnTo>
+                  <a:pt x="3526320" y="1822107"/>
+                </a:lnTo>
+                <a:close/>
+              </a:path>
+              <a:path w="3526790" h="9419590">
+                <a:moveTo>
+                  <a:pt x="3526320" y="1363903"/>
+                </a:moveTo>
+                <a:lnTo>
+                  <a:pt x="3451072" y="1288275"/>
+                </a:lnTo>
+                <a:lnTo>
+                  <a:pt x="3207232" y="1533334"/>
+                </a:lnTo>
+                <a:lnTo>
+                  <a:pt x="2963392" y="1288275"/>
+                </a:lnTo>
+                <a:lnTo>
+                  <a:pt x="2888145" y="1363903"/>
+                </a:lnTo>
+                <a:lnTo>
+                  <a:pt x="3207232" y="1684591"/>
+                </a:lnTo>
+                <a:lnTo>
+                  <a:pt x="3526320" y="1363903"/>
+                </a:lnTo>
+                <a:close/>
+              </a:path>
+              <a:path w="3526790" h="9419590">
+                <a:moveTo>
+                  <a:pt x="3526320" y="905687"/>
+                </a:moveTo>
+                <a:lnTo>
+                  <a:pt x="3451072" y="830046"/>
+                </a:lnTo>
+                <a:lnTo>
+                  <a:pt x="3207232" y="1075118"/>
+                </a:lnTo>
+                <a:lnTo>
+                  <a:pt x="2963392" y="830046"/>
+                </a:lnTo>
+                <a:lnTo>
+                  <a:pt x="2888145" y="905687"/>
+                </a:lnTo>
+                <a:lnTo>
+                  <a:pt x="3207232" y="1226375"/>
+                </a:lnTo>
+                <a:lnTo>
+                  <a:pt x="3526320" y="905687"/>
+                </a:lnTo>
+                <a:close/>
+              </a:path>
+              <a:path w="3526790" h="9419590">
+                <a:moveTo>
+                  <a:pt x="3526320" y="447459"/>
+                </a:moveTo>
+                <a:lnTo>
+                  <a:pt x="3451072" y="371830"/>
+                </a:lnTo>
+                <a:lnTo>
+                  <a:pt x="3207232" y="616902"/>
+                </a:lnTo>
+                <a:lnTo>
+                  <a:pt x="2963392" y="371830"/>
+                </a:lnTo>
+                <a:lnTo>
+                  <a:pt x="2888145" y="447459"/>
+                </a:lnTo>
+                <a:lnTo>
+                  <a:pt x="3207232" y="768159"/>
+                </a:lnTo>
+                <a:lnTo>
+                  <a:pt x="3526320" y="447459"/>
+                </a:lnTo>
+                <a:close/>
+              </a:path>
+            </a:pathLst>
+          </a:custGeom>
+          <a:solidFill>
+            <a:schemeClr val="tx1">
+              <a:lumMod val="75000"/>
+              <a:lumOff val="25000"/>
+            </a:schemeClr>
+          </a:solidFill>
+        </p:spPr>
+        <p:txBody>
+          <a:bodyPr wrap="square" lIns="0" tIns="0" rIns="0" bIns="0" rtlCol="0"/>
+          <a:lstStyle/>
+          <a:p>
+            <a:endParaRPr dirty="0"/>
+          </a:p>
+        </p:txBody>
+      </p:sp>
+      <p:sp>
+        <p:nvSpPr>
+          <p:cNvPr id="11" name="object 6"/>
+          <p:cNvSpPr txBox="1"/>
+          <p:nvPr/>
+        </p:nvSpPr>
+        <p:spPr>
+          <a:xfrm>
+            <a:off x="13974127" y="6819900"/>
+            <a:ext cx="3385503" cy="437684"/>
+          </a:xfrm>
+          <a:prstGeom prst="rect">
+            <a:avLst/>
+          </a:prstGeom>
+        </p:spPr>
+        <p:txBody>
+          <a:bodyPr vert="horz" wrap="square" lIns="0" tIns="12700" rIns="0" bIns="0" rtlCol="0">
+            <a:spAutoFit/>
+          </a:bodyPr>
+          <a:lstStyle/>
+          <a:p>
+            <a:pPr marL="12700" marR="5080" indent="918210">
+              <a:lnSpc>
+                <a:spcPct val="107000"/>
+              </a:lnSpc>
+              <a:spcBef>
+                <a:spcPts val="100"/>
+              </a:spcBef>
+            </a:pPr>
+            <a:r>
+              <a:rPr lang="en-US" sz="2700" b="1" dirty="0">
+                <a:solidFill>
+                  <a:schemeClr val="tx1">
+                    <a:lumMod val="95000"/>
+                    <a:lumOff val="5000"/>
+                  </a:schemeClr>
+                </a:solidFill>
+                <a:cs typeface="Tahoma" panose="020B0604030504040204"/>
+              </a:rPr>
+              <a:t>APPROXIMATELY</a:t>
+            </a:r>
+            <a:endParaRPr sz="2700" dirty="0">
+              <a:solidFill>
+                <a:schemeClr val="tx1">
+                  <a:lumMod val="95000"/>
+                  <a:lumOff val="5000"/>
+                </a:schemeClr>
+              </a:solidFill>
+              <a:cs typeface="Tahoma" panose="020B0604030504040204"/>
+            </a:endParaRPr>
+          </a:p>
+        </p:txBody>
+      </p:sp>
+    </p:spTree>
+  </p:cSld>
+  <p:clrMapOvr>
+    <a:masterClrMapping/>
+  </p:clrMapOvr>
+</p:sld>
+</file>
+
 <file path=ppt/slides/slide3.xml><?xml version="1.0" encoding="utf-8"?>
 <p:sld xmlns:a="http://schemas.openxmlformats.org/drawingml/2006/main" xmlns:r="http://schemas.openxmlformats.org/officeDocument/2006/relationships" xmlns:p="http://schemas.openxmlformats.org/presentationml/2006/main" showMasterSp="0">
   <p:cSld>
@@ -21735,7 +17453,7 @@
 </file>
 
 <file path=ppt/slides/slide8.xml><?xml version="1.0" encoding="utf-8"?>
-<p:sld xmlns:a="http://schemas.openxmlformats.org/drawingml/2006/main" xmlns:r="http://schemas.openxmlformats.org/officeDocument/2006/relationships" xmlns:p="http://schemas.openxmlformats.org/presentationml/2006/main" showMasterSp="0">
+<p:sld xmlns:a="http://schemas.openxmlformats.org/drawingml/2006/main" xmlns:r="http://schemas.openxmlformats.org/officeDocument/2006/relationships" xmlns:p="http://schemas.openxmlformats.org/presentationml/2006/main">
   <p:cSld>
     <p:spTree>
       <p:nvGrpSpPr>
@@ -21760,7 +17478,7 @@
         <p:spPr>
           <a:xfrm>
             <a:off x="0" y="0"/>
-            <a:ext cx="5638800" cy="10325100"/>
+            <a:ext cx="5638800" cy="10287000"/>
           </a:xfrm>
           <a:custGeom>
             <a:avLst/>
@@ -21798,127 +17516,6 @@
           <a:lstStyle/>
           <a:p>
             <a:endParaRPr dirty="0"/>
-          </a:p>
-        </p:txBody>
-      </p:sp>
-      <p:sp>
-        <p:nvSpPr>
-          <p:cNvPr id="4" name="object 4"/>
-          <p:cNvSpPr/>
-          <p:nvPr/>
-        </p:nvSpPr>
-        <p:spPr>
-          <a:xfrm>
-            <a:off x="6082236" y="9563100"/>
-            <a:ext cx="1485900" cy="57150"/>
-          </a:xfrm>
-          <a:custGeom>
-            <a:avLst/>
-            <a:gdLst/>
-            <a:ahLst/>
-            <a:cxnLst/>
-            <a:rect l="l" t="t" r="r" b="b"/>
-            <a:pathLst>
-              <a:path w="1485900" h="57150">
-                <a:moveTo>
-                  <a:pt x="1485899" y="57149"/>
-                </a:moveTo>
-                <a:lnTo>
-                  <a:pt x="0" y="57149"/>
-                </a:lnTo>
-                <a:lnTo>
-                  <a:pt x="0" y="0"/>
-                </a:lnTo>
-                <a:lnTo>
-                  <a:pt x="1485899" y="0"/>
-                </a:lnTo>
-                <a:lnTo>
-                  <a:pt x="1485899" y="57149"/>
-                </a:lnTo>
-                <a:close/>
-              </a:path>
-            </a:pathLst>
-          </a:custGeom>
-          <a:solidFill>
-            <a:schemeClr val="bg1">
-              <a:lumMod val="65000"/>
-            </a:schemeClr>
-          </a:solidFill>
-        </p:spPr>
-        <p:txBody>
-          <a:bodyPr wrap="square" lIns="0" tIns="0" rIns="0" bIns="0" rtlCol="0"/>
-          <a:lstStyle/>
-          <a:p>
-            <a:endParaRPr/>
-          </a:p>
-        </p:txBody>
-      </p:sp>
-      <p:sp>
-        <p:nvSpPr>
-          <p:cNvPr id="7" name="object 7"/>
-          <p:cNvSpPr txBox="1">
-            <a:spLocks noGrp="1"/>
-          </p:cNvSpPr>
-          <p:nvPr>
-            <p:ph type="title"/>
-          </p:nvPr>
-        </p:nvSpPr>
-        <p:spPr>
-          <a:xfrm>
-            <a:off x="6528864" y="1497705"/>
-            <a:ext cx="1091136" cy="689932"/>
-          </a:xfrm>
-          <a:prstGeom prst="rect">
-            <a:avLst/>
-          </a:prstGeom>
-        </p:spPr>
-        <p:txBody>
-          <a:bodyPr vert="horz" wrap="square" lIns="0" tIns="12700" rIns="0" bIns="0" rtlCol="0">
-            <a:spAutoFit/>
-          </a:bodyPr>
-          <a:lstStyle/>
-          <a:p>
-            <a:pPr marL="12700">
-              <a:lnSpc>
-                <a:spcPct val="100000"/>
-              </a:lnSpc>
-              <a:spcBef>
-                <a:spcPts val="100"/>
-              </a:spcBef>
-            </a:pPr>
-            <a:r>
-              <a:rPr lang="en-US" sz="4400" spc="-70" dirty="0">
-                <a:solidFill>
-                  <a:schemeClr val="accent5">
-                    <a:lumMod val="50000"/>
-                  </a:schemeClr>
-                </a:solidFill>
-                <a:latin typeface="Cambria" panose="02040503050406030204"/>
-                <a:cs typeface="Cambria" panose="02040503050406030204"/>
-              </a:rPr>
-              <a:t>0</a:t>
-            </a:r>
-            <a:r>
-              <a:rPr lang="en-US" sz="4400" spc="35" dirty="0">
-                <a:solidFill>
-                  <a:schemeClr val="accent5">
-                    <a:lumMod val="50000"/>
-                  </a:schemeClr>
-                </a:solidFill>
-                <a:latin typeface="Cambria" panose="02040503050406030204"/>
-                <a:cs typeface="Cambria" panose="02040503050406030204"/>
-              </a:rPr>
-              <a:t>1.</a:t>
-            </a:r>
-            <a:endParaRPr lang="en-US" sz="4400" dirty="0">
-              <a:solidFill>
-                <a:schemeClr val="accent5">
-                  <a:lumMod val="50000"/>
-                </a:schemeClr>
-              </a:solidFill>
-              <a:latin typeface="Cambria" panose="02040503050406030204"/>
-              <a:cs typeface="Cambria" panose="02040503050406030204"/>
-            </a:endParaRPr>
           </a:p>
         </p:txBody>
       </p:sp>
@@ -22599,10 +18196,124 @@
       </p:sp>
       <p:sp>
         <p:nvSpPr>
-          <p:cNvPr id="20" name="object 5">
+          <p:cNvPr id="6" name="Rectangle 5"/>
+          <p:cNvSpPr/>
+          <p:nvPr/>
+        </p:nvSpPr>
+        <p:spPr>
+          <a:xfrm>
+            <a:off x="6123709" y="371228"/>
+            <a:ext cx="5707359" cy="2415524"/>
+          </a:xfrm>
+          <a:prstGeom prst="rect">
+            <a:avLst/>
+          </a:prstGeom>
+          <a:ln w="38100"/>
+        </p:spPr>
+        <p:style>
+          <a:lnRef idx="2">
+            <a:schemeClr val="dk1"/>
+          </a:lnRef>
+          <a:fillRef idx="1">
+            <a:schemeClr val="lt1"/>
+          </a:fillRef>
+          <a:effectRef idx="0">
+            <a:schemeClr val="dk1"/>
+          </a:effectRef>
+          <a:fontRef idx="minor">
+            <a:schemeClr val="dk1"/>
+          </a:fontRef>
+        </p:style>
+        <p:txBody>
+          <a:bodyPr rtlCol="0" anchor="ctr"/>
+          <a:lstStyle/>
+          <a:p>
+            <a:pPr algn="ctr"/>
+            <a:endParaRPr lang="en-PH" dirty="0"/>
+          </a:p>
+        </p:txBody>
+      </p:sp>
+      <p:sp>
+        <p:nvSpPr>
+          <p:cNvPr id="27" name="Rectangle 26"/>
+          <p:cNvSpPr/>
+          <p:nvPr/>
+        </p:nvSpPr>
+        <p:spPr>
+          <a:xfrm>
+            <a:off x="12001679" y="371228"/>
+            <a:ext cx="5748883" cy="2415524"/>
+          </a:xfrm>
+          <a:prstGeom prst="rect">
+            <a:avLst/>
+          </a:prstGeom>
+          <a:ln w="38100"/>
+        </p:spPr>
+        <p:style>
+          <a:lnRef idx="2">
+            <a:schemeClr val="dk1"/>
+          </a:lnRef>
+          <a:fillRef idx="1">
+            <a:schemeClr val="lt1"/>
+          </a:fillRef>
+          <a:effectRef idx="0">
+            <a:schemeClr val="dk1"/>
+          </a:effectRef>
+          <a:fontRef idx="minor">
+            <a:schemeClr val="dk1"/>
+          </a:fontRef>
+        </p:style>
+        <p:txBody>
+          <a:bodyPr rtlCol="0" anchor="ctr"/>
+          <a:lstStyle/>
+          <a:p>
+            <a:pPr algn="ctr"/>
+            <a:endParaRPr lang="en-PH" dirty="0"/>
+          </a:p>
+        </p:txBody>
+      </p:sp>
+      <p:pic>
+        <p:nvPicPr>
+          <p:cNvPr id="20" name="Picture 19">
             <a:extLst>
               <a:ext uri="{FF2B5EF4-FFF2-40B4-BE49-F238E27FC236}">
-                <a16:creationId xmlns:a16="http://schemas.microsoft.com/office/drawing/2014/main" id="{491922B9-B189-4778-139B-FDE16ED328E8}"/>
+                <a16:creationId xmlns:a16="http://schemas.microsoft.com/office/drawing/2014/main" id="{775C31D7-59EB-43FC-BC54-6D6ED3596BD5}"/>
+              </a:ext>
+            </a:extLst>
+          </p:cNvPr>
+          <p:cNvPicPr>
+            <a:picLocks noChangeAspect="1"/>
+          </p:cNvPicPr>
+          <p:nvPr/>
+        </p:nvPicPr>
+        <p:blipFill>
+          <a:blip r:embed="rId2" cstate="print">
+            <a:extLst>
+              <a:ext uri="{28A0092B-C50C-407E-A947-70E740481C1C}">
+                <a14:useLocalDpi xmlns:a14="http://schemas.microsoft.com/office/drawing/2010/main" val="0"/>
+              </a:ext>
+            </a:extLst>
+          </a:blip>
+          <a:stretch>
+            <a:fillRect/>
+          </a:stretch>
+        </p:blipFill>
+        <p:spPr>
+          <a:xfrm>
+            <a:off x="10114257" y="1008357"/>
+            <a:ext cx="1315743" cy="1315743"/>
+          </a:xfrm>
+          <a:prstGeom prst="rect">
+            <a:avLst/>
+          </a:prstGeom>
+        </p:spPr>
+      </p:pic>
+      <p:sp>
+        <p:nvSpPr>
+          <p:cNvPr id="21" name="TextBox 20">
+            <a:extLst>
+              <a:ext uri="{FF2B5EF4-FFF2-40B4-BE49-F238E27FC236}">
+                <a16:creationId xmlns:a16="http://schemas.microsoft.com/office/drawing/2014/main" id="{7A59F392-AFBC-F6BC-0332-6808F076186E}"/>
               </a:ext>
             </a:extLst>
           </p:cNvPr>
@@ -22611,48 +18322,274 @@
         </p:nvSpPr>
         <p:spPr>
           <a:xfrm>
-            <a:off x="6563500" y="2094282"/>
-            <a:ext cx="10906036" cy="4749057"/>
+            <a:off x="7082997" y="1047571"/>
+            <a:ext cx="3280203" cy="1200329"/>
           </a:xfrm>
           <a:prstGeom prst="rect">
             <a:avLst/>
           </a:prstGeom>
-        </p:spPr>
-        <p:txBody>
-          <a:bodyPr vert="horz" wrap="square" lIns="0" tIns="12065" rIns="0" bIns="0" rtlCol="0">
+          <a:noFill/>
+        </p:spPr>
+        <p:txBody>
+          <a:bodyPr wrap="square" rtlCol="0">
             <a:spAutoFit/>
           </a:bodyPr>
           <a:lstStyle/>
           <a:p>
-            <a:pPr algn="just">
-              <a:lnSpc>
-                <a:spcPct val="200000"/>
-              </a:lnSpc>
-              <a:spcAft>
-                <a:spcPts val="800"/>
-              </a:spcAft>
-            </a:pPr>
             <a:r>
-              <a:rPr lang="en-US" sz="4000" dirty="0">
+              <a:rPr lang="en-PH" sz="7200" b="1" i="0" dirty="0">
+                <a:solidFill>
+                  <a:srgbClr val="202124"/>
+                </a:solidFill>
                 <a:effectLst/>
-                <a:latin typeface="Times New Roman" panose="02020603050405020304" pitchFamily="18" charset="0"/>
-                <a:ea typeface="Times New Roman" panose="02020603050405020304" pitchFamily="18" charset="0"/>
-                <a:cs typeface="Times New Roman" panose="02020603050405020304" pitchFamily="18" charset="0"/>
+                <a:latin typeface="Century Gothic" panose="020B0502020202020204" pitchFamily="34" charset="0"/>
               </a:rPr>
-              <a:t>Determine the top 5 typhoons from 2019 that brought the greatest and least number of infrastructure casualties to the Provinces in the Philippines based from Totally Damaged Houses x variable.</a:t>
+              <a:t>68,104</a:t>
+            </a:r>
+            <a:endParaRPr lang="en-PH" sz="7200" b="1" dirty="0">
+              <a:latin typeface="Century Gothic" panose="020B0502020202020204" pitchFamily="34" charset="0"/>
+            </a:endParaRPr>
+          </a:p>
+        </p:txBody>
+      </p:sp>
+      <p:sp>
+        <p:nvSpPr>
+          <p:cNvPr id="22" name="TextBox 21">
+            <a:extLst>
+              <a:ext uri="{FF2B5EF4-FFF2-40B4-BE49-F238E27FC236}">
+                <a16:creationId xmlns:a16="http://schemas.microsoft.com/office/drawing/2014/main" id="{CF3E5EF4-603F-6485-E89E-879338B258A6}"/>
+              </a:ext>
+            </a:extLst>
+          </p:cNvPr>
+          <p:cNvSpPr txBox="1"/>
+          <p:nvPr/>
+        </p:nvSpPr>
+        <p:spPr>
+          <a:xfrm>
+            <a:off x="6858000" y="2076390"/>
+            <a:ext cx="3624469" cy="400110"/>
+          </a:xfrm>
+          <a:prstGeom prst="rect">
+            <a:avLst/>
+          </a:prstGeom>
+          <a:noFill/>
+        </p:spPr>
+        <p:txBody>
+          <a:bodyPr wrap="square" rtlCol="0">
+            <a:spAutoFit/>
+          </a:bodyPr>
+          <a:lstStyle/>
+          <a:p>
+            <a:r>
+              <a:rPr lang="en-US" sz="2000" b="1" i="0" dirty="0">
+                <a:solidFill>
+                  <a:srgbClr val="202124"/>
+                </a:solidFill>
+                <a:effectLst/>
+                <a:latin typeface="Century Gothic" panose="020B0502020202020204" pitchFamily="34" charset="0"/>
+              </a:rPr>
+              <a:t>Totally Damaged</a:t>
             </a:r>
             <a:r>
-              <a:rPr lang="en-US" sz="4000" dirty="0">
+              <a:rPr lang="en-US" sz="2000" b="1" dirty="0">
+                <a:solidFill>
+                  <a:srgbClr val="202124"/>
+                </a:solidFill>
+                <a:latin typeface="Century Gothic" panose="020B0502020202020204" pitchFamily="34" charset="0"/>
+              </a:rPr>
+              <a:t> </a:t>
+            </a:r>
+            <a:r>
+              <a:rPr lang="en-US" sz="2000" b="1" i="0" dirty="0">
+                <a:solidFill>
+                  <a:srgbClr val="202124"/>
+                </a:solidFill>
                 <a:effectLst/>
-                <a:latin typeface="Times New Roman" panose="02020603050405020304" pitchFamily="18" charset="0"/>
-                <a:ea typeface="Calibri" panose="020F0502020204030204" pitchFamily="34" charset="0"/>
-                <a:cs typeface="Times New Roman" panose="02020603050405020304" pitchFamily="18" charset="0"/>
+                <a:latin typeface="Century Gothic" panose="020B0502020202020204" pitchFamily="34" charset="0"/>
               </a:rPr>
-              <a:t> </a:t>
+              <a:t>Houses</a:t>
             </a:r>
-          </a:p>
-        </p:txBody>
-      </p:sp>
+            <a:endParaRPr lang="en-PH" sz="2000" b="1" dirty="0">
+              <a:latin typeface="Century Gothic" panose="020B0502020202020204" pitchFamily="34" charset="0"/>
+            </a:endParaRPr>
+          </a:p>
+        </p:txBody>
+      </p:sp>
+      <p:sp>
+        <p:nvSpPr>
+          <p:cNvPr id="26" name="TextBox 25">
+            <a:extLst>
+              <a:ext uri="{FF2B5EF4-FFF2-40B4-BE49-F238E27FC236}">
+                <a16:creationId xmlns:a16="http://schemas.microsoft.com/office/drawing/2014/main" id="{0B4A92BC-8103-97E2-F74F-AB7EC1D88871}"/>
+              </a:ext>
+            </a:extLst>
+          </p:cNvPr>
+          <p:cNvSpPr txBox="1"/>
+          <p:nvPr/>
+        </p:nvSpPr>
+        <p:spPr>
+          <a:xfrm>
+            <a:off x="10027760" y="571500"/>
+            <a:ext cx="1783240" cy="707886"/>
+          </a:xfrm>
+          <a:prstGeom prst="rect">
+            <a:avLst/>
+          </a:prstGeom>
+          <a:noFill/>
+        </p:spPr>
+        <p:txBody>
+          <a:bodyPr wrap="square" rtlCol="0">
+            <a:spAutoFit/>
+          </a:bodyPr>
+          <a:lstStyle/>
+          <a:p>
+            <a:pPr algn="r"/>
+            <a:r>
+              <a:rPr lang="en-US" sz="2000" b="1" i="0" dirty="0">
+                <a:solidFill>
+                  <a:srgbClr val="202124"/>
+                </a:solidFill>
+                <a:effectLst/>
+                <a:latin typeface="Century Gothic" panose="020B0502020202020204" pitchFamily="34" charset="0"/>
+              </a:rPr>
+              <a:t>TYPHOON TISOY</a:t>
+            </a:r>
+            <a:endParaRPr lang="en-PH" sz="2000" b="1" dirty="0">
+              <a:latin typeface="Century Gothic" panose="020B0502020202020204" pitchFamily="34" charset="0"/>
+            </a:endParaRPr>
+          </a:p>
+        </p:txBody>
+      </p:sp>
+      <p:pic>
+        <p:nvPicPr>
+          <p:cNvPr id="32" name="Picture 31">
+            <a:extLst>
+              <a:ext uri="{FF2B5EF4-FFF2-40B4-BE49-F238E27FC236}">
+                <a16:creationId xmlns:a16="http://schemas.microsoft.com/office/drawing/2014/main" id="{CBEFF06C-5335-945A-8944-1C4C2FE17D4B}"/>
+              </a:ext>
+            </a:extLst>
+          </p:cNvPr>
+          <p:cNvPicPr>
+            <a:picLocks noChangeAspect="1"/>
+          </p:cNvPicPr>
+          <p:nvPr/>
+        </p:nvPicPr>
+        <p:blipFill>
+          <a:blip r:embed="rId3" cstate="print">
+            <a:extLst>
+              <a:ext uri="{28A0092B-C50C-407E-A947-70E740481C1C}">
+                <a14:useLocalDpi xmlns:a14="http://schemas.microsoft.com/office/drawing/2010/main" val="0"/>
+              </a:ext>
+            </a:extLst>
+          </a:blip>
+          <a:stretch>
+            <a:fillRect/>
+          </a:stretch>
+        </p:blipFill>
+        <p:spPr>
+          <a:xfrm>
+            <a:off x="12877800" y="876300"/>
+            <a:ext cx="1544186" cy="1544186"/>
+          </a:xfrm>
+          <a:prstGeom prst="rect">
+            <a:avLst/>
+          </a:prstGeom>
+        </p:spPr>
+      </p:pic>
+      <p:sp>
+        <p:nvSpPr>
+          <p:cNvPr id="33" name="TextBox 32">
+            <a:extLst>
+              <a:ext uri="{FF2B5EF4-FFF2-40B4-BE49-F238E27FC236}">
+                <a16:creationId xmlns:a16="http://schemas.microsoft.com/office/drawing/2014/main" id="{90FF3968-7C58-EF21-B638-ACF00A082B6A}"/>
+              </a:ext>
+            </a:extLst>
+          </p:cNvPr>
+          <p:cNvSpPr txBox="1"/>
+          <p:nvPr/>
+        </p:nvSpPr>
+        <p:spPr>
+          <a:xfrm>
+            <a:off x="14620371" y="1158396"/>
+            <a:ext cx="3307949" cy="1015663"/>
+          </a:xfrm>
+          <a:prstGeom prst="rect">
+            <a:avLst/>
+          </a:prstGeom>
+          <a:noFill/>
+        </p:spPr>
+        <p:txBody>
+          <a:bodyPr wrap="square" rtlCol="0">
+            <a:spAutoFit/>
+          </a:bodyPr>
+          <a:lstStyle/>
+          <a:p>
+            <a:r>
+              <a:rPr lang="en-US" sz="2000" b="1" i="0" dirty="0">
+                <a:solidFill>
+                  <a:srgbClr val="202124"/>
+                </a:solidFill>
+                <a:effectLst/>
+                <a:latin typeface="Century Gothic" panose="020B0502020202020204" pitchFamily="34" charset="0"/>
+              </a:rPr>
+              <a:t>TYPHOON TISOY  TYPHOON URSULA</a:t>
+            </a:r>
+          </a:p>
+          <a:p>
+            <a:r>
+              <a:rPr lang="en-US" sz="2000" b="1" i="0" dirty="0">
+                <a:solidFill>
+                  <a:srgbClr val="202124"/>
+                </a:solidFill>
+                <a:effectLst/>
+                <a:latin typeface="Century Gothic" panose="020B0502020202020204" pitchFamily="34" charset="0"/>
+              </a:rPr>
+              <a:t>TYPHOON QUIEL</a:t>
+            </a:r>
+          </a:p>
+        </p:txBody>
+      </p:sp>
+      <p:pic>
+        <p:nvPicPr>
+          <p:cNvPr id="35" name="Picture 34">
+            <a:extLst>
+              <a:ext uri="{FF2B5EF4-FFF2-40B4-BE49-F238E27FC236}">
+                <a16:creationId xmlns:a16="http://schemas.microsoft.com/office/drawing/2014/main" id="{16D41885-3875-6546-63F1-6BAABE3D77B3}"/>
+              </a:ext>
+            </a:extLst>
+          </p:cNvPr>
+          <p:cNvPicPr>
+            <a:picLocks noChangeAspect="1"/>
+          </p:cNvPicPr>
+          <p:nvPr/>
+        </p:nvPicPr>
+        <p:blipFill>
+          <a:blip r:embed="rId4">
+            <a:extLst>
+              <a:ext uri="{28A0092B-C50C-407E-A947-70E740481C1C}">
+                <a14:useLocalDpi xmlns:a14="http://schemas.microsoft.com/office/drawing/2010/main" val="0"/>
+              </a:ext>
+            </a:extLst>
+          </a:blip>
+          <a:stretch>
+            <a:fillRect/>
+          </a:stretch>
+        </p:blipFill>
+        <p:spPr>
+          <a:xfrm>
+            <a:off x="6123710" y="2936388"/>
+            <a:ext cx="11626852" cy="7185864"/>
+          </a:xfrm>
+          <a:prstGeom prst="rect">
+            <a:avLst/>
+          </a:prstGeom>
+          <a:ln w="38100">
+            <a:solidFill>
+              <a:schemeClr val="tx1"/>
+            </a:solidFill>
+          </a:ln>
+        </p:spPr>
+      </p:pic>
     </p:spTree>
   </p:cSld>
   <p:clrMapOvr>
@@ -22662,7 +18599,7 @@
 </file>
 
 <file path=ppt/slides/slide9.xml><?xml version="1.0" encoding="utf-8"?>
-<p:sld xmlns:a="http://schemas.openxmlformats.org/drawingml/2006/main" xmlns:r="http://schemas.openxmlformats.org/officeDocument/2006/relationships" xmlns:p="http://schemas.openxmlformats.org/presentationml/2006/main" showMasterSp="0">
+<p:sld xmlns:a="http://schemas.openxmlformats.org/drawingml/2006/main" xmlns:r="http://schemas.openxmlformats.org/officeDocument/2006/relationships" xmlns:p="http://schemas.openxmlformats.org/presentationml/2006/main">
   <p:cSld>
     <p:spTree>
       <p:nvGrpSpPr>
@@ -22678,6 +18615,84 @@
           <a:chExt cx="0" cy="0"/>
         </a:xfrm>
       </p:grpSpPr>
+      <p:sp>
+        <p:nvSpPr>
+          <p:cNvPr id="32" name="Rectangle 31"/>
+          <p:cNvSpPr/>
+          <p:nvPr/>
+        </p:nvSpPr>
+        <p:spPr>
+          <a:xfrm>
+            <a:off x="12096848" y="8343900"/>
+            <a:ext cx="5671748" cy="1752600"/>
+          </a:xfrm>
+          <a:prstGeom prst="rect">
+            <a:avLst/>
+          </a:prstGeom>
+          <a:ln w="38100"/>
+        </p:spPr>
+        <p:style>
+          <a:lnRef idx="2">
+            <a:schemeClr val="dk1"/>
+          </a:lnRef>
+          <a:fillRef idx="1">
+            <a:schemeClr val="lt1"/>
+          </a:fillRef>
+          <a:effectRef idx="0">
+            <a:schemeClr val="dk1"/>
+          </a:effectRef>
+          <a:fontRef idx="minor">
+            <a:schemeClr val="dk1"/>
+          </a:fontRef>
+        </p:style>
+        <p:txBody>
+          <a:bodyPr rtlCol="0" anchor="ctr"/>
+          <a:lstStyle/>
+          <a:p>
+            <a:pPr algn="ctr"/>
+            <a:endParaRPr lang="en-PH" dirty="0"/>
+          </a:p>
+        </p:txBody>
+      </p:sp>
+      <p:sp>
+        <p:nvSpPr>
+          <p:cNvPr id="4" name="Rectangle 3"/>
+          <p:cNvSpPr/>
+          <p:nvPr/>
+        </p:nvSpPr>
+        <p:spPr>
+          <a:xfrm>
+            <a:off x="6096000" y="8343900"/>
+            <a:ext cx="5671748" cy="1752600"/>
+          </a:xfrm>
+          <a:prstGeom prst="rect">
+            <a:avLst/>
+          </a:prstGeom>
+          <a:ln w="38100"/>
+        </p:spPr>
+        <p:style>
+          <a:lnRef idx="2">
+            <a:schemeClr val="dk1"/>
+          </a:lnRef>
+          <a:fillRef idx="1">
+            <a:schemeClr val="lt1"/>
+          </a:fillRef>
+          <a:effectRef idx="0">
+            <a:schemeClr val="dk1"/>
+          </a:effectRef>
+          <a:fontRef idx="minor">
+            <a:schemeClr val="dk1"/>
+          </a:fontRef>
+        </p:style>
+        <p:txBody>
+          <a:bodyPr rtlCol="0" anchor="ctr"/>
+          <a:lstStyle/>
+          <a:p>
+            <a:pPr algn="ctr"/>
+            <a:endParaRPr lang="en-PH" dirty="0"/>
+          </a:p>
+        </p:txBody>
+      </p:sp>
       <p:sp>
         <p:nvSpPr>
           <p:cNvPr id="2" name="object 2"/>
@@ -23166,7 +19181,7 @@
           <a:prstGeom prst="rect">
             <a:avLst/>
           </a:prstGeom>
-          <a:ln w="57150"/>
+          <a:ln w="28575"/>
         </p:spPr>
         <p:style>
           <a:lnRef idx="2">
@@ -23208,7 +19223,7 @@
           <a:prstGeom prst="chevron">
             <a:avLst/>
           </a:prstGeom>
-          <a:ln w="57150"/>
+          <a:ln w="28575"/>
         </p:spPr>
         <p:style>
           <a:lnRef idx="2">
@@ -23251,6 +19266,7 @@
           <a:prstGeom prst="rect">
             <a:avLst/>
           </a:prstGeom>
+          <a:ln w="57150"/>
         </p:spPr>
         <p:style>
           <a:lnRef idx="2">
@@ -23333,6 +19349,7 @@
           <a:prstGeom prst="chevron">
             <a:avLst/>
           </a:prstGeom>
+          <a:ln w="57150"/>
         </p:spPr>
         <p:style>
           <a:lnRef idx="2">
@@ -23405,88 +19422,140 @@
       </p:sp>
       <p:sp>
         <p:nvSpPr>
-          <p:cNvPr id="6" name="Rectangle 5"/>
-          <p:cNvSpPr/>
-          <p:nvPr/>
-        </p:nvSpPr>
-        <p:spPr>
-          <a:xfrm>
-            <a:off x="6123710" y="371228"/>
-            <a:ext cx="5652972" cy="2415524"/>
+          <p:cNvPr id="22" name="TextBox 21">
+            <a:extLst>
+              <a:ext uri="{FF2B5EF4-FFF2-40B4-BE49-F238E27FC236}">
+                <a16:creationId xmlns:a16="http://schemas.microsoft.com/office/drawing/2014/main" id="{A7BF7A17-FD23-38D3-68C6-9AA878036510}"/>
+              </a:ext>
+            </a:extLst>
+          </p:cNvPr>
+          <p:cNvSpPr txBox="1"/>
+          <p:nvPr/>
+        </p:nvSpPr>
+        <p:spPr>
+          <a:xfrm>
+            <a:off x="6172200" y="8431768"/>
+            <a:ext cx="1129937" cy="369332"/>
           </a:xfrm>
           <a:prstGeom prst="rect">
             <a:avLst/>
           </a:prstGeom>
-          <a:ln w="38100"/>
-        </p:spPr>
-        <p:style>
-          <a:lnRef idx="2">
-            <a:schemeClr val="dk1"/>
-          </a:lnRef>
-          <a:fillRef idx="1">
-            <a:schemeClr val="lt1"/>
-          </a:fillRef>
-          <a:effectRef idx="0">
-            <a:schemeClr val="dk1"/>
-          </a:effectRef>
-          <a:fontRef idx="minor">
-            <a:schemeClr val="dk1"/>
-          </a:fontRef>
-        </p:style>
-        <p:txBody>
-          <a:bodyPr rtlCol="0" anchor="ctr"/>
+          <a:noFill/>
+        </p:spPr>
+        <p:txBody>
+          <a:bodyPr wrap="square" rtlCol="0">
+            <a:spAutoFit/>
+          </a:bodyPr>
+          <a:lstStyle/>
+          <a:p>
+            <a:r>
+              <a:rPr lang="en-US" b="1" dirty="0">
+                <a:latin typeface="Century Gothic" panose="020B0502020202020204" pitchFamily="34" charset="0"/>
+                <a:cs typeface="Times New Roman" panose="02020603050405020304" pitchFamily="18" charset="0"/>
+              </a:rPr>
+              <a:t>LEYTE</a:t>
+            </a:r>
+            <a:endParaRPr lang="en-PH" b="1" dirty="0">
+              <a:latin typeface="Century Gothic" panose="020B0502020202020204" pitchFamily="34" charset="0"/>
+              <a:cs typeface="Times New Roman" panose="02020603050405020304" pitchFamily="18" charset="0"/>
+            </a:endParaRPr>
+          </a:p>
+        </p:txBody>
+      </p:sp>
+      <p:sp>
+        <p:nvSpPr>
+          <p:cNvPr id="27" name="TextBox 26">
+            <a:extLst>
+              <a:ext uri="{FF2B5EF4-FFF2-40B4-BE49-F238E27FC236}">
+                <a16:creationId xmlns:a16="http://schemas.microsoft.com/office/drawing/2014/main" id="{6433253D-0A9D-CD0F-A819-6B34060EB65D}"/>
+              </a:ext>
+            </a:extLst>
+          </p:cNvPr>
+          <p:cNvSpPr txBox="1"/>
+          <p:nvPr/>
+        </p:nvSpPr>
+        <p:spPr>
+          <a:xfrm>
+            <a:off x="6934200" y="8865632"/>
+            <a:ext cx="3879532" cy="830997"/>
+          </a:xfrm>
+          <a:prstGeom prst="rect">
+            <a:avLst/>
+          </a:prstGeom>
+          <a:noFill/>
+        </p:spPr>
+        <p:txBody>
+          <a:bodyPr wrap="square" rtlCol="0">
+            <a:spAutoFit/>
+          </a:bodyPr>
+          <a:lstStyle/>
+          <a:p>
+            <a:r>
+              <a:rPr lang="en-PH" sz="4800" b="1" i="0" dirty="0">
+                <a:solidFill>
+                  <a:srgbClr val="202124"/>
+                </a:solidFill>
+                <a:effectLst/>
+                <a:latin typeface="Century Gothic" panose="020B0502020202020204" pitchFamily="34" charset="0"/>
+              </a:rPr>
+              <a:t>772162.0</a:t>
+            </a:r>
+            <a:endParaRPr lang="en-PH" sz="4800" b="1" dirty="0">
+              <a:latin typeface="Century Gothic" panose="020B0502020202020204" pitchFamily="34" charset="0"/>
+              <a:cs typeface="Times New Roman" panose="02020603050405020304" pitchFamily="18" charset="0"/>
+            </a:endParaRPr>
+          </a:p>
+        </p:txBody>
+      </p:sp>
+      <p:sp>
+        <p:nvSpPr>
+          <p:cNvPr id="33" name="TextBox 32">
+            <a:extLst>
+              <a:ext uri="{FF2B5EF4-FFF2-40B4-BE49-F238E27FC236}">
+                <a16:creationId xmlns:a16="http://schemas.microsoft.com/office/drawing/2014/main" id="{57B9DDA5-A36B-2A50-11D1-9E39B85F54A2}"/>
+              </a:ext>
+            </a:extLst>
+          </p:cNvPr>
+          <p:cNvSpPr txBox="1"/>
+          <p:nvPr/>
+        </p:nvSpPr>
+        <p:spPr>
+          <a:xfrm>
+            <a:off x="6781800" y="9521328"/>
+            <a:ext cx="2884469" cy="323165"/>
+          </a:xfrm>
+          <a:prstGeom prst="rect">
+            <a:avLst/>
+          </a:prstGeom>
+          <a:noFill/>
+        </p:spPr>
+        <p:txBody>
+          <a:bodyPr wrap="square" rtlCol="0">
+            <a:spAutoFit/>
+          </a:bodyPr>
           <a:lstStyle/>
           <a:p>
             <a:pPr algn="ctr"/>
-            <a:endParaRPr lang="en-PH" dirty="0"/>
-          </a:p>
-        </p:txBody>
-      </p:sp>
-      <p:sp>
-        <p:nvSpPr>
-          <p:cNvPr id="27" name="Rectangle 26"/>
-          <p:cNvSpPr/>
-          <p:nvPr/>
-        </p:nvSpPr>
-        <p:spPr>
-          <a:xfrm>
-            <a:off x="12097590" y="371228"/>
-            <a:ext cx="5652972" cy="2415524"/>
-          </a:xfrm>
-          <a:prstGeom prst="rect">
-            <a:avLst/>
-          </a:prstGeom>
-          <a:ln w="38100"/>
-        </p:spPr>
-        <p:style>
-          <a:lnRef idx="2">
-            <a:schemeClr val="dk1"/>
-          </a:lnRef>
-          <a:fillRef idx="1">
-            <a:schemeClr val="lt1"/>
-          </a:fillRef>
-          <a:effectRef idx="0">
-            <a:schemeClr val="dk1"/>
-          </a:effectRef>
-          <a:fontRef idx="minor">
-            <a:schemeClr val="dk1"/>
-          </a:fontRef>
-        </p:style>
-        <p:txBody>
-          <a:bodyPr rtlCol="0" anchor="ctr"/>
-          <a:lstStyle/>
-          <a:p>
-            <a:pPr algn="ctr"/>
-            <a:endParaRPr lang="en-PH" dirty="0"/>
+            <a:r>
+              <a:rPr lang="en-US" sz="1500" b="1" dirty="0">
+                <a:latin typeface="Century Gothic" panose="020B0502020202020204" pitchFamily="34" charset="0"/>
+                <a:cs typeface="Times New Roman" panose="02020603050405020304" pitchFamily="18" charset="0"/>
+              </a:rPr>
+              <a:t>AFFECTED INDIVIDUALS</a:t>
+            </a:r>
+            <a:endParaRPr lang="en-PH" sz="1500" b="1" dirty="0">
+              <a:latin typeface="Century Gothic" panose="020B0502020202020204" pitchFamily="34" charset="0"/>
+              <a:cs typeface="Times New Roman" panose="02020603050405020304" pitchFamily="18" charset="0"/>
+            </a:endParaRPr>
           </a:p>
         </p:txBody>
       </p:sp>
       <p:pic>
         <p:nvPicPr>
-          <p:cNvPr id="20" name="Picture 19">
+          <p:cNvPr id="34" name="Picture 33">
             <a:extLst>
               <a:ext uri="{FF2B5EF4-FFF2-40B4-BE49-F238E27FC236}">
-                <a16:creationId xmlns:a16="http://schemas.microsoft.com/office/drawing/2014/main" id="{775C31D7-59EB-43FC-BC54-6D6ED3596BD5}"/>
+                <a16:creationId xmlns:a16="http://schemas.microsoft.com/office/drawing/2014/main" id="{B1976F6A-5BEA-7912-2852-8153E1C7EDF9}"/>
               </a:ext>
             </a:extLst>
           </p:cNvPr>
@@ -23509,8 +19578,8 @@
         </p:blipFill>
         <p:spPr>
           <a:xfrm>
-            <a:off x="10114257" y="1008357"/>
-            <a:ext cx="1315743" cy="1315743"/>
+            <a:off x="10280799" y="8634683"/>
+            <a:ext cx="1129937" cy="1129937"/>
           </a:xfrm>
           <a:prstGeom prst="rect">
             <a:avLst/>
@@ -23519,10 +19588,10 @@
       </p:pic>
       <p:sp>
         <p:nvSpPr>
-          <p:cNvPr id="21" name="TextBox 20">
+          <p:cNvPr id="35" name="TextBox 34">
             <a:extLst>
               <a:ext uri="{FF2B5EF4-FFF2-40B4-BE49-F238E27FC236}">
-                <a16:creationId xmlns:a16="http://schemas.microsoft.com/office/drawing/2014/main" id="{7A59F392-AFBC-F6BC-0332-6808F076186E}"/>
+                <a16:creationId xmlns:a16="http://schemas.microsoft.com/office/drawing/2014/main" id="{0D376061-4026-AF73-E5EE-CE5A1ED92DA3}"/>
               </a:ext>
             </a:extLst>
           </p:cNvPr>
@@ -23531,8 +19600,8 @@
         </p:nvSpPr>
         <p:spPr>
           <a:xfrm>
-            <a:off x="7082997" y="1047571"/>
-            <a:ext cx="3280203" cy="1200329"/>
+            <a:off x="12192000" y="8420100"/>
+            <a:ext cx="2024452" cy="369332"/>
           </a:xfrm>
           <a:prstGeom prst="rect">
             <a:avLst/>
@@ -23546,27 +19615,70 @@
           <a:lstStyle/>
           <a:p>
             <a:r>
-              <a:rPr lang="en-PH" sz="7200" b="1" i="0" dirty="0">
+              <a:rPr lang="en-US" b="1" dirty="0">
+                <a:latin typeface="Century Gothic" panose="020B0502020202020204" pitchFamily="34" charset="0"/>
+                <a:cs typeface="Times New Roman" panose="02020603050405020304" pitchFamily="18" charset="0"/>
+              </a:rPr>
+              <a:t>WESTERN SAMAR</a:t>
+            </a:r>
+            <a:endParaRPr lang="en-PH" b="1" dirty="0">
+              <a:latin typeface="Century Gothic" panose="020B0502020202020204" pitchFamily="34" charset="0"/>
+              <a:cs typeface="Times New Roman" panose="02020603050405020304" pitchFamily="18" charset="0"/>
+            </a:endParaRPr>
+          </a:p>
+        </p:txBody>
+      </p:sp>
+      <p:sp>
+        <p:nvSpPr>
+          <p:cNvPr id="36" name="TextBox 35">
+            <a:extLst>
+              <a:ext uri="{FF2B5EF4-FFF2-40B4-BE49-F238E27FC236}">
+                <a16:creationId xmlns:a16="http://schemas.microsoft.com/office/drawing/2014/main" id="{C9BF7799-AEF9-CAC6-63DA-34FCCB9B0C16}"/>
+              </a:ext>
+            </a:extLst>
+          </p:cNvPr>
+          <p:cNvSpPr txBox="1"/>
+          <p:nvPr/>
+        </p:nvSpPr>
+        <p:spPr>
+          <a:xfrm>
+            <a:off x="13079217" y="8877300"/>
+            <a:ext cx="3303783" cy="830997"/>
+          </a:xfrm>
+          <a:prstGeom prst="rect">
+            <a:avLst/>
+          </a:prstGeom>
+          <a:noFill/>
+        </p:spPr>
+        <p:txBody>
+          <a:bodyPr wrap="square" rtlCol="0">
+            <a:spAutoFit/>
+          </a:bodyPr>
+          <a:lstStyle/>
+          <a:p>
+            <a:r>
+              <a:rPr lang="en-PH" sz="4800" b="1" i="0" dirty="0">
                 <a:solidFill>
                   <a:srgbClr val="202124"/>
                 </a:solidFill>
                 <a:effectLst/>
                 <a:latin typeface="Century Gothic" panose="020B0502020202020204" pitchFamily="34" charset="0"/>
               </a:rPr>
-              <a:t>68,104</a:t>
+              <a:t>483308.0</a:t>
             </a:r>
-            <a:endParaRPr lang="en-PH" sz="7200" b="1" dirty="0">
+            <a:endParaRPr lang="en-PH" sz="4800" b="1" dirty="0">
               <a:latin typeface="Century Gothic" panose="020B0502020202020204" pitchFamily="34" charset="0"/>
+              <a:cs typeface="Times New Roman" panose="02020603050405020304" pitchFamily="18" charset="0"/>
             </a:endParaRPr>
           </a:p>
         </p:txBody>
       </p:sp>
       <p:sp>
         <p:nvSpPr>
-          <p:cNvPr id="22" name="TextBox 21">
+          <p:cNvPr id="37" name="TextBox 36">
             <a:extLst>
               <a:ext uri="{FF2B5EF4-FFF2-40B4-BE49-F238E27FC236}">
-                <a16:creationId xmlns:a16="http://schemas.microsoft.com/office/drawing/2014/main" id="{CF3E5EF4-603F-6485-E89E-879338B258A6}"/>
+                <a16:creationId xmlns:a16="http://schemas.microsoft.com/office/drawing/2014/main" id="{54E26ED4-C216-D436-B799-FA283B0ACAC3}"/>
               </a:ext>
             </a:extLst>
           </p:cNvPr>
@@ -23575,8 +19687,8 @@
         </p:nvSpPr>
         <p:spPr>
           <a:xfrm>
-            <a:off x="6858000" y="2076390"/>
-            <a:ext cx="3624469" cy="400110"/>
+            <a:off x="13030200" y="9535046"/>
+            <a:ext cx="2884469" cy="323165"/>
           </a:xfrm>
           <a:prstGeom prst="rect">
             <a:avLst/>
@@ -23589,92 +19701,27 @@
           </a:bodyPr>
           <a:lstStyle/>
           <a:p>
+            <a:pPr algn="ctr"/>
             <a:r>
-              <a:rPr lang="en-US" sz="2000" b="1" i="0" dirty="0">
-                <a:solidFill>
-                  <a:srgbClr val="202124"/>
-                </a:solidFill>
-                <a:effectLst/>
+              <a:rPr lang="en-US" sz="1500" b="1" dirty="0">
                 <a:latin typeface="Century Gothic" panose="020B0502020202020204" pitchFamily="34" charset="0"/>
+                <a:cs typeface="Times New Roman" panose="02020603050405020304" pitchFamily="18" charset="0"/>
               </a:rPr>
-              <a:t>Totally Damaged</a:t>
+              <a:t>AFFECTED INDIVIDUALS</a:t>
             </a:r>
-            <a:r>
-              <a:rPr lang="en-US" sz="2000" b="1" dirty="0">
-                <a:solidFill>
-                  <a:srgbClr val="202124"/>
-                </a:solidFill>
-                <a:latin typeface="Century Gothic" panose="020B0502020202020204" pitchFamily="34" charset="0"/>
-              </a:rPr>
-              <a:t> </a:t>
-            </a:r>
-            <a:r>
-              <a:rPr lang="en-US" sz="2000" b="1" i="0" dirty="0">
-                <a:solidFill>
-                  <a:srgbClr val="202124"/>
-                </a:solidFill>
-                <a:effectLst/>
-                <a:latin typeface="Century Gothic" panose="020B0502020202020204" pitchFamily="34" charset="0"/>
-              </a:rPr>
-              <a:t>Houses</a:t>
-            </a:r>
-            <a:endParaRPr lang="en-PH" sz="2000" b="1" dirty="0">
+            <a:endParaRPr lang="en-PH" sz="1500" b="1" dirty="0">
               <a:latin typeface="Century Gothic" panose="020B0502020202020204" pitchFamily="34" charset="0"/>
+              <a:cs typeface="Times New Roman" panose="02020603050405020304" pitchFamily="18" charset="0"/>
             </a:endParaRPr>
           </a:p>
         </p:txBody>
       </p:sp>
-      <p:sp>
-        <p:nvSpPr>
-          <p:cNvPr id="26" name="TextBox 25">
+      <p:pic>
+        <p:nvPicPr>
+          <p:cNvPr id="38" name="Picture 37">
             <a:extLst>
               <a:ext uri="{FF2B5EF4-FFF2-40B4-BE49-F238E27FC236}">
-                <a16:creationId xmlns:a16="http://schemas.microsoft.com/office/drawing/2014/main" id="{0B4A92BC-8103-97E2-F74F-AB7EC1D88871}"/>
-              </a:ext>
-            </a:extLst>
-          </p:cNvPr>
-          <p:cNvSpPr txBox="1"/>
-          <p:nvPr/>
-        </p:nvSpPr>
-        <p:spPr>
-          <a:xfrm>
-            <a:off x="10027760" y="571500"/>
-            <a:ext cx="1783240" cy="707886"/>
-          </a:xfrm>
-          <a:prstGeom prst="rect">
-            <a:avLst/>
-          </a:prstGeom>
-          <a:noFill/>
-        </p:spPr>
-        <p:txBody>
-          <a:bodyPr wrap="square" rtlCol="0">
-            <a:spAutoFit/>
-          </a:bodyPr>
-          <a:lstStyle/>
-          <a:p>
-            <a:pPr algn="r"/>
-            <a:r>
-              <a:rPr lang="en-US" sz="2000" b="1" i="0" dirty="0">
-                <a:solidFill>
-                  <a:srgbClr val="202124"/>
-                </a:solidFill>
-                <a:effectLst/>
-                <a:latin typeface="Century Gothic" panose="020B0502020202020204" pitchFamily="34" charset="0"/>
-              </a:rPr>
-              <a:t>TYPHOON TISOY</a:t>
-            </a:r>
-            <a:endParaRPr lang="en-PH" sz="2000" b="1" dirty="0">
-              <a:latin typeface="Century Gothic" panose="020B0502020202020204" pitchFamily="34" charset="0"/>
-            </a:endParaRPr>
-          </a:p>
-        </p:txBody>
-      </p:sp>
-      <p:pic>
-        <p:nvPicPr>
-          <p:cNvPr id="32" name="Picture 31">
-            <a:extLst>
-              <a:ext uri="{FF2B5EF4-FFF2-40B4-BE49-F238E27FC236}">
-                <a16:creationId xmlns:a16="http://schemas.microsoft.com/office/drawing/2014/main" id="{CBEFF06C-5335-945A-8944-1C4C2FE17D4B}"/>
+                <a16:creationId xmlns:a16="http://schemas.microsoft.com/office/drawing/2014/main" id="{047F70C1-BEB5-8A91-FC0E-3A1DB52B7617}"/>
               </a:ext>
             </a:extLst>
           </p:cNvPr>
@@ -23697,100 +19744,20 @@
         </p:blipFill>
         <p:spPr>
           <a:xfrm>
-            <a:off x="12877800" y="876300"/>
-            <a:ext cx="1544186" cy="1544186"/>
+            <a:off x="16078200" y="8543637"/>
+            <a:ext cx="1344105" cy="1344105"/>
           </a:xfrm>
           <a:prstGeom prst="rect">
             <a:avLst/>
           </a:prstGeom>
         </p:spPr>
       </p:pic>
-      <p:sp>
-        <p:nvSpPr>
-          <p:cNvPr id="33" name="TextBox 32">
+      <p:pic>
+        <p:nvPicPr>
+          <p:cNvPr id="26" name="Picture 25">
             <a:extLst>
               <a:ext uri="{FF2B5EF4-FFF2-40B4-BE49-F238E27FC236}">
-                <a16:creationId xmlns:a16="http://schemas.microsoft.com/office/drawing/2014/main" id="{90FF3968-7C58-EF21-B638-ACF00A082B6A}"/>
-              </a:ext>
-            </a:extLst>
-          </p:cNvPr>
-          <p:cNvSpPr txBox="1"/>
-          <p:nvPr/>
-        </p:nvSpPr>
-        <p:spPr>
-          <a:xfrm>
-            <a:off x="14613223" y="800100"/>
-            <a:ext cx="3307949" cy="1631216"/>
-          </a:xfrm>
-          <a:prstGeom prst="rect">
-            <a:avLst/>
-          </a:prstGeom>
-          <a:noFill/>
-        </p:spPr>
-        <p:txBody>
-          <a:bodyPr wrap="square" rtlCol="0">
-            <a:spAutoFit/>
-          </a:bodyPr>
-          <a:lstStyle/>
-          <a:p>
-            <a:r>
-              <a:rPr lang="en-US" sz="2000" b="1" i="0" dirty="0">
-                <a:solidFill>
-                  <a:srgbClr val="202124"/>
-                </a:solidFill>
-                <a:effectLst/>
-                <a:latin typeface="Century Gothic" panose="020B0502020202020204" pitchFamily="34" charset="0"/>
-              </a:rPr>
-              <a:t>TYPHOON TISOY  TYPHOON URSULA</a:t>
-            </a:r>
-          </a:p>
-          <a:p>
-            <a:r>
-              <a:rPr lang="en-US" sz="2000" b="1" i="0" dirty="0">
-                <a:solidFill>
-                  <a:srgbClr val="202124"/>
-                </a:solidFill>
-                <a:effectLst/>
-                <a:latin typeface="Century Gothic" panose="020B0502020202020204" pitchFamily="34" charset="0"/>
-              </a:rPr>
-              <a:t>TYPHOON QUIEL</a:t>
-            </a:r>
-          </a:p>
-          <a:p>
-            <a:r>
-              <a:rPr lang="en-US" sz="2000" b="1" i="0" dirty="0">
-                <a:solidFill>
-                  <a:srgbClr val="202124"/>
-                </a:solidFill>
-                <a:effectLst/>
-                <a:latin typeface="Century Gothic" panose="020B0502020202020204" pitchFamily="34" charset="0"/>
-              </a:rPr>
-              <a:t>TYPHOON HANNA</a:t>
-            </a:r>
-          </a:p>
-          <a:p>
-            <a:r>
-              <a:rPr lang="en-US" sz="2000" b="1" i="0" dirty="0">
-                <a:solidFill>
-                  <a:srgbClr val="202124"/>
-                </a:solidFill>
-                <a:effectLst/>
-                <a:latin typeface="Century Gothic" panose="020B0502020202020204" pitchFamily="34" charset="0"/>
-              </a:rPr>
-              <a:t>TYPHOON MARILYN</a:t>
-            </a:r>
-            <a:endParaRPr lang="en-PH" sz="2000" b="1" dirty="0">
-              <a:latin typeface="Century Gothic" panose="020B0502020202020204" pitchFamily="34" charset="0"/>
-            </a:endParaRPr>
-          </a:p>
-        </p:txBody>
-      </p:sp>
-      <p:pic>
-        <p:nvPicPr>
-          <p:cNvPr id="34" name="Picture 33">
-            <a:extLst>
-              <a:ext uri="{FF2B5EF4-FFF2-40B4-BE49-F238E27FC236}">
-                <a16:creationId xmlns:a16="http://schemas.microsoft.com/office/drawing/2014/main" id="{7FC8BFD5-E2CF-8CF8-D73C-4D1481B085A5}"/>
+                <a16:creationId xmlns:a16="http://schemas.microsoft.com/office/drawing/2014/main" id="{FD899B46-8623-9D49-4E21-1BE96472BE51}"/>
               </a:ext>
             </a:extLst>
           </p:cNvPr>
@@ -23807,14 +19774,13 @@
               </a:ext>
             </a:extLst>
           </a:blip>
-          <a:stretch>
-            <a:fillRect/>
-          </a:stretch>
+          <a:srcRect/>
+          <a:stretch/>
         </p:blipFill>
         <p:spPr>
           <a:xfrm>
-            <a:off x="6123710" y="2984548"/>
-            <a:ext cx="11626852" cy="7137704"/>
+            <a:off x="6096000" y="394100"/>
+            <a:ext cx="11679971" cy="7741042"/>
           </a:xfrm>
           <a:prstGeom prst="rect">
             <a:avLst/>

--- a/Final PPT presentation.pptx
+++ b/Final PPT presentation.pptx
@@ -5,7 +5,7 @@
     <p:sldMasterId id="2147483648" r:id="rId1"/>
   </p:sldMasterIdLst>
   <p:notesMasterIdLst>
-    <p:notesMasterId r:id="rId21"/>
+    <p:notesMasterId r:id="rId24"/>
   </p:notesMasterIdLst>
   <p:sldIdLst>
     <p:sldId id="258" r:id="rId2"/>
@@ -16,17 +16,20 @@
     <p:sldId id="287" r:id="rId7"/>
     <p:sldId id="289" r:id="rId8"/>
     <p:sldId id="304" r:id="rId9"/>
-    <p:sldId id="307" r:id="rId10"/>
-    <p:sldId id="308" r:id="rId11"/>
-    <p:sldId id="296" r:id="rId12"/>
-    <p:sldId id="319" r:id="rId13"/>
-    <p:sldId id="320" r:id="rId14"/>
-    <p:sldId id="321" r:id="rId15"/>
-    <p:sldId id="322" r:id="rId16"/>
-    <p:sldId id="323" r:id="rId17"/>
-    <p:sldId id="293" r:id="rId18"/>
-    <p:sldId id="280" r:id="rId19"/>
-    <p:sldId id="318" r:id="rId20"/>
+    <p:sldId id="324" r:id="rId10"/>
+    <p:sldId id="325" r:id="rId11"/>
+    <p:sldId id="307" r:id="rId12"/>
+    <p:sldId id="326" r:id="rId13"/>
+    <p:sldId id="308" r:id="rId14"/>
+    <p:sldId id="296" r:id="rId15"/>
+    <p:sldId id="319" r:id="rId16"/>
+    <p:sldId id="320" r:id="rId17"/>
+    <p:sldId id="321" r:id="rId18"/>
+    <p:sldId id="322" r:id="rId19"/>
+    <p:sldId id="323" r:id="rId20"/>
+    <p:sldId id="293" r:id="rId21"/>
+    <p:sldId id="280" r:id="rId22"/>
+    <p:sldId id="318" r:id="rId23"/>
   </p:sldIdLst>
   <p:sldSz cx="18288000" cy="10287000"/>
   <p:notesSz cx="18288000" cy="10287000"/>
@@ -791,7 +794,7 @@
           <a:p>
             <a:fld id="{1E741714-2B22-41F9-AAC3-71E3E135EC64}" type="slidenum">
               <a:rPr lang="en-PH" smtClean="0"/>
-              <a:t>13</a:t>
+              <a:t>16</a:t>
             </a:fld>
             <a:endParaRPr lang="en-PH"/>
           </a:p>
@@ -875,7 +878,7 @@
           <a:p>
             <a:fld id="{1E741714-2B22-41F9-AAC3-71E3E135EC64}" type="slidenum">
               <a:rPr lang="en-PH" smtClean="0"/>
-              <a:t>19</a:t>
+              <a:t>22</a:t>
             </a:fld>
             <a:endParaRPr lang="en-PH"/>
           </a:p>
@@ -3220,6 +3223,3890 @@
           <a:prstGeom prst="rect">
             <a:avLst/>
           </a:prstGeom>
+          <a:ln w="57150"/>
+        </p:spPr>
+        <p:style>
+          <a:lnRef idx="2">
+            <a:schemeClr val="dk1"/>
+          </a:lnRef>
+          <a:fillRef idx="1">
+            <a:schemeClr val="lt1"/>
+          </a:fillRef>
+          <a:effectRef idx="0">
+            <a:schemeClr val="dk1"/>
+          </a:effectRef>
+          <a:fontRef idx="minor">
+            <a:schemeClr val="dk1"/>
+          </a:fontRef>
+        </p:style>
+        <p:txBody>
+          <a:bodyPr rtlCol="0" anchor="ctr"/>
+          <a:lstStyle/>
+          <a:p>
+            <a:pPr algn="ctr"/>
+            <a:r>
+              <a:rPr lang="en-US" dirty="0"/>
+              <a:t>Objective 1</a:t>
+            </a:r>
+          </a:p>
+        </p:txBody>
+      </p:sp>
+      <p:sp>
+        <p:nvSpPr>
+          <p:cNvPr id="3" name="Arrow: Chevron 2"/>
+          <p:cNvSpPr/>
+          <p:nvPr/>
+        </p:nvSpPr>
+        <p:spPr>
+          <a:xfrm>
+            <a:off x="712065" y="4226713"/>
+            <a:ext cx="160088" cy="190810"/>
+          </a:xfrm>
+          <a:prstGeom prst="chevron">
+            <a:avLst/>
+          </a:prstGeom>
+          <a:ln w="57150"/>
+        </p:spPr>
+        <p:style>
+          <a:lnRef idx="2">
+            <a:schemeClr val="dk1"/>
+          </a:lnRef>
+          <a:fillRef idx="1">
+            <a:schemeClr val="lt1"/>
+          </a:fillRef>
+          <a:effectRef idx="0">
+            <a:schemeClr val="dk1"/>
+          </a:effectRef>
+          <a:fontRef idx="minor">
+            <a:schemeClr val="dk1"/>
+          </a:fontRef>
+        </p:style>
+        <p:txBody>
+          <a:bodyPr rtlCol="0" anchor="ctr"/>
+          <a:lstStyle/>
+          <a:p>
+            <a:pPr algn="ctr"/>
+            <a:endParaRPr lang="en-US" b="1" dirty="0">
+              <a:solidFill>
+                <a:schemeClr val="tx1"/>
+              </a:solidFill>
+            </a:endParaRPr>
+          </a:p>
+        </p:txBody>
+      </p:sp>
+      <p:sp>
+        <p:nvSpPr>
+          <p:cNvPr id="28" name="Rectangle 27"/>
+          <p:cNvSpPr/>
+          <p:nvPr/>
+        </p:nvSpPr>
+        <p:spPr>
+          <a:xfrm>
+            <a:off x="951687" y="4561572"/>
+            <a:ext cx="4270713" cy="312196"/>
+          </a:xfrm>
+          <a:prstGeom prst="rect">
+            <a:avLst/>
+          </a:prstGeom>
+        </p:spPr>
+        <p:style>
+          <a:lnRef idx="2">
+            <a:schemeClr val="dk1"/>
+          </a:lnRef>
+          <a:fillRef idx="1">
+            <a:schemeClr val="lt1"/>
+          </a:fillRef>
+          <a:effectRef idx="0">
+            <a:schemeClr val="dk1"/>
+          </a:effectRef>
+          <a:fontRef idx="minor">
+            <a:schemeClr val="dk1"/>
+          </a:fontRef>
+        </p:style>
+        <p:txBody>
+          <a:bodyPr rtlCol="0" anchor="ctr"/>
+          <a:lstStyle/>
+          <a:p>
+            <a:pPr algn="ctr"/>
+            <a:r>
+              <a:rPr lang="en-US" dirty="0"/>
+              <a:t>Objective 2</a:t>
+            </a:r>
+          </a:p>
+        </p:txBody>
+      </p:sp>
+      <p:sp>
+        <p:nvSpPr>
+          <p:cNvPr id="29" name="Rectangle 28"/>
+          <p:cNvSpPr/>
+          <p:nvPr/>
+        </p:nvSpPr>
+        <p:spPr>
+          <a:xfrm>
+            <a:off x="961189" y="4960823"/>
+            <a:ext cx="4270713" cy="312196"/>
+          </a:xfrm>
+          <a:prstGeom prst="rect">
+            <a:avLst/>
+          </a:prstGeom>
+        </p:spPr>
+        <p:style>
+          <a:lnRef idx="2">
+            <a:schemeClr val="dk1"/>
+          </a:lnRef>
+          <a:fillRef idx="1">
+            <a:schemeClr val="lt1"/>
+          </a:fillRef>
+          <a:effectRef idx="0">
+            <a:schemeClr val="dk1"/>
+          </a:effectRef>
+          <a:fontRef idx="minor">
+            <a:schemeClr val="dk1"/>
+          </a:fontRef>
+        </p:style>
+        <p:txBody>
+          <a:bodyPr rtlCol="0" anchor="ctr"/>
+          <a:lstStyle/>
+          <a:p>
+            <a:pPr algn="ctr"/>
+            <a:r>
+              <a:rPr lang="en-US" dirty="0"/>
+              <a:t>Objective 3</a:t>
+            </a:r>
+          </a:p>
+        </p:txBody>
+      </p:sp>
+      <p:sp>
+        <p:nvSpPr>
+          <p:cNvPr id="30" name="Arrow: Chevron 29"/>
+          <p:cNvSpPr/>
+          <p:nvPr/>
+        </p:nvSpPr>
+        <p:spPr>
+          <a:xfrm>
+            <a:off x="712065" y="4622265"/>
+            <a:ext cx="160088" cy="190810"/>
+          </a:xfrm>
+          <a:prstGeom prst="chevron">
+            <a:avLst/>
+          </a:prstGeom>
+        </p:spPr>
+        <p:style>
+          <a:lnRef idx="2">
+            <a:schemeClr val="dk1"/>
+          </a:lnRef>
+          <a:fillRef idx="1">
+            <a:schemeClr val="lt1"/>
+          </a:fillRef>
+          <a:effectRef idx="0">
+            <a:schemeClr val="dk1"/>
+          </a:effectRef>
+          <a:fontRef idx="minor">
+            <a:schemeClr val="dk1"/>
+          </a:fontRef>
+        </p:style>
+        <p:txBody>
+          <a:bodyPr rtlCol="0" anchor="ctr"/>
+          <a:lstStyle/>
+          <a:p>
+            <a:pPr algn="ctr"/>
+            <a:endParaRPr lang="en-US">
+              <a:solidFill>
+                <a:schemeClr val="tx1"/>
+              </a:solidFill>
+            </a:endParaRPr>
+          </a:p>
+        </p:txBody>
+      </p:sp>
+      <p:sp>
+        <p:nvSpPr>
+          <p:cNvPr id="31" name="Arrow: Chevron 30"/>
+          <p:cNvSpPr/>
+          <p:nvPr/>
+        </p:nvSpPr>
+        <p:spPr>
+          <a:xfrm>
+            <a:off x="712065" y="5006448"/>
+            <a:ext cx="160088" cy="190810"/>
+          </a:xfrm>
+          <a:prstGeom prst="chevron">
+            <a:avLst/>
+          </a:prstGeom>
+        </p:spPr>
+        <p:style>
+          <a:lnRef idx="2">
+            <a:schemeClr val="dk1"/>
+          </a:lnRef>
+          <a:fillRef idx="1">
+            <a:schemeClr val="lt1"/>
+          </a:fillRef>
+          <a:effectRef idx="0">
+            <a:schemeClr val="dk1"/>
+          </a:effectRef>
+          <a:fontRef idx="minor">
+            <a:schemeClr val="dk1"/>
+          </a:fontRef>
+        </p:style>
+        <p:txBody>
+          <a:bodyPr rtlCol="0" anchor="ctr"/>
+          <a:lstStyle/>
+          <a:p>
+            <a:pPr algn="ctr"/>
+            <a:endParaRPr lang="en-US">
+              <a:solidFill>
+                <a:schemeClr val="tx1"/>
+              </a:solidFill>
+            </a:endParaRPr>
+          </a:p>
+        </p:txBody>
+      </p:sp>
+      <p:sp>
+        <p:nvSpPr>
+          <p:cNvPr id="6" name="Rectangle 5"/>
+          <p:cNvSpPr/>
+          <p:nvPr/>
+        </p:nvSpPr>
+        <p:spPr>
+          <a:xfrm>
+            <a:off x="6123710" y="7757176"/>
+            <a:ext cx="5652972" cy="2415524"/>
+          </a:xfrm>
+          <a:prstGeom prst="rect">
+            <a:avLst/>
+          </a:prstGeom>
+          <a:ln w="38100"/>
+        </p:spPr>
+        <p:style>
+          <a:lnRef idx="2">
+            <a:schemeClr val="dk1"/>
+          </a:lnRef>
+          <a:fillRef idx="1">
+            <a:schemeClr val="lt1"/>
+          </a:fillRef>
+          <a:effectRef idx="0">
+            <a:schemeClr val="dk1"/>
+          </a:effectRef>
+          <a:fontRef idx="minor">
+            <a:schemeClr val="dk1"/>
+          </a:fontRef>
+        </p:style>
+        <p:txBody>
+          <a:bodyPr rtlCol="0" anchor="ctr"/>
+          <a:lstStyle/>
+          <a:p>
+            <a:pPr algn="ctr"/>
+            <a:endParaRPr lang="en-PH" dirty="0"/>
+          </a:p>
+        </p:txBody>
+      </p:sp>
+      <p:sp>
+        <p:nvSpPr>
+          <p:cNvPr id="27" name="Rectangle 26"/>
+          <p:cNvSpPr/>
+          <p:nvPr/>
+        </p:nvSpPr>
+        <p:spPr>
+          <a:xfrm>
+            <a:off x="12097590" y="7757176"/>
+            <a:ext cx="5652972" cy="2415524"/>
+          </a:xfrm>
+          <a:prstGeom prst="rect">
+            <a:avLst/>
+          </a:prstGeom>
+          <a:ln w="38100"/>
+        </p:spPr>
+        <p:style>
+          <a:lnRef idx="2">
+            <a:schemeClr val="dk1"/>
+          </a:lnRef>
+          <a:fillRef idx="1">
+            <a:schemeClr val="lt1"/>
+          </a:fillRef>
+          <a:effectRef idx="0">
+            <a:schemeClr val="dk1"/>
+          </a:effectRef>
+          <a:fontRef idx="minor">
+            <a:schemeClr val="dk1"/>
+          </a:fontRef>
+        </p:style>
+        <p:txBody>
+          <a:bodyPr rtlCol="0" anchor="ctr"/>
+          <a:lstStyle/>
+          <a:p>
+            <a:pPr algn="ctr"/>
+            <a:endParaRPr lang="en-PH" dirty="0"/>
+          </a:p>
+        </p:txBody>
+      </p:sp>
+      <p:sp>
+        <p:nvSpPr>
+          <p:cNvPr id="20" name="TextBox 19">
+            <a:extLst>
+              <a:ext uri="{FF2B5EF4-FFF2-40B4-BE49-F238E27FC236}">
+                <a16:creationId xmlns:a16="http://schemas.microsoft.com/office/drawing/2014/main" id="{F732BF55-0D76-C88B-C0A1-CB9A10A14C3C}"/>
+              </a:ext>
+            </a:extLst>
+          </p:cNvPr>
+          <p:cNvSpPr txBox="1"/>
+          <p:nvPr/>
+        </p:nvSpPr>
+        <p:spPr>
+          <a:xfrm>
+            <a:off x="6839661" y="8374601"/>
+            <a:ext cx="3624468" cy="1200329"/>
+          </a:xfrm>
+          <a:prstGeom prst="rect">
+            <a:avLst/>
+          </a:prstGeom>
+          <a:noFill/>
+        </p:spPr>
+        <p:txBody>
+          <a:bodyPr wrap="square" rtlCol="0">
+            <a:spAutoFit/>
+          </a:bodyPr>
+          <a:lstStyle/>
+          <a:p>
+            <a:r>
+              <a:rPr lang="en-PH" sz="7200" b="1" i="0" dirty="0">
+                <a:solidFill>
+                  <a:srgbClr val="202124"/>
+                </a:solidFill>
+                <a:effectLst/>
+                <a:latin typeface="Century Gothic" panose="020B0502020202020204" pitchFamily="34" charset="0"/>
+              </a:rPr>
+              <a:t>34932.0</a:t>
+            </a:r>
+            <a:endParaRPr lang="en-PH" sz="7200" b="1" dirty="0">
+              <a:latin typeface="Century Gothic" panose="020B0502020202020204" pitchFamily="34" charset="0"/>
+            </a:endParaRPr>
+          </a:p>
+        </p:txBody>
+      </p:sp>
+      <p:sp>
+        <p:nvSpPr>
+          <p:cNvPr id="21" name="TextBox 20">
+            <a:extLst>
+              <a:ext uri="{FF2B5EF4-FFF2-40B4-BE49-F238E27FC236}">
+                <a16:creationId xmlns:a16="http://schemas.microsoft.com/office/drawing/2014/main" id="{9C7ECC60-61A1-82FA-D9CD-3470D9789CFF}"/>
+              </a:ext>
+            </a:extLst>
+          </p:cNvPr>
+          <p:cNvSpPr txBox="1"/>
+          <p:nvPr/>
+        </p:nvSpPr>
+        <p:spPr>
+          <a:xfrm>
+            <a:off x="7182873" y="9375212"/>
+            <a:ext cx="3624469" cy="400110"/>
+          </a:xfrm>
+          <a:prstGeom prst="rect">
+            <a:avLst/>
+          </a:prstGeom>
+          <a:noFill/>
+        </p:spPr>
+        <p:txBody>
+          <a:bodyPr wrap="square" rtlCol="0">
+            <a:spAutoFit/>
+          </a:bodyPr>
+          <a:lstStyle/>
+          <a:p>
+            <a:r>
+              <a:rPr lang="en-US" sz="2000" b="1" i="0" dirty="0">
+                <a:solidFill>
+                  <a:srgbClr val="202124"/>
+                </a:solidFill>
+                <a:effectLst/>
+                <a:latin typeface="Century Gothic" panose="020B0502020202020204" pitchFamily="34" charset="0"/>
+              </a:rPr>
+              <a:t>Total Affected Persons</a:t>
+            </a:r>
+            <a:endParaRPr lang="en-PH" sz="2000" b="1" dirty="0">
+              <a:latin typeface="Century Gothic" panose="020B0502020202020204" pitchFamily="34" charset="0"/>
+            </a:endParaRPr>
+          </a:p>
+        </p:txBody>
+      </p:sp>
+      <p:sp>
+        <p:nvSpPr>
+          <p:cNvPr id="26" name="TextBox 25">
+            <a:extLst>
+              <a:ext uri="{FF2B5EF4-FFF2-40B4-BE49-F238E27FC236}">
+                <a16:creationId xmlns:a16="http://schemas.microsoft.com/office/drawing/2014/main" id="{D144AB0E-A685-30A7-E417-01241792E812}"/>
+              </a:ext>
+            </a:extLst>
+          </p:cNvPr>
+          <p:cNvSpPr txBox="1"/>
+          <p:nvPr/>
+        </p:nvSpPr>
+        <p:spPr>
+          <a:xfrm>
+            <a:off x="14706600" y="8420100"/>
+            <a:ext cx="2895600" cy="400110"/>
+          </a:xfrm>
+          <a:prstGeom prst="rect">
+            <a:avLst/>
+          </a:prstGeom>
+          <a:noFill/>
+        </p:spPr>
+        <p:txBody>
+          <a:bodyPr wrap="square" rtlCol="0">
+            <a:spAutoFit/>
+          </a:bodyPr>
+          <a:lstStyle/>
+          <a:p>
+            <a:pPr algn="r"/>
+            <a:r>
+              <a:rPr lang="en-US" sz="2000" b="1" i="0" dirty="0">
+                <a:solidFill>
+                  <a:srgbClr val="202124"/>
+                </a:solidFill>
+                <a:effectLst/>
+                <a:latin typeface="Century Gothic" panose="020B0502020202020204" pitchFamily="34" charset="0"/>
+              </a:rPr>
+              <a:t>TYPHOON </a:t>
+            </a:r>
+            <a:r>
+              <a:rPr lang="en-US" sz="2000" b="1" dirty="0">
+                <a:solidFill>
+                  <a:srgbClr val="202124"/>
+                </a:solidFill>
+                <a:latin typeface="Century Gothic" panose="020B0502020202020204" pitchFamily="34" charset="0"/>
+              </a:rPr>
+              <a:t>URSULA</a:t>
+            </a:r>
+            <a:endParaRPr lang="en-PH" sz="2000" b="1" dirty="0">
+              <a:latin typeface="Century Gothic" panose="020B0502020202020204" pitchFamily="34" charset="0"/>
+            </a:endParaRPr>
+          </a:p>
+        </p:txBody>
+      </p:sp>
+      <p:pic>
+        <p:nvPicPr>
+          <p:cNvPr id="32" name="Picture 31">
+            <a:extLst>
+              <a:ext uri="{FF2B5EF4-FFF2-40B4-BE49-F238E27FC236}">
+                <a16:creationId xmlns:a16="http://schemas.microsoft.com/office/drawing/2014/main" id="{7E524829-162C-CBD8-56DE-B9220ADF2580}"/>
+              </a:ext>
+            </a:extLst>
+          </p:cNvPr>
+          <p:cNvPicPr>
+            <a:picLocks noChangeAspect="1"/>
+          </p:cNvPicPr>
+          <p:nvPr/>
+        </p:nvPicPr>
+        <p:blipFill>
+          <a:blip r:embed="rId2">
+            <a:extLst>
+              <a:ext uri="{28A0092B-C50C-407E-A947-70E740481C1C}">
+                <a14:useLocalDpi xmlns:a14="http://schemas.microsoft.com/office/drawing/2010/main" val="0"/>
+              </a:ext>
+            </a:extLst>
+          </a:blip>
+          <a:srcRect/>
+          <a:stretch/>
+        </p:blipFill>
+        <p:spPr>
+          <a:xfrm>
+            <a:off x="6151380" y="419100"/>
+            <a:ext cx="11599181" cy="7164411"/>
+          </a:xfrm>
+          <a:prstGeom prst="rect">
+            <a:avLst/>
+          </a:prstGeom>
+          <a:ln w="38100">
+            <a:solidFill>
+              <a:schemeClr val="tx1"/>
+            </a:solidFill>
+          </a:ln>
+        </p:spPr>
+      </p:pic>
+      <p:pic>
+        <p:nvPicPr>
+          <p:cNvPr id="5" name="Picture 4">
+            <a:extLst>
+              <a:ext uri="{FF2B5EF4-FFF2-40B4-BE49-F238E27FC236}">
+                <a16:creationId xmlns:a16="http://schemas.microsoft.com/office/drawing/2014/main" id="{6C742957-620D-11D5-E096-2EE1206447B2}"/>
+              </a:ext>
+            </a:extLst>
+          </p:cNvPr>
+          <p:cNvPicPr>
+            <a:picLocks noChangeAspect="1"/>
+          </p:cNvPicPr>
+          <p:nvPr/>
+        </p:nvPicPr>
+        <p:blipFill>
+          <a:blip r:embed="rId3" cstate="print">
+            <a:extLst>
+              <a:ext uri="{28A0092B-C50C-407E-A947-70E740481C1C}">
+                <a14:useLocalDpi xmlns:a14="http://schemas.microsoft.com/office/drawing/2010/main" val="0"/>
+              </a:ext>
+            </a:extLst>
+          </a:blip>
+          <a:stretch>
+            <a:fillRect/>
+          </a:stretch>
+        </p:blipFill>
+        <p:spPr>
+          <a:xfrm>
+            <a:off x="12290401" y="8309329"/>
+            <a:ext cx="1311217" cy="1311217"/>
+          </a:xfrm>
+          <a:prstGeom prst="rect">
+            <a:avLst/>
+          </a:prstGeom>
+        </p:spPr>
+      </p:pic>
+      <p:sp>
+        <p:nvSpPr>
+          <p:cNvPr id="8" name="Rectangle 2">
+            <a:extLst>
+              <a:ext uri="{FF2B5EF4-FFF2-40B4-BE49-F238E27FC236}">
+                <a16:creationId xmlns:a16="http://schemas.microsoft.com/office/drawing/2014/main" id="{8FB14BC1-5D33-9F2B-FC4A-40EB07727F2F}"/>
+              </a:ext>
+            </a:extLst>
+          </p:cNvPr>
+          <p:cNvSpPr>
+            <a:spLocks noChangeArrowheads="1"/>
+          </p:cNvSpPr>
+          <p:nvPr/>
+        </p:nvSpPr>
+        <p:spPr bwMode="auto">
+          <a:xfrm>
+            <a:off x="0" y="0"/>
+            <a:ext cx="18288000" cy="457200"/>
+          </a:xfrm>
+          <a:prstGeom prst="rect">
+            <a:avLst/>
+          </a:prstGeom>
+          <a:noFill/>
+          <a:ln>
+            <a:noFill/>
+          </a:ln>
+          <a:effectLst/>
+          <a:extLst>
+            <a:ext uri="{909E8E84-426E-40DD-AFC4-6F175D3DCCD1}">
+              <a14:hiddenFill xmlns:a14="http://schemas.microsoft.com/office/drawing/2010/main">
+                <a:solidFill>
+                  <a:schemeClr val="accent1"/>
+                </a:solidFill>
+              </a14:hiddenFill>
+            </a:ext>
+            <a:ext uri="{91240B29-F687-4F45-9708-019B960494DF}">
+              <a14:hiddenLine xmlns:a14="http://schemas.microsoft.com/office/drawing/2010/main" w="9525">
+                <a:solidFill>
+                  <a:schemeClr val="tx1"/>
+                </a:solidFill>
+                <a:miter lim="800000"/>
+                <a:headEnd/>
+                <a:tailEnd/>
+              </a14:hiddenLine>
+            </a:ext>
+            <a:ext uri="{AF507438-7753-43E0-B8FC-AC1667EBCBE1}">
+              <a14:hiddenEffects xmlns:a14="http://schemas.microsoft.com/office/drawing/2010/main">
+                <a:effectLst>
+                  <a:outerShdw dist="35921" dir="2700000" algn="ctr" rotWithShape="0">
+                    <a:schemeClr val="bg2"/>
+                  </a:outerShdw>
+                </a:effectLst>
+              </a14:hiddenEffects>
+            </a:ext>
+          </a:extLst>
+        </p:spPr>
+        <p:txBody>
+          <a:bodyPr vert="horz" wrap="none" lIns="91440" tIns="45720" rIns="91440" bIns="45720" numCol="1" anchor="ctr" anchorCtr="0" compatLnSpc="1">
+            <a:prstTxWarp prst="textNoShape">
+              <a:avLst/>
+            </a:prstTxWarp>
+            <a:spAutoFit/>
+          </a:bodyPr>
+          <a:lstStyle/>
+          <a:p>
+            <a:pPr marL="0" marR="0" lvl="0" indent="0" algn="l" defTabSz="914400" rtl="0" eaLnBrk="0" fontAlgn="base" latinLnBrk="0" hangingPunct="0">
+              <a:lnSpc>
+                <a:spcPct val="100000"/>
+              </a:lnSpc>
+              <a:spcBef>
+                <a:spcPct val="0"/>
+              </a:spcBef>
+              <a:spcAft>
+                <a:spcPct val="0"/>
+              </a:spcAft>
+              <a:buClrTx/>
+              <a:buSzTx/>
+              <a:buFontTx/>
+              <a:buNone/>
+              <a:tabLst/>
+            </a:pPr>
+            <a:r>
+              <a:rPr kumimoji="0" lang="en-US" altLang="en-US" sz="900" b="0" i="0" u="none" strike="noStrike" cap="none" normalizeH="0" baseline="0">
+                <a:ln>
+                  <a:noFill/>
+                </a:ln>
+                <a:solidFill>
+                  <a:srgbClr val="212121"/>
+                </a:solidFill>
+                <a:effectLst/>
+                <a:latin typeface="Arial Unicode MS"/>
+              </a:rPr>
+              <a:t>34932.0</a:t>
+            </a:r>
+            <a:r>
+              <a:rPr kumimoji="0" lang="en-US" altLang="en-US" sz="1200" b="0" i="0" u="none" strike="noStrike" cap="none" normalizeH="0" baseline="0">
+                <a:ln>
+                  <a:noFill/>
+                </a:ln>
+                <a:solidFill>
+                  <a:schemeClr val="tx1"/>
+                </a:solidFill>
+                <a:effectLst/>
+              </a:rPr>
+              <a:t> </a:t>
+            </a:r>
+            <a:endParaRPr kumimoji="0" lang="en-US" altLang="en-US" sz="1800" b="0" i="0" u="none" strike="noStrike" cap="none" normalizeH="0" baseline="0">
+              <a:ln>
+                <a:noFill/>
+              </a:ln>
+              <a:solidFill>
+                <a:schemeClr val="tx1"/>
+              </a:solidFill>
+              <a:effectLst/>
+              <a:latin typeface="Arial" panose="020B0604020202020204" pitchFamily="34" charset="0"/>
+            </a:endParaRPr>
+          </a:p>
+        </p:txBody>
+      </p:sp>
+      <p:sp>
+        <p:nvSpPr>
+          <p:cNvPr id="9" name="Rectangle 3">
+            <a:extLst>
+              <a:ext uri="{FF2B5EF4-FFF2-40B4-BE49-F238E27FC236}">
+                <a16:creationId xmlns:a16="http://schemas.microsoft.com/office/drawing/2014/main" id="{E1499B24-0525-8104-F225-1806F6048D8E}"/>
+              </a:ext>
+            </a:extLst>
+          </p:cNvPr>
+          <p:cNvSpPr>
+            <a:spLocks noChangeArrowheads="1"/>
+          </p:cNvSpPr>
+          <p:nvPr/>
+        </p:nvSpPr>
+        <p:spPr bwMode="auto">
+          <a:xfrm>
+            <a:off x="152400" y="152400"/>
+            <a:ext cx="18288000" cy="457200"/>
+          </a:xfrm>
+          <a:prstGeom prst="rect">
+            <a:avLst/>
+          </a:prstGeom>
+          <a:noFill/>
+          <a:ln>
+            <a:noFill/>
+          </a:ln>
+          <a:effectLst/>
+          <a:extLst>
+            <a:ext uri="{909E8E84-426E-40DD-AFC4-6F175D3DCCD1}">
+              <a14:hiddenFill xmlns:a14="http://schemas.microsoft.com/office/drawing/2010/main">
+                <a:solidFill>
+                  <a:schemeClr val="accent1"/>
+                </a:solidFill>
+              </a14:hiddenFill>
+            </a:ext>
+            <a:ext uri="{91240B29-F687-4F45-9708-019B960494DF}">
+              <a14:hiddenLine xmlns:a14="http://schemas.microsoft.com/office/drawing/2010/main" w="9525">
+                <a:solidFill>
+                  <a:schemeClr val="tx1"/>
+                </a:solidFill>
+                <a:miter lim="800000"/>
+                <a:headEnd/>
+                <a:tailEnd/>
+              </a14:hiddenLine>
+            </a:ext>
+            <a:ext uri="{AF507438-7753-43E0-B8FC-AC1667EBCBE1}">
+              <a14:hiddenEffects xmlns:a14="http://schemas.microsoft.com/office/drawing/2010/main">
+                <a:effectLst>
+                  <a:outerShdw dist="35921" dir="2700000" algn="ctr" rotWithShape="0">
+                    <a:schemeClr val="bg2"/>
+                  </a:outerShdw>
+                </a:effectLst>
+              </a14:hiddenEffects>
+            </a:ext>
+          </a:extLst>
+        </p:spPr>
+        <p:txBody>
+          <a:bodyPr vert="horz" wrap="none" lIns="91440" tIns="45720" rIns="91440" bIns="45720" numCol="1" anchor="ctr" anchorCtr="0" compatLnSpc="1">
+            <a:prstTxWarp prst="textNoShape">
+              <a:avLst/>
+            </a:prstTxWarp>
+            <a:spAutoFit/>
+          </a:bodyPr>
+          <a:lstStyle/>
+          <a:p>
+            <a:pPr marL="0" marR="0" lvl="0" indent="0" algn="l" defTabSz="914400" rtl="0" eaLnBrk="0" fontAlgn="base" latinLnBrk="0" hangingPunct="0">
+              <a:lnSpc>
+                <a:spcPct val="100000"/>
+              </a:lnSpc>
+              <a:spcBef>
+                <a:spcPct val="0"/>
+              </a:spcBef>
+              <a:spcAft>
+                <a:spcPct val="0"/>
+              </a:spcAft>
+              <a:buClrTx/>
+              <a:buSzTx/>
+              <a:buFontTx/>
+              <a:buNone/>
+              <a:tabLst/>
+            </a:pPr>
+            <a:r>
+              <a:rPr kumimoji="0" lang="en-US" altLang="en-US" sz="900" b="0" i="0" u="none" strike="noStrike" cap="none" normalizeH="0" baseline="0">
+                <a:ln>
+                  <a:noFill/>
+                </a:ln>
+                <a:solidFill>
+                  <a:srgbClr val="212121"/>
+                </a:solidFill>
+                <a:effectLst/>
+                <a:latin typeface="Arial Unicode MS"/>
+              </a:rPr>
+              <a:t>34932.0</a:t>
+            </a:r>
+            <a:r>
+              <a:rPr kumimoji="0" lang="en-US" altLang="en-US" sz="1200" b="0" i="0" u="none" strike="noStrike" cap="none" normalizeH="0" baseline="0">
+                <a:ln>
+                  <a:noFill/>
+                </a:ln>
+                <a:solidFill>
+                  <a:schemeClr val="tx1"/>
+                </a:solidFill>
+                <a:effectLst/>
+              </a:rPr>
+              <a:t> </a:t>
+            </a:r>
+            <a:endParaRPr kumimoji="0" lang="en-US" altLang="en-US" sz="1800" b="0" i="0" u="none" strike="noStrike" cap="none" normalizeH="0" baseline="0">
+              <a:ln>
+                <a:noFill/>
+              </a:ln>
+              <a:solidFill>
+                <a:schemeClr val="tx1"/>
+              </a:solidFill>
+              <a:effectLst/>
+              <a:latin typeface="Arial" panose="020B0604020202020204" pitchFamily="34" charset="0"/>
+            </a:endParaRPr>
+          </a:p>
+        </p:txBody>
+      </p:sp>
+      <p:sp>
+        <p:nvSpPr>
+          <p:cNvPr id="36" name="TextBox 35">
+            <a:extLst>
+              <a:ext uri="{FF2B5EF4-FFF2-40B4-BE49-F238E27FC236}">
+                <a16:creationId xmlns:a16="http://schemas.microsoft.com/office/drawing/2014/main" id="{2092F463-963D-A272-9419-9D404D955CF7}"/>
+              </a:ext>
+            </a:extLst>
+          </p:cNvPr>
+          <p:cNvSpPr txBox="1"/>
+          <p:nvPr/>
+        </p:nvSpPr>
+        <p:spPr>
+          <a:xfrm>
+            <a:off x="13781313" y="8648700"/>
+            <a:ext cx="4655675" cy="769441"/>
+          </a:xfrm>
+          <a:prstGeom prst="rect">
+            <a:avLst/>
+          </a:prstGeom>
+          <a:noFill/>
+        </p:spPr>
+        <p:txBody>
+          <a:bodyPr wrap="square" rtlCol="0">
+            <a:spAutoFit/>
+          </a:bodyPr>
+          <a:lstStyle/>
+          <a:p>
+            <a:r>
+              <a:rPr lang="en-PH" sz="4400" b="1" i="0" dirty="0" err="1">
+                <a:solidFill>
+                  <a:srgbClr val="202124"/>
+                </a:solidFill>
+                <a:effectLst/>
+                <a:latin typeface="Century Gothic" panose="020B0502020202020204" pitchFamily="34" charset="0"/>
+              </a:rPr>
+              <a:t>Barugo</a:t>
+            </a:r>
+            <a:r>
+              <a:rPr lang="en-PH" sz="4400" b="1" dirty="0">
+                <a:solidFill>
+                  <a:srgbClr val="202124"/>
+                </a:solidFill>
+                <a:latin typeface="Century Gothic" panose="020B0502020202020204" pitchFamily="34" charset="0"/>
+              </a:rPr>
+              <a:t>, Leyte</a:t>
+            </a:r>
+            <a:endParaRPr lang="en-PH" sz="4400" b="1" dirty="0">
+              <a:latin typeface="Century Gothic" panose="020B0502020202020204" pitchFamily="34" charset="0"/>
+            </a:endParaRPr>
+          </a:p>
+        </p:txBody>
+      </p:sp>
+      <p:sp>
+        <p:nvSpPr>
+          <p:cNvPr id="37" name="TextBox 36">
+            <a:extLst>
+              <a:ext uri="{FF2B5EF4-FFF2-40B4-BE49-F238E27FC236}">
+                <a16:creationId xmlns:a16="http://schemas.microsoft.com/office/drawing/2014/main" id="{F1F6FACD-3E63-1F50-CE8D-B842760440D6}"/>
+              </a:ext>
+            </a:extLst>
+          </p:cNvPr>
+          <p:cNvSpPr txBox="1"/>
+          <p:nvPr/>
+        </p:nvSpPr>
+        <p:spPr>
+          <a:xfrm>
+            <a:off x="13622572" y="9334500"/>
+            <a:ext cx="4107036" cy="400110"/>
+          </a:xfrm>
+          <a:prstGeom prst="rect">
+            <a:avLst/>
+          </a:prstGeom>
+          <a:noFill/>
+        </p:spPr>
+        <p:txBody>
+          <a:bodyPr wrap="square" rtlCol="0">
+            <a:spAutoFit/>
+          </a:bodyPr>
+          <a:lstStyle/>
+          <a:p>
+            <a:pPr algn="ctr"/>
+            <a:r>
+              <a:rPr lang="en-US" sz="2000" b="1" dirty="0">
+                <a:solidFill>
+                  <a:srgbClr val="202124"/>
+                </a:solidFill>
+                <a:latin typeface="Century Gothic" panose="020B0502020202020204" pitchFamily="34" charset="0"/>
+              </a:rPr>
+              <a:t>Most affected Municipality </a:t>
+            </a:r>
+            <a:endParaRPr lang="en-PH" sz="2000" b="1" dirty="0">
+              <a:latin typeface="Century Gothic" panose="020B0502020202020204" pitchFamily="34" charset="0"/>
+            </a:endParaRPr>
+          </a:p>
+        </p:txBody>
+      </p:sp>
+      <p:pic>
+        <p:nvPicPr>
+          <p:cNvPr id="11" name="Picture 10">
+            <a:extLst>
+              <a:ext uri="{FF2B5EF4-FFF2-40B4-BE49-F238E27FC236}">
+                <a16:creationId xmlns:a16="http://schemas.microsoft.com/office/drawing/2014/main" id="{39B97426-D1E5-2C8F-49DB-C4434320F99E}"/>
+              </a:ext>
+            </a:extLst>
+          </p:cNvPr>
+          <p:cNvPicPr>
+            <a:picLocks noChangeAspect="1"/>
+          </p:cNvPicPr>
+          <p:nvPr/>
+        </p:nvPicPr>
+        <p:blipFill>
+          <a:blip r:embed="rId4" cstate="print">
+            <a:extLst>
+              <a:ext uri="{28A0092B-C50C-407E-A947-70E740481C1C}">
+                <a14:useLocalDpi xmlns:a14="http://schemas.microsoft.com/office/drawing/2010/main" val="0"/>
+              </a:ext>
+            </a:extLst>
+          </a:blip>
+          <a:stretch>
+            <a:fillRect/>
+          </a:stretch>
+        </p:blipFill>
+        <p:spPr>
+          <a:xfrm>
+            <a:off x="10396149" y="8471596"/>
+            <a:ext cx="1148950" cy="1148950"/>
+          </a:xfrm>
+          <a:prstGeom prst="rect">
+            <a:avLst/>
+          </a:prstGeom>
+        </p:spPr>
+      </p:pic>
+      <p:sp>
+        <p:nvSpPr>
+          <p:cNvPr id="38" name="TextBox 37">
+            <a:extLst>
+              <a:ext uri="{FF2B5EF4-FFF2-40B4-BE49-F238E27FC236}">
+                <a16:creationId xmlns:a16="http://schemas.microsoft.com/office/drawing/2014/main" id="{5F9C3854-6D43-E5D7-D426-38CD86FFEF5F}"/>
+              </a:ext>
+            </a:extLst>
+          </p:cNvPr>
+          <p:cNvSpPr txBox="1"/>
+          <p:nvPr/>
+        </p:nvSpPr>
+        <p:spPr>
+          <a:xfrm>
+            <a:off x="6151380" y="7810500"/>
+            <a:ext cx="1877893" cy="400110"/>
+          </a:xfrm>
+          <a:prstGeom prst="rect">
+            <a:avLst/>
+          </a:prstGeom>
+          <a:noFill/>
+        </p:spPr>
+        <p:txBody>
+          <a:bodyPr wrap="square" rtlCol="0">
+            <a:spAutoFit/>
+          </a:bodyPr>
+          <a:lstStyle/>
+          <a:p>
+            <a:r>
+              <a:rPr lang="en-PH" sz="2000" b="1" i="0" dirty="0" err="1">
+                <a:solidFill>
+                  <a:srgbClr val="202124"/>
+                </a:solidFill>
+                <a:effectLst/>
+                <a:latin typeface="Century Gothic" panose="020B0502020202020204" pitchFamily="34" charset="0"/>
+              </a:rPr>
+              <a:t>Barugo</a:t>
+            </a:r>
+            <a:r>
+              <a:rPr lang="en-PH" sz="2000" b="1" dirty="0">
+                <a:solidFill>
+                  <a:srgbClr val="202124"/>
+                </a:solidFill>
+                <a:latin typeface="Century Gothic" panose="020B0502020202020204" pitchFamily="34" charset="0"/>
+              </a:rPr>
+              <a:t>, Leyte</a:t>
+            </a:r>
+            <a:endParaRPr lang="en-PH" sz="2000" b="1" dirty="0">
+              <a:latin typeface="Century Gothic" panose="020B0502020202020204" pitchFamily="34" charset="0"/>
+            </a:endParaRPr>
+          </a:p>
+        </p:txBody>
+      </p:sp>
+    </p:spTree>
+    <p:extLst>
+      <p:ext uri="{BB962C8B-B14F-4D97-AF65-F5344CB8AC3E}">
+        <p14:creationId xmlns:p14="http://schemas.microsoft.com/office/powerpoint/2010/main" val="2525608694"/>
+      </p:ext>
+    </p:extLst>
+  </p:cSld>
+  <p:clrMapOvr>
+    <a:masterClrMapping/>
+  </p:clrMapOvr>
+</p:sld>
+</file>
+
+<file path=ppt/slides/slide11.xml><?xml version="1.0" encoding="utf-8"?>
+<p:sld xmlns:a="http://schemas.openxmlformats.org/drawingml/2006/main" xmlns:r="http://schemas.openxmlformats.org/officeDocument/2006/relationships" xmlns:p="http://schemas.openxmlformats.org/presentationml/2006/main">
+  <p:cSld>
+    <p:spTree>
+      <p:nvGrpSpPr>
+        <p:cNvPr id="1" name=""/>
+        <p:cNvGrpSpPr/>
+        <p:nvPr/>
+      </p:nvGrpSpPr>
+      <p:grpSpPr>
+        <a:xfrm>
+          <a:off x="0" y="0"/>
+          <a:ext cx="0" cy="0"/>
+          <a:chOff x="0" y="0"/>
+          <a:chExt cx="0" cy="0"/>
+        </a:xfrm>
+      </p:grpSpPr>
+      <p:sp>
+        <p:nvSpPr>
+          <p:cNvPr id="32" name="Rectangle 31"/>
+          <p:cNvSpPr/>
+          <p:nvPr/>
+        </p:nvSpPr>
+        <p:spPr>
+          <a:xfrm>
+            <a:off x="12096848" y="8343900"/>
+            <a:ext cx="5671748" cy="1752600"/>
+          </a:xfrm>
+          <a:prstGeom prst="rect">
+            <a:avLst/>
+          </a:prstGeom>
+          <a:ln w="38100"/>
+        </p:spPr>
+        <p:style>
+          <a:lnRef idx="2">
+            <a:schemeClr val="dk1"/>
+          </a:lnRef>
+          <a:fillRef idx="1">
+            <a:schemeClr val="lt1"/>
+          </a:fillRef>
+          <a:effectRef idx="0">
+            <a:schemeClr val="dk1"/>
+          </a:effectRef>
+          <a:fontRef idx="minor">
+            <a:schemeClr val="dk1"/>
+          </a:fontRef>
+        </p:style>
+        <p:txBody>
+          <a:bodyPr rtlCol="0" anchor="ctr"/>
+          <a:lstStyle/>
+          <a:p>
+            <a:pPr algn="ctr"/>
+            <a:endParaRPr lang="en-PH" dirty="0"/>
+          </a:p>
+        </p:txBody>
+      </p:sp>
+      <p:sp>
+        <p:nvSpPr>
+          <p:cNvPr id="4" name="Rectangle 3"/>
+          <p:cNvSpPr/>
+          <p:nvPr/>
+        </p:nvSpPr>
+        <p:spPr>
+          <a:xfrm>
+            <a:off x="6096000" y="8343900"/>
+            <a:ext cx="5671748" cy="1752600"/>
+          </a:xfrm>
+          <a:prstGeom prst="rect">
+            <a:avLst/>
+          </a:prstGeom>
+          <a:ln w="38100"/>
+        </p:spPr>
+        <p:style>
+          <a:lnRef idx="2">
+            <a:schemeClr val="dk1"/>
+          </a:lnRef>
+          <a:fillRef idx="1">
+            <a:schemeClr val="lt1"/>
+          </a:fillRef>
+          <a:effectRef idx="0">
+            <a:schemeClr val="dk1"/>
+          </a:effectRef>
+          <a:fontRef idx="minor">
+            <a:schemeClr val="dk1"/>
+          </a:fontRef>
+        </p:style>
+        <p:txBody>
+          <a:bodyPr rtlCol="0" anchor="ctr"/>
+          <a:lstStyle/>
+          <a:p>
+            <a:pPr algn="ctr"/>
+            <a:endParaRPr lang="en-PH" dirty="0"/>
+          </a:p>
+        </p:txBody>
+      </p:sp>
+      <p:sp>
+        <p:nvSpPr>
+          <p:cNvPr id="2" name="object 2"/>
+          <p:cNvSpPr/>
+          <p:nvPr/>
+        </p:nvSpPr>
+        <p:spPr>
+          <a:xfrm>
+            <a:off x="0" y="0"/>
+            <a:ext cx="5638800" cy="10287000"/>
+          </a:xfrm>
+          <a:custGeom>
+            <a:avLst/>
+            <a:gdLst/>
+            <a:ahLst/>
+            <a:cxnLst/>
+            <a:rect l="l" t="t" r="r" b="b"/>
+            <a:pathLst>
+              <a:path w="4810125" h="10287000">
+                <a:moveTo>
+                  <a:pt x="4810124" y="10286999"/>
+                </a:moveTo>
+                <a:lnTo>
+                  <a:pt x="0" y="10286999"/>
+                </a:lnTo>
+                <a:lnTo>
+                  <a:pt x="0" y="0"/>
+                </a:lnTo>
+                <a:lnTo>
+                  <a:pt x="4810124" y="0"/>
+                </a:lnTo>
+                <a:lnTo>
+                  <a:pt x="4810124" y="10286999"/>
+                </a:lnTo>
+                <a:close/>
+              </a:path>
+            </a:pathLst>
+          </a:custGeom>
+          <a:solidFill>
+            <a:srgbClr val="D5D5D5"/>
+          </a:solidFill>
+        </p:spPr>
+        <p:txBody>
+          <a:bodyPr wrap="square" lIns="0" tIns="0" rIns="0" bIns="0" rtlCol="0"/>
+          <a:lstStyle/>
+          <a:p>
+            <a:endParaRPr dirty="0"/>
+          </a:p>
+        </p:txBody>
+      </p:sp>
+      <p:grpSp>
+        <p:nvGrpSpPr>
+          <p:cNvPr id="17" name="object 17"/>
+          <p:cNvGrpSpPr/>
+          <p:nvPr/>
+        </p:nvGrpSpPr>
+        <p:grpSpPr>
+          <a:xfrm>
+            <a:off x="951690" y="1028700"/>
+            <a:ext cx="4175760" cy="9258300"/>
+            <a:chOff x="951690" y="1028700"/>
+            <a:chExt cx="4175760" cy="9258300"/>
+          </a:xfrm>
+        </p:grpSpPr>
+        <p:sp>
+          <p:nvSpPr>
+            <p:cNvPr id="18" name="object 18"/>
+            <p:cNvSpPr/>
+            <p:nvPr/>
+          </p:nvSpPr>
+          <p:spPr>
+            <a:xfrm>
+              <a:off x="4489132" y="8144128"/>
+              <a:ext cx="638175" cy="2143125"/>
+            </a:xfrm>
+            <a:custGeom>
+              <a:avLst/>
+              <a:gdLst/>
+              <a:ahLst/>
+              <a:cxnLst/>
+              <a:rect l="l" t="t" r="r" b="b"/>
+              <a:pathLst>
+                <a:path w="638175" h="2143125">
+                  <a:moveTo>
+                    <a:pt x="627545" y="2142871"/>
+                  </a:moveTo>
+                  <a:lnTo>
+                    <a:pt x="469595" y="1984133"/>
+                  </a:lnTo>
+                  <a:lnTo>
+                    <a:pt x="319087" y="1832864"/>
+                  </a:lnTo>
+                  <a:lnTo>
+                    <a:pt x="10642" y="2142871"/>
+                  </a:lnTo>
+                  <a:lnTo>
+                    <a:pt x="161137" y="2142871"/>
+                  </a:lnTo>
+                  <a:lnTo>
+                    <a:pt x="319087" y="1984133"/>
+                  </a:lnTo>
+                  <a:lnTo>
+                    <a:pt x="477037" y="2142871"/>
+                  </a:lnTo>
+                  <a:lnTo>
+                    <a:pt x="627545" y="2142871"/>
+                  </a:lnTo>
+                  <a:close/>
+                </a:path>
+                <a:path w="638175" h="2143125">
+                  <a:moveTo>
+                    <a:pt x="638175" y="1695348"/>
+                  </a:moveTo>
+                  <a:lnTo>
+                    <a:pt x="319087" y="1374648"/>
+                  </a:lnTo>
+                  <a:lnTo>
+                    <a:pt x="0" y="1695348"/>
+                  </a:lnTo>
+                  <a:lnTo>
+                    <a:pt x="75260" y="1770976"/>
+                  </a:lnTo>
+                  <a:lnTo>
+                    <a:pt x="319087" y="1525917"/>
+                  </a:lnTo>
+                  <a:lnTo>
+                    <a:pt x="562927" y="1770976"/>
+                  </a:lnTo>
+                  <a:lnTo>
+                    <a:pt x="638175" y="1695348"/>
+                  </a:lnTo>
+                  <a:close/>
+                </a:path>
+                <a:path w="638175" h="2143125">
+                  <a:moveTo>
+                    <a:pt x="638175" y="1237132"/>
+                  </a:moveTo>
+                  <a:lnTo>
+                    <a:pt x="319087" y="916432"/>
+                  </a:lnTo>
+                  <a:lnTo>
+                    <a:pt x="0" y="1237132"/>
+                  </a:lnTo>
+                  <a:lnTo>
+                    <a:pt x="75260" y="1312760"/>
+                  </a:lnTo>
+                  <a:lnTo>
+                    <a:pt x="319087" y="1067689"/>
+                  </a:lnTo>
+                  <a:lnTo>
+                    <a:pt x="562927" y="1312760"/>
+                  </a:lnTo>
+                  <a:lnTo>
+                    <a:pt x="638175" y="1237132"/>
+                  </a:lnTo>
+                  <a:close/>
+                </a:path>
+                <a:path w="638175" h="2143125">
+                  <a:moveTo>
+                    <a:pt x="638175" y="778916"/>
+                  </a:moveTo>
+                  <a:lnTo>
+                    <a:pt x="319087" y="458216"/>
+                  </a:lnTo>
+                  <a:lnTo>
+                    <a:pt x="0" y="778916"/>
+                  </a:lnTo>
+                  <a:lnTo>
+                    <a:pt x="75260" y="854544"/>
+                  </a:lnTo>
+                  <a:lnTo>
+                    <a:pt x="319087" y="609485"/>
+                  </a:lnTo>
+                  <a:lnTo>
+                    <a:pt x="562927" y="854544"/>
+                  </a:lnTo>
+                  <a:lnTo>
+                    <a:pt x="638175" y="778916"/>
+                  </a:lnTo>
+                  <a:close/>
+                </a:path>
+                <a:path w="638175" h="2143125">
+                  <a:moveTo>
+                    <a:pt x="638175" y="320700"/>
+                  </a:moveTo>
+                  <a:lnTo>
+                    <a:pt x="319087" y="0"/>
+                  </a:lnTo>
+                  <a:lnTo>
+                    <a:pt x="0" y="320700"/>
+                  </a:lnTo>
+                  <a:lnTo>
+                    <a:pt x="75260" y="396328"/>
+                  </a:lnTo>
+                  <a:lnTo>
+                    <a:pt x="319087" y="151269"/>
+                  </a:lnTo>
+                  <a:lnTo>
+                    <a:pt x="562927" y="396328"/>
+                  </a:lnTo>
+                  <a:lnTo>
+                    <a:pt x="638175" y="320700"/>
+                  </a:lnTo>
+                  <a:close/>
+                </a:path>
+              </a:pathLst>
+            </a:custGeom>
+            <a:solidFill>
+              <a:schemeClr val="bg1"/>
+            </a:solidFill>
+          </p:spPr>
+          <p:txBody>
+            <a:bodyPr wrap="square" lIns="0" tIns="0" rIns="0" bIns="0" rtlCol="0"/>
+            <a:lstStyle/>
+            <a:p>
+              <a:endParaRPr dirty="0"/>
+            </a:p>
+          </p:txBody>
+        </p:sp>
+        <p:sp>
+          <p:nvSpPr>
+            <p:cNvPr id="19" name="object 19"/>
+            <p:cNvSpPr/>
+            <p:nvPr/>
+          </p:nvSpPr>
+          <p:spPr>
+            <a:xfrm>
+              <a:off x="951687" y="1028712"/>
+              <a:ext cx="466090" cy="304800"/>
+            </a:xfrm>
+            <a:custGeom>
+              <a:avLst/>
+              <a:gdLst/>
+              <a:ahLst/>
+              <a:cxnLst/>
+              <a:rect l="l" t="t" r="r" b="b"/>
+              <a:pathLst>
+                <a:path w="466090" h="304800">
+                  <a:moveTo>
+                    <a:pt x="465823" y="254000"/>
+                  </a:moveTo>
+                  <a:lnTo>
+                    <a:pt x="0" y="254000"/>
+                  </a:lnTo>
+                  <a:lnTo>
+                    <a:pt x="0" y="304800"/>
+                  </a:lnTo>
+                  <a:lnTo>
+                    <a:pt x="465823" y="304800"/>
+                  </a:lnTo>
+                  <a:lnTo>
+                    <a:pt x="465823" y="254000"/>
+                  </a:lnTo>
+                  <a:close/>
+                </a:path>
+                <a:path w="466090" h="304800">
+                  <a:moveTo>
+                    <a:pt x="465823" y="127000"/>
+                  </a:moveTo>
+                  <a:lnTo>
+                    <a:pt x="0" y="127000"/>
+                  </a:lnTo>
+                  <a:lnTo>
+                    <a:pt x="0" y="177800"/>
+                  </a:lnTo>
+                  <a:lnTo>
+                    <a:pt x="465823" y="177800"/>
+                  </a:lnTo>
+                  <a:lnTo>
+                    <a:pt x="465823" y="127000"/>
+                  </a:lnTo>
+                  <a:close/>
+                </a:path>
+                <a:path w="466090" h="304800">
+                  <a:moveTo>
+                    <a:pt x="465823" y="0"/>
+                  </a:moveTo>
+                  <a:lnTo>
+                    <a:pt x="0" y="0"/>
+                  </a:lnTo>
+                  <a:lnTo>
+                    <a:pt x="0" y="50800"/>
+                  </a:lnTo>
+                  <a:lnTo>
+                    <a:pt x="465823" y="50800"/>
+                  </a:lnTo>
+                  <a:lnTo>
+                    <a:pt x="465823" y="0"/>
+                  </a:lnTo>
+                  <a:close/>
+                </a:path>
+              </a:pathLst>
+            </a:custGeom>
+            <a:solidFill>
+              <a:srgbClr val="FFFFFF"/>
+            </a:solidFill>
+          </p:spPr>
+          <p:txBody>
+            <a:bodyPr wrap="square" lIns="0" tIns="0" rIns="0" bIns="0" rtlCol="0"/>
+            <a:lstStyle/>
+            <a:p>
+              <a:endParaRPr/>
+            </a:p>
+          </p:txBody>
+        </p:sp>
+      </p:grpSp>
+      <p:sp>
+        <p:nvSpPr>
+          <p:cNvPr id="23" name="object 17"/>
+          <p:cNvSpPr txBox="1"/>
+          <p:nvPr/>
+        </p:nvSpPr>
+        <p:spPr>
+          <a:xfrm rot="5400000">
+            <a:off x="2537575" y="-314474"/>
+            <a:ext cx="923330" cy="5279120"/>
+          </a:xfrm>
+          <a:prstGeom prst="rect">
+            <a:avLst/>
+          </a:prstGeom>
+        </p:spPr>
+        <p:txBody>
+          <a:bodyPr vert="vert270" wrap="square" lIns="0" tIns="16510" rIns="0" bIns="0" rtlCol="0">
+            <a:spAutoFit/>
+          </a:bodyPr>
+          <a:lstStyle/>
+          <a:p>
+            <a:pPr marL="12700">
+              <a:lnSpc>
+                <a:spcPct val="100000"/>
+              </a:lnSpc>
+              <a:spcBef>
+                <a:spcPts val="130"/>
+              </a:spcBef>
+            </a:pPr>
+            <a:r>
+              <a:rPr lang="en-PH" sz="6000" b="1" spc="-70" dirty="0">
+                <a:solidFill>
+                  <a:schemeClr val="accent4">
+                    <a:lumMod val="50000"/>
+                  </a:schemeClr>
+                </a:solidFill>
+                <a:latin typeface="Tahoma" panose="020B0604030504040204"/>
+                <a:cs typeface="Tahoma" panose="020B0604030504040204"/>
+              </a:rPr>
+              <a:t>OBJECTIVES</a:t>
+            </a:r>
+            <a:endParaRPr sz="6000" dirty="0">
+              <a:solidFill>
+                <a:schemeClr val="accent4">
+                  <a:lumMod val="50000"/>
+                </a:schemeClr>
+              </a:solidFill>
+              <a:latin typeface="Tahoma" panose="020B0604030504040204"/>
+              <a:cs typeface="Tahoma" panose="020B0604030504040204"/>
+            </a:endParaRPr>
+          </a:p>
+        </p:txBody>
+      </p:sp>
+      <p:sp>
+        <p:nvSpPr>
+          <p:cNvPr id="24" name="Rectangle 23"/>
+          <p:cNvSpPr/>
+          <p:nvPr/>
+        </p:nvSpPr>
+        <p:spPr>
+          <a:xfrm>
+            <a:off x="228600" y="3196933"/>
+            <a:ext cx="5029200" cy="727368"/>
+          </a:xfrm>
+          <a:prstGeom prst="rect">
+            <a:avLst/>
+          </a:prstGeom>
+          <a:ln w="57150"/>
+        </p:spPr>
+        <p:style>
+          <a:lnRef idx="2">
+            <a:schemeClr val="dk1"/>
+          </a:lnRef>
+          <a:fillRef idx="1">
+            <a:schemeClr val="lt1"/>
+          </a:fillRef>
+          <a:effectRef idx="0">
+            <a:schemeClr val="dk1"/>
+          </a:effectRef>
+          <a:fontRef idx="minor">
+            <a:schemeClr val="dk1"/>
+          </a:fontRef>
+        </p:style>
+        <p:txBody>
+          <a:bodyPr rtlCol="0" anchor="ctr"/>
+          <a:lstStyle/>
+          <a:p>
+            <a:pPr marL="0" marR="0" algn="ctr">
+              <a:spcBef>
+                <a:spcPts val="0"/>
+              </a:spcBef>
+              <a:spcAft>
+                <a:spcPts val="0"/>
+              </a:spcAft>
+            </a:pPr>
+            <a:r>
+              <a:rPr lang="en-US" sz="2000" u="sng" dirty="0">
+                <a:effectLst/>
+                <a:latin typeface="Times New Roman" panose="02020603050405020304" pitchFamily="18" charset="0"/>
+                <a:ea typeface="Times New Roman" panose="02020603050405020304" pitchFamily="18" charset="0"/>
+              </a:rPr>
+              <a:t>Humanitarian Data Exchange Data set about Philippines (2019)</a:t>
+            </a:r>
+            <a:endParaRPr lang="en-US" sz="2000" dirty="0">
+              <a:effectLst/>
+              <a:latin typeface="Calibri" panose="020F0502020204030204" pitchFamily="34" charset="0"/>
+              <a:ea typeface="Calibri" panose="020F0502020204030204" pitchFamily="34" charset="0"/>
+            </a:endParaRPr>
+          </a:p>
+        </p:txBody>
+      </p:sp>
+      <p:sp>
+        <p:nvSpPr>
+          <p:cNvPr id="25" name="Rectangle 24"/>
+          <p:cNvSpPr/>
+          <p:nvPr/>
+        </p:nvSpPr>
+        <p:spPr>
+          <a:xfrm>
+            <a:off x="264000" y="5581246"/>
+            <a:ext cx="4993800" cy="992209"/>
+          </a:xfrm>
+          <a:prstGeom prst="rect">
+            <a:avLst/>
+          </a:prstGeom>
+        </p:spPr>
+        <p:style>
+          <a:lnRef idx="2">
+            <a:schemeClr val="dk1"/>
+          </a:lnRef>
+          <a:fillRef idx="1">
+            <a:schemeClr val="lt1"/>
+          </a:fillRef>
+          <a:effectRef idx="0">
+            <a:schemeClr val="dk1"/>
+          </a:effectRef>
+          <a:fontRef idx="minor">
+            <a:schemeClr val="dk1"/>
+          </a:fontRef>
+        </p:style>
+        <p:txBody>
+          <a:bodyPr rtlCol="0" anchor="ctr"/>
+          <a:lstStyle/>
+          <a:p>
+            <a:pPr marL="0" marR="0" algn="ctr">
+              <a:spcBef>
+                <a:spcPts val="0"/>
+              </a:spcBef>
+              <a:spcAft>
+                <a:spcPts val="0"/>
+              </a:spcAft>
+            </a:pPr>
+            <a:r>
+              <a:rPr lang="en-US" sz="1800" u="sng" dirty="0">
+                <a:effectLst/>
+                <a:latin typeface="Times New Roman" panose="02020603050405020304" pitchFamily="18" charset="0"/>
+                <a:ea typeface="Times New Roman" panose="02020603050405020304" pitchFamily="18" charset="0"/>
+              </a:rPr>
+              <a:t>The Centre for Research on the Epidemiology of Disasters' Data set about the American Typhoons (2000-2022)</a:t>
+            </a:r>
+            <a:endParaRPr lang="en-US" sz="1800" u="sng" dirty="0">
+              <a:effectLst/>
+              <a:latin typeface="Calibri" panose="020F0502020204030204" pitchFamily="34" charset="0"/>
+              <a:ea typeface="Calibri" panose="020F0502020204030204" pitchFamily="34" charset="0"/>
+            </a:endParaRPr>
+          </a:p>
+        </p:txBody>
+      </p:sp>
+      <p:sp>
+        <p:nvSpPr>
+          <p:cNvPr id="16" name="Rectangle 15"/>
+          <p:cNvSpPr/>
+          <p:nvPr/>
+        </p:nvSpPr>
+        <p:spPr>
+          <a:xfrm>
+            <a:off x="951687" y="4156615"/>
+            <a:ext cx="4270713" cy="312196"/>
+          </a:xfrm>
+          <a:prstGeom prst="rect">
+            <a:avLst/>
+          </a:prstGeom>
+          <a:ln w="28575"/>
+        </p:spPr>
+        <p:style>
+          <a:lnRef idx="2">
+            <a:schemeClr val="dk1"/>
+          </a:lnRef>
+          <a:fillRef idx="1">
+            <a:schemeClr val="lt1"/>
+          </a:fillRef>
+          <a:effectRef idx="0">
+            <a:schemeClr val="dk1"/>
+          </a:effectRef>
+          <a:fontRef idx="minor">
+            <a:schemeClr val="dk1"/>
+          </a:fontRef>
+        </p:style>
+        <p:txBody>
+          <a:bodyPr rtlCol="0" anchor="ctr"/>
+          <a:lstStyle/>
+          <a:p>
+            <a:pPr algn="ctr"/>
+            <a:r>
+              <a:rPr lang="en-US" dirty="0"/>
+              <a:t>Objective 1</a:t>
+            </a:r>
+          </a:p>
+        </p:txBody>
+      </p:sp>
+      <p:sp>
+        <p:nvSpPr>
+          <p:cNvPr id="3" name="Arrow: Chevron 2"/>
+          <p:cNvSpPr/>
+          <p:nvPr/>
+        </p:nvSpPr>
+        <p:spPr>
+          <a:xfrm>
+            <a:off x="712065" y="4226713"/>
+            <a:ext cx="160088" cy="190810"/>
+          </a:xfrm>
+          <a:prstGeom prst="chevron">
+            <a:avLst/>
+          </a:prstGeom>
+          <a:ln w="28575"/>
+        </p:spPr>
+        <p:style>
+          <a:lnRef idx="2">
+            <a:schemeClr val="dk1"/>
+          </a:lnRef>
+          <a:fillRef idx="1">
+            <a:schemeClr val="lt1"/>
+          </a:fillRef>
+          <a:effectRef idx="0">
+            <a:schemeClr val="dk1"/>
+          </a:effectRef>
+          <a:fontRef idx="minor">
+            <a:schemeClr val="dk1"/>
+          </a:fontRef>
+        </p:style>
+        <p:txBody>
+          <a:bodyPr rtlCol="0" anchor="ctr"/>
+          <a:lstStyle/>
+          <a:p>
+            <a:pPr algn="ctr"/>
+            <a:endParaRPr lang="en-US" b="1" dirty="0">
+              <a:solidFill>
+                <a:schemeClr val="tx1"/>
+              </a:solidFill>
+            </a:endParaRPr>
+          </a:p>
+        </p:txBody>
+      </p:sp>
+      <p:sp>
+        <p:nvSpPr>
+          <p:cNvPr id="28" name="Rectangle 27"/>
+          <p:cNvSpPr/>
+          <p:nvPr/>
+        </p:nvSpPr>
+        <p:spPr>
+          <a:xfrm>
+            <a:off x="951687" y="4561572"/>
+            <a:ext cx="4270713" cy="312196"/>
+          </a:xfrm>
+          <a:prstGeom prst="rect">
+            <a:avLst/>
+          </a:prstGeom>
+          <a:ln w="57150"/>
+        </p:spPr>
+        <p:style>
+          <a:lnRef idx="2">
+            <a:schemeClr val="dk1"/>
+          </a:lnRef>
+          <a:fillRef idx="1">
+            <a:schemeClr val="lt1"/>
+          </a:fillRef>
+          <a:effectRef idx="0">
+            <a:schemeClr val="dk1"/>
+          </a:effectRef>
+          <a:fontRef idx="minor">
+            <a:schemeClr val="dk1"/>
+          </a:fontRef>
+        </p:style>
+        <p:txBody>
+          <a:bodyPr rtlCol="0" anchor="ctr"/>
+          <a:lstStyle/>
+          <a:p>
+            <a:pPr algn="ctr"/>
+            <a:r>
+              <a:rPr lang="en-US" dirty="0"/>
+              <a:t>Objective 2</a:t>
+            </a:r>
+          </a:p>
+        </p:txBody>
+      </p:sp>
+      <p:sp>
+        <p:nvSpPr>
+          <p:cNvPr id="29" name="Rectangle 28"/>
+          <p:cNvSpPr/>
+          <p:nvPr/>
+        </p:nvSpPr>
+        <p:spPr>
+          <a:xfrm>
+            <a:off x="961189" y="4960823"/>
+            <a:ext cx="4270713" cy="312196"/>
+          </a:xfrm>
+          <a:prstGeom prst="rect">
+            <a:avLst/>
+          </a:prstGeom>
+        </p:spPr>
+        <p:style>
+          <a:lnRef idx="2">
+            <a:schemeClr val="dk1"/>
+          </a:lnRef>
+          <a:fillRef idx="1">
+            <a:schemeClr val="lt1"/>
+          </a:fillRef>
+          <a:effectRef idx="0">
+            <a:schemeClr val="dk1"/>
+          </a:effectRef>
+          <a:fontRef idx="minor">
+            <a:schemeClr val="dk1"/>
+          </a:fontRef>
+        </p:style>
+        <p:txBody>
+          <a:bodyPr rtlCol="0" anchor="ctr"/>
+          <a:lstStyle/>
+          <a:p>
+            <a:pPr algn="ctr"/>
+            <a:r>
+              <a:rPr lang="en-US" dirty="0"/>
+              <a:t>Objective 3</a:t>
+            </a:r>
+          </a:p>
+        </p:txBody>
+      </p:sp>
+      <p:sp>
+        <p:nvSpPr>
+          <p:cNvPr id="30" name="Arrow: Chevron 29"/>
+          <p:cNvSpPr/>
+          <p:nvPr/>
+        </p:nvSpPr>
+        <p:spPr>
+          <a:xfrm>
+            <a:off x="712065" y="4622265"/>
+            <a:ext cx="160088" cy="190810"/>
+          </a:xfrm>
+          <a:prstGeom prst="chevron">
+            <a:avLst/>
+          </a:prstGeom>
+          <a:ln w="57150"/>
+        </p:spPr>
+        <p:style>
+          <a:lnRef idx="2">
+            <a:schemeClr val="dk1"/>
+          </a:lnRef>
+          <a:fillRef idx="1">
+            <a:schemeClr val="lt1"/>
+          </a:fillRef>
+          <a:effectRef idx="0">
+            <a:schemeClr val="dk1"/>
+          </a:effectRef>
+          <a:fontRef idx="minor">
+            <a:schemeClr val="dk1"/>
+          </a:fontRef>
+        </p:style>
+        <p:txBody>
+          <a:bodyPr rtlCol="0" anchor="ctr"/>
+          <a:lstStyle/>
+          <a:p>
+            <a:pPr algn="ctr"/>
+            <a:endParaRPr lang="en-US">
+              <a:solidFill>
+                <a:schemeClr val="tx1"/>
+              </a:solidFill>
+            </a:endParaRPr>
+          </a:p>
+        </p:txBody>
+      </p:sp>
+      <p:sp>
+        <p:nvSpPr>
+          <p:cNvPr id="31" name="Arrow: Chevron 30"/>
+          <p:cNvSpPr/>
+          <p:nvPr/>
+        </p:nvSpPr>
+        <p:spPr>
+          <a:xfrm>
+            <a:off x="712065" y="5006448"/>
+            <a:ext cx="160088" cy="190810"/>
+          </a:xfrm>
+          <a:prstGeom prst="chevron">
+            <a:avLst/>
+          </a:prstGeom>
+        </p:spPr>
+        <p:style>
+          <a:lnRef idx="2">
+            <a:schemeClr val="dk1"/>
+          </a:lnRef>
+          <a:fillRef idx="1">
+            <a:schemeClr val="lt1"/>
+          </a:fillRef>
+          <a:effectRef idx="0">
+            <a:schemeClr val="dk1"/>
+          </a:effectRef>
+          <a:fontRef idx="minor">
+            <a:schemeClr val="dk1"/>
+          </a:fontRef>
+        </p:style>
+        <p:txBody>
+          <a:bodyPr rtlCol="0" anchor="ctr"/>
+          <a:lstStyle/>
+          <a:p>
+            <a:pPr algn="ctr"/>
+            <a:endParaRPr lang="en-US">
+              <a:solidFill>
+                <a:schemeClr val="tx1"/>
+              </a:solidFill>
+            </a:endParaRPr>
+          </a:p>
+        </p:txBody>
+      </p:sp>
+      <p:sp>
+        <p:nvSpPr>
+          <p:cNvPr id="22" name="TextBox 21">
+            <a:extLst>
+              <a:ext uri="{FF2B5EF4-FFF2-40B4-BE49-F238E27FC236}">
+                <a16:creationId xmlns:a16="http://schemas.microsoft.com/office/drawing/2014/main" id="{A7BF7A17-FD23-38D3-68C6-9AA878036510}"/>
+              </a:ext>
+            </a:extLst>
+          </p:cNvPr>
+          <p:cNvSpPr txBox="1"/>
+          <p:nvPr/>
+        </p:nvSpPr>
+        <p:spPr>
+          <a:xfrm>
+            <a:off x="6172200" y="8431768"/>
+            <a:ext cx="1129937" cy="369332"/>
+          </a:xfrm>
+          <a:prstGeom prst="rect">
+            <a:avLst/>
+          </a:prstGeom>
+          <a:noFill/>
+        </p:spPr>
+        <p:txBody>
+          <a:bodyPr wrap="square" rtlCol="0">
+            <a:spAutoFit/>
+          </a:bodyPr>
+          <a:lstStyle/>
+          <a:p>
+            <a:r>
+              <a:rPr lang="en-US" b="1" dirty="0">
+                <a:latin typeface="Century Gothic" panose="020B0502020202020204" pitchFamily="34" charset="0"/>
+                <a:cs typeface="Times New Roman" panose="02020603050405020304" pitchFamily="18" charset="0"/>
+              </a:rPr>
+              <a:t>LEYTE</a:t>
+            </a:r>
+            <a:endParaRPr lang="en-PH" b="1" dirty="0">
+              <a:latin typeface="Century Gothic" panose="020B0502020202020204" pitchFamily="34" charset="0"/>
+              <a:cs typeface="Times New Roman" panose="02020603050405020304" pitchFamily="18" charset="0"/>
+            </a:endParaRPr>
+          </a:p>
+        </p:txBody>
+      </p:sp>
+      <p:sp>
+        <p:nvSpPr>
+          <p:cNvPr id="27" name="TextBox 26">
+            <a:extLst>
+              <a:ext uri="{FF2B5EF4-FFF2-40B4-BE49-F238E27FC236}">
+                <a16:creationId xmlns:a16="http://schemas.microsoft.com/office/drawing/2014/main" id="{6433253D-0A9D-CD0F-A819-6B34060EB65D}"/>
+              </a:ext>
+            </a:extLst>
+          </p:cNvPr>
+          <p:cNvSpPr txBox="1"/>
+          <p:nvPr/>
+        </p:nvSpPr>
+        <p:spPr>
+          <a:xfrm>
+            <a:off x="6934200" y="8865632"/>
+            <a:ext cx="3879532" cy="830997"/>
+          </a:xfrm>
+          <a:prstGeom prst="rect">
+            <a:avLst/>
+          </a:prstGeom>
+          <a:noFill/>
+        </p:spPr>
+        <p:txBody>
+          <a:bodyPr wrap="square" rtlCol="0">
+            <a:spAutoFit/>
+          </a:bodyPr>
+          <a:lstStyle/>
+          <a:p>
+            <a:r>
+              <a:rPr lang="en-PH" sz="4800" b="1" i="0" dirty="0">
+                <a:solidFill>
+                  <a:srgbClr val="202124"/>
+                </a:solidFill>
+                <a:effectLst/>
+                <a:latin typeface="Century Gothic" panose="020B0502020202020204" pitchFamily="34" charset="0"/>
+              </a:rPr>
+              <a:t>772162.0</a:t>
+            </a:r>
+            <a:endParaRPr lang="en-PH" sz="4800" b="1" dirty="0">
+              <a:latin typeface="Century Gothic" panose="020B0502020202020204" pitchFamily="34" charset="0"/>
+              <a:cs typeface="Times New Roman" panose="02020603050405020304" pitchFamily="18" charset="0"/>
+            </a:endParaRPr>
+          </a:p>
+        </p:txBody>
+      </p:sp>
+      <p:sp>
+        <p:nvSpPr>
+          <p:cNvPr id="33" name="TextBox 32">
+            <a:extLst>
+              <a:ext uri="{FF2B5EF4-FFF2-40B4-BE49-F238E27FC236}">
+                <a16:creationId xmlns:a16="http://schemas.microsoft.com/office/drawing/2014/main" id="{57B9DDA5-A36B-2A50-11D1-9E39B85F54A2}"/>
+              </a:ext>
+            </a:extLst>
+          </p:cNvPr>
+          <p:cNvSpPr txBox="1"/>
+          <p:nvPr/>
+        </p:nvSpPr>
+        <p:spPr>
+          <a:xfrm>
+            <a:off x="6781800" y="9521328"/>
+            <a:ext cx="2884469" cy="323165"/>
+          </a:xfrm>
+          <a:prstGeom prst="rect">
+            <a:avLst/>
+          </a:prstGeom>
+          <a:noFill/>
+        </p:spPr>
+        <p:txBody>
+          <a:bodyPr wrap="square" rtlCol="0">
+            <a:spAutoFit/>
+          </a:bodyPr>
+          <a:lstStyle/>
+          <a:p>
+            <a:pPr algn="ctr"/>
+            <a:r>
+              <a:rPr lang="en-US" sz="1500" b="1" dirty="0">
+                <a:latin typeface="Century Gothic" panose="020B0502020202020204" pitchFamily="34" charset="0"/>
+                <a:cs typeface="Times New Roman" panose="02020603050405020304" pitchFamily="18" charset="0"/>
+              </a:rPr>
+              <a:t>AFFECTED INDIVIDUALS</a:t>
+            </a:r>
+            <a:endParaRPr lang="en-PH" sz="1500" b="1" dirty="0">
+              <a:latin typeface="Century Gothic" panose="020B0502020202020204" pitchFamily="34" charset="0"/>
+              <a:cs typeface="Times New Roman" panose="02020603050405020304" pitchFamily="18" charset="0"/>
+            </a:endParaRPr>
+          </a:p>
+        </p:txBody>
+      </p:sp>
+      <p:pic>
+        <p:nvPicPr>
+          <p:cNvPr id="34" name="Picture 33">
+            <a:extLst>
+              <a:ext uri="{FF2B5EF4-FFF2-40B4-BE49-F238E27FC236}">
+                <a16:creationId xmlns:a16="http://schemas.microsoft.com/office/drawing/2014/main" id="{B1976F6A-5BEA-7912-2852-8153E1C7EDF9}"/>
+              </a:ext>
+            </a:extLst>
+          </p:cNvPr>
+          <p:cNvPicPr>
+            <a:picLocks noChangeAspect="1"/>
+          </p:cNvPicPr>
+          <p:nvPr/>
+        </p:nvPicPr>
+        <p:blipFill>
+          <a:blip r:embed="rId2" cstate="print">
+            <a:extLst>
+              <a:ext uri="{28A0092B-C50C-407E-A947-70E740481C1C}">
+                <a14:useLocalDpi xmlns:a14="http://schemas.microsoft.com/office/drawing/2010/main" val="0"/>
+              </a:ext>
+            </a:extLst>
+          </a:blip>
+          <a:stretch>
+            <a:fillRect/>
+          </a:stretch>
+        </p:blipFill>
+        <p:spPr>
+          <a:xfrm>
+            <a:off x="10280799" y="8634683"/>
+            <a:ext cx="1129937" cy="1129937"/>
+          </a:xfrm>
+          <a:prstGeom prst="rect">
+            <a:avLst/>
+          </a:prstGeom>
+        </p:spPr>
+      </p:pic>
+      <p:sp>
+        <p:nvSpPr>
+          <p:cNvPr id="35" name="TextBox 34">
+            <a:extLst>
+              <a:ext uri="{FF2B5EF4-FFF2-40B4-BE49-F238E27FC236}">
+                <a16:creationId xmlns:a16="http://schemas.microsoft.com/office/drawing/2014/main" id="{0D376061-4026-AF73-E5EE-CE5A1ED92DA3}"/>
+              </a:ext>
+            </a:extLst>
+          </p:cNvPr>
+          <p:cNvSpPr txBox="1"/>
+          <p:nvPr/>
+        </p:nvSpPr>
+        <p:spPr>
+          <a:xfrm>
+            <a:off x="12192000" y="8420100"/>
+            <a:ext cx="2024452" cy="369332"/>
+          </a:xfrm>
+          <a:prstGeom prst="rect">
+            <a:avLst/>
+          </a:prstGeom>
+          <a:noFill/>
+        </p:spPr>
+        <p:txBody>
+          <a:bodyPr wrap="square" rtlCol="0">
+            <a:spAutoFit/>
+          </a:bodyPr>
+          <a:lstStyle/>
+          <a:p>
+            <a:r>
+              <a:rPr lang="en-US" b="1" dirty="0">
+                <a:latin typeface="Century Gothic" panose="020B0502020202020204" pitchFamily="34" charset="0"/>
+                <a:cs typeface="Times New Roman" panose="02020603050405020304" pitchFamily="18" charset="0"/>
+              </a:rPr>
+              <a:t>WESTERN SAMAR</a:t>
+            </a:r>
+            <a:endParaRPr lang="en-PH" b="1" dirty="0">
+              <a:latin typeface="Century Gothic" panose="020B0502020202020204" pitchFamily="34" charset="0"/>
+              <a:cs typeface="Times New Roman" panose="02020603050405020304" pitchFamily="18" charset="0"/>
+            </a:endParaRPr>
+          </a:p>
+        </p:txBody>
+      </p:sp>
+      <p:sp>
+        <p:nvSpPr>
+          <p:cNvPr id="36" name="TextBox 35">
+            <a:extLst>
+              <a:ext uri="{FF2B5EF4-FFF2-40B4-BE49-F238E27FC236}">
+                <a16:creationId xmlns:a16="http://schemas.microsoft.com/office/drawing/2014/main" id="{C9BF7799-AEF9-CAC6-63DA-34FCCB9B0C16}"/>
+              </a:ext>
+            </a:extLst>
+          </p:cNvPr>
+          <p:cNvSpPr txBox="1"/>
+          <p:nvPr/>
+        </p:nvSpPr>
+        <p:spPr>
+          <a:xfrm>
+            <a:off x="13079217" y="8877300"/>
+            <a:ext cx="3303783" cy="830997"/>
+          </a:xfrm>
+          <a:prstGeom prst="rect">
+            <a:avLst/>
+          </a:prstGeom>
+          <a:noFill/>
+        </p:spPr>
+        <p:txBody>
+          <a:bodyPr wrap="square" rtlCol="0">
+            <a:spAutoFit/>
+          </a:bodyPr>
+          <a:lstStyle/>
+          <a:p>
+            <a:r>
+              <a:rPr lang="en-PH" sz="4800" b="1" i="0" dirty="0">
+                <a:solidFill>
+                  <a:srgbClr val="202124"/>
+                </a:solidFill>
+                <a:effectLst/>
+                <a:latin typeface="Century Gothic" panose="020B0502020202020204" pitchFamily="34" charset="0"/>
+              </a:rPr>
+              <a:t>483308.0</a:t>
+            </a:r>
+            <a:endParaRPr lang="en-PH" sz="4800" b="1" dirty="0">
+              <a:latin typeface="Century Gothic" panose="020B0502020202020204" pitchFamily="34" charset="0"/>
+              <a:cs typeface="Times New Roman" panose="02020603050405020304" pitchFamily="18" charset="0"/>
+            </a:endParaRPr>
+          </a:p>
+        </p:txBody>
+      </p:sp>
+      <p:sp>
+        <p:nvSpPr>
+          <p:cNvPr id="37" name="TextBox 36">
+            <a:extLst>
+              <a:ext uri="{FF2B5EF4-FFF2-40B4-BE49-F238E27FC236}">
+                <a16:creationId xmlns:a16="http://schemas.microsoft.com/office/drawing/2014/main" id="{54E26ED4-C216-D436-B799-FA283B0ACAC3}"/>
+              </a:ext>
+            </a:extLst>
+          </p:cNvPr>
+          <p:cNvSpPr txBox="1"/>
+          <p:nvPr/>
+        </p:nvSpPr>
+        <p:spPr>
+          <a:xfrm>
+            <a:off x="13030200" y="9535046"/>
+            <a:ext cx="2884469" cy="323165"/>
+          </a:xfrm>
+          <a:prstGeom prst="rect">
+            <a:avLst/>
+          </a:prstGeom>
+          <a:noFill/>
+        </p:spPr>
+        <p:txBody>
+          <a:bodyPr wrap="square" rtlCol="0">
+            <a:spAutoFit/>
+          </a:bodyPr>
+          <a:lstStyle/>
+          <a:p>
+            <a:pPr algn="ctr"/>
+            <a:r>
+              <a:rPr lang="en-US" sz="1500" b="1" dirty="0">
+                <a:latin typeface="Century Gothic" panose="020B0502020202020204" pitchFamily="34" charset="0"/>
+                <a:cs typeface="Times New Roman" panose="02020603050405020304" pitchFamily="18" charset="0"/>
+              </a:rPr>
+              <a:t>AFFECTED INDIVIDUALS</a:t>
+            </a:r>
+            <a:endParaRPr lang="en-PH" sz="1500" b="1" dirty="0">
+              <a:latin typeface="Century Gothic" panose="020B0502020202020204" pitchFamily="34" charset="0"/>
+              <a:cs typeface="Times New Roman" panose="02020603050405020304" pitchFamily="18" charset="0"/>
+            </a:endParaRPr>
+          </a:p>
+        </p:txBody>
+      </p:sp>
+      <p:pic>
+        <p:nvPicPr>
+          <p:cNvPr id="38" name="Picture 37">
+            <a:extLst>
+              <a:ext uri="{FF2B5EF4-FFF2-40B4-BE49-F238E27FC236}">
+                <a16:creationId xmlns:a16="http://schemas.microsoft.com/office/drawing/2014/main" id="{047F70C1-BEB5-8A91-FC0E-3A1DB52B7617}"/>
+              </a:ext>
+            </a:extLst>
+          </p:cNvPr>
+          <p:cNvPicPr>
+            <a:picLocks noChangeAspect="1"/>
+          </p:cNvPicPr>
+          <p:nvPr/>
+        </p:nvPicPr>
+        <p:blipFill>
+          <a:blip r:embed="rId3" cstate="print">
+            <a:extLst>
+              <a:ext uri="{28A0092B-C50C-407E-A947-70E740481C1C}">
+                <a14:useLocalDpi xmlns:a14="http://schemas.microsoft.com/office/drawing/2010/main" val="0"/>
+              </a:ext>
+            </a:extLst>
+          </a:blip>
+          <a:stretch>
+            <a:fillRect/>
+          </a:stretch>
+        </p:blipFill>
+        <p:spPr>
+          <a:xfrm>
+            <a:off x="16078200" y="8543637"/>
+            <a:ext cx="1344105" cy="1344105"/>
+          </a:xfrm>
+          <a:prstGeom prst="rect">
+            <a:avLst/>
+          </a:prstGeom>
+        </p:spPr>
+      </p:pic>
+      <p:pic>
+        <p:nvPicPr>
+          <p:cNvPr id="26" name="Picture 25">
+            <a:extLst>
+              <a:ext uri="{FF2B5EF4-FFF2-40B4-BE49-F238E27FC236}">
+                <a16:creationId xmlns:a16="http://schemas.microsoft.com/office/drawing/2014/main" id="{FD899B46-8623-9D49-4E21-1BE96472BE51}"/>
+              </a:ext>
+            </a:extLst>
+          </p:cNvPr>
+          <p:cNvPicPr>
+            <a:picLocks noChangeAspect="1"/>
+          </p:cNvPicPr>
+          <p:nvPr/>
+        </p:nvPicPr>
+        <p:blipFill>
+          <a:blip r:embed="rId4">
+            <a:extLst>
+              <a:ext uri="{28A0092B-C50C-407E-A947-70E740481C1C}">
+                <a14:useLocalDpi xmlns:a14="http://schemas.microsoft.com/office/drawing/2010/main" val="0"/>
+              </a:ext>
+            </a:extLst>
+          </a:blip>
+          <a:srcRect/>
+          <a:stretch/>
+        </p:blipFill>
+        <p:spPr>
+          <a:xfrm>
+            <a:off x="6096000" y="394100"/>
+            <a:ext cx="11679971" cy="7741042"/>
+          </a:xfrm>
+          <a:prstGeom prst="rect">
+            <a:avLst/>
+          </a:prstGeom>
+          <a:ln w="38100">
+            <a:solidFill>
+              <a:schemeClr val="tx1"/>
+            </a:solidFill>
+          </a:ln>
+        </p:spPr>
+      </p:pic>
+    </p:spTree>
+  </p:cSld>
+  <p:clrMapOvr>
+    <a:masterClrMapping/>
+  </p:clrMapOvr>
+</p:sld>
+</file>
+
+<file path=ppt/slides/slide12.xml><?xml version="1.0" encoding="utf-8"?>
+<p:sld xmlns:a="http://schemas.openxmlformats.org/drawingml/2006/main" xmlns:r="http://schemas.openxmlformats.org/officeDocument/2006/relationships" xmlns:p="http://schemas.openxmlformats.org/presentationml/2006/main">
+  <p:cSld>
+    <p:spTree>
+      <p:nvGrpSpPr>
+        <p:cNvPr id="1" name=""/>
+        <p:cNvGrpSpPr/>
+        <p:nvPr/>
+      </p:nvGrpSpPr>
+      <p:grpSpPr>
+        <a:xfrm>
+          <a:off x="0" y="0"/>
+          <a:ext cx="0" cy="0"/>
+          <a:chOff x="0" y="0"/>
+          <a:chExt cx="0" cy="0"/>
+        </a:xfrm>
+      </p:grpSpPr>
+      <p:sp>
+        <p:nvSpPr>
+          <p:cNvPr id="32" name="Rectangle 31"/>
+          <p:cNvSpPr/>
+          <p:nvPr/>
+        </p:nvSpPr>
+        <p:spPr>
+          <a:xfrm>
+            <a:off x="12096848" y="8343900"/>
+            <a:ext cx="5671748" cy="1752600"/>
+          </a:xfrm>
+          <a:prstGeom prst="rect">
+            <a:avLst/>
+          </a:prstGeom>
+          <a:ln w="38100"/>
+        </p:spPr>
+        <p:style>
+          <a:lnRef idx="2">
+            <a:schemeClr val="dk1"/>
+          </a:lnRef>
+          <a:fillRef idx="1">
+            <a:schemeClr val="lt1"/>
+          </a:fillRef>
+          <a:effectRef idx="0">
+            <a:schemeClr val="dk1"/>
+          </a:effectRef>
+          <a:fontRef idx="minor">
+            <a:schemeClr val="dk1"/>
+          </a:fontRef>
+        </p:style>
+        <p:txBody>
+          <a:bodyPr rtlCol="0" anchor="ctr"/>
+          <a:lstStyle/>
+          <a:p>
+            <a:pPr algn="ctr"/>
+            <a:endParaRPr lang="en-PH" dirty="0"/>
+          </a:p>
+        </p:txBody>
+      </p:sp>
+      <p:sp>
+        <p:nvSpPr>
+          <p:cNvPr id="4" name="Rectangle 3"/>
+          <p:cNvSpPr/>
+          <p:nvPr/>
+        </p:nvSpPr>
+        <p:spPr>
+          <a:xfrm>
+            <a:off x="6096000" y="8343900"/>
+            <a:ext cx="5671748" cy="1752600"/>
+          </a:xfrm>
+          <a:prstGeom prst="rect">
+            <a:avLst/>
+          </a:prstGeom>
+          <a:ln w="38100"/>
+        </p:spPr>
+        <p:style>
+          <a:lnRef idx="2">
+            <a:schemeClr val="dk1"/>
+          </a:lnRef>
+          <a:fillRef idx="1">
+            <a:schemeClr val="lt1"/>
+          </a:fillRef>
+          <a:effectRef idx="0">
+            <a:schemeClr val="dk1"/>
+          </a:effectRef>
+          <a:fontRef idx="minor">
+            <a:schemeClr val="dk1"/>
+          </a:fontRef>
+        </p:style>
+        <p:txBody>
+          <a:bodyPr rtlCol="0" anchor="ctr"/>
+          <a:lstStyle/>
+          <a:p>
+            <a:pPr algn="ctr"/>
+            <a:endParaRPr lang="en-PH" dirty="0"/>
+          </a:p>
+        </p:txBody>
+      </p:sp>
+      <p:sp>
+        <p:nvSpPr>
+          <p:cNvPr id="2" name="object 2"/>
+          <p:cNvSpPr/>
+          <p:nvPr/>
+        </p:nvSpPr>
+        <p:spPr>
+          <a:xfrm>
+            <a:off x="0" y="0"/>
+            <a:ext cx="5638800" cy="10287000"/>
+          </a:xfrm>
+          <a:custGeom>
+            <a:avLst/>
+            <a:gdLst/>
+            <a:ahLst/>
+            <a:cxnLst/>
+            <a:rect l="l" t="t" r="r" b="b"/>
+            <a:pathLst>
+              <a:path w="4810125" h="10287000">
+                <a:moveTo>
+                  <a:pt x="4810124" y="10286999"/>
+                </a:moveTo>
+                <a:lnTo>
+                  <a:pt x="0" y="10286999"/>
+                </a:lnTo>
+                <a:lnTo>
+                  <a:pt x="0" y="0"/>
+                </a:lnTo>
+                <a:lnTo>
+                  <a:pt x="4810124" y="0"/>
+                </a:lnTo>
+                <a:lnTo>
+                  <a:pt x="4810124" y="10286999"/>
+                </a:lnTo>
+                <a:close/>
+              </a:path>
+            </a:pathLst>
+          </a:custGeom>
+          <a:solidFill>
+            <a:srgbClr val="D5D5D5"/>
+          </a:solidFill>
+        </p:spPr>
+        <p:txBody>
+          <a:bodyPr wrap="square" lIns="0" tIns="0" rIns="0" bIns="0" rtlCol="0"/>
+          <a:lstStyle/>
+          <a:p>
+            <a:endParaRPr dirty="0"/>
+          </a:p>
+        </p:txBody>
+      </p:sp>
+      <p:grpSp>
+        <p:nvGrpSpPr>
+          <p:cNvPr id="17" name="object 17"/>
+          <p:cNvGrpSpPr/>
+          <p:nvPr/>
+        </p:nvGrpSpPr>
+        <p:grpSpPr>
+          <a:xfrm>
+            <a:off x="951690" y="1028700"/>
+            <a:ext cx="4175760" cy="9258300"/>
+            <a:chOff x="951690" y="1028700"/>
+            <a:chExt cx="4175760" cy="9258300"/>
+          </a:xfrm>
+        </p:grpSpPr>
+        <p:sp>
+          <p:nvSpPr>
+            <p:cNvPr id="18" name="object 18"/>
+            <p:cNvSpPr/>
+            <p:nvPr/>
+          </p:nvSpPr>
+          <p:spPr>
+            <a:xfrm>
+              <a:off x="4489132" y="8144128"/>
+              <a:ext cx="638175" cy="2143125"/>
+            </a:xfrm>
+            <a:custGeom>
+              <a:avLst/>
+              <a:gdLst/>
+              <a:ahLst/>
+              <a:cxnLst/>
+              <a:rect l="l" t="t" r="r" b="b"/>
+              <a:pathLst>
+                <a:path w="638175" h="2143125">
+                  <a:moveTo>
+                    <a:pt x="627545" y="2142871"/>
+                  </a:moveTo>
+                  <a:lnTo>
+                    <a:pt x="469595" y="1984133"/>
+                  </a:lnTo>
+                  <a:lnTo>
+                    <a:pt x="319087" y="1832864"/>
+                  </a:lnTo>
+                  <a:lnTo>
+                    <a:pt x="10642" y="2142871"/>
+                  </a:lnTo>
+                  <a:lnTo>
+                    <a:pt x="161137" y="2142871"/>
+                  </a:lnTo>
+                  <a:lnTo>
+                    <a:pt x="319087" y="1984133"/>
+                  </a:lnTo>
+                  <a:lnTo>
+                    <a:pt x="477037" y="2142871"/>
+                  </a:lnTo>
+                  <a:lnTo>
+                    <a:pt x="627545" y="2142871"/>
+                  </a:lnTo>
+                  <a:close/>
+                </a:path>
+                <a:path w="638175" h="2143125">
+                  <a:moveTo>
+                    <a:pt x="638175" y="1695348"/>
+                  </a:moveTo>
+                  <a:lnTo>
+                    <a:pt x="319087" y="1374648"/>
+                  </a:lnTo>
+                  <a:lnTo>
+                    <a:pt x="0" y="1695348"/>
+                  </a:lnTo>
+                  <a:lnTo>
+                    <a:pt x="75260" y="1770976"/>
+                  </a:lnTo>
+                  <a:lnTo>
+                    <a:pt x="319087" y="1525917"/>
+                  </a:lnTo>
+                  <a:lnTo>
+                    <a:pt x="562927" y="1770976"/>
+                  </a:lnTo>
+                  <a:lnTo>
+                    <a:pt x="638175" y="1695348"/>
+                  </a:lnTo>
+                  <a:close/>
+                </a:path>
+                <a:path w="638175" h="2143125">
+                  <a:moveTo>
+                    <a:pt x="638175" y="1237132"/>
+                  </a:moveTo>
+                  <a:lnTo>
+                    <a:pt x="319087" y="916432"/>
+                  </a:lnTo>
+                  <a:lnTo>
+                    <a:pt x="0" y="1237132"/>
+                  </a:lnTo>
+                  <a:lnTo>
+                    <a:pt x="75260" y="1312760"/>
+                  </a:lnTo>
+                  <a:lnTo>
+                    <a:pt x="319087" y="1067689"/>
+                  </a:lnTo>
+                  <a:lnTo>
+                    <a:pt x="562927" y="1312760"/>
+                  </a:lnTo>
+                  <a:lnTo>
+                    <a:pt x="638175" y="1237132"/>
+                  </a:lnTo>
+                  <a:close/>
+                </a:path>
+                <a:path w="638175" h="2143125">
+                  <a:moveTo>
+                    <a:pt x="638175" y="778916"/>
+                  </a:moveTo>
+                  <a:lnTo>
+                    <a:pt x="319087" y="458216"/>
+                  </a:lnTo>
+                  <a:lnTo>
+                    <a:pt x="0" y="778916"/>
+                  </a:lnTo>
+                  <a:lnTo>
+                    <a:pt x="75260" y="854544"/>
+                  </a:lnTo>
+                  <a:lnTo>
+                    <a:pt x="319087" y="609485"/>
+                  </a:lnTo>
+                  <a:lnTo>
+                    <a:pt x="562927" y="854544"/>
+                  </a:lnTo>
+                  <a:lnTo>
+                    <a:pt x="638175" y="778916"/>
+                  </a:lnTo>
+                  <a:close/>
+                </a:path>
+                <a:path w="638175" h="2143125">
+                  <a:moveTo>
+                    <a:pt x="638175" y="320700"/>
+                  </a:moveTo>
+                  <a:lnTo>
+                    <a:pt x="319087" y="0"/>
+                  </a:lnTo>
+                  <a:lnTo>
+                    <a:pt x="0" y="320700"/>
+                  </a:lnTo>
+                  <a:lnTo>
+                    <a:pt x="75260" y="396328"/>
+                  </a:lnTo>
+                  <a:lnTo>
+                    <a:pt x="319087" y="151269"/>
+                  </a:lnTo>
+                  <a:lnTo>
+                    <a:pt x="562927" y="396328"/>
+                  </a:lnTo>
+                  <a:lnTo>
+                    <a:pt x="638175" y="320700"/>
+                  </a:lnTo>
+                  <a:close/>
+                </a:path>
+              </a:pathLst>
+            </a:custGeom>
+            <a:solidFill>
+              <a:schemeClr val="bg1"/>
+            </a:solidFill>
+          </p:spPr>
+          <p:txBody>
+            <a:bodyPr wrap="square" lIns="0" tIns="0" rIns="0" bIns="0" rtlCol="0"/>
+            <a:lstStyle/>
+            <a:p>
+              <a:endParaRPr dirty="0"/>
+            </a:p>
+          </p:txBody>
+        </p:sp>
+        <p:sp>
+          <p:nvSpPr>
+            <p:cNvPr id="19" name="object 19"/>
+            <p:cNvSpPr/>
+            <p:nvPr/>
+          </p:nvSpPr>
+          <p:spPr>
+            <a:xfrm>
+              <a:off x="951687" y="1028712"/>
+              <a:ext cx="466090" cy="304800"/>
+            </a:xfrm>
+            <a:custGeom>
+              <a:avLst/>
+              <a:gdLst/>
+              <a:ahLst/>
+              <a:cxnLst/>
+              <a:rect l="l" t="t" r="r" b="b"/>
+              <a:pathLst>
+                <a:path w="466090" h="304800">
+                  <a:moveTo>
+                    <a:pt x="465823" y="254000"/>
+                  </a:moveTo>
+                  <a:lnTo>
+                    <a:pt x="0" y="254000"/>
+                  </a:lnTo>
+                  <a:lnTo>
+                    <a:pt x="0" y="304800"/>
+                  </a:lnTo>
+                  <a:lnTo>
+                    <a:pt x="465823" y="304800"/>
+                  </a:lnTo>
+                  <a:lnTo>
+                    <a:pt x="465823" y="254000"/>
+                  </a:lnTo>
+                  <a:close/>
+                </a:path>
+                <a:path w="466090" h="304800">
+                  <a:moveTo>
+                    <a:pt x="465823" y="127000"/>
+                  </a:moveTo>
+                  <a:lnTo>
+                    <a:pt x="0" y="127000"/>
+                  </a:lnTo>
+                  <a:lnTo>
+                    <a:pt x="0" y="177800"/>
+                  </a:lnTo>
+                  <a:lnTo>
+                    <a:pt x="465823" y="177800"/>
+                  </a:lnTo>
+                  <a:lnTo>
+                    <a:pt x="465823" y="127000"/>
+                  </a:lnTo>
+                  <a:close/>
+                </a:path>
+                <a:path w="466090" h="304800">
+                  <a:moveTo>
+                    <a:pt x="465823" y="0"/>
+                  </a:moveTo>
+                  <a:lnTo>
+                    <a:pt x="0" y="0"/>
+                  </a:lnTo>
+                  <a:lnTo>
+                    <a:pt x="0" y="50800"/>
+                  </a:lnTo>
+                  <a:lnTo>
+                    <a:pt x="465823" y="50800"/>
+                  </a:lnTo>
+                  <a:lnTo>
+                    <a:pt x="465823" y="0"/>
+                  </a:lnTo>
+                  <a:close/>
+                </a:path>
+              </a:pathLst>
+            </a:custGeom>
+            <a:solidFill>
+              <a:srgbClr val="FFFFFF"/>
+            </a:solidFill>
+          </p:spPr>
+          <p:txBody>
+            <a:bodyPr wrap="square" lIns="0" tIns="0" rIns="0" bIns="0" rtlCol="0"/>
+            <a:lstStyle/>
+            <a:p>
+              <a:endParaRPr/>
+            </a:p>
+          </p:txBody>
+        </p:sp>
+      </p:grpSp>
+      <p:sp>
+        <p:nvSpPr>
+          <p:cNvPr id="23" name="object 17"/>
+          <p:cNvSpPr txBox="1"/>
+          <p:nvPr/>
+        </p:nvSpPr>
+        <p:spPr>
+          <a:xfrm rot="5400000">
+            <a:off x="2537575" y="-314474"/>
+            <a:ext cx="923330" cy="5279120"/>
+          </a:xfrm>
+          <a:prstGeom prst="rect">
+            <a:avLst/>
+          </a:prstGeom>
+        </p:spPr>
+        <p:txBody>
+          <a:bodyPr vert="vert270" wrap="square" lIns="0" tIns="16510" rIns="0" bIns="0" rtlCol="0">
+            <a:spAutoFit/>
+          </a:bodyPr>
+          <a:lstStyle/>
+          <a:p>
+            <a:pPr marL="12700">
+              <a:lnSpc>
+                <a:spcPct val="100000"/>
+              </a:lnSpc>
+              <a:spcBef>
+                <a:spcPts val="130"/>
+              </a:spcBef>
+            </a:pPr>
+            <a:r>
+              <a:rPr lang="en-PH" sz="6000" b="1" spc="-70" dirty="0">
+                <a:solidFill>
+                  <a:schemeClr val="accent4">
+                    <a:lumMod val="50000"/>
+                  </a:schemeClr>
+                </a:solidFill>
+                <a:latin typeface="Tahoma" panose="020B0604030504040204"/>
+                <a:cs typeface="Tahoma" panose="020B0604030504040204"/>
+              </a:rPr>
+              <a:t>OBJECTIVES</a:t>
+            </a:r>
+            <a:endParaRPr sz="6000" dirty="0">
+              <a:solidFill>
+                <a:schemeClr val="accent4">
+                  <a:lumMod val="50000"/>
+                </a:schemeClr>
+              </a:solidFill>
+              <a:latin typeface="Tahoma" panose="020B0604030504040204"/>
+              <a:cs typeface="Tahoma" panose="020B0604030504040204"/>
+            </a:endParaRPr>
+          </a:p>
+        </p:txBody>
+      </p:sp>
+      <p:sp>
+        <p:nvSpPr>
+          <p:cNvPr id="24" name="Rectangle 23"/>
+          <p:cNvSpPr/>
+          <p:nvPr/>
+        </p:nvSpPr>
+        <p:spPr>
+          <a:xfrm>
+            <a:off x="228600" y="3196933"/>
+            <a:ext cx="5029200" cy="727368"/>
+          </a:xfrm>
+          <a:prstGeom prst="rect">
+            <a:avLst/>
+          </a:prstGeom>
+          <a:ln w="57150"/>
+        </p:spPr>
+        <p:style>
+          <a:lnRef idx="2">
+            <a:schemeClr val="dk1"/>
+          </a:lnRef>
+          <a:fillRef idx="1">
+            <a:schemeClr val="lt1"/>
+          </a:fillRef>
+          <a:effectRef idx="0">
+            <a:schemeClr val="dk1"/>
+          </a:effectRef>
+          <a:fontRef idx="minor">
+            <a:schemeClr val="dk1"/>
+          </a:fontRef>
+        </p:style>
+        <p:txBody>
+          <a:bodyPr rtlCol="0" anchor="ctr"/>
+          <a:lstStyle/>
+          <a:p>
+            <a:pPr marL="0" marR="0" algn="ctr">
+              <a:spcBef>
+                <a:spcPts val="0"/>
+              </a:spcBef>
+              <a:spcAft>
+                <a:spcPts val="0"/>
+              </a:spcAft>
+            </a:pPr>
+            <a:r>
+              <a:rPr lang="en-US" sz="2000" u="sng" dirty="0">
+                <a:effectLst/>
+                <a:latin typeface="Times New Roman" panose="02020603050405020304" pitchFamily="18" charset="0"/>
+                <a:ea typeface="Times New Roman" panose="02020603050405020304" pitchFamily="18" charset="0"/>
+              </a:rPr>
+              <a:t>Humanitarian Data Exchange Data set about Philippines (2019)</a:t>
+            </a:r>
+            <a:endParaRPr lang="en-US" sz="2000" dirty="0">
+              <a:effectLst/>
+              <a:latin typeface="Calibri" panose="020F0502020204030204" pitchFamily="34" charset="0"/>
+              <a:ea typeface="Calibri" panose="020F0502020204030204" pitchFamily="34" charset="0"/>
+            </a:endParaRPr>
+          </a:p>
+        </p:txBody>
+      </p:sp>
+      <p:sp>
+        <p:nvSpPr>
+          <p:cNvPr id="25" name="Rectangle 24"/>
+          <p:cNvSpPr/>
+          <p:nvPr/>
+        </p:nvSpPr>
+        <p:spPr>
+          <a:xfrm>
+            <a:off x="264000" y="5581246"/>
+            <a:ext cx="4993800" cy="992209"/>
+          </a:xfrm>
+          <a:prstGeom prst="rect">
+            <a:avLst/>
+          </a:prstGeom>
+        </p:spPr>
+        <p:style>
+          <a:lnRef idx="2">
+            <a:schemeClr val="dk1"/>
+          </a:lnRef>
+          <a:fillRef idx="1">
+            <a:schemeClr val="lt1"/>
+          </a:fillRef>
+          <a:effectRef idx="0">
+            <a:schemeClr val="dk1"/>
+          </a:effectRef>
+          <a:fontRef idx="minor">
+            <a:schemeClr val="dk1"/>
+          </a:fontRef>
+        </p:style>
+        <p:txBody>
+          <a:bodyPr rtlCol="0" anchor="ctr"/>
+          <a:lstStyle/>
+          <a:p>
+            <a:pPr marL="0" marR="0" algn="ctr">
+              <a:spcBef>
+                <a:spcPts val="0"/>
+              </a:spcBef>
+              <a:spcAft>
+                <a:spcPts val="0"/>
+              </a:spcAft>
+            </a:pPr>
+            <a:r>
+              <a:rPr lang="en-US" sz="1800" u="sng" dirty="0">
+                <a:effectLst/>
+                <a:latin typeface="Times New Roman" panose="02020603050405020304" pitchFamily="18" charset="0"/>
+                <a:ea typeface="Times New Roman" panose="02020603050405020304" pitchFamily="18" charset="0"/>
+              </a:rPr>
+              <a:t>The Centre for Research on the Epidemiology of Disasters' Data set about the American Typhoons (2000-2022)</a:t>
+            </a:r>
+            <a:endParaRPr lang="en-US" sz="1800" u="sng" dirty="0">
+              <a:effectLst/>
+              <a:latin typeface="Calibri" panose="020F0502020204030204" pitchFamily="34" charset="0"/>
+              <a:ea typeface="Calibri" panose="020F0502020204030204" pitchFamily="34" charset="0"/>
+            </a:endParaRPr>
+          </a:p>
+        </p:txBody>
+      </p:sp>
+      <p:sp>
+        <p:nvSpPr>
+          <p:cNvPr id="16" name="Rectangle 15"/>
+          <p:cNvSpPr/>
+          <p:nvPr/>
+        </p:nvSpPr>
+        <p:spPr>
+          <a:xfrm>
+            <a:off x="951687" y="4156615"/>
+            <a:ext cx="4270713" cy="312196"/>
+          </a:xfrm>
+          <a:prstGeom prst="rect">
+            <a:avLst/>
+          </a:prstGeom>
+          <a:ln w="28575"/>
+        </p:spPr>
+        <p:style>
+          <a:lnRef idx="2">
+            <a:schemeClr val="dk1"/>
+          </a:lnRef>
+          <a:fillRef idx="1">
+            <a:schemeClr val="lt1"/>
+          </a:fillRef>
+          <a:effectRef idx="0">
+            <a:schemeClr val="dk1"/>
+          </a:effectRef>
+          <a:fontRef idx="minor">
+            <a:schemeClr val="dk1"/>
+          </a:fontRef>
+        </p:style>
+        <p:txBody>
+          <a:bodyPr rtlCol="0" anchor="ctr"/>
+          <a:lstStyle/>
+          <a:p>
+            <a:pPr algn="ctr"/>
+            <a:r>
+              <a:rPr lang="en-US" dirty="0"/>
+              <a:t>Objective 1</a:t>
+            </a:r>
+          </a:p>
+        </p:txBody>
+      </p:sp>
+      <p:sp>
+        <p:nvSpPr>
+          <p:cNvPr id="3" name="Arrow: Chevron 2"/>
+          <p:cNvSpPr/>
+          <p:nvPr/>
+        </p:nvSpPr>
+        <p:spPr>
+          <a:xfrm>
+            <a:off x="712065" y="4226713"/>
+            <a:ext cx="160088" cy="190810"/>
+          </a:xfrm>
+          <a:prstGeom prst="chevron">
+            <a:avLst/>
+          </a:prstGeom>
+          <a:ln w="28575"/>
+        </p:spPr>
+        <p:style>
+          <a:lnRef idx="2">
+            <a:schemeClr val="dk1"/>
+          </a:lnRef>
+          <a:fillRef idx="1">
+            <a:schemeClr val="lt1"/>
+          </a:fillRef>
+          <a:effectRef idx="0">
+            <a:schemeClr val="dk1"/>
+          </a:effectRef>
+          <a:fontRef idx="minor">
+            <a:schemeClr val="dk1"/>
+          </a:fontRef>
+        </p:style>
+        <p:txBody>
+          <a:bodyPr rtlCol="0" anchor="ctr"/>
+          <a:lstStyle/>
+          <a:p>
+            <a:pPr algn="ctr"/>
+            <a:endParaRPr lang="en-US" b="1" dirty="0">
+              <a:solidFill>
+                <a:schemeClr val="tx1"/>
+              </a:solidFill>
+            </a:endParaRPr>
+          </a:p>
+        </p:txBody>
+      </p:sp>
+      <p:sp>
+        <p:nvSpPr>
+          <p:cNvPr id="28" name="Rectangle 27"/>
+          <p:cNvSpPr/>
+          <p:nvPr/>
+        </p:nvSpPr>
+        <p:spPr>
+          <a:xfrm>
+            <a:off x="951687" y="4561572"/>
+            <a:ext cx="4270713" cy="312196"/>
+          </a:xfrm>
+          <a:prstGeom prst="rect">
+            <a:avLst/>
+          </a:prstGeom>
+          <a:ln w="57150"/>
+        </p:spPr>
+        <p:style>
+          <a:lnRef idx="2">
+            <a:schemeClr val="dk1"/>
+          </a:lnRef>
+          <a:fillRef idx="1">
+            <a:schemeClr val="lt1"/>
+          </a:fillRef>
+          <a:effectRef idx="0">
+            <a:schemeClr val="dk1"/>
+          </a:effectRef>
+          <a:fontRef idx="minor">
+            <a:schemeClr val="dk1"/>
+          </a:fontRef>
+        </p:style>
+        <p:txBody>
+          <a:bodyPr rtlCol="0" anchor="ctr"/>
+          <a:lstStyle/>
+          <a:p>
+            <a:pPr algn="ctr"/>
+            <a:r>
+              <a:rPr lang="en-US" dirty="0"/>
+              <a:t>Objective 2</a:t>
+            </a:r>
+          </a:p>
+        </p:txBody>
+      </p:sp>
+      <p:sp>
+        <p:nvSpPr>
+          <p:cNvPr id="29" name="Rectangle 28"/>
+          <p:cNvSpPr/>
+          <p:nvPr/>
+        </p:nvSpPr>
+        <p:spPr>
+          <a:xfrm>
+            <a:off x="961189" y="4960823"/>
+            <a:ext cx="4270713" cy="312196"/>
+          </a:xfrm>
+          <a:prstGeom prst="rect">
+            <a:avLst/>
+          </a:prstGeom>
+        </p:spPr>
+        <p:style>
+          <a:lnRef idx="2">
+            <a:schemeClr val="dk1"/>
+          </a:lnRef>
+          <a:fillRef idx="1">
+            <a:schemeClr val="lt1"/>
+          </a:fillRef>
+          <a:effectRef idx="0">
+            <a:schemeClr val="dk1"/>
+          </a:effectRef>
+          <a:fontRef idx="minor">
+            <a:schemeClr val="dk1"/>
+          </a:fontRef>
+        </p:style>
+        <p:txBody>
+          <a:bodyPr rtlCol="0" anchor="ctr"/>
+          <a:lstStyle/>
+          <a:p>
+            <a:pPr algn="ctr"/>
+            <a:r>
+              <a:rPr lang="en-US" dirty="0"/>
+              <a:t>Objective 3</a:t>
+            </a:r>
+          </a:p>
+        </p:txBody>
+      </p:sp>
+      <p:sp>
+        <p:nvSpPr>
+          <p:cNvPr id="30" name="Arrow: Chevron 29"/>
+          <p:cNvSpPr/>
+          <p:nvPr/>
+        </p:nvSpPr>
+        <p:spPr>
+          <a:xfrm>
+            <a:off x="712065" y="4622265"/>
+            <a:ext cx="160088" cy="190810"/>
+          </a:xfrm>
+          <a:prstGeom prst="chevron">
+            <a:avLst/>
+          </a:prstGeom>
+          <a:ln w="57150"/>
+        </p:spPr>
+        <p:style>
+          <a:lnRef idx="2">
+            <a:schemeClr val="dk1"/>
+          </a:lnRef>
+          <a:fillRef idx="1">
+            <a:schemeClr val="lt1"/>
+          </a:fillRef>
+          <a:effectRef idx="0">
+            <a:schemeClr val="dk1"/>
+          </a:effectRef>
+          <a:fontRef idx="minor">
+            <a:schemeClr val="dk1"/>
+          </a:fontRef>
+        </p:style>
+        <p:txBody>
+          <a:bodyPr rtlCol="0" anchor="ctr"/>
+          <a:lstStyle/>
+          <a:p>
+            <a:pPr algn="ctr"/>
+            <a:endParaRPr lang="en-US">
+              <a:solidFill>
+                <a:schemeClr val="tx1"/>
+              </a:solidFill>
+            </a:endParaRPr>
+          </a:p>
+        </p:txBody>
+      </p:sp>
+      <p:sp>
+        <p:nvSpPr>
+          <p:cNvPr id="31" name="Arrow: Chevron 30"/>
+          <p:cNvSpPr/>
+          <p:nvPr/>
+        </p:nvSpPr>
+        <p:spPr>
+          <a:xfrm>
+            <a:off x="712065" y="5006448"/>
+            <a:ext cx="160088" cy="190810"/>
+          </a:xfrm>
+          <a:prstGeom prst="chevron">
+            <a:avLst/>
+          </a:prstGeom>
+        </p:spPr>
+        <p:style>
+          <a:lnRef idx="2">
+            <a:schemeClr val="dk1"/>
+          </a:lnRef>
+          <a:fillRef idx="1">
+            <a:schemeClr val="lt1"/>
+          </a:fillRef>
+          <a:effectRef idx="0">
+            <a:schemeClr val="dk1"/>
+          </a:effectRef>
+          <a:fontRef idx="minor">
+            <a:schemeClr val="dk1"/>
+          </a:fontRef>
+        </p:style>
+        <p:txBody>
+          <a:bodyPr rtlCol="0" anchor="ctr"/>
+          <a:lstStyle/>
+          <a:p>
+            <a:pPr algn="ctr"/>
+            <a:endParaRPr lang="en-US">
+              <a:solidFill>
+                <a:schemeClr val="tx1"/>
+              </a:solidFill>
+            </a:endParaRPr>
+          </a:p>
+        </p:txBody>
+      </p:sp>
+      <p:sp>
+        <p:nvSpPr>
+          <p:cNvPr id="22" name="TextBox 21">
+            <a:extLst>
+              <a:ext uri="{FF2B5EF4-FFF2-40B4-BE49-F238E27FC236}">
+                <a16:creationId xmlns:a16="http://schemas.microsoft.com/office/drawing/2014/main" id="{A7BF7A17-FD23-38D3-68C6-9AA878036510}"/>
+              </a:ext>
+            </a:extLst>
+          </p:cNvPr>
+          <p:cNvSpPr txBox="1"/>
+          <p:nvPr/>
+        </p:nvSpPr>
+        <p:spPr>
+          <a:xfrm>
+            <a:off x="6172200" y="8431768"/>
+            <a:ext cx="2372504" cy="369332"/>
+          </a:xfrm>
+          <a:prstGeom prst="rect">
+            <a:avLst/>
+          </a:prstGeom>
+          <a:noFill/>
+        </p:spPr>
+        <p:txBody>
+          <a:bodyPr wrap="square" rtlCol="0">
+            <a:spAutoFit/>
+          </a:bodyPr>
+          <a:lstStyle/>
+          <a:p>
+            <a:r>
+              <a:rPr lang="en-US" b="1" dirty="0">
+                <a:latin typeface="Century Gothic" panose="020B0502020202020204" pitchFamily="34" charset="0"/>
+                <a:cs typeface="Times New Roman" panose="02020603050405020304" pitchFamily="18" charset="0"/>
+              </a:rPr>
+              <a:t>SAN, ISIDRO, LEYTE</a:t>
+            </a:r>
+            <a:endParaRPr lang="en-PH" b="1" dirty="0">
+              <a:latin typeface="Century Gothic" panose="020B0502020202020204" pitchFamily="34" charset="0"/>
+              <a:cs typeface="Times New Roman" panose="02020603050405020304" pitchFamily="18" charset="0"/>
+            </a:endParaRPr>
+          </a:p>
+        </p:txBody>
+      </p:sp>
+      <p:sp>
+        <p:nvSpPr>
+          <p:cNvPr id="27" name="TextBox 26">
+            <a:extLst>
+              <a:ext uri="{FF2B5EF4-FFF2-40B4-BE49-F238E27FC236}">
+                <a16:creationId xmlns:a16="http://schemas.microsoft.com/office/drawing/2014/main" id="{6433253D-0A9D-CD0F-A819-6B34060EB65D}"/>
+              </a:ext>
+            </a:extLst>
+          </p:cNvPr>
+          <p:cNvSpPr txBox="1"/>
+          <p:nvPr/>
+        </p:nvSpPr>
+        <p:spPr>
+          <a:xfrm>
+            <a:off x="7075681" y="8865631"/>
+            <a:ext cx="2514600" cy="830997"/>
+          </a:xfrm>
+          <a:prstGeom prst="rect">
+            <a:avLst/>
+          </a:prstGeom>
+          <a:noFill/>
+        </p:spPr>
+        <p:txBody>
+          <a:bodyPr wrap="square" rtlCol="0">
+            <a:spAutoFit/>
+          </a:bodyPr>
+          <a:lstStyle/>
+          <a:p>
+            <a:r>
+              <a:rPr lang="en-PH" sz="4800" b="1" i="0" dirty="0">
+                <a:solidFill>
+                  <a:srgbClr val="202124"/>
+                </a:solidFill>
+                <a:effectLst/>
+                <a:latin typeface="Century Gothic" panose="020B0502020202020204" pitchFamily="34" charset="0"/>
+              </a:rPr>
+              <a:t>36980.0</a:t>
+            </a:r>
+            <a:endParaRPr lang="en-PH" sz="4800" b="1" dirty="0">
+              <a:latin typeface="Century Gothic" panose="020B0502020202020204" pitchFamily="34" charset="0"/>
+              <a:cs typeface="Times New Roman" panose="02020603050405020304" pitchFamily="18" charset="0"/>
+            </a:endParaRPr>
+          </a:p>
+        </p:txBody>
+      </p:sp>
+      <p:sp>
+        <p:nvSpPr>
+          <p:cNvPr id="33" name="TextBox 32">
+            <a:extLst>
+              <a:ext uri="{FF2B5EF4-FFF2-40B4-BE49-F238E27FC236}">
+                <a16:creationId xmlns:a16="http://schemas.microsoft.com/office/drawing/2014/main" id="{57B9DDA5-A36B-2A50-11D1-9E39B85F54A2}"/>
+              </a:ext>
+            </a:extLst>
+          </p:cNvPr>
+          <p:cNvSpPr txBox="1"/>
+          <p:nvPr/>
+        </p:nvSpPr>
+        <p:spPr>
+          <a:xfrm>
+            <a:off x="6890746" y="9535045"/>
+            <a:ext cx="2884469" cy="323165"/>
+          </a:xfrm>
+          <a:prstGeom prst="rect">
+            <a:avLst/>
+          </a:prstGeom>
+          <a:noFill/>
+        </p:spPr>
+        <p:txBody>
+          <a:bodyPr wrap="square" rtlCol="0">
+            <a:spAutoFit/>
+          </a:bodyPr>
+          <a:lstStyle/>
+          <a:p>
+            <a:pPr algn="ctr"/>
+            <a:r>
+              <a:rPr lang="en-US" sz="1500" b="1" dirty="0">
+                <a:latin typeface="Century Gothic" panose="020B0502020202020204" pitchFamily="34" charset="0"/>
+                <a:cs typeface="Times New Roman" panose="02020603050405020304" pitchFamily="18" charset="0"/>
+              </a:rPr>
+              <a:t>AFFECTED INDIVIDUALS</a:t>
+            </a:r>
+            <a:endParaRPr lang="en-PH" sz="1500" b="1" dirty="0">
+              <a:latin typeface="Century Gothic" panose="020B0502020202020204" pitchFamily="34" charset="0"/>
+              <a:cs typeface="Times New Roman" panose="02020603050405020304" pitchFamily="18" charset="0"/>
+            </a:endParaRPr>
+          </a:p>
+        </p:txBody>
+      </p:sp>
+      <p:pic>
+        <p:nvPicPr>
+          <p:cNvPr id="34" name="Picture 33">
+            <a:extLst>
+              <a:ext uri="{FF2B5EF4-FFF2-40B4-BE49-F238E27FC236}">
+                <a16:creationId xmlns:a16="http://schemas.microsoft.com/office/drawing/2014/main" id="{B1976F6A-5BEA-7912-2852-8153E1C7EDF9}"/>
+              </a:ext>
+            </a:extLst>
+          </p:cNvPr>
+          <p:cNvPicPr>
+            <a:picLocks noChangeAspect="1"/>
+          </p:cNvPicPr>
+          <p:nvPr/>
+        </p:nvPicPr>
+        <p:blipFill>
+          <a:blip r:embed="rId2" cstate="print">
+            <a:extLst>
+              <a:ext uri="{28A0092B-C50C-407E-A947-70E740481C1C}">
+                <a14:useLocalDpi xmlns:a14="http://schemas.microsoft.com/office/drawing/2010/main" val="0"/>
+              </a:ext>
+            </a:extLst>
+          </a:blip>
+          <a:stretch>
+            <a:fillRect/>
+          </a:stretch>
+        </p:blipFill>
+        <p:spPr>
+          <a:xfrm>
+            <a:off x="10280799" y="8634683"/>
+            <a:ext cx="1129937" cy="1129937"/>
+          </a:xfrm>
+          <a:prstGeom prst="rect">
+            <a:avLst/>
+          </a:prstGeom>
+        </p:spPr>
+      </p:pic>
+      <p:sp>
+        <p:nvSpPr>
+          <p:cNvPr id="35" name="TextBox 34">
+            <a:extLst>
+              <a:ext uri="{FF2B5EF4-FFF2-40B4-BE49-F238E27FC236}">
+                <a16:creationId xmlns:a16="http://schemas.microsoft.com/office/drawing/2014/main" id="{0D376061-4026-AF73-E5EE-CE5A1ED92DA3}"/>
+              </a:ext>
+            </a:extLst>
+          </p:cNvPr>
+          <p:cNvSpPr txBox="1"/>
+          <p:nvPr/>
+        </p:nvSpPr>
+        <p:spPr>
+          <a:xfrm>
+            <a:off x="12191999" y="8420100"/>
+            <a:ext cx="2565335" cy="369332"/>
+          </a:xfrm>
+          <a:prstGeom prst="rect">
+            <a:avLst/>
+          </a:prstGeom>
+          <a:noFill/>
+        </p:spPr>
+        <p:txBody>
+          <a:bodyPr wrap="square" rtlCol="0">
+            <a:spAutoFit/>
+          </a:bodyPr>
+          <a:lstStyle/>
+          <a:p>
+            <a:r>
+              <a:rPr lang="en-US" b="1" dirty="0">
+                <a:latin typeface="Century Gothic" panose="020B0502020202020204" pitchFamily="34" charset="0"/>
+                <a:cs typeface="Times New Roman" panose="02020603050405020304" pitchFamily="18" charset="0"/>
+              </a:rPr>
+              <a:t>ALANGALANG, LEYTE</a:t>
+            </a:r>
+            <a:endParaRPr lang="en-PH" b="1" dirty="0">
+              <a:latin typeface="Century Gothic" panose="020B0502020202020204" pitchFamily="34" charset="0"/>
+              <a:cs typeface="Times New Roman" panose="02020603050405020304" pitchFamily="18" charset="0"/>
+            </a:endParaRPr>
+          </a:p>
+        </p:txBody>
+      </p:sp>
+      <p:sp>
+        <p:nvSpPr>
+          <p:cNvPr id="36" name="TextBox 35">
+            <a:extLst>
+              <a:ext uri="{FF2B5EF4-FFF2-40B4-BE49-F238E27FC236}">
+                <a16:creationId xmlns:a16="http://schemas.microsoft.com/office/drawing/2014/main" id="{C9BF7799-AEF9-CAC6-63DA-34FCCB9B0C16}"/>
+              </a:ext>
+            </a:extLst>
+          </p:cNvPr>
+          <p:cNvSpPr txBox="1"/>
+          <p:nvPr/>
+        </p:nvSpPr>
+        <p:spPr>
+          <a:xfrm>
+            <a:off x="13280830" y="8881258"/>
+            <a:ext cx="3303783" cy="830997"/>
+          </a:xfrm>
+          <a:prstGeom prst="rect">
+            <a:avLst/>
+          </a:prstGeom>
+          <a:noFill/>
+        </p:spPr>
+        <p:txBody>
+          <a:bodyPr wrap="square" rtlCol="0">
+            <a:spAutoFit/>
+          </a:bodyPr>
+          <a:lstStyle/>
+          <a:p>
+            <a:r>
+              <a:rPr lang="en-PH" sz="4800" b="1" i="0" dirty="0">
+                <a:solidFill>
+                  <a:srgbClr val="202124"/>
+                </a:solidFill>
+                <a:effectLst/>
+                <a:latin typeface="Century Gothic" panose="020B0502020202020204" pitchFamily="34" charset="0"/>
+              </a:rPr>
+              <a:t>11680.0</a:t>
+            </a:r>
+            <a:endParaRPr lang="en-PH" sz="4800" b="1" dirty="0">
+              <a:latin typeface="Century Gothic" panose="020B0502020202020204" pitchFamily="34" charset="0"/>
+              <a:cs typeface="Times New Roman" panose="02020603050405020304" pitchFamily="18" charset="0"/>
+            </a:endParaRPr>
+          </a:p>
+        </p:txBody>
+      </p:sp>
+      <p:sp>
+        <p:nvSpPr>
+          <p:cNvPr id="37" name="TextBox 36">
+            <a:extLst>
+              <a:ext uri="{FF2B5EF4-FFF2-40B4-BE49-F238E27FC236}">
+                <a16:creationId xmlns:a16="http://schemas.microsoft.com/office/drawing/2014/main" id="{54E26ED4-C216-D436-B799-FA283B0ACAC3}"/>
+              </a:ext>
+            </a:extLst>
+          </p:cNvPr>
+          <p:cNvSpPr txBox="1"/>
+          <p:nvPr/>
+        </p:nvSpPr>
+        <p:spPr>
+          <a:xfrm>
+            <a:off x="13030200" y="9535046"/>
+            <a:ext cx="2884469" cy="323165"/>
+          </a:xfrm>
+          <a:prstGeom prst="rect">
+            <a:avLst/>
+          </a:prstGeom>
+          <a:noFill/>
+        </p:spPr>
+        <p:txBody>
+          <a:bodyPr wrap="square" rtlCol="0">
+            <a:spAutoFit/>
+          </a:bodyPr>
+          <a:lstStyle/>
+          <a:p>
+            <a:pPr algn="ctr"/>
+            <a:r>
+              <a:rPr lang="en-US" sz="1500" b="1" dirty="0">
+                <a:latin typeface="Century Gothic" panose="020B0502020202020204" pitchFamily="34" charset="0"/>
+                <a:cs typeface="Times New Roman" panose="02020603050405020304" pitchFamily="18" charset="0"/>
+              </a:rPr>
+              <a:t>AFFECTED INDIVIDUALS</a:t>
+            </a:r>
+            <a:endParaRPr lang="en-PH" sz="1500" b="1" dirty="0">
+              <a:latin typeface="Century Gothic" panose="020B0502020202020204" pitchFamily="34" charset="0"/>
+              <a:cs typeface="Times New Roman" panose="02020603050405020304" pitchFamily="18" charset="0"/>
+            </a:endParaRPr>
+          </a:p>
+        </p:txBody>
+      </p:sp>
+      <p:pic>
+        <p:nvPicPr>
+          <p:cNvPr id="38" name="Picture 37">
+            <a:extLst>
+              <a:ext uri="{FF2B5EF4-FFF2-40B4-BE49-F238E27FC236}">
+                <a16:creationId xmlns:a16="http://schemas.microsoft.com/office/drawing/2014/main" id="{047F70C1-BEB5-8A91-FC0E-3A1DB52B7617}"/>
+              </a:ext>
+            </a:extLst>
+          </p:cNvPr>
+          <p:cNvPicPr>
+            <a:picLocks noChangeAspect="1"/>
+          </p:cNvPicPr>
+          <p:nvPr/>
+        </p:nvPicPr>
+        <p:blipFill>
+          <a:blip r:embed="rId3" cstate="print">
+            <a:extLst>
+              <a:ext uri="{28A0092B-C50C-407E-A947-70E740481C1C}">
+                <a14:useLocalDpi xmlns:a14="http://schemas.microsoft.com/office/drawing/2010/main" val="0"/>
+              </a:ext>
+            </a:extLst>
+          </a:blip>
+          <a:stretch>
+            <a:fillRect/>
+          </a:stretch>
+        </p:blipFill>
+        <p:spPr>
+          <a:xfrm>
+            <a:off x="16078200" y="8543637"/>
+            <a:ext cx="1344105" cy="1344105"/>
+          </a:xfrm>
+          <a:prstGeom prst="rect">
+            <a:avLst/>
+          </a:prstGeom>
+        </p:spPr>
+      </p:pic>
+      <p:pic>
+        <p:nvPicPr>
+          <p:cNvPr id="26" name="Picture 25">
+            <a:extLst>
+              <a:ext uri="{FF2B5EF4-FFF2-40B4-BE49-F238E27FC236}">
+                <a16:creationId xmlns:a16="http://schemas.microsoft.com/office/drawing/2014/main" id="{388B4CF8-4DA4-0175-5609-83DB9BD4D188}"/>
+              </a:ext>
+            </a:extLst>
+          </p:cNvPr>
+          <p:cNvPicPr>
+            <a:picLocks noChangeAspect="1"/>
+          </p:cNvPicPr>
+          <p:nvPr/>
+        </p:nvPicPr>
+        <p:blipFill>
+          <a:blip r:embed="rId4">
+            <a:extLst>
+              <a:ext uri="{28A0092B-C50C-407E-A947-70E740481C1C}">
+                <a14:useLocalDpi xmlns:a14="http://schemas.microsoft.com/office/drawing/2010/main" val="0"/>
+              </a:ext>
+            </a:extLst>
+          </a:blip>
+          <a:srcRect/>
+          <a:stretch/>
+        </p:blipFill>
+        <p:spPr>
+          <a:xfrm>
+            <a:off x="6096000" y="380370"/>
+            <a:ext cx="11672597" cy="7854442"/>
+          </a:xfrm>
+          <a:prstGeom prst="rect">
+            <a:avLst/>
+          </a:prstGeom>
+          <a:ln w="38100">
+            <a:solidFill>
+              <a:schemeClr val="tx1"/>
+            </a:solidFill>
+          </a:ln>
+        </p:spPr>
+      </p:pic>
+    </p:spTree>
+    <p:extLst>
+      <p:ext uri="{BB962C8B-B14F-4D97-AF65-F5344CB8AC3E}">
+        <p14:creationId xmlns:p14="http://schemas.microsoft.com/office/powerpoint/2010/main" val="62789279"/>
+      </p:ext>
+    </p:extLst>
+  </p:cSld>
+  <p:clrMapOvr>
+    <a:masterClrMapping/>
+  </p:clrMapOvr>
+</p:sld>
+</file>
+
+<file path=ppt/slides/slide13.xml><?xml version="1.0" encoding="utf-8"?>
+<p:sld xmlns:a="http://schemas.openxmlformats.org/drawingml/2006/main" xmlns:r="http://schemas.openxmlformats.org/officeDocument/2006/relationships" xmlns:p="http://schemas.openxmlformats.org/presentationml/2006/main">
+  <p:cSld>
+    <p:spTree>
+      <p:nvGrpSpPr>
+        <p:cNvPr id="1" name=""/>
+        <p:cNvGrpSpPr/>
+        <p:nvPr/>
+      </p:nvGrpSpPr>
+      <p:grpSpPr>
+        <a:xfrm>
+          <a:off x="0" y="0"/>
+          <a:ext cx="0" cy="0"/>
+          <a:chOff x="0" y="0"/>
+          <a:chExt cx="0" cy="0"/>
+        </a:xfrm>
+      </p:grpSpPr>
+      <p:sp>
+        <p:nvSpPr>
+          <p:cNvPr id="2" name="object 2"/>
+          <p:cNvSpPr/>
+          <p:nvPr/>
+        </p:nvSpPr>
+        <p:spPr>
+          <a:xfrm>
+            <a:off x="0" y="0"/>
+            <a:ext cx="5638800" cy="10287000"/>
+          </a:xfrm>
+          <a:custGeom>
+            <a:avLst/>
+            <a:gdLst/>
+            <a:ahLst/>
+            <a:cxnLst/>
+            <a:rect l="l" t="t" r="r" b="b"/>
+            <a:pathLst>
+              <a:path w="4810125" h="10287000">
+                <a:moveTo>
+                  <a:pt x="4810124" y="10286999"/>
+                </a:moveTo>
+                <a:lnTo>
+                  <a:pt x="0" y="10286999"/>
+                </a:lnTo>
+                <a:lnTo>
+                  <a:pt x="0" y="0"/>
+                </a:lnTo>
+                <a:lnTo>
+                  <a:pt x="4810124" y="0"/>
+                </a:lnTo>
+                <a:lnTo>
+                  <a:pt x="4810124" y="10286999"/>
+                </a:lnTo>
+                <a:close/>
+              </a:path>
+            </a:pathLst>
+          </a:custGeom>
+          <a:solidFill>
+            <a:srgbClr val="D5D5D5"/>
+          </a:solidFill>
+        </p:spPr>
+        <p:txBody>
+          <a:bodyPr wrap="square" lIns="0" tIns="0" rIns="0" bIns="0" rtlCol="0"/>
+          <a:lstStyle/>
+          <a:p>
+            <a:endParaRPr dirty="0"/>
+          </a:p>
+        </p:txBody>
+      </p:sp>
+      <p:grpSp>
+        <p:nvGrpSpPr>
+          <p:cNvPr id="17" name="object 17"/>
+          <p:cNvGrpSpPr/>
+          <p:nvPr/>
+        </p:nvGrpSpPr>
+        <p:grpSpPr>
+          <a:xfrm>
+            <a:off x="951690" y="1028700"/>
+            <a:ext cx="4175760" cy="9258300"/>
+            <a:chOff x="951690" y="1028700"/>
+            <a:chExt cx="4175760" cy="9258300"/>
+          </a:xfrm>
+        </p:grpSpPr>
+        <p:sp>
+          <p:nvSpPr>
+            <p:cNvPr id="18" name="object 18"/>
+            <p:cNvSpPr/>
+            <p:nvPr/>
+          </p:nvSpPr>
+          <p:spPr>
+            <a:xfrm>
+              <a:off x="4489132" y="8144128"/>
+              <a:ext cx="638175" cy="2143125"/>
+            </a:xfrm>
+            <a:custGeom>
+              <a:avLst/>
+              <a:gdLst/>
+              <a:ahLst/>
+              <a:cxnLst/>
+              <a:rect l="l" t="t" r="r" b="b"/>
+              <a:pathLst>
+                <a:path w="638175" h="2143125">
+                  <a:moveTo>
+                    <a:pt x="627545" y="2142871"/>
+                  </a:moveTo>
+                  <a:lnTo>
+                    <a:pt x="469595" y="1984133"/>
+                  </a:lnTo>
+                  <a:lnTo>
+                    <a:pt x="319087" y="1832864"/>
+                  </a:lnTo>
+                  <a:lnTo>
+                    <a:pt x="10642" y="2142871"/>
+                  </a:lnTo>
+                  <a:lnTo>
+                    <a:pt x="161137" y="2142871"/>
+                  </a:lnTo>
+                  <a:lnTo>
+                    <a:pt x="319087" y="1984133"/>
+                  </a:lnTo>
+                  <a:lnTo>
+                    <a:pt x="477037" y="2142871"/>
+                  </a:lnTo>
+                  <a:lnTo>
+                    <a:pt x="627545" y="2142871"/>
+                  </a:lnTo>
+                  <a:close/>
+                </a:path>
+                <a:path w="638175" h="2143125">
+                  <a:moveTo>
+                    <a:pt x="638175" y="1695348"/>
+                  </a:moveTo>
+                  <a:lnTo>
+                    <a:pt x="319087" y="1374648"/>
+                  </a:lnTo>
+                  <a:lnTo>
+                    <a:pt x="0" y="1695348"/>
+                  </a:lnTo>
+                  <a:lnTo>
+                    <a:pt x="75260" y="1770976"/>
+                  </a:lnTo>
+                  <a:lnTo>
+                    <a:pt x="319087" y="1525917"/>
+                  </a:lnTo>
+                  <a:lnTo>
+                    <a:pt x="562927" y="1770976"/>
+                  </a:lnTo>
+                  <a:lnTo>
+                    <a:pt x="638175" y="1695348"/>
+                  </a:lnTo>
+                  <a:close/>
+                </a:path>
+                <a:path w="638175" h="2143125">
+                  <a:moveTo>
+                    <a:pt x="638175" y="1237132"/>
+                  </a:moveTo>
+                  <a:lnTo>
+                    <a:pt x="319087" y="916432"/>
+                  </a:lnTo>
+                  <a:lnTo>
+                    <a:pt x="0" y="1237132"/>
+                  </a:lnTo>
+                  <a:lnTo>
+                    <a:pt x="75260" y="1312760"/>
+                  </a:lnTo>
+                  <a:lnTo>
+                    <a:pt x="319087" y="1067689"/>
+                  </a:lnTo>
+                  <a:lnTo>
+                    <a:pt x="562927" y="1312760"/>
+                  </a:lnTo>
+                  <a:lnTo>
+                    <a:pt x="638175" y="1237132"/>
+                  </a:lnTo>
+                  <a:close/>
+                </a:path>
+                <a:path w="638175" h="2143125">
+                  <a:moveTo>
+                    <a:pt x="638175" y="778916"/>
+                  </a:moveTo>
+                  <a:lnTo>
+                    <a:pt x="319087" y="458216"/>
+                  </a:lnTo>
+                  <a:lnTo>
+                    <a:pt x="0" y="778916"/>
+                  </a:lnTo>
+                  <a:lnTo>
+                    <a:pt x="75260" y="854544"/>
+                  </a:lnTo>
+                  <a:lnTo>
+                    <a:pt x="319087" y="609485"/>
+                  </a:lnTo>
+                  <a:lnTo>
+                    <a:pt x="562927" y="854544"/>
+                  </a:lnTo>
+                  <a:lnTo>
+                    <a:pt x="638175" y="778916"/>
+                  </a:lnTo>
+                  <a:close/>
+                </a:path>
+                <a:path w="638175" h="2143125">
+                  <a:moveTo>
+                    <a:pt x="638175" y="320700"/>
+                  </a:moveTo>
+                  <a:lnTo>
+                    <a:pt x="319087" y="0"/>
+                  </a:lnTo>
+                  <a:lnTo>
+                    <a:pt x="0" y="320700"/>
+                  </a:lnTo>
+                  <a:lnTo>
+                    <a:pt x="75260" y="396328"/>
+                  </a:lnTo>
+                  <a:lnTo>
+                    <a:pt x="319087" y="151269"/>
+                  </a:lnTo>
+                  <a:lnTo>
+                    <a:pt x="562927" y="396328"/>
+                  </a:lnTo>
+                  <a:lnTo>
+                    <a:pt x="638175" y="320700"/>
+                  </a:lnTo>
+                  <a:close/>
+                </a:path>
+              </a:pathLst>
+            </a:custGeom>
+            <a:solidFill>
+              <a:schemeClr val="bg1"/>
+            </a:solidFill>
+          </p:spPr>
+          <p:txBody>
+            <a:bodyPr wrap="square" lIns="0" tIns="0" rIns="0" bIns="0" rtlCol="0"/>
+            <a:lstStyle/>
+            <a:p>
+              <a:endParaRPr dirty="0"/>
+            </a:p>
+          </p:txBody>
+        </p:sp>
+        <p:sp>
+          <p:nvSpPr>
+            <p:cNvPr id="19" name="object 19"/>
+            <p:cNvSpPr/>
+            <p:nvPr/>
+          </p:nvSpPr>
+          <p:spPr>
+            <a:xfrm>
+              <a:off x="951687" y="1028712"/>
+              <a:ext cx="466090" cy="304800"/>
+            </a:xfrm>
+            <a:custGeom>
+              <a:avLst/>
+              <a:gdLst/>
+              <a:ahLst/>
+              <a:cxnLst/>
+              <a:rect l="l" t="t" r="r" b="b"/>
+              <a:pathLst>
+                <a:path w="466090" h="304800">
+                  <a:moveTo>
+                    <a:pt x="465823" y="254000"/>
+                  </a:moveTo>
+                  <a:lnTo>
+                    <a:pt x="0" y="254000"/>
+                  </a:lnTo>
+                  <a:lnTo>
+                    <a:pt x="0" y="304800"/>
+                  </a:lnTo>
+                  <a:lnTo>
+                    <a:pt x="465823" y="304800"/>
+                  </a:lnTo>
+                  <a:lnTo>
+                    <a:pt x="465823" y="254000"/>
+                  </a:lnTo>
+                  <a:close/>
+                </a:path>
+                <a:path w="466090" h="304800">
+                  <a:moveTo>
+                    <a:pt x="465823" y="127000"/>
+                  </a:moveTo>
+                  <a:lnTo>
+                    <a:pt x="0" y="127000"/>
+                  </a:lnTo>
+                  <a:lnTo>
+                    <a:pt x="0" y="177800"/>
+                  </a:lnTo>
+                  <a:lnTo>
+                    <a:pt x="465823" y="177800"/>
+                  </a:lnTo>
+                  <a:lnTo>
+                    <a:pt x="465823" y="127000"/>
+                  </a:lnTo>
+                  <a:close/>
+                </a:path>
+                <a:path w="466090" h="304800">
+                  <a:moveTo>
+                    <a:pt x="465823" y="0"/>
+                  </a:moveTo>
+                  <a:lnTo>
+                    <a:pt x="0" y="0"/>
+                  </a:lnTo>
+                  <a:lnTo>
+                    <a:pt x="0" y="50800"/>
+                  </a:lnTo>
+                  <a:lnTo>
+                    <a:pt x="465823" y="50800"/>
+                  </a:lnTo>
+                  <a:lnTo>
+                    <a:pt x="465823" y="0"/>
+                  </a:lnTo>
+                  <a:close/>
+                </a:path>
+              </a:pathLst>
+            </a:custGeom>
+            <a:solidFill>
+              <a:srgbClr val="FFFFFF"/>
+            </a:solidFill>
+          </p:spPr>
+          <p:txBody>
+            <a:bodyPr wrap="square" lIns="0" tIns="0" rIns="0" bIns="0" rtlCol="0"/>
+            <a:lstStyle/>
+            <a:p>
+              <a:endParaRPr/>
+            </a:p>
+          </p:txBody>
+        </p:sp>
+      </p:grpSp>
+      <p:sp>
+        <p:nvSpPr>
+          <p:cNvPr id="23" name="object 17"/>
+          <p:cNvSpPr txBox="1"/>
+          <p:nvPr/>
+        </p:nvSpPr>
+        <p:spPr>
+          <a:xfrm rot="5400000">
+            <a:off x="2537575" y="-314474"/>
+            <a:ext cx="923330" cy="5279120"/>
+          </a:xfrm>
+          <a:prstGeom prst="rect">
+            <a:avLst/>
+          </a:prstGeom>
+        </p:spPr>
+        <p:txBody>
+          <a:bodyPr vert="vert270" wrap="square" lIns="0" tIns="16510" rIns="0" bIns="0" rtlCol="0">
+            <a:spAutoFit/>
+          </a:bodyPr>
+          <a:lstStyle/>
+          <a:p>
+            <a:pPr marL="12700">
+              <a:lnSpc>
+                <a:spcPct val="100000"/>
+              </a:lnSpc>
+              <a:spcBef>
+                <a:spcPts val="130"/>
+              </a:spcBef>
+            </a:pPr>
+            <a:r>
+              <a:rPr lang="en-PH" sz="6000" b="1" spc="-70" dirty="0">
+                <a:solidFill>
+                  <a:schemeClr val="accent4">
+                    <a:lumMod val="50000"/>
+                  </a:schemeClr>
+                </a:solidFill>
+                <a:latin typeface="Tahoma" panose="020B0604030504040204"/>
+                <a:cs typeface="Tahoma" panose="020B0604030504040204"/>
+              </a:rPr>
+              <a:t>OBJECTIVES</a:t>
+            </a:r>
+            <a:endParaRPr sz="6000" dirty="0">
+              <a:solidFill>
+                <a:schemeClr val="accent4">
+                  <a:lumMod val="50000"/>
+                </a:schemeClr>
+              </a:solidFill>
+              <a:latin typeface="Tahoma" panose="020B0604030504040204"/>
+              <a:cs typeface="Tahoma" panose="020B0604030504040204"/>
+            </a:endParaRPr>
+          </a:p>
+        </p:txBody>
+      </p:sp>
+      <p:sp>
+        <p:nvSpPr>
+          <p:cNvPr id="24" name="Rectangle 23"/>
+          <p:cNvSpPr/>
+          <p:nvPr/>
+        </p:nvSpPr>
+        <p:spPr>
+          <a:xfrm>
+            <a:off x="228600" y="3196933"/>
+            <a:ext cx="5029200" cy="727368"/>
+          </a:xfrm>
+          <a:prstGeom prst="rect">
+            <a:avLst/>
+          </a:prstGeom>
+          <a:ln w="57150"/>
+        </p:spPr>
+        <p:style>
+          <a:lnRef idx="2">
+            <a:schemeClr val="dk1"/>
+          </a:lnRef>
+          <a:fillRef idx="1">
+            <a:schemeClr val="lt1"/>
+          </a:fillRef>
+          <a:effectRef idx="0">
+            <a:schemeClr val="dk1"/>
+          </a:effectRef>
+          <a:fontRef idx="minor">
+            <a:schemeClr val="dk1"/>
+          </a:fontRef>
+        </p:style>
+        <p:txBody>
+          <a:bodyPr rtlCol="0" anchor="ctr"/>
+          <a:lstStyle/>
+          <a:p>
+            <a:pPr marL="0" marR="0" algn="ctr">
+              <a:spcBef>
+                <a:spcPts val="0"/>
+              </a:spcBef>
+              <a:spcAft>
+                <a:spcPts val="0"/>
+              </a:spcAft>
+            </a:pPr>
+            <a:r>
+              <a:rPr lang="en-US" sz="2000" u="sng" dirty="0">
+                <a:effectLst/>
+                <a:latin typeface="Times New Roman" panose="02020603050405020304" pitchFamily="18" charset="0"/>
+                <a:ea typeface="Times New Roman" panose="02020603050405020304" pitchFamily="18" charset="0"/>
+              </a:rPr>
+              <a:t>Humanitarian Data Exchange Data set about Philippines (2019)</a:t>
+            </a:r>
+            <a:endParaRPr lang="en-US" sz="2000" dirty="0">
+              <a:effectLst/>
+              <a:latin typeface="Calibri" panose="020F0502020204030204" pitchFamily="34" charset="0"/>
+              <a:ea typeface="Calibri" panose="020F0502020204030204" pitchFamily="34" charset="0"/>
+            </a:endParaRPr>
+          </a:p>
+        </p:txBody>
+      </p:sp>
+      <p:sp>
+        <p:nvSpPr>
+          <p:cNvPr id="25" name="Rectangle 24"/>
+          <p:cNvSpPr/>
+          <p:nvPr/>
+        </p:nvSpPr>
+        <p:spPr>
+          <a:xfrm>
+            <a:off x="264000" y="5581246"/>
+            <a:ext cx="4993800" cy="992209"/>
+          </a:xfrm>
+          <a:prstGeom prst="rect">
+            <a:avLst/>
+          </a:prstGeom>
+        </p:spPr>
+        <p:style>
+          <a:lnRef idx="2">
+            <a:schemeClr val="dk1"/>
+          </a:lnRef>
+          <a:fillRef idx="1">
+            <a:schemeClr val="lt1"/>
+          </a:fillRef>
+          <a:effectRef idx="0">
+            <a:schemeClr val="dk1"/>
+          </a:effectRef>
+          <a:fontRef idx="minor">
+            <a:schemeClr val="dk1"/>
+          </a:fontRef>
+        </p:style>
+        <p:txBody>
+          <a:bodyPr rtlCol="0" anchor="ctr"/>
+          <a:lstStyle/>
+          <a:p>
+            <a:pPr marL="0" marR="0" algn="ctr">
+              <a:spcBef>
+                <a:spcPts val="0"/>
+              </a:spcBef>
+              <a:spcAft>
+                <a:spcPts val="0"/>
+              </a:spcAft>
+            </a:pPr>
+            <a:r>
+              <a:rPr lang="en-US" sz="1800" u="sng" dirty="0">
+                <a:effectLst/>
+                <a:latin typeface="Times New Roman" panose="02020603050405020304" pitchFamily="18" charset="0"/>
+                <a:ea typeface="Times New Roman" panose="02020603050405020304" pitchFamily="18" charset="0"/>
+              </a:rPr>
+              <a:t>The Centre for Research on the Epidemiology of Disasters' Data set about the American Typhoons (2000-2022)</a:t>
+            </a:r>
+            <a:endParaRPr lang="en-US" sz="1800" u="sng" dirty="0">
+              <a:effectLst/>
+              <a:latin typeface="Calibri" panose="020F0502020204030204" pitchFamily="34" charset="0"/>
+              <a:ea typeface="Calibri" panose="020F0502020204030204" pitchFamily="34" charset="0"/>
+            </a:endParaRPr>
+          </a:p>
+        </p:txBody>
+      </p:sp>
+      <p:sp>
+        <p:nvSpPr>
+          <p:cNvPr id="16" name="Rectangle 15"/>
+          <p:cNvSpPr/>
+          <p:nvPr/>
+        </p:nvSpPr>
+        <p:spPr>
+          <a:xfrm>
+            <a:off x="951687" y="4156615"/>
+            <a:ext cx="4270713" cy="312196"/>
+          </a:xfrm>
+          <a:prstGeom prst="rect">
+            <a:avLst/>
+          </a:prstGeom>
           <a:ln w="28575"/>
         </p:spPr>
         <p:style>
@@ -3674,7 +7561,7 @@
 </p:sld>
 </file>
 
-<file path=ppt/slides/slide11.xml><?xml version="1.0" encoding="utf-8"?>
+<file path=ppt/slides/slide14.xml><?xml version="1.0" encoding="utf-8"?>
 <p:sld xmlns:a="http://schemas.openxmlformats.org/drawingml/2006/main" xmlns:r="http://schemas.openxmlformats.org/officeDocument/2006/relationships" xmlns:p="http://schemas.openxmlformats.org/presentationml/2006/main" showMasterSp="0">
   <p:cSld>
     <p:spTree>
@@ -4643,7 +8530,7 @@
 </p:sld>
 </file>
 
-<file path=ppt/slides/slide12.xml><?xml version="1.0" encoding="utf-8"?>
+<file path=ppt/slides/slide15.xml><?xml version="1.0" encoding="utf-8"?>
 <p:sld xmlns:a="http://schemas.openxmlformats.org/drawingml/2006/main" xmlns:r="http://schemas.openxmlformats.org/officeDocument/2006/relationships" xmlns:p="http://schemas.openxmlformats.org/presentationml/2006/main">
   <p:cSld>
     <p:spTree>
@@ -5815,7 +9702,7 @@
 </p:sld>
 </file>
 
-<file path=ppt/slides/slide13.xml><?xml version="1.0" encoding="utf-8"?>
+<file path=ppt/slides/slide16.xml><?xml version="1.0" encoding="utf-8"?>
 <p:sld xmlns:a="http://schemas.openxmlformats.org/drawingml/2006/main" xmlns:r="http://schemas.openxmlformats.org/officeDocument/2006/relationships" xmlns:p="http://schemas.openxmlformats.org/presentationml/2006/main">
   <p:cSld>
     <p:spTree>
@@ -7036,7 +10923,7 @@
 </p:sld>
 </file>
 
-<file path=ppt/slides/slide14.xml><?xml version="1.0" encoding="utf-8"?>
+<file path=ppt/slides/slide17.xml><?xml version="1.0" encoding="utf-8"?>
 <p:sld xmlns:a="http://schemas.openxmlformats.org/drawingml/2006/main" xmlns:r="http://schemas.openxmlformats.org/officeDocument/2006/relationships" xmlns:p="http://schemas.openxmlformats.org/presentationml/2006/main">
   <p:cSld>
     <p:spTree>
@@ -8213,7 +12100,7 @@
 </p:sld>
 </file>
 
-<file path=ppt/slides/slide15.xml><?xml version="1.0" encoding="utf-8"?>
+<file path=ppt/slides/slide18.xml><?xml version="1.0" encoding="utf-8"?>
 <p:sld xmlns:a="http://schemas.openxmlformats.org/drawingml/2006/main" xmlns:r="http://schemas.openxmlformats.org/officeDocument/2006/relationships" xmlns:p="http://schemas.openxmlformats.org/presentationml/2006/main">
   <p:cSld>
     <p:spTree>
@@ -9402,7 +13289,7 @@
 </p:sld>
 </file>
 
-<file path=ppt/slides/slide16.xml><?xml version="1.0" encoding="utf-8"?>
+<file path=ppt/slides/slide19.xml><?xml version="1.0" encoding="utf-8"?>
 <p:sld xmlns:a="http://schemas.openxmlformats.org/drawingml/2006/main" xmlns:r="http://schemas.openxmlformats.org/officeDocument/2006/relationships" xmlns:p="http://schemas.openxmlformats.org/presentationml/2006/main">
   <p:cSld>
     <p:spTree>
@@ -10411,7 +14298,710 @@
 </p:sld>
 </file>
 
-<file path=ppt/slides/slide17.xml><?xml version="1.0" encoding="utf-8"?>
+<file path=ppt/slides/slide2.xml><?xml version="1.0" encoding="utf-8"?>
+<p:sld xmlns:a="http://schemas.openxmlformats.org/drawingml/2006/main" xmlns:r="http://schemas.openxmlformats.org/officeDocument/2006/relationships" xmlns:p="http://schemas.openxmlformats.org/presentationml/2006/main" showMasterSp="0">
+  <p:cSld>
+    <p:spTree>
+      <p:nvGrpSpPr>
+        <p:cNvPr id="1" name=""/>
+        <p:cNvGrpSpPr/>
+        <p:nvPr/>
+      </p:nvGrpSpPr>
+      <p:grpSpPr>
+        <a:xfrm>
+          <a:off x="0" y="0"/>
+          <a:ext cx="0" cy="0"/>
+          <a:chOff x="0" y="0"/>
+          <a:chExt cx="0" cy="0"/>
+        </a:xfrm>
+      </p:grpSpPr>
+      <p:sp>
+        <p:nvSpPr>
+          <p:cNvPr id="3" name="object 3"/>
+          <p:cNvSpPr/>
+          <p:nvPr/>
+        </p:nvSpPr>
+        <p:spPr>
+          <a:xfrm>
+            <a:off x="0" y="0"/>
+            <a:ext cx="4238625" cy="10287000"/>
+          </a:xfrm>
+          <a:custGeom>
+            <a:avLst/>
+            <a:gdLst/>
+            <a:ahLst/>
+            <a:cxnLst/>
+            <a:rect l="l" t="t" r="r" b="b"/>
+            <a:pathLst>
+              <a:path w="4238625" h="10287000">
+                <a:moveTo>
+                  <a:pt x="4238624" y="10286999"/>
+                </a:moveTo>
+                <a:lnTo>
+                  <a:pt x="0" y="10286999"/>
+                </a:lnTo>
+                <a:lnTo>
+                  <a:pt x="0" y="0"/>
+                </a:lnTo>
+                <a:lnTo>
+                  <a:pt x="4238624" y="0"/>
+                </a:lnTo>
+                <a:lnTo>
+                  <a:pt x="4238624" y="10286999"/>
+                </a:lnTo>
+                <a:close/>
+              </a:path>
+            </a:pathLst>
+          </a:custGeom>
+          <a:solidFill>
+            <a:srgbClr val="D5D5D5"/>
+          </a:solidFill>
+        </p:spPr>
+        <p:txBody>
+          <a:bodyPr wrap="square" lIns="0" tIns="0" rIns="0" bIns="0" rtlCol="0"/>
+          <a:lstStyle/>
+          <a:p>
+            <a:endParaRPr dirty="0"/>
+          </a:p>
+        </p:txBody>
+      </p:sp>
+      <p:sp>
+        <p:nvSpPr>
+          <p:cNvPr id="4" name="object 4"/>
+          <p:cNvSpPr txBox="1"/>
+          <p:nvPr/>
+        </p:nvSpPr>
+        <p:spPr>
+          <a:xfrm>
+            <a:off x="1703813" y="1113246"/>
+            <a:ext cx="830997" cy="7071254"/>
+          </a:xfrm>
+          <a:prstGeom prst="rect">
+            <a:avLst/>
+          </a:prstGeom>
+        </p:spPr>
+        <p:txBody>
+          <a:bodyPr vert="vert270" wrap="square" lIns="0" tIns="13970" rIns="0" bIns="0" rtlCol="0">
+            <a:spAutoFit/>
+          </a:bodyPr>
+          <a:lstStyle/>
+          <a:p>
+            <a:pPr marL="12700">
+              <a:lnSpc>
+                <a:spcPct val="100000"/>
+              </a:lnSpc>
+              <a:spcBef>
+                <a:spcPts val="110"/>
+              </a:spcBef>
+            </a:pPr>
+            <a:r>
+              <a:rPr sz="5400" b="1" spc="-130" dirty="0">
+                <a:solidFill>
+                  <a:srgbClr val="FFFFFF"/>
+                </a:solidFill>
+                <a:latin typeface="Tahoma" panose="020B0604030504040204"/>
+                <a:cs typeface="Tahoma" panose="020B0604030504040204"/>
+              </a:rPr>
+              <a:t>DID</a:t>
+            </a:r>
+            <a:r>
+              <a:rPr sz="5400" b="1" spc="85" dirty="0">
+                <a:solidFill>
+                  <a:srgbClr val="FFFFFF"/>
+                </a:solidFill>
+                <a:latin typeface="Tahoma" panose="020B0604030504040204"/>
+                <a:cs typeface="Tahoma" panose="020B0604030504040204"/>
+              </a:rPr>
+              <a:t> </a:t>
+            </a:r>
+            <a:r>
+              <a:rPr sz="5400" b="1" spc="30" dirty="0">
+                <a:solidFill>
+                  <a:srgbClr val="FFFFFF"/>
+                </a:solidFill>
+                <a:latin typeface="Tahoma" panose="020B0604030504040204"/>
+                <a:cs typeface="Tahoma" panose="020B0604030504040204"/>
+              </a:rPr>
+              <a:t>YOU</a:t>
+            </a:r>
+            <a:r>
+              <a:rPr sz="5400" b="1" spc="85" dirty="0">
+                <a:solidFill>
+                  <a:srgbClr val="FFFFFF"/>
+                </a:solidFill>
+                <a:latin typeface="Tahoma" panose="020B0604030504040204"/>
+                <a:cs typeface="Tahoma" panose="020B0604030504040204"/>
+              </a:rPr>
+              <a:t> </a:t>
+            </a:r>
+            <a:r>
+              <a:rPr sz="5400" b="1" spc="40" dirty="0">
+                <a:solidFill>
+                  <a:srgbClr val="FFFFFF"/>
+                </a:solidFill>
+                <a:latin typeface="Tahoma" panose="020B0604030504040204"/>
+                <a:cs typeface="Tahoma" panose="020B0604030504040204"/>
+              </a:rPr>
+              <a:t>KNOW?</a:t>
+            </a:r>
+            <a:endParaRPr sz="5400" dirty="0">
+              <a:latin typeface="Tahoma" panose="020B0604030504040204"/>
+              <a:cs typeface="Tahoma" panose="020B0604030504040204"/>
+            </a:endParaRPr>
+          </a:p>
+        </p:txBody>
+      </p:sp>
+      <p:sp>
+        <p:nvSpPr>
+          <p:cNvPr id="5" name="object 5"/>
+          <p:cNvSpPr txBox="1"/>
+          <p:nvPr/>
+        </p:nvSpPr>
+        <p:spPr>
+          <a:xfrm>
+            <a:off x="11038205" y="3230213"/>
+            <a:ext cx="6259195" cy="4260141"/>
+          </a:xfrm>
+          <a:prstGeom prst="rect">
+            <a:avLst/>
+          </a:prstGeom>
+        </p:spPr>
+        <p:txBody>
+          <a:bodyPr vert="horz" wrap="square" lIns="0" tIns="12700" rIns="0" bIns="0" rtlCol="0">
+            <a:spAutoFit/>
+          </a:bodyPr>
+          <a:lstStyle/>
+          <a:p>
+            <a:pPr marL="12700" algn="r">
+              <a:lnSpc>
+                <a:spcPct val="100000"/>
+              </a:lnSpc>
+              <a:spcBef>
+                <a:spcPts val="100"/>
+              </a:spcBef>
+            </a:pPr>
+            <a:r>
+              <a:rPr lang="en-US" sz="27600" b="1" spc="-3015" dirty="0">
+                <a:solidFill>
+                  <a:schemeClr val="tx1">
+                    <a:lumMod val="95000"/>
+                    <a:lumOff val="5000"/>
+                  </a:schemeClr>
+                </a:solidFill>
+                <a:uFill>
+                  <a:solidFill>
+                    <a:srgbClr val="F41723"/>
+                  </a:solidFill>
+                </a:uFill>
+                <a:latin typeface="Verdana" panose="020B0604030504040204"/>
+                <a:cs typeface="Verdana" panose="020B0604030504040204"/>
+              </a:rPr>
+              <a:t>20</a:t>
+            </a:r>
+            <a:endParaRPr sz="27600" b="1" dirty="0">
+              <a:solidFill>
+                <a:schemeClr val="tx1">
+                  <a:lumMod val="95000"/>
+                  <a:lumOff val="5000"/>
+                </a:schemeClr>
+              </a:solidFill>
+              <a:latin typeface="Verdana" panose="020B0604030504040204"/>
+              <a:cs typeface="Verdana" panose="020B0604030504040204"/>
+            </a:endParaRPr>
+          </a:p>
+        </p:txBody>
+      </p:sp>
+      <p:sp>
+        <p:nvSpPr>
+          <p:cNvPr id="6" name="object 6"/>
+          <p:cNvSpPr txBox="1"/>
+          <p:nvPr/>
+        </p:nvSpPr>
+        <p:spPr>
+          <a:xfrm>
+            <a:off x="11353800" y="7723124"/>
+            <a:ext cx="6005830" cy="1306576"/>
+          </a:xfrm>
+          <a:prstGeom prst="rect">
+            <a:avLst/>
+          </a:prstGeom>
+        </p:spPr>
+        <p:txBody>
+          <a:bodyPr vert="horz" wrap="square" lIns="0" tIns="12700" rIns="0" bIns="0" rtlCol="0">
+            <a:spAutoFit/>
+          </a:bodyPr>
+          <a:lstStyle/>
+          <a:p>
+            <a:pPr marL="12700" marR="5080" indent="918210" algn="r">
+              <a:lnSpc>
+                <a:spcPct val="107000"/>
+              </a:lnSpc>
+              <a:spcBef>
+                <a:spcPts val="100"/>
+              </a:spcBef>
+            </a:pPr>
+            <a:r>
+              <a:rPr lang="en-US" sz="2700" b="1" dirty="0">
+                <a:solidFill>
+                  <a:schemeClr val="tx1">
+                    <a:lumMod val="95000"/>
+                    <a:lumOff val="5000"/>
+                  </a:schemeClr>
+                </a:solidFill>
+                <a:latin typeface="Tahoma" panose="020B0604030504040204"/>
+                <a:cs typeface="Tahoma" panose="020B0604030504040204"/>
+              </a:rPr>
+              <a:t>Twenty tropical cyclones pass through the Philippine Area of Responsibility per year</a:t>
+            </a:r>
+            <a:endParaRPr lang="en-US" sz="2700" dirty="0">
+              <a:solidFill>
+                <a:schemeClr val="tx1">
+                  <a:lumMod val="95000"/>
+                  <a:lumOff val="5000"/>
+                </a:schemeClr>
+              </a:solidFill>
+              <a:latin typeface="Tahoma" panose="020B0604030504040204"/>
+              <a:cs typeface="Tahoma" panose="020B0604030504040204"/>
+            </a:endParaRPr>
+          </a:p>
+        </p:txBody>
+      </p:sp>
+      <p:sp>
+        <p:nvSpPr>
+          <p:cNvPr id="7" name="object 7"/>
+          <p:cNvSpPr/>
+          <p:nvPr/>
+        </p:nvSpPr>
+        <p:spPr>
+          <a:xfrm>
+            <a:off x="16796703" y="1282700"/>
+            <a:ext cx="466090" cy="50800"/>
+          </a:xfrm>
+          <a:custGeom>
+            <a:avLst/>
+            <a:gdLst/>
+            <a:ahLst/>
+            <a:cxnLst/>
+            <a:rect l="l" t="t" r="r" b="b"/>
+            <a:pathLst>
+              <a:path w="466090" h="50800">
+                <a:moveTo>
+                  <a:pt x="465824" y="50799"/>
+                </a:moveTo>
+                <a:lnTo>
+                  <a:pt x="0" y="50799"/>
+                </a:lnTo>
+                <a:lnTo>
+                  <a:pt x="0" y="0"/>
+                </a:lnTo>
+                <a:lnTo>
+                  <a:pt x="465824" y="0"/>
+                </a:lnTo>
+                <a:lnTo>
+                  <a:pt x="465824" y="50799"/>
+                </a:lnTo>
+                <a:close/>
+              </a:path>
+            </a:pathLst>
+          </a:custGeom>
+          <a:solidFill>
+            <a:srgbClr val="FFFFFF"/>
+          </a:solidFill>
+        </p:spPr>
+        <p:txBody>
+          <a:bodyPr wrap="square" lIns="0" tIns="0" rIns="0" bIns="0" rtlCol="0"/>
+          <a:lstStyle/>
+          <a:p>
+            <a:endParaRPr/>
+          </a:p>
+        </p:txBody>
+      </p:sp>
+      <p:sp>
+        <p:nvSpPr>
+          <p:cNvPr id="8" name="object 8"/>
+          <p:cNvSpPr/>
+          <p:nvPr/>
+        </p:nvSpPr>
+        <p:spPr>
+          <a:xfrm>
+            <a:off x="16796703" y="1155700"/>
+            <a:ext cx="466090" cy="50800"/>
+          </a:xfrm>
+          <a:custGeom>
+            <a:avLst/>
+            <a:gdLst/>
+            <a:ahLst/>
+            <a:cxnLst/>
+            <a:rect l="l" t="t" r="r" b="b"/>
+            <a:pathLst>
+              <a:path w="466090" h="50800">
+                <a:moveTo>
+                  <a:pt x="465824" y="50799"/>
+                </a:moveTo>
+                <a:lnTo>
+                  <a:pt x="0" y="50799"/>
+                </a:lnTo>
+                <a:lnTo>
+                  <a:pt x="0" y="0"/>
+                </a:lnTo>
+                <a:lnTo>
+                  <a:pt x="465824" y="0"/>
+                </a:lnTo>
+                <a:lnTo>
+                  <a:pt x="465824" y="50799"/>
+                </a:lnTo>
+                <a:close/>
+              </a:path>
+            </a:pathLst>
+          </a:custGeom>
+          <a:solidFill>
+            <a:srgbClr val="FFFFFF"/>
+          </a:solidFill>
+        </p:spPr>
+        <p:txBody>
+          <a:bodyPr wrap="square" lIns="0" tIns="0" rIns="0" bIns="0" rtlCol="0"/>
+          <a:lstStyle/>
+          <a:p>
+            <a:endParaRPr/>
+          </a:p>
+        </p:txBody>
+      </p:sp>
+      <p:sp>
+        <p:nvSpPr>
+          <p:cNvPr id="9" name="object 9"/>
+          <p:cNvSpPr/>
+          <p:nvPr/>
+        </p:nvSpPr>
+        <p:spPr>
+          <a:xfrm>
+            <a:off x="16796703" y="1028700"/>
+            <a:ext cx="466090" cy="50800"/>
+          </a:xfrm>
+          <a:custGeom>
+            <a:avLst/>
+            <a:gdLst/>
+            <a:ahLst/>
+            <a:cxnLst/>
+            <a:rect l="l" t="t" r="r" b="b"/>
+            <a:pathLst>
+              <a:path w="466090" h="50800">
+                <a:moveTo>
+                  <a:pt x="465824" y="50799"/>
+                </a:moveTo>
+                <a:lnTo>
+                  <a:pt x="0" y="50799"/>
+                </a:lnTo>
+                <a:lnTo>
+                  <a:pt x="0" y="0"/>
+                </a:lnTo>
+                <a:lnTo>
+                  <a:pt x="465824" y="0"/>
+                </a:lnTo>
+                <a:lnTo>
+                  <a:pt x="465824" y="50799"/>
+                </a:lnTo>
+                <a:close/>
+              </a:path>
+            </a:pathLst>
+          </a:custGeom>
+          <a:solidFill>
+            <a:srgbClr val="FFFFFF"/>
+          </a:solidFill>
+        </p:spPr>
+        <p:txBody>
+          <a:bodyPr wrap="square" lIns="0" tIns="0" rIns="0" bIns="0" rtlCol="0"/>
+          <a:lstStyle/>
+          <a:p>
+            <a:endParaRPr/>
+          </a:p>
+        </p:txBody>
+      </p:sp>
+      <p:sp>
+        <p:nvSpPr>
+          <p:cNvPr id="10" name="object 10"/>
+          <p:cNvSpPr/>
+          <p:nvPr/>
+        </p:nvSpPr>
+        <p:spPr>
+          <a:xfrm>
+            <a:off x="928371" y="1"/>
+            <a:ext cx="3643630" cy="9461498"/>
+          </a:xfrm>
+          <a:custGeom>
+            <a:avLst/>
+            <a:gdLst/>
+            <a:ahLst/>
+            <a:cxnLst/>
+            <a:rect l="l" t="t" r="r" b="b"/>
+            <a:pathLst>
+              <a:path w="3526790" h="9419590">
+                <a:moveTo>
+                  <a:pt x="690168" y="9256509"/>
+                </a:moveTo>
+                <a:lnTo>
+                  <a:pt x="543585" y="9107081"/>
+                </a:lnTo>
+                <a:lnTo>
+                  <a:pt x="538530" y="9101925"/>
+                </a:lnTo>
+                <a:lnTo>
+                  <a:pt x="530606" y="9101925"/>
+                </a:lnTo>
+                <a:lnTo>
+                  <a:pt x="525856" y="9107081"/>
+                </a:lnTo>
+                <a:lnTo>
+                  <a:pt x="523328" y="9109672"/>
+                </a:lnTo>
+                <a:lnTo>
+                  <a:pt x="522058" y="9112898"/>
+                </a:lnTo>
+                <a:lnTo>
+                  <a:pt x="522058" y="9119349"/>
+                </a:lnTo>
+                <a:lnTo>
+                  <a:pt x="523328" y="9122575"/>
+                </a:lnTo>
+                <a:lnTo>
+                  <a:pt x="645528" y="9247467"/>
+                </a:lnTo>
+                <a:lnTo>
+                  <a:pt x="5702" y="9247467"/>
+                </a:lnTo>
+                <a:lnTo>
+                  <a:pt x="0" y="9253283"/>
+                </a:lnTo>
+                <a:lnTo>
+                  <a:pt x="0" y="9267482"/>
+                </a:lnTo>
+                <a:lnTo>
+                  <a:pt x="5702" y="9273286"/>
+                </a:lnTo>
+                <a:lnTo>
+                  <a:pt x="645528" y="9273286"/>
+                </a:lnTo>
+                <a:lnTo>
+                  <a:pt x="520484" y="9400756"/>
+                </a:lnTo>
+                <a:lnTo>
+                  <a:pt x="520484" y="9408820"/>
+                </a:lnTo>
+                <a:lnTo>
+                  <a:pt x="530606" y="9419158"/>
+                </a:lnTo>
+                <a:lnTo>
+                  <a:pt x="538530" y="9419158"/>
+                </a:lnTo>
+                <a:lnTo>
+                  <a:pt x="690168" y="9264574"/>
+                </a:lnTo>
+                <a:lnTo>
+                  <a:pt x="690168" y="9256509"/>
+                </a:lnTo>
+                <a:close/>
+              </a:path>
+              <a:path w="3526790" h="9419590">
+                <a:moveTo>
+                  <a:pt x="3515626" y="0"/>
+                </a:moveTo>
+                <a:lnTo>
+                  <a:pt x="3365119" y="0"/>
+                </a:lnTo>
+                <a:lnTo>
+                  <a:pt x="3207232" y="158686"/>
+                </a:lnTo>
+                <a:lnTo>
+                  <a:pt x="3049346" y="0"/>
+                </a:lnTo>
+                <a:lnTo>
+                  <a:pt x="2898838" y="0"/>
+                </a:lnTo>
+                <a:lnTo>
+                  <a:pt x="3056725" y="158686"/>
+                </a:lnTo>
+                <a:lnTo>
+                  <a:pt x="3207232" y="309943"/>
+                </a:lnTo>
+                <a:lnTo>
+                  <a:pt x="3515626" y="0"/>
+                </a:lnTo>
+                <a:close/>
+              </a:path>
+              <a:path w="3526790" h="9419590">
+                <a:moveTo>
+                  <a:pt x="3526320" y="1822107"/>
+                </a:moveTo>
+                <a:lnTo>
+                  <a:pt x="3451072" y="1746478"/>
+                </a:lnTo>
+                <a:lnTo>
+                  <a:pt x="3207232" y="1991550"/>
+                </a:lnTo>
+                <a:lnTo>
+                  <a:pt x="2963392" y="1746478"/>
+                </a:lnTo>
+                <a:lnTo>
+                  <a:pt x="2888145" y="1822107"/>
+                </a:lnTo>
+                <a:lnTo>
+                  <a:pt x="3207232" y="2142807"/>
+                </a:lnTo>
+                <a:lnTo>
+                  <a:pt x="3526320" y="1822107"/>
+                </a:lnTo>
+                <a:close/>
+              </a:path>
+              <a:path w="3526790" h="9419590">
+                <a:moveTo>
+                  <a:pt x="3526320" y="1363903"/>
+                </a:moveTo>
+                <a:lnTo>
+                  <a:pt x="3451072" y="1288275"/>
+                </a:lnTo>
+                <a:lnTo>
+                  <a:pt x="3207232" y="1533334"/>
+                </a:lnTo>
+                <a:lnTo>
+                  <a:pt x="2963392" y="1288275"/>
+                </a:lnTo>
+                <a:lnTo>
+                  <a:pt x="2888145" y="1363903"/>
+                </a:lnTo>
+                <a:lnTo>
+                  <a:pt x="3207232" y="1684591"/>
+                </a:lnTo>
+                <a:lnTo>
+                  <a:pt x="3526320" y="1363903"/>
+                </a:lnTo>
+                <a:close/>
+              </a:path>
+              <a:path w="3526790" h="9419590">
+                <a:moveTo>
+                  <a:pt x="3526320" y="905687"/>
+                </a:moveTo>
+                <a:lnTo>
+                  <a:pt x="3451072" y="830046"/>
+                </a:lnTo>
+                <a:lnTo>
+                  <a:pt x="3207232" y="1075118"/>
+                </a:lnTo>
+                <a:lnTo>
+                  <a:pt x="2963392" y="830046"/>
+                </a:lnTo>
+                <a:lnTo>
+                  <a:pt x="2888145" y="905687"/>
+                </a:lnTo>
+                <a:lnTo>
+                  <a:pt x="3207232" y="1226375"/>
+                </a:lnTo>
+                <a:lnTo>
+                  <a:pt x="3526320" y="905687"/>
+                </a:lnTo>
+                <a:close/>
+              </a:path>
+              <a:path w="3526790" h="9419590">
+                <a:moveTo>
+                  <a:pt x="3526320" y="447459"/>
+                </a:moveTo>
+                <a:lnTo>
+                  <a:pt x="3451072" y="371830"/>
+                </a:lnTo>
+                <a:lnTo>
+                  <a:pt x="3207232" y="616902"/>
+                </a:lnTo>
+                <a:lnTo>
+                  <a:pt x="2963392" y="371830"/>
+                </a:lnTo>
+                <a:lnTo>
+                  <a:pt x="2888145" y="447459"/>
+                </a:lnTo>
+                <a:lnTo>
+                  <a:pt x="3207232" y="768159"/>
+                </a:lnTo>
+                <a:lnTo>
+                  <a:pt x="3526320" y="447459"/>
+                </a:lnTo>
+                <a:close/>
+              </a:path>
+            </a:pathLst>
+          </a:custGeom>
+          <a:solidFill>
+            <a:schemeClr val="tx1">
+              <a:lumMod val="75000"/>
+              <a:lumOff val="25000"/>
+            </a:schemeClr>
+          </a:solidFill>
+        </p:spPr>
+        <p:txBody>
+          <a:bodyPr wrap="square" lIns="0" tIns="0" rIns="0" bIns="0" rtlCol="0"/>
+          <a:lstStyle/>
+          <a:p>
+            <a:endParaRPr dirty="0"/>
+          </a:p>
+        </p:txBody>
+      </p:sp>
+      <p:sp>
+        <p:nvSpPr>
+          <p:cNvPr id="11" name="object 6"/>
+          <p:cNvSpPr txBox="1"/>
+          <p:nvPr/>
+        </p:nvSpPr>
+        <p:spPr>
+          <a:xfrm>
+            <a:off x="13974127" y="6819900"/>
+            <a:ext cx="3385503" cy="437684"/>
+          </a:xfrm>
+          <a:prstGeom prst="rect">
+            <a:avLst/>
+          </a:prstGeom>
+        </p:spPr>
+        <p:txBody>
+          <a:bodyPr vert="horz" wrap="square" lIns="0" tIns="12700" rIns="0" bIns="0" rtlCol="0">
+            <a:spAutoFit/>
+          </a:bodyPr>
+          <a:lstStyle/>
+          <a:p>
+            <a:pPr marL="12700" marR="5080" indent="918210">
+              <a:lnSpc>
+                <a:spcPct val="107000"/>
+              </a:lnSpc>
+              <a:spcBef>
+                <a:spcPts val="100"/>
+              </a:spcBef>
+            </a:pPr>
+            <a:r>
+              <a:rPr lang="en-US" sz="2700" b="1" dirty="0">
+                <a:solidFill>
+                  <a:schemeClr val="tx1">
+                    <a:lumMod val="95000"/>
+                    <a:lumOff val="5000"/>
+                  </a:schemeClr>
+                </a:solidFill>
+                <a:cs typeface="Tahoma" panose="020B0604030504040204"/>
+              </a:rPr>
+              <a:t>APPROXIMATELY</a:t>
+            </a:r>
+            <a:endParaRPr sz="2700" dirty="0">
+              <a:solidFill>
+                <a:schemeClr val="tx1">
+                  <a:lumMod val="95000"/>
+                  <a:lumOff val="5000"/>
+                </a:schemeClr>
+              </a:solidFill>
+              <a:cs typeface="Tahoma" panose="020B0604030504040204"/>
+            </a:endParaRPr>
+          </a:p>
+        </p:txBody>
+      </p:sp>
+    </p:spTree>
+  </p:cSld>
+  <p:clrMapOvr>
+    <a:masterClrMapping/>
+  </p:clrMapOvr>
+</p:sld>
+</file>
+
+<file path=ppt/slides/slide20.xml><?xml version="1.0" encoding="utf-8"?>
 <p:sld xmlns:a="http://schemas.openxmlformats.org/drawingml/2006/main" xmlns:r="http://schemas.openxmlformats.org/officeDocument/2006/relationships" xmlns:p="http://schemas.openxmlformats.org/presentationml/2006/main" showMasterSp="0">
   <p:cSld>
     <p:spTree>
@@ -11241,7 +15831,7 @@
 </p:sld>
 </file>
 
-<file path=ppt/slides/slide18.xml><?xml version="1.0" encoding="utf-8"?>
+<file path=ppt/slides/slide21.xml><?xml version="1.0" encoding="utf-8"?>
 <p:sld xmlns:a="http://schemas.openxmlformats.org/drawingml/2006/main" xmlns:r="http://schemas.openxmlformats.org/officeDocument/2006/relationships" xmlns:p="http://schemas.openxmlformats.org/presentationml/2006/main" showMasterSp="0">
   <p:cSld>
     <p:spTree>
@@ -12326,7 +16916,7 @@
 </p:sld>
 </file>
 
-<file path=ppt/slides/slide19.xml><?xml version="1.0" encoding="utf-8"?>
+<file path=ppt/slides/slide22.xml><?xml version="1.0" encoding="utf-8"?>
 <p:sld xmlns:a="http://schemas.openxmlformats.org/drawingml/2006/main" xmlns:r="http://schemas.openxmlformats.org/officeDocument/2006/relationships" xmlns:p="http://schemas.openxmlformats.org/presentationml/2006/main" showMasterSp="0">
   <p:cSld>
     <p:spTree>
@@ -13250,709 +17840,6 @@
 </p:sld>
 </file>
 
-<file path=ppt/slides/slide2.xml><?xml version="1.0" encoding="utf-8"?>
-<p:sld xmlns:a="http://schemas.openxmlformats.org/drawingml/2006/main" xmlns:r="http://schemas.openxmlformats.org/officeDocument/2006/relationships" xmlns:p="http://schemas.openxmlformats.org/presentationml/2006/main" showMasterSp="0">
-  <p:cSld>
-    <p:spTree>
-      <p:nvGrpSpPr>
-        <p:cNvPr id="1" name=""/>
-        <p:cNvGrpSpPr/>
-        <p:nvPr/>
-      </p:nvGrpSpPr>
-      <p:grpSpPr>
-        <a:xfrm>
-          <a:off x="0" y="0"/>
-          <a:ext cx="0" cy="0"/>
-          <a:chOff x="0" y="0"/>
-          <a:chExt cx="0" cy="0"/>
-        </a:xfrm>
-      </p:grpSpPr>
-      <p:sp>
-        <p:nvSpPr>
-          <p:cNvPr id="3" name="object 3"/>
-          <p:cNvSpPr/>
-          <p:nvPr/>
-        </p:nvSpPr>
-        <p:spPr>
-          <a:xfrm>
-            <a:off x="0" y="0"/>
-            <a:ext cx="4238625" cy="10287000"/>
-          </a:xfrm>
-          <a:custGeom>
-            <a:avLst/>
-            <a:gdLst/>
-            <a:ahLst/>
-            <a:cxnLst/>
-            <a:rect l="l" t="t" r="r" b="b"/>
-            <a:pathLst>
-              <a:path w="4238625" h="10287000">
-                <a:moveTo>
-                  <a:pt x="4238624" y="10286999"/>
-                </a:moveTo>
-                <a:lnTo>
-                  <a:pt x="0" y="10286999"/>
-                </a:lnTo>
-                <a:lnTo>
-                  <a:pt x="0" y="0"/>
-                </a:lnTo>
-                <a:lnTo>
-                  <a:pt x="4238624" y="0"/>
-                </a:lnTo>
-                <a:lnTo>
-                  <a:pt x="4238624" y="10286999"/>
-                </a:lnTo>
-                <a:close/>
-              </a:path>
-            </a:pathLst>
-          </a:custGeom>
-          <a:solidFill>
-            <a:srgbClr val="D5D5D5"/>
-          </a:solidFill>
-        </p:spPr>
-        <p:txBody>
-          <a:bodyPr wrap="square" lIns="0" tIns="0" rIns="0" bIns="0" rtlCol="0"/>
-          <a:lstStyle/>
-          <a:p>
-            <a:endParaRPr dirty="0"/>
-          </a:p>
-        </p:txBody>
-      </p:sp>
-      <p:sp>
-        <p:nvSpPr>
-          <p:cNvPr id="4" name="object 4"/>
-          <p:cNvSpPr txBox="1"/>
-          <p:nvPr/>
-        </p:nvSpPr>
-        <p:spPr>
-          <a:xfrm>
-            <a:off x="1703813" y="1113246"/>
-            <a:ext cx="830997" cy="7071254"/>
-          </a:xfrm>
-          <a:prstGeom prst="rect">
-            <a:avLst/>
-          </a:prstGeom>
-        </p:spPr>
-        <p:txBody>
-          <a:bodyPr vert="vert270" wrap="square" lIns="0" tIns="13970" rIns="0" bIns="0" rtlCol="0">
-            <a:spAutoFit/>
-          </a:bodyPr>
-          <a:lstStyle/>
-          <a:p>
-            <a:pPr marL="12700">
-              <a:lnSpc>
-                <a:spcPct val="100000"/>
-              </a:lnSpc>
-              <a:spcBef>
-                <a:spcPts val="110"/>
-              </a:spcBef>
-            </a:pPr>
-            <a:r>
-              <a:rPr sz="5400" b="1" spc="-130" dirty="0">
-                <a:solidFill>
-                  <a:srgbClr val="FFFFFF"/>
-                </a:solidFill>
-                <a:latin typeface="Tahoma" panose="020B0604030504040204"/>
-                <a:cs typeface="Tahoma" panose="020B0604030504040204"/>
-              </a:rPr>
-              <a:t>DID</a:t>
-            </a:r>
-            <a:r>
-              <a:rPr sz="5400" b="1" spc="85" dirty="0">
-                <a:solidFill>
-                  <a:srgbClr val="FFFFFF"/>
-                </a:solidFill>
-                <a:latin typeface="Tahoma" panose="020B0604030504040204"/>
-                <a:cs typeface="Tahoma" panose="020B0604030504040204"/>
-              </a:rPr>
-              <a:t> </a:t>
-            </a:r>
-            <a:r>
-              <a:rPr sz="5400" b="1" spc="30" dirty="0">
-                <a:solidFill>
-                  <a:srgbClr val="FFFFFF"/>
-                </a:solidFill>
-                <a:latin typeface="Tahoma" panose="020B0604030504040204"/>
-                <a:cs typeface="Tahoma" panose="020B0604030504040204"/>
-              </a:rPr>
-              <a:t>YOU</a:t>
-            </a:r>
-            <a:r>
-              <a:rPr sz="5400" b="1" spc="85" dirty="0">
-                <a:solidFill>
-                  <a:srgbClr val="FFFFFF"/>
-                </a:solidFill>
-                <a:latin typeface="Tahoma" panose="020B0604030504040204"/>
-                <a:cs typeface="Tahoma" panose="020B0604030504040204"/>
-              </a:rPr>
-              <a:t> </a:t>
-            </a:r>
-            <a:r>
-              <a:rPr sz="5400" b="1" spc="40" dirty="0">
-                <a:solidFill>
-                  <a:srgbClr val="FFFFFF"/>
-                </a:solidFill>
-                <a:latin typeface="Tahoma" panose="020B0604030504040204"/>
-                <a:cs typeface="Tahoma" panose="020B0604030504040204"/>
-              </a:rPr>
-              <a:t>KNOW?</a:t>
-            </a:r>
-            <a:endParaRPr sz="5400" dirty="0">
-              <a:latin typeface="Tahoma" panose="020B0604030504040204"/>
-              <a:cs typeface="Tahoma" panose="020B0604030504040204"/>
-            </a:endParaRPr>
-          </a:p>
-        </p:txBody>
-      </p:sp>
-      <p:sp>
-        <p:nvSpPr>
-          <p:cNvPr id="5" name="object 5"/>
-          <p:cNvSpPr txBox="1"/>
-          <p:nvPr/>
-        </p:nvSpPr>
-        <p:spPr>
-          <a:xfrm>
-            <a:off x="11038205" y="3230213"/>
-            <a:ext cx="6259195" cy="4260141"/>
-          </a:xfrm>
-          <a:prstGeom prst="rect">
-            <a:avLst/>
-          </a:prstGeom>
-        </p:spPr>
-        <p:txBody>
-          <a:bodyPr vert="horz" wrap="square" lIns="0" tIns="12700" rIns="0" bIns="0" rtlCol="0">
-            <a:spAutoFit/>
-          </a:bodyPr>
-          <a:lstStyle/>
-          <a:p>
-            <a:pPr marL="12700" algn="r">
-              <a:lnSpc>
-                <a:spcPct val="100000"/>
-              </a:lnSpc>
-              <a:spcBef>
-                <a:spcPts val="100"/>
-              </a:spcBef>
-            </a:pPr>
-            <a:r>
-              <a:rPr lang="en-US" sz="27600" b="1" spc="-3015" dirty="0">
-                <a:solidFill>
-                  <a:schemeClr val="tx1">
-                    <a:lumMod val="95000"/>
-                    <a:lumOff val="5000"/>
-                  </a:schemeClr>
-                </a:solidFill>
-                <a:uFill>
-                  <a:solidFill>
-                    <a:srgbClr val="F41723"/>
-                  </a:solidFill>
-                </a:uFill>
-                <a:latin typeface="Verdana" panose="020B0604030504040204"/>
-                <a:cs typeface="Verdana" panose="020B0604030504040204"/>
-              </a:rPr>
-              <a:t>20</a:t>
-            </a:r>
-            <a:endParaRPr sz="27600" b="1" dirty="0">
-              <a:solidFill>
-                <a:schemeClr val="tx1">
-                  <a:lumMod val="95000"/>
-                  <a:lumOff val="5000"/>
-                </a:schemeClr>
-              </a:solidFill>
-              <a:latin typeface="Verdana" panose="020B0604030504040204"/>
-              <a:cs typeface="Verdana" panose="020B0604030504040204"/>
-            </a:endParaRPr>
-          </a:p>
-        </p:txBody>
-      </p:sp>
-      <p:sp>
-        <p:nvSpPr>
-          <p:cNvPr id="6" name="object 6"/>
-          <p:cNvSpPr txBox="1"/>
-          <p:nvPr/>
-        </p:nvSpPr>
-        <p:spPr>
-          <a:xfrm>
-            <a:off x="11353800" y="7723124"/>
-            <a:ext cx="6005830" cy="1306576"/>
-          </a:xfrm>
-          <a:prstGeom prst="rect">
-            <a:avLst/>
-          </a:prstGeom>
-        </p:spPr>
-        <p:txBody>
-          <a:bodyPr vert="horz" wrap="square" lIns="0" tIns="12700" rIns="0" bIns="0" rtlCol="0">
-            <a:spAutoFit/>
-          </a:bodyPr>
-          <a:lstStyle/>
-          <a:p>
-            <a:pPr marL="12700" marR="5080" indent="918210" algn="r">
-              <a:lnSpc>
-                <a:spcPct val="107000"/>
-              </a:lnSpc>
-              <a:spcBef>
-                <a:spcPts val="100"/>
-              </a:spcBef>
-            </a:pPr>
-            <a:r>
-              <a:rPr lang="en-US" sz="2700" b="1" dirty="0">
-                <a:solidFill>
-                  <a:schemeClr val="tx1">
-                    <a:lumMod val="95000"/>
-                    <a:lumOff val="5000"/>
-                  </a:schemeClr>
-                </a:solidFill>
-                <a:latin typeface="Tahoma" panose="020B0604030504040204"/>
-                <a:cs typeface="Tahoma" panose="020B0604030504040204"/>
-              </a:rPr>
-              <a:t>Twenty tropical cyclones pass through the Philippine Area of Responsibility per year</a:t>
-            </a:r>
-            <a:endParaRPr lang="en-US" sz="2700" dirty="0">
-              <a:solidFill>
-                <a:schemeClr val="tx1">
-                  <a:lumMod val="95000"/>
-                  <a:lumOff val="5000"/>
-                </a:schemeClr>
-              </a:solidFill>
-              <a:latin typeface="Tahoma" panose="020B0604030504040204"/>
-              <a:cs typeface="Tahoma" panose="020B0604030504040204"/>
-            </a:endParaRPr>
-          </a:p>
-        </p:txBody>
-      </p:sp>
-      <p:sp>
-        <p:nvSpPr>
-          <p:cNvPr id="7" name="object 7"/>
-          <p:cNvSpPr/>
-          <p:nvPr/>
-        </p:nvSpPr>
-        <p:spPr>
-          <a:xfrm>
-            <a:off x="16796703" y="1282700"/>
-            <a:ext cx="466090" cy="50800"/>
-          </a:xfrm>
-          <a:custGeom>
-            <a:avLst/>
-            <a:gdLst/>
-            <a:ahLst/>
-            <a:cxnLst/>
-            <a:rect l="l" t="t" r="r" b="b"/>
-            <a:pathLst>
-              <a:path w="466090" h="50800">
-                <a:moveTo>
-                  <a:pt x="465824" y="50799"/>
-                </a:moveTo>
-                <a:lnTo>
-                  <a:pt x="0" y="50799"/>
-                </a:lnTo>
-                <a:lnTo>
-                  <a:pt x="0" y="0"/>
-                </a:lnTo>
-                <a:lnTo>
-                  <a:pt x="465824" y="0"/>
-                </a:lnTo>
-                <a:lnTo>
-                  <a:pt x="465824" y="50799"/>
-                </a:lnTo>
-                <a:close/>
-              </a:path>
-            </a:pathLst>
-          </a:custGeom>
-          <a:solidFill>
-            <a:srgbClr val="FFFFFF"/>
-          </a:solidFill>
-        </p:spPr>
-        <p:txBody>
-          <a:bodyPr wrap="square" lIns="0" tIns="0" rIns="0" bIns="0" rtlCol="0"/>
-          <a:lstStyle/>
-          <a:p>
-            <a:endParaRPr/>
-          </a:p>
-        </p:txBody>
-      </p:sp>
-      <p:sp>
-        <p:nvSpPr>
-          <p:cNvPr id="8" name="object 8"/>
-          <p:cNvSpPr/>
-          <p:nvPr/>
-        </p:nvSpPr>
-        <p:spPr>
-          <a:xfrm>
-            <a:off x="16796703" y="1155700"/>
-            <a:ext cx="466090" cy="50800"/>
-          </a:xfrm>
-          <a:custGeom>
-            <a:avLst/>
-            <a:gdLst/>
-            <a:ahLst/>
-            <a:cxnLst/>
-            <a:rect l="l" t="t" r="r" b="b"/>
-            <a:pathLst>
-              <a:path w="466090" h="50800">
-                <a:moveTo>
-                  <a:pt x="465824" y="50799"/>
-                </a:moveTo>
-                <a:lnTo>
-                  <a:pt x="0" y="50799"/>
-                </a:lnTo>
-                <a:lnTo>
-                  <a:pt x="0" y="0"/>
-                </a:lnTo>
-                <a:lnTo>
-                  <a:pt x="465824" y="0"/>
-                </a:lnTo>
-                <a:lnTo>
-                  <a:pt x="465824" y="50799"/>
-                </a:lnTo>
-                <a:close/>
-              </a:path>
-            </a:pathLst>
-          </a:custGeom>
-          <a:solidFill>
-            <a:srgbClr val="FFFFFF"/>
-          </a:solidFill>
-        </p:spPr>
-        <p:txBody>
-          <a:bodyPr wrap="square" lIns="0" tIns="0" rIns="0" bIns="0" rtlCol="0"/>
-          <a:lstStyle/>
-          <a:p>
-            <a:endParaRPr/>
-          </a:p>
-        </p:txBody>
-      </p:sp>
-      <p:sp>
-        <p:nvSpPr>
-          <p:cNvPr id="9" name="object 9"/>
-          <p:cNvSpPr/>
-          <p:nvPr/>
-        </p:nvSpPr>
-        <p:spPr>
-          <a:xfrm>
-            <a:off x="16796703" y="1028700"/>
-            <a:ext cx="466090" cy="50800"/>
-          </a:xfrm>
-          <a:custGeom>
-            <a:avLst/>
-            <a:gdLst/>
-            <a:ahLst/>
-            <a:cxnLst/>
-            <a:rect l="l" t="t" r="r" b="b"/>
-            <a:pathLst>
-              <a:path w="466090" h="50800">
-                <a:moveTo>
-                  <a:pt x="465824" y="50799"/>
-                </a:moveTo>
-                <a:lnTo>
-                  <a:pt x="0" y="50799"/>
-                </a:lnTo>
-                <a:lnTo>
-                  <a:pt x="0" y="0"/>
-                </a:lnTo>
-                <a:lnTo>
-                  <a:pt x="465824" y="0"/>
-                </a:lnTo>
-                <a:lnTo>
-                  <a:pt x="465824" y="50799"/>
-                </a:lnTo>
-                <a:close/>
-              </a:path>
-            </a:pathLst>
-          </a:custGeom>
-          <a:solidFill>
-            <a:srgbClr val="FFFFFF"/>
-          </a:solidFill>
-        </p:spPr>
-        <p:txBody>
-          <a:bodyPr wrap="square" lIns="0" tIns="0" rIns="0" bIns="0" rtlCol="0"/>
-          <a:lstStyle/>
-          <a:p>
-            <a:endParaRPr/>
-          </a:p>
-        </p:txBody>
-      </p:sp>
-      <p:sp>
-        <p:nvSpPr>
-          <p:cNvPr id="10" name="object 10"/>
-          <p:cNvSpPr/>
-          <p:nvPr/>
-        </p:nvSpPr>
-        <p:spPr>
-          <a:xfrm>
-            <a:off x="928371" y="1"/>
-            <a:ext cx="3643630" cy="9461498"/>
-          </a:xfrm>
-          <a:custGeom>
-            <a:avLst/>
-            <a:gdLst/>
-            <a:ahLst/>
-            <a:cxnLst/>
-            <a:rect l="l" t="t" r="r" b="b"/>
-            <a:pathLst>
-              <a:path w="3526790" h="9419590">
-                <a:moveTo>
-                  <a:pt x="690168" y="9256509"/>
-                </a:moveTo>
-                <a:lnTo>
-                  <a:pt x="543585" y="9107081"/>
-                </a:lnTo>
-                <a:lnTo>
-                  <a:pt x="538530" y="9101925"/>
-                </a:lnTo>
-                <a:lnTo>
-                  <a:pt x="530606" y="9101925"/>
-                </a:lnTo>
-                <a:lnTo>
-                  <a:pt x="525856" y="9107081"/>
-                </a:lnTo>
-                <a:lnTo>
-                  <a:pt x="523328" y="9109672"/>
-                </a:lnTo>
-                <a:lnTo>
-                  <a:pt x="522058" y="9112898"/>
-                </a:lnTo>
-                <a:lnTo>
-                  <a:pt x="522058" y="9119349"/>
-                </a:lnTo>
-                <a:lnTo>
-                  <a:pt x="523328" y="9122575"/>
-                </a:lnTo>
-                <a:lnTo>
-                  <a:pt x="645528" y="9247467"/>
-                </a:lnTo>
-                <a:lnTo>
-                  <a:pt x="5702" y="9247467"/>
-                </a:lnTo>
-                <a:lnTo>
-                  <a:pt x="0" y="9253283"/>
-                </a:lnTo>
-                <a:lnTo>
-                  <a:pt x="0" y="9267482"/>
-                </a:lnTo>
-                <a:lnTo>
-                  <a:pt x="5702" y="9273286"/>
-                </a:lnTo>
-                <a:lnTo>
-                  <a:pt x="645528" y="9273286"/>
-                </a:lnTo>
-                <a:lnTo>
-                  <a:pt x="520484" y="9400756"/>
-                </a:lnTo>
-                <a:lnTo>
-                  <a:pt x="520484" y="9408820"/>
-                </a:lnTo>
-                <a:lnTo>
-                  <a:pt x="530606" y="9419158"/>
-                </a:lnTo>
-                <a:lnTo>
-                  <a:pt x="538530" y="9419158"/>
-                </a:lnTo>
-                <a:lnTo>
-                  <a:pt x="690168" y="9264574"/>
-                </a:lnTo>
-                <a:lnTo>
-                  <a:pt x="690168" y="9256509"/>
-                </a:lnTo>
-                <a:close/>
-              </a:path>
-              <a:path w="3526790" h="9419590">
-                <a:moveTo>
-                  <a:pt x="3515626" y="0"/>
-                </a:moveTo>
-                <a:lnTo>
-                  <a:pt x="3365119" y="0"/>
-                </a:lnTo>
-                <a:lnTo>
-                  <a:pt x="3207232" y="158686"/>
-                </a:lnTo>
-                <a:lnTo>
-                  <a:pt x="3049346" y="0"/>
-                </a:lnTo>
-                <a:lnTo>
-                  <a:pt x="2898838" y="0"/>
-                </a:lnTo>
-                <a:lnTo>
-                  <a:pt x="3056725" y="158686"/>
-                </a:lnTo>
-                <a:lnTo>
-                  <a:pt x="3207232" y="309943"/>
-                </a:lnTo>
-                <a:lnTo>
-                  <a:pt x="3515626" y="0"/>
-                </a:lnTo>
-                <a:close/>
-              </a:path>
-              <a:path w="3526790" h="9419590">
-                <a:moveTo>
-                  <a:pt x="3526320" y="1822107"/>
-                </a:moveTo>
-                <a:lnTo>
-                  <a:pt x="3451072" y="1746478"/>
-                </a:lnTo>
-                <a:lnTo>
-                  <a:pt x="3207232" y="1991550"/>
-                </a:lnTo>
-                <a:lnTo>
-                  <a:pt x="2963392" y="1746478"/>
-                </a:lnTo>
-                <a:lnTo>
-                  <a:pt x="2888145" y="1822107"/>
-                </a:lnTo>
-                <a:lnTo>
-                  <a:pt x="3207232" y="2142807"/>
-                </a:lnTo>
-                <a:lnTo>
-                  <a:pt x="3526320" y="1822107"/>
-                </a:lnTo>
-                <a:close/>
-              </a:path>
-              <a:path w="3526790" h="9419590">
-                <a:moveTo>
-                  <a:pt x="3526320" y="1363903"/>
-                </a:moveTo>
-                <a:lnTo>
-                  <a:pt x="3451072" y="1288275"/>
-                </a:lnTo>
-                <a:lnTo>
-                  <a:pt x="3207232" y="1533334"/>
-                </a:lnTo>
-                <a:lnTo>
-                  <a:pt x="2963392" y="1288275"/>
-                </a:lnTo>
-                <a:lnTo>
-                  <a:pt x="2888145" y="1363903"/>
-                </a:lnTo>
-                <a:lnTo>
-                  <a:pt x="3207232" y="1684591"/>
-                </a:lnTo>
-                <a:lnTo>
-                  <a:pt x="3526320" y="1363903"/>
-                </a:lnTo>
-                <a:close/>
-              </a:path>
-              <a:path w="3526790" h="9419590">
-                <a:moveTo>
-                  <a:pt x="3526320" y="905687"/>
-                </a:moveTo>
-                <a:lnTo>
-                  <a:pt x="3451072" y="830046"/>
-                </a:lnTo>
-                <a:lnTo>
-                  <a:pt x="3207232" y="1075118"/>
-                </a:lnTo>
-                <a:lnTo>
-                  <a:pt x="2963392" y="830046"/>
-                </a:lnTo>
-                <a:lnTo>
-                  <a:pt x="2888145" y="905687"/>
-                </a:lnTo>
-                <a:lnTo>
-                  <a:pt x="3207232" y="1226375"/>
-                </a:lnTo>
-                <a:lnTo>
-                  <a:pt x="3526320" y="905687"/>
-                </a:lnTo>
-                <a:close/>
-              </a:path>
-              <a:path w="3526790" h="9419590">
-                <a:moveTo>
-                  <a:pt x="3526320" y="447459"/>
-                </a:moveTo>
-                <a:lnTo>
-                  <a:pt x="3451072" y="371830"/>
-                </a:lnTo>
-                <a:lnTo>
-                  <a:pt x="3207232" y="616902"/>
-                </a:lnTo>
-                <a:lnTo>
-                  <a:pt x="2963392" y="371830"/>
-                </a:lnTo>
-                <a:lnTo>
-                  <a:pt x="2888145" y="447459"/>
-                </a:lnTo>
-                <a:lnTo>
-                  <a:pt x="3207232" y="768159"/>
-                </a:lnTo>
-                <a:lnTo>
-                  <a:pt x="3526320" y="447459"/>
-                </a:lnTo>
-                <a:close/>
-              </a:path>
-            </a:pathLst>
-          </a:custGeom>
-          <a:solidFill>
-            <a:schemeClr val="tx1">
-              <a:lumMod val="75000"/>
-              <a:lumOff val="25000"/>
-            </a:schemeClr>
-          </a:solidFill>
-        </p:spPr>
-        <p:txBody>
-          <a:bodyPr wrap="square" lIns="0" tIns="0" rIns="0" bIns="0" rtlCol="0"/>
-          <a:lstStyle/>
-          <a:p>
-            <a:endParaRPr dirty="0"/>
-          </a:p>
-        </p:txBody>
-      </p:sp>
-      <p:sp>
-        <p:nvSpPr>
-          <p:cNvPr id="11" name="object 6"/>
-          <p:cNvSpPr txBox="1"/>
-          <p:nvPr/>
-        </p:nvSpPr>
-        <p:spPr>
-          <a:xfrm>
-            <a:off x="13974127" y="6819900"/>
-            <a:ext cx="3385503" cy="437684"/>
-          </a:xfrm>
-          <a:prstGeom prst="rect">
-            <a:avLst/>
-          </a:prstGeom>
-        </p:spPr>
-        <p:txBody>
-          <a:bodyPr vert="horz" wrap="square" lIns="0" tIns="12700" rIns="0" bIns="0" rtlCol="0">
-            <a:spAutoFit/>
-          </a:bodyPr>
-          <a:lstStyle/>
-          <a:p>
-            <a:pPr marL="12700" marR="5080" indent="918210">
-              <a:lnSpc>
-                <a:spcPct val="107000"/>
-              </a:lnSpc>
-              <a:spcBef>
-                <a:spcPts val="100"/>
-              </a:spcBef>
-            </a:pPr>
-            <a:r>
-              <a:rPr lang="en-US" sz="2700" b="1" dirty="0">
-                <a:solidFill>
-                  <a:schemeClr val="tx1">
-                    <a:lumMod val="95000"/>
-                    <a:lumOff val="5000"/>
-                  </a:schemeClr>
-                </a:solidFill>
-                <a:cs typeface="Tahoma" panose="020B0604030504040204"/>
-              </a:rPr>
-              <a:t>APPROXIMATELY</a:t>
-            </a:r>
-            <a:endParaRPr sz="2700" dirty="0">
-              <a:solidFill>
-                <a:schemeClr val="tx1">
-                  <a:lumMod val="95000"/>
-                  <a:lumOff val="5000"/>
-                </a:schemeClr>
-              </a:solidFill>
-              <a:cs typeface="Tahoma" panose="020B0604030504040204"/>
-            </a:endParaRPr>
-          </a:p>
-        </p:txBody>
-      </p:sp>
-    </p:spTree>
-  </p:cSld>
-  <p:clrMapOvr>
-    <a:masterClrMapping/>
-  </p:clrMapOvr>
-</p:sld>
-</file>
-
 <file path=ppt/slides/slide3.xml><?xml version="1.0" encoding="utf-8"?>
 <p:sld xmlns:a="http://schemas.openxmlformats.org/drawingml/2006/main" xmlns:r="http://schemas.openxmlformats.org/officeDocument/2006/relationships" xmlns:p="http://schemas.openxmlformats.org/presentationml/2006/main" showMasterSp="0">
   <p:cSld>
@@ -18617,84 +22504,6 @@
       </p:grpSpPr>
       <p:sp>
         <p:nvSpPr>
-          <p:cNvPr id="32" name="Rectangle 31"/>
-          <p:cNvSpPr/>
-          <p:nvPr/>
-        </p:nvSpPr>
-        <p:spPr>
-          <a:xfrm>
-            <a:off x="12096848" y="8343900"/>
-            <a:ext cx="5671748" cy="1752600"/>
-          </a:xfrm>
-          <a:prstGeom prst="rect">
-            <a:avLst/>
-          </a:prstGeom>
-          <a:ln w="38100"/>
-        </p:spPr>
-        <p:style>
-          <a:lnRef idx="2">
-            <a:schemeClr val="dk1"/>
-          </a:lnRef>
-          <a:fillRef idx="1">
-            <a:schemeClr val="lt1"/>
-          </a:fillRef>
-          <a:effectRef idx="0">
-            <a:schemeClr val="dk1"/>
-          </a:effectRef>
-          <a:fontRef idx="minor">
-            <a:schemeClr val="dk1"/>
-          </a:fontRef>
-        </p:style>
-        <p:txBody>
-          <a:bodyPr rtlCol="0" anchor="ctr"/>
-          <a:lstStyle/>
-          <a:p>
-            <a:pPr algn="ctr"/>
-            <a:endParaRPr lang="en-PH" dirty="0"/>
-          </a:p>
-        </p:txBody>
-      </p:sp>
-      <p:sp>
-        <p:nvSpPr>
-          <p:cNvPr id="4" name="Rectangle 3"/>
-          <p:cNvSpPr/>
-          <p:nvPr/>
-        </p:nvSpPr>
-        <p:spPr>
-          <a:xfrm>
-            <a:off x="6096000" y="8343900"/>
-            <a:ext cx="5671748" cy="1752600"/>
-          </a:xfrm>
-          <a:prstGeom prst="rect">
-            <a:avLst/>
-          </a:prstGeom>
-          <a:ln w="38100"/>
-        </p:spPr>
-        <p:style>
-          <a:lnRef idx="2">
-            <a:schemeClr val="dk1"/>
-          </a:lnRef>
-          <a:fillRef idx="1">
-            <a:schemeClr val="lt1"/>
-          </a:fillRef>
-          <a:effectRef idx="0">
-            <a:schemeClr val="dk1"/>
-          </a:effectRef>
-          <a:fontRef idx="minor">
-            <a:schemeClr val="dk1"/>
-          </a:fontRef>
-        </p:style>
-        <p:txBody>
-          <a:bodyPr rtlCol="0" anchor="ctr"/>
-          <a:lstStyle/>
-          <a:p>
-            <a:pPr algn="ctr"/>
-            <a:endParaRPr lang="en-PH" dirty="0"/>
-          </a:p>
-        </p:txBody>
-      </p:sp>
-      <p:sp>
-        <p:nvSpPr>
           <p:cNvPr id="2" name="object 2"/>
           <p:cNvSpPr/>
           <p:nvPr/>
@@ -19181,7 +22990,7 @@
           <a:prstGeom prst="rect">
             <a:avLst/>
           </a:prstGeom>
-          <a:ln w="28575"/>
+          <a:ln w="57150"/>
         </p:spPr>
         <p:style>
           <a:lnRef idx="2">
@@ -19223,7 +23032,7 @@
           <a:prstGeom prst="chevron">
             <a:avLst/>
           </a:prstGeom>
-          <a:ln w="28575"/>
+          <a:ln w="57150"/>
         </p:spPr>
         <p:style>
           <a:lnRef idx="2">
@@ -19266,7 +23075,6 @@
           <a:prstGeom prst="rect">
             <a:avLst/>
           </a:prstGeom>
-          <a:ln w="57150"/>
         </p:spPr>
         <p:style>
           <a:lnRef idx="2">
@@ -19349,7 +23157,6 @@
           <a:prstGeom prst="chevron">
             <a:avLst/>
           </a:prstGeom>
-          <a:ln w="57150"/>
         </p:spPr>
         <p:style>
           <a:lnRef idx="2">
@@ -19422,10 +23229,88 @@
       </p:sp>
       <p:sp>
         <p:nvSpPr>
-          <p:cNvPr id="22" name="TextBox 21">
+          <p:cNvPr id="6" name="Rectangle 5"/>
+          <p:cNvSpPr/>
+          <p:nvPr/>
+        </p:nvSpPr>
+        <p:spPr>
+          <a:xfrm>
+            <a:off x="6123709" y="371228"/>
+            <a:ext cx="5755023" cy="2415524"/>
+          </a:xfrm>
+          <a:prstGeom prst="rect">
+            <a:avLst/>
+          </a:prstGeom>
+          <a:ln w="38100"/>
+        </p:spPr>
+        <p:style>
+          <a:lnRef idx="2">
+            <a:schemeClr val="dk1"/>
+          </a:lnRef>
+          <a:fillRef idx="1">
+            <a:schemeClr val="lt1"/>
+          </a:fillRef>
+          <a:effectRef idx="0">
+            <a:schemeClr val="dk1"/>
+          </a:effectRef>
+          <a:fontRef idx="minor">
+            <a:schemeClr val="dk1"/>
+          </a:fontRef>
+        </p:style>
+        <p:txBody>
+          <a:bodyPr rtlCol="0" anchor="ctr"/>
+          <a:lstStyle/>
+          <a:p>
+            <a:pPr algn="ctr"/>
+            <a:endParaRPr lang="en-PH" dirty="0"/>
+          </a:p>
+        </p:txBody>
+      </p:sp>
+      <p:sp>
+        <p:nvSpPr>
+          <p:cNvPr id="27" name="Rectangle 26"/>
+          <p:cNvSpPr/>
+          <p:nvPr/>
+        </p:nvSpPr>
+        <p:spPr>
+          <a:xfrm>
+            <a:off x="12029857" y="371228"/>
+            <a:ext cx="5720705" cy="2415524"/>
+          </a:xfrm>
+          <a:prstGeom prst="rect">
+            <a:avLst/>
+          </a:prstGeom>
+          <a:ln w="38100"/>
+        </p:spPr>
+        <p:style>
+          <a:lnRef idx="2">
+            <a:schemeClr val="dk1"/>
+          </a:lnRef>
+          <a:fillRef idx="1">
+            <a:schemeClr val="lt1"/>
+          </a:fillRef>
+          <a:effectRef idx="0">
+            <a:schemeClr val="dk1"/>
+          </a:effectRef>
+          <a:fontRef idx="minor">
+            <a:schemeClr val="dk1"/>
+          </a:fontRef>
+        </p:style>
+        <p:txBody>
+          <a:bodyPr rtlCol="0" anchor="ctr"/>
+          <a:lstStyle/>
+          <a:p>
+            <a:pPr algn="ctr"/>
+            <a:endParaRPr lang="en-PH" dirty="0"/>
+          </a:p>
+        </p:txBody>
+      </p:sp>
+      <p:sp>
+        <p:nvSpPr>
+          <p:cNvPr id="20" name="TextBox 19">
             <a:extLst>
               <a:ext uri="{FF2B5EF4-FFF2-40B4-BE49-F238E27FC236}">
-                <a16:creationId xmlns:a16="http://schemas.microsoft.com/office/drawing/2014/main" id="{A7BF7A17-FD23-38D3-68C6-9AA878036510}"/>
+                <a16:creationId xmlns:a16="http://schemas.microsoft.com/office/drawing/2014/main" id="{F732BF55-0D76-C88B-C0A1-CB9A10A14C3C}"/>
               </a:ext>
             </a:extLst>
           </p:cNvPr>
@@ -19434,8 +23319,8 @@
         </p:nvSpPr>
         <p:spPr>
           <a:xfrm>
-            <a:off x="6172200" y="8431768"/>
-            <a:ext cx="1129937" cy="369332"/>
+            <a:off x="13910097" y="1057974"/>
+            <a:ext cx="2495266" cy="1200329"/>
           </a:xfrm>
           <a:prstGeom prst="rect">
             <a:avLst/>
@@ -19449,70 +23334,27 @@
           <a:lstStyle/>
           <a:p>
             <a:r>
-              <a:rPr lang="en-US" b="1" dirty="0">
-                <a:latin typeface="Century Gothic" panose="020B0502020202020204" pitchFamily="34" charset="0"/>
-                <a:cs typeface="Times New Roman" panose="02020603050405020304" pitchFamily="18" charset="0"/>
-              </a:rPr>
-              <a:t>LEYTE</a:t>
-            </a:r>
-            <a:endParaRPr lang="en-PH" b="1" dirty="0">
-              <a:latin typeface="Century Gothic" panose="020B0502020202020204" pitchFamily="34" charset="0"/>
-              <a:cs typeface="Times New Roman" panose="02020603050405020304" pitchFamily="18" charset="0"/>
-            </a:endParaRPr>
-          </a:p>
-        </p:txBody>
-      </p:sp>
-      <p:sp>
-        <p:nvSpPr>
-          <p:cNvPr id="27" name="TextBox 26">
-            <a:extLst>
-              <a:ext uri="{FF2B5EF4-FFF2-40B4-BE49-F238E27FC236}">
-                <a16:creationId xmlns:a16="http://schemas.microsoft.com/office/drawing/2014/main" id="{6433253D-0A9D-CD0F-A819-6B34060EB65D}"/>
-              </a:ext>
-            </a:extLst>
-          </p:cNvPr>
-          <p:cNvSpPr txBox="1"/>
-          <p:nvPr/>
-        </p:nvSpPr>
-        <p:spPr>
-          <a:xfrm>
-            <a:off x="6934200" y="8865632"/>
-            <a:ext cx="3879532" cy="830997"/>
-          </a:xfrm>
-          <a:prstGeom prst="rect">
-            <a:avLst/>
-          </a:prstGeom>
-          <a:noFill/>
-        </p:spPr>
-        <p:txBody>
-          <a:bodyPr wrap="square" rtlCol="0">
-            <a:spAutoFit/>
-          </a:bodyPr>
-          <a:lstStyle/>
-          <a:p>
-            <a:r>
-              <a:rPr lang="en-PH" sz="4800" b="1" i="0" dirty="0">
+              <a:rPr lang="en-PH" sz="7200" b="1" i="0" dirty="0">
                 <a:solidFill>
                   <a:srgbClr val="202124"/>
                 </a:solidFill>
                 <a:effectLst/>
                 <a:latin typeface="Century Gothic" panose="020B0502020202020204" pitchFamily="34" charset="0"/>
               </a:rPr>
-              <a:t>772162.0</a:t>
+              <a:t>136.0</a:t>
             </a:r>
-            <a:endParaRPr lang="en-PH" sz="4800" b="1" dirty="0">
+            <a:endParaRPr lang="en-PH" sz="7200" b="1" dirty="0">
               <a:latin typeface="Century Gothic" panose="020B0502020202020204" pitchFamily="34" charset="0"/>
-              <a:cs typeface="Times New Roman" panose="02020603050405020304" pitchFamily="18" charset="0"/>
             </a:endParaRPr>
           </a:p>
         </p:txBody>
       </p:sp>
       <p:sp>
         <p:nvSpPr>
-          <p:cNvPr id="33" name="TextBox 32">
+          <p:cNvPr id="21" name="TextBox 20">
             <a:extLst>
               <a:ext uri="{FF2B5EF4-FFF2-40B4-BE49-F238E27FC236}">
-                <a16:creationId xmlns:a16="http://schemas.microsoft.com/office/drawing/2014/main" id="{57B9DDA5-A36B-2A50-11D1-9E39B85F54A2}"/>
+                <a16:creationId xmlns:a16="http://schemas.microsoft.com/office/drawing/2014/main" id="{9C7ECC60-61A1-82FA-D9CD-3470D9789CFF}"/>
               </a:ext>
             </a:extLst>
           </p:cNvPr>
@@ -19521,8 +23363,8 @@
         </p:nvSpPr>
         <p:spPr>
           <a:xfrm>
-            <a:off x="6781800" y="9521328"/>
-            <a:ext cx="2884469" cy="323165"/>
+            <a:off x="14097000" y="2117544"/>
+            <a:ext cx="3624469" cy="400110"/>
           </a:xfrm>
           <a:prstGeom prst="rect">
             <a:avLst/>
@@ -19535,27 +23377,91 @@
           </a:bodyPr>
           <a:lstStyle/>
           <a:p>
-            <a:pPr algn="ctr"/>
             <a:r>
-              <a:rPr lang="en-US" sz="1500" b="1" dirty="0">
+              <a:rPr lang="en-US" sz="2000" b="1" i="0" dirty="0">
+                <a:solidFill>
+                  <a:srgbClr val="202124"/>
+                </a:solidFill>
+                <a:effectLst/>
                 <a:latin typeface="Century Gothic" panose="020B0502020202020204" pitchFamily="34" charset="0"/>
-                <a:cs typeface="Times New Roman" panose="02020603050405020304" pitchFamily="18" charset="0"/>
               </a:rPr>
-              <a:t>AFFECTED INDIVIDUALS</a:t>
+              <a:t>Totally Damaged</a:t>
             </a:r>
-            <a:endParaRPr lang="en-PH" sz="1500" b="1" dirty="0">
+            <a:r>
+              <a:rPr lang="en-US" sz="2000" b="1" dirty="0">
+                <a:solidFill>
+                  <a:srgbClr val="202124"/>
+                </a:solidFill>
+                <a:latin typeface="Century Gothic" panose="020B0502020202020204" pitchFamily="34" charset="0"/>
+              </a:rPr>
+              <a:t> </a:t>
+            </a:r>
+            <a:r>
+              <a:rPr lang="en-US" sz="2000" b="1" i="0" dirty="0">
+                <a:solidFill>
+                  <a:srgbClr val="202124"/>
+                </a:solidFill>
+                <a:effectLst/>
+                <a:latin typeface="Century Gothic" panose="020B0502020202020204" pitchFamily="34" charset="0"/>
+              </a:rPr>
+              <a:t>Houses</a:t>
+            </a:r>
+            <a:endParaRPr lang="en-PH" sz="2000" b="1" dirty="0">
               <a:latin typeface="Century Gothic" panose="020B0502020202020204" pitchFamily="34" charset="0"/>
-              <a:cs typeface="Times New Roman" panose="02020603050405020304" pitchFamily="18" charset="0"/>
+            </a:endParaRPr>
+          </a:p>
+        </p:txBody>
+      </p:sp>
+      <p:sp>
+        <p:nvSpPr>
+          <p:cNvPr id="26" name="TextBox 25">
+            <a:extLst>
+              <a:ext uri="{FF2B5EF4-FFF2-40B4-BE49-F238E27FC236}">
+                <a16:creationId xmlns:a16="http://schemas.microsoft.com/office/drawing/2014/main" id="{D144AB0E-A685-30A7-E417-01241792E812}"/>
+              </a:ext>
+            </a:extLst>
+          </p:cNvPr>
+          <p:cNvSpPr txBox="1"/>
+          <p:nvPr/>
+        </p:nvSpPr>
+        <p:spPr>
+          <a:xfrm>
+            <a:off x="14158177" y="476190"/>
+            <a:ext cx="3587176" cy="400110"/>
+          </a:xfrm>
+          <a:prstGeom prst="rect">
+            <a:avLst/>
+          </a:prstGeom>
+          <a:noFill/>
+        </p:spPr>
+        <p:txBody>
+          <a:bodyPr wrap="square" rtlCol="0">
+            <a:spAutoFit/>
+          </a:bodyPr>
+          <a:lstStyle/>
+          <a:p>
+            <a:pPr algn="r"/>
+            <a:r>
+              <a:rPr lang="en-US" sz="2000" b="1" dirty="0">
+                <a:solidFill>
+                  <a:srgbClr val="202124"/>
+                </a:solidFill>
+                <a:latin typeface="Century Gothic" panose="020B0502020202020204" pitchFamily="34" charset="0"/>
+              </a:rPr>
+              <a:t>SIPOCOT, CAMARINES SUR</a:t>
+            </a:r>
+            <a:endParaRPr lang="en-PH" sz="2000" b="1" dirty="0">
+              <a:latin typeface="Century Gothic" panose="020B0502020202020204" pitchFamily="34" charset="0"/>
             </a:endParaRPr>
           </a:p>
         </p:txBody>
       </p:sp>
       <p:pic>
         <p:nvPicPr>
-          <p:cNvPr id="34" name="Picture 33">
+          <p:cNvPr id="33" name="Picture 32">
             <a:extLst>
               <a:ext uri="{FF2B5EF4-FFF2-40B4-BE49-F238E27FC236}">
-                <a16:creationId xmlns:a16="http://schemas.microsoft.com/office/drawing/2014/main" id="{B1976F6A-5BEA-7912-2852-8153E1C7EDF9}"/>
+                <a16:creationId xmlns:a16="http://schemas.microsoft.com/office/drawing/2014/main" id="{AD15C8E0-F843-88DB-FBBA-AC7BD9BD65F0}"/>
               </a:ext>
             </a:extLst>
           </p:cNvPr>
@@ -19578,8 +23484,8 @@
         </p:blipFill>
         <p:spPr>
           <a:xfrm>
-            <a:off x="10280799" y="8634683"/>
-            <a:ext cx="1129937" cy="1129937"/>
+            <a:off x="7010400" y="876300"/>
+            <a:ext cx="1544186" cy="1544186"/>
           </a:xfrm>
           <a:prstGeom prst="rect">
             <a:avLst/>
@@ -19588,10 +23494,10 @@
       </p:pic>
       <p:sp>
         <p:nvSpPr>
-          <p:cNvPr id="35" name="TextBox 34">
+          <p:cNvPr id="34" name="TextBox 33">
             <a:extLst>
               <a:ext uri="{FF2B5EF4-FFF2-40B4-BE49-F238E27FC236}">
-                <a16:creationId xmlns:a16="http://schemas.microsoft.com/office/drawing/2014/main" id="{0D376061-4026-AF73-E5EE-CE5A1ED92DA3}"/>
+                <a16:creationId xmlns:a16="http://schemas.microsoft.com/office/drawing/2014/main" id="{2023C745-0CC6-F938-7BB2-2D6474F41D80}"/>
               </a:ext>
             </a:extLst>
           </p:cNvPr>
@@ -19600,8 +23506,8 @@
         </p:nvSpPr>
         <p:spPr>
           <a:xfrm>
-            <a:off x="12192000" y="8420100"/>
-            <a:ext cx="2024452" cy="369332"/>
+            <a:off x="8773443" y="1158396"/>
+            <a:ext cx="3307949" cy="1015663"/>
           </a:xfrm>
           <a:prstGeom prst="rect">
             <a:avLst/>
@@ -19615,113 +23521,46 @@
           <a:lstStyle/>
           <a:p>
             <a:r>
-              <a:rPr lang="en-US" b="1" dirty="0">
-                <a:latin typeface="Century Gothic" panose="020B0502020202020204" pitchFamily="34" charset="0"/>
-                <a:cs typeface="Times New Roman" panose="02020603050405020304" pitchFamily="18" charset="0"/>
-              </a:rPr>
-              <a:t>WESTERN SAMAR</a:t>
-            </a:r>
-            <a:endParaRPr lang="en-PH" b="1" dirty="0">
-              <a:latin typeface="Century Gothic" panose="020B0502020202020204" pitchFamily="34" charset="0"/>
-              <a:cs typeface="Times New Roman" panose="02020603050405020304" pitchFamily="18" charset="0"/>
-            </a:endParaRPr>
-          </a:p>
-        </p:txBody>
-      </p:sp>
-      <p:sp>
-        <p:nvSpPr>
-          <p:cNvPr id="36" name="TextBox 35">
-            <a:extLst>
-              <a:ext uri="{FF2B5EF4-FFF2-40B4-BE49-F238E27FC236}">
-                <a16:creationId xmlns:a16="http://schemas.microsoft.com/office/drawing/2014/main" id="{C9BF7799-AEF9-CAC6-63DA-34FCCB9B0C16}"/>
-              </a:ext>
-            </a:extLst>
-          </p:cNvPr>
-          <p:cNvSpPr txBox="1"/>
-          <p:nvPr/>
-        </p:nvSpPr>
-        <p:spPr>
-          <a:xfrm>
-            <a:off x="13079217" y="8877300"/>
-            <a:ext cx="3303783" cy="830997"/>
-          </a:xfrm>
-          <a:prstGeom prst="rect">
-            <a:avLst/>
-          </a:prstGeom>
-          <a:noFill/>
-        </p:spPr>
-        <p:txBody>
-          <a:bodyPr wrap="square" rtlCol="0">
-            <a:spAutoFit/>
-          </a:bodyPr>
-          <a:lstStyle/>
-          <a:p>
-            <a:r>
-              <a:rPr lang="en-PH" sz="4800" b="1" i="0" dirty="0">
+              <a:rPr lang="en-US" sz="2000" b="1" i="0" u="sng" dirty="0">
                 <a:solidFill>
                   <a:srgbClr val="202124"/>
                 </a:solidFill>
                 <a:effectLst/>
                 <a:latin typeface="Century Gothic" panose="020B0502020202020204" pitchFamily="34" charset="0"/>
               </a:rPr>
-              <a:t>483308.0</a:t>
+              <a:t>TYPHOON TISOY  </a:t>
             </a:r>
-            <a:endParaRPr lang="en-PH" sz="4800" b="1" dirty="0">
-              <a:latin typeface="Century Gothic" panose="020B0502020202020204" pitchFamily="34" charset="0"/>
-              <a:cs typeface="Times New Roman" panose="02020603050405020304" pitchFamily="18" charset="0"/>
-            </a:endParaRPr>
-          </a:p>
-        </p:txBody>
-      </p:sp>
-      <p:sp>
-        <p:nvSpPr>
-          <p:cNvPr id="37" name="TextBox 36">
+            <a:r>
+              <a:rPr lang="en-US" sz="2000" b="1" i="0" dirty="0">
+                <a:solidFill>
+                  <a:srgbClr val="202124"/>
+                </a:solidFill>
+                <a:effectLst/>
+                <a:latin typeface="Century Gothic" panose="020B0502020202020204" pitchFamily="34" charset="0"/>
+              </a:rPr>
+              <a:t>TYPHOON URSULA</a:t>
+            </a:r>
+          </a:p>
+          <a:p>
+            <a:r>
+              <a:rPr lang="en-US" sz="2000" b="1" i="0" dirty="0">
+                <a:solidFill>
+                  <a:srgbClr val="202124"/>
+                </a:solidFill>
+                <a:effectLst/>
+                <a:latin typeface="Century Gothic" panose="020B0502020202020204" pitchFamily="34" charset="0"/>
+              </a:rPr>
+              <a:t>TYPHOON QUIEL</a:t>
+            </a:r>
+          </a:p>
+        </p:txBody>
+      </p:sp>
+      <p:pic>
+        <p:nvPicPr>
+          <p:cNvPr id="35" name="Picture 34">
             <a:extLst>
               <a:ext uri="{FF2B5EF4-FFF2-40B4-BE49-F238E27FC236}">
-                <a16:creationId xmlns:a16="http://schemas.microsoft.com/office/drawing/2014/main" id="{54E26ED4-C216-D436-B799-FA283B0ACAC3}"/>
-              </a:ext>
-            </a:extLst>
-          </p:cNvPr>
-          <p:cNvSpPr txBox="1"/>
-          <p:nvPr/>
-        </p:nvSpPr>
-        <p:spPr>
-          <a:xfrm>
-            <a:off x="13030200" y="9535046"/>
-            <a:ext cx="2884469" cy="323165"/>
-          </a:xfrm>
-          <a:prstGeom prst="rect">
-            <a:avLst/>
-          </a:prstGeom>
-          <a:noFill/>
-        </p:spPr>
-        <p:txBody>
-          <a:bodyPr wrap="square" rtlCol="0">
-            <a:spAutoFit/>
-          </a:bodyPr>
-          <a:lstStyle/>
-          <a:p>
-            <a:pPr algn="ctr"/>
-            <a:r>
-              <a:rPr lang="en-US" sz="1500" b="1" dirty="0">
-                <a:latin typeface="Century Gothic" panose="020B0502020202020204" pitchFamily="34" charset="0"/>
-                <a:cs typeface="Times New Roman" panose="02020603050405020304" pitchFamily="18" charset="0"/>
-              </a:rPr>
-              <a:t>AFFECTED INDIVIDUALS</a:t>
-            </a:r>
-            <a:endParaRPr lang="en-PH" sz="1500" b="1" dirty="0">
-              <a:latin typeface="Century Gothic" panose="020B0502020202020204" pitchFamily="34" charset="0"/>
-              <a:cs typeface="Times New Roman" panose="02020603050405020304" pitchFamily="18" charset="0"/>
-            </a:endParaRPr>
-          </a:p>
-        </p:txBody>
-      </p:sp>
-      <p:pic>
-        <p:nvPicPr>
-          <p:cNvPr id="38" name="Picture 37">
-            <a:extLst>
-              <a:ext uri="{FF2B5EF4-FFF2-40B4-BE49-F238E27FC236}">
-                <a16:creationId xmlns:a16="http://schemas.microsoft.com/office/drawing/2014/main" id="{047F70C1-BEB5-8A91-FC0E-3A1DB52B7617}"/>
+                <a16:creationId xmlns:a16="http://schemas.microsoft.com/office/drawing/2014/main" id="{BB1EB091-9EE0-E6CD-53C6-C09798E75836}"/>
               </a:ext>
             </a:extLst>
           </p:cNvPr>
@@ -19731,7 +23570,47 @@
           <p:nvPr/>
         </p:nvPicPr>
         <p:blipFill>
-          <a:blip r:embed="rId3" cstate="print">
+          <a:blip r:embed="rId3">
+            <a:extLst>
+              <a:ext uri="{28A0092B-C50C-407E-A947-70E740481C1C}">
+                <a14:useLocalDpi xmlns:a14="http://schemas.microsoft.com/office/drawing/2010/main" val="0"/>
+              </a:ext>
+            </a:extLst>
+          </a:blip>
+          <a:srcRect/>
+          <a:stretch/>
+        </p:blipFill>
+        <p:spPr>
+          <a:xfrm>
+            <a:off x="6151380" y="2955898"/>
+            <a:ext cx="11599182" cy="7140602"/>
+          </a:xfrm>
+          <a:prstGeom prst="rect">
+            <a:avLst/>
+          </a:prstGeom>
+          <a:ln w="38100">
+            <a:solidFill>
+              <a:schemeClr val="tx1"/>
+            </a:solidFill>
+          </a:ln>
+        </p:spPr>
+      </p:pic>
+      <p:pic>
+        <p:nvPicPr>
+          <p:cNvPr id="7" name="Picture 6">
+            <a:extLst>
+              <a:ext uri="{FF2B5EF4-FFF2-40B4-BE49-F238E27FC236}">
+                <a16:creationId xmlns:a16="http://schemas.microsoft.com/office/drawing/2014/main" id="{24629898-8B59-9B42-6F28-862021C97FF5}"/>
+              </a:ext>
+            </a:extLst>
+          </p:cNvPr>
+          <p:cNvPicPr>
+            <a:picLocks noChangeAspect="1"/>
+          </p:cNvPicPr>
+          <p:nvPr/>
+        </p:nvPicPr>
+        <p:blipFill>
+          <a:blip r:embed="rId4" cstate="print">
             <a:extLst>
               <a:ext uri="{28A0092B-C50C-407E-A947-70E740481C1C}">
                 <a14:useLocalDpi xmlns:a14="http://schemas.microsoft.com/office/drawing/2010/main" val="0"/>
@@ -19744,55 +23623,20 @@
         </p:blipFill>
         <p:spPr>
           <a:xfrm>
-            <a:off x="16078200" y="8543637"/>
-            <a:ext cx="1344105" cy="1344105"/>
+            <a:off x="12363641" y="840535"/>
+            <a:ext cx="1651383" cy="1651383"/>
           </a:xfrm>
           <a:prstGeom prst="rect">
             <a:avLst/>
           </a:prstGeom>
-        </p:spPr>
-      </p:pic>
-      <p:pic>
-        <p:nvPicPr>
-          <p:cNvPr id="26" name="Picture 25">
-            <a:extLst>
-              <a:ext uri="{FF2B5EF4-FFF2-40B4-BE49-F238E27FC236}">
-                <a16:creationId xmlns:a16="http://schemas.microsoft.com/office/drawing/2014/main" id="{FD899B46-8623-9D49-4E21-1BE96472BE51}"/>
-              </a:ext>
-            </a:extLst>
-          </p:cNvPr>
-          <p:cNvPicPr>
-            <a:picLocks noChangeAspect="1"/>
-          </p:cNvPicPr>
-          <p:nvPr/>
-        </p:nvPicPr>
-        <p:blipFill>
-          <a:blip r:embed="rId4">
-            <a:extLst>
-              <a:ext uri="{28A0092B-C50C-407E-A947-70E740481C1C}">
-                <a14:useLocalDpi xmlns:a14="http://schemas.microsoft.com/office/drawing/2010/main" val="0"/>
-              </a:ext>
-            </a:extLst>
-          </a:blip>
-          <a:srcRect/>
-          <a:stretch/>
-        </p:blipFill>
-        <p:spPr>
-          <a:xfrm>
-            <a:off x="6096000" y="394100"/>
-            <a:ext cx="11679971" cy="7741042"/>
-          </a:xfrm>
-          <a:prstGeom prst="rect">
-            <a:avLst/>
-          </a:prstGeom>
-          <a:ln w="38100">
-            <a:solidFill>
-              <a:schemeClr val="tx1"/>
-            </a:solidFill>
-          </a:ln>
         </p:spPr>
       </p:pic>
     </p:spTree>
+    <p:extLst>
+      <p:ext uri="{BB962C8B-B14F-4D97-AF65-F5344CB8AC3E}">
+        <p14:creationId xmlns:p14="http://schemas.microsoft.com/office/powerpoint/2010/main" val="1055094025"/>
+      </p:ext>
+    </p:extLst>
   </p:cSld>
   <p:clrMapOvr>
     <a:masterClrMapping/>
